--- a/CustomerFiles/Demo_Docs/demo1_test.pptx
+++ b/CustomerFiles/Demo_Docs/demo1_test.pptx
@@ -14,6 +14,7 @@
     <p:sldId id="261" r:id="rId9"/>
     <p:sldId id="262" r:id="rId10"/>
     <p:sldId id="263" r:id="rId11"/>
+    <p:sldId id="264" r:id="rId12"/>
   </p:sldIdLst>
   <p:sldSz cx="12192000" cy="6858000"/>
   <p:notesSz cx="7559675" cy="10691812"/>
@@ -61,7 +62,7 @@
       </p:grpSpPr>
       <p:sp>
         <p:nvSpPr>
-          <p:cNvPr id="28" name="PlaceHolder 1"/>
+          <p:cNvPr id="25" name="PlaceHolder 1"/>
           <p:cNvSpPr>
             <a:spLocks noGrp="1"/>
           </p:cNvSpPr>
@@ -71,8 +72,8 @@
         </p:nvSpPr>
         <p:spPr>
           <a:xfrm>
-            <a:off x="2895480" y="764280"/>
-            <a:ext cx="8610120" cy="1292760"/>
+            <a:off x="609480" y="273600"/>
+            <a:ext cx="10972440" cy="1144800"/>
           </a:xfrm>
           <a:prstGeom prst="rect">
             <a:avLst/>
@@ -81,18 +82,16 @@
         <p:txBody>
           <a:bodyPr lIns="0" rIns="0" tIns="0" bIns="0" anchor="ctr"/>
           <a:p>
-            <a:endParaRPr b="0" lang="en-US" sz="1800" spc="-1" strike="noStrike">
-              <a:solidFill>
-                <a:srgbClr val="ffffff"/>
-              </a:solidFill>
-              <a:latin typeface="Century Gothic"/>
-            </a:endParaRPr>
-          </a:p>
-        </p:txBody>
-      </p:sp>
-      <p:sp>
-        <p:nvSpPr>
-          <p:cNvPr id="29" name="PlaceHolder 2"/>
+            <a:pPr algn="ctr"/>
+            <a:endParaRPr b="0" lang="en-GB" sz="4400" spc="-1" strike="noStrike">
+              <a:latin typeface="Arial"/>
+            </a:endParaRPr>
+          </a:p>
+        </p:txBody>
+      </p:sp>
+      <p:sp>
+        <p:nvSpPr>
+          <p:cNvPr id="26" name="PlaceHolder 2"/>
           <p:cNvSpPr>
             <a:spLocks noGrp="1"/>
           </p:cNvSpPr>
@@ -102,8 +101,8 @@
         </p:nvSpPr>
         <p:spPr>
           <a:xfrm>
-            <a:off x="685800" y="2194560"/>
-            <a:ext cx="10820160" cy="1919160"/>
+            <a:off x="609480" y="1604520"/>
+            <a:ext cx="10972440" cy="1896840"/>
           </a:xfrm>
           <a:prstGeom prst="rect">
             <a:avLst/>
@@ -114,18 +113,15 @@
             <a:normAutofit/>
           </a:bodyPr>
           <a:p>
-            <a:endParaRPr b="0" lang="en-US" sz="2200" spc="-1" strike="noStrike">
-              <a:solidFill>
-                <a:srgbClr val="ffffff"/>
-              </a:solidFill>
-              <a:latin typeface="Century Gothic"/>
-            </a:endParaRPr>
-          </a:p>
-        </p:txBody>
-      </p:sp>
-      <p:sp>
-        <p:nvSpPr>
-          <p:cNvPr id="30" name="PlaceHolder 3"/>
+            <a:endParaRPr b="0" lang="en-GB" sz="3200" spc="-1" strike="noStrike">
+              <a:latin typeface="Arial"/>
+            </a:endParaRPr>
+          </a:p>
+        </p:txBody>
+      </p:sp>
+      <p:sp>
+        <p:nvSpPr>
+          <p:cNvPr id="27" name="PlaceHolder 3"/>
           <p:cNvSpPr>
             <a:spLocks noGrp="1"/>
           </p:cNvSpPr>
@@ -135,8 +131,8 @@
         </p:nvSpPr>
         <p:spPr>
           <a:xfrm>
-            <a:off x="685800" y="4296600"/>
-            <a:ext cx="10820160" cy="1919160"/>
+            <a:off x="609480" y="3682080"/>
+            <a:ext cx="10972440" cy="1896840"/>
           </a:xfrm>
           <a:prstGeom prst="rect">
             <a:avLst/>
@@ -147,11 +143,8 @@
             <a:normAutofit/>
           </a:bodyPr>
           <a:p>
-            <a:endParaRPr b="0" lang="en-US" sz="2200" spc="-1" strike="noStrike">
-              <a:solidFill>
-                <a:srgbClr val="ffffff"/>
-              </a:solidFill>
-              <a:latin typeface="Century Gothic"/>
+            <a:endParaRPr b="0" lang="en-GB" sz="3200" spc="-1" strike="noStrike">
+              <a:latin typeface="Arial"/>
             </a:endParaRPr>
           </a:p>
         </p:txBody>
@@ -180,7 +173,7 @@
       </p:grpSpPr>
       <p:sp>
         <p:nvSpPr>
-          <p:cNvPr id="31" name="PlaceHolder 1"/>
+          <p:cNvPr id="28" name="PlaceHolder 1"/>
           <p:cNvSpPr>
             <a:spLocks noGrp="1"/>
           </p:cNvSpPr>
@@ -190,8 +183,8 @@
         </p:nvSpPr>
         <p:spPr>
           <a:xfrm>
-            <a:off x="2895480" y="764280"/>
-            <a:ext cx="8610120" cy="1292760"/>
+            <a:off x="609480" y="273600"/>
+            <a:ext cx="10972440" cy="1144800"/>
           </a:xfrm>
           <a:prstGeom prst="rect">
             <a:avLst/>
@@ -200,18 +193,16 @@
         <p:txBody>
           <a:bodyPr lIns="0" rIns="0" tIns="0" bIns="0" anchor="ctr"/>
           <a:p>
-            <a:endParaRPr b="0" lang="en-US" sz="1800" spc="-1" strike="noStrike">
-              <a:solidFill>
-                <a:srgbClr val="ffffff"/>
-              </a:solidFill>
-              <a:latin typeface="Century Gothic"/>
-            </a:endParaRPr>
-          </a:p>
-        </p:txBody>
-      </p:sp>
-      <p:sp>
-        <p:nvSpPr>
-          <p:cNvPr id="32" name="PlaceHolder 2"/>
+            <a:pPr algn="ctr"/>
+            <a:endParaRPr b="0" lang="en-GB" sz="4400" spc="-1" strike="noStrike">
+              <a:latin typeface="Arial"/>
+            </a:endParaRPr>
+          </a:p>
+        </p:txBody>
+      </p:sp>
+      <p:sp>
+        <p:nvSpPr>
+          <p:cNvPr id="29" name="PlaceHolder 2"/>
           <p:cNvSpPr>
             <a:spLocks noGrp="1"/>
           </p:cNvSpPr>
@@ -221,8 +212,8 @@
         </p:nvSpPr>
         <p:spPr>
           <a:xfrm>
-            <a:off x="685800" y="2194560"/>
-            <a:ext cx="5280120" cy="1919160"/>
+            <a:off x="609480" y="1604520"/>
+            <a:ext cx="5354280" cy="1896840"/>
           </a:xfrm>
           <a:prstGeom prst="rect">
             <a:avLst/>
@@ -233,18 +224,15 @@
             <a:normAutofit/>
           </a:bodyPr>
           <a:p>
-            <a:endParaRPr b="0" lang="en-US" sz="2200" spc="-1" strike="noStrike">
-              <a:solidFill>
-                <a:srgbClr val="ffffff"/>
-              </a:solidFill>
-              <a:latin typeface="Century Gothic"/>
-            </a:endParaRPr>
-          </a:p>
-        </p:txBody>
-      </p:sp>
-      <p:sp>
-        <p:nvSpPr>
-          <p:cNvPr id="33" name="PlaceHolder 3"/>
+            <a:endParaRPr b="0" lang="en-GB" sz="3200" spc="-1" strike="noStrike">
+              <a:latin typeface="Arial"/>
+            </a:endParaRPr>
+          </a:p>
+        </p:txBody>
+      </p:sp>
+      <p:sp>
+        <p:nvSpPr>
+          <p:cNvPr id="30" name="PlaceHolder 3"/>
           <p:cNvSpPr>
             <a:spLocks noGrp="1"/>
           </p:cNvSpPr>
@@ -254,8 +242,8 @@
         </p:nvSpPr>
         <p:spPr>
           <a:xfrm>
-            <a:off x="6230160" y="2194560"/>
-            <a:ext cx="5280120" cy="1919160"/>
+            <a:off x="6231960" y="1604520"/>
+            <a:ext cx="5354280" cy="1896840"/>
           </a:xfrm>
           <a:prstGeom prst="rect">
             <a:avLst/>
@@ -266,18 +254,15 @@
             <a:normAutofit/>
           </a:bodyPr>
           <a:p>
-            <a:endParaRPr b="0" lang="en-US" sz="2200" spc="-1" strike="noStrike">
-              <a:solidFill>
-                <a:srgbClr val="ffffff"/>
-              </a:solidFill>
-              <a:latin typeface="Century Gothic"/>
-            </a:endParaRPr>
-          </a:p>
-        </p:txBody>
-      </p:sp>
-      <p:sp>
-        <p:nvSpPr>
-          <p:cNvPr id="34" name="PlaceHolder 4"/>
+            <a:endParaRPr b="0" lang="en-GB" sz="3200" spc="-1" strike="noStrike">
+              <a:latin typeface="Arial"/>
+            </a:endParaRPr>
+          </a:p>
+        </p:txBody>
+      </p:sp>
+      <p:sp>
+        <p:nvSpPr>
+          <p:cNvPr id="31" name="PlaceHolder 4"/>
           <p:cNvSpPr>
             <a:spLocks noGrp="1"/>
           </p:cNvSpPr>
@@ -287,8 +272,8 @@
         </p:nvSpPr>
         <p:spPr>
           <a:xfrm>
-            <a:off x="685800" y="4296600"/>
-            <a:ext cx="5280120" cy="1919160"/>
+            <a:off x="609480" y="3682080"/>
+            <a:ext cx="5354280" cy="1896840"/>
           </a:xfrm>
           <a:prstGeom prst="rect">
             <a:avLst/>
@@ -299,18 +284,15 @@
             <a:normAutofit/>
           </a:bodyPr>
           <a:p>
-            <a:endParaRPr b="0" lang="en-US" sz="2200" spc="-1" strike="noStrike">
-              <a:solidFill>
-                <a:srgbClr val="ffffff"/>
-              </a:solidFill>
-              <a:latin typeface="Century Gothic"/>
-            </a:endParaRPr>
-          </a:p>
-        </p:txBody>
-      </p:sp>
-      <p:sp>
-        <p:nvSpPr>
-          <p:cNvPr id="35" name="PlaceHolder 5"/>
+            <a:endParaRPr b="0" lang="en-GB" sz="3200" spc="-1" strike="noStrike">
+              <a:latin typeface="Arial"/>
+            </a:endParaRPr>
+          </a:p>
+        </p:txBody>
+      </p:sp>
+      <p:sp>
+        <p:nvSpPr>
+          <p:cNvPr id="32" name="PlaceHolder 5"/>
           <p:cNvSpPr>
             <a:spLocks noGrp="1"/>
           </p:cNvSpPr>
@@ -320,8 +302,8 @@
         </p:nvSpPr>
         <p:spPr>
           <a:xfrm>
-            <a:off x="6230160" y="4296600"/>
-            <a:ext cx="5280120" cy="1919160"/>
+            <a:off x="6231960" y="3682080"/>
+            <a:ext cx="5354280" cy="1896840"/>
           </a:xfrm>
           <a:prstGeom prst="rect">
             <a:avLst/>
@@ -332,11 +314,8 @@
             <a:normAutofit/>
           </a:bodyPr>
           <a:p>
-            <a:endParaRPr b="0" lang="en-US" sz="2200" spc="-1" strike="noStrike">
-              <a:solidFill>
-                <a:srgbClr val="ffffff"/>
-              </a:solidFill>
-              <a:latin typeface="Century Gothic"/>
+            <a:endParaRPr b="0" lang="en-GB" sz="3200" spc="-1" strike="noStrike">
+              <a:latin typeface="Arial"/>
             </a:endParaRPr>
           </a:p>
         </p:txBody>
@@ -365,7 +344,7 @@
       </p:grpSpPr>
       <p:sp>
         <p:nvSpPr>
-          <p:cNvPr id="36" name="PlaceHolder 1"/>
+          <p:cNvPr id="33" name="PlaceHolder 1"/>
           <p:cNvSpPr>
             <a:spLocks noGrp="1"/>
           </p:cNvSpPr>
@@ -375,8 +354,8 @@
         </p:nvSpPr>
         <p:spPr>
           <a:xfrm>
-            <a:off x="2895480" y="764280"/>
-            <a:ext cx="8610120" cy="1292760"/>
+            <a:off x="609480" y="273600"/>
+            <a:ext cx="10972440" cy="1144800"/>
           </a:xfrm>
           <a:prstGeom prst="rect">
             <a:avLst/>
@@ -385,18 +364,16 @@
         <p:txBody>
           <a:bodyPr lIns="0" rIns="0" tIns="0" bIns="0" anchor="ctr"/>
           <a:p>
-            <a:endParaRPr b="0" lang="en-US" sz="1800" spc="-1" strike="noStrike">
-              <a:solidFill>
-                <a:srgbClr val="ffffff"/>
-              </a:solidFill>
-              <a:latin typeface="Century Gothic"/>
-            </a:endParaRPr>
-          </a:p>
-        </p:txBody>
-      </p:sp>
-      <p:sp>
-        <p:nvSpPr>
-          <p:cNvPr id="37" name="PlaceHolder 2"/>
+            <a:pPr algn="ctr"/>
+            <a:endParaRPr b="0" lang="en-GB" sz="4400" spc="-1" strike="noStrike">
+              <a:latin typeface="Arial"/>
+            </a:endParaRPr>
+          </a:p>
+        </p:txBody>
+      </p:sp>
+      <p:sp>
+        <p:nvSpPr>
+          <p:cNvPr id="34" name="PlaceHolder 2"/>
           <p:cNvSpPr>
             <a:spLocks noGrp="1"/>
           </p:cNvSpPr>
@@ -406,8 +383,8 @@
         </p:nvSpPr>
         <p:spPr>
           <a:xfrm>
-            <a:off x="685800" y="2194560"/>
-            <a:ext cx="3483720" cy="1919160"/>
+            <a:off x="609480" y="1604520"/>
+            <a:ext cx="3533040" cy="1896840"/>
           </a:xfrm>
           <a:prstGeom prst="rect">
             <a:avLst/>
@@ -418,18 +395,15 @@
             <a:normAutofit/>
           </a:bodyPr>
           <a:p>
-            <a:endParaRPr b="0" lang="en-US" sz="2200" spc="-1" strike="noStrike">
-              <a:solidFill>
-                <a:srgbClr val="ffffff"/>
-              </a:solidFill>
-              <a:latin typeface="Century Gothic"/>
-            </a:endParaRPr>
-          </a:p>
-        </p:txBody>
-      </p:sp>
-      <p:sp>
-        <p:nvSpPr>
-          <p:cNvPr id="38" name="PlaceHolder 3"/>
+            <a:endParaRPr b="0" lang="en-GB" sz="3200" spc="-1" strike="noStrike">
+              <a:latin typeface="Arial"/>
+            </a:endParaRPr>
+          </a:p>
+        </p:txBody>
+      </p:sp>
+      <p:sp>
+        <p:nvSpPr>
+          <p:cNvPr id="35" name="PlaceHolder 3"/>
           <p:cNvSpPr>
             <a:spLocks noGrp="1"/>
           </p:cNvSpPr>
@@ -439,8 +413,8 @@
         </p:nvSpPr>
         <p:spPr>
           <a:xfrm>
-            <a:off x="4344120" y="2194560"/>
-            <a:ext cx="3483720" cy="1919160"/>
+            <a:off x="4319640" y="1604520"/>
+            <a:ext cx="3533040" cy="1896840"/>
           </a:xfrm>
           <a:prstGeom prst="rect">
             <a:avLst/>
@@ -451,18 +425,15 @@
             <a:normAutofit/>
           </a:bodyPr>
           <a:p>
-            <a:endParaRPr b="0" lang="en-US" sz="2200" spc="-1" strike="noStrike">
-              <a:solidFill>
-                <a:srgbClr val="ffffff"/>
-              </a:solidFill>
-              <a:latin typeface="Century Gothic"/>
-            </a:endParaRPr>
-          </a:p>
-        </p:txBody>
-      </p:sp>
-      <p:sp>
-        <p:nvSpPr>
-          <p:cNvPr id="39" name="PlaceHolder 4"/>
+            <a:endParaRPr b="0" lang="en-GB" sz="3200" spc="-1" strike="noStrike">
+              <a:latin typeface="Arial"/>
+            </a:endParaRPr>
+          </a:p>
+        </p:txBody>
+      </p:sp>
+      <p:sp>
+        <p:nvSpPr>
+          <p:cNvPr id="36" name="PlaceHolder 4"/>
           <p:cNvSpPr>
             <a:spLocks noGrp="1"/>
           </p:cNvSpPr>
@@ -472,8 +443,8 @@
         </p:nvSpPr>
         <p:spPr>
           <a:xfrm>
-            <a:off x="8002440" y="2194560"/>
-            <a:ext cx="3483720" cy="1919160"/>
+            <a:off x="8029800" y="1604520"/>
+            <a:ext cx="3533040" cy="1896840"/>
           </a:xfrm>
           <a:prstGeom prst="rect">
             <a:avLst/>
@@ -484,18 +455,15 @@
             <a:normAutofit/>
           </a:bodyPr>
           <a:p>
-            <a:endParaRPr b="0" lang="en-US" sz="2200" spc="-1" strike="noStrike">
-              <a:solidFill>
-                <a:srgbClr val="ffffff"/>
-              </a:solidFill>
-              <a:latin typeface="Century Gothic"/>
-            </a:endParaRPr>
-          </a:p>
-        </p:txBody>
-      </p:sp>
-      <p:sp>
-        <p:nvSpPr>
-          <p:cNvPr id="40" name="PlaceHolder 5"/>
+            <a:endParaRPr b="0" lang="en-GB" sz="3200" spc="-1" strike="noStrike">
+              <a:latin typeface="Arial"/>
+            </a:endParaRPr>
+          </a:p>
+        </p:txBody>
+      </p:sp>
+      <p:sp>
+        <p:nvSpPr>
+          <p:cNvPr id="37" name="PlaceHolder 5"/>
           <p:cNvSpPr>
             <a:spLocks noGrp="1"/>
           </p:cNvSpPr>
@@ -505,8 +473,8 @@
         </p:nvSpPr>
         <p:spPr>
           <a:xfrm>
-            <a:off x="685800" y="4296600"/>
-            <a:ext cx="3483720" cy="1919160"/>
+            <a:off x="609480" y="3682080"/>
+            <a:ext cx="3533040" cy="1896840"/>
           </a:xfrm>
           <a:prstGeom prst="rect">
             <a:avLst/>
@@ -517,18 +485,15 @@
             <a:normAutofit/>
           </a:bodyPr>
           <a:p>
-            <a:endParaRPr b="0" lang="en-US" sz="2200" spc="-1" strike="noStrike">
-              <a:solidFill>
-                <a:srgbClr val="ffffff"/>
-              </a:solidFill>
-              <a:latin typeface="Century Gothic"/>
-            </a:endParaRPr>
-          </a:p>
-        </p:txBody>
-      </p:sp>
-      <p:sp>
-        <p:nvSpPr>
-          <p:cNvPr id="41" name="PlaceHolder 6"/>
+            <a:endParaRPr b="0" lang="en-GB" sz="3200" spc="-1" strike="noStrike">
+              <a:latin typeface="Arial"/>
+            </a:endParaRPr>
+          </a:p>
+        </p:txBody>
+      </p:sp>
+      <p:sp>
+        <p:nvSpPr>
+          <p:cNvPr id="38" name="PlaceHolder 6"/>
           <p:cNvSpPr>
             <a:spLocks noGrp="1"/>
           </p:cNvSpPr>
@@ -538,8 +503,8 @@
         </p:nvSpPr>
         <p:spPr>
           <a:xfrm>
-            <a:off x="4344120" y="4296600"/>
-            <a:ext cx="3483720" cy="1919160"/>
+            <a:off x="4319640" y="3682080"/>
+            <a:ext cx="3533040" cy="1896840"/>
           </a:xfrm>
           <a:prstGeom prst="rect">
             <a:avLst/>
@@ -550,18 +515,15 @@
             <a:normAutofit/>
           </a:bodyPr>
           <a:p>
-            <a:endParaRPr b="0" lang="en-US" sz="2200" spc="-1" strike="noStrike">
-              <a:solidFill>
-                <a:srgbClr val="ffffff"/>
-              </a:solidFill>
-              <a:latin typeface="Century Gothic"/>
-            </a:endParaRPr>
-          </a:p>
-        </p:txBody>
-      </p:sp>
-      <p:sp>
-        <p:nvSpPr>
-          <p:cNvPr id="42" name="PlaceHolder 7"/>
+            <a:endParaRPr b="0" lang="en-GB" sz="3200" spc="-1" strike="noStrike">
+              <a:latin typeface="Arial"/>
+            </a:endParaRPr>
+          </a:p>
+        </p:txBody>
+      </p:sp>
+      <p:sp>
+        <p:nvSpPr>
+          <p:cNvPr id="39" name="PlaceHolder 7"/>
           <p:cNvSpPr>
             <a:spLocks noGrp="1"/>
           </p:cNvSpPr>
@@ -571,8 +533,8 @@
         </p:nvSpPr>
         <p:spPr>
           <a:xfrm>
-            <a:off x="8002440" y="4296600"/>
-            <a:ext cx="3483720" cy="1919160"/>
+            <a:off x="8029800" y="3682080"/>
+            <a:ext cx="3533040" cy="1896840"/>
           </a:xfrm>
           <a:prstGeom prst="rect">
             <a:avLst/>
@@ -583,11 +545,8 @@
             <a:normAutofit/>
           </a:bodyPr>
           <a:p>
-            <a:endParaRPr b="0" lang="en-US" sz="2200" spc="-1" strike="noStrike">
-              <a:solidFill>
-                <a:srgbClr val="ffffff"/>
-              </a:solidFill>
-              <a:latin typeface="Century Gothic"/>
+            <a:endParaRPr b="0" lang="en-GB" sz="3200" spc="-1" strike="noStrike">
+              <a:latin typeface="Arial"/>
             </a:endParaRPr>
           </a:p>
         </p:txBody>
@@ -638,7 +597,7 @@
       </p:grpSpPr>
       <p:sp>
         <p:nvSpPr>
-          <p:cNvPr id="49" name="PlaceHolder 1"/>
+          <p:cNvPr id="43" name="PlaceHolder 1"/>
           <p:cNvSpPr>
             <a:spLocks noGrp="1"/>
           </p:cNvSpPr>
@@ -648,8 +607,8 @@
         </p:nvSpPr>
         <p:spPr>
           <a:xfrm>
-            <a:off x="2895480" y="764280"/>
-            <a:ext cx="8610120" cy="1292760"/>
+            <a:off x="609480" y="273600"/>
+            <a:ext cx="10972440" cy="1144800"/>
           </a:xfrm>
           <a:prstGeom prst="rect">
             <a:avLst/>
@@ -658,18 +617,16 @@
         <p:txBody>
           <a:bodyPr lIns="0" rIns="0" tIns="0" bIns="0" anchor="ctr"/>
           <a:p>
-            <a:endParaRPr b="0" lang="en-US" sz="1800" spc="-1" strike="noStrike">
-              <a:solidFill>
-                <a:srgbClr val="ffffff"/>
-              </a:solidFill>
-              <a:latin typeface="Century Gothic"/>
-            </a:endParaRPr>
-          </a:p>
-        </p:txBody>
-      </p:sp>
-      <p:sp>
-        <p:nvSpPr>
-          <p:cNvPr id="50" name="PlaceHolder 2"/>
+            <a:pPr algn="ctr"/>
+            <a:endParaRPr b="0" lang="en-GB" sz="4400" spc="-1" strike="noStrike">
+              <a:latin typeface="Arial"/>
+            </a:endParaRPr>
+          </a:p>
+        </p:txBody>
+      </p:sp>
+      <p:sp>
+        <p:nvSpPr>
+          <p:cNvPr id="44" name="PlaceHolder 2"/>
           <p:cNvSpPr>
             <a:spLocks noGrp="1"/>
           </p:cNvSpPr>
@@ -679,8 +636,8 @@
         </p:nvSpPr>
         <p:spPr>
           <a:xfrm>
-            <a:off x="685800" y="2194560"/>
-            <a:ext cx="10820160" cy="4023720"/>
+            <a:off x="609480" y="1604520"/>
+            <a:ext cx="10972440" cy="3977280"/>
           </a:xfrm>
           <a:prstGeom prst="rect">
             <a:avLst/>
@@ -720,7 +677,7 @@
       </p:grpSpPr>
       <p:sp>
         <p:nvSpPr>
-          <p:cNvPr id="51" name="PlaceHolder 1"/>
+          <p:cNvPr id="45" name="PlaceHolder 1"/>
           <p:cNvSpPr>
             <a:spLocks noGrp="1"/>
           </p:cNvSpPr>
@@ -730,8 +687,8 @@
         </p:nvSpPr>
         <p:spPr>
           <a:xfrm>
-            <a:off x="2895480" y="764280"/>
-            <a:ext cx="8610120" cy="1292760"/>
+            <a:off x="609480" y="273600"/>
+            <a:ext cx="10972440" cy="1144800"/>
           </a:xfrm>
           <a:prstGeom prst="rect">
             <a:avLst/>
@@ -740,18 +697,16 @@
         <p:txBody>
           <a:bodyPr lIns="0" rIns="0" tIns="0" bIns="0" anchor="ctr"/>
           <a:p>
-            <a:endParaRPr b="0" lang="en-US" sz="1800" spc="-1" strike="noStrike">
-              <a:solidFill>
-                <a:srgbClr val="ffffff"/>
-              </a:solidFill>
-              <a:latin typeface="Century Gothic"/>
-            </a:endParaRPr>
-          </a:p>
-        </p:txBody>
-      </p:sp>
-      <p:sp>
-        <p:nvSpPr>
-          <p:cNvPr id="52" name="PlaceHolder 2"/>
+            <a:pPr algn="ctr"/>
+            <a:endParaRPr b="0" lang="en-GB" sz="4400" spc="-1" strike="noStrike">
+              <a:latin typeface="Arial"/>
+            </a:endParaRPr>
+          </a:p>
+        </p:txBody>
+      </p:sp>
+      <p:sp>
+        <p:nvSpPr>
+          <p:cNvPr id="46" name="PlaceHolder 2"/>
           <p:cNvSpPr>
             <a:spLocks noGrp="1"/>
           </p:cNvSpPr>
@@ -761,8 +716,8 @@
         </p:nvSpPr>
         <p:spPr>
           <a:xfrm>
-            <a:off x="685800" y="2194560"/>
-            <a:ext cx="10820160" cy="4023720"/>
+            <a:off x="609480" y="1604520"/>
+            <a:ext cx="10972440" cy="3977280"/>
           </a:xfrm>
           <a:prstGeom prst="rect">
             <a:avLst/>
@@ -773,11 +728,8 @@
             <a:normAutofit/>
           </a:bodyPr>
           <a:p>
-            <a:endParaRPr b="0" lang="en-US" sz="2200" spc="-1" strike="noStrike">
-              <a:solidFill>
-                <a:srgbClr val="ffffff"/>
-              </a:solidFill>
-              <a:latin typeface="Century Gothic"/>
+            <a:endParaRPr b="0" lang="en-GB" sz="3200" spc="-1" strike="noStrike">
+              <a:latin typeface="Arial"/>
             </a:endParaRPr>
           </a:p>
         </p:txBody>
@@ -806,7 +758,7 @@
       </p:grpSpPr>
       <p:sp>
         <p:nvSpPr>
-          <p:cNvPr id="53" name="PlaceHolder 1"/>
+          <p:cNvPr id="47" name="PlaceHolder 1"/>
           <p:cNvSpPr>
             <a:spLocks noGrp="1"/>
           </p:cNvSpPr>
@@ -816,8 +768,8 @@
         </p:nvSpPr>
         <p:spPr>
           <a:xfrm>
-            <a:off x="2895480" y="764280"/>
-            <a:ext cx="8610120" cy="1292760"/>
+            <a:off x="609480" y="273600"/>
+            <a:ext cx="10972440" cy="1144800"/>
           </a:xfrm>
           <a:prstGeom prst="rect">
             <a:avLst/>
@@ -826,18 +778,16 @@
         <p:txBody>
           <a:bodyPr lIns="0" rIns="0" tIns="0" bIns="0" anchor="ctr"/>
           <a:p>
-            <a:endParaRPr b="0" lang="en-US" sz="1800" spc="-1" strike="noStrike">
-              <a:solidFill>
-                <a:srgbClr val="ffffff"/>
-              </a:solidFill>
-              <a:latin typeface="Century Gothic"/>
-            </a:endParaRPr>
-          </a:p>
-        </p:txBody>
-      </p:sp>
-      <p:sp>
-        <p:nvSpPr>
-          <p:cNvPr id="54" name="PlaceHolder 2"/>
+            <a:pPr algn="ctr"/>
+            <a:endParaRPr b="0" lang="en-GB" sz="4400" spc="-1" strike="noStrike">
+              <a:latin typeface="Arial"/>
+            </a:endParaRPr>
+          </a:p>
+        </p:txBody>
+      </p:sp>
+      <p:sp>
+        <p:nvSpPr>
+          <p:cNvPr id="48" name="PlaceHolder 2"/>
           <p:cNvSpPr>
             <a:spLocks noGrp="1"/>
           </p:cNvSpPr>
@@ -847,8 +797,8 @@
         </p:nvSpPr>
         <p:spPr>
           <a:xfrm>
-            <a:off x="685800" y="2194560"/>
-            <a:ext cx="5280120" cy="4023720"/>
+            <a:off x="609480" y="1604520"/>
+            <a:ext cx="5354280" cy="3977280"/>
           </a:xfrm>
           <a:prstGeom prst="rect">
             <a:avLst/>
@@ -859,18 +809,15 @@
             <a:normAutofit/>
           </a:bodyPr>
           <a:p>
-            <a:endParaRPr b="0" lang="en-US" sz="2200" spc="-1" strike="noStrike">
-              <a:solidFill>
-                <a:srgbClr val="ffffff"/>
-              </a:solidFill>
-              <a:latin typeface="Century Gothic"/>
-            </a:endParaRPr>
-          </a:p>
-        </p:txBody>
-      </p:sp>
-      <p:sp>
-        <p:nvSpPr>
-          <p:cNvPr id="55" name="PlaceHolder 3"/>
+            <a:endParaRPr b="0" lang="en-GB" sz="3200" spc="-1" strike="noStrike">
+              <a:latin typeface="Arial"/>
+            </a:endParaRPr>
+          </a:p>
+        </p:txBody>
+      </p:sp>
+      <p:sp>
+        <p:nvSpPr>
+          <p:cNvPr id="49" name="PlaceHolder 3"/>
           <p:cNvSpPr>
             <a:spLocks noGrp="1"/>
           </p:cNvSpPr>
@@ -880,8 +827,8 @@
         </p:nvSpPr>
         <p:spPr>
           <a:xfrm>
-            <a:off x="6230160" y="2194560"/>
-            <a:ext cx="5280120" cy="4023720"/>
+            <a:off x="6231960" y="1604520"/>
+            <a:ext cx="5354280" cy="3977280"/>
           </a:xfrm>
           <a:prstGeom prst="rect">
             <a:avLst/>
@@ -892,11 +839,8 @@
             <a:normAutofit/>
           </a:bodyPr>
           <a:p>
-            <a:endParaRPr b="0" lang="en-US" sz="2200" spc="-1" strike="noStrike">
-              <a:solidFill>
-                <a:srgbClr val="ffffff"/>
-              </a:solidFill>
-              <a:latin typeface="Century Gothic"/>
+            <a:endParaRPr b="0" lang="en-GB" sz="3200" spc="-1" strike="noStrike">
+              <a:latin typeface="Arial"/>
             </a:endParaRPr>
           </a:p>
         </p:txBody>
@@ -925,7 +869,7 @@
       </p:grpSpPr>
       <p:sp>
         <p:nvSpPr>
-          <p:cNvPr id="56" name="PlaceHolder 1"/>
+          <p:cNvPr id="50" name="PlaceHolder 1"/>
           <p:cNvSpPr>
             <a:spLocks noGrp="1"/>
           </p:cNvSpPr>
@@ -935,8 +879,8 @@
         </p:nvSpPr>
         <p:spPr>
           <a:xfrm>
-            <a:off x="2895480" y="764280"/>
-            <a:ext cx="8610120" cy="1292760"/>
+            <a:off x="609480" y="273600"/>
+            <a:ext cx="10972440" cy="1144800"/>
           </a:xfrm>
           <a:prstGeom prst="rect">
             <a:avLst/>
@@ -945,11 +889,9 @@
         <p:txBody>
           <a:bodyPr lIns="0" rIns="0" tIns="0" bIns="0" anchor="ctr"/>
           <a:p>
-            <a:endParaRPr b="0" lang="en-US" sz="1800" spc="-1" strike="noStrike">
-              <a:solidFill>
-                <a:srgbClr val="ffffff"/>
-              </a:solidFill>
-              <a:latin typeface="Century Gothic"/>
+            <a:pPr algn="ctr"/>
+            <a:endParaRPr b="0" lang="en-GB" sz="4400" spc="-1" strike="noStrike">
+              <a:latin typeface="Arial"/>
             </a:endParaRPr>
           </a:p>
         </p:txBody>
@@ -978,7 +920,7 @@
       </p:grpSpPr>
       <p:sp>
         <p:nvSpPr>
-          <p:cNvPr id="57" name="PlaceHolder 1"/>
+          <p:cNvPr id="51" name="PlaceHolder 1"/>
           <p:cNvSpPr>
             <a:spLocks noGrp="1"/>
           </p:cNvSpPr>
@@ -988,8 +930,8 @@
         </p:nvSpPr>
         <p:spPr>
           <a:xfrm>
-            <a:off x="2895480" y="764280"/>
-            <a:ext cx="8610120" cy="5993640"/>
+            <a:off x="609480" y="273600"/>
+            <a:ext cx="10972440" cy="5307840"/>
           </a:xfrm>
           <a:prstGeom prst="rect">
             <a:avLst/>
@@ -1029,7 +971,7 @@
       </p:grpSpPr>
       <p:sp>
         <p:nvSpPr>
-          <p:cNvPr id="58" name="PlaceHolder 1"/>
+          <p:cNvPr id="52" name="PlaceHolder 1"/>
           <p:cNvSpPr>
             <a:spLocks noGrp="1"/>
           </p:cNvSpPr>
@@ -1039,8 +981,8 @@
         </p:nvSpPr>
         <p:spPr>
           <a:xfrm>
-            <a:off x="2895480" y="764280"/>
-            <a:ext cx="8610120" cy="1292760"/>
+            <a:off x="609480" y="273600"/>
+            <a:ext cx="10972440" cy="1144800"/>
           </a:xfrm>
           <a:prstGeom prst="rect">
             <a:avLst/>
@@ -1049,18 +991,16 @@
         <p:txBody>
           <a:bodyPr lIns="0" rIns="0" tIns="0" bIns="0" anchor="ctr"/>
           <a:p>
-            <a:endParaRPr b="0" lang="en-US" sz="1800" spc="-1" strike="noStrike">
-              <a:solidFill>
-                <a:srgbClr val="ffffff"/>
-              </a:solidFill>
-              <a:latin typeface="Century Gothic"/>
-            </a:endParaRPr>
-          </a:p>
-        </p:txBody>
-      </p:sp>
-      <p:sp>
-        <p:nvSpPr>
-          <p:cNvPr id="59" name="PlaceHolder 2"/>
+            <a:pPr algn="ctr"/>
+            <a:endParaRPr b="0" lang="en-GB" sz="4400" spc="-1" strike="noStrike">
+              <a:latin typeface="Arial"/>
+            </a:endParaRPr>
+          </a:p>
+        </p:txBody>
+      </p:sp>
+      <p:sp>
+        <p:nvSpPr>
+          <p:cNvPr id="53" name="PlaceHolder 2"/>
           <p:cNvSpPr>
             <a:spLocks noGrp="1"/>
           </p:cNvSpPr>
@@ -1070,8 +1010,8 @@
         </p:nvSpPr>
         <p:spPr>
           <a:xfrm>
-            <a:off x="685800" y="2194560"/>
-            <a:ext cx="5280120" cy="1919160"/>
+            <a:off x="609480" y="1604520"/>
+            <a:ext cx="5354280" cy="1896840"/>
           </a:xfrm>
           <a:prstGeom prst="rect">
             <a:avLst/>
@@ -1082,18 +1022,15 @@
             <a:normAutofit/>
           </a:bodyPr>
           <a:p>
-            <a:endParaRPr b="0" lang="en-US" sz="2200" spc="-1" strike="noStrike">
-              <a:solidFill>
-                <a:srgbClr val="ffffff"/>
-              </a:solidFill>
-              <a:latin typeface="Century Gothic"/>
-            </a:endParaRPr>
-          </a:p>
-        </p:txBody>
-      </p:sp>
-      <p:sp>
-        <p:nvSpPr>
-          <p:cNvPr id="60" name="PlaceHolder 3"/>
+            <a:endParaRPr b="0" lang="en-GB" sz="3200" spc="-1" strike="noStrike">
+              <a:latin typeface="Arial"/>
+            </a:endParaRPr>
+          </a:p>
+        </p:txBody>
+      </p:sp>
+      <p:sp>
+        <p:nvSpPr>
+          <p:cNvPr id="54" name="PlaceHolder 3"/>
           <p:cNvSpPr>
             <a:spLocks noGrp="1"/>
           </p:cNvSpPr>
@@ -1103,8 +1040,8 @@
         </p:nvSpPr>
         <p:spPr>
           <a:xfrm>
-            <a:off x="6230160" y="2194560"/>
-            <a:ext cx="5280120" cy="4023720"/>
+            <a:off x="6231960" y="1604520"/>
+            <a:ext cx="5354280" cy="3977280"/>
           </a:xfrm>
           <a:prstGeom prst="rect">
             <a:avLst/>
@@ -1115,18 +1052,15 @@
             <a:normAutofit/>
           </a:bodyPr>
           <a:p>
-            <a:endParaRPr b="0" lang="en-US" sz="2200" spc="-1" strike="noStrike">
-              <a:solidFill>
-                <a:srgbClr val="ffffff"/>
-              </a:solidFill>
-              <a:latin typeface="Century Gothic"/>
-            </a:endParaRPr>
-          </a:p>
-        </p:txBody>
-      </p:sp>
-      <p:sp>
-        <p:nvSpPr>
-          <p:cNvPr id="61" name="PlaceHolder 4"/>
+            <a:endParaRPr b="0" lang="en-GB" sz="3200" spc="-1" strike="noStrike">
+              <a:latin typeface="Arial"/>
+            </a:endParaRPr>
+          </a:p>
+        </p:txBody>
+      </p:sp>
+      <p:sp>
+        <p:nvSpPr>
+          <p:cNvPr id="55" name="PlaceHolder 4"/>
           <p:cNvSpPr>
             <a:spLocks noGrp="1"/>
           </p:cNvSpPr>
@@ -1136,8 +1070,8 @@
         </p:nvSpPr>
         <p:spPr>
           <a:xfrm>
-            <a:off x="685800" y="4296600"/>
-            <a:ext cx="5280120" cy="1919160"/>
+            <a:off x="609480" y="3682080"/>
+            <a:ext cx="5354280" cy="1896840"/>
           </a:xfrm>
           <a:prstGeom prst="rect">
             <a:avLst/>
@@ -1148,11 +1082,8 @@
             <a:normAutofit/>
           </a:bodyPr>
           <a:p>
-            <a:endParaRPr b="0" lang="en-US" sz="2200" spc="-1" strike="noStrike">
-              <a:solidFill>
-                <a:srgbClr val="ffffff"/>
-              </a:solidFill>
-              <a:latin typeface="Century Gothic"/>
+            <a:endParaRPr b="0" lang="en-GB" sz="3200" spc="-1" strike="noStrike">
+              <a:latin typeface="Arial"/>
             </a:endParaRPr>
           </a:p>
         </p:txBody>
@@ -1181,7 +1112,7 @@
       </p:grpSpPr>
       <p:sp>
         <p:nvSpPr>
-          <p:cNvPr id="7" name="PlaceHolder 1"/>
+          <p:cNvPr id="4" name="PlaceHolder 1"/>
           <p:cNvSpPr>
             <a:spLocks noGrp="1"/>
           </p:cNvSpPr>
@@ -1191,8 +1122,8 @@
         </p:nvSpPr>
         <p:spPr>
           <a:xfrm>
-            <a:off x="2895480" y="764280"/>
-            <a:ext cx="8610120" cy="1292760"/>
+            <a:off x="609480" y="273600"/>
+            <a:ext cx="10972440" cy="1144800"/>
           </a:xfrm>
           <a:prstGeom prst="rect">
             <a:avLst/>
@@ -1201,18 +1132,16 @@
         <p:txBody>
           <a:bodyPr lIns="0" rIns="0" tIns="0" bIns="0" anchor="ctr"/>
           <a:p>
-            <a:endParaRPr b="0" lang="en-US" sz="1800" spc="-1" strike="noStrike">
-              <a:solidFill>
-                <a:srgbClr val="ffffff"/>
-              </a:solidFill>
-              <a:latin typeface="Century Gothic"/>
-            </a:endParaRPr>
-          </a:p>
-        </p:txBody>
-      </p:sp>
-      <p:sp>
-        <p:nvSpPr>
-          <p:cNvPr id="8" name="PlaceHolder 2"/>
+            <a:pPr algn="ctr"/>
+            <a:endParaRPr b="0" lang="en-GB" sz="4400" spc="-1" strike="noStrike">
+              <a:latin typeface="Arial"/>
+            </a:endParaRPr>
+          </a:p>
+        </p:txBody>
+      </p:sp>
+      <p:sp>
+        <p:nvSpPr>
+          <p:cNvPr id="5" name="PlaceHolder 2"/>
           <p:cNvSpPr>
             <a:spLocks noGrp="1"/>
           </p:cNvSpPr>
@@ -1222,8 +1151,8 @@
         </p:nvSpPr>
         <p:spPr>
           <a:xfrm>
-            <a:off x="685800" y="2194560"/>
-            <a:ext cx="10820160" cy="4023720"/>
+            <a:off x="609480" y="1604520"/>
+            <a:ext cx="10972440" cy="3977280"/>
           </a:xfrm>
           <a:prstGeom prst="rect">
             <a:avLst/>
@@ -1263,7 +1192,7 @@
       </p:grpSpPr>
       <p:sp>
         <p:nvSpPr>
-          <p:cNvPr id="62" name="PlaceHolder 1"/>
+          <p:cNvPr id="56" name="PlaceHolder 1"/>
           <p:cNvSpPr>
             <a:spLocks noGrp="1"/>
           </p:cNvSpPr>
@@ -1273,8 +1202,8 @@
         </p:nvSpPr>
         <p:spPr>
           <a:xfrm>
-            <a:off x="2895480" y="764280"/>
-            <a:ext cx="8610120" cy="1292760"/>
+            <a:off x="609480" y="273600"/>
+            <a:ext cx="10972440" cy="1144800"/>
           </a:xfrm>
           <a:prstGeom prst="rect">
             <a:avLst/>
@@ -1283,18 +1212,16 @@
         <p:txBody>
           <a:bodyPr lIns="0" rIns="0" tIns="0" bIns="0" anchor="ctr"/>
           <a:p>
-            <a:endParaRPr b="0" lang="en-US" sz="1800" spc="-1" strike="noStrike">
-              <a:solidFill>
-                <a:srgbClr val="ffffff"/>
-              </a:solidFill>
-              <a:latin typeface="Century Gothic"/>
-            </a:endParaRPr>
-          </a:p>
-        </p:txBody>
-      </p:sp>
-      <p:sp>
-        <p:nvSpPr>
-          <p:cNvPr id="63" name="PlaceHolder 2"/>
+            <a:pPr algn="ctr"/>
+            <a:endParaRPr b="0" lang="en-GB" sz="4400" spc="-1" strike="noStrike">
+              <a:latin typeface="Arial"/>
+            </a:endParaRPr>
+          </a:p>
+        </p:txBody>
+      </p:sp>
+      <p:sp>
+        <p:nvSpPr>
+          <p:cNvPr id="57" name="PlaceHolder 2"/>
           <p:cNvSpPr>
             <a:spLocks noGrp="1"/>
           </p:cNvSpPr>
@@ -1304,8 +1231,8 @@
         </p:nvSpPr>
         <p:spPr>
           <a:xfrm>
-            <a:off x="685800" y="2194560"/>
-            <a:ext cx="5280120" cy="4023720"/>
+            <a:off x="609480" y="1604520"/>
+            <a:ext cx="5354280" cy="3977280"/>
           </a:xfrm>
           <a:prstGeom prst="rect">
             <a:avLst/>
@@ -1316,18 +1243,15 @@
             <a:normAutofit/>
           </a:bodyPr>
           <a:p>
-            <a:endParaRPr b="0" lang="en-US" sz="2200" spc="-1" strike="noStrike">
-              <a:solidFill>
-                <a:srgbClr val="ffffff"/>
-              </a:solidFill>
-              <a:latin typeface="Century Gothic"/>
-            </a:endParaRPr>
-          </a:p>
-        </p:txBody>
-      </p:sp>
-      <p:sp>
-        <p:nvSpPr>
-          <p:cNvPr id="64" name="PlaceHolder 3"/>
+            <a:endParaRPr b="0" lang="en-GB" sz="3200" spc="-1" strike="noStrike">
+              <a:latin typeface="Arial"/>
+            </a:endParaRPr>
+          </a:p>
+        </p:txBody>
+      </p:sp>
+      <p:sp>
+        <p:nvSpPr>
+          <p:cNvPr id="58" name="PlaceHolder 3"/>
           <p:cNvSpPr>
             <a:spLocks noGrp="1"/>
           </p:cNvSpPr>
@@ -1337,8 +1261,8 @@
         </p:nvSpPr>
         <p:spPr>
           <a:xfrm>
-            <a:off x="6230160" y="2194560"/>
-            <a:ext cx="5280120" cy="1919160"/>
+            <a:off x="6231960" y="1604520"/>
+            <a:ext cx="5354280" cy="1896840"/>
           </a:xfrm>
           <a:prstGeom prst="rect">
             <a:avLst/>
@@ -1349,18 +1273,15 @@
             <a:normAutofit/>
           </a:bodyPr>
           <a:p>
-            <a:endParaRPr b="0" lang="en-US" sz="2200" spc="-1" strike="noStrike">
-              <a:solidFill>
-                <a:srgbClr val="ffffff"/>
-              </a:solidFill>
-              <a:latin typeface="Century Gothic"/>
-            </a:endParaRPr>
-          </a:p>
-        </p:txBody>
-      </p:sp>
-      <p:sp>
-        <p:nvSpPr>
-          <p:cNvPr id="65" name="PlaceHolder 4"/>
+            <a:endParaRPr b="0" lang="en-GB" sz="3200" spc="-1" strike="noStrike">
+              <a:latin typeface="Arial"/>
+            </a:endParaRPr>
+          </a:p>
+        </p:txBody>
+      </p:sp>
+      <p:sp>
+        <p:nvSpPr>
+          <p:cNvPr id="59" name="PlaceHolder 4"/>
           <p:cNvSpPr>
             <a:spLocks noGrp="1"/>
           </p:cNvSpPr>
@@ -1370,8 +1291,8 @@
         </p:nvSpPr>
         <p:spPr>
           <a:xfrm>
-            <a:off x="6230160" y="4296600"/>
-            <a:ext cx="5280120" cy="1919160"/>
+            <a:off x="6231960" y="3682080"/>
+            <a:ext cx="5354280" cy="1896840"/>
           </a:xfrm>
           <a:prstGeom prst="rect">
             <a:avLst/>
@@ -1382,11 +1303,8 @@
             <a:normAutofit/>
           </a:bodyPr>
           <a:p>
-            <a:endParaRPr b="0" lang="en-US" sz="2200" spc="-1" strike="noStrike">
-              <a:solidFill>
-                <a:srgbClr val="ffffff"/>
-              </a:solidFill>
-              <a:latin typeface="Century Gothic"/>
+            <a:endParaRPr b="0" lang="en-GB" sz="3200" spc="-1" strike="noStrike">
+              <a:latin typeface="Arial"/>
             </a:endParaRPr>
           </a:p>
         </p:txBody>
@@ -1415,7 +1333,7 @@
       </p:grpSpPr>
       <p:sp>
         <p:nvSpPr>
-          <p:cNvPr id="66" name="PlaceHolder 1"/>
+          <p:cNvPr id="60" name="PlaceHolder 1"/>
           <p:cNvSpPr>
             <a:spLocks noGrp="1"/>
           </p:cNvSpPr>
@@ -1425,8 +1343,8 @@
         </p:nvSpPr>
         <p:spPr>
           <a:xfrm>
-            <a:off x="2895480" y="764280"/>
-            <a:ext cx="8610120" cy="1292760"/>
+            <a:off x="609480" y="273600"/>
+            <a:ext cx="10972440" cy="1144800"/>
           </a:xfrm>
           <a:prstGeom prst="rect">
             <a:avLst/>
@@ -1435,18 +1353,16 @@
         <p:txBody>
           <a:bodyPr lIns="0" rIns="0" tIns="0" bIns="0" anchor="ctr"/>
           <a:p>
-            <a:endParaRPr b="0" lang="en-US" sz="1800" spc="-1" strike="noStrike">
-              <a:solidFill>
-                <a:srgbClr val="ffffff"/>
-              </a:solidFill>
-              <a:latin typeface="Century Gothic"/>
-            </a:endParaRPr>
-          </a:p>
-        </p:txBody>
-      </p:sp>
-      <p:sp>
-        <p:nvSpPr>
-          <p:cNvPr id="67" name="PlaceHolder 2"/>
+            <a:pPr algn="ctr"/>
+            <a:endParaRPr b="0" lang="en-GB" sz="4400" spc="-1" strike="noStrike">
+              <a:latin typeface="Arial"/>
+            </a:endParaRPr>
+          </a:p>
+        </p:txBody>
+      </p:sp>
+      <p:sp>
+        <p:nvSpPr>
+          <p:cNvPr id="61" name="PlaceHolder 2"/>
           <p:cNvSpPr>
             <a:spLocks noGrp="1"/>
           </p:cNvSpPr>
@@ -1456,8 +1372,8 @@
         </p:nvSpPr>
         <p:spPr>
           <a:xfrm>
-            <a:off x="685800" y="2194560"/>
-            <a:ext cx="5280120" cy="1919160"/>
+            <a:off x="609480" y="1604520"/>
+            <a:ext cx="5354280" cy="1896840"/>
           </a:xfrm>
           <a:prstGeom prst="rect">
             <a:avLst/>
@@ -1468,18 +1384,15 @@
             <a:normAutofit/>
           </a:bodyPr>
           <a:p>
-            <a:endParaRPr b="0" lang="en-US" sz="2200" spc="-1" strike="noStrike">
-              <a:solidFill>
-                <a:srgbClr val="ffffff"/>
-              </a:solidFill>
-              <a:latin typeface="Century Gothic"/>
-            </a:endParaRPr>
-          </a:p>
-        </p:txBody>
-      </p:sp>
-      <p:sp>
-        <p:nvSpPr>
-          <p:cNvPr id="68" name="PlaceHolder 3"/>
+            <a:endParaRPr b="0" lang="en-GB" sz="3200" spc="-1" strike="noStrike">
+              <a:latin typeface="Arial"/>
+            </a:endParaRPr>
+          </a:p>
+        </p:txBody>
+      </p:sp>
+      <p:sp>
+        <p:nvSpPr>
+          <p:cNvPr id="62" name="PlaceHolder 3"/>
           <p:cNvSpPr>
             <a:spLocks noGrp="1"/>
           </p:cNvSpPr>
@@ -1489,8 +1402,8 @@
         </p:nvSpPr>
         <p:spPr>
           <a:xfrm>
-            <a:off x="6230160" y="2194560"/>
-            <a:ext cx="5280120" cy="1919160"/>
+            <a:off x="6231960" y="1604520"/>
+            <a:ext cx="5354280" cy="1896840"/>
           </a:xfrm>
           <a:prstGeom prst="rect">
             <a:avLst/>
@@ -1501,18 +1414,15 @@
             <a:normAutofit/>
           </a:bodyPr>
           <a:p>
-            <a:endParaRPr b="0" lang="en-US" sz="2200" spc="-1" strike="noStrike">
-              <a:solidFill>
-                <a:srgbClr val="ffffff"/>
-              </a:solidFill>
-              <a:latin typeface="Century Gothic"/>
-            </a:endParaRPr>
-          </a:p>
-        </p:txBody>
-      </p:sp>
-      <p:sp>
-        <p:nvSpPr>
-          <p:cNvPr id="69" name="PlaceHolder 4"/>
+            <a:endParaRPr b="0" lang="en-GB" sz="3200" spc="-1" strike="noStrike">
+              <a:latin typeface="Arial"/>
+            </a:endParaRPr>
+          </a:p>
+        </p:txBody>
+      </p:sp>
+      <p:sp>
+        <p:nvSpPr>
+          <p:cNvPr id="63" name="PlaceHolder 4"/>
           <p:cNvSpPr>
             <a:spLocks noGrp="1"/>
           </p:cNvSpPr>
@@ -1522,8 +1432,8 @@
         </p:nvSpPr>
         <p:spPr>
           <a:xfrm>
-            <a:off x="685800" y="4296600"/>
-            <a:ext cx="10820160" cy="1919160"/>
+            <a:off x="609480" y="3682080"/>
+            <a:ext cx="10972440" cy="1896840"/>
           </a:xfrm>
           <a:prstGeom prst="rect">
             <a:avLst/>
@@ -1534,11 +1444,8 @@
             <a:normAutofit/>
           </a:bodyPr>
           <a:p>
-            <a:endParaRPr b="0" lang="en-US" sz="2200" spc="-1" strike="noStrike">
-              <a:solidFill>
-                <a:srgbClr val="ffffff"/>
-              </a:solidFill>
-              <a:latin typeface="Century Gothic"/>
+            <a:endParaRPr b="0" lang="en-GB" sz="3200" spc="-1" strike="noStrike">
+              <a:latin typeface="Arial"/>
             </a:endParaRPr>
           </a:p>
         </p:txBody>
@@ -1567,7 +1474,7 @@
       </p:grpSpPr>
       <p:sp>
         <p:nvSpPr>
-          <p:cNvPr id="70" name="PlaceHolder 1"/>
+          <p:cNvPr id="64" name="PlaceHolder 1"/>
           <p:cNvSpPr>
             <a:spLocks noGrp="1"/>
           </p:cNvSpPr>
@@ -1577,8 +1484,8 @@
         </p:nvSpPr>
         <p:spPr>
           <a:xfrm>
-            <a:off x="2895480" y="764280"/>
-            <a:ext cx="8610120" cy="1292760"/>
+            <a:off x="609480" y="273600"/>
+            <a:ext cx="10972440" cy="1144800"/>
           </a:xfrm>
           <a:prstGeom prst="rect">
             <a:avLst/>
@@ -1587,18 +1494,16 @@
         <p:txBody>
           <a:bodyPr lIns="0" rIns="0" tIns="0" bIns="0" anchor="ctr"/>
           <a:p>
-            <a:endParaRPr b="0" lang="en-US" sz="1800" spc="-1" strike="noStrike">
-              <a:solidFill>
-                <a:srgbClr val="ffffff"/>
-              </a:solidFill>
-              <a:latin typeface="Century Gothic"/>
-            </a:endParaRPr>
-          </a:p>
-        </p:txBody>
-      </p:sp>
-      <p:sp>
-        <p:nvSpPr>
-          <p:cNvPr id="71" name="PlaceHolder 2"/>
+            <a:pPr algn="ctr"/>
+            <a:endParaRPr b="0" lang="en-GB" sz="4400" spc="-1" strike="noStrike">
+              <a:latin typeface="Arial"/>
+            </a:endParaRPr>
+          </a:p>
+        </p:txBody>
+      </p:sp>
+      <p:sp>
+        <p:nvSpPr>
+          <p:cNvPr id="65" name="PlaceHolder 2"/>
           <p:cNvSpPr>
             <a:spLocks noGrp="1"/>
           </p:cNvSpPr>
@@ -1608,8 +1513,8 @@
         </p:nvSpPr>
         <p:spPr>
           <a:xfrm>
-            <a:off x="685800" y="2194560"/>
-            <a:ext cx="10820160" cy="1919160"/>
+            <a:off x="609480" y="1604520"/>
+            <a:ext cx="10972440" cy="1896840"/>
           </a:xfrm>
           <a:prstGeom prst="rect">
             <a:avLst/>
@@ -1620,18 +1525,15 @@
             <a:normAutofit/>
           </a:bodyPr>
           <a:p>
-            <a:endParaRPr b="0" lang="en-US" sz="2200" spc="-1" strike="noStrike">
-              <a:solidFill>
-                <a:srgbClr val="ffffff"/>
-              </a:solidFill>
-              <a:latin typeface="Century Gothic"/>
-            </a:endParaRPr>
-          </a:p>
-        </p:txBody>
-      </p:sp>
-      <p:sp>
-        <p:nvSpPr>
-          <p:cNvPr id="72" name="PlaceHolder 3"/>
+            <a:endParaRPr b="0" lang="en-GB" sz="3200" spc="-1" strike="noStrike">
+              <a:latin typeface="Arial"/>
+            </a:endParaRPr>
+          </a:p>
+        </p:txBody>
+      </p:sp>
+      <p:sp>
+        <p:nvSpPr>
+          <p:cNvPr id="66" name="PlaceHolder 3"/>
           <p:cNvSpPr>
             <a:spLocks noGrp="1"/>
           </p:cNvSpPr>
@@ -1641,8 +1543,8 @@
         </p:nvSpPr>
         <p:spPr>
           <a:xfrm>
-            <a:off x="685800" y="4296600"/>
-            <a:ext cx="10820160" cy="1919160"/>
+            <a:off x="609480" y="3682080"/>
+            <a:ext cx="10972440" cy="1896840"/>
           </a:xfrm>
           <a:prstGeom prst="rect">
             <a:avLst/>
@@ -1653,11 +1555,8 @@
             <a:normAutofit/>
           </a:bodyPr>
           <a:p>
-            <a:endParaRPr b="0" lang="en-US" sz="2200" spc="-1" strike="noStrike">
-              <a:solidFill>
-                <a:srgbClr val="ffffff"/>
-              </a:solidFill>
-              <a:latin typeface="Century Gothic"/>
+            <a:endParaRPr b="0" lang="en-GB" sz="3200" spc="-1" strike="noStrike">
+              <a:latin typeface="Arial"/>
             </a:endParaRPr>
           </a:p>
         </p:txBody>
@@ -1686,7 +1585,7 @@
       </p:grpSpPr>
       <p:sp>
         <p:nvSpPr>
-          <p:cNvPr id="73" name="PlaceHolder 1"/>
+          <p:cNvPr id="67" name="PlaceHolder 1"/>
           <p:cNvSpPr>
             <a:spLocks noGrp="1"/>
           </p:cNvSpPr>
@@ -1696,8 +1595,8 @@
         </p:nvSpPr>
         <p:spPr>
           <a:xfrm>
-            <a:off x="2895480" y="764280"/>
-            <a:ext cx="8610120" cy="1292760"/>
+            <a:off x="609480" y="273600"/>
+            <a:ext cx="10972440" cy="1144800"/>
           </a:xfrm>
           <a:prstGeom prst="rect">
             <a:avLst/>
@@ -1706,18 +1605,16 @@
         <p:txBody>
           <a:bodyPr lIns="0" rIns="0" tIns="0" bIns="0" anchor="ctr"/>
           <a:p>
-            <a:endParaRPr b="0" lang="en-US" sz="1800" spc="-1" strike="noStrike">
-              <a:solidFill>
-                <a:srgbClr val="ffffff"/>
-              </a:solidFill>
-              <a:latin typeface="Century Gothic"/>
-            </a:endParaRPr>
-          </a:p>
-        </p:txBody>
-      </p:sp>
-      <p:sp>
-        <p:nvSpPr>
-          <p:cNvPr id="74" name="PlaceHolder 2"/>
+            <a:pPr algn="ctr"/>
+            <a:endParaRPr b="0" lang="en-GB" sz="4400" spc="-1" strike="noStrike">
+              <a:latin typeface="Arial"/>
+            </a:endParaRPr>
+          </a:p>
+        </p:txBody>
+      </p:sp>
+      <p:sp>
+        <p:nvSpPr>
+          <p:cNvPr id="68" name="PlaceHolder 2"/>
           <p:cNvSpPr>
             <a:spLocks noGrp="1"/>
           </p:cNvSpPr>
@@ -1727,8 +1624,8 @@
         </p:nvSpPr>
         <p:spPr>
           <a:xfrm>
-            <a:off x="685800" y="2194560"/>
-            <a:ext cx="5280120" cy="1919160"/>
+            <a:off x="609480" y="1604520"/>
+            <a:ext cx="5354280" cy="1896840"/>
           </a:xfrm>
           <a:prstGeom prst="rect">
             <a:avLst/>
@@ -1739,18 +1636,15 @@
             <a:normAutofit/>
           </a:bodyPr>
           <a:p>
-            <a:endParaRPr b="0" lang="en-US" sz="2200" spc="-1" strike="noStrike">
-              <a:solidFill>
-                <a:srgbClr val="ffffff"/>
-              </a:solidFill>
-              <a:latin typeface="Century Gothic"/>
-            </a:endParaRPr>
-          </a:p>
-        </p:txBody>
-      </p:sp>
-      <p:sp>
-        <p:nvSpPr>
-          <p:cNvPr id="75" name="PlaceHolder 3"/>
+            <a:endParaRPr b="0" lang="en-GB" sz="3200" spc="-1" strike="noStrike">
+              <a:latin typeface="Arial"/>
+            </a:endParaRPr>
+          </a:p>
+        </p:txBody>
+      </p:sp>
+      <p:sp>
+        <p:nvSpPr>
+          <p:cNvPr id="69" name="PlaceHolder 3"/>
           <p:cNvSpPr>
             <a:spLocks noGrp="1"/>
           </p:cNvSpPr>
@@ -1760,8 +1654,8 @@
         </p:nvSpPr>
         <p:spPr>
           <a:xfrm>
-            <a:off x="6230160" y="2194560"/>
-            <a:ext cx="5280120" cy="1919160"/>
+            <a:off x="6231960" y="1604520"/>
+            <a:ext cx="5354280" cy="1896840"/>
           </a:xfrm>
           <a:prstGeom prst="rect">
             <a:avLst/>
@@ -1772,18 +1666,15 @@
             <a:normAutofit/>
           </a:bodyPr>
           <a:p>
-            <a:endParaRPr b="0" lang="en-US" sz="2200" spc="-1" strike="noStrike">
-              <a:solidFill>
-                <a:srgbClr val="ffffff"/>
-              </a:solidFill>
-              <a:latin typeface="Century Gothic"/>
-            </a:endParaRPr>
-          </a:p>
-        </p:txBody>
-      </p:sp>
-      <p:sp>
-        <p:nvSpPr>
-          <p:cNvPr id="76" name="PlaceHolder 4"/>
+            <a:endParaRPr b="0" lang="en-GB" sz="3200" spc="-1" strike="noStrike">
+              <a:latin typeface="Arial"/>
+            </a:endParaRPr>
+          </a:p>
+        </p:txBody>
+      </p:sp>
+      <p:sp>
+        <p:nvSpPr>
+          <p:cNvPr id="70" name="PlaceHolder 4"/>
           <p:cNvSpPr>
             <a:spLocks noGrp="1"/>
           </p:cNvSpPr>
@@ -1793,8 +1684,8 @@
         </p:nvSpPr>
         <p:spPr>
           <a:xfrm>
-            <a:off x="685800" y="4296600"/>
-            <a:ext cx="5280120" cy="1919160"/>
+            <a:off x="609480" y="3682080"/>
+            <a:ext cx="5354280" cy="1896840"/>
           </a:xfrm>
           <a:prstGeom prst="rect">
             <a:avLst/>
@@ -1805,18 +1696,15 @@
             <a:normAutofit/>
           </a:bodyPr>
           <a:p>
-            <a:endParaRPr b="0" lang="en-US" sz="2200" spc="-1" strike="noStrike">
-              <a:solidFill>
-                <a:srgbClr val="ffffff"/>
-              </a:solidFill>
-              <a:latin typeface="Century Gothic"/>
-            </a:endParaRPr>
-          </a:p>
-        </p:txBody>
-      </p:sp>
-      <p:sp>
-        <p:nvSpPr>
-          <p:cNvPr id="77" name="PlaceHolder 5"/>
+            <a:endParaRPr b="0" lang="en-GB" sz="3200" spc="-1" strike="noStrike">
+              <a:latin typeface="Arial"/>
+            </a:endParaRPr>
+          </a:p>
+        </p:txBody>
+      </p:sp>
+      <p:sp>
+        <p:nvSpPr>
+          <p:cNvPr id="71" name="PlaceHolder 5"/>
           <p:cNvSpPr>
             <a:spLocks noGrp="1"/>
           </p:cNvSpPr>
@@ -1826,8 +1714,8 @@
         </p:nvSpPr>
         <p:spPr>
           <a:xfrm>
-            <a:off x="6230160" y="4296600"/>
-            <a:ext cx="5280120" cy="1919160"/>
+            <a:off x="6231960" y="3682080"/>
+            <a:ext cx="5354280" cy="1896840"/>
           </a:xfrm>
           <a:prstGeom prst="rect">
             <a:avLst/>
@@ -1838,11 +1726,8 @@
             <a:normAutofit/>
           </a:bodyPr>
           <a:p>
-            <a:endParaRPr b="0" lang="en-US" sz="2200" spc="-1" strike="noStrike">
-              <a:solidFill>
-                <a:srgbClr val="ffffff"/>
-              </a:solidFill>
-              <a:latin typeface="Century Gothic"/>
+            <a:endParaRPr b="0" lang="en-GB" sz="3200" spc="-1" strike="noStrike">
+              <a:latin typeface="Arial"/>
             </a:endParaRPr>
           </a:p>
         </p:txBody>
@@ -1871,7 +1756,7 @@
       </p:grpSpPr>
       <p:sp>
         <p:nvSpPr>
-          <p:cNvPr id="78" name="PlaceHolder 1"/>
+          <p:cNvPr id="72" name="PlaceHolder 1"/>
           <p:cNvSpPr>
             <a:spLocks noGrp="1"/>
           </p:cNvSpPr>
@@ -1881,8 +1766,8 @@
         </p:nvSpPr>
         <p:spPr>
           <a:xfrm>
-            <a:off x="2895480" y="764280"/>
-            <a:ext cx="8610120" cy="1292760"/>
+            <a:off x="609480" y="273600"/>
+            <a:ext cx="10972440" cy="1144800"/>
           </a:xfrm>
           <a:prstGeom prst="rect">
             <a:avLst/>
@@ -1891,18 +1776,16 @@
         <p:txBody>
           <a:bodyPr lIns="0" rIns="0" tIns="0" bIns="0" anchor="ctr"/>
           <a:p>
-            <a:endParaRPr b="0" lang="en-US" sz="1800" spc="-1" strike="noStrike">
-              <a:solidFill>
-                <a:srgbClr val="ffffff"/>
-              </a:solidFill>
-              <a:latin typeface="Century Gothic"/>
-            </a:endParaRPr>
-          </a:p>
-        </p:txBody>
-      </p:sp>
-      <p:sp>
-        <p:nvSpPr>
-          <p:cNvPr id="79" name="PlaceHolder 2"/>
+            <a:pPr algn="ctr"/>
+            <a:endParaRPr b="0" lang="en-GB" sz="4400" spc="-1" strike="noStrike">
+              <a:latin typeface="Arial"/>
+            </a:endParaRPr>
+          </a:p>
+        </p:txBody>
+      </p:sp>
+      <p:sp>
+        <p:nvSpPr>
+          <p:cNvPr id="73" name="PlaceHolder 2"/>
           <p:cNvSpPr>
             <a:spLocks noGrp="1"/>
           </p:cNvSpPr>
@@ -1912,8 +1795,8 @@
         </p:nvSpPr>
         <p:spPr>
           <a:xfrm>
-            <a:off x="685800" y="2194560"/>
-            <a:ext cx="3483720" cy="1919160"/>
+            <a:off x="609480" y="1604520"/>
+            <a:ext cx="3533040" cy="1896840"/>
           </a:xfrm>
           <a:prstGeom prst="rect">
             <a:avLst/>
@@ -1924,18 +1807,15 @@
             <a:normAutofit/>
           </a:bodyPr>
           <a:p>
-            <a:endParaRPr b="0" lang="en-US" sz="2200" spc="-1" strike="noStrike">
-              <a:solidFill>
-                <a:srgbClr val="ffffff"/>
-              </a:solidFill>
-              <a:latin typeface="Century Gothic"/>
-            </a:endParaRPr>
-          </a:p>
-        </p:txBody>
-      </p:sp>
-      <p:sp>
-        <p:nvSpPr>
-          <p:cNvPr id="80" name="PlaceHolder 3"/>
+            <a:endParaRPr b="0" lang="en-GB" sz="3200" spc="-1" strike="noStrike">
+              <a:latin typeface="Arial"/>
+            </a:endParaRPr>
+          </a:p>
+        </p:txBody>
+      </p:sp>
+      <p:sp>
+        <p:nvSpPr>
+          <p:cNvPr id="74" name="PlaceHolder 3"/>
           <p:cNvSpPr>
             <a:spLocks noGrp="1"/>
           </p:cNvSpPr>
@@ -1945,8 +1825,8 @@
         </p:nvSpPr>
         <p:spPr>
           <a:xfrm>
-            <a:off x="4344120" y="2194560"/>
-            <a:ext cx="3483720" cy="1919160"/>
+            <a:off x="4319640" y="1604520"/>
+            <a:ext cx="3533040" cy="1896840"/>
           </a:xfrm>
           <a:prstGeom prst="rect">
             <a:avLst/>
@@ -1957,18 +1837,15 @@
             <a:normAutofit/>
           </a:bodyPr>
           <a:p>
-            <a:endParaRPr b="0" lang="en-US" sz="2200" spc="-1" strike="noStrike">
-              <a:solidFill>
-                <a:srgbClr val="ffffff"/>
-              </a:solidFill>
-              <a:latin typeface="Century Gothic"/>
-            </a:endParaRPr>
-          </a:p>
-        </p:txBody>
-      </p:sp>
-      <p:sp>
-        <p:nvSpPr>
-          <p:cNvPr id="81" name="PlaceHolder 4"/>
+            <a:endParaRPr b="0" lang="en-GB" sz="3200" spc="-1" strike="noStrike">
+              <a:latin typeface="Arial"/>
+            </a:endParaRPr>
+          </a:p>
+        </p:txBody>
+      </p:sp>
+      <p:sp>
+        <p:nvSpPr>
+          <p:cNvPr id="75" name="PlaceHolder 4"/>
           <p:cNvSpPr>
             <a:spLocks noGrp="1"/>
           </p:cNvSpPr>
@@ -1978,8 +1855,8 @@
         </p:nvSpPr>
         <p:spPr>
           <a:xfrm>
-            <a:off x="8002440" y="2194560"/>
-            <a:ext cx="3483720" cy="1919160"/>
+            <a:off x="8029800" y="1604520"/>
+            <a:ext cx="3533040" cy="1896840"/>
           </a:xfrm>
           <a:prstGeom prst="rect">
             <a:avLst/>
@@ -1990,18 +1867,15 @@
             <a:normAutofit/>
           </a:bodyPr>
           <a:p>
-            <a:endParaRPr b="0" lang="en-US" sz="2200" spc="-1" strike="noStrike">
-              <a:solidFill>
-                <a:srgbClr val="ffffff"/>
-              </a:solidFill>
-              <a:latin typeface="Century Gothic"/>
-            </a:endParaRPr>
-          </a:p>
-        </p:txBody>
-      </p:sp>
-      <p:sp>
-        <p:nvSpPr>
-          <p:cNvPr id="82" name="PlaceHolder 5"/>
+            <a:endParaRPr b="0" lang="en-GB" sz="3200" spc="-1" strike="noStrike">
+              <a:latin typeface="Arial"/>
+            </a:endParaRPr>
+          </a:p>
+        </p:txBody>
+      </p:sp>
+      <p:sp>
+        <p:nvSpPr>
+          <p:cNvPr id="76" name="PlaceHolder 5"/>
           <p:cNvSpPr>
             <a:spLocks noGrp="1"/>
           </p:cNvSpPr>
@@ -2011,8 +1885,8 @@
         </p:nvSpPr>
         <p:spPr>
           <a:xfrm>
-            <a:off x="685800" y="4296600"/>
-            <a:ext cx="3483720" cy="1919160"/>
+            <a:off x="609480" y="3682080"/>
+            <a:ext cx="3533040" cy="1896840"/>
           </a:xfrm>
           <a:prstGeom prst="rect">
             <a:avLst/>
@@ -2023,18 +1897,15 @@
             <a:normAutofit/>
           </a:bodyPr>
           <a:p>
-            <a:endParaRPr b="0" lang="en-US" sz="2200" spc="-1" strike="noStrike">
-              <a:solidFill>
-                <a:srgbClr val="ffffff"/>
-              </a:solidFill>
-              <a:latin typeface="Century Gothic"/>
-            </a:endParaRPr>
-          </a:p>
-        </p:txBody>
-      </p:sp>
-      <p:sp>
-        <p:nvSpPr>
-          <p:cNvPr id="83" name="PlaceHolder 6"/>
+            <a:endParaRPr b="0" lang="en-GB" sz="3200" spc="-1" strike="noStrike">
+              <a:latin typeface="Arial"/>
+            </a:endParaRPr>
+          </a:p>
+        </p:txBody>
+      </p:sp>
+      <p:sp>
+        <p:nvSpPr>
+          <p:cNvPr id="77" name="PlaceHolder 6"/>
           <p:cNvSpPr>
             <a:spLocks noGrp="1"/>
           </p:cNvSpPr>
@@ -2044,8 +1915,8 @@
         </p:nvSpPr>
         <p:spPr>
           <a:xfrm>
-            <a:off x="4344120" y="4296600"/>
-            <a:ext cx="3483720" cy="1919160"/>
+            <a:off x="4319640" y="3682080"/>
+            <a:ext cx="3533040" cy="1896840"/>
           </a:xfrm>
           <a:prstGeom prst="rect">
             <a:avLst/>
@@ -2056,18 +1927,15 @@
             <a:normAutofit/>
           </a:bodyPr>
           <a:p>
-            <a:endParaRPr b="0" lang="en-US" sz="2200" spc="-1" strike="noStrike">
-              <a:solidFill>
-                <a:srgbClr val="ffffff"/>
-              </a:solidFill>
-              <a:latin typeface="Century Gothic"/>
-            </a:endParaRPr>
-          </a:p>
-        </p:txBody>
-      </p:sp>
-      <p:sp>
-        <p:nvSpPr>
-          <p:cNvPr id="84" name="PlaceHolder 7"/>
+            <a:endParaRPr b="0" lang="en-GB" sz="3200" spc="-1" strike="noStrike">
+              <a:latin typeface="Arial"/>
+            </a:endParaRPr>
+          </a:p>
+        </p:txBody>
+      </p:sp>
+      <p:sp>
+        <p:nvSpPr>
+          <p:cNvPr id="78" name="PlaceHolder 7"/>
           <p:cNvSpPr>
             <a:spLocks noGrp="1"/>
           </p:cNvSpPr>
@@ -2077,8 +1945,8 @@
         </p:nvSpPr>
         <p:spPr>
           <a:xfrm>
-            <a:off x="8002440" y="4296600"/>
-            <a:ext cx="3483720" cy="1919160"/>
+            <a:off x="8029800" y="3682080"/>
+            <a:ext cx="3533040" cy="1896840"/>
           </a:xfrm>
           <a:prstGeom prst="rect">
             <a:avLst/>
@@ -2089,11 +1957,8 @@
             <a:normAutofit/>
           </a:bodyPr>
           <a:p>
-            <a:endParaRPr b="0" lang="en-US" sz="2200" spc="-1" strike="noStrike">
-              <a:solidFill>
-                <a:srgbClr val="ffffff"/>
-              </a:solidFill>
-              <a:latin typeface="Century Gothic"/>
+            <a:endParaRPr b="0" lang="en-GB" sz="3200" spc="-1" strike="noStrike">
+              <a:latin typeface="Arial"/>
             </a:endParaRPr>
           </a:p>
         </p:txBody>
@@ -2122,7 +1987,7 @@
       </p:grpSpPr>
       <p:sp>
         <p:nvSpPr>
-          <p:cNvPr id="9" name="PlaceHolder 1"/>
+          <p:cNvPr id="6" name="PlaceHolder 1"/>
           <p:cNvSpPr>
             <a:spLocks noGrp="1"/>
           </p:cNvSpPr>
@@ -2132,8 +1997,8 @@
         </p:nvSpPr>
         <p:spPr>
           <a:xfrm>
-            <a:off x="2895480" y="764280"/>
-            <a:ext cx="8610120" cy="1292760"/>
+            <a:off x="609480" y="273600"/>
+            <a:ext cx="10972440" cy="1144800"/>
           </a:xfrm>
           <a:prstGeom prst="rect">
             <a:avLst/>
@@ -2142,18 +2007,16 @@
         <p:txBody>
           <a:bodyPr lIns="0" rIns="0" tIns="0" bIns="0" anchor="ctr"/>
           <a:p>
-            <a:endParaRPr b="0" lang="en-US" sz="1800" spc="-1" strike="noStrike">
-              <a:solidFill>
-                <a:srgbClr val="ffffff"/>
-              </a:solidFill>
-              <a:latin typeface="Century Gothic"/>
-            </a:endParaRPr>
-          </a:p>
-        </p:txBody>
-      </p:sp>
-      <p:sp>
-        <p:nvSpPr>
-          <p:cNvPr id="10" name="PlaceHolder 2"/>
+            <a:pPr algn="ctr"/>
+            <a:endParaRPr b="0" lang="en-GB" sz="4400" spc="-1" strike="noStrike">
+              <a:latin typeface="Arial"/>
+            </a:endParaRPr>
+          </a:p>
+        </p:txBody>
+      </p:sp>
+      <p:sp>
+        <p:nvSpPr>
+          <p:cNvPr id="7" name="PlaceHolder 2"/>
           <p:cNvSpPr>
             <a:spLocks noGrp="1"/>
           </p:cNvSpPr>
@@ -2163,8 +2026,8 @@
         </p:nvSpPr>
         <p:spPr>
           <a:xfrm>
-            <a:off x="685800" y="2194560"/>
-            <a:ext cx="10820160" cy="4023720"/>
+            <a:off x="609480" y="1604520"/>
+            <a:ext cx="10972440" cy="3977280"/>
           </a:xfrm>
           <a:prstGeom prst="rect">
             <a:avLst/>
@@ -2175,11 +2038,8 @@
             <a:normAutofit/>
           </a:bodyPr>
           <a:p>
-            <a:endParaRPr b="0" lang="en-US" sz="2200" spc="-1" strike="noStrike">
-              <a:solidFill>
-                <a:srgbClr val="ffffff"/>
-              </a:solidFill>
-              <a:latin typeface="Century Gothic"/>
+            <a:endParaRPr b="0" lang="en-GB" sz="3200" spc="-1" strike="noStrike">
+              <a:latin typeface="Arial"/>
             </a:endParaRPr>
           </a:p>
         </p:txBody>
@@ -2208,7 +2068,7 @@
       </p:grpSpPr>
       <p:sp>
         <p:nvSpPr>
-          <p:cNvPr id="11" name="PlaceHolder 1"/>
+          <p:cNvPr id="8" name="PlaceHolder 1"/>
           <p:cNvSpPr>
             <a:spLocks noGrp="1"/>
           </p:cNvSpPr>
@@ -2218,8 +2078,8 @@
         </p:nvSpPr>
         <p:spPr>
           <a:xfrm>
-            <a:off x="2895480" y="764280"/>
-            <a:ext cx="8610120" cy="1292760"/>
+            <a:off x="609480" y="273600"/>
+            <a:ext cx="10972440" cy="1144800"/>
           </a:xfrm>
           <a:prstGeom prst="rect">
             <a:avLst/>
@@ -2228,18 +2088,16 @@
         <p:txBody>
           <a:bodyPr lIns="0" rIns="0" tIns="0" bIns="0" anchor="ctr"/>
           <a:p>
-            <a:endParaRPr b="0" lang="en-US" sz="1800" spc="-1" strike="noStrike">
-              <a:solidFill>
-                <a:srgbClr val="ffffff"/>
-              </a:solidFill>
-              <a:latin typeface="Century Gothic"/>
-            </a:endParaRPr>
-          </a:p>
-        </p:txBody>
-      </p:sp>
-      <p:sp>
-        <p:nvSpPr>
-          <p:cNvPr id="12" name="PlaceHolder 2"/>
+            <a:pPr algn="ctr"/>
+            <a:endParaRPr b="0" lang="en-GB" sz="4400" spc="-1" strike="noStrike">
+              <a:latin typeface="Arial"/>
+            </a:endParaRPr>
+          </a:p>
+        </p:txBody>
+      </p:sp>
+      <p:sp>
+        <p:nvSpPr>
+          <p:cNvPr id="9" name="PlaceHolder 2"/>
           <p:cNvSpPr>
             <a:spLocks noGrp="1"/>
           </p:cNvSpPr>
@@ -2249,8 +2107,8 @@
         </p:nvSpPr>
         <p:spPr>
           <a:xfrm>
-            <a:off x="685800" y="2194560"/>
-            <a:ext cx="5280120" cy="4023720"/>
+            <a:off x="609480" y="1604520"/>
+            <a:ext cx="5354280" cy="3977280"/>
           </a:xfrm>
           <a:prstGeom prst="rect">
             <a:avLst/>
@@ -2261,18 +2119,15 @@
             <a:normAutofit/>
           </a:bodyPr>
           <a:p>
-            <a:endParaRPr b="0" lang="en-US" sz="2200" spc="-1" strike="noStrike">
-              <a:solidFill>
-                <a:srgbClr val="ffffff"/>
-              </a:solidFill>
-              <a:latin typeface="Century Gothic"/>
-            </a:endParaRPr>
-          </a:p>
-        </p:txBody>
-      </p:sp>
-      <p:sp>
-        <p:nvSpPr>
-          <p:cNvPr id="13" name="PlaceHolder 3"/>
+            <a:endParaRPr b="0" lang="en-GB" sz="3200" spc="-1" strike="noStrike">
+              <a:latin typeface="Arial"/>
+            </a:endParaRPr>
+          </a:p>
+        </p:txBody>
+      </p:sp>
+      <p:sp>
+        <p:nvSpPr>
+          <p:cNvPr id="10" name="PlaceHolder 3"/>
           <p:cNvSpPr>
             <a:spLocks noGrp="1"/>
           </p:cNvSpPr>
@@ -2282,8 +2137,8 @@
         </p:nvSpPr>
         <p:spPr>
           <a:xfrm>
-            <a:off x="6230160" y="2194560"/>
-            <a:ext cx="5280120" cy="4023720"/>
+            <a:off x="6231960" y="1604520"/>
+            <a:ext cx="5354280" cy="3977280"/>
           </a:xfrm>
           <a:prstGeom prst="rect">
             <a:avLst/>
@@ -2294,11 +2149,8 @@
             <a:normAutofit/>
           </a:bodyPr>
           <a:p>
-            <a:endParaRPr b="0" lang="en-US" sz="2200" spc="-1" strike="noStrike">
-              <a:solidFill>
-                <a:srgbClr val="ffffff"/>
-              </a:solidFill>
-              <a:latin typeface="Century Gothic"/>
+            <a:endParaRPr b="0" lang="en-GB" sz="3200" spc="-1" strike="noStrike">
+              <a:latin typeface="Arial"/>
             </a:endParaRPr>
           </a:p>
         </p:txBody>
@@ -2327,7 +2179,7 @@
       </p:grpSpPr>
       <p:sp>
         <p:nvSpPr>
-          <p:cNvPr id="14" name="PlaceHolder 1"/>
+          <p:cNvPr id="11" name="PlaceHolder 1"/>
           <p:cNvSpPr>
             <a:spLocks noGrp="1"/>
           </p:cNvSpPr>
@@ -2337,8 +2189,8 @@
         </p:nvSpPr>
         <p:spPr>
           <a:xfrm>
-            <a:off x="2895480" y="764280"/>
-            <a:ext cx="8610120" cy="1292760"/>
+            <a:off x="609480" y="273600"/>
+            <a:ext cx="10972440" cy="1144800"/>
           </a:xfrm>
           <a:prstGeom prst="rect">
             <a:avLst/>
@@ -2347,11 +2199,9 @@
         <p:txBody>
           <a:bodyPr lIns="0" rIns="0" tIns="0" bIns="0" anchor="ctr"/>
           <a:p>
-            <a:endParaRPr b="0" lang="en-US" sz="1800" spc="-1" strike="noStrike">
-              <a:solidFill>
-                <a:srgbClr val="ffffff"/>
-              </a:solidFill>
-              <a:latin typeface="Century Gothic"/>
+            <a:pPr algn="ctr"/>
+            <a:endParaRPr b="0" lang="en-GB" sz="4400" spc="-1" strike="noStrike">
+              <a:latin typeface="Arial"/>
             </a:endParaRPr>
           </a:p>
         </p:txBody>
@@ -2380,7 +2230,7 @@
       </p:grpSpPr>
       <p:sp>
         <p:nvSpPr>
-          <p:cNvPr id="15" name="PlaceHolder 1"/>
+          <p:cNvPr id="12" name="PlaceHolder 1"/>
           <p:cNvSpPr>
             <a:spLocks noGrp="1"/>
           </p:cNvSpPr>
@@ -2390,8 +2240,8 @@
         </p:nvSpPr>
         <p:spPr>
           <a:xfrm>
-            <a:off x="2895480" y="764280"/>
-            <a:ext cx="8610120" cy="5993640"/>
+            <a:off x="609480" y="273600"/>
+            <a:ext cx="10972440" cy="5307840"/>
           </a:xfrm>
           <a:prstGeom prst="rect">
             <a:avLst/>
@@ -2431,7 +2281,7 @@
       </p:grpSpPr>
       <p:sp>
         <p:nvSpPr>
-          <p:cNvPr id="16" name="PlaceHolder 1"/>
+          <p:cNvPr id="13" name="PlaceHolder 1"/>
           <p:cNvSpPr>
             <a:spLocks noGrp="1"/>
           </p:cNvSpPr>
@@ -2441,8 +2291,8 @@
         </p:nvSpPr>
         <p:spPr>
           <a:xfrm>
-            <a:off x="2895480" y="764280"/>
-            <a:ext cx="8610120" cy="1292760"/>
+            <a:off x="609480" y="273600"/>
+            <a:ext cx="10972440" cy="1144800"/>
           </a:xfrm>
           <a:prstGeom prst="rect">
             <a:avLst/>
@@ -2451,18 +2301,16 @@
         <p:txBody>
           <a:bodyPr lIns="0" rIns="0" tIns="0" bIns="0" anchor="ctr"/>
           <a:p>
-            <a:endParaRPr b="0" lang="en-US" sz="1800" spc="-1" strike="noStrike">
-              <a:solidFill>
-                <a:srgbClr val="ffffff"/>
-              </a:solidFill>
-              <a:latin typeface="Century Gothic"/>
-            </a:endParaRPr>
-          </a:p>
-        </p:txBody>
-      </p:sp>
-      <p:sp>
-        <p:nvSpPr>
-          <p:cNvPr id="17" name="PlaceHolder 2"/>
+            <a:pPr algn="ctr"/>
+            <a:endParaRPr b="0" lang="en-GB" sz="4400" spc="-1" strike="noStrike">
+              <a:latin typeface="Arial"/>
+            </a:endParaRPr>
+          </a:p>
+        </p:txBody>
+      </p:sp>
+      <p:sp>
+        <p:nvSpPr>
+          <p:cNvPr id="14" name="PlaceHolder 2"/>
           <p:cNvSpPr>
             <a:spLocks noGrp="1"/>
           </p:cNvSpPr>
@@ -2472,8 +2320,8 @@
         </p:nvSpPr>
         <p:spPr>
           <a:xfrm>
-            <a:off x="685800" y="2194560"/>
-            <a:ext cx="5280120" cy="1919160"/>
+            <a:off x="609480" y="1604520"/>
+            <a:ext cx="5354280" cy="1896840"/>
           </a:xfrm>
           <a:prstGeom prst="rect">
             <a:avLst/>
@@ -2484,18 +2332,15 @@
             <a:normAutofit/>
           </a:bodyPr>
           <a:p>
-            <a:endParaRPr b="0" lang="en-US" sz="2200" spc="-1" strike="noStrike">
-              <a:solidFill>
-                <a:srgbClr val="ffffff"/>
-              </a:solidFill>
-              <a:latin typeface="Century Gothic"/>
-            </a:endParaRPr>
-          </a:p>
-        </p:txBody>
-      </p:sp>
-      <p:sp>
-        <p:nvSpPr>
-          <p:cNvPr id="18" name="PlaceHolder 3"/>
+            <a:endParaRPr b="0" lang="en-GB" sz="3200" spc="-1" strike="noStrike">
+              <a:latin typeface="Arial"/>
+            </a:endParaRPr>
+          </a:p>
+        </p:txBody>
+      </p:sp>
+      <p:sp>
+        <p:nvSpPr>
+          <p:cNvPr id="15" name="PlaceHolder 3"/>
           <p:cNvSpPr>
             <a:spLocks noGrp="1"/>
           </p:cNvSpPr>
@@ -2505,8 +2350,8 @@
         </p:nvSpPr>
         <p:spPr>
           <a:xfrm>
-            <a:off x="6230160" y="2194560"/>
-            <a:ext cx="5280120" cy="4023720"/>
+            <a:off x="6231960" y="1604520"/>
+            <a:ext cx="5354280" cy="3977280"/>
           </a:xfrm>
           <a:prstGeom prst="rect">
             <a:avLst/>
@@ -2517,18 +2362,15 @@
             <a:normAutofit/>
           </a:bodyPr>
           <a:p>
-            <a:endParaRPr b="0" lang="en-US" sz="2200" spc="-1" strike="noStrike">
-              <a:solidFill>
-                <a:srgbClr val="ffffff"/>
-              </a:solidFill>
-              <a:latin typeface="Century Gothic"/>
-            </a:endParaRPr>
-          </a:p>
-        </p:txBody>
-      </p:sp>
-      <p:sp>
-        <p:nvSpPr>
-          <p:cNvPr id="19" name="PlaceHolder 4"/>
+            <a:endParaRPr b="0" lang="en-GB" sz="3200" spc="-1" strike="noStrike">
+              <a:latin typeface="Arial"/>
+            </a:endParaRPr>
+          </a:p>
+        </p:txBody>
+      </p:sp>
+      <p:sp>
+        <p:nvSpPr>
+          <p:cNvPr id="16" name="PlaceHolder 4"/>
           <p:cNvSpPr>
             <a:spLocks noGrp="1"/>
           </p:cNvSpPr>
@@ -2538,8 +2380,8 @@
         </p:nvSpPr>
         <p:spPr>
           <a:xfrm>
-            <a:off x="685800" y="4296600"/>
-            <a:ext cx="5280120" cy="1919160"/>
+            <a:off x="609480" y="3682080"/>
+            <a:ext cx="5354280" cy="1896840"/>
           </a:xfrm>
           <a:prstGeom prst="rect">
             <a:avLst/>
@@ -2550,11 +2392,8 @@
             <a:normAutofit/>
           </a:bodyPr>
           <a:p>
-            <a:endParaRPr b="0" lang="en-US" sz="2200" spc="-1" strike="noStrike">
-              <a:solidFill>
-                <a:srgbClr val="ffffff"/>
-              </a:solidFill>
-              <a:latin typeface="Century Gothic"/>
+            <a:endParaRPr b="0" lang="en-GB" sz="3200" spc="-1" strike="noStrike">
+              <a:latin typeface="Arial"/>
             </a:endParaRPr>
           </a:p>
         </p:txBody>
@@ -2583,7 +2422,7 @@
       </p:grpSpPr>
       <p:sp>
         <p:nvSpPr>
-          <p:cNvPr id="20" name="PlaceHolder 1"/>
+          <p:cNvPr id="17" name="PlaceHolder 1"/>
           <p:cNvSpPr>
             <a:spLocks noGrp="1"/>
           </p:cNvSpPr>
@@ -2593,8 +2432,8 @@
         </p:nvSpPr>
         <p:spPr>
           <a:xfrm>
-            <a:off x="2895480" y="764280"/>
-            <a:ext cx="8610120" cy="1292760"/>
+            <a:off x="609480" y="273600"/>
+            <a:ext cx="10972440" cy="1144800"/>
           </a:xfrm>
           <a:prstGeom prst="rect">
             <a:avLst/>
@@ -2603,18 +2442,16 @@
         <p:txBody>
           <a:bodyPr lIns="0" rIns="0" tIns="0" bIns="0" anchor="ctr"/>
           <a:p>
-            <a:endParaRPr b="0" lang="en-US" sz="1800" spc="-1" strike="noStrike">
-              <a:solidFill>
-                <a:srgbClr val="ffffff"/>
-              </a:solidFill>
-              <a:latin typeface="Century Gothic"/>
-            </a:endParaRPr>
-          </a:p>
-        </p:txBody>
-      </p:sp>
-      <p:sp>
-        <p:nvSpPr>
-          <p:cNvPr id="21" name="PlaceHolder 2"/>
+            <a:pPr algn="ctr"/>
+            <a:endParaRPr b="0" lang="en-GB" sz="4400" spc="-1" strike="noStrike">
+              <a:latin typeface="Arial"/>
+            </a:endParaRPr>
+          </a:p>
+        </p:txBody>
+      </p:sp>
+      <p:sp>
+        <p:nvSpPr>
+          <p:cNvPr id="18" name="PlaceHolder 2"/>
           <p:cNvSpPr>
             <a:spLocks noGrp="1"/>
           </p:cNvSpPr>
@@ -2624,8 +2461,8 @@
         </p:nvSpPr>
         <p:spPr>
           <a:xfrm>
-            <a:off x="685800" y="2194560"/>
-            <a:ext cx="5280120" cy="4023720"/>
+            <a:off x="609480" y="1604520"/>
+            <a:ext cx="5354280" cy="3977280"/>
           </a:xfrm>
           <a:prstGeom prst="rect">
             <a:avLst/>
@@ -2636,18 +2473,15 @@
             <a:normAutofit/>
           </a:bodyPr>
           <a:p>
-            <a:endParaRPr b="0" lang="en-US" sz="2200" spc="-1" strike="noStrike">
-              <a:solidFill>
-                <a:srgbClr val="ffffff"/>
-              </a:solidFill>
-              <a:latin typeface="Century Gothic"/>
-            </a:endParaRPr>
-          </a:p>
-        </p:txBody>
-      </p:sp>
-      <p:sp>
-        <p:nvSpPr>
-          <p:cNvPr id="22" name="PlaceHolder 3"/>
+            <a:endParaRPr b="0" lang="en-GB" sz="3200" spc="-1" strike="noStrike">
+              <a:latin typeface="Arial"/>
+            </a:endParaRPr>
+          </a:p>
+        </p:txBody>
+      </p:sp>
+      <p:sp>
+        <p:nvSpPr>
+          <p:cNvPr id="19" name="PlaceHolder 3"/>
           <p:cNvSpPr>
             <a:spLocks noGrp="1"/>
           </p:cNvSpPr>
@@ -2657,8 +2491,8 @@
         </p:nvSpPr>
         <p:spPr>
           <a:xfrm>
-            <a:off x="6230160" y="2194560"/>
-            <a:ext cx="5280120" cy="1919160"/>
+            <a:off x="6231960" y="1604520"/>
+            <a:ext cx="5354280" cy="1896840"/>
           </a:xfrm>
           <a:prstGeom prst="rect">
             <a:avLst/>
@@ -2669,18 +2503,15 @@
             <a:normAutofit/>
           </a:bodyPr>
           <a:p>
-            <a:endParaRPr b="0" lang="en-US" sz="2200" spc="-1" strike="noStrike">
-              <a:solidFill>
-                <a:srgbClr val="ffffff"/>
-              </a:solidFill>
-              <a:latin typeface="Century Gothic"/>
-            </a:endParaRPr>
-          </a:p>
-        </p:txBody>
-      </p:sp>
-      <p:sp>
-        <p:nvSpPr>
-          <p:cNvPr id="23" name="PlaceHolder 4"/>
+            <a:endParaRPr b="0" lang="en-GB" sz="3200" spc="-1" strike="noStrike">
+              <a:latin typeface="Arial"/>
+            </a:endParaRPr>
+          </a:p>
+        </p:txBody>
+      </p:sp>
+      <p:sp>
+        <p:nvSpPr>
+          <p:cNvPr id="20" name="PlaceHolder 4"/>
           <p:cNvSpPr>
             <a:spLocks noGrp="1"/>
           </p:cNvSpPr>
@@ -2690,8 +2521,8 @@
         </p:nvSpPr>
         <p:spPr>
           <a:xfrm>
-            <a:off x="6230160" y="4296600"/>
-            <a:ext cx="5280120" cy="1919160"/>
+            <a:off x="6231960" y="3682080"/>
+            <a:ext cx="5354280" cy="1896840"/>
           </a:xfrm>
           <a:prstGeom prst="rect">
             <a:avLst/>
@@ -2702,11 +2533,8 @@
             <a:normAutofit/>
           </a:bodyPr>
           <a:p>
-            <a:endParaRPr b="0" lang="en-US" sz="2200" spc="-1" strike="noStrike">
-              <a:solidFill>
-                <a:srgbClr val="ffffff"/>
-              </a:solidFill>
-              <a:latin typeface="Century Gothic"/>
+            <a:endParaRPr b="0" lang="en-GB" sz="3200" spc="-1" strike="noStrike">
+              <a:latin typeface="Arial"/>
             </a:endParaRPr>
           </a:p>
         </p:txBody>
@@ -2735,7 +2563,7 @@
       </p:grpSpPr>
       <p:sp>
         <p:nvSpPr>
-          <p:cNvPr id="24" name="PlaceHolder 1"/>
+          <p:cNvPr id="21" name="PlaceHolder 1"/>
           <p:cNvSpPr>
             <a:spLocks noGrp="1"/>
           </p:cNvSpPr>
@@ -2745,8 +2573,8 @@
         </p:nvSpPr>
         <p:spPr>
           <a:xfrm>
-            <a:off x="2895480" y="764280"/>
-            <a:ext cx="8610120" cy="1292760"/>
+            <a:off x="609480" y="273600"/>
+            <a:ext cx="10972440" cy="1144800"/>
           </a:xfrm>
           <a:prstGeom prst="rect">
             <a:avLst/>
@@ -2755,18 +2583,16 @@
         <p:txBody>
           <a:bodyPr lIns="0" rIns="0" tIns="0" bIns="0" anchor="ctr"/>
           <a:p>
-            <a:endParaRPr b="0" lang="en-US" sz="1800" spc="-1" strike="noStrike">
-              <a:solidFill>
-                <a:srgbClr val="ffffff"/>
-              </a:solidFill>
-              <a:latin typeface="Century Gothic"/>
-            </a:endParaRPr>
-          </a:p>
-        </p:txBody>
-      </p:sp>
-      <p:sp>
-        <p:nvSpPr>
-          <p:cNvPr id="25" name="PlaceHolder 2"/>
+            <a:pPr algn="ctr"/>
+            <a:endParaRPr b="0" lang="en-GB" sz="4400" spc="-1" strike="noStrike">
+              <a:latin typeface="Arial"/>
+            </a:endParaRPr>
+          </a:p>
+        </p:txBody>
+      </p:sp>
+      <p:sp>
+        <p:nvSpPr>
+          <p:cNvPr id="22" name="PlaceHolder 2"/>
           <p:cNvSpPr>
             <a:spLocks noGrp="1"/>
           </p:cNvSpPr>
@@ -2776,8 +2602,8 @@
         </p:nvSpPr>
         <p:spPr>
           <a:xfrm>
-            <a:off x="685800" y="2194560"/>
-            <a:ext cx="5280120" cy="1919160"/>
+            <a:off x="609480" y="1604520"/>
+            <a:ext cx="5354280" cy="1896840"/>
           </a:xfrm>
           <a:prstGeom prst="rect">
             <a:avLst/>
@@ -2788,18 +2614,15 @@
             <a:normAutofit/>
           </a:bodyPr>
           <a:p>
-            <a:endParaRPr b="0" lang="en-US" sz="2200" spc="-1" strike="noStrike">
-              <a:solidFill>
-                <a:srgbClr val="ffffff"/>
-              </a:solidFill>
-              <a:latin typeface="Century Gothic"/>
-            </a:endParaRPr>
-          </a:p>
-        </p:txBody>
-      </p:sp>
-      <p:sp>
-        <p:nvSpPr>
-          <p:cNvPr id="26" name="PlaceHolder 3"/>
+            <a:endParaRPr b="0" lang="en-GB" sz="3200" spc="-1" strike="noStrike">
+              <a:latin typeface="Arial"/>
+            </a:endParaRPr>
+          </a:p>
+        </p:txBody>
+      </p:sp>
+      <p:sp>
+        <p:nvSpPr>
+          <p:cNvPr id="23" name="PlaceHolder 3"/>
           <p:cNvSpPr>
             <a:spLocks noGrp="1"/>
           </p:cNvSpPr>
@@ -2809,8 +2632,8 @@
         </p:nvSpPr>
         <p:spPr>
           <a:xfrm>
-            <a:off x="6230160" y="2194560"/>
-            <a:ext cx="5280120" cy="1919160"/>
+            <a:off x="6231960" y="1604520"/>
+            <a:ext cx="5354280" cy="1896840"/>
           </a:xfrm>
           <a:prstGeom prst="rect">
             <a:avLst/>
@@ -2821,18 +2644,15 @@
             <a:normAutofit/>
           </a:bodyPr>
           <a:p>
-            <a:endParaRPr b="0" lang="en-US" sz="2200" spc="-1" strike="noStrike">
-              <a:solidFill>
-                <a:srgbClr val="ffffff"/>
-              </a:solidFill>
-              <a:latin typeface="Century Gothic"/>
-            </a:endParaRPr>
-          </a:p>
-        </p:txBody>
-      </p:sp>
-      <p:sp>
-        <p:nvSpPr>
-          <p:cNvPr id="27" name="PlaceHolder 4"/>
+            <a:endParaRPr b="0" lang="en-GB" sz="3200" spc="-1" strike="noStrike">
+              <a:latin typeface="Arial"/>
+            </a:endParaRPr>
+          </a:p>
+        </p:txBody>
+      </p:sp>
+      <p:sp>
+        <p:nvSpPr>
+          <p:cNvPr id="24" name="PlaceHolder 4"/>
           <p:cNvSpPr>
             <a:spLocks noGrp="1"/>
           </p:cNvSpPr>
@@ -2842,8 +2662,8 @@
         </p:nvSpPr>
         <p:spPr>
           <a:xfrm>
-            <a:off x="685800" y="4296600"/>
-            <a:ext cx="10820160" cy="1919160"/>
+            <a:off x="609480" y="3682080"/>
+            <a:ext cx="10972440" cy="1896840"/>
           </a:xfrm>
           <a:prstGeom prst="rect">
             <a:avLst/>
@@ -2854,11 +2674,8 @@
             <a:normAutofit/>
           </a:bodyPr>
           <a:p>
-            <a:endParaRPr b="0" lang="en-US" sz="2200" spc="-1" strike="noStrike">
-              <a:solidFill>
-                <a:srgbClr val="ffffff"/>
-              </a:solidFill>
-              <a:latin typeface="Century Gothic"/>
+            <a:endParaRPr b="0" lang="en-GB" sz="3200" spc="-1" strike="noStrike">
+              <a:latin typeface="Arial"/>
             </a:endParaRPr>
           </a:p>
         </p:txBody>
@@ -2905,7 +2722,7 @@
         <p:spPr>
           <a:xfrm>
             <a:off x="0" y="0"/>
-            <a:ext cx="12191760" cy="1441080"/>
+            <a:ext cx="12191400" cy="1440720"/>
           </a:xfrm>
           <a:prstGeom prst="rect">
             <a:avLst/>
@@ -2928,7 +2745,7 @@
         <p:spPr>
           <a:xfrm>
             <a:off x="0" y="4375080"/>
-            <a:ext cx="12191760" cy="2482560"/>
+            <a:ext cx="12191400" cy="2482200"/>
           </a:xfrm>
           <a:prstGeom prst="rect">
             <a:avLst/>
@@ -2950,37 +2767,24 @@
         </p:nvSpPr>
         <p:spPr>
           <a:xfrm>
-            <a:off x="1371600" y="1803240"/>
-            <a:ext cx="9448560" cy="1824840"/>
-          </a:xfrm>
-          <a:prstGeom prst="rect">
-            <a:avLst/>
-          </a:prstGeom>
-        </p:spPr>
-        <p:txBody>
-          <a:bodyPr anchor="b">
-            <a:normAutofit/>
-          </a:bodyPr>
-          <a:p>
-            <a:pPr>
-              <a:lnSpc>
-                <a:spcPct val="90000"/>
-              </a:lnSpc>
-            </a:pPr>
-            <a:r>
-              <a:rPr b="0" lang="en-US" sz="6000" spc="-1" strike="noStrike" cap="all">
-                <a:solidFill>
-                  <a:srgbClr val="ffffff"/>
-                </a:solidFill>
-                <a:latin typeface="Century Gothic"/>
-              </a:rPr>
-              <a:t>Click to edit Master title style</a:t>
-            </a:r>
-            <a:endParaRPr b="0" lang="en-US" sz="6000" spc="-1" strike="noStrike">
-              <a:solidFill>
-                <a:srgbClr val="ffffff"/>
-              </a:solidFill>
-              <a:latin typeface="Century Gothic"/>
+            <a:off x="2895480" y="764280"/>
+            <a:ext cx="8609760" cy="1292400"/>
+          </a:xfrm>
+          <a:prstGeom prst="rect">
+            <a:avLst/>
+          </a:prstGeom>
+        </p:spPr>
+        <p:txBody>
+          <a:bodyPr lIns="0" rIns="0" tIns="0" bIns="0" anchor="ctr"/>
+          <a:p>
+            <a:r>
+              <a:rPr b="0" lang="en-GB" sz="1800" spc="-1" strike="noStrike">
+                <a:latin typeface="Arial"/>
+              </a:rPr>
+              <a:t>Click to edit the title text format</a:t>
+            </a:r>
+            <a:endParaRPr b="0" lang="en-GB" sz="1800" spc="-1" strike="noStrike">
+              <a:latin typeface="Arial"/>
             </a:endParaRPr>
           </a:p>
         </p:txBody>
@@ -2988,118 +2792,6 @@
       <p:sp>
         <p:nvSpPr>
           <p:cNvPr id="3" name="PlaceHolder 2"/>
-          <p:cNvSpPr>
-            <a:spLocks noGrp="1"/>
-          </p:cNvSpPr>
-          <p:nvPr>
-            <p:ph type="dt"/>
-          </p:nvPr>
-        </p:nvSpPr>
-        <p:spPr>
-          <a:xfrm>
-            <a:off x="7909560" y="4314240"/>
-            <a:ext cx="2910600" cy="374400"/>
-          </a:xfrm>
-          <a:prstGeom prst="rect">
-            <a:avLst/>
-          </a:prstGeom>
-        </p:spPr>
-        <p:txBody>
-          <a:bodyPr anchor="ctr"/>
-          <a:p>
-            <a:pPr algn="r">
-              <a:lnSpc>
-                <a:spcPct val="100000"/>
-              </a:lnSpc>
-            </a:pPr>
-            <a:fld id="{D9E3E87A-4E70-4094-843D-DF7A091915FA}" type="datetime">
-              <a:rPr b="0" lang="en-GB" sz="1050" spc="-1" strike="noStrike">
-                <a:solidFill>
-                  <a:srgbClr val="ffffff"/>
-                </a:solidFill>
-                <a:latin typeface="Century Gothic"/>
-              </a:rPr>
-              <a:t>13/11/18</a:t>
-            </a:fld>
-            <a:endParaRPr b="0" lang="en-GB" sz="1050" spc="-1" strike="noStrike">
-              <a:latin typeface="Times New Roman"/>
-            </a:endParaRPr>
-          </a:p>
-        </p:txBody>
-      </p:sp>
-      <p:sp>
-        <p:nvSpPr>
-          <p:cNvPr id="4" name="PlaceHolder 3"/>
-          <p:cNvSpPr>
-            <a:spLocks noGrp="1"/>
-          </p:cNvSpPr>
-          <p:nvPr>
-            <p:ph type="ftr"/>
-          </p:nvPr>
-        </p:nvSpPr>
-        <p:spPr>
-          <a:xfrm>
-            <a:off x="1371600" y="4323960"/>
-            <a:ext cx="6400440" cy="364680"/>
-          </a:xfrm>
-          <a:prstGeom prst="rect">
-            <a:avLst/>
-          </a:prstGeom>
-        </p:spPr>
-        <p:txBody>
-          <a:bodyPr anchor="ctr"/>
-          <a:p>
-            <a:endParaRPr b="0" lang="en-GB" sz="2400" spc="-1" strike="noStrike">
-              <a:latin typeface="Times New Roman"/>
-            </a:endParaRPr>
-          </a:p>
-        </p:txBody>
-      </p:sp>
-      <p:sp>
-        <p:nvSpPr>
-          <p:cNvPr id="5" name="PlaceHolder 4"/>
-          <p:cNvSpPr>
-            <a:spLocks noGrp="1"/>
-          </p:cNvSpPr>
-          <p:nvPr>
-            <p:ph type="sldNum"/>
-          </p:nvPr>
-        </p:nvSpPr>
-        <p:spPr>
-          <a:xfrm>
-            <a:off x="8077320" y="1431000"/>
-            <a:ext cx="2742840" cy="364680"/>
-          </a:xfrm>
-          <a:prstGeom prst="rect">
-            <a:avLst/>
-          </a:prstGeom>
-        </p:spPr>
-        <p:txBody>
-          <a:bodyPr anchor="ctr"/>
-          <a:p>
-            <a:pPr algn="r">
-              <a:lnSpc>
-                <a:spcPct val="100000"/>
-              </a:lnSpc>
-            </a:pPr>
-            <a:fld id="{3F0314AF-E5A9-4728-B81C-F9AD292A2B65}" type="slidenum">
-              <a:rPr b="0" lang="en-GB" sz="1050" spc="-1" strike="noStrike">
-                <a:solidFill>
-                  <a:srgbClr val="ffffff"/>
-                </a:solidFill>
-                <a:latin typeface="Century Gothic"/>
-              </a:rPr>
-              <a:t>&lt;number&gt;</a:t>
-            </a:fld>
-            <a:endParaRPr b="0" lang="en-GB" sz="1050" spc="-1" strike="noStrike">
-              <a:latin typeface="Times New Roman"/>
-            </a:endParaRPr>
-          </a:p>
-        </p:txBody>
-      </p:sp>
-      <p:sp>
-        <p:nvSpPr>
-          <p:cNvPr id="6" name="PlaceHolder 5"/>
           <p:cNvSpPr>
             <a:spLocks noGrp="1"/>
           </p:cNvSpPr>
@@ -3133,19 +2825,13 @@
               <a:buChar char=""/>
             </a:pPr>
             <a:r>
-              <a:rPr b="0" lang="en-US" sz="2200" spc="-1" strike="noStrike">
-                <a:solidFill>
-                  <a:srgbClr val="ffffff"/>
-                </a:solidFill>
-                <a:latin typeface="Century Gothic"/>
+              <a:rPr b="0" lang="en-GB" sz="3200" spc="-1" strike="noStrike">
+                <a:latin typeface="Arial"/>
               </a:rPr>
               <a:t>Click to edit the outline text format</a:t>
             </a:r>
-            <a:endParaRPr b="0" lang="en-US" sz="2200" spc="-1" strike="noStrike">
-              <a:solidFill>
-                <a:srgbClr val="ffffff"/>
-              </a:solidFill>
-              <a:latin typeface="Century Gothic"/>
+            <a:endParaRPr b="0" lang="en-GB" sz="3200" spc="-1" strike="noStrike">
+              <a:latin typeface="Arial"/>
             </a:endParaRPr>
           </a:p>
           <a:p>
@@ -3161,19 +2847,13 @@
               <a:buChar char=""/>
             </a:pPr>
             <a:r>
-              <a:rPr b="0" lang="en-US" sz="1800" spc="-1" strike="noStrike">
-                <a:solidFill>
-                  <a:srgbClr val="ffffff"/>
-                </a:solidFill>
-                <a:latin typeface="Century Gothic"/>
+              <a:rPr b="0" lang="en-GB" sz="2800" spc="-1" strike="noStrike">
+                <a:latin typeface="Arial"/>
               </a:rPr>
               <a:t>Second Outline Level</a:t>
             </a:r>
-            <a:endParaRPr b="0" lang="en-US" sz="1800" spc="-1" strike="noStrike">
-              <a:solidFill>
-                <a:srgbClr val="ffffff"/>
-              </a:solidFill>
-              <a:latin typeface="Century Gothic"/>
+            <a:endParaRPr b="0" lang="en-GB" sz="2800" spc="-1" strike="noStrike">
+              <a:latin typeface="Arial"/>
             </a:endParaRPr>
           </a:p>
           <a:p>
@@ -3189,19 +2869,13 @@
               <a:buChar char=""/>
             </a:pPr>
             <a:r>
-              <a:rPr b="0" lang="en-US" sz="1600" spc="-1" strike="noStrike">
-                <a:solidFill>
-                  <a:srgbClr val="ffffff"/>
-                </a:solidFill>
-                <a:latin typeface="Century Gothic"/>
+              <a:rPr b="0" lang="en-GB" sz="2400" spc="-1" strike="noStrike">
+                <a:latin typeface="Arial"/>
               </a:rPr>
               <a:t>Third Outline Level</a:t>
             </a:r>
-            <a:endParaRPr b="0" lang="en-US" sz="1600" spc="-1" strike="noStrike">
-              <a:solidFill>
-                <a:srgbClr val="ffffff"/>
-              </a:solidFill>
-              <a:latin typeface="Century Gothic"/>
+            <a:endParaRPr b="0" lang="en-GB" sz="2400" spc="-1" strike="noStrike">
+              <a:latin typeface="Arial"/>
             </a:endParaRPr>
           </a:p>
           <a:p>
@@ -3217,19 +2891,13 @@
               <a:buChar char=""/>
             </a:pPr>
             <a:r>
-              <a:rPr b="0" lang="en-US" sz="1600" spc="-1" strike="noStrike">
-                <a:solidFill>
-                  <a:srgbClr val="ffffff"/>
-                </a:solidFill>
-                <a:latin typeface="Century Gothic"/>
+              <a:rPr b="0" lang="en-GB" sz="2000" spc="-1" strike="noStrike">
+                <a:latin typeface="Arial"/>
               </a:rPr>
               <a:t>Fourth Outline Level</a:t>
             </a:r>
-            <a:endParaRPr b="0" lang="en-US" sz="1600" spc="-1" strike="noStrike">
-              <a:solidFill>
-                <a:srgbClr val="ffffff"/>
-              </a:solidFill>
-              <a:latin typeface="Century Gothic"/>
+            <a:endParaRPr b="0" lang="en-GB" sz="2000" spc="-1" strike="noStrike">
+              <a:latin typeface="Arial"/>
             </a:endParaRPr>
           </a:p>
           <a:p>
@@ -3245,19 +2913,13 @@
               <a:buChar char=""/>
             </a:pPr>
             <a:r>
-              <a:rPr b="0" lang="en-US" sz="2000" spc="-1" strike="noStrike">
-                <a:solidFill>
-                  <a:srgbClr val="ffffff"/>
-                </a:solidFill>
-                <a:latin typeface="Century Gothic"/>
+              <a:rPr b="0" lang="en-GB" sz="2000" spc="-1" strike="noStrike">
+                <a:latin typeface="Arial"/>
               </a:rPr>
               <a:t>Fifth Outline Level</a:t>
             </a:r>
-            <a:endParaRPr b="0" lang="en-US" sz="2000" spc="-1" strike="noStrike">
-              <a:solidFill>
-                <a:srgbClr val="ffffff"/>
-              </a:solidFill>
-              <a:latin typeface="Century Gothic"/>
+            <a:endParaRPr b="0" lang="en-GB" sz="2000" spc="-1" strike="noStrike">
+              <a:latin typeface="Arial"/>
             </a:endParaRPr>
           </a:p>
           <a:p>
@@ -3273,19 +2935,13 @@
               <a:buChar char=""/>
             </a:pPr>
             <a:r>
-              <a:rPr b="0" lang="en-US" sz="2000" spc="-1" strike="noStrike">
-                <a:solidFill>
-                  <a:srgbClr val="ffffff"/>
-                </a:solidFill>
-                <a:latin typeface="Century Gothic"/>
+              <a:rPr b="0" lang="en-GB" sz="2000" spc="-1" strike="noStrike">
+                <a:latin typeface="Arial"/>
               </a:rPr>
               <a:t>Sixth Outline Level</a:t>
             </a:r>
-            <a:endParaRPr b="0" lang="en-US" sz="2000" spc="-1" strike="noStrike">
-              <a:solidFill>
-                <a:srgbClr val="ffffff"/>
-              </a:solidFill>
-              <a:latin typeface="Century Gothic"/>
+            <a:endParaRPr b="0" lang="en-GB" sz="2000" spc="-1" strike="noStrike">
+              <a:latin typeface="Arial"/>
             </a:endParaRPr>
           </a:p>
           <a:p>
@@ -3301,19 +2957,13 @@
               <a:buChar char=""/>
             </a:pPr>
             <a:r>
-              <a:rPr b="0" lang="en-US" sz="2000" spc="-1" strike="noStrike">
-                <a:solidFill>
-                  <a:srgbClr val="ffffff"/>
-                </a:solidFill>
-                <a:latin typeface="Century Gothic"/>
+              <a:rPr b="0" lang="en-GB" sz="2000" spc="-1" strike="noStrike">
+                <a:latin typeface="Arial"/>
               </a:rPr>
               <a:t>Seventh Outline Level</a:t>
             </a:r>
-            <a:endParaRPr b="0" lang="en-US" sz="2000" spc="-1" strike="noStrike">
-              <a:solidFill>
-                <a:srgbClr val="ffffff"/>
-              </a:solidFill>
-              <a:latin typeface="Century Gothic"/>
+            <a:endParaRPr b="0" lang="en-GB" sz="2000" spc="-1" strike="noStrike">
+              <a:latin typeface="Arial"/>
             </a:endParaRPr>
           </a:p>
         </p:txBody>
@@ -3364,7 +3014,7 @@
       </p:grpSpPr>
       <p:pic>
         <p:nvPicPr>
-          <p:cNvPr id="43" name="Picture 6" descr=""/>
+          <p:cNvPr id="40" name="Picture 6" descr=""/>
           <p:cNvPicPr/>
           <p:nvPr/>
         </p:nvPicPr>
@@ -3375,7 +3025,7 @@
         <p:spPr>
           <a:xfrm>
             <a:off x="0" y="0"/>
-            <a:ext cx="12191760" cy="1441080"/>
+            <a:ext cx="12191400" cy="1440720"/>
           </a:xfrm>
           <a:prstGeom prst="rect">
             <a:avLst/>
@@ -3387,7 +3037,7 @@
       </p:pic>
       <p:sp>
         <p:nvSpPr>
-          <p:cNvPr id="44" name="PlaceHolder 1"/>
+          <p:cNvPr id="41" name="PlaceHolder 1"/>
           <p:cNvSpPr>
             <a:spLocks noGrp="1"/>
           </p:cNvSpPr>
@@ -3397,42 +3047,236 @@
         </p:nvSpPr>
         <p:spPr>
           <a:xfrm>
-            <a:off x="2895480" y="764280"/>
-            <a:ext cx="8610120" cy="1292760"/>
-          </a:xfrm>
-          <a:prstGeom prst="rect">
-            <a:avLst/>
-          </a:prstGeom>
-        </p:spPr>
-        <p:txBody>
-          <a:bodyPr anchor="ctr"/>
-          <a:p>
-            <a:pPr algn="r">
-              <a:lnSpc>
-                <a:spcPct val="90000"/>
-              </a:lnSpc>
-            </a:pPr>
-            <a:r>
-              <a:rPr b="0" lang="en-US" sz="4000" spc="-1" strike="noStrike" cap="all">
-                <a:solidFill>
-                  <a:srgbClr val="ffffff"/>
-                </a:solidFill>
-                <a:latin typeface="Century Gothic"/>
-              </a:rPr>
-              <a:t>Click to edit Master title style</a:t>
-            </a:r>
-            <a:endParaRPr b="0" lang="en-US" sz="4000" spc="-1" strike="noStrike">
-              <a:solidFill>
-                <a:srgbClr val="ffffff"/>
-              </a:solidFill>
-              <a:latin typeface="Century Gothic"/>
-            </a:endParaRPr>
-          </a:p>
-        </p:txBody>
-      </p:sp>
-      <p:sp>
-        <p:nvSpPr>
-          <p:cNvPr id="45" name="PlaceHolder 2"/>
+            <a:off x="609480" y="273600"/>
+            <a:ext cx="10972440" cy="1144800"/>
+          </a:xfrm>
+          <a:prstGeom prst="rect">
+            <a:avLst/>
+          </a:prstGeom>
+        </p:spPr>
+        <p:txBody>
+          <a:bodyPr lIns="0" rIns="0" tIns="0" bIns="0" anchor="ctr"/>
+          <a:p>
+            <a:pPr algn="ctr"/>
+            <a:r>
+              <a:rPr b="0" lang="en-GB" sz="4400" spc="-1" strike="noStrike">
+                <a:latin typeface="Arial"/>
+              </a:rPr>
+              <a:t>C</a:t>
+            </a:r>
+            <a:r>
+              <a:rPr b="0" lang="en-GB" sz="4400" spc="-1" strike="noStrike">
+                <a:latin typeface="Arial"/>
+              </a:rPr>
+              <a:t>l</a:t>
+            </a:r>
+            <a:r>
+              <a:rPr b="0" lang="en-GB" sz="4400" spc="-1" strike="noStrike">
+                <a:latin typeface="Arial"/>
+              </a:rPr>
+              <a:t>i</a:t>
+            </a:r>
+            <a:r>
+              <a:rPr b="0" lang="en-GB" sz="4400" spc="-1" strike="noStrike">
+                <a:latin typeface="Arial"/>
+              </a:rPr>
+              <a:t>c</a:t>
+            </a:r>
+            <a:r>
+              <a:rPr b="0" lang="en-GB" sz="4400" spc="-1" strike="noStrike">
+                <a:latin typeface="Arial"/>
+              </a:rPr>
+              <a:t>k</a:t>
+            </a:r>
+            <a:r>
+              <a:rPr b="0" lang="en-GB" sz="4400" spc="-1" strike="noStrike">
+                <a:latin typeface="Arial"/>
+              </a:rPr>
+              <a:t> </a:t>
+            </a:r>
+            <a:r>
+              <a:rPr b="0" lang="en-GB" sz="4400" spc="-1" strike="noStrike">
+                <a:latin typeface="Arial"/>
+              </a:rPr>
+              <a:t>t</a:t>
+            </a:r>
+            <a:r>
+              <a:rPr b="0" lang="en-GB" sz="4400" spc="-1" strike="noStrike">
+                <a:latin typeface="Arial"/>
+              </a:rPr>
+              <a:t>o</a:t>
+            </a:r>
+            <a:r>
+              <a:rPr b="0" lang="en-GB" sz="4400" spc="-1" strike="noStrike">
+                <a:latin typeface="Arial"/>
+              </a:rPr>
+              <a:t> </a:t>
+            </a:r>
+            <a:r>
+              <a:rPr b="0" lang="en-GB" sz="4400" spc="-1" strike="noStrike">
+                <a:latin typeface="Arial"/>
+              </a:rPr>
+              <a:t>e</a:t>
+            </a:r>
+            <a:r>
+              <a:rPr b="0" lang="en-GB" sz="4400" spc="-1" strike="noStrike">
+                <a:latin typeface="Arial"/>
+              </a:rPr>
+              <a:t>d</a:t>
+            </a:r>
+            <a:r>
+              <a:rPr b="0" lang="en-GB" sz="4400" spc="-1" strike="noStrike">
+                <a:latin typeface="Arial"/>
+              </a:rPr>
+              <a:t>i</a:t>
+            </a:r>
+            <a:r>
+              <a:rPr b="0" lang="en-GB" sz="4400" spc="-1" strike="noStrike">
+                <a:latin typeface="Arial"/>
+              </a:rPr>
+              <a:t>t</a:t>
+            </a:r>
+            <a:r>
+              <a:rPr b="0" lang="en-GB" sz="4400" spc="-1" strike="noStrike">
+                <a:latin typeface="Arial"/>
+              </a:rPr>
+              <a:t> </a:t>
+            </a:r>
+            <a:r>
+              <a:rPr b="0" lang="en-GB" sz="4400" spc="-1" strike="noStrike">
+                <a:latin typeface="Arial"/>
+              </a:rPr>
+              <a:t>t</a:t>
+            </a:r>
+            <a:r>
+              <a:rPr b="0" lang="en-GB" sz="4400" spc="-1" strike="noStrike">
+                <a:latin typeface="Arial"/>
+              </a:rPr>
+              <a:t>h</a:t>
+            </a:r>
+            <a:r>
+              <a:rPr b="0" lang="en-GB" sz="4400" spc="-1" strike="noStrike">
+                <a:latin typeface="Arial"/>
+              </a:rPr>
+              <a:t>e</a:t>
+            </a:r>
+            <a:r>
+              <a:rPr b="0" lang="en-GB" sz="4400" spc="-1" strike="noStrike">
+                <a:latin typeface="Arial"/>
+              </a:rPr>
+              <a:t> </a:t>
+            </a:r>
+            <a:r>
+              <a:rPr b="0" lang="en-GB" sz="4400" spc="-1" strike="noStrike">
+                <a:latin typeface="Arial"/>
+              </a:rPr>
+              <a:t>t</a:t>
+            </a:r>
+            <a:r>
+              <a:rPr b="0" lang="en-GB" sz="4400" spc="-1" strike="noStrike">
+                <a:latin typeface="Arial"/>
+              </a:rPr>
+              <a:t>i</a:t>
+            </a:r>
+            <a:r>
+              <a:rPr b="0" lang="en-GB" sz="4400" spc="-1" strike="noStrike">
+                <a:latin typeface="Arial"/>
+              </a:rPr>
+              <a:t>t</a:t>
+            </a:r>
+            <a:r>
+              <a:rPr b="0" lang="en-GB" sz="4400" spc="-1" strike="noStrike">
+                <a:latin typeface="Arial"/>
+              </a:rPr>
+              <a:t>l</a:t>
+            </a:r>
+            <a:r>
+              <a:rPr b="0" lang="en-GB" sz="4400" spc="-1" strike="noStrike">
+                <a:latin typeface="Arial"/>
+              </a:rPr>
+              <a:t>e</a:t>
+            </a:r>
+            <a:r>
+              <a:rPr b="0" lang="en-GB" sz="4400" spc="-1" strike="noStrike">
+                <a:latin typeface="Arial"/>
+              </a:rPr>
+              <a:t> </a:t>
+            </a:r>
+            <a:r>
+              <a:rPr b="0" lang="en-GB" sz="4400" spc="-1" strike="noStrike">
+                <a:latin typeface="Arial"/>
+              </a:rPr>
+              <a:t>t</a:t>
+            </a:r>
+            <a:r>
+              <a:rPr b="0" lang="en-GB" sz="4400" spc="-1" strike="noStrike">
+                <a:latin typeface="Arial"/>
+              </a:rPr>
+              <a:t>e</a:t>
+            </a:r>
+            <a:r>
+              <a:rPr b="0" lang="en-GB" sz="4400" spc="-1" strike="noStrike">
+                <a:latin typeface="Arial"/>
+              </a:rPr>
+              <a:t>x</a:t>
+            </a:r>
+            <a:r>
+              <a:rPr b="0" lang="en-GB" sz="4400" spc="-1" strike="noStrike">
+                <a:latin typeface="Arial"/>
+              </a:rPr>
+              <a:t>t</a:t>
+            </a:r>
+            <a:r>
+              <a:rPr b="0" lang="en-GB" sz="4400" spc="-1" strike="noStrike">
+                <a:latin typeface="Arial"/>
+              </a:rPr>
+              <a:t> </a:t>
+            </a:r>
+            <a:r>
+              <a:rPr b="0" lang="en-GB" sz="4400" spc="-1" strike="noStrike">
+                <a:latin typeface="Arial"/>
+              </a:rPr>
+              <a:t>f</a:t>
+            </a:r>
+            <a:r>
+              <a:rPr b="0" lang="en-GB" sz="4400" spc="-1" strike="noStrike">
+                <a:latin typeface="Arial"/>
+              </a:rPr>
+              <a:t>o</a:t>
+            </a:r>
+            <a:r>
+              <a:rPr b="0" lang="en-GB" sz="4400" spc="-1" strike="noStrike">
+                <a:latin typeface="Arial"/>
+              </a:rPr>
+              <a:t>r</a:t>
+            </a:r>
+            <a:r>
+              <a:rPr b="0" lang="en-GB" sz="4400" spc="-1" strike="noStrike">
+                <a:latin typeface="Arial"/>
+              </a:rPr>
+              <a:t>m</a:t>
+            </a:r>
+            <a:r>
+              <a:rPr b="0" lang="en-GB" sz="4400" spc="-1" strike="noStrike">
+                <a:latin typeface="Arial"/>
+              </a:rPr>
+              <a:t>a</a:t>
+            </a:r>
+            <a:r>
+              <a:rPr b="0" lang="en-GB" sz="4400" spc="-1" strike="noStrike">
+                <a:latin typeface="Arial"/>
+              </a:rPr>
+              <a:t>t</a:t>
+            </a:r>
+            <a:endParaRPr b="0" lang="en-GB" sz="4400" spc="-1" strike="noStrike">
+              <a:latin typeface="Arial"/>
+            </a:endParaRPr>
+          </a:p>
+        </p:txBody>
+      </p:sp>
+      <p:sp>
+        <p:nvSpPr>
+          <p:cNvPr id="42" name="PlaceHolder 2"/>
           <p:cNvSpPr>
             <a:spLocks noGrp="1"/>
           </p:cNvSpPr>
@@ -3442,275 +3286,169 @@
         </p:nvSpPr>
         <p:spPr>
           <a:xfrm>
-            <a:off x="685800" y="2194560"/>
-            <a:ext cx="10820160" cy="4023720"/>
-          </a:xfrm>
-          <a:prstGeom prst="rect">
-            <a:avLst/>
-          </a:prstGeom>
-        </p:spPr>
-        <p:txBody>
-          <a:bodyPr/>
-          <a:p>
-            <a:pPr marL="228600" indent="-228240">
-              <a:lnSpc>
-                <a:spcPct val="90000"/>
-              </a:lnSpc>
+            <a:off x="609480" y="1604520"/>
+            <a:ext cx="10972440" cy="3977280"/>
+          </a:xfrm>
+          <a:prstGeom prst="rect">
+            <a:avLst/>
+          </a:prstGeom>
+        </p:spPr>
+        <p:txBody>
+          <a:bodyPr lIns="0" rIns="0" tIns="0" bIns="0">
+            <a:normAutofit/>
+          </a:bodyPr>
+          <a:p>
+            <a:pPr marL="432000" indent="-324000">
               <a:spcBef>
-                <a:spcPts val="1001"/>
+                <a:spcPts val="1417"/>
               </a:spcBef>
               <a:buClr>
                 <a:srgbClr val="ffffff"/>
               </a:buClr>
-              <a:buFont typeface="Arial"/>
-              <a:buChar char="•"/>
-            </a:pPr>
-            <a:r>
-              <a:rPr b="0" lang="en-US" sz="2200" spc="-1" strike="noStrike">
-                <a:solidFill>
-                  <a:srgbClr val="ffffff"/>
-                </a:solidFill>
-                <a:latin typeface="Century Gothic"/>
-              </a:rPr>
-              <a:t>Click to edit Master text styles</a:t>
-            </a:r>
-            <a:endParaRPr b="0" lang="en-US" sz="2200" spc="-1" strike="noStrike">
-              <a:solidFill>
-                <a:srgbClr val="ffffff"/>
-              </a:solidFill>
-              <a:latin typeface="Century Gothic"/>
-            </a:endParaRPr>
-          </a:p>
-          <a:p>
-            <a:pPr lvl="1" marL="685800" indent="-228240">
-              <a:lnSpc>
-                <a:spcPct val="90000"/>
-              </a:lnSpc>
+              <a:buSzPct val="45000"/>
+              <a:buFont typeface="Wingdings" charset="2"/>
+              <a:buChar char=""/>
+            </a:pPr>
+            <a:r>
+              <a:rPr b="0" lang="en-GB" sz="3200" spc="-1" strike="noStrike">
+                <a:latin typeface="Arial"/>
+              </a:rPr>
+              <a:t>Click to edit the outline text format</a:t>
+            </a:r>
+            <a:endParaRPr b="0" lang="en-GB" sz="3200" spc="-1" strike="noStrike">
+              <a:latin typeface="Arial"/>
+            </a:endParaRPr>
+          </a:p>
+          <a:p>
+            <a:pPr lvl="1" marL="864000" indent="-324000">
               <a:spcBef>
-                <a:spcPts val="499"/>
+                <a:spcPts val="1134"/>
               </a:spcBef>
               <a:buClr>
                 <a:srgbClr val="ffffff"/>
               </a:buClr>
-              <a:buFont typeface="Arial"/>
-              <a:buChar char="•"/>
-            </a:pPr>
-            <a:r>
-              <a:rPr b="0" lang="en-US" sz="2000" spc="-1" strike="noStrike">
-                <a:solidFill>
-                  <a:srgbClr val="ffffff"/>
-                </a:solidFill>
-                <a:latin typeface="Century Gothic"/>
-              </a:rPr>
-              <a:t>Second level</a:t>
-            </a:r>
-            <a:endParaRPr b="0" lang="en-US" sz="2000" spc="-1" strike="noStrike">
-              <a:solidFill>
-                <a:srgbClr val="ffffff"/>
-              </a:solidFill>
-              <a:latin typeface="Century Gothic"/>
-            </a:endParaRPr>
-          </a:p>
-          <a:p>
-            <a:pPr lvl="2" marL="1143000" indent="-228240">
-              <a:lnSpc>
-                <a:spcPct val="90000"/>
-              </a:lnSpc>
+              <a:buSzPct val="75000"/>
+              <a:buFont typeface="Symbol" charset="2"/>
+              <a:buChar char=""/>
+            </a:pPr>
+            <a:r>
+              <a:rPr b="0" lang="en-GB" sz="2800" spc="-1" strike="noStrike">
+                <a:latin typeface="Arial"/>
+              </a:rPr>
+              <a:t>Second Outline Level</a:t>
+            </a:r>
+            <a:endParaRPr b="0" lang="en-GB" sz="2800" spc="-1" strike="noStrike">
+              <a:latin typeface="Arial"/>
+            </a:endParaRPr>
+          </a:p>
+          <a:p>
+            <a:pPr lvl="2" marL="1296000" indent="-288000">
               <a:spcBef>
-                <a:spcPts val="499"/>
+                <a:spcPts val="850"/>
               </a:spcBef>
               <a:buClr>
                 <a:srgbClr val="ffffff"/>
               </a:buClr>
-              <a:buFont typeface="Arial"/>
-              <a:buChar char="•"/>
-            </a:pPr>
-            <a:r>
-              <a:rPr b="0" lang="en-US" sz="1800" spc="-1" strike="noStrike">
-                <a:solidFill>
-                  <a:srgbClr val="ffffff"/>
-                </a:solidFill>
-                <a:latin typeface="Century Gothic"/>
-              </a:rPr>
-              <a:t>Third level</a:t>
-            </a:r>
-            <a:endParaRPr b="0" lang="en-US" sz="1800" spc="-1" strike="noStrike">
-              <a:solidFill>
-                <a:srgbClr val="ffffff"/>
-              </a:solidFill>
-              <a:latin typeface="Century Gothic"/>
-            </a:endParaRPr>
-          </a:p>
-          <a:p>
-            <a:pPr lvl="3" marL="1600200" indent="-228240">
-              <a:lnSpc>
-                <a:spcPct val="90000"/>
-              </a:lnSpc>
+              <a:buSzPct val="45000"/>
+              <a:buFont typeface="Wingdings" charset="2"/>
+              <a:buChar char=""/>
+            </a:pPr>
+            <a:r>
+              <a:rPr b="0" lang="en-GB" sz="2400" spc="-1" strike="noStrike">
+                <a:latin typeface="Arial"/>
+              </a:rPr>
+              <a:t>Third Outline Level</a:t>
+            </a:r>
+            <a:endParaRPr b="0" lang="en-GB" sz="2400" spc="-1" strike="noStrike">
+              <a:latin typeface="Arial"/>
+            </a:endParaRPr>
+          </a:p>
+          <a:p>
+            <a:pPr lvl="3" marL="1728000" indent="-216000">
               <a:spcBef>
-                <a:spcPts val="499"/>
+                <a:spcPts val="567"/>
               </a:spcBef>
               <a:buClr>
                 <a:srgbClr val="ffffff"/>
               </a:buClr>
-              <a:buFont typeface="Arial"/>
-              <a:buChar char="•"/>
-            </a:pPr>
-            <a:r>
-              <a:rPr b="0" lang="en-US" sz="1600" spc="-1" strike="noStrike">
-                <a:solidFill>
-                  <a:srgbClr val="ffffff"/>
-                </a:solidFill>
-                <a:latin typeface="Century Gothic"/>
-              </a:rPr>
-              <a:t>Fourth level</a:t>
-            </a:r>
-            <a:endParaRPr b="0" lang="en-US" sz="1600" spc="-1" strike="noStrike">
-              <a:solidFill>
-                <a:srgbClr val="ffffff"/>
-              </a:solidFill>
-              <a:latin typeface="Century Gothic"/>
-            </a:endParaRPr>
-          </a:p>
-          <a:p>
-            <a:pPr lvl="4" marL="2057400" indent="-228240">
-              <a:lnSpc>
-                <a:spcPct val="90000"/>
-              </a:lnSpc>
+              <a:buSzPct val="75000"/>
+              <a:buFont typeface="Symbol" charset="2"/>
+              <a:buChar char=""/>
+            </a:pPr>
+            <a:r>
+              <a:rPr b="0" lang="en-GB" sz="2000" spc="-1" strike="noStrike">
+                <a:latin typeface="Arial"/>
+              </a:rPr>
+              <a:t>Fourth Outline Level</a:t>
+            </a:r>
+            <a:endParaRPr b="0" lang="en-GB" sz="2000" spc="-1" strike="noStrike">
+              <a:latin typeface="Arial"/>
+            </a:endParaRPr>
+          </a:p>
+          <a:p>
+            <a:pPr lvl="4" marL="2160000" indent="-216000">
               <a:spcBef>
-                <a:spcPts val="499"/>
+                <a:spcPts val="283"/>
               </a:spcBef>
               <a:buClr>
                 <a:srgbClr val="ffffff"/>
               </a:buClr>
-              <a:buFont typeface="Arial"/>
-              <a:buChar char="•"/>
-            </a:pPr>
-            <a:r>
-              <a:rPr b="0" lang="en-US" sz="1600" spc="-1" strike="noStrike">
-                <a:solidFill>
-                  <a:srgbClr val="ffffff"/>
-                </a:solidFill>
-                <a:latin typeface="Century Gothic"/>
-              </a:rPr>
-              <a:t>Fifth level</a:t>
-            </a:r>
-            <a:endParaRPr b="0" lang="en-US" sz="1600" spc="-1" strike="noStrike">
-              <a:solidFill>
+              <a:buSzPct val="45000"/>
+              <a:buFont typeface="Wingdings" charset="2"/>
+              <a:buChar char=""/>
+            </a:pPr>
+            <a:r>
+              <a:rPr b="0" lang="en-GB" sz="2000" spc="-1" strike="noStrike">
+                <a:latin typeface="Arial"/>
+              </a:rPr>
+              <a:t>Fifth Outline Level</a:t>
+            </a:r>
+            <a:endParaRPr b="0" lang="en-GB" sz="2000" spc="-1" strike="noStrike">
+              <a:latin typeface="Arial"/>
+            </a:endParaRPr>
+          </a:p>
+          <a:p>
+            <a:pPr lvl="5" marL="2592000" indent="-216000">
+              <a:spcBef>
+                <a:spcPts val="283"/>
+              </a:spcBef>
+              <a:buClr>
                 <a:srgbClr val="ffffff"/>
-              </a:solidFill>
-              <a:latin typeface="Century Gothic"/>
-            </a:endParaRPr>
-          </a:p>
-        </p:txBody>
-      </p:sp>
-      <p:sp>
-        <p:nvSpPr>
-          <p:cNvPr id="46" name="PlaceHolder 3"/>
-          <p:cNvSpPr>
-            <a:spLocks noGrp="1"/>
-          </p:cNvSpPr>
-          <p:nvPr>
-            <p:ph type="dt"/>
-          </p:nvPr>
-        </p:nvSpPr>
-        <p:spPr>
-          <a:xfrm>
-            <a:off x="8595360" y="6356520"/>
-            <a:ext cx="2910600" cy="364680"/>
-          </a:xfrm>
-          <a:prstGeom prst="rect">
-            <a:avLst/>
-          </a:prstGeom>
-        </p:spPr>
-        <p:txBody>
-          <a:bodyPr anchor="ctr"/>
-          <a:p>
-            <a:pPr algn="r">
-              <a:lnSpc>
-                <a:spcPct val="100000"/>
-              </a:lnSpc>
-            </a:pPr>
-            <a:fld id="{76D88D2C-EE2A-49A9-96F0-7E8520F27C54}" type="datetime">
-              <a:rPr b="0" lang="en-GB" sz="1050" spc="-1" strike="noStrike">
-                <a:solidFill>
-                  <a:srgbClr val="ffffff"/>
-                </a:solidFill>
-                <a:latin typeface="Century Gothic"/>
-              </a:rPr>
-              <a:t>13/11/18</a:t>
-            </a:fld>
-            <a:endParaRPr b="0" lang="en-GB" sz="1050" spc="-1" strike="noStrike">
-              <a:latin typeface="Times New Roman"/>
-            </a:endParaRPr>
-          </a:p>
-        </p:txBody>
-      </p:sp>
-      <p:sp>
-        <p:nvSpPr>
-          <p:cNvPr id="47" name="PlaceHolder 4"/>
-          <p:cNvSpPr>
-            <a:spLocks noGrp="1"/>
-          </p:cNvSpPr>
-          <p:nvPr>
-            <p:ph type="ftr"/>
-          </p:nvPr>
-        </p:nvSpPr>
-        <p:spPr>
-          <a:xfrm>
-            <a:off x="685800" y="6355800"/>
-            <a:ext cx="7772040" cy="364680"/>
-          </a:xfrm>
-          <a:prstGeom prst="rect">
-            <a:avLst/>
-          </a:prstGeom>
-        </p:spPr>
-        <p:txBody>
-          <a:bodyPr anchor="ctr"/>
-          <a:p>
-            <a:endParaRPr b="0" lang="en-GB" sz="2400" spc="-1" strike="noStrike">
-              <a:latin typeface="Times New Roman"/>
-            </a:endParaRPr>
-          </a:p>
-        </p:txBody>
-      </p:sp>
-      <p:sp>
-        <p:nvSpPr>
-          <p:cNvPr id="48" name="PlaceHolder 5"/>
-          <p:cNvSpPr>
-            <a:spLocks noGrp="1"/>
-          </p:cNvSpPr>
-          <p:nvPr>
-            <p:ph type="sldNum"/>
-          </p:nvPr>
-        </p:nvSpPr>
-        <p:spPr>
-          <a:xfrm>
-            <a:off x="8763120" y="380880"/>
-            <a:ext cx="2742840" cy="364680"/>
-          </a:xfrm>
-          <a:prstGeom prst="rect">
-            <a:avLst/>
-          </a:prstGeom>
-        </p:spPr>
-        <p:txBody>
-          <a:bodyPr anchor="ctr"/>
-          <a:p>
-            <a:pPr algn="r">
-              <a:lnSpc>
-                <a:spcPct val="100000"/>
-              </a:lnSpc>
-            </a:pPr>
-            <a:fld id="{6F0E4994-8739-4475-9FFC-BCDC5CCCD3B1}" type="slidenum">
-              <a:rPr b="0" lang="en-GB" sz="1050" spc="-1" strike="noStrike">
-                <a:solidFill>
-                  <a:srgbClr val="ffffff"/>
-                </a:solidFill>
-                <a:latin typeface="Century Gothic"/>
-              </a:rPr>
-              <a:t>&lt;number&gt;</a:t>
-            </a:fld>
-            <a:endParaRPr b="0" lang="en-GB" sz="1050" spc="-1" strike="noStrike">
-              <a:latin typeface="Times New Roman"/>
+              </a:buClr>
+              <a:buSzPct val="45000"/>
+              <a:buFont typeface="Wingdings" charset="2"/>
+              <a:buChar char=""/>
+            </a:pPr>
+            <a:r>
+              <a:rPr b="0" lang="en-GB" sz="2000" spc="-1" strike="noStrike">
+                <a:latin typeface="Arial"/>
+              </a:rPr>
+              <a:t>Sixth Outline Level</a:t>
+            </a:r>
+            <a:endParaRPr b="0" lang="en-GB" sz="2000" spc="-1" strike="noStrike">
+              <a:latin typeface="Arial"/>
+            </a:endParaRPr>
+          </a:p>
+          <a:p>
+            <a:pPr lvl="6" marL="3024000" indent="-216000">
+              <a:spcBef>
+                <a:spcPts val="283"/>
+              </a:spcBef>
+              <a:buClr>
+                <a:srgbClr val="ffffff"/>
+              </a:buClr>
+              <a:buSzPct val="45000"/>
+              <a:buFont typeface="Wingdings" charset="2"/>
+              <a:buChar char=""/>
+            </a:pPr>
+            <a:r>
+              <a:rPr b="0" lang="en-GB" sz="2000" spc="-1" strike="noStrike">
+                <a:latin typeface="Arial"/>
+              </a:rPr>
+              <a:t>Seventh Outline Level</a:t>
+            </a:r>
+            <a:endParaRPr b="0" lang="en-GB" sz="2000" spc="-1" strike="noStrike">
+              <a:latin typeface="Arial"/>
             </a:endParaRPr>
           </a:p>
         </p:txBody>
@@ -3754,14 +3492,14 @@
       </p:grpSpPr>
       <p:sp>
         <p:nvSpPr>
-          <p:cNvPr id="85" name="TextShape 1"/>
-          <p:cNvSpPr txBox="1"/>
+          <p:cNvPr id="79" name="CustomShape 1"/>
+          <p:cNvSpPr/>
           <p:nvPr/>
         </p:nvSpPr>
         <p:spPr>
           <a:xfrm>
             <a:off x="1371600" y="1803240"/>
-            <a:ext cx="9448560" cy="1824840"/>
+            <a:ext cx="9448200" cy="1824480"/>
           </a:xfrm>
           <a:prstGeom prst="rect">
             <a:avLst/>
@@ -3771,8 +3509,14 @@
             <a:noFill/>
           </a:ln>
         </p:spPr>
-        <p:txBody>
-          <a:bodyPr anchor="b"/>
+        <p:style>
+          <a:lnRef idx="0"/>
+          <a:fillRef idx="0"/>
+          <a:effectRef idx="0"/>
+          <a:fontRef idx="minor"/>
+        </p:style>
+        <p:txBody>
+          <a:bodyPr lIns="90000" rIns="90000" tIns="45000" bIns="45000" anchor="b"/>
           <a:p>
             <a:pPr>
               <a:lnSpc>
@@ -3780,7 +3524,7 @@
               </a:lnSpc>
             </a:pPr>
             <a:r>
-              <a:rPr b="0" lang="en-US" sz="6000" spc="-1" strike="noStrike" cap="all">
+              <a:rPr b="0" lang="en-GB" sz="6000" spc="-1" strike="noStrike" cap="all">
                 <a:solidFill>
                   <a:srgbClr val="ffffff"/>
                 </a:solidFill>
@@ -3788,25 +3532,22 @@
               </a:rPr>
               <a:t>ESE3 – Arcade game</a:t>
             </a:r>
-            <a:endParaRPr b="0" lang="en-US" sz="6000" spc="-1" strike="noStrike">
-              <a:solidFill>
-                <a:srgbClr val="ffffff"/>
-              </a:solidFill>
-              <a:latin typeface="Century Gothic"/>
-            </a:endParaRPr>
-          </a:p>
-        </p:txBody>
-      </p:sp>
-      <p:sp>
-        <p:nvSpPr>
-          <p:cNvPr id="86" name="TextShape 2"/>
-          <p:cNvSpPr txBox="1"/>
+            <a:endParaRPr b="0" lang="en-GB" sz="6000" spc="-1" strike="noStrike">
+              <a:latin typeface="Arial"/>
+            </a:endParaRPr>
+          </a:p>
+        </p:txBody>
+      </p:sp>
+      <p:sp>
+        <p:nvSpPr>
+          <p:cNvPr id="80" name="CustomShape 2"/>
+          <p:cNvSpPr/>
           <p:nvPr/>
         </p:nvSpPr>
         <p:spPr>
           <a:xfrm>
             <a:off x="1371600" y="3632040"/>
-            <a:ext cx="9448560" cy="685440"/>
+            <a:ext cx="9448200" cy="685080"/>
           </a:xfrm>
           <a:prstGeom prst="rect">
             <a:avLst/>
@@ -3816,8 +3557,14 @@
             <a:noFill/>
           </a:ln>
         </p:spPr>
-        <p:txBody>
-          <a:bodyPr>
+        <p:style>
+          <a:lnRef idx="0"/>
+          <a:fillRef idx="0"/>
+          <a:effectRef idx="0"/>
+          <a:fontRef idx="minor"/>
+        </p:style>
+        <p:txBody>
+          <a:bodyPr lIns="90000" rIns="90000" tIns="45000" bIns="45000">
             <a:normAutofit/>
           </a:bodyPr>
           <a:p>
@@ -3895,14 +3642,14 @@
       </p:grpSpPr>
       <p:sp>
         <p:nvSpPr>
-          <p:cNvPr id="87" name="TextShape 1"/>
-          <p:cNvSpPr txBox="1"/>
+          <p:cNvPr id="81" name="CustomShape 1"/>
+          <p:cNvSpPr/>
           <p:nvPr/>
         </p:nvSpPr>
         <p:spPr>
           <a:xfrm>
             <a:off x="2895480" y="764280"/>
-            <a:ext cx="8610120" cy="1292760"/>
+            <a:ext cx="8609760" cy="1292400"/>
           </a:xfrm>
           <a:prstGeom prst="rect">
             <a:avLst/>
@@ -3912,8 +3659,14 @@
             <a:noFill/>
           </a:ln>
         </p:spPr>
-        <p:txBody>
-          <a:bodyPr anchor="ctr"/>
+        <p:style>
+          <a:lnRef idx="0"/>
+          <a:fillRef idx="0"/>
+          <a:effectRef idx="0"/>
+          <a:fontRef idx="minor"/>
+        </p:style>
+        <p:txBody>
+          <a:bodyPr lIns="90000" rIns="90000" tIns="45000" bIns="45000" anchor="ctr"/>
           <a:p>
             <a:pPr algn="r">
               <a:lnSpc>
@@ -3921,7 +3674,7 @@
               </a:lnSpc>
             </a:pPr>
             <a:r>
-              <a:rPr b="0" lang="en-US" sz="4000" spc="-1" strike="noStrike" cap="all">
+              <a:rPr b="0" lang="en-GB" sz="4000" spc="-1" strike="noStrike" cap="all">
                 <a:solidFill>
                   <a:srgbClr val="ffffff"/>
                 </a:solidFill>
@@ -3929,25 +3682,22 @@
               </a:rPr>
               <a:t>Original goals</a:t>
             </a:r>
-            <a:endParaRPr b="0" lang="en-US" sz="4000" spc="-1" strike="noStrike">
-              <a:solidFill>
-                <a:srgbClr val="ffffff"/>
-              </a:solidFill>
-              <a:latin typeface="Century Gothic"/>
-            </a:endParaRPr>
-          </a:p>
-        </p:txBody>
-      </p:sp>
-      <p:sp>
-        <p:nvSpPr>
-          <p:cNvPr id="88" name="TextShape 2"/>
-          <p:cNvSpPr txBox="1"/>
+            <a:endParaRPr b="0" lang="en-GB" sz="4000" spc="-1" strike="noStrike">
+              <a:latin typeface="Arial"/>
+            </a:endParaRPr>
+          </a:p>
+        </p:txBody>
+      </p:sp>
+      <p:sp>
+        <p:nvSpPr>
+          <p:cNvPr id="82" name="CustomShape 2"/>
+          <p:cNvSpPr/>
           <p:nvPr/>
         </p:nvSpPr>
         <p:spPr>
           <a:xfrm>
             <a:off x="412560" y="2697840"/>
-            <a:ext cx="4580280" cy="1996560"/>
+            <a:ext cx="4579920" cy="1996200"/>
           </a:xfrm>
           <a:prstGeom prst="rect">
             <a:avLst/>
@@ -3957,12 +3707,18 @@
             <a:noFill/>
           </a:ln>
         </p:spPr>
-        <p:txBody>
-          <a:bodyPr>
+        <p:style>
+          <a:lnRef idx="0"/>
+          <a:fillRef idx="0"/>
+          <a:effectRef idx="0"/>
+          <a:fontRef idx="minor"/>
+        </p:style>
+        <p:txBody>
+          <a:bodyPr lIns="90000" rIns="90000" tIns="45000" bIns="45000">
             <a:normAutofit/>
           </a:bodyPr>
           <a:p>
-            <a:pPr marL="228600" indent="-228240">
+            <a:pPr marL="228600" indent="-227880">
               <a:lnSpc>
                 <a:spcPct val="90000"/>
               </a:lnSpc>
@@ -3976,7 +3732,7 @@
               <a:buChar char="•"/>
             </a:pPr>
             <a:r>
-              <a:rPr b="0" lang="en-US" sz="2200" spc="-1" strike="noStrike">
+              <a:rPr b="0" lang="en-GB" sz="2200" spc="-1" strike="noStrike">
                 <a:solidFill>
                   <a:srgbClr val="ffffff"/>
                 </a:solidFill>
@@ -3984,15 +3740,12 @@
               </a:rPr>
               <a:t>Requirements Gathering</a:t>
             </a:r>
-            <a:endParaRPr b="0" lang="en-US" sz="2200" spc="-1" strike="noStrike">
-              <a:solidFill>
-                <a:srgbClr val="ffffff"/>
-              </a:solidFill>
-              <a:latin typeface="Century Gothic"/>
-            </a:endParaRPr>
-          </a:p>
-          <a:p>
-            <a:pPr lvl="1" marL="685800" indent="-228240">
+            <a:endParaRPr b="0" lang="en-GB" sz="2200" spc="-1" strike="noStrike">
+              <a:latin typeface="Arial"/>
+            </a:endParaRPr>
+          </a:p>
+          <a:p>
+            <a:pPr lvl="1" marL="685800" indent="-227880">
               <a:lnSpc>
                 <a:spcPct val="90000"/>
               </a:lnSpc>
@@ -4006,7 +3759,7 @@
               <a:buChar char="•"/>
             </a:pPr>
             <a:r>
-              <a:rPr b="0" lang="en-US" sz="2000" spc="-1" strike="noStrike">
+              <a:rPr b="0" lang="en-GB" sz="2000" spc="-1" strike="noStrike">
                 <a:solidFill>
                   <a:srgbClr val="ffffff"/>
                 </a:solidFill>
@@ -4014,15 +3767,12 @@
               </a:rPr>
               <a:t>Functional requirements</a:t>
             </a:r>
-            <a:endParaRPr b="0" lang="en-US" sz="2000" spc="-1" strike="noStrike">
-              <a:solidFill>
-                <a:srgbClr val="ffffff"/>
-              </a:solidFill>
-              <a:latin typeface="Century Gothic"/>
-            </a:endParaRPr>
-          </a:p>
-          <a:p>
-            <a:pPr lvl="1" marL="685800" indent="-228240">
+            <a:endParaRPr b="0" lang="en-GB" sz="2000" spc="-1" strike="noStrike">
+              <a:latin typeface="Arial"/>
+            </a:endParaRPr>
+          </a:p>
+          <a:p>
+            <a:pPr lvl="1" marL="685800" indent="-227880">
               <a:lnSpc>
                 <a:spcPct val="90000"/>
               </a:lnSpc>
@@ -4036,7 +3786,7 @@
               <a:buChar char="•"/>
             </a:pPr>
             <a:r>
-              <a:rPr b="0" lang="en-US" sz="2000" spc="-1" strike="noStrike">
+              <a:rPr b="0" lang="en-GB" sz="2000" spc="-1" strike="noStrike">
                 <a:solidFill>
                   <a:srgbClr val="ffffff"/>
                 </a:solidFill>
@@ -4044,15 +3794,12 @@
               </a:rPr>
               <a:t>Non functional requirements</a:t>
             </a:r>
-            <a:endParaRPr b="0" lang="en-US" sz="2000" spc="-1" strike="noStrike">
-              <a:solidFill>
-                <a:srgbClr val="ffffff"/>
-              </a:solidFill>
-              <a:latin typeface="Century Gothic"/>
-            </a:endParaRPr>
-          </a:p>
-          <a:p>
-            <a:pPr lvl="1" marL="685800" indent="-228240">
+            <a:endParaRPr b="0" lang="en-GB" sz="2000" spc="-1" strike="noStrike">
+              <a:latin typeface="Arial"/>
+            </a:endParaRPr>
+          </a:p>
+          <a:p>
+            <a:pPr lvl="1" marL="685800" indent="-227880">
               <a:lnSpc>
                 <a:spcPct val="90000"/>
               </a:lnSpc>
@@ -4066,7 +3813,7 @@
               <a:buChar char="•"/>
             </a:pPr>
             <a:r>
-              <a:rPr b="0" lang="en-US" sz="2000" spc="-1" strike="noStrike">
+              <a:rPr b="0" lang="en-GB" sz="2000" spc="-1" strike="noStrike">
                 <a:solidFill>
                   <a:srgbClr val="ffffff"/>
                 </a:solidFill>
@@ -4074,15 +3821,12 @@
               </a:rPr>
               <a:t>User stories</a:t>
             </a:r>
-            <a:endParaRPr b="0" lang="en-US" sz="2000" spc="-1" strike="noStrike">
-              <a:solidFill>
-                <a:srgbClr val="ffffff"/>
-              </a:solidFill>
-              <a:latin typeface="Century Gothic"/>
-            </a:endParaRPr>
-          </a:p>
-          <a:p>
-            <a:pPr lvl="1" marL="685800" indent="-228240">
+            <a:endParaRPr b="0" lang="en-GB" sz="2000" spc="-1" strike="noStrike">
+              <a:latin typeface="Arial"/>
+            </a:endParaRPr>
+          </a:p>
+          <a:p>
+            <a:pPr lvl="1" marL="685800" indent="-227880">
               <a:lnSpc>
                 <a:spcPct val="90000"/>
               </a:lnSpc>
@@ -4096,7 +3840,7 @@
               <a:buChar char="•"/>
             </a:pPr>
             <a:r>
-              <a:rPr b="0" lang="en-US" sz="2000" spc="-1" strike="noStrike">
+              <a:rPr b="0" lang="en-GB" sz="2000" spc="-1" strike="noStrike">
                 <a:solidFill>
                   <a:srgbClr val="ffffff"/>
                 </a:solidFill>
@@ -4104,15 +3848,12 @@
               </a:rPr>
               <a:t>Software </a:t>
             </a:r>
-            <a:endParaRPr b="0" lang="en-US" sz="2000" spc="-1" strike="noStrike">
-              <a:solidFill>
-                <a:srgbClr val="ffffff"/>
-              </a:solidFill>
-              <a:latin typeface="Century Gothic"/>
-            </a:endParaRPr>
-          </a:p>
-          <a:p>
-            <a:pPr lvl="1" marL="685800" indent="-228240">
+            <a:endParaRPr b="0" lang="en-GB" sz="2000" spc="-1" strike="noStrike">
+              <a:latin typeface="Arial"/>
+            </a:endParaRPr>
+          </a:p>
+          <a:p>
+            <a:pPr lvl="1" marL="685800" indent="-227880">
               <a:lnSpc>
                 <a:spcPct val="90000"/>
               </a:lnSpc>
@@ -4126,7 +3867,7 @@
               <a:buChar char="•"/>
             </a:pPr>
             <a:r>
-              <a:rPr b="0" lang="en-US" sz="2000" spc="-1" strike="noStrike">
+              <a:rPr b="0" lang="en-GB" sz="2000" spc="-1" strike="noStrike">
                 <a:solidFill>
                   <a:srgbClr val="ffffff"/>
                 </a:solidFill>
@@ -4134,33 +3875,32 @@
               </a:rPr>
               <a:t>Hardware</a:t>
             </a:r>
-            <a:endParaRPr b="0" lang="en-US" sz="2000" spc="-1" strike="noStrike">
-              <a:solidFill>
-                <a:srgbClr val="ffffff"/>
-              </a:solidFill>
-              <a:latin typeface="Century Gothic"/>
-            </a:endParaRPr>
-          </a:p>
-          <a:p>
-            <a:endParaRPr b="0" lang="en-US" sz="2000" spc="-1" strike="noStrike">
-              <a:solidFill>
-                <a:srgbClr val="ffffff"/>
-              </a:solidFill>
-              <a:latin typeface="Century Gothic"/>
-            </a:endParaRPr>
-          </a:p>
-        </p:txBody>
-      </p:sp>
-      <p:sp>
-        <p:nvSpPr>
-          <p:cNvPr id="89" name="CustomShape 3"/>
+            <a:endParaRPr b="0" lang="en-GB" sz="2000" spc="-1" strike="noStrike">
+              <a:latin typeface="Arial"/>
+            </a:endParaRPr>
+          </a:p>
+          <a:p>
+            <a:pPr>
+              <a:lnSpc>
+                <a:spcPct val="100000"/>
+              </a:lnSpc>
+            </a:pPr>
+            <a:endParaRPr b="0" lang="en-GB" sz="2000" spc="-1" strike="noStrike">
+              <a:latin typeface="Arial"/>
+            </a:endParaRPr>
+          </a:p>
+        </p:txBody>
+      </p:sp>
+      <p:sp>
+        <p:nvSpPr>
+          <p:cNvPr id="83" name="CustomShape 3"/>
           <p:cNvSpPr/>
           <p:nvPr/>
         </p:nvSpPr>
         <p:spPr>
           <a:xfrm>
             <a:off x="483120" y="5062320"/>
-            <a:ext cx="4511160" cy="1249200"/>
+            <a:ext cx="4510800" cy="1248840"/>
           </a:xfrm>
           <a:prstGeom prst="rect">
             <a:avLst/>
@@ -4177,9 +3917,9 @@
           <a:fontRef idx="minor"/>
         </p:style>
         <p:txBody>
-          <a:bodyPr/>
-          <a:p>
-            <a:pPr marL="285840" indent="-285480">
+          <a:bodyPr lIns="90000" rIns="90000" tIns="45000" bIns="45000"/>
+          <a:p>
+            <a:pPr marL="285840" indent="-285120">
               <a:lnSpc>
                 <a:spcPct val="100000"/>
               </a:lnSpc>
@@ -4195,6 +3935,7 @@
                   <a:srgbClr val="ffffff"/>
                 </a:solidFill>
                 <a:latin typeface="Century Gothic"/>
+                <a:ea typeface="DejaVu Sans"/>
               </a:rPr>
               <a:t>Game Proposal</a:t>
             </a:r>
@@ -4203,7 +3944,7 @@
             </a:endParaRPr>
           </a:p>
           <a:p>
-            <a:pPr lvl="1" marL="743040" indent="-285480">
+            <a:pPr lvl="1" marL="743040" indent="-285120">
               <a:lnSpc>
                 <a:spcPct val="100000"/>
               </a:lnSpc>
@@ -4219,6 +3960,7 @@
                   <a:srgbClr val="ffffff"/>
                 </a:solidFill>
                 <a:latin typeface="Century Gothic"/>
+                <a:ea typeface="DejaVu Sans"/>
               </a:rPr>
               <a:t>Full proposal of possible games</a:t>
             </a:r>
@@ -4240,14 +3982,14 @@
       </p:sp>
       <p:sp>
         <p:nvSpPr>
-          <p:cNvPr id="90" name="CustomShape 4"/>
+          <p:cNvPr id="84" name="CustomShape 4"/>
           <p:cNvSpPr/>
           <p:nvPr/>
         </p:nvSpPr>
         <p:spPr>
           <a:xfrm>
             <a:off x="6809040" y="2646720"/>
-            <a:ext cx="4281120" cy="975600"/>
+            <a:ext cx="4280760" cy="975240"/>
           </a:xfrm>
           <a:prstGeom prst="rect">
             <a:avLst/>
@@ -4264,9 +4006,9 @@
           <a:fontRef idx="minor"/>
         </p:style>
         <p:txBody>
-          <a:bodyPr/>
-          <a:p>
-            <a:pPr marL="285840" indent="-285480">
+          <a:bodyPr lIns="90000" rIns="90000" tIns="45000" bIns="45000"/>
+          <a:p>
+            <a:pPr marL="285840" indent="-285120">
               <a:lnSpc>
                 <a:spcPct val="100000"/>
               </a:lnSpc>
@@ -4282,6 +4024,7 @@
                   <a:srgbClr val="ffffff"/>
                 </a:solidFill>
                 <a:latin typeface="Century Gothic"/>
+                <a:ea typeface="DejaVu Sans"/>
               </a:rPr>
               <a:t>Hardware Proposal</a:t>
             </a:r>
@@ -4290,7 +4033,7 @@
             </a:endParaRPr>
           </a:p>
           <a:p>
-            <a:pPr lvl="1" marL="743040" indent="-285480">
+            <a:pPr lvl="1" marL="743040" indent="-285120">
               <a:lnSpc>
                 <a:spcPct val="100000"/>
               </a:lnSpc>
@@ -4306,6 +4049,7 @@
                   <a:srgbClr val="ffffff"/>
                 </a:solidFill>
                 <a:latin typeface="Century Gothic"/>
+                <a:ea typeface="DejaVu Sans"/>
               </a:rPr>
               <a:t>Full description of hardware</a:t>
             </a:r>
@@ -4314,7 +4058,7 @@
             </a:endParaRPr>
           </a:p>
           <a:p>
-            <a:pPr lvl="1" marL="743040" indent="-285480">
+            <a:pPr lvl="1" marL="743040" indent="-285120">
               <a:lnSpc>
                 <a:spcPct val="100000"/>
               </a:lnSpc>
@@ -4330,25 +4074,26 @@
                   <a:srgbClr val="ffffff"/>
                 </a:solidFill>
                 <a:latin typeface="Century Gothic"/>
-              </a:rPr>
-              <a:t>Details regarding cabient</a:t>
-            </a:r>
-            <a:endParaRPr b="0" lang="en-GB" sz="1800" spc="-1" strike="noStrike">
-              <a:latin typeface="Arial"/>
-            </a:endParaRPr>
-          </a:p>
-        </p:txBody>
-      </p:sp>
-      <p:sp>
-        <p:nvSpPr>
-          <p:cNvPr id="91" name="CustomShape 5"/>
+                <a:ea typeface="DejaVu Sans"/>
+              </a:rPr>
+              <a:t>Details regarding cabinet</a:t>
+            </a:r>
+            <a:endParaRPr b="0" lang="en-GB" sz="1800" spc="-1" strike="noStrike">
+              <a:latin typeface="Arial"/>
+            </a:endParaRPr>
+          </a:p>
+        </p:txBody>
+      </p:sp>
+      <p:sp>
+        <p:nvSpPr>
+          <p:cNvPr id="85" name="CustomShape 5"/>
           <p:cNvSpPr/>
           <p:nvPr/>
         </p:nvSpPr>
         <p:spPr>
           <a:xfrm>
             <a:off x="6809040" y="5062320"/>
-            <a:ext cx="4396320" cy="975600"/>
+            <a:ext cx="4395960" cy="975240"/>
           </a:xfrm>
           <a:prstGeom prst="rect">
             <a:avLst/>
@@ -4365,9 +4110,9 @@
           <a:fontRef idx="minor"/>
         </p:style>
         <p:txBody>
-          <a:bodyPr/>
-          <a:p>
-            <a:pPr marL="285840" indent="-285480">
+          <a:bodyPr lIns="90000" rIns="90000" tIns="45000" bIns="45000"/>
+          <a:p>
+            <a:pPr marL="285840" indent="-285120">
               <a:lnSpc>
                 <a:spcPct val="100000"/>
               </a:lnSpc>
@@ -4383,6 +4128,7 @@
                   <a:srgbClr val="ffffff"/>
                 </a:solidFill>
                 <a:latin typeface="Century Gothic"/>
+                <a:ea typeface="DejaVu Sans"/>
               </a:rPr>
               <a:t>Neural Network Research</a:t>
             </a:r>
@@ -4391,7 +4137,7 @@
             </a:endParaRPr>
           </a:p>
           <a:p>
-            <a:pPr lvl="1" marL="743040" indent="-285480">
+            <a:pPr lvl="1" marL="743040" indent="-285120">
               <a:lnSpc>
                 <a:spcPct val="100000"/>
               </a:lnSpc>
@@ -4407,6 +4153,7 @@
                   <a:srgbClr val="ffffff"/>
                 </a:solidFill>
                 <a:latin typeface="Century Gothic"/>
+                <a:ea typeface="DejaVu Sans"/>
               </a:rPr>
               <a:t>Develop a basic understanding of NN</a:t>
             </a:r>
@@ -4467,59 +4214,14 @@
       </p:grpSpPr>
       <p:sp>
         <p:nvSpPr>
-          <p:cNvPr id="92" name="TextShape 1"/>
-          <p:cNvSpPr txBox="1"/>
-          <p:nvPr/>
-        </p:nvSpPr>
-        <p:spPr>
-          <a:xfrm>
-            <a:off x="2895480" y="764280"/>
-            <a:ext cx="8610120" cy="1292760"/>
-          </a:xfrm>
-          <a:prstGeom prst="rect">
-            <a:avLst/>
-          </a:prstGeom>
-          <a:noFill/>
-          <a:ln>
-            <a:noFill/>
-          </a:ln>
-        </p:spPr>
-        <p:txBody>
-          <a:bodyPr anchor="ctr"/>
-          <a:p>
-            <a:pPr algn="r">
-              <a:lnSpc>
-                <a:spcPct val="90000"/>
-              </a:lnSpc>
-            </a:pPr>
-            <a:r>
-              <a:rPr b="0" lang="en-US" sz="4000" spc="-1" strike="noStrike" cap="all">
-                <a:solidFill>
-                  <a:srgbClr val="ffffff"/>
-                </a:solidFill>
-                <a:latin typeface="Century Gothic"/>
-              </a:rPr>
-              <a:t>Overview</a:t>
-            </a:r>
-            <a:endParaRPr b="0" lang="en-US" sz="4000" spc="-1" strike="noStrike">
-              <a:solidFill>
-                <a:srgbClr val="ffffff"/>
-              </a:solidFill>
-              <a:latin typeface="Century Gothic"/>
-            </a:endParaRPr>
-          </a:p>
-        </p:txBody>
-      </p:sp>
-      <p:sp>
-        <p:nvSpPr>
-          <p:cNvPr id="93" name="CustomShape 2"/>
+          <p:cNvPr id="86" name="CustomShape 1"/>
           <p:cNvSpPr/>
           <p:nvPr/>
         </p:nvSpPr>
         <p:spPr>
           <a:xfrm>
-            <a:off x="3114000" y="2057400"/>
-            <a:ext cx="4151880" cy="2346480"/>
+            <a:off x="2895480" y="764280"/>
+            <a:ext cx="8609760" cy="1292400"/>
           </a:xfrm>
           <a:prstGeom prst="rect">
             <a:avLst/>
@@ -4536,135 +4238,38 @@
           <a:fontRef idx="minor"/>
         </p:style>
         <p:txBody>
-          <a:bodyPr/>
-          <a:p>
-            <a:pPr>
-              <a:lnSpc>
-                <a:spcPct val="100000"/>
-              </a:lnSpc>
-            </a:pPr>
-            <a:r>
-              <a:rPr b="0" lang="en-GB" sz="2200" spc="-1" strike="noStrike" u="sng">
-                <a:solidFill>
-                  <a:srgbClr val="ffffff"/>
-                </a:solidFill>
-                <a:uFillTx/>
-                <a:latin typeface="Century Gothic"/>
-              </a:rPr>
-              <a:t>Meeting – 2</a:t>
-            </a:r>
-            <a:endParaRPr b="0" lang="en-GB" sz="2200" spc="-1" strike="noStrike">
-              <a:latin typeface="Arial"/>
-            </a:endParaRPr>
-          </a:p>
-          <a:p>
-            <a:pPr>
-              <a:lnSpc>
-                <a:spcPct val="100000"/>
-              </a:lnSpc>
-            </a:pPr>
-            <a:endParaRPr b="0" lang="en-GB" sz="2200" spc="-1" strike="noStrike">
-              <a:latin typeface="Arial"/>
-            </a:endParaRPr>
-          </a:p>
-          <a:p>
-            <a:pPr>
-              <a:lnSpc>
-                <a:spcPct val="100000"/>
-              </a:lnSpc>
-            </a:pPr>
-            <a:r>
-              <a:rPr b="0" lang="en-GB" sz="1800" spc="-1" strike="noStrike">
-                <a:solidFill>
-                  <a:srgbClr val="ffffff"/>
-                </a:solidFill>
-                <a:latin typeface="Century Gothic"/>
-              </a:rPr>
-              <a:t>-- Cabinet Details</a:t>
-            </a:r>
-            <a:endParaRPr b="0" lang="en-GB" sz="1800" spc="-1" strike="noStrike">
-              <a:latin typeface="Arial"/>
-            </a:endParaRPr>
-          </a:p>
-          <a:p>
-            <a:pPr>
-              <a:lnSpc>
-                <a:spcPct val="100000"/>
-              </a:lnSpc>
-            </a:pPr>
-            <a:r>
-              <a:rPr b="0" lang="en-GB" sz="1800" spc="-1" strike="noStrike">
-                <a:solidFill>
-                  <a:srgbClr val="ffffff"/>
-                </a:solidFill>
-                <a:latin typeface="Century Gothic"/>
-              </a:rPr>
-              <a:t>-- Hardware </a:t>
-            </a:r>
-            <a:endParaRPr b="0" lang="en-GB" sz="1800" spc="-1" strike="noStrike">
-              <a:latin typeface="Arial"/>
-            </a:endParaRPr>
-          </a:p>
-          <a:p>
-            <a:pPr>
-              <a:lnSpc>
-                <a:spcPct val="100000"/>
-              </a:lnSpc>
-            </a:pPr>
-            <a:r>
-              <a:rPr b="0" lang="en-GB" sz="1800" spc="-1" strike="noStrike">
-                <a:solidFill>
-                  <a:srgbClr val="ffffff"/>
-                </a:solidFill>
-                <a:latin typeface="Century Gothic"/>
-              </a:rPr>
-              <a:t>-- High level requirements of game</a:t>
-            </a:r>
-            <a:endParaRPr b="0" lang="en-GB" sz="1800" spc="-1" strike="noStrike">
-              <a:latin typeface="Arial"/>
-            </a:endParaRPr>
-          </a:p>
-          <a:p>
-            <a:pPr>
-              <a:lnSpc>
-                <a:spcPct val="100000"/>
-              </a:lnSpc>
-            </a:pPr>
-            <a:r>
-              <a:rPr b="0" lang="en-GB" sz="1800" spc="-1" strike="noStrike">
-                <a:solidFill>
-                  <a:srgbClr val="ffffff"/>
-                </a:solidFill>
-                <a:latin typeface="Century Gothic"/>
-              </a:rPr>
-              <a:t>-- 6 Games </a:t>
-            </a:r>
-            <a:endParaRPr b="0" lang="en-GB" sz="1800" spc="-1" strike="noStrike">
-              <a:latin typeface="Arial"/>
-            </a:endParaRPr>
-          </a:p>
-          <a:p>
-            <a:pPr>
-              <a:lnSpc>
-                <a:spcPct val="100000"/>
-              </a:lnSpc>
-            </a:pPr>
-            <a:endParaRPr b="0" lang="en-GB" sz="1800" spc="-1" strike="noStrike">
-              <a:latin typeface="Arial"/>
-            </a:endParaRPr>
-          </a:p>
-        </p:txBody>
-      </p:sp>
-      <p:sp>
-        <p:nvSpPr>
-          <p:cNvPr id="94" name="CustomShape 3"/>
+          <a:bodyPr lIns="90000" rIns="90000" tIns="45000" bIns="45000" anchor="ctr"/>
+          <a:p>
+            <a:pPr algn="r">
+              <a:lnSpc>
+                <a:spcPct val="90000"/>
+              </a:lnSpc>
+            </a:pPr>
+            <a:r>
+              <a:rPr b="0" lang="en-GB" sz="4000" spc="-1" strike="noStrike" cap="all">
+                <a:solidFill>
+                  <a:srgbClr val="ffffff"/>
+                </a:solidFill>
+                <a:latin typeface="Century Gothic"/>
+              </a:rPr>
+              <a:t>Overview</a:t>
+            </a:r>
+            <a:endParaRPr b="0" lang="en-GB" sz="4000" spc="-1" strike="noStrike">
+              <a:latin typeface="Arial"/>
+            </a:endParaRPr>
+          </a:p>
+        </p:txBody>
+      </p:sp>
+      <p:sp>
+        <p:nvSpPr>
+          <p:cNvPr id="87" name="CustomShape 2"/>
           <p:cNvSpPr/>
           <p:nvPr/>
         </p:nvSpPr>
         <p:spPr>
           <a:xfrm>
-            <a:off x="224280" y="2057400"/>
-            <a:ext cx="2742840" cy="1798560"/>
+            <a:off x="3114000" y="2057400"/>
+            <a:ext cx="4151520" cy="2346120"/>
           </a:xfrm>
           <a:prstGeom prst="rect">
             <a:avLst/>
@@ -4681,7 +4286,7 @@
           <a:fontRef idx="minor"/>
         </p:style>
         <p:txBody>
-          <a:bodyPr/>
+          <a:bodyPr lIns="90000" rIns="90000" tIns="45000" bIns="45000"/>
           <a:p>
             <a:pPr>
               <a:lnSpc>
@@ -4695,8 +4300,9 @@
                 </a:solidFill>
                 <a:uFillTx/>
                 <a:latin typeface="Century Gothic"/>
-              </a:rPr>
-              <a:t>Meeting – 1</a:t>
+                <a:ea typeface="DejaVu Sans"/>
+              </a:rPr>
+              <a:t>Meeting – 2</a:t>
             </a:r>
             <a:endParaRPr b="0" lang="en-GB" sz="2200" spc="-1" strike="noStrike">
               <a:latin typeface="Arial"/>
@@ -4724,73 +4330,96 @@
                   <a:srgbClr val="ffffff"/>
                 </a:solidFill>
                 <a:latin typeface="Century Gothic"/>
-              </a:rPr>
-              <a:t>-- Communications</a:t>
-            </a:r>
-            <a:endParaRPr b="0" lang="en-GB" sz="1800" spc="-1" strike="noStrike">
-              <a:latin typeface="Arial"/>
-            </a:endParaRPr>
-          </a:p>
-          <a:p>
-            <a:pPr>
-              <a:lnSpc>
-                <a:spcPct val="100000"/>
-              </a:lnSpc>
-            </a:pPr>
-            <a:r>
-              <a:rPr b="0" lang="en-GB" sz="1800" spc="-1" strike="noStrike">
-                <a:solidFill>
-                  <a:srgbClr val="ffffff"/>
-                </a:solidFill>
-                <a:latin typeface="Century Gothic"/>
-              </a:rPr>
-              <a:t>-- High level overview</a:t>
-            </a:r>
-            <a:endParaRPr b="0" lang="en-GB" sz="1800" spc="-1" strike="noStrike">
-              <a:latin typeface="Arial"/>
-            </a:endParaRPr>
-          </a:p>
-          <a:p>
-            <a:pPr>
-              <a:lnSpc>
-                <a:spcPct val="100000"/>
-              </a:lnSpc>
-            </a:pPr>
-            <a:r>
-              <a:rPr b="0" lang="en-GB" sz="1800" spc="-1" strike="noStrike">
-                <a:solidFill>
-                  <a:srgbClr val="ffffff"/>
-                </a:solidFill>
-                <a:latin typeface="Century Gothic"/>
-              </a:rPr>
-              <a:t>-- Resources</a:t>
-            </a:r>
-            <a:endParaRPr b="0" lang="en-GB" sz="1800" spc="-1" strike="noStrike">
-              <a:latin typeface="Arial"/>
-            </a:endParaRPr>
-          </a:p>
-          <a:p>
-            <a:pPr>
-              <a:lnSpc>
-                <a:spcPct val="100000"/>
-              </a:lnSpc>
-            </a:pPr>
-            <a:endParaRPr b="0" lang="en-GB" sz="1800" spc="-1" strike="noStrike">
-              <a:latin typeface="Arial"/>
-            </a:endParaRPr>
-          </a:p>
-        </p:txBody>
-      </p:sp>
-      <p:sp>
-        <p:nvSpPr>
-          <p:cNvPr id="95" name="CustomShape 4"/>
+                <a:ea typeface="DejaVu Sans"/>
+              </a:rPr>
+              <a:t>-- Cabinet Details</a:t>
+            </a:r>
+            <a:endParaRPr b="0" lang="en-GB" sz="1800" spc="-1" strike="noStrike">
+              <a:latin typeface="Arial"/>
+            </a:endParaRPr>
+          </a:p>
+          <a:p>
+            <a:pPr>
+              <a:lnSpc>
+                <a:spcPct val="100000"/>
+              </a:lnSpc>
+            </a:pPr>
+            <a:r>
+              <a:rPr b="0" lang="en-GB" sz="1800" spc="-1" strike="noStrike">
+                <a:solidFill>
+                  <a:srgbClr val="ffffff"/>
+                </a:solidFill>
+                <a:latin typeface="Century Gothic"/>
+                <a:ea typeface="DejaVu Sans"/>
+              </a:rPr>
+              <a:t>-- Hardware </a:t>
+            </a:r>
+            <a:endParaRPr b="0" lang="en-GB" sz="1800" spc="-1" strike="noStrike">
+              <a:latin typeface="Arial"/>
+            </a:endParaRPr>
+          </a:p>
+          <a:p>
+            <a:pPr>
+              <a:lnSpc>
+                <a:spcPct val="100000"/>
+              </a:lnSpc>
+            </a:pPr>
+            <a:r>
+              <a:rPr b="0" lang="en-GB" sz="1800" spc="-1" strike="noStrike">
+                <a:solidFill>
+                  <a:srgbClr val="ffffff"/>
+                </a:solidFill>
+                <a:latin typeface="Century Gothic"/>
+                <a:ea typeface="DejaVu Sans"/>
+              </a:rPr>
+              <a:t>-- High level requirements of game</a:t>
+            </a:r>
+            <a:endParaRPr b="0" lang="en-GB" sz="1800" spc="-1" strike="noStrike">
+              <a:latin typeface="Arial"/>
+            </a:endParaRPr>
+          </a:p>
+          <a:p>
+            <a:pPr>
+              <a:lnSpc>
+                <a:spcPct val="100000"/>
+              </a:lnSpc>
+            </a:pPr>
+            <a:r>
+              <a:rPr b="0" lang="en-GB" sz="1800" spc="-1" strike="noStrike">
+                <a:solidFill>
+                  <a:srgbClr val="ffffff"/>
+                </a:solidFill>
+                <a:latin typeface="Century Gothic"/>
+                <a:ea typeface="DejaVu Sans"/>
+              </a:rPr>
+              <a:t>-- 6 Games </a:t>
+            </a:r>
+            <a:endParaRPr b="0" lang="en-GB" sz="1800" spc="-1" strike="noStrike">
+              <a:latin typeface="Arial"/>
+            </a:endParaRPr>
+          </a:p>
+          <a:p>
+            <a:pPr>
+              <a:lnSpc>
+                <a:spcPct val="100000"/>
+              </a:lnSpc>
+            </a:pPr>
+            <a:endParaRPr b="0" lang="en-GB" sz="1800" spc="-1" strike="noStrike">
+              <a:latin typeface="Arial"/>
+            </a:endParaRPr>
+          </a:p>
+        </p:txBody>
+      </p:sp>
+      <p:sp>
+        <p:nvSpPr>
+          <p:cNvPr id="88" name="CustomShape 3"/>
           <p:cNvSpPr/>
           <p:nvPr/>
         </p:nvSpPr>
         <p:spPr>
           <a:xfrm>
-            <a:off x="224280" y="4530240"/>
-            <a:ext cx="3389760" cy="2346480"/>
+            <a:off x="224280" y="2057400"/>
+            <a:ext cx="2742480" cy="1798200"/>
           </a:xfrm>
           <a:prstGeom prst="rect">
             <a:avLst/>
@@ -4807,7 +4436,7 @@
           <a:fontRef idx="minor"/>
         </p:style>
         <p:txBody>
-          <a:bodyPr/>
+          <a:bodyPr lIns="90000" rIns="90000" tIns="45000" bIns="45000"/>
           <a:p>
             <a:pPr>
               <a:lnSpc>
@@ -4821,8 +4450,9 @@
                 </a:solidFill>
                 <a:uFillTx/>
                 <a:latin typeface="Century Gothic"/>
-              </a:rPr>
-              <a:t>Meeting 3</a:t>
+                <a:ea typeface="DejaVu Sans"/>
+              </a:rPr>
+              <a:t>Meeting – 1</a:t>
             </a:r>
             <a:endParaRPr b="0" lang="en-GB" sz="2200" spc="-1" strike="noStrike">
               <a:latin typeface="Arial"/>
@@ -4850,92 +4480,76 @@
                   <a:srgbClr val="ffffff"/>
                 </a:solidFill>
                 <a:latin typeface="Century Gothic"/>
-              </a:rPr>
-              <a:t>-- 2 Games </a:t>
-            </a:r>
-            <a:endParaRPr b="0" lang="en-GB" sz="1800" spc="-1" strike="noStrike">
-              <a:latin typeface="Arial"/>
-            </a:endParaRPr>
-          </a:p>
-          <a:p>
-            <a:pPr>
-              <a:lnSpc>
-                <a:spcPct val="100000"/>
-              </a:lnSpc>
-            </a:pPr>
-            <a:r>
-              <a:rPr b="0" lang="en-GB" sz="1800" spc="-1" strike="noStrike">
-                <a:solidFill>
-                  <a:srgbClr val="ffffff"/>
-                </a:solidFill>
-                <a:latin typeface="Century Gothic"/>
-              </a:rPr>
-              <a:t>-- Confirmed hardware</a:t>
-            </a:r>
-            <a:endParaRPr b="0" lang="en-GB" sz="1800" spc="-1" strike="noStrike">
-              <a:latin typeface="Arial"/>
-            </a:endParaRPr>
-          </a:p>
-          <a:p>
-            <a:pPr>
-              <a:lnSpc>
-                <a:spcPct val="100000"/>
-              </a:lnSpc>
-            </a:pPr>
-            <a:r>
-              <a:rPr b="0" lang="en-GB" sz="1800" spc="-1" strike="noStrike">
-                <a:solidFill>
-                  <a:srgbClr val="ffffff"/>
-                </a:solidFill>
-                <a:latin typeface="Century Gothic"/>
-              </a:rPr>
-              <a:t>-- Confirmed purchase list </a:t>
-            </a:r>
-            <a:endParaRPr b="0" lang="en-GB" sz="1800" spc="-1" strike="noStrike">
-              <a:latin typeface="Arial"/>
-            </a:endParaRPr>
-          </a:p>
-          <a:p>
-            <a:pPr>
-              <a:lnSpc>
-                <a:spcPct val="100000"/>
-              </a:lnSpc>
-            </a:pPr>
-            <a:r>
-              <a:rPr b="0" lang="en-GB" sz="1800" spc="-1" strike="noStrike">
-                <a:solidFill>
-                  <a:srgbClr val="ffffff"/>
-                </a:solidFill>
-                <a:latin typeface="Century Gothic"/>
-              </a:rPr>
-              <a:t>--  Emphasis on requirements</a:t>
-            </a:r>
-            <a:endParaRPr b="0" lang="en-GB" sz="1800" spc="-1" strike="noStrike">
-              <a:latin typeface="Arial"/>
-            </a:endParaRPr>
-          </a:p>
-          <a:p>
-            <a:pPr>
-              <a:lnSpc>
-                <a:spcPct val="100000"/>
-              </a:lnSpc>
-            </a:pPr>
-            <a:endParaRPr b="0" lang="en-GB" sz="1800" spc="-1" strike="noStrike">
-              <a:latin typeface="Arial"/>
-            </a:endParaRPr>
-          </a:p>
-        </p:txBody>
-      </p:sp>
-      <p:sp>
-        <p:nvSpPr>
-          <p:cNvPr id="96" name="CustomShape 5"/>
+                <a:ea typeface="DejaVu Sans"/>
+              </a:rPr>
+              <a:t>-- Communications</a:t>
+            </a:r>
+            <a:endParaRPr b="0" lang="en-GB" sz="1800" spc="-1" strike="noStrike">
+              <a:latin typeface="Arial"/>
+            </a:endParaRPr>
+          </a:p>
+          <a:p>
+            <a:pPr>
+              <a:lnSpc>
+                <a:spcPct val="100000"/>
+              </a:lnSpc>
+            </a:pPr>
+            <a:r>
+              <a:rPr b="0" lang="en-GB" sz="1800" spc="-1" strike="noStrike">
+                <a:solidFill>
+                  <a:srgbClr val="ffffff"/>
+                </a:solidFill>
+                <a:latin typeface="Century Gothic"/>
+                <a:ea typeface="DejaVu Sans"/>
+              </a:rPr>
+              <a:t>-- High level overview</a:t>
+            </a:r>
+            <a:endParaRPr b="0" lang="en-GB" sz="1800" spc="-1" strike="noStrike">
+              <a:latin typeface="Arial"/>
+            </a:endParaRPr>
+          </a:p>
+          <a:p>
+            <a:pPr>
+              <a:lnSpc>
+                <a:spcPct val="100000"/>
+              </a:lnSpc>
+            </a:pPr>
+            <a:r>
+              <a:rPr b="0" lang="en-GB" sz="1800" spc="-1" strike="noStrike">
+                <a:solidFill>
+                  <a:srgbClr val="ffffff"/>
+                </a:solidFill>
+                <a:latin typeface="Century Gothic"/>
+                <a:ea typeface="DejaVu Sans"/>
+              </a:rPr>
+              <a:t>-- Resources</a:t>
+            </a:r>
+            <a:endParaRPr b="0" lang="en-GB" sz="1800" spc="-1" strike="noStrike">
+              <a:latin typeface="Arial"/>
+            </a:endParaRPr>
+          </a:p>
+          <a:p>
+            <a:pPr>
+              <a:lnSpc>
+                <a:spcPct val="100000"/>
+              </a:lnSpc>
+            </a:pPr>
+            <a:endParaRPr b="0" lang="en-GB" sz="1800" spc="-1" strike="noStrike">
+              <a:latin typeface="Arial"/>
+            </a:endParaRPr>
+          </a:p>
+        </p:txBody>
+      </p:sp>
+      <p:sp>
+        <p:nvSpPr>
+          <p:cNvPr id="89" name="CustomShape 4"/>
           <p:cNvSpPr/>
           <p:nvPr/>
         </p:nvSpPr>
         <p:spPr>
           <a:xfrm>
-            <a:off x="8203680" y="2057400"/>
-            <a:ext cx="3993840" cy="3992400"/>
+            <a:off x="224280" y="4530240"/>
+            <a:ext cx="3389400" cy="2346120"/>
           </a:xfrm>
           <a:prstGeom prst="rect">
             <a:avLst/>
@@ -4952,7 +4566,7 @@
           <a:fontRef idx="minor"/>
         </p:style>
         <p:txBody>
-          <a:bodyPr/>
+          <a:bodyPr lIns="90000" rIns="90000" tIns="45000" bIns="45000"/>
           <a:p>
             <a:pPr>
               <a:lnSpc>
@@ -4966,6 +4580,157 @@
                 </a:solidFill>
                 <a:uFillTx/>
                 <a:latin typeface="Century Gothic"/>
+                <a:ea typeface="DejaVu Sans"/>
+              </a:rPr>
+              <a:t>Meeting 3</a:t>
+            </a:r>
+            <a:endParaRPr b="0" lang="en-GB" sz="2200" spc="-1" strike="noStrike">
+              <a:latin typeface="Arial"/>
+            </a:endParaRPr>
+          </a:p>
+          <a:p>
+            <a:pPr>
+              <a:lnSpc>
+                <a:spcPct val="100000"/>
+              </a:lnSpc>
+            </a:pPr>
+            <a:endParaRPr b="0" lang="en-GB" sz="2200" spc="-1" strike="noStrike">
+              <a:latin typeface="Arial"/>
+            </a:endParaRPr>
+          </a:p>
+          <a:p>
+            <a:pPr>
+              <a:lnSpc>
+                <a:spcPct val="100000"/>
+              </a:lnSpc>
+            </a:pPr>
+            <a:r>
+              <a:rPr b="0" lang="en-GB" sz="1800" spc="-1" strike="noStrike">
+                <a:solidFill>
+                  <a:srgbClr val="ffffff"/>
+                </a:solidFill>
+                <a:latin typeface="Century Gothic"/>
+                <a:ea typeface="DejaVu Sans"/>
+              </a:rPr>
+              <a:t>-- 2 Games </a:t>
+            </a:r>
+            <a:endParaRPr b="0" lang="en-GB" sz="1800" spc="-1" strike="noStrike">
+              <a:latin typeface="Arial"/>
+            </a:endParaRPr>
+          </a:p>
+          <a:p>
+            <a:pPr>
+              <a:lnSpc>
+                <a:spcPct val="100000"/>
+              </a:lnSpc>
+            </a:pPr>
+            <a:r>
+              <a:rPr b="0" lang="en-GB" sz="1800" spc="-1" strike="noStrike">
+                <a:solidFill>
+                  <a:srgbClr val="ffffff"/>
+                </a:solidFill>
+                <a:latin typeface="Century Gothic"/>
+                <a:ea typeface="DejaVu Sans"/>
+              </a:rPr>
+              <a:t>-- Confirmed hardware</a:t>
+            </a:r>
+            <a:endParaRPr b="0" lang="en-GB" sz="1800" spc="-1" strike="noStrike">
+              <a:latin typeface="Arial"/>
+            </a:endParaRPr>
+          </a:p>
+          <a:p>
+            <a:pPr>
+              <a:lnSpc>
+                <a:spcPct val="100000"/>
+              </a:lnSpc>
+            </a:pPr>
+            <a:r>
+              <a:rPr b="0" lang="en-GB" sz="1800" spc="-1" strike="noStrike">
+                <a:solidFill>
+                  <a:srgbClr val="ffffff"/>
+                </a:solidFill>
+                <a:latin typeface="Century Gothic"/>
+                <a:ea typeface="DejaVu Sans"/>
+              </a:rPr>
+              <a:t>-- Confirmed purchase list </a:t>
+            </a:r>
+            <a:endParaRPr b="0" lang="en-GB" sz="1800" spc="-1" strike="noStrike">
+              <a:latin typeface="Arial"/>
+            </a:endParaRPr>
+          </a:p>
+          <a:p>
+            <a:pPr>
+              <a:lnSpc>
+                <a:spcPct val="100000"/>
+              </a:lnSpc>
+            </a:pPr>
+            <a:r>
+              <a:rPr b="0" lang="en-GB" sz="1800" spc="-1" strike="noStrike">
+                <a:solidFill>
+                  <a:srgbClr val="ffffff"/>
+                </a:solidFill>
+                <a:latin typeface="Century Gothic"/>
+                <a:ea typeface="DejaVu Sans"/>
+              </a:rPr>
+              <a:t>--  Emphasis on requirements</a:t>
+            </a:r>
+            <a:endParaRPr b="0" lang="en-GB" sz="1800" spc="-1" strike="noStrike">
+              <a:latin typeface="Arial"/>
+            </a:endParaRPr>
+          </a:p>
+          <a:p>
+            <a:pPr>
+              <a:lnSpc>
+                <a:spcPct val="100000"/>
+              </a:lnSpc>
+            </a:pPr>
+            <a:endParaRPr b="0" lang="en-GB" sz="1800" spc="-1" strike="noStrike">
+              <a:latin typeface="Arial"/>
+            </a:endParaRPr>
+          </a:p>
+        </p:txBody>
+      </p:sp>
+      <p:sp>
+        <p:nvSpPr>
+          <p:cNvPr id="90" name="CustomShape 5"/>
+          <p:cNvSpPr/>
+          <p:nvPr/>
+        </p:nvSpPr>
+        <p:spPr>
+          <a:xfrm>
+            <a:off x="8203680" y="2057400"/>
+            <a:ext cx="3993480" cy="3992040"/>
+          </a:xfrm>
+          <a:prstGeom prst="rect">
+            <a:avLst/>
+          </a:prstGeom>
+          <a:noFill/>
+          <a:ln>
+            <a:noFill/>
+          </a:ln>
+        </p:spPr>
+        <p:style>
+          <a:lnRef idx="0"/>
+          <a:fillRef idx="0"/>
+          <a:effectRef idx="0"/>
+          <a:fontRef idx="minor"/>
+        </p:style>
+        <p:txBody>
+          <a:bodyPr lIns="90000" rIns="90000" tIns="45000" bIns="45000"/>
+          <a:p>
+            <a:pPr>
+              <a:lnSpc>
+                <a:spcPct val="100000"/>
+              </a:lnSpc>
+            </a:pPr>
+            <a:r>
+              <a:rPr b="0" lang="en-GB" sz="2200" spc="-1" strike="noStrike" u="sng">
+                <a:solidFill>
+                  <a:srgbClr val="ffffff"/>
+                </a:solidFill>
+                <a:uFillTx/>
+                <a:latin typeface="Century Gothic"/>
+                <a:ea typeface="DejaVu Sans"/>
               </a:rPr>
               <a:t>Deliverables so Far</a:t>
             </a:r>
@@ -4995,25 +4760,27 @@
                   <a:srgbClr val="ffffff"/>
                 </a:solidFill>
                 <a:latin typeface="Century Gothic"/>
-              </a:rPr>
-              <a:t>-- Requierments </a:t>
-            </a:r>
-            <a:endParaRPr b="0" lang="en-GB" sz="1800" spc="-1" strike="noStrike">
-              <a:latin typeface="Arial"/>
-            </a:endParaRPr>
-          </a:p>
-          <a:p>
-            <a:pPr>
-              <a:lnSpc>
-                <a:spcPct val="100000"/>
-              </a:lnSpc>
-            </a:pPr>
-            <a:r>
-              <a:rPr b="0" lang="en-GB" sz="1800" spc="-1" strike="noStrike">
-                <a:solidFill>
-                  <a:srgbClr val="ffffff"/>
-                </a:solidFill>
-                <a:latin typeface="Century Gothic"/>
+                <a:ea typeface="DejaVu Sans"/>
+              </a:rPr>
+              <a:t>-- Requirements </a:t>
+            </a:r>
+            <a:endParaRPr b="0" lang="en-GB" sz="1800" spc="-1" strike="noStrike">
+              <a:latin typeface="Arial"/>
+            </a:endParaRPr>
+          </a:p>
+          <a:p>
+            <a:pPr>
+              <a:lnSpc>
+                <a:spcPct val="100000"/>
+              </a:lnSpc>
+            </a:pPr>
+            <a:r>
+              <a:rPr b="0" lang="en-GB" sz="1800" spc="-1" strike="noStrike">
+                <a:solidFill>
+                  <a:srgbClr val="ffffff"/>
+                </a:solidFill>
+                <a:latin typeface="Century Gothic"/>
+                <a:ea typeface="DejaVu Sans"/>
               </a:rPr>
               <a:t>-- Game proposals</a:t>
             </a:r>
@@ -5033,6 +4800,7 @@
                   <a:srgbClr val="ffffff"/>
                 </a:solidFill>
                 <a:latin typeface="Century Gothic"/>
+                <a:ea typeface="DejaVu Sans"/>
               </a:rPr>
               <a:t>-- Hardware proposals</a:t>
             </a:r>
@@ -5052,25 +4820,27 @@
                   <a:srgbClr val="ffffff"/>
                 </a:solidFill>
                 <a:latin typeface="Century Gothic"/>
-              </a:rPr>
-              <a:t>-- Cabient proposals</a:t>
-            </a:r>
-            <a:endParaRPr b="0" lang="en-GB" sz="1800" spc="-1" strike="noStrike">
-              <a:latin typeface="Arial"/>
-            </a:endParaRPr>
-          </a:p>
-          <a:p>
-            <a:pPr>
-              <a:lnSpc>
-                <a:spcPct val="100000"/>
-              </a:lnSpc>
-            </a:pPr>
-            <a:r>
-              <a:rPr b="0" lang="en-GB" sz="1800" spc="-1" strike="noStrike">
-                <a:solidFill>
-                  <a:srgbClr val="ffffff"/>
-                </a:solidFill>
-                <a:latin typeface="Century Gothic"/>
+                <a:ea typeface="DejaVu Sans"/>
+              </a:rPr>
+              <a:t>-- Cabinet proposals</a:t>
+            </a:r>
+            <a:endParaRPr b="0" lang="en-GB" sz="1800" spc="-1" strike="noStrike">
+              <a:latin typeface="Arial"/>
+            </a:endParaRPr>
+          </a:p>
+          <a:p>
+            <a:pPr>
+              <a:lnSpc>
+                <a:spcPct val="100000"/>
+              </a:lnSpc>
+            </a:pPr>
+            <a:r>
+              <a:rPr b="0" lang="en-GB" sz="1800" spc="-1" strike="noStrike">
+                <a:solidFill>
+                  <a:srgbClr val="ffffff"/>
+                </a:solidFill>
+                <a:latin typeface="Century Gothic"/>
+                <a:ea typeface="DejaVu Sans"/>
               </a:rPr>
               <a:t>-- User Stories</a:t>
             </a:r>
@@ -5090,6 +4860,7 @@
                   <a:srgbClr val="ffffff"/>
                 </a:solidFill>
                 <a:latin typeface="Century Gothic"/>
+                <a:ea typeface="DejaVu Sans"/>
               </a:rPr>
               <a:t>-- Wireframes</a:t>
             </a:r>
@@ -5109,6 +4880,7 @@
                   <a:srgbClr val="ffffff"/>
                 </a:solidFill>
                 <a:latin typeface="Century Gothic"/>
+                <a:ea typeface="DejaVu Sans"/>
               </a:rPr>
               <a:t>-- Prototype 1 (Game 1)</a:t>
             </a:r>
@@ -5128,6 +4900,7 @@
                   <a:srgbClr val="ffffff"/>
                 </a:solidFill>
                 <a:latin typeface="Century Gothic"/>
+                <a:ea typeface="DejaVu Sans"/>
               </a:rPr>
               <a:t>-- Prototype 2 (Game 2)</a:t>
             </a:r>
@@ -5147,6 +4920,7 @@
                   <a:srgbClr val="ffffff"/>
                 </a:solidFill>
                 <a:latin typeface="Century Gothic"/>
+                <a:ea typeface="DejaVu Sans"/>
               </a:rPr>
               <a:t>-- NN Prototype/research</a:t>
             </a:r>
@@ -5166,6 +4940,7 @@
                   <a:srgbClr val="ffffff"/>
                 </a:solidFill>
                 <a:latin typeface="Century Gothic"/>
+                <a:ea typeface="DejaVu Sans"/>
               </a:rPr>
               <a:t>-- Interfacing with the Raspberry Pi</a:t>
             </a:r>
@@ -5236,264 +5011,14 @@
       </p:grpSpPr>
       <p:sp>
         <p:nvSpPr>
-          <p:cNvPr id="97" name="TextShape 1"/>
-          <p:cNvSpPr txBox="1"/>
-          <p:nvPr/>
-        </p:nvSpPr>
-        <p:spPr>
-          <a:xfrm>
-            <a:off x="2895480" y="764280"/>
-            <a:ext cx="8610120" cy="1292760"/>
-          </a:xfrm>
-          <a:prstGeom prst="rect">
-            <a:avLst/>
-          </a:prstGeom>
-          <a:noFill/>
-          <a:ln>
-            <a:noFill/>
-          </a:ln>
-        </p:spPr>
-        <p:txBody>
-          <a:bodyPr anchor="ctr"/>
-          <a:p>
-            <a:pPr algn="r">
-              <a:lnSpc>
-                <a:spcPct val="90000"/>
-              </a:lnSpc>
-            </a:pPr>
-            <a:r>
-              <a:rPr b="0" lang="en-US" sz="4000" spc="-1" strike="noStrike" cap="all">
-                <a:solidFill>
-                  <a:srgbClr val="ffffff"/>
-                </a:solidFill>
-                <a:latin typeface="Century Gothic"/>
-              </a:rPr>
-              <a:t>Progress – software</a:t>
-            </a:r>
-            <a:endParaRPr b="0" lang="en-US" sz="4000" spc="-1" strike="noStrike">
-              <a:solidFill>
-                <a:srgbClr val="ffffff"/>
-              </a:solidFill>
-              <a:latin typeface="Century Gothic"/>
-            </a:endParaRPr>
-          </a:p>
-        </p:txBody>
-      </p:sp>
-      <p:sp>
-        <p:nvSpPr>
-          <p:cNvPr id="98" name="TextShape 2"/>
-          <p:cNvSpPr txBox="1"/>
-          <p:nvPr/>
-        </p:nvSpPr>
-        <p:spPr>
-          <a:xfrm>
-            <a:off x="340920" y="2798280"/>
-            <a:ext cx="3976560" cy="3074760"/>
-          </a:xfrm>
-          <a:prstGeom prst="rect">
-            <a:avLst/>
-          </a:prstGeom>
-          <a:noFill/>
-          <a:ln>
-            <a:noFill/>
-          </a:ln>
-        </p:spPr>
-        <p:txBody>
-          <a:bodyPr>
-            <a:normAutofit/>
-          </a:bodyPr>
-          <a:p>
-            <a:pPr marL="228600" indent="-228240">
-              <a:lnSpc>
-                <a:spcPct val="90000"/>
-              </a:lnSpc>
-              <a:spcBef>
-                <a:spcPts val="1001"/>
-              </a:spcBef>
-              <a:buClr>
-                <a:srgbClr val="ffffff"/>
-              </a:buClr>
-              <a:buFont typeface="Arial"/>
-              <a:buChar char="•"/>
-            </a:pPr>
-            <a:r>
-              <a:rPr b="0" lang="en-US" sz="2200" spc="-1" strike="noStrike">
-                <a:solidFill>
-                  <a:srgbClr val="ffffff"/>
-                </a:solidFill>
-                <a:latin typeface="Century Gothic"/>
-              </a:rPr>
-              <a:t>Original five proposals</a:t>
-            </a:r>
-            <a:endParaRPr b="0" lang="en-US" sz="2200" spc="-1" strike="noStrike">
-              <a:solidFill>
-                <a:srgbClr val="ffffff"/>
-              </a:solidFill>
-              <a:latin typeface="Century Gothic"/>
-            </a:endParaRPr>
-          </a:p>
-          <a:p>
-            <a:pPr lvl="1" marL="685800" indent="-228240">
-              <a:lnSpc>
-                <a:spcPct val="90000"/>
-              </a:lnSpc>
-              <a:spcBef>
-                <a:spcPts val="499"/>
-              </a:spcBef>
-              <a:buClr>
-                <a:srgbClr val="ffffff"/>
-              </a:buClr>
-              <a:buFont typeface="Arial"/>
-              <a:buChar char="•"/>
-            </a:pPr>
-            <a:r>
-              <a:rPr b="0" lang="en-US" sz="2000" spc="-1" strike="noStrike">
-                <a:solidFill>
-                  <a:srgbClr val="ffffff"/>
-                </a:solidFill>
-                <a:latin typeface="Century Gothic"/>
-              </a:rPr>
-              <a:t>Snake Satellite Proposal </a:t>
-            </a:r>
-            <a:endParaRPr b="0" lang="en-US" sz="2000" spc="-1" strike="noStrike">
-              <a:solidFill>
-                <a:srgbClr val="ffffff"/>
-              </a:solidFill>
-              <a:latin typeface="Century Gothic"/>
-            </a:endParaRPr>
-          </a:p>
-          <a:p>
-            <a:pPr lvl="1" marL="685800" indent="-228240">
-              <a:lnSpc>
-                <a:spcPct val="90000"/>
-              </a:lnSpc>
-              <a:spcBef>
-                <a:spcPts val="499"/>
-              </a:spcBef>
-              <a:buClr>
-                <a:srgbClr val="ffffff"/>
-              </a:buClr>
-              <a:buFont typeface="Arial"/>
-              <a:buChar char="•"/>
-            </a:pPr>
-            <a:r>
-              <a:rPr b="0" lang="en-US" sz="2000" spc="-1" strike="noStrike">
-                <a:solidFill>
-                  <a:srgbClr val="ffffff"/>
-                </a:solidFill>
-                <a:latin typeface="Century Gothic"/>
-              </a:rPr>
-              <a:t>Pac-Man Proposal</a:t>
-            </a:r>
-            <a:endParaRPr b="0" lang="en-US" sz="2000" spc="-1" strike="noStrike">
-              <a:solidFill>
-                <a:srgbClr val="ffffff"/>
-              </a:solidFill>
-              <a:latin typeface="Century Gothic"/>
-            </a:endParaRPr>
-          </a:p>
-          <a:p>
-            <a:pPr lvl="1" marL="685800" indent="-228240">
-              <a:lnSpc>
-                <a:spcPct val="90000"/>
-              </a:lnSpc>
-              <a:spcBef>
-                <a:spcPts val="499"/>
-              </a:spcBef>
-              <a:buClr>
-                <a:srgbClr val="ffffff"/>
-              </a:buClr>
-              <a:buFont typeface="Arial"/>
-              <a:buChar char="•"/>
-            </a:pPr>
-            <a:r>
-              <a:rPr b="0" lang="en-US" sz="2000" spc="-1" strike="noStrike">
-                <a:solidFill>
-                  <a:srgbClr val="ffffff"/>
-                </a:solidFill>
-                <a:latin typeface="Century Gothic"/>
-              </a:rPr>
-              <a:t>Cloud – Jump Proposal</a:t>
-            </a:r>
-            <a:endParaRPr b="0" lang="en-US" sz="2000" spc="-1" strike="noStrike">
-              <a:solidFill>
-                <a:srgbClr val="ffffff"/>
-              </a:solidFill>
-              <a:latin typeface="Century Gothic"/>
-            </a:endParaRPr>
-          </a:p>
-          <a:p>
-            <a:pPr lvl="1" marL="685800" indent="-228240">
-              <a:lnSpc>
-                <a:spcPct val="90000"/>
-              </a:lnSpc>
-              <a:spcBef>
-                <a:spcPts val="499"/>
-              </a:spcBef>
-              <a:buClr>
-                <a:srgbClr val="ffffff"/>
-              </a:buClr>
-              <a:buFont typeface="Arial"/>
-              <a:buChar char="•"/>
-            </a:pPr>
-            <a:r>
-              <a:rPr b="0" lang="en-US" sz="2000" spc="-1" strike="noStrike">
-                <a:solidFill>
-                  <a:srgbClr val="ffffff"/>
-                </a:solidFill>
-                <a:latin typeface="Century Gothic"/>
-              </a:rPr>
-              <a:t>Flappy-Bird Style Game</a:t>
-            </a:r>
-            <a:endParaRPr b="0" lang="en-US" sz="2000" spc="-1" strike="noStrike">
-              <a:solidFill>
-                <a:srgbClr val="ffffff"/>
-              </a:solidFill>
-              <a:latin typeface="Century Gothic"/>
-            </a:endParaRPr>
-          </a:p>
-          <a:p>
-            <a:pPr lvl="1" marL="685800" indent="-228240">
-              <a:lnSpc>
-                <a:spcPct val="90000"/>
-              </a:lnSpc>
-              <a:spcBef>
-                <a:spcPts val="499"/>
-              </a:spcBef>
-              <a:buClr>
-                <a:srgbClr val="ffffff"/>
-              </a:buClr>
-              <a:buFont typeface="Arial"/>
-              <a:buChar char="•"/>
-            </a:pPr>
-            <a:r>
-              <a:rPr b="0" lang="en-US" sz="2000" spc="-1" strike="noStrike">
-                <a:solidFill>
-                  <a:srgbClr val="ffffff"/>
-                </a:solidFill>
-                <a:latin typeface="Century Gothic"/>
-              </a:rPr>
-              <a:t>Satellite wars Proposal </a:t>
-            </a:r>
-            <a:endParaRPr b="0" lang="en-US" sz="2000" spc="-1" strike="noStrike">
-              <a:solidFill>
-                <a:srgbClr val="ffffff"/>
-              </a:solidFill>
-              <a:latin typeface="Century Gothic"/>
-            </a:endParaRPr>
-          </a:p>
-        </p:txBody>
-      </p:sp>
-      <p:sp>
-        <p:nvSpPr>
-          <p:cNvPr id="99" name="CustomShape 3"/>
+          <p:cNvPr id="91" name="CustomShape 1"/>
           <p:cNvSpPr/>
           <p:nvPr/>
         </p:nvSpPr>
         <p:spPr>
           <a:xfrm>
-            <a:off x="4422600" y="2805120"/>
-            <a:ext cx="3878640" cy="1013040"/>
+            <a:off x="2895480" y="764280"/>
+            <a:ext cx="8609760" cy="1292400"/>
           </a:xfrm>
           <a:prstGeom prst="rect">
             <a:avLst/>
@@ -5510,100 +5035,56 @@
           <a:fontRef idx="minor"/>
         </p:style>
         <p:txBody>
-          <a:bodyPr/>
-          <a:p>
-            <a:pPr marL="228600" indent="-228240">
+          <a:bodyPr lIns="90000" rIns="90000" tIns="45000" bIns="45000" anchor="ctr"/>
+          <a:p>
+            <a:pPr algn="r">
               <a:lnSpc>
                 <a:spcPct val="90000"/>
               </a:lnSpc>
-              <a:spcBef>
-                <a:spcPts val="1001"/>
-              </a:spcBef>
-              <a:buClr>
-                <a:srgbClr val="ffffff"/>
-              </a:buClr>
-              <a:buFont typeface="Symbol" charset="2"/>
-              <a:buChar char=""/>
-            </a:pPr>
-            <a:r>
-              <a:rPr b="0" lang="en-GB" sz="2200" spc="-1" strike="noStrike">
-                <a:solidFill>
-                  <a:srgbClr val="ffffff"/>
-                </a:solidFill>
-                <a:latin typeface="Century Gothic"/>
-              </a:rPr>
-              <a:t>Final two proposals</a:t>
-            </a:r>
-            <a:endParaRPr b="0" lang="en-GB" sz="2200" spc="-1" strike="noStrike">
-              <a:latin typeface="Arial"/>
-            </a:endParaRPr>
-          </a:p>
-          <a:p>
-            <a:pPr lvl="1" marL="685800" indent="-228240">
-              <a:lnSpc>
-                <a:spcPct val="90000"/>
-              </a:lnSpc>
-              <a:spcBef>
-                <a:spcPts val="499"/>
-              </a:spcBef>
-              <a:buClr>
-                <a:srgbClr val="ffffff"/>
-              </a:buClr>
-              <a:buFont typeface="Symbol" charset="2"/>
-              <a:buChar char=""/>
-            </a:pPr>
-            <a:r>
-              <a:rPr b="0" lang="en-GB" sz="1800" spc="-1" strike="noStrike">
-                <a:solidFill>
-                  <a:srgbClr val="ffffff"/>
-                </a:solidFill>
-                <a:latin typeface="Century Gothic"/>
-              </a:rPr>
-              <a:t>Flappy-Bird Style Game</a:t>
-            </a:r>
-            <a:endParaRPr b="0" lang="en-GB" sz="1800" spc="-1" strike="noStrike">
-              <a:latin typeface="Arial"/>
-            </a:endParaRPr>
-          </a:p>
-          <a:p>
-            <a:pPr lvl="1" marL="685800" indent="-228240">
-              <a:lnSpc>
-                <a:spcPct val="90000"/>
-              </a:lnSpc>
-              <a:spcBef>
-                <a:spcPts val="499"/>
-              </a:spcBef>
-              <a:buClr>
-                <a:srgbClr val="ffffff"/>
-              </a:buClr>
-              <a:buFont typeface="Symbol" charset="2"/>
-              <a:buChar char=""/>
-            </a:pPr>
-            <a:r>
-              <a:rPr b="0" lang="en-GB" sz="1800" spc="-1" strike="noStrike">
-                <a:solidFill>
-                  <a:srgbClr val="ffffff"/>
-                </a:solidFill>
-                <a:latin typeface="Century Gothic"/>
-              </a:rPr>
-              <a:t>Snake Satellite Proposal</a:t>
-            </a:r>
-            <a:endParaRPr b="0" lang="en-GB" sz="1800" spc="-1" strike="noStrike">
-              <a:latin typeface="Arial"/>
-            </a:endParaRPr>
-          </a:p>
-        </p:txBody>
-      </p:sp>
-      <p:sp>
-        <p:nvSpPr>
-          <p:cNvPr id="100" name="CustomShape 4"/>
+            </a:pPr>
+            <a:r>
+              <a:rPr b="0" lang="en-GB" sz="4000" spc="-1" strike="noStrike" cap="all">
+                <a:solidFill>
+                  <a:srgbClr val="ffffff"/>
+                </a:solidFill>
+                <a:latin typeface="Century Gothic"/>
+              </a:rPr>
+              <a:t>Overview-</a:t>
+            </a:r>
+            <a:r>
+              <a:rPr b="0" i="1" lang="en-GB" sz="4000" spc="-1" strike="noStrike" cap="all">
+                <a:solidFill>
+                  <a:srgbClr val="ffffff"/>
+                </a:solidFill>
+                <a:latin typeface="Century Gothic"/>
+              </a:rPr>
+              <a:t>Alternate</a:t>
+            </a:r>
+            <a:r>
+              <a:rPr b="0" lang="en-GB" sz="4000" spc="-1" strike="noStrike" cap="all">
+                <a:solidFill>
+                  <a:srgbClr val="ffffff"/>
+                </a:solidFill>
+                <a:latin typeface="Century Gothic"/>
+              </a:rPr>
+              <a:t> proposal</a:t>
+            </a:r>
+            <a:endParaRPr b="0" lang="en-GB" sz="4000" spc="-1" strike="noStrike">
+              <a:latin typeface="Arial"/>
+            </a:endParaRPr>
+          </a:p>
+        </p:txBody>
+      </p:sp>
+      <p:sp>
+        <p:nvSpPr>
+          <p:cNvPr id="92" name="CustomShape 2"/>
           <p:cNvSpPr/>
           <p:nvPr/>
         </p:nvSpPr>
         <p:spPr>
           <a:xfrm>
-            <a:off x="8448120" y="2805120"/>
-            <a:ext cx="4166280" cy="3993120"/>
+            <a:off x="3696480" y="1757880"/>
+            <a:ext cx="4151520" cy="2346120"/>
           </a:xfrm>
           <a:prstGeom prst="rect">
             <a:avLst/>
@@ -5620,374 +5101,1161 @@
           <a:fontRef idx="minor"/>
         </p:style>
         <p:txBody>
-          <a:bodyPr/>
-          <a:p>
-            <a:pPr marL="285840" indent="-285480">
-              <a:lnSpc>
-                <a:spcPct val="100000"/>
-              </a:lnSpc>
-              <a:buClr>
-                <a:srgbClr val="ffffff"/>
-              </a:buClr>
-              <a:buFont typeface="Arial"/>
-              <a:buChar char="•"/>
-            </a:pPr>
-            <a:r>
-              <a:rPr b="0" lang="en-GB" sz="2200" spc="-1" strike="noStrike">
-                <a:solidFill>
-                  <a:srgbClr val="ffffff"/>
-                </a:solidFill>
-                <a:latin typeface="Century Gothic"/>
-              </a:rPr>
-              <a:t>Full proposals Include</a:t>
+          <a:bodyPr lIns="90000" rIns="90000" tIns="45000" bIns="45000"/>
+          <a:p>
+            <a:pPr>
+              <a:lnSpc>
+                <a:spcPct val="100000"/>
+              </a:lnSpc>
+            </a:pPr>
+            <a:r>
+              <a:rPr b="1" lang="en-GB" sz="2200" spc="-1" strike="noStrike" u="sng">
+                <a:solidFill>
+                  <a:srgbClr val="ffffff"/>
+                </a:solidFill>
+                <a:uFillTx/>
+                <a:latin typeface="Century Gothic"/>
+                <a:ea typeface="DejaVu Sans"/>
+              </a:rPr>
+              <a:t>Meeting – 1</a:t>
             </a:r>
             <a:endParaRPr b="0" lang="en-GB" sz="2200" spc="-1" strike="noStrike">
               <a:latin typeface="Arial"/>
             </a:endParaRPr>
           </a:p>
           <a:p>
-            <a:pPr lvl="1" marL="971640" indent="-285480">
-              <a:lnSpc>
-                <a:spcPct val="100000"/>
-              </a:lnSpc>
-              <a:buClr>
-                <a:srgbClr val="ffffff"/>
-              </a:buClr>
-              <a:buFont typeface="Arial"/>
-              <a:buChar char="•"/>
-            </a:pPr>
-            <a:r>
-              <a:rPr b="0" lang="en-GB" sz="1800" spc="-1" strike="noStrike">
-                <a:solidFill>
-                  <a:srgbClr val="ffffff"/>
-                </a:solidFill>
-                <a:latin typeface="Century Gothic"/>
-              </a:rPr>
-              <a:t>Brief Description</a:t>
-            </a:r>
-            <a:endParaRPr b="0" lang="en-GB" sz="1800" spc="-1" strike="noStrike">
-              <a:latin typeface="Arial"/>
-            </a:endParaRPr>
-          </a:p>
-          <a:p>
-            <a:pPr lvl="1" marL="971640" indent="-285480">
-              <a:lnSpc>
-                <a:spcPct val="100000"/>
-              </a:lnSpc>
-              <a:buClr>
-                <a:srgbClr val="ffffff"/>
-              </a:buClr>
-              <a:buFont typeface="Arial"/>
-              <a:buChar char="•"/>
-            </a:pPr>
-            <a:r>
-              <a:rPr b="0" lang="en-GB" sz="1800" spc="-1" strike="noStrike">
-                <a:solidFill>
-                  <a:srgbClr val="ffffff"/>
-                </a:solidFill>
-                <a:latin typeface="Century Gothic"/>
-              </a:rPr>
-              <a:t> </a:t>
-            </a:r>
-            <a:r>
-              <a:rPr b="0" lang="en-GB" sz="1800" spc="-1" strike="noStrike">
-                <a:solidFill>
-                  <a:srgbClr val="ffffff"/>
-                </a:solidFill>
-                <a:latin typeface="Century Gothic"/>
-              </a:rPr>
-              <a:t>Neural Network Involvement</a:t>
-            </a:r>
-            <a:endParaRPr b="0" lang="en-GB" sz="1800" spc="-1" strike="noStrike">
-              <a:latin typeface="Arial"/>
-            </a:endParaRPr>
-          </a:p>
-          <a:p>
-            <a:pPr lvl="1" marL="971640" indent="-285480">
-              <a:lnSpc>
-                <a:spcPct val="100000"/>
-              </a:lnSpc>
-              <a:buClr>
-                <a:srgbClr val="ffffff"/>
-              </a:buClr>
-              <a:buFont typeface="Arial"/>
-              <a:buChar char="•"/>
-            </a:pPr>
-            <a:r>
-              <a:rPr b="0" lang="en-GB" sz="1800" spc="-1" strike="noStrike">
-                <a:solidFill>
-                  <a:srgbClr val="ffffff"/>
-                </a:solidFill>
-                <a:latin typeface="Century Gothic"/>
-              </a:rPr>
-              <a:t> </a:t>
-            </a:r>
-            <a:r>
-              <a:rPr b="0" lang="en-GB" sz="1800" spc="-1" strike="noStrike">
-                <a:solidFill>
-                  <a:srgbClr val="ffffff"/>
-                </a:solidFill>
-                <a:latin typeface="Century Gothic"/>
-              </a:rPr>
-              <a:t>Difficulty level</a:t>
-            </a:r>
-            <a:endParaRPr b="0" lang="en-GB" sz="1800" spc="-1" strike="noStrike">
-              <a:latin typeface="Arial"/>
-            </a:endParaRPr>
-          </a:p>
-          <a:p>
-            <a:pPr lvl="1" marL="971640" indent="-285480">
-              <a:lnSpc>
-                <a:spcPct val="100000"/>
-              </a:lnSpc>
-              <a:buClr>
-                <a:srgbClr val="ffffff"/>
-              </a:buClr>
-              <a:buFont typeface="Arial"/>
-              <a:buChar char="•"/>
-            </a:pPr>
-            <a:r>
-              <a:rPr b="0" lang="en-GB" sz="1800" spc="-1" strike="noStrike">
-                <a:solidFill>
-                  <a:srgbClr val="ffffff"/>
-                </a:solidFill>
-                <a:latin typeface="Century Gothic"/>
-              </a:rPr>
-              <a:t> </a:t>
-            </a:r>
-            <a:r>
-              <a:rPr b="0" lang="en-GB" sz="1800" spc="-1" strike="noStrike">
-                <a:solidFill>
-                  <a:srgbClr val="ffffff"/>
-                </a:solidFill>
-                <a:latin typeface="Century Gothic"/>
-              </a:rPr>
-              <a:t>Controls</a:t>
-            </a:r>
-            <a:endParaRPr b="0" lang="en-GB" sz="1800" spc="-1" strike="noStrike">
-              <a:latin typeface="Arial"/>
-            </a:endParaRPr>
-          </a:p>
-          <a:p>
-            <a:pPr lvl="1" marL="971640" indent="-285480">
-              <a:lnSpc>
-                <a:spcPct val="100000"/>
-              </a:lnSpc>
-              <a:buClr>
-                <a:srgbClr val="ffffff"/>
-              </a:buClr>
-              <a:buFont typeface="Arial"/>
-              <a:buChar char="•"/>
-            </a:pPr>
-            <a:r>
-              <a:rPr b="0" lang="en-GB" sz="1800" spc="-1" strike="noStrike">
-                <a:solidFill>
-                  <a:srgbClr val="ffffff"/>
-                </a:solidFill>
-                <a:latin typeface="Century Gothic"/>
-              </a:rPr>
-              <a:t> </a:t>
-            </a:r>
-            <a:r>
-              <a:rPr b="0" lang="en-GB" sz="1800" spc="-1" strike="noStrike">
-                <a:solidFill>
-                  <a:srgbClr val="ffffff"/>
-                </a:solidFill>
-                <a:latin typeface="Century Gothic"/>
-              </a:rPr>
-              <a:t>Scoring</a:t>
-            </a:r>
-            <a:endParaRPr b="0" lang="en-GB" sz="1800" spc="-1" strike="noStrike">
-              <a:latin typeface="Arial"/>
-            </a:endParaRPr>
-          </a:p>
-          <a:p>
-            <a:pPr lvl="1" marL="971640" indent="-285480">
-              <a:lnSpc>
-                <a:spcPct val="100000"/>
-              </a:lnSpc>
-              <a:buClr>
-                <a:srgbClr val="ffffff"/>
-              </a:buClr>
-              <a:buFont typeface="Arial"/>
-              <a:buChar char="•"/>
-            </a:pPr>
-            <a:r>
-              <a:rPr b="0" lang="en-GB" sz="1800" spc="-1" strike="noStrike">
-                <a:solidFill>
-                  <a:srgbClr val="ffffff"/>
-                </a:solidFill>
-                <a:latin typeface="Century Gothic"/>
-              </a:rPr>
-              <a:t> </a:t>
-            </a:r>
-            <a:r>
-              <a:rPr b="0" lang="en-GB" sz="1800" spc="-1" strike="noStrike">
-                <a:solidFill>
-                  <a:srgbClr val="ffffff"/>
-                </a:solidFill>
-                <a:latin typeface="Century Gothic"/>
-              </a:rPr>
-              <a:t>End Game</a:t>
-            </a:r>
-            <a:endParaRPr b="0" lang="en-GB" sz="1800" spc="-1" strike="noStrike">
-              <a:latin typeface="Arial"/>
-            </a:endParaRPr>
-          </a:p>
-          <a:p>
-            <a:pPr lvl="1" marL="971640" indent="-285480">
-              <a:lnSpc>
-                <a:spcPct val="100000"/>
-              </a:lnSpc>
-              <a:buClr>
-                <a:srgbClr val="ffffff"/>
-              </a:buClr>
-              <a:buFont typeface="Arial"/>
-              <a:buChar char="•"/>
-            </a:pPr>
-            <a:r>
-              <a:rPr b="0" lang="en-GB" sz="1800" spc="-1" strike="noStrike">
-                <a:solidFill>
-                  <a:srgbClr val="ffffff"/>
-                </a:solidFill>
-                <a:latin typeface="Century Gothic"/>
-              </a:rPr>
-              <a:t> </a:t>
-            </a:r>
-            <a:r>
-              <a:rPr b="0" lang="en-GB" sz="1800" spc="-1" strike="noStrike">
-                <a:solidFill>
-                  <a:srgbClr val="ffffff"/>
-                </a:solidFill>
-                <a:latin typeface="Century Gothic"/>
-              </a:rPr>
-              <a:t>Resources</a:t>
-            </a:r>
-            <a:endParaRPr b="0" lang="en-GB" sz="1800" spc="-1" strike="noStrike">
-              <a:latin typeface="Arial"/>
-            </a:endParaRPr>
-          </a:p>
-          <a:p>
-            <a:pPr lvl="1" marL="971640" indent="-285480">
-              <a:lnSpc>
-                <a:spcPct val="100000"/>
-              </a:lnSpc>
-              <a:buClr>
-                <a:srgbClr val="ffffff"/>
-              </a:buClr>
-              <a:buFont typeface="Arial"/>
-              <a:buChar char="•"/>
-            </a:pPr>
-            <a:r>
-              <a:rPr b="0" lang="en-GB" sz="1800" spc="-1" strike="noStrike">
-                <a:solidFill>
-                  <a:srgbClr val="ffffff"/>
-                </a:solidFill>
-                <a:latin typeface="Century Gothic"/>
-              </a:rPr>
-              <a:t> </a:t>
-            </a:r>
-            <a:r>
-              <a:rPr b="0" lang="en-GB" sz="1800" spc="-1" strike="noStrike">
-                <a:solidFill>
-                  <a:srgbClr val="ffffff"/>
-                </a:solidFill>
-                <a:latin typeface="Century Gothic"/>
-              </a:rPr>
-              <a:t>Potential Issues</a:t>
-            </a:r>
-            <a:endParaRPr b="0" lang="en-GB" sz="1800" spc="-1" strike="noStrike">
-              <a:latin typeface="Arial"/>
-            </a:endParaRPr>
-          </a:p>
-          <a:p>
-            <a:pPr lvl="1" marL="971640" indent="-285480">
-              <a:lnSpc>
-                <a:spcPct val="100000"/>
-              </a:lnSpc>
-              <a:buClr>
-                <a:srgbClr val="ffffff"/>
-              </a:buClr>
-              <a:buFont typeface="Arial"/>
-              <a:buChar char="•"/>
-            </a:pPr>
-            <a:r>
-              <a:rPr b="0" lang="en-GB" sz="1800" spc="-1" strike="noStrike">
-                <a:solidFill>
-                  <a:srgbClr val="ffffff"/>
-                </a:solidFill>
-                <a:latin typeface="Century Gothic"/>
-              </a:rPr>
-              <a:t> </a:t>
-            </a:r>
-            <a:r>
-              <a:rPr b="0" lang="en-GB" sz="1800" spc="-1" strike="noStrike">
-                <a:solidFill>
-                  <a:srgbClr val="ffffff"/>
-                </a:solidFill>
-                <a:latin typeface="Century Gothic"/>
-              </a:rPr>
-              <a:t>Education value</a:t>
-            </a:r>
-            <a:endParaRPr b="0" lang="en-GB" sz="1800" spc="-1" strike="noStrike">
-              <a:latin typeface="Arial"/>
-            </a:endParaRPr>
-          </a:p>
-          <a:p>
-            <a:pPr lvl="1" marL="971640" indent="-285480">
-              <a:lnSpc>
-                <a:spcPct val="100000"/>
-              </a:lnSpc>
-              <a:buClr>
-                <a:srgbClr val="ffffff"/>
-              </a:buClr>
-              <a:buFont typeface="Arial"/>
-              <a:buChar char="•"/>
-            </a:pPr>
-            <a:r>
-              <a:rPr b="0" lang="en-GB" sz="1800" spc="-1" strike="noStrike">
-                <a:solidFill>
-                  <a:srgbClr val="ffffff"/>
-                </a:solidFill>
-                <a:latin typeface="Century Gothic"/>
-              </a:rPr>
-              <a:t> </a:t>
-            </a:r>
-            <a:r>
-              <a:rPr b="0" lang="en-GB" sz="1800" spc="-1" strike="noStrike">
-                <a:solidFill>
-                  <a:srgbClr val="ffffff"/>
-                </a:solidFill>
-                <a:latin typeface="Century Gothic"/>
-              </a:rPr>
-              <a:t>Wireframes</a:t>
-            </a:r>
-            <a:endParaRPr b="0" lang="en-GB" sz="1800" spc="-1" strike="noStrike">
-              <a:latin typeface="Arial"/>
-            </a:endParaRPr>
-          </a:p>
-          <a:p>
-            <a:pPr>
-              <a:lnSpc>
-                <a:spcPct val="100000"/>
-              </a:lnSpc>
-            </a:pPr>
-            <a:endParaRPr b="0" lang="en-GB" sz="1800" spc="-1" strike="noStrike">
-              <a:latin typeface="Arial"/>
-            </a:endParaRPr>
-          </a:p>
-          <a:p>
-            <a:pPr>
-              <a:lnSpc>
-                <a:spcPct val="100000"/>
-              </a:lnSpc>
-            </a:pPr>
-            <a:endParaRPr b="0" lang="en-GB" sz="1800" spc="-1" strike="noStrike">
-              <a:latin typeface="Arial"/>
-            </a:endParaRPr>
-          </a:p>
-        </p:txBody>
-      </p:sp>
+            <a:pPr>
+              <a:lnSpc>
+                <a:spcPct val="100000"/>
+              </a:lnSpc>
+            </a:pPr>
+            <a:endParaRPr b="0" lang="en-GB" sz="2200" spc="-1" strike="noStrike">
+              <a:latin typeface="Arial"/>
+            </a:endParaRPr>
+          </a:p>
+          <a:p>
+            <a:pPr>
+              <a:lnSpc>
+                <a:spcPct val="100000"/>
+              </a:lnSpc>
+            </a:pPr>
+            <a:r>
+              <a:rPr b="0" lang="en-GB" sz="2200" spc="-1" strike="noStrike" u="sng">
+                <a:solidFill>
+                  <a:srgbClr val="ffffff"/>
+                </a:solidFill>
+                <a:uFillTx/>
+                <a:latin typeface="Century Gothic"/>
+                <a:ea typeface="DejaVu Sans"/>
+              </a:rPr>
+              <a:t>Discussed</a:t>
+            </a:r>
+            <a:endParaRPr b="0" lang="en-GB" sz="2200" spc="-1" strike="noStrike">
+              <a:latin typeface="Arial"/>
+            </a:endParaRPr>
+          </a:p>
+          <a:p>
+            <a:pPr>
+              <a:lnSpc>
+                <a:spcPct val="100000"/>
+              </a:lnSpc>
+            </a:pPr>
+            <a:endParaRPr b="0" lang="en-GB" sz="2200" spc="-1" strike="noStrike">
+              <a:latin typeface="Arial"/>
+            </a:endParaRPr>
+          </a:p>
+          <a:p>
+            <a:pPr>
+              <a:lnSpc>
+                <a:spcPct val="100000"/>
+              </a:lnSpc>
+            </a:pPr>
+            <a:r>
+              <a:rPr b="0" lang="en-GB" sz="1800" spc="-1" strike="noStrike">
+                <a:solidFill>
+                  <a:srgbClr val="ffffff"/>
+                </a:solidFill>
+                <a:latin typeface="Century Gothic"/>
+                <a:ea typeface="DejaVu Sans"/>
+              </a:rPr>
+              <a:t>-- Cabinet Details</a:t>
+            </a:r>
+            <a:endParaRPr b="0" lang="en-GB" sz="1800" spc="-1" strike="noStrike">
+              <a:latin typeface="Arial"/>
+            </a:endParaRPr>
+          </a:p>
+          <a:p>
+            <a:pPr>
+              <a:lnSpc>
+                <a:spcPct val="100000"/>
+              </a:lnSpc>
+            </a:pPr>
+            <a:r>
+              <a:rPr b="0" lang="en-GB" sz="1800" spc="-1" strike="noStrike">
+                <a:solidFill>
+                  <a:srgbClr val="ffffff"/>
+                </a:solidFill>
+                <a:latin typeface="Century Gothic"/>
+                <a:ea typeface="DejaVu Sans"/>
+              </a:rPr>
+              <a:t>-- Hardware </a:t>
+            </a:r>
+            <a:endParaRPr b="0" lang="en-GB" sz="1800" spc="-1" strike="noStrike">
+              <a:latin typeface="Arial"/>
+            </a:endParaRPr>
+          </a:p>
+          <a:p>
+            <a:pPr>
+              <a:lnSpc>
+                <a:spcPct val="100000"/>
+              </a:lnSpc>
+            </a:pPr>
+            <a:r>
+              <a:rPr b="0" lang="en-GB" sz="1800" spc="-1" strike="noStrike">
+                <a:solidFill>
+                  <a:srgbClr val="ffffff"/>
+                </a:solidFill>
+                <a:latin typeface="Century Gothic"/>
+                <a:ea typeface="DejaVu Sans"/>
+              </a:rPr>
+              <a:t>-- High level requirements of game</a:t>
+            </a:r>
+            <a:endParaRPr b="0" lang="en-GB" sz="1800" spc="-1" strike="noStrike">
+              <a:latin typeface="Arial"/>
+            </a:endParaRPr>
+          </a:p>
+          <a:p>
+            <a:pPr>
+              <a:lnSpc>
+                <a:spcPct val="100000"/>
+              </a:lnSpc>
+            </a:pPr>
+            <a:endParaRPr b="0" lang="en-GB" sz="1800" spc="-1" strike="noStrike">
+              <a:latin typeface="Arial"/>
+            </a:endParaRPr>
+          </a:p>
+          <a:p>
+            <a:pPr>
+              <a:lnSpc>
+                <a:spcPct val="100000"/>
+              </a:lnSpc>
+            </a:pPr>
+            <a:r>
+              <a:rPr b="0" lang="en-GB" sz="2200" spc="-1" strike="noStrike" u="sng">
+                <a:solidFill>
+                  <a:srgbClr val="ffffff"/>
+                </a:solidFill>
+                <a:uFillTx/>
+                <a:latin typeface="Century Gothic"/>
+                <a:ea typeface="DejaVu Sans"/>
+              </a:rPr>
+              <a:t>Deliverables</a:t>
+            </a:r>
+            <a:endParaRPr b="0" lang="en-GB" sz="2200" spc="-1" strike="noStrike">
+              <a:latin typeface="Arial"/>
+            </a:endParaRPr>
+          </a:p>
+          <a:p>
+            <a:pPr>
+              <a:lnSpc>
+                <a:spcPct val="100000"/>
+              </a:lnSpc>
+            </a:pPr>
+            <a:endParaRPr b="0" lang="en-GB" sz="2200" spc="-1" strike="noStrike">
+              <a:latin typeface="Arial"/>
+            </a:endParaRPr>
+          </a:p>
+          <a:p>
+            <a:pPr>
+              <a:lnSpc>
+                <a:spcPct val="100000"/>
+              </a:lnSpc>
+            </a:pPr>
+            <a:r>
+              <a:rPr b="0" lang="en-GB" sz="1800" spc="-1" strike="noStrike">
+                <a:solidFill>
+                  <a:srgbClr val="ffffff"/>
+                </a:solidFill>
+                <a:latin typeface="Century Gothic"/>
+                <a:ea typeface="DejaVu Sans"/>
+              </a:rPr>
+              <a:t>-- Games proposals</a:t>
+            </a:r>
+            <a:endParaRPr b="0" lang="en-GB" sz="1800" spc="-1" strike="noStrike">
+              <a:latin typeface="Arial"/>
+            </a:endParaRPr>
+          </a:p>
+          <a:p>
+            <a:pPr>
+              <a:lnSpc>
+                <a:spcPct val="100000"/>
+              </a:lnSpc>
+            </a:pPr>
+            <a:r>
+              <a:rPr b="0" lang="en-GB" sz="1800" spc="-1" strike="noStrike">
+                <a:solidFill>
+                  <a:srgbClr val="ffffff"/>
+                </a:solidFill>
+                <a:latin typeface="Century Gothic"/>
+                <a:ea typeface="DejaVu Sans"/>
+              </a:rPr>
+              <a:t>–</a:t>
+            </a:r>
+            <a:r>
+              <a:rPr b="0" lang="en-GB" sz="1800" spc="-1" strike="noStrike">
+                <a:solidFill>
+                  <a:srgbClr val="ffffff"/>
+                </a:solidFill>
+                <a:latin typeface="Century Gothic"/>
+                <a:ea typeface="DejaVu Sans"/>
+              </a:rPr>
+              <a:t>- Hardware proposal </a:t>
+            </a:r>
+            <a:endParaRPr b="0" lang="en-GB" sz="1800" spc="-1" strike="noStrike">
+              <a:latin typeface="Arial"/>
+            </a:endParaRPr>
+          </a:p>
+          <a:p>
+            <a:pPr>
+              <a:lnSpc>
+                <a:spcPct val="100000"/>
+              </a:lnSpc>
+            </a:pPr>
+            <a:r>
+              <a:rPr b="0" lang="en-GB" sz="1800" spc="-1" strike="noStrike">
+                <a:solidFill>
+                  <a:srgbClr val="ffffff"/>
+                </a:solidFill>
+                <a:latin typeface="Century Gothic"/>
+                <a:ea typeface="DejaVu Sans"/>
+              </a:rPr>
+              <a:t>with pricing  </a:t>
+            </a:r>
+            <a:endParaRPr b="0" lang="en-GB" sz="1800" spc="-1" strike="noStrike">
+              <a:latin typeface="Arial"/>
+            </a:endParaRPr>
+          </a:p>
+          <a:p>
+            <a:pPr>
+              <a:lnSpc>
+                <a:spcPct val="100000"/>
+              </a:lnSpc>
+            </a:pPr>
+            <a:endParaRPr b="0" lang="en-GB" sz="1800" spc="-1" strike="noStrike">
+              <a:latin typeface="Arial"/>
+            </a:endParaRPr>
+          </a:p>
+        </p:txBody>
+      </p:sp>
+      <p:sp>
+        <p:nvSpPr>
+          <p:cNvPr id="93" name="CustomShape 3"/>
+          <p:cNvSpPr/>
+          <p:nvPr/>
+        </p:nvSpPr>
+        <p:spPr>
+          <a:xfrm>
+            <a:off x="216000" y="1800000"/>
+            <a:ext cx="2742480" cy="1798200"/>
+          </a:xfrm>
+          <a:prstGeom prst="rect">
+            <a:avLst/>
+          </a:prstGeom>
+          <a:noFill/>
+          <a:ln>
+            <a:noFill/>
+          </a:ln>
+        </p:spPr>
+        <p:style>
+          <a:lnRef idx="0"/>
+          <a:fillRef idx="0"/>
+          <a:effectRef idx="0"/>
+          <a:fontRef idx="minor"/>
+        </p:style>
+        <p:txBody>
+          <a:bodyPr lIns="90000" rIns="90000" tIns="45000" bIns="45000"/>
+          <a:p>
+            <a:pPr>
+              <a:lnSpc>
+                <a:spcPct val="100000"/>
+              </a:lnSpc>
+            </a:pPr>
+            <a:r>
+              <a:rPr b="1" lang="en-GB" sz="2200" spc="-1" strike="noStrike" u="sng">
+                <a:solidFill>
+                  <a:srgbClr val="ffffff"/>
+                </a:solidFill>
+                <a:uFillTx/>
+                <a:latin typeface="Century Gothic"/>
+                <a:ea typeface="DejaVu Sans"/>
+              </a:rPr>
+              <a:t>Meeting – 0</a:t>
+            </a:r>
+            <a:endParaRPr b="0" lang="en-GB" sz="2200" spc="-1" strike="noStrike">
+              <a:latin typeface="Arial"/>
+            </a:endParaRPr>
+          </a:p>
+          <a:p>
+            <a:pPr>
+              <a:lnSpc>
+                <a:spcPct val="100000"/>
+              </a:lnSpc>
+            </a:pPr>
+            <a:endParaRPr b="0" lang="en-GB" sz="2200" spc="-1" strike="noStrike">
+              <a:latin typeface="Arial"/>
+            </a:endParaRPr>
+          </a:p>
+          <a:p>
+            <a:pPr>
+              <a:lnSpc>
+                <a:spcPct val="100000"/>
+              </a:lnSpc>
+            </a:pPr>
+            <a:r>
+              <a:rPr b="0" lang="en-GB" sz="2200" spc="-1" strike="noStrike" u="sng">
+                <a:solidFill>
+                  <a:srgbClr val="ffffff"/>
+                </a:solidFill>
+                <a:uFillTx/>
+                <a:latin typeface="Century Gothic"/>
+                <a:ea typeface="DejaVu Sans"/>
+              </a:rPr>
+              <a:t>Discussed</a:t>
+            </a:r>
+            <a:endParaRPr b="0" lang="en-GB" sz="2200" spc="-1" strike="noStrike">
+              <a:latin typeface="Arial"/>
+            </a:endParaRPr>
+          </a:p>
+          <a:p>
+            <a:pPr>
+              <a:lnSpc>
+                <a:spcPct val="100000"/>
+              </a:lnSpc>
+            </a:pPr>
+            <a:endParaRPr b="0" lang="en-GB" sz="2200" spc="-1" strike="noStrike">
+              <a:latin typeface="Arial"/>
+            </a:endParaRPr>
+          </a:p>
+          <a:p>
+            <a:pPr>
+              <a:lnSpc>
+                <a:spcPct val="100000"/>
+              </a:lnSpc>
+            </a:pPr>
+            <a:r>
+              <a:rPr b="0" lang="en-GB" sz="1800" spc="-1" strike="noStrike">
+                <a:solidFill>
+                  <a:srgbClr val="ffffff"/>
+                </a:solidFill>
+                <a:latin typeface="Century Gothic"/>
+                <a:ea typeface="DejaVu Sans"/>
+              </a:rPr>
+              <a:t>-- Communications</a:t>
+            </a:r>
+            <a:endParaRPr b="0" lang="en-GB" sz="1800" spc="-1" strike="noStrike">
+              <a:latin typeface="Arial"/>
+            </a:endParaRPr>
+          </a:p>
+          <a:p>
+            <a:pPr>
+              <a:lnSpc>
+                <a:spcPct val="100000"/>
+              </a:lnSpc>
+            </a:pPr>
+            <a:r>
+              <a:rPr b="0" lang="en-GB" sz="1800" spc="-1" strike="noStrike">
+                <a:solidFill>
+                  <a:srgbClr val="ffffff"/>
+                </a:solidFill>
+                <a:latin typeface="Century Gothic"/>
+                <a:ea typeface="DejaVu Sans"/>
+              </a:rPr>
+              <a:t>-- High level overview</a:t>
+            </a:r>
+            <a:endParaRPr b="0" lang="en-GB" sz="1800" spc="-1" strike="noStrike">
+              <a:latin typeface="Arial"/>
+            </a:endParaRPr>
+          </a:p>
+          <a:p>
+            <a:pPr>
+              <a:lnSpc>
+                <a:spcPct val="100000"/>
+              </a:lnSpc>
+            </a:pPr>
+            <a:r>
+              <a:rPr b="0" lang="en-GB" sz="1800" spc="-1" strike="noStrike">
+                <a:solidFill>
+                  <a:srgbClr val="ffffff"/>
+                </a:solidFill>
+                <a:latin typeface="Century Gothic"/>
+                <a:ea typeface="DejaVu Sans"/>
+              </a:rPr>
+              <a:t>-- Resources</a:t>
+            </a:r>
+            <a:endParaRPr b="0" lang="en-GB" sz="1800" spc="-1" strike="noStrike">
+              <a:latin typeface="Arial"/>
+            </a:endParaRPr>
+          </a:p>
+          <a:p>
+            <a:pPr>
+              <a:lnSpc>
+                <a:spcPct val="100000"/>
+              </a:lnSpc>
+            </a:pPr>
+            <a:endParaRPr b="0" lang="en-GB" sz="1800" spc="-1" strike="noStrike">
+              <a:latin typeface="Arial"/>
+            </a:endParaRPr>
+          </a:p>
+          <a:p>
+            <a:pPr>
+              <a:lnSpc>
+                <a:spcPct val="100000"/>
+              </a:lnSpc>
+            </a:pPr>
+            <a:r>
+              <a:rPr b="0" lang="en-GB" sz="2200" spc="-1" strike="noStrike" u="sng">
+                <a:solidFill>
+                  <a:srgbClr val="ffffff"/>
+                </a:solidFill>
+                <a:uFillTx/>
+                <a:latin typeface="Century Gothic"/>
+                <a:ea typeface="DejaVu Sans"/>
+              </a:rPr>
+              <a:t>Deliverables</a:t>
+            </a:r>
+            <a:endParaRPr b="0" lang="en-GB" sz="2200" spc="-1" strike="noStrike">
+              <a:latin typeface="Arial"/>
+            </a:endParaRPr>
+          </a:p>
+          <a:p>
+            <a:pPr>
+              <a:lnSpc>
+                <a:spcPct val="100000"/>
+              </a:lnSpc>
+            </a:pPr>
+            <a:endParaRPr b="0" lang="en-GB" sz="2200" spc="-1" strike="noStrike">
+              <a:latin typeface="Arial"/>
+            </a:endParaRPr>
+          </a:p>
+          <a:p>
+            <a:pPr>
+              <a:lnSpc>
+                <a:spcPct val="100000"/>
+              </a:lnSpc>
+            </a:pPr>
+            <a:r>
+              <a:rPr b="0" lang="en-GB" sz="1800" spc="-1" strike="noStrike">
+                <a:solidFill>
+                  <a:srgbClr val="ffffff"/>
+                </a:solidFill>
+                <a:latin typeface="Century Gothic"/>
+                <a:ea typeface="DejaVu Sans"/>
+              </a:rPr>
+              <a:t>-- User stories</a:t>
+            </a:r>
+            <a:endParaRPr b="0" lang="en-GB" sz="1800" spc="-1" strike="noStrike">
+              <a:latin typeface="Arial"/>
+            </a:endParaRPr>
+          </a:p>
+          <a:p>
+            <a:pPr>
+              <a:lnSpc>
+                <a:spcPct val="100000"/>
+              </a:lnSpc>
+            </a:pPr>
+            <a:r>
+              <a:rPr b="0" lang="en-GB" sz="1800" spc="-1" strike="noStrike">
+                <a:solidFill>
+                  <a:srgbClr val="ffffff"/>
+                </a:solidFill>
+                <a:latin typeface="Century Gothic"/>
+                <a:ea typeface="DejaVu Sans"/>
+              </a:rPr>
+              <a:t>–</a:t>
+            </a:r>
+            <a:r>
+              <a:rPr b="0" lang="en-GB" sz="1800" spc="-1" strike="noStrike">
+                <a:solidFill>
+                  <a:srgbClr val="ffffff"/>
+                </a:solidFill>
+                <a:latin typeface="Century Gothic"/>
+                <a:ea typeface="DejaVu Sans"/>
+              </a:rPr>
+              <a:t>- Requirements</a:t>
+            </a:r>
+            <a:endParaRPr b="0" lang="en-GB" sz="1800" spc="-1" strike="noStrike">
+              <a:latin typeface="Arial"/>
+            </a:endParaRPr>
+          </a:p>
+          <a:p>
+            <a:pPr>
+              <a:lnSpc>
+                <a:spcPct val="100000"/>
+              </a:lnSpc>
+            </a:pPr>
+            <a:r>
+              <a:rPr b="0" lang="en-GB" sz="1800" spc="-1" strike="noStrike">
+                <a:solidFill>
+                  <a:srgbClr val="ffffff"/>
+                </a:solidFill>
+                <a:latin typeface="Century Gothic"/>
+                <a:ea typeface="DejaVu Sans"/>
+              </a:rPr>
+              <a:t>–</a:t>
+            </a:r>
+            <a:r>
+              <a:rPr b="0" lang="en-GB" sz="1800" spc="-1" strike="noStrike">
+                <a:solidFill>
+                  <a:srgbClr val="ffffff"/>
+                </a:solidFill>
+                <a:latin typeface="Century Gothic"/>
+                <a:ea typeface="DejaVu Sans"/>
+              </a:rPr>
+              <a:t>- Hardware research</a:t>
+            </a:r>
+            <a:endParaRPr b="0" lang="en-GB" sz="1800" spc="-1" strike="noStrike">
+              <a:latin typeface="Arial"/>
+            </a:endParaRPr>
+          </a:p>
+          <a:p>
+            <a:pPr>
+              <a:lnSpc>
+                <a:spcPct val="100000"/>
+              </a:lnSpc>
+            </a:pPr>
+            <a:r>
+              <a:rPr b="0" lang="en-GB" sz="1800" spc="-1" strike="noStrike">
+                <a:solidFill>
+                  <a:srgbClr val="ffffff"/>
+                </a:solidFill>
+                <a:latin typeface="Century Gothic"/>
+                <a:ea typeface="DejaVu Sans"/>
+              </a:rPr>
+              <a:t>–</a:t>
+            </a:r>
+            <a:r>
+              <a:rPr b="0" lang="en-GB" sz="1800" spc="-1" strike="noStrike">
+                <a:solidFill>
+                  <a:srgbClr val="ffffff"/>
+                </a:solidFill>
+                <a:latin typeface="Century Gothic"/>
+                <a:ea typeface="DejaVu Sans"/>
+              </a:rPr>
+              <a:t>- Cabinet research </a:t>
+            </a:r>
+            <a:endParaRPr b="0" lang="en-GB" sz="1800" spc="-1" strike="noStrike">
+              <a:latin typeface="Arial"/>
+            </a:endParaRPr>
+          </a:p>
+          <a:p>
+            <a:pPr>
+              <a:lnSpc>
+                <a:spcPct val="100000"/>
+              </a:lnSpc>
+            </a:pPr>
+            <a:r>
+              <a:rPr b="0" lang="en-GB" sz="1800" spc="-1" strike="noStrike">
+                <a:solidFill>
+                  <a:srgbClr val="ffffff"/>
+                </a:solidFill>
+                <a:latin typeface="Century Gothic"/>
+                <a:ea typeface="DejaVu Sans"/>
+              </a:rPr>
+              <a:t>-- Game suggestions</a:t>
+            </a:r>
+            <a:endParaRPr b="0" lang="en-GB" sz="1800" spc="-1" strike="noStrike">
+              <a:latin typeface="Arial"/>
+            </a:endParaRPr>
+          </a:p>
+          <a:p>
+            <a:pPr>
+              <a:lnSpc>
+                <a:spcPct val="100000"/>
+              </a:lnSpc>
+            </a:pPr>
+            <a:r>
+              <a:rPr b="0" lang="en-GB" sz="1800" spc="-1" strike="noStrike">
+                <a:solidFill>
+                  <a:srgbClr val="ffffff"/>
+                </a:solidFill>
+                <a:latin typeface="Century Gothic"/>
+                <a:ea typeface="DejaVu Sans"/>
+              </a:rPr>
+              <a:t>–</a:t>
+            </a:r>
+            <a:r>
+              <a:rPr b="0" lang="en-GB" sz="1800" spc="-1" strike="noStrike">
+                <a:solidFill>
+                  <a:srgbClr val="ffffff"/>
+                </a:solidFill>
+                <a:latin typeface="Century Gothic"/>
+                <a:ea typeface="DejaVu Sans"/>
+              </a:rPr>
+              <a:t>- NN research</a:t>
+            </a:r>
+            <a:endParaRPr b="0" lang="en-GB" sz="1800" spc="-1" strike="noStrike">
+              <a:latin typeface="Arial"/>
+            </a:endParaRPr>
+          </a:p>
+          <a:p>
+            <a:pPr>
+              <a:lnSpc>
+                <a:spcPct val="100000"/>
+              </a:lnSpc>
+            </a:pPr>
+            <a:endParaRPr b="0" lang="en-GB" sz="1800" spc="-1" strike="noStrike">
+              <a:latin typeface="Arial"/>
+            </a:endParaRPr>
+          </a:p>
+        </p:txBody>
+      </p:sp>
+      <p:sp>
+        <p:nvSpPr>
+          <p:cNvPr id="94" name="CustomShape 4"/>
+          <p:cNvSpPr/>
+          <p:nvPr/>
+        </p:nvSpPr>
+        <p:spPr>
+          <a:xfrm>
+            <a:off x="8352000" y="2016000"/>
+            <a:ext cx="3389400" cy="2346120"/>
+          </a:xfrm>
+          <a:prstGeom prst="rect">
+            <a:avLst/>
+          </a:prstGeom>
+          <a:noFill/>
+          <a:ln>
+            <a:noFill/>
+          </a:ln>
+        </p:spPr>
+        <p:style>
+          <a:lnRef idx="0"/>
+          <a:fillRef idx="0"/>
+          <a:effectRef idx="0"/>
+          <a:fontRef idx="minor"/>
+        </p:style>
+        <p:txBody>
+          <a:bodyPr lIns="90000" rIns="90000" tIns="45000" bIns="45000"/>
+          <a:p>
+            <a:pPr>
+              <a:lnSpc>
+                <a:spcPct val="100000"/>
+              </a:lnSpc>
+            </a:pPr>
+            <a:r>
+              <a:rPr b="1" lang="en-GB" sz="2200" spc="-1" strike="noStrike" u="sng">
+                <a:solidFill>
+                  <a:srgbClr val="ffffff"/>
+                </a:solidFill>
+                <a:uFillTx/>
+                <a:latin typeface="Century Gothic"/>
+                <a:ea typeface="DejaVu Sans"/>
+              </a:rPr>
+              <a:t>Meeting - 2</a:t>
+            </a:r>
+            <a:endParaRPr b="0" lang="en-GB" sz="2200" spc="-1" strike="noStrike">
+              <a:latin typeface="Arial"/>
+            </a:endParaRPr>
+          </a:p>
+          <a:p>
+            <a:pPr>
+              <a:lnSpc>
+                <a:spcPct val="100000"/>
+              </a:lnSpc>
+            </a:pPr>
+            <a:endParaRPr b="0" lang="en-GB" sz="2200" spc="-1" strike="noStrike">
+              <a:latin typeface="Arial"/>
+            </a:endParaRPr>
+          </a:p>
+          <a:p>
+            <a:pPr>
+              <a:lnSpc>
+                <a:spcPct val="100000"/>
+              </a:lnSpc>
+            </a:pPr>
+            <a:r>
+              <a:rPr b="0" lang="en-GB" sz="1800" spc="-1" strike="noStrike">
+                <a:solidFill>
+                  <a:srgbClr val="ffffff"/>
+                </a:solidFill>
+                <a:latin typeface="Century Gothic"/>
+                <a:ea typeface="DejaVu Sans"/>
+              </a:rPr>
+              <a:t>-- 2 Games </a:t>
+            </a:r>
+            <a:endParaRPr b="0" lang="en-GB" sz="1800" spc="-1" strike="noStrike">
+              <a:latin typeface="Arial"/>
+            </a:endParaRPr>
+          </a:p>
+          <a:p>
+            <a:pPr>
+              <a:lnSpc>
+                <a:spcPct val="100000"/>
+              </a:lnSpc>
+            </a:pPr>
+            <a:r>
+              <a:rPr b="0" lang="en-GB" sz="1800" spc="-1" strike="noStrike">
+                <a:solidFill>
+                  <a:srgbClr val="ffffff"/>
+                </a:solidFill>
+                <a:latin typeface="Century Gothic"/>
+                <a:ea typeface="DejaVu Sans"/>
+              </a:rPr>
+              <a:t>-- Initial hardware</a:t>
+            </a:r>
+            <a:endParaRPr b="0" lang="en-GB" sz="1800" spc="-1" strike="noStrike">
+              <a:latin typeface="Arial"/>
+            </a:endParaRPr>
+          </a:p>
+          <a:p>
+            <a:pPr>
+              <a:lnSpc>
+                <a:spcPct val="100000"/>
+              </a:lnSpc>
+            </a:pPr>
+            <a:r>
+              <a:rPr b="0" lang="en-GB" sz="1800" spc="-1" strike="noStrike">
+                <a:solidFill>
+                  <a:srgbClr val="ffffff"/>
+                </a:solidFill>
+                <a:latin typeface="Century Gothic"/>
+                <a:ea typeface="DejaVu Sans"/>
+              </a:rPr>
+              <a:t>-- Emphasis on requirements</a:t>
+            </a:r>
+            <a:endParaRPr b="0" lang="en-GB" sz="1800" spc="-1" strike="noStrike">
+              <a:latin typeface="Arial"/>
+            </a:endParaRPr>
+          </a:p>
+          <a:p>
+            <a:pPr>
+              <a:lnSpc>
+                <a:spcPct val="100000"/>
+              </a:lnSpc>
+            </a:pPr>
+            <a:endParaRPr b="0" lang="en-GB" sz="1800" spc="-1" strike="noStrike">
+              <a:latin typeface="Arial"/>
+            </a:endParaRPr>
+          </a:p>
+          <a:p>
+            <a:pPr>
+              <a:lnSpc>
+                <a:spcPct val="100000"/>
+              </a:lnSpc>
+            </a:pPr>
+            <a:endParaRPr b="0" lang="en-GB" sz="1800" spc="-1" strike="noStrike">
+              <a:latin typeface="Arial"/>
+            </a:endParaRPr>
+          </a:p>
+          <a:p>
+            <a:pPr>
+              <a:lnSpc>
+                <a:spcPct val="100000"/>
+              </a:lnSpc>
+            </a:pPr>
+            <a:r>
+              <a:rPr b="0" lang="en-GB" sz="2200" spc="-1" strike="noStrike" u="sng">
+                <a:solidFill>
+                  <a:srgbClr val="ffffff"/>
+                </a:solidFill>
+                <a:uFillTx/>
+                <a:latin typeface="Century Gothic"/>
+                <a:ea typeface="DejaVu Sans"/>
+              </a:rPr>
+              <a:t>Deliverables</a:t>
+            </a:r>
+            <a:endParaRPr b="0" lang="en-GB" sz="2200" spc="-1" strike="noStrike">
+              <a:latin typeface="Arial"/>
+            </a:endParaRPr>
+          </a:p>
+          <a:p>
+            <a:pPr>
+              <a:lnSpc>
+                <a:spcPct val="100000"/>
+              </a:lnSpc>
+            </a:pPr>
+            <a:endParaRPr b="0" lang="en-GB" sz="2200" spc="-1" strike="noStrike">
+              <a:latin typeface="Arial"/>
+            </a:endParaRPr>
+          </a:p>
+          <a:p>
+            <a:pPr>
+              <a:lnSpc>
+                <a:spcPct val="100000"/>
+              </a:lnSpc>
+            </a:pPr>
+            <a:r>
+              <a:rPr b="0" lang="en-GB" sz="1800" spc="-1" strike="noStrike">
+                <a:solidFill>
+                  <a:srgbClr val="ffffff"/>
+                </a:solidFill>
+                <a:latin typeface="Century Gothic"/>
+                <a:ea typeface="DejaVu Sans"/>
+              </a:rPr>
+              <a:t>-- 2 detailed game proposals</a:t>
+            </a:r>
+            <a:endParaRPr b="0" lang="en-GB" sz="1800" spc="-1" strike="noStrike">
+              <a:latin typeface="Arial"/>
+            </a:endParaRPr>
+          </a:p>
+          <a:p>
+            <a:pPr>
+              <a:lnSpc>
+                <a:spcPct val="100000"/>
+              </a:lnSpc>
+            </a:pPr>
+            <a:r>
+              <a:rPr b="0" lang="en-GB" sz="1800" spc="-1" strike="noStrike">
+                <a:solidFill>
+                  <a:srgbClr val="ffffff"/>
+                </a:solidFill>
+                <a:latin typeface="Century Gothic"/>
+                <a:ea typeface="DejaVu Sans"/>
+              </a:rPr>
+              <a:t>– </a:t>
+            </a:r>
+            <a:r>
+              <a:rPr b="0" lang="en-GB" sz="1800" spc="-1" strike="noStrike">
+                <a:solidFill>
+                  <a:srgbClr val="ffffff"/>
+                </a:solidFill>
+                <a:latin typeface="Century Gothic"/>
+                <a:ea typeface="DejaVu Sans"/>
+              </a:rPr>
+              <a:t>Hardware purchase proposal</a:t>
+            </a:r>
+            <a:endParaRPr b="0" lang="en-GB" sz="1800" spc="-1" strike="noStrike">
+              <a:latin typeface="Arial"/>
+            </a:endParaRPr>
+          </a:p>
+          <a:p>
+            <a:pPr>
+              <a:lnSpc>
+                <a:spcPct val="100000"/>
+              </a:lnSpc>
+            </a:pPr>
+            <a:endParaRPr b="0" lang="en-GB" sz="1800" spc="-1" strike="noStrike">
+              <a:latin typeface="Arial"/>
+            </a:endParaRPr>
+          </a:p>
+          <a:p>
+            <a:pPr>
+              <a:lnSpc>
+                <a:spcPct val="100000"/>
+              </a:lnSpc>
+            </a:pPr>
+            <a:endParaRPr b="0" lang="en-GB" sz="1800" spc="-1" strike="noStrike">
+              <a:latin typeface="Arial"/>
+            </a:endParaRPr>
+          </a:p>
+          <a:p>
+            <a:pPr>
+              <a:lnSpc>
+                <a:spcPct val="100000"/>
+              </a:lnSpc>
+            </a:pPr>
+            <a:endParaRPr b="0" lang="en-GB" sz="1800" spc="-1" strike="noStrike">
+              <a:latin typeface="Arial"/>
+            </a:endParaRPr>
+          </a:p>
+        </p:txBody>
+      </p:sp>
+      <p:sp>
+        <p:nvSpPr>
+          <p:cNvPr id="95" name="CustomShape 5"/>
+          <p:cNvSpPr/>
+          <p:nvPr/>
+        </p:nvSpPr>
+        <p:spPr>
+          <a:xfrm>
+            <a:off x="144000" y="4322880"/>
+            <a:ext cx="3024000" cy="1798200"/>
+          </a:xfrm>
+          <a:prstGeom prst="rect">
+            <a:avLst/>
+          </a:prstGeom>
+          <a:noFill/>
+          <a:ln>
+            <a:noFill/>
+          </a:ln>
+        </p:spPr>
+        <p:style>
+          <a:lnRef idx="0"/>
+          <a:fillRef idx="0"/>
+          <a:effectRef idx="0"/>
+          <a:fontRef idx="minor"/>
+        </p:style>
+        <p:txBody>
+          <a:bodyPr lIns="90000" rIns="90000" tIns="45000" bIns="45000"/>
+          <a:p>
+            <a:pPr>
+              <a:lnSpc>
+                <a:spcPct val="100000"/>
+              </a:lnSpc>
+            </a:pPr>
+            <a:endParaRPr b="0" lang="en-GB" sz="1800" spc="-1" strike="noStrike">
+              <a:latin typeface="Arial"/>
+            </a:endParaRPr>
+          </a:p>
+          <a:p>
+            <a:pPr>
+              <a:lnSpc>
+                <a:spcPct val="100000"/>
+              </a:lnSpc>
+            </a:pPr>
+            <a:endParaRPr b="0" lang="en-GB" sz="1800" spc="-1" strike="noStrike">
+              <a:latin typeface="Arial"/>
+            </a:endParaRPr>
+          </a:p>
+        </p:txBody>
+      </p:sp>
+      <p:sp>
+        <p:nvSpPr>
+          <p:cNvPr id="96" name="TextShape 6"/>
+          <p:cNvSpPr txBox="1"/>
+          <p:nvPr/>
+        </p:nvSpPr>
+        <p:spPr>
+          <a:xfrm>
+            <a:off x="6009480" y="3308760"/>
+            <a:ext cx="180720" cy="232560"/>
+          </a:xfrm>
+          <a:prstGeom prst="rect">
+            <a:avLst/>
+          </a:prstGeom>
+          <a:noFill/>
+          <a:ln>
+            <a:noFill/>
+          </a:ln>
+        </p:spPr>
+      </p:sp>
+      <p:pic>
+        <p:nvPicPr>
+          <p:cNvPr id="97" name="" descr=""/>
+          <p:cNvPicPr/>
+          <p:nvPr/>
+        </p:nvPicPr>
+        <p:blipFill>
+          <a:blip r:embed="rId1"/>
+          <a:stretch/>
+        </p:blipFill>
+        <p:spPr>
+          <a:xfrm>
+            <a:off x="2232000" y="5217120"/>
+            <a:ext cx="259920" cy="254880"/>
+          </a:xfrm>
+          <a:prstGeom prst="rect">
+            <a:avLst/>
+          </a:prstGeom>
+          <a:ln>
+            <a:noFill/>
+          </a:ln>
+        </p:spPr>
+      </p:pic>
+      <p:sp>
+        <p:nvSpPr>
+          <p:cNvPr id="98" name="TextShape 7"/>
+          <p:cNvSpPr txBox="1"/>
+          <p:nvPr/>
+        </p:nvSpPr>
+        <p:spPr>
+          <a:xfrm>
+            <a:off x="6009480" y="3308760"/>
+            <a:ext cx="180720" cy="232560"/>
+          </a:xfrm>
+          <a:prstGeom prst="rect">
+            <a:avLst/>
+          </a:prstGeom>
+          <a:noFill/>
+          <a:ln>
+            <a:noFill/>
+          </a:ln>
+        </p:spPr>
+      </p:sp>
+      <p:pic>
+        <p:nvPicPr>
+          <p:cNvPr id="99" name="" descr=""/>
+          <p:cNvPicPr/>
+          <p:nvPr/>
+        </p:nvPicPr>
+        <p:blipFill>
+          <a:blip r:embed="rId2"/>
+          <a:stretch/>
+        </p:blipFill>
+        <p:spPr>
+          <a:xfrm>
+            <a:off x="2808000" y="5505120"/>
+            <a:ext cx="259920" cy="254880"/>
+          </a:xfrm>
+          <a:prstGeom prst="rect">
+            <a:avLst/>
+          </a:prstGeom>
+          <a:ln>
+            <a:noFill/>
+          </a:ln>
+        </p:spPr>
+      </p:pic>
+      <p:pic>
+        <p:nvPicPr>
+          <p:cNvPr id="100" name="" descr=""/>
+          <p:cNvPicPr/>
+          <p:nvPr/>
+        </p:nvPicPr>
+        <p:blipFill>
+          <a:blip r:embed="rId3"/>
+          <a:stretch/>
+        </p:blipFill>
+        <p:spPr>
+          <a:xfrm>
+            <a:off x="2548080" y="5760000"/>
+            <a:ext cx="259920" cy="254880"/>
+          </a:xfrm>
+          <a:prstGeom prst="rect">
+            <a:avLst/>
+          </a:prstGeom>
+          <a:ln>
+            <a:noFill/>
+          </a:ln>
+        </p:spPr>
+      </p:pic>
+      <p:pic>
+        <p:nvPicPr>
+          <p:cNvPr id="101" name="" descr=""/>
+          <p:cNvPicPr/>
+          <p:nvPr/>
+        </p:nvPicPr>
+        <p:blipFill>
+          <a:blip r:embed="rId4"/>
+          <a:stretch/>
+        </p:blipFill>
+        <p:spPr>
+          <a:xfrm>
+            <a:off x="2836080" y="6014880"/>
+            <a:ext cx="259920" cy="254880"/>
+          </a:xfrm>
+          <a:prstGeom prst="rect">
+            <a:avLst/>
+          </a:prstGeom>
+          <a:ln>
+            <a:noFill/>
+          </a:ln>
+        </p:spPr>
+      </p:pic>
+      <p:pic>
+        <p:nvPicPr>
+          <p:cNvPr id="102" name="" descr=""/>
+          <p:cNvPicPr/>
+          <p:nvPr/>
+        </p:nvPicPr>
+        <p:blipFill>
+          <a:blip r:embed="rId5"/>
+          <a:stretch/>
+        </p:blipFill>
+        <p:spPr>
+          <a:xfrm>
+            <a:off x="2116080" y="6336000"/>
+            <a:ext cx="259920" cy="254880"/>
+          </a:xfrm>
+          <a:prstGeom prst="rect">
+            <a:avLst/>
+          </a:prstGeom>
+          <a:ln>
+            <a:noFill/>
+          </a:ln>
+        </p:spPr>
+      </p:pic>
+      <p:pic>
+        <p:nvPicPr>
+          <p:cNvPr id="103" name="" descr=""/>
+          <p:cNvPicPr/>
+          <p:nvPr/>
+        </p:nvPicPr>
+        <p:blipFill>
+          <a:blip r:embed="rId6"/>
+          <a:stretch/>
+        </p:blipFill>
+        <p:spPr>
+          <a:xfrm>
+            <a:off x="6120000" y="5145120"/>
+            <a:ext cx="259920" cy="254880"/>
+          </a:xfrm>
+          <a:prstGeom prst="rect">
+            <a:avLst/>
+          </a:prstGeom>
+          <a:ln>
+            <a:noFill/>
+          </a:ln>
+        </p:spPr>
+      </p:pic>
+      <p:pic>
+        <p:nvPicPr>
+          <p:cNvPr id="104" name="" descr=""/>
+          <p:cNvPicPr/>
+          <p:nvPr/>
+        </p:nvPicPr>
+        <p:blipFill>
+          <a:blip r:embed="rId7"/>
+          <a:stretch/>
+        </p:blipFill>
+        <p:spPr>
+          <a:xfrm>
+            <a:off x="5284080" y="5688000"/>
+            <a:ext cx="259920" cy="254880"/>
+          </a:xfrm>
+          <a:prstGeom prst="rect">
+            <a:avLst/>
+          </a:prstGeom>
+          <a:ln>
+            <a:noFill/>
+          </a:ln>
+        </p:spPr>
+      </p:pic>
+      <p:pic>
+        <p:nvPicPr>
+          <p:cNvPr id="105" name="" descr=""/>
+          <p:cNvPicPr/>
+          <p:nvPr/>
+        </p:nvPicPr>
+        <p:blipFill>
+          <a:blip r:embed="rId8"/>
+          <a:stretch/>
+        </p:blipFill>
+        <p:spPr>
+          <a:xfrm>
+            <a:off x="9532080" y="5832000"/>
+            <a:ext cx="259920" cy="254880"/>
+          </a:xfrm>
+          <a:prstGeom prst="rect">
+            <a:avLst/>
+          </a:prstGeom>
+          <a:ln>
+            <a:noFill/>
+          </a:ln>
+        </p:spPr>
+      </p:pic>
+      <p:pic>
+        <p:nvPicPr>
+          <p:cNvPr id="106" name="" descr=""/>
+          <p:cNvPicPr/>
+          <p:nvPr/>
+        </p:nvPicPr>
+        <p:blipFill>
+          <a:blip r:embed="rId9"/>
+          <a:stretch/>
+        </p:blipFill>
+        <p:spPr>
+          <a:xfrm>
+            <a:off x="2016000" y="4929120"/>
+            <a:ext cx="259920" cy="254880"/>
+          </a:xfrm>
+          <a:prstGeom prst="rect">
+            <a:avLst/>
+          </a:prstGeom>
+          <a:ln>
+            <a:noFill/>
+          </a:ln>
+        </p:spPr>
+      </p:pic>
     </p:spTree>
   </p:cSld>
   <p:timing>
@@ -6039,14 +6307,14 @@
       </p:grpSpPr>
       <p:sp>
         <p:nvSpPr>
-          <p:cNvPr id="101" name="TextShape 1"/>
-          <p:cNvSpPr txBox="1"/>
+          <p:cNvPr id="107" name="CustomShape 1"/>
+          <p:cNvSpPr/>
           <p:nvPr/>
         </p:nvSpPr>
         <p:spPr>
           <a:xfrm>
             <a:off x="2895480" y="764280"/>
-            <a:ext cx="8610120" cy="1292760"/>
+            <a:ext cx="8609760" cy="1292400"/>
           </a:xfrm>
           <a:prstGeom prst="rect">
             <a:avLst/>
@@ -6056,8 +6324,14 @@
             <a:noFill/>
           </a:ln>
         </p:spPr>
-        <p:txBody>
-          <a:bodyPr anchor="ctr"/>
+        <p:style>
+          <a:lnRef idx="0"/>
+          <a:fillRef idx="0"/>
+          <a:effectRef idx="0"/>
+          <a:fontRef idx="minor"/>
+        </p:style>
+        <p:txBody>
+          <a:bodyPr lIns="90000" rIns="90000" tIns="45000" bIns="45000" anchor="ctr"/>
           <a:p>
             <a:pPr algn="r">
               <a:lnSpc>
@@ -6065,33 +6339,30 @@
               </a:lnSpc>
             </a:pPr>
             <a:r>
-              <a:rPr b="0" lang="en-US" sz="4000" spc="-1" strike="noStrike" cap="all">
-                <a:solidFill>
-                  <a:srgbClr val="ffffff"/>
-                </a:solidFill>
-                <a:latin typeface="Century Gothic"/>
-              </a:rPr>
-              <a:t>Progress – Hardware</a:t>
-            </a:r>
-            <a:endParaRPr b="0" lang="en-US" sz="4000" spc="-1" strike="noStrike">
-              <a:solidFill>
-                <a:srgbClr val="ffffff"/>
-              </a:solidFill>
-              <a:latin typeface="Century Gothic"/>
-            </a:endParaRPr>
-          </a:p>
-        </p:txBody>
-      </p:sp>
-      <p:sp>
-        <p:nvSpPr>
-          <p:cNvPr id="102" name="TextShape 2"/>
-          <p:cNvSpPr txBox="1"/>
+              <a:rPr b="0" lang="en-GB" sz="4000" spc="-1" strike="noStrike" cap="all">
+                <a:solidFill>
+                  <a:srgbClr val="ffffff"/>
+                </a:solidFill>
+                <a:latin typeface="Century Gothic"/>
+              </a:rPr>
+              <a:t>Progress – software</a:t>
+            </a:r>
+            <a:endParaRPr b="0" lang="en-GB" sz="4000" spc="-1" strike="noStrike">
+              <a:latin typeface="Arial"/>
+            </a:endParaRPr>
+          </a:p>
+        </p:txBody>
+      </p:sp>
+      <p:sp>
+        <p:nvSpPr>
+          <p:cNvPr id="108" name="CustomShape 2"/>
+          <p:cNvSpPr/>
           <p:nvPr/>
         </p:nvSpPr>
         <p:spPr>
           <a:xfrm>
-            <a:off x="685800" y="2194560"/>
-            <a:ext cx="10820160" cy="4023720"/>
+            <a:off x="4663800" y="2520000"/>
+            <a:ext cx="3976200" cy="3074400"/>
           </a:xfrm>
           <a:prstGeom prst="rect">
             <a:avLst/>
@@ -6101,14 +6372,880 @@
             <a:noFill/>
           </a:ln>
         </p:spPr>
-        <p:txBody>
-          <a:bodyPr/>
-          <a:p>
-            <a:endParaRPr b="0" lang="en-US" sz="2200" spc="-1" strike="noStrike">
-              <a:solidFill>
+        <p:style>
+          <a:lnRef idx="0"/>
+          <a:fillRef idx="0"/>
+          <a:effectRef idx="0"/>
+          <a:fontRef idx="minor"/>
+        </p:style>
+        <p:txBody>
+          <a:bodyPr lIns="90000" rIns="90000" tIns="45000" bIns="45000">
+            <a:normAutofit/>
+          </a:bodyPr>
+          <a:p>
+            <a:pPr marL="228600" indent="-227880">
+              <a:lnSpc>
+                <a:spcPct val="90000"/>
+              </a:lnSpc>
+              <a:spcBef>
+                <a:spcPts val="1001"/>
+              </a:spcBef>
+              <a:buClr>
                 <a:srgbClr val="ffffff"/>
-              </a:solidFill>
-              <a:latin typeface="Century Gothic"/>
+              </a:buClr>
+              <a:buFont typeface="Arial"/>
+              <a:buChar char="•"/>
+            </a:pPr>
+            <a:r>
+              <a:rPr b="0" lang="en-GB" sz="2200" spc="-1" strike="noStrike">
+                <a:solidFill>
+                  <a:srgbClr val="ffffff"/>
+                </a:solidFill>
+                <a:latin typeface="Century Gothic"/>
+              </a:rPr>
+              <a:t>Original five proposals</a:t>
+            </a:r>
+            <a:endParaRPr b="0" lang="en-GB" sz="2200" spc="-1" strike="noStrike">
+              <a:latin typeface="Arial"/>
+            </a:endParaRPr>
+          </a:p>
+          <a:p>
+            <a:pPr lvl="1" marL="685800" indent="-227880">
+              <a:lnSpc>
+                <a:spcPct val="90000"/>
+              </a:lnSpc>
+              <a:spcBef>
+                <a:spcPts val="499"/>
+              </a:spcBef>
+              <a:buClr>
+                <a:srgbClr val="ffffff"/>
+              </a:buClr>
+              <a:buFont typeface="Arial"/>
+              <a:buChar char="•"/>
+            </a:pPr>
+            <a:r>
+              <a:rPr b="0" lang="en-GB" sz="2000" spc="-1" strike="noStrike">
+                <a:solidFill>
+                  <a:srgbClr val="ffffff"/>
+                </a:solidFill>
+                <a:latin typeface="Century Gothic"/>
+              </a:rPr>
+              <a:t>Snake Satellite Proposal </a:t>
+            </a:r>
+            <a:endParaRPr b="0" lang="en-GB" sz="2000" spc="-1" strike="noStrike">
+              <a:latin typeface="Arial"/>
+            </a:endParaRPr>
+          </a:p>
+          <a:p>
+            <a:pPr lvl="1" marL="685800" indent="-227880">
+              <a:lnSpc>
+                <a:spcPct val="90000"/>
+              </a:lnSpc>
+              <a:spcBef>
+                <a:spcPts val="499"/>
+              </a:spcBef>
+              <a:buClr>
+                <a:srgbClr val="ffffff"/>
+              </a:buClr>
+              <a:buFont typeface="Arial"/>
+              <a:buChar char="•"/>
+            </a:pPr>
+            <a:r>
+              <a:rPr b="0" lang="en-GB" sz="2000" spc="-1" strike="noStrike">
+                <a:solidFill>
+                  <a:srgbClr val="ffffff"/>
+                </a:solidFill>
+                <a:latin typeface="Century Gothic"/>
+              </a:rPr>
+              <a:t>PAC-Man Proposal</a:t>
+            </a:r>
+            <a:endParaRPr b="0" lang="en-GB" sz="2000" spc="-1" strike="noStrike">
+              <a:latin typeface="Arial"/>
+            </a:endParaRPr>
+          </a:p>
+          <a:p>
+            <a:pPr lvl="1" marL="685800" indent="-227880">
+              <a:lnSpc>
+                <a:spcPct val="90000"/>
+              </a:lnSpc>
+              <a:spcBef>
+                <a:spcPts val="499"/>
+              </a:spcBef>
+              <a:buClr>
+                <a:srgbClr val="ffffff"/>
+              </a:buClr>
+              <a:buFont typeface="Arial"/>
+              <a:buChar char="•"/>
+            </a:pPr>
+            <a:r>
+              <a:rPr b="0" lang="en-GB" sz="2000" spc="-1" strike="noStrike">
+                <a:solidFill>
+                  <a:srgbClr val="ffffff"/>
+                </a:solidFill>
+                <a:latin typeface="Century Gothic"/>
+              </a:rPr>
+              <a:t>Cloud – Jump Proposal</a:t>
+            </a:r>
+            <a:endParaRPr b="0" lang="en-GB" sz="2000" spc="-1" strike="noStrike">
+              <a:latin typeface="Arial"/>
+            </a:endParaRPr>
+          </a:p>
+          <a:p>
+            <a:pPr lvl="1" marL="685800" indent="-227880">
+              <a:lnSpc>
+                <a:spcPct val="90000"/>
+              </a:lnSpc>
+              <a:spcBef>
+                <a:spcPts val="499"/>
+              </a:spcBef>
+              <a:buClr>
+                <a:srgbClr val="ffffff"/>
+              </a:buClr>
+              <a:buFont typeface="Arial"/>
+              <a:buChar char="•"/>
+            </a:pPr>
+            <a:r>
+              <a:rPr b="0" lang="en-GB" sz="2000" spc="-1" strike="noStrike">
+                <a:solidFill>
+                  <a:srgbClr val="ffffff"/>
+                </a:solidFill>
+                <a:latin typeface="Century Gothic"/>
+              </a:rPr>
+              <a:t>Flappy-Bird Style Game</a:t>
+            </a:r>
+            <a:endParaRPr b="0" lang="en-GB" sz="2000" spc="-1" strike="noStrike">
+              <a:latin typeface="Arial"/>
+            </a:endParaRPr>
+          </a:p>
+          <a:p>
+            <a:pPr lvl="1" marL="685800" indent="-227880">
+              <a:lnSpc>
+                <a:spcPct val="90000"/>
+              </a:lnSpc>
+              <a:spcBef>
+                <a:spcPts val="499"/>
+              </a:spcBef>
+              <a:buClr>
+                <a:srgbClr val="ffffff"/>
+              </a:buClr>
+              <a:buFont typeface="Arial"/>
+              <a:buChar char="•"/>
+            </a:pPr>
+            <a:r>
+              <a:rPr b="0" lang="en-GB" sz="2000" spc="-1" strike="noStrike">
+                <a:solidFill>
+                  <a:srgbClr val="ffffff"/>
+                </a:solidFill>
+                <a:latin typeface="Century Gothic"/>
+              </a:rPr>
+              <a:t>Satellite wars Proposal </a:t>
+            </a:r>
+            <a:endParaRPr b="0" lang="en-GB" sz="2000" spc="-1" strike="noStrike">
+              <a:latin typeface="Arial"/>
+            </a:endParaRPr>
+          </a:p>
+        </p:txBody>
+      </p:sp>
+      <p:sp>
+        <p:nvSpPr>
+          <p:cNvPr id="109" name="CustomShape 3"/>
+          <p:cNvSpPr/>
+          <p:nvPr/>
+        </p:nvSpPr>
+        <p:spPr>
+          <a:xfrm>
+            <a:off x="4896000" y="5539320"/>
+            <a:ext cx="3878280" cy="1012680"/>
+          </a:xfrm>
+          <a:prstGeom prst="rect">
+            <a:avLst/>
+          </a:prstGeom>
+          <a:noFill/>
+          <a:ln>
+            <a:noFill/>
+          </a:ln>
+        </p:spPr>
+        <p:style>
+          <a:lnRef idx="0"/>
+          <a:fillRef idx="0"/>
+          <a:effectRef idx="0"/>
+          <a:fontRef idx="minor"/>
+        </p:style>
+        <p:txBody>
+          <a:bodyPr lIns="90000" rIns="90000" tIns="45000" bIns="45000"/>
+          <a:p>
+            <a:pPr marL="228600" indent="-227880">
+              <a:lnSpc>
+                <a:spcPct val="90000"/>
+              </a:lnSpc>
+              <a:spcBef>
+                <a:spcPts val="1001"/>
+              </a:spcBef>
+              <a:buClr>
+                <a:srgbClr val="ffffff"/>
+              </a:buClr>
+              <a:buFont typeface="Symbol"/>
+              <a:buChar char=""/>
+            </a:pPr>
+            <a:r>
+              <a:rPr b="0" lang="en-GB" sz="2200" spc="-1" strike="noStrike">
+                <a:solidFill>
+                  <a:srgbClr val="ffffff"/>
+                </a:solidFill>
+                <a:latin typeface="Century Gothic"/>
+                <a:ea typeface="DejaVu Sans"/>
+              </a:rPr>
+              <a:t>Final two proposals</a:t>
+            </a:r>
+            <a:endParaRPr b="0" lang="en-GB" sz="2200" spc="-1" strike="noStrike">
+              <a:latin typeface="Arial"/>
+            </a:endParaRPr>
+          </a:p>
+          <a:p>
+            <a:pPr lvl="1" marL="685800" indent="-227880">
+              <a:lnSpc>
+                <a:spcPct val="90000"/>
+              </a:lnSpc>
+              <a:spcBef>
+                <a:spcPts val="499"/>
+              </a:spcBef>
+              <a:buClr>
+                <a:srgbClr val="ffffff"/>
+              </a:buClr>
+              <a:buFont typeface="Symbol"/>
+              <a:buChar char=""/>
+            </a:pPr>
+            <a:r>
+              <a:rPr b="0" lang="en-GB" sz="1800" spc="-1" strike="noStrike">
+                <a:solidFill>
+                  <a:srgbClr val="ffffff"/>
+                </a:solidFill>
+                <a:latin typeface="Century Gothic"/>
+                <a:ea typeface="DejaVu Sans"/>
+              </a:rPr>
+              <a:t>Flappy-Bird Style Game</a:t>
+            </a:r>
+            <a:endParaRPr b="0" lang="en-GB" sz="1800" spc="-1" strike="noStrike">
+              <a:latin typeface="Arial"/>
+            </a:endParaRPr>
+          </a:p>
+          <a:p>
+            <a:pPr lvl="1" marL="685800" indent="-227880">
+              <a:lnSpc>
+                <a:spcPct val="90000"/>
+              </a:lnSpc>
+              <a:spcBef>
+                <a:spcPts val="499"/>
+              </a:spcBef>
+              <a:buClr>
+                <a:srgbClr val="ffffff"/>
+              </a:buClr>
+              <a:buFont typeface="Symbol"/>
+              <a:buChar char=""/>
+            </a:pPr>
+            <a:r>
+              <a:rPr b="0" lang="en-GB" sz="1800" spc="-1" strike="noStrike">
+                <a:solidFill>
+                  <a:srgbClr val="ffffff"/>
+                </a:solidFill>
+                <a:latin typeface="Century Gothic"/>
+                <a:ea typeface="DejaVu Sans"/>
+              </a:rPr>
+              <a:t>Snake Satellite Proposal</a:t>
+            </a:r>
+            <a:endParaRPr b="0" lang="en-GB" sz="1800" spc="-1" strike="noStrike">
+              <a:latin typeface="Arial"/>
+            </a:endParaRPr>
+          </a:p>
+        </p:txBody>
+      </p:sp>
+      <p:sp>
+        <p:nvSpPr>
+          <p:cNvPr id="110" name="CustomShape 4"/>
+          <p:cNvSpPr/>
+          <p:nvPr/>
+        </p:nvSpPr>
+        <p:spPr>
+          <a:xfrm>
+            <a:off x="8496000" y="2487240"/>
+            <a:ext cx="4165920" cy="3992760"/>
+          </a:xfrm>
+          <a:prstGeom prst="rect">
+            <a:avLst/>
+          </a:prstGeom>
+          <a:noFill/>
+          <a:ln>
+            <a:noFill/>
+          </a:ln>
+        </p:spPr>
+        <p:style>
+          <a:lnRef idx="0"/>
+          <a:fillRef idx="0"/>
+          <a:effectRef idx="0"/>
+          <a:fontRef idx="minor"/>
+        </p:style>
+        <p:txBody>
+          <a:bodyPr lIns="90000" rIns="90000" tIns="45000" bIns="45000"/>
+          <a:p>
+            <a:pPr marL="285840" indent="-285120">
+              <a:lnSpc>
+                <a:spcPct val="100000"/>
+              </a:lnSpc>
+              <a:buClr>
+                <a:srgbClr val="ffffff"/>
+              </a:buClr>
+              <a:buFont typeface="Arial"/>
+              <a:buChar char="•"/>
+            </a:pPr>
+            <a:r>
+              <a:rPr b="0" lang="en-GB" sz="2200" spc="-1" strike="noStrike">
+                <a:solidFill>
+                  <a:srgbClr val="ffffff"/>
+                </a:solidFill>
+                <a:latin typeface="Century Gothic"/>
+                <a:ea typeface="DejaVu Sans"/>
+              </a:rPr>
+              <a:t>Full proposals Include</a:t>
+            </a:r>
+            <a:endParaRPr b="0" lang="en-GB" sz="2200" spc="-1" strike="noStrike">
+              <a:latin typeface="Arial"/>
+            </a:endParaRPr>
+          </a:p>
+          <a:p>
+            <a:pPr lvl="1" marL="971640" indent="-285120">
+              <a:lnSpc>
+                <a:spcPct val="100000"/>
+              </a:lnSpc>
+              <a:buClr>
+                <a:srgbClr val="ffffff"/>
+              </a:buClr>
+              <a:buFont typeface="Arial"/>
+              <a:buChar char="•"/>
+            </a:pPr>
+            <a:r>
+              <a:rPr b="0" lang="en-GB" sz="1800" spc="-1" strike="noStrike">
+                <a:solidFill>
+                  <a:srgbClr val="ffffff"/>
+                </a:solidFill>
+                <a:latin typeface="Century Gothic"/>
+                <a:ea typeface="DejaVu Sans"/>
+              </a:rPr>
+              <a:t>Brief Description</a:t>
+            </a:r>
+            <a:endParaRPr b="0" lang="en-GB" sz="1800" spc="-1" strike="noStrike">
+              <a:latin typeface="Arial"/>
+            </a:endParaRPr>
+          </a:p>
+          <a:p>
+            <a:pPr lvl="1" marL="971640" indent="-285120">
+              <a:lnSpc>
+                <a:spcPct val="100000"/>
+              </a:lnSpc>
+              <a:buClr>
+                <a:srgbClr val="ffffff"/>
+              </a:buClr>
+              <a:buFont typeface="Arial"/>
+              <a:buChar char="•"/>
+            </a:pPr>
+            <a:r>
+              <a:rPr b="0" lang="en-GB" sz="1800" spc="-1" strike="noStrike">
+                <a:solidFill>
+                  <a:srgbClr val="ffffff"/>
+                </a:solidFill>
+                <a:latin typeface="Century Gothic"/>
+                <a:ea typeface="DejaVu Sans"/>
+              </a:rPr>
+              <a:t> </a:t>
+            </a:r>
+            <a:r>
+              <a:rPr b="0" lang="en-GB" sz="1800" spc="-1" strike="noStrike">
+                <a:solidFill>
+                  <a:srgbClr val="ffffff"/>
+                </a:solidFill>
+                <a:latin typeface="Century Gothic"/>
+                <a:ea typeface="DejaVu Sans"/>
+              </a:rPr>
+              <a:t>Neural Network Involvement</a:t>
+            </a:r>
+            <a:endParaRPr b="0" lang="en-GB" sz="1800" spc="-1" strike="noStrike">
+              <a:latin typeface="Arial"/>
+            </a:endParaRPr>
+          </a:p>
+          <a:p>
+            <a:pPr lvl="1" marL="971640" indent="-285120">
+              <a:lnSpc>
+                <a:spcPct val="100000"/>
+              </a:lnSpc>
+              <a:buClr>
+                <a:srgbClr val="ffffff"/>
+              </a:buClr>
+              <a:buFont typeface="Arial"/>
+              <a:buChar char="•"/>
+            </a:pPr>
+            <a:r>
+              <a:rPr b="0" lang="en-GB" sz="1800" spc="-1" strike="noStrike">
+                <a:solidFill>
+                  <a:srgbClr val="ffffff"/>
+                </a:solidFill>
+                <a:latin typeface="Century Gothic"/>
+                <a:ea typeface="DejaVu Sans"/>
+              </a:rPr>
+              <a:t> </a:t>
+            </a:r>
+            <a:r>
+              <a:rPr b="0" lang="en-GB" sz="1800" spc="-1" strike="noStrike">
+                <a:solidFill>
+                  <a:srgbClr val="ffffff"/>
+                </a:solidFill>
+                <a:latin typeface="Century Gothic"/>
+                <a:ea typeface="DejaVu Sans"/>
+              </a:rPr>
+              <a:t>Difficulty level</a:t>
+            </a:r>
+            <a:endParaRPr b="0" lang="en-GB" sz="1800" spc="-1" strike="noStrike">
+              <a:latin typeface="Arial"/>
+            </a:endParaRPr>
+          </a:p>
+          <a:p>
+            <a:pPr lvl="1" marL="971640" indent="-285120">
+              <a:lnSpc>
+                <a:spcPct val="100000"/>
+              </a:lnSpc>
+              <a:buClr>
+                <a:srgbClr val="ffffff"/>
+              </a:buClr>
+              <a:buFont typeface="Arial"/>
+              <a:buChar char="•"/>
+            </a:pPr>
+            <a:r>
+              <a:rPr b="0" lang="en-GB" sz="1800" spc="-1" strike="noStrike">
+                <a:solidFill>
+                  <a:srgbClr val="ffffff"/>
+                </a:solidFill>
+                <a:latin typeface="Century Gothic"/>
+                <a:ea typeface="DejaVu Sans"/>
+              </a:rPr>
+              <a:t> </a:t>
+            </a:r>
+            <a:r>
+              <a:rPr b="0" lang="en-GB" sz="1800" spc="-1" strike="noStrike">
+                <a:solidFill>
+                  <a:srgbClr val="ffffff"/>
+                </a:solidFill>
+                <a:latin typeface="Century Gothic"/>
+                <a:ea typeface="DejaVu Sans"/>
+              </a:rPr>
+              <a:t>Controls</a:t>
+            </a:r>
+            <a:endParaRPr b="0" lang="en-GB" sz="1800" spc="-1" strike="noStrike">
+              <a:latin typeface="Arial"/>
+            </a:endParaRPr>
+          </a:p>
+          <a:p>
+            <a:pPr lvl="1" marL="971640" indent="-285120">
+              <a:lnSpc>
+                <a:spcPct val="100000"/>
+              </a:lnSpc>
+              <a:buClr>
+                <a:srgbClr val="ffffff"/>
+              </a:buClr>
+              <a:buFont typeface="Arial"/>
+              <a:buChar char="•"/>
+            </a:pPr>
+            <a:r>
+              <a:rPr b="0" lang="en-GB" sz="1800" spc="-1" strike="noStrike">
+                <a:solidFill>
+                  <a:srgbClr val="ffffff"/>
+                </a:solidFill>
+                <a:latin typeface="Century Gothic"/>
+                <a:ea typeface="DejaVu Sans"/>
+              </a:rPr>
+              <a:t> </a:t>
+            </a:r>
+            <a:r>
+              <a:rPr b="0" lang="en-GB" sz="1800" spc="-1" strike="noStrike">
+                <a:solidFill>
+                  <a:srgbClr val="ffffff"/>
+                </a:solidFill>
+                <a:latin typeface="Century Gothic"/>
+                <a:ea typeface="DejaVu Sans"/>
+              </a:rPr>
+              <a:t>Scoring</a:t>
+            </a:r>
+            <a:endParaRPr b="0" lang="en-GB" sz="1800" spc="-1" strike="noStrike">
+              <a:latin typeface="Arial"/>
+            </a:endParaRPr>
+          </a:p>
+          <a:p>
+            <a:pPr lvl="1" marL="971640" indent="-285120">
+              <a:lnSpc>
+                <a:spcPct val="100000"/>
+              </a:lnSpc>
+              <a:buClr>
+                <a:srgbClr val="ffffff"/>
+              </a:buClr>
+              <a:buFont typeface="Arial"/>
+              <a:buChar char="•"/>
+            </a:pPr>
+            <a:r>
+              <a:rPr b="0" lang="en-GB" sz="1800" spc="-1" strike="noStrike">
+                <a:solidFill>
+                  <a:srgbClr val="ffffff"/>
+                </a:solidFill>
+                <a:latin typeface="Century Gothic"/>
+                <a:ea typeface="DejaVu Sans"/>
+              </a:rPr>
+              <a:t> </a:t>
+            </a:r>
+            <a:r>
+              <a:rPr b="0" lang="en-GB" sz="1800" spc="-1" strike="noStrike">
+                <a:solidFill>
+                  <a:srgbClr val="ffffff"/>
+                </a:solidFill>
+                <a:latin typeface="Century Gothic"/>
+                <a:ea typeface="DejaVu Sans"/>
+              </a:rPr>
+              <a:t>End Game</a:t>
+            </a:r>
+            <a:endParaRPr b="0" lang="en-GB" sz="1800" spc="-1" strike="noStrike">
+              <a:latin typeface="Arial"/>
+            </a:endParaRPr>
+          </a:p>
+          <a:p>
+            <a:pPr lvl="1" marL="971640" indent="-285120">
+              <a:lnSpc>
+                <a:spcPct val="100000"/>
+              </a:lnSpc>
+              <a:buClr>
+                <a:srgbClr val="ffffff"/>
+              </a:buClr>
+              <a:buFont typeface="Arial"/>
+              <a:buChar char="•"/>
+            </a:pPr>
+            <a:r>
+              <a:rPr b="0" lang="en-GB" sz="1800" spc="-1" strike="noStrike">
+                <a:solidFill>
+                  <a:srgbClr val="ffffff"/>
+                </a:solidFill>
+                <a:latin typeface="Century Gothic"/>
+                <a:ea typeface="DejaVu Sans"/>
+              </a:rPr>
+              <a:t> </a:t>
+            </a:r>
+            <a:r>
+              <a:rPr b="0" lang="en-GB" sz="1800" spc="-1" strike="noStrike">
+                <a:solidFill>
+                  <a:srgbClr val="ffffff"/>
+                </a:solidFill>
+                <a:latin typeface="Century Gothic"/>
+                <a:ea typeface="DejaVu Sans"/>
+              </a:rPr>
+              <a:t>Resources</a:t>
+            </a:r>
+            <a:endParaRPr b="0" lang="en-GB" sz="1800" spc="-1" strike="noStrike">
+              <a:latin typeface="Arial"/>
+            </a:endParaRPr>
+          </a:p>
+          <a:p>
+            <a:pPr lvl="1" marL="971640" indent="-285120">
+              <a:lnSpc>
+                <a:spcPct val="100000"/>
+              </a:lnSpc>
+              <a:buClr>
+                <a:srgbClr val="ffffff"/>
+              </a:buClr>
+              <a:buFont typeface="Arial"/>
+              <a:buChar char="•"/>
+            </a:pPr>
+            <a:r>
+              <a:rPr b="0" lang="en-GB" sz="1800" spc="-1" strike="noStrike">
+                <a:solidFill>
+                  <a:srgbClr val="ffffff"/>
+                </a:solidFill>
+                <a:latin typeface="Century Gothic"/>
+                <a:ea typeface="DejaVu Sans"/>
+              </a:rPr>
+              <a:t> </a:t>
+            </a:r>
+            <a:r>
+              <a:rPr b="0" lang="en-GB" sz="1800" spc="-1" strike="noStrike">
+                <a:solidFill>
+                  <a:srgbClr val="ffffff"/>
+                </a:solidFill>
+                <a:latin typeface="Century Gothic"/>
+                <a:ea typeface="DejaVu Sans"/>
+              </a:rPr>
+              <a:t>Potential Issues</a:t>
+            </a:r>
+            <a:endParaRPr b="0" lang="en-GB" sz="1800" spc="-1" strike="noStrike">
+              <a:latin typeface="Arial"/>
+            </a:endParaRPr>
+          </a:p>
+          <a:p>
+            <a:pPr lvl="1" marL="971640" indent="-285120">
+              <a:lnSpc>
+                <a:spcPct val="100000"/>
+              </a:lnSpc>
+              <a:buClr>
+                <a:srgbClr val="ffffff"/>
+              </a:buClr>
+              <a:buFont typeface="Arial"/>
+              <a:buChar char="•"/>
+            </a:pPr>
+            <a:r>
+              <a:rPr b="0" lang="en-GB" sz="1800" spc="-1" strike="noStrike">
+                <a:solidFill>
+                  <a:srgbClr val="ffffff"/>
+                </a:solidFill>
+                <a:latin typeface="Century Gothic"/>
+                <a:ea typeface="DejaVu Sans"/>
+              </a:rPr>
+              <a:t> </a:t>
+            </a:r>
+            <a:r>
+              <a:rPr b="0" lang="en-GB" sz="1800" spc="-1" strike="noStrike">
+                <a:solidFill>
+                  <a:srgbClr val="ffffff"/>
+                </a:solidFill>
+                <a:latin typeface="Century Gothic"/>
+                <a:ea typeface="DejaVu Sans"/>
+              </a:rPr>
+              <a:t>Education value</a:t>
+            </a:r>
+            <a:endParaRPr b="0" lang="en-GB" sz="1800" spc="-1" strike="noStrike">
+              <a:latin typeface="Arial"/>
+            </a:endParaRPr>
+          </a:p>
+          <a:p>
+            <a:pPr lvl="1" marL="971640" indent="-285120">
+              <a:lnSpc>
+                <a:spcPct val="100000"/>
+              </a:lnSpc>
+              <a:buClr>
+                <a:srgbClr val="ffffff"/>
+              </a:buClr>
+              <a:buFont typeface="Arial"/>
+              <a:buChar char="•"/>
+            </a:pPr>
+            <a:r>
+              <a:rPr b="0" lang="en-GB" sz="1800" spc="-1" strike="noStrike">
+                <a:solidFill>
+                  <a:srgbClr val="ffffff"/>
+                </a:solidFill>
+                <a:latin typeface="Century Gothic"/>
+                <a:ea typeface="DejaVu Sans"/>
+              </a:rPr>
+              <a:t> </a:t>
+            </a:r>
+            <a:r>
+              <a:rPr b="0" lang="en-GB" sz="1800" spc="-1" strike="noStrike">
+                <a:solidFill>
+                  <a:srgbClr val="ffffff"/>
+                </a:solidFill>
+                <a:latin typeface="Century Gothic"/>
+                <a:ea typeface="DejaVu Sans"/>
+              </a:rPr>
+              <a:t>Wireframes</a:t>
+            </a:r>
+            <a:endParaRPr b="0" lang="en-GB" sz="1800" spc="-1" strike="noStrike">
+              <a:latin typeface="Arial"/>
+            </a:endParaRPr>
+          </a:p>
+          <a:p>
+            <a:pPr>
+              <a:lnSpc>
+                <a:spcPct val="100000"/>
+              </a:lnSpc>
+            </a:pPr>
+            <a:endParaRPr b="0" lang="en-GB" sz="1800" spc="-1" strike="noStrike">
+              <a:latin typeface="Arial"/>
+            </a:endParaRPr>
+          </a:p>
+          <a:p>
+            <a:pPr>
+              <a:lnSpc>
+                <a:spcPct val="100000"/>
+              </a:lnSpc>
+            </a:pPr>
+            <a:endParaRPr b="0" lang="en-GB" sz="1800" spc="-1" strike="noStrike">
+              <a:latin typeface="Arial"/>
+            </a:endParaRPr>
+          </a:p>
+        </p:txBody>
+      </p:sp>
+      <p:sp>
+        <p:nvSpPr>
+          <p:cNvPr id="111" name="TextShape 5"/>
+          <p:cNvSpPr txBox="1"/>
+          <p:nvPr/>
+        </p:nvSpPr>
+        <p:spPr>
+          <a:xfrm>
+            <a:off x="144000" y="2426760"/>
+            <a:ext cx="4320000" cy="2217600"/>
+          </a:xfrm>
+          <a:prstGeom prst="rect">
+            <a:avLst/>
+          </a:prstGeom>
+          <a:noFill/>
+          <a:ln>
+            <a:noFill/>
+          </a:ln>
+        </p:spPr>
+        <p:txBody>
+          <a:bodyPr lIns="90000" rIns="90000" tIns="45000" bIns="45000"/>
+          <a:p>
+            <a:pPr marL="216000" indent="-216000">
+              <a:buClr>
+                <a:srgbClr val="ffffff"/>
+              </a:buClr>
+              <a:buSzPct val="45000"/>
+              <a:buFont typeface="Wingdings" charset="2"/>
+              <a:buChar char=""/>
+            </a:pPr>
+            <a:r>
+              <a:rPr b="0" lang="en-GB" sz="2200" spc="-1" strike="noStrike">
+                <a:solidFill>
+                  <a:srgbClr val="ffffff"/>
+                </a:solidFill>
+                <a:latin typeface="Century Gothic"/>
+              </a:rPr>
+              <a:t>Design Requirements</a:t>
+            </a:r>
+            <a:endParaRPr b="0" lang="en-GB" sz="2200" spc="-1" strike="noStrike">
+              <a:latin typeface="Arial"/>
+            </a:endParaRPr>
+          </a:p>
+          <a:p>
+            <a:pPr lvl="1" marL="432000" indent="-216000">
+              <a:buClr>
+                <a:srgbClr val="ffffff"/>
+              </a:buClr>
+              <a:buSzPct val="45000"/>
+              <a:buFont typeface="Wingdings" charset="2"/>
+              <a:buChar char=""/>
+            </a:pPr>
+            <a:r>
+              <a:rPr b="0" lang="en-GB" sz="2200" spc="-1" strike="noStrike">
+                <a:solidFill>
+                  <a:srgbClr val="ffffff"/>
+                </a:solidFill>
+                <a:latin typeface="Century Gothic"/>
+              </a:rPr>
+              <a:t>Satellite based</a:t>
+            </a:r>
+            <a:endParaRPr b="0" lang="en-GB" sz="2200" spc="-1" strike="noStrike">
+              <a:latin typeface="Arial"/>
+            </a:endParaRPr>
+          </a:p>
+          <a:p>
+            <a:pPr lvl="1" marL="432000" indent="-216000">
+              <a:buClr>
+                <a:srgbClr val="ffffff"/>
+              </a:buClr>
+              <a:buSzPct val="45000"/>
+              <a:buFont typeface="Wingdings" charset="2"/>
+              <a:buChar char=""/>
+            </a:pPr>
+            <a:r>
+              <a:rPr b="0" lang="en-GB" sz="2000" spc="-1" strike="noStrike">
+                <a:solidFill>
+                  <a:srgbClr val="ffffff"/>
+                </a:solidFill>
+                <a:latin typeface="Century Gothic"/>
+              </a:rPr>
+              <a:t>Competitor CPU</a:t>
+            </a:r>
+            <a:endParaRPr b="0" lang="en-GB" sz="2000" spc="-1" strike="noStrike">
+              <a:latin typeface="Arial"/>
+            </a:endParaRPr>
+          </a:p>
+          <a:p>
+            <a:pPr lvl="1" marL="432000" indent="-216000">
+              <a:buClr>
+                <a:srgbClr val="ffffff"/>
+              </a:buClr>
+              <a:buSzPct val="45000"/>
+              <a:buFont typeface="Wingdings" charset="2"/>
+              <a:buChar char=""/>
+            </a:pPr>
+            <a:r>
+              <a:rPr b="0" lang="en-GB" sz="2000" spc="-1" strike="noStrike">
+                <a:solidFill>
+                  <a:srgbClr val="ffffff"/>
+                </a:solidFill>
+                <a:latin typeface="Century Gothic"/>
+              </a:rPr>
+              <a:t>NN powered CPU </a:t>
+            </a:r>
+            <a:endParaRPr b="0" lang="en-GB" sz="2000" spc="-1" strike="noStrike">
+              <a:latin typeface="Arial"/>
+            </a:endParaRPr>
+          </a:p>
+          <a:p>
+            <a:pPr lvl="1" marL="432000" indent="-216000">
+              <a:buClr>
+                <a:srgbClr val="ffffff"/>
+              </a:buClr>
+              <a:buSzPct val="45000"/>
+              <a:buFont typeface="Wingdings" charset="2"/>
+              <a:buChar char=""/>
+            </a:pPr>
+            <a:r>
+              <a:rPr b="0" lang="en-GB" sz="2000" spc="-1" strike="noStrike">
+                <a:solidFill>
+                  <a:srgbClr val="ffffff"/>
+                </a:solidFill>
+                <a:latin typeface="Century Gothic"/>
+              </a:rPr>
+              <a:t>Different difficulties</a:t>
+            </a:r>
+            <a:endParaRPr b="0" lang="en-GB" sz="2000" spc="-1" strike="noStrike">
+              <a:latin typeface="Arial"/>
+            </a:endParaRPr>
+          </a:p>
+          <a:p>
+            <a:pPr lvl="1" marL="432000" indent="-216000">
+              <a:buClr>
+                <a:srgbClr val="ffffff"/>
+              </a:buClr>
+              <a:buSzPct val="45000"/>
+              <a:buFont typeface="Wingdings" charset="2"/>
+              <a:buChar char=""/>
+            </a:pPr>
+            <a:r>
+              <a:rPr b="0" lang="en-GB" sz="2000" spc="-1" strike="noStrike">
+                <a:solidFill>
+                  <a:srgbClr val="ffffff"/>
+                </a:solidFill>
+                <a:latin typeface="Century Gothic"/>
+              </a:rPr>
+              <a:t>Side-scrolling</a:t>
+            </a:r>
+            <a:endParaRPr b="0" lang="en-GB" sz="2000" spc="-1" strike="noStrike">
+              <a:latin typeface="Arial"/>
+            </a:endParaRPr>
+          </a:p>
+          <a:p>
+            <a:pPr lvl="1" marL="432000" indent="-216000">
+              <a:buClr>
+                <a:srgbClr val="ffffff"/>
+              </a:buClr>
+              <a:buSzPct val="45000"/>
+              <a:buFont typeface="Wingdings" charset="2"/>
+              <a:buChar char=""/>
+            </a:pPr>
+            <a:r>
+              <a:rPr b="0" lang="en-GB" sz="2000" spc="-1" strike="noStrike">
+                <a:solidFill>
+                  <a:srgbClr val="ffffff"/>
+                </a:solidFill>
+                <a:latin typeface="Century Gothic"/>
+              </a:rPr>
+              <a:t>Score</a:t>
+            </a:r>
+            <a:endParaRPr b="0" lang="en-GB" sz="2000" spc="-1" strike="noStrike">
+              <a:latin typeface="Arial"/>
             </a:endParaRPr>
           </a:p>
         </p:txBody>
@@ -6164,14 +7301,14 @@
       </p:grpSpPr>
       <p:sp>
         <p:nvSpPr>
-          <p:cNvPr id="103" name="TextShape 1"/>
-          <p:cNvSpPr txBox="1"/>
+          <p:cNvPr id="112" name="CustomShape 1"/>
+          <p:cNvSpPr/>
           <p:nvPr/>
         </p:nvSpPr>
         <p:spPr>
           <a:xfrm>
-            <a:off x="595080" y="1760400"/>
-            <a:ext cx="10943640" cy="1824840"/>
+            <a:off x="2895480" y="764280"/>
+            <a:ext cx="8609760" cy="1292400"/>
           </a:xfrm>
           <a:prstGeom prst="rect">
             <a:avLst/>
@@ -6181,28 +7318,317 @@
             <a:noFill/>
           </a:ln>
         </p:spPr>
-        <p:txBody>
-          <a:bodyPr anchor="b"/>
-          <a:p>
-            <a:pPr>
+        <p:style>
+          <a:lnRef idx="0"/>
+          <a:fillRef idx="0"/>
+          <a:effectRef idx="0"/>
+          <a:fontRef idx="minor"/>
+        </p:style>
+        <p:txBody>
+          <a:bodyPr lIns="90000" rIns="90000" tIns="45000" bIns="45000" anchor="ctr"/>
+          <a:p>
+            <a:pPr algn="r">
               <a:lnSpc>
                 <a:spcPct val="90000"/>
               </a:lnSpc>
             </a:pPr>
             <a:r>
-              <a:rPr b="0" lang="en-US" sz="6000" spc="-1" strike="noStrike" cap="all">
-                <a:solidFill>
-                  <a:srgbClr val="ffffff"/>
-                </a:solidFill>
-                <a:latin typeface="Century Gothic"/>
-              </a:rPr>
-              <a:t>Game 1 – Flappy bird style</a:t>
-            </a:r>
-            <a:endParaRPr b="0" lang="en-US" sz="6000" spc="-1" strike="noStrike">
-              <a:solidFill>
-                <a:srgbClr val="ffffff"/>
-              </a:solidFill>
-              <a:latin typeface="Century Gothic"/>
+              <a:rPr b="0" lang="en-GB" sz="4000" spc="-1" strike="noStrike" cap="all">
+                <a:solidFill>
+                  <a:srgbClr val="ffffff"/>
+                </a:solidFill>
+                <a:latin typeface="Century Gothic"/>
+              </a:rPr>
+              <a:t>Progress – Hardware</a:t>
+            </a:r>
+            <a:endParaRPr b="0" lang="en-GB" sz="4000" spc="-1" strike="noStrike">
+              <a:latin typeface="Arial"/>
+            </a:endParaRPr>
+          </a:p>
+        </p:txBody>
+      </p:sp>
+      <p:sp>
+        <p:nvSpPr>
+          <p:cNvPr id="113" name="CustomShape 2"/>
+          <p:cNvSpPr/>
+          <p:nvPr/>
+        </p:nvSpPr>
+        <p:spPr>
+          <a:xfrm>
+            <a:off x="685800" y="2194560"/>
+            <a:ext cx="10819800" cy="4023360"/>
+          </a:xfrm>
+          <a:prstGeom prst="rect">
+            <a:avLst/>
+          </a:prstGeom>
+          <a:noFill/>
+          <a:ln>
+            <a:noFill/>
+          </a:ln>
+        </p:spPr>
+        <p:style>
+          <a:lnRef idx="0"/>
+          <a:fillRef idx="0"/>
+          <a:effectRef idx="0"/>
+          <a:fontRef idx="minor"/>
+        </p:style>
+      </p:sp>
+      <p:sp>
+        <p:nvSpPr>
+          <p:cNvPr id="114" name="TextShape 3"/>
+          <p:cNvSpPr txBox="1"/>
+          <p:nvPr/>
+        </p:nvSpPr>
+        <p:spPr>
+          <a:xfrm>
+            <a:off x="432000" y="2261880"/>
+            <a:ext cx="4392000" cy="1370160"/>
+          </a:xfrm>
+          <a:prstGeom prst="rect">
+            <a:avLst/>
+          </a:prstGeom>
+          <a:noFill/>
+          <a:ln>
+            <a:noFill/>
+          </a:ln>
+        </p:spPr>
+        <p:txBody>
+          <a:bodyPr lIns="90000" rIns="90000" tIns="45000" bIns="45000"/>
+          <a:p>
+            <a:r>
+              <a:rPr b="0" lang="en-GB" sz="1800" spc="-1" strike="noStrike">
+                <a:latin typeface="Arial"/>
+              </a:rPr>
+              <a:t>Requirements:</a:t>
+            </a:r>
+            <a:endParaRPr b="0" lang="en-GB" sz="1800" spc="-1" strike="noStrike">
+              <a:latin typeface="Arial"/>
+            </a:endParaRPr>
+          </a:p>
+          <a:p>
+            <a:r>
+              <a:rPr b="0" lang="en-GB" sz="1800" spc="-1" strike="noStrike">
+                <a:latin typeface="Arial"/>
+              </a:rPr>
+              <a:t>– </a:t>
+            </a:r>
+            <a:r>
+              <a:rPr b="0" lang="en-GB" sz="1800" spc="-1" strike="noStrike">
+                <a:latin typeface="Arial"/>
+              </a:rPr>
+              <a:t>Stand alone arcade game</a:t>
+            </a:r>
+            <a:endParaRPr b="0" lang="en-GB" sz="1800" spc="-1" strike="noStrike">
+              <a:latin typeface="Arial"/>
+            </a:endParaRPr>
+          </a:p>
+          <a:p>
+            <a:r>
+              <a:rPr b="0" lang="en-GB" sz="1800" spc="-1" strike="noStrike">
+                <a:latin typeface="Arial"/>
+              </a:rPr>
+              <a:t>– </a:t>
+            </a:r>
+            <a:r>
+              <a:rPr b="0" lang="en-GB" sz="1800" spc="-1" strike="noStrike">
+                <a:latin typeface="Arial"/>
+              </a:rPr>
+              <a:t>Small, fit on desk</a:t>
+            </a:r>
+            <a:endParaRPr b="0" lang="en-GB" sz="1800" spc="-1" strike="noStrike">
+              <a:latin typeface="Arial"/>
+            </a:endParaRPr>
+          </a:p>
+          <a:p>
+            <a:r>
+              <a:rPr b="0" lang="en-GB" sz="1800" spc="-1" strike="noStrike">
+                <a:latin typeface="Arial"/>
+              </a:rPr>
+              <a:t>– </a:t>
+            </a:r>
+            <a:r>
+              <a:rPr b="0" lang="en-GB" sz="1800" spc="-1" strike="noStrike">
+                <a:latin typeface="Arial"/>
+              </a:rPr>
+              <a:t>Economical</a:t>
+            </a:r>
+            <a:endParaRPr b="0" lang="en-GB" sz="1800" spc="-1" strike="noStrike">
+              <a:latin typeface="Arial"/>
+            </a:endParaRPr>
+          </a:p>
+          <a:p>
+            <a:r>
+              <a:rPr b="0" lang="en-GB" sz="1800" spc="-1" strike="noStrike">
+                <a:latin typeface="Arial"/>
+              </a:rPr>
+              <a:t>– </a:t>
+            </a:r>
+            <a:r>
+              <a:rPr b="0" lang="en-GB" sz="1800" spc="-1" strike="noStrike">
+                <a:latin typeface="Arial"/>
+              </a:rPr>
+              <a:t>Retro, like old arcades</a:t>
+            </a:r>
+            <a:endParaRPr b="0" lang="en-GB" sz="1800" spc="-1" strike="noStrike">
+              <a:latin typeface="Arial"/>
+            </a:endParaRPr>
+          </a:p>
+        </p:txBody>
+      </p:sp>
+      <p:sp>
+        <p:nvSpPr>
+          <p:cNvPr id="115" name="TextShape 4"/>
+          <p:cNvSpPr txBox="1"/>
+          <p:nvPr/>
+        </p:nvSpPr>
+        <p:spPr>
+          <a:xfrm>
+            <a:off x="4392000" y="2261880"/>
+            <a:ext cx="3312000" cy="1626120"/>
+          </a:xfrm>
+          <a:prstGeom prst="rect">
+            <a:avLst/>
+          </a:prstGeom>
+          <a:noFill/>
+          <a:ln>
+            <a:noFill/>
+          </a:ln>
+        </p:spPr>
+        <p:txBody>
+          <a:bodyPr lIns="90000" rIns="90000" tIns="45000" bIns="45000"/>
+          <a:p>
+            <a:r>
+              <a:rPr b="0" lang="en-GB" sz="1800" spc="-1" strike="noStrike">
+                <a:latin typeface="Arial"/>
+              </a:rPr>
+              <a:t>Decisions made:</a:t>
+            </a:r>
+            <a:endParaRPr b="0" lang="en-GB" sz="1800" spc="-1" strike="noStrike">
+              <a:latin typeface="Arial"/>
+            </a:endParaRPr>
+          </a:p>
+          <a:p>
+            <a:r>
+              <a:rPr b="0" lang="en-GB" sz="1800" spc="-1" strike="noStrike">
+                <a:latin typeface="Arial"/>
+              </a:rPr>
+              <a:t>– </a:t>
+            </a:r>
+            <a:r>
+              <a:rPr b="0" lang="en-GB" sz="1800" spc="-1" strike="noStrike">
+                <a:latin typeface="Arial"/>
+              </a:rPr>
+              <a:t>£60 initial investment</a:t>
+            </a:r>
+            <a:endParaRPr b="0" lang="en-GB" sz="1800" spc="-1" strike="noStrike">
+              <a:latin typeface="Arial"/>
+            </a:endParaRPr>
+          </a:p>
+          <a:p>
+            <a:endParaRPr b="0" lang="en-GB" sz="1800" spc="-1" strike="noStrike">
+              <a:latin typeface="Arial"/>
+            </a:endParaRPr>
+          </a:p>
+          <a:p>
+            <a:r>
+              <a:rPr b="0" lang="en-GB" sz="1800" spc="-1" strike="noStrike">
+                <a:latin typeface="Arial"/>
+              </a:rPr>
+              <a:t>– </a:t>
+            </a:r>
+            <a:r>
+              <a:rPr b="0" lang="en-GB" sz="1800" spc="-1" strike="noStrike">
+                <a:latin typeface="Arial"/>
+              </a:rPr>
+              <a:t>Will consider cabinet if the rest of the project is to a standard you are happy with</a:t>
+            </a:r>
+            <a:endParaRPr b="0" lang="en-GB" sz="1800" spc="-1" strike="noStrike">
+              <a:latin typeface="Arial"/>
+            </a:endParaRPr>
+          </a:p>
+        </p:txBody>
+      </p:sp>
+      <p:sp>
+        <p:nvSpPr>
+          <p:cNvPr id="116" name="TextShape 5"/>
+          <p:cNvSpPr txBox="1"/>
+          <p:nvPr/>
+        </p:nvSpPr>
+        <p:spPr>
+          <a:xfrm>
+            <a:off x="8640000" y="2232000"/>
+            <a:ext cx="3456000" cy="1114200"/>
+          </a:xfrm>
+          <a:prstGeom prst="rect">
+            <a:avLst/>
+          </a:prstGeom>
+          <a:noFill/>
+          <a:ln>
+            <a:noFill/>
+          </a:ln>
+        </p:spPr>
+        <p:txBody>
+          <a:bodyPr lIns="90000" rIns="90000" tIns="45000" bIns="45000"/>
+          <a:p>
+            <a:r>
+              <a:rPr b="0" lang="en-GB" sz="1800" spc="-1" strike="noStrike">
+                <a:latin typeface="Arial"/>
+              </a:rPr>
+              <a:t>Purchases:</a:t>
+            </a:r>
+            <a:endParaRPr b="0" lang="en-GB" sz="1800" spc="-1" strike="noStrike">
+              <a:latin typeface="Arial"/>
+            </a:endParaRPr>
+          </a:p>
+          <a:p>
+            <a:r>
+              <a:rPr b="0" lang="en-GB" sz="1800" spc="-1" strike="noStrike">
+                <a:latin typeface="Arial"/>
+              </a:rPr>
+              <a:t>– </a:t>
+            </a:r>
+            <a:r>
+              <a:rPr b="0" lang="en-GB" sz="1800" spc="-1" strike="noStrike">
+                <a:latin typeface="Arial"/>
+              </a:rPr>
+              <a:t>Raspberry Pi 3</a:t>
+            </a:r>
+            <a:endParaRPr b="0" lang="en-GB" sz="1800" spc="-1" strike="noStrike">
+              <a:latin typeface="Arial"/>
+            </a:endParaRPr>
+          </a:p>
+          <a:p>
+            <a:r>
+              <a:rPr b="0" lang="en-GB" sz="1800" spc="-1" strike="noStrike">
+                <a:latin typeface="Arial"/>
+              </a:rPr>
+              <a:t>– </a:t>
+            </a:r>
+            <a:r>
+              <a:rPr b="0" lang="en-GB" sz="1800" spc="-1" strike="noStrike">
+                <a:latin typeface="Arial"/>
+              </a:rPr>
+              <a:t>Power supply</a:t>
+            </a:r>
+            <a:endParaRPr b="0" lang="en-GB" sz="1800" spc="-1" strike="noStrike">
+              <a:latin typeface="Arial"/>
+            </a:endParaRPr>
+          </a:p>
+          <a:p>
+            <a:r>
+              <a:rPr b="0" lang="en-GB" sz="1800" spc="-1" strike="noStrike">
+                <a:latin typeface="Arial"/>
+              </a:rPr>
+              <a:t>– </a:t>
+            </a:r>
+            <a:r>
+              <a:rPr b="0" lang="en-GB" sz="1800" spc="-1" strike="noStrike">
+                <a:latin typeface="Arial"/>
+              </a:rPr>
+              <a:t>Arcade controls</a:t>
+            </a:r>
+            <a:endParaRPr b="0" lang="en-GB" sz="1800" spc="-1" strike="noStrike">
+              <a:latin typeface="Arial"/>
             </a:endParaRPr>
           </a:p>
         </p:txBody>
@@ -6258,14 +7684,14 @@
       </p:grpSpPr>
       <p:sp>
         <p:nvSpPr>
-          <p:cNvPr id="104" name="TextShape 1"/>
-          <p:cNvSpPr txBox="1"/>
+          <p:cNvPr id="117" name="CustomShape 1"/>
+          <p:cNvSpPr/>
           <p:nvPr/>
         </p:nvSpPr>
         <p:spPr>
           <a:xfrm>
-            <a:off x="1371600" y="1803240"/>
-            <a:ext cx="9448560" cy="1824840"/>
+            <a:off x="595080" y="1760400"/>
+            <a:ext cx="10943280" cy="1824480"/>
           </a:xfrm>
           <a:prstGeom prst="rect">
             <a:avLst/>
@@ -6275,8 +7701,14 @@
             <a:noFill/>
           </a:ln>
         </p:spPr>
-        <p:txBody>
-          <a:bodyPr anchor="b"/>
+        <p:style>
+          <a:lnRef idx="0"/>
+          <a:fillRef idx="0"/>
+          <a:effectRef idx="0"/>
+          <a:fontRef idx="minor"/>
+        </p:style>
+        <p:txBody>
+          <a:bodyPr lIns="90000" rIns="90000" tIns="45000" bIns="45000" anchor="b"/>
           <a:p>
             <a:pPr>
               <a:lnSpc>
@@ -6284,19 +7716,16 @@
               </a:lnSpc>
             </a:pPr>
             <a:r>
-              <a:rPr b="0" lang="en-US" sz="6000" spc="-1" strike="noStrike" cap="all">
-                <a:solidFill>
-                  <a:srgbClr val="ffffff"/>
-                </a:solidFill>
-                <a:latin typeface="Century Gothic"/>
-              </a:rPr>
-              <a:t>Game 2 – snake style</a:t>
-            </a:r>
-            <a:endParaRPr b="0" lang="en-US" sz="6000" spc="-1" strike="noStrike">
-              <a:solidFill>
-                <a:srgbClr val="ffffff"/>
-              </a:solidFill>
-              <a:latin typeface="Century Gothic"/>
+              <a:rPr b="0" lang="en-GB" sz="6000" spc="-1" strike="noStrike" cap="all">
+                <a:solidFill>
+                  <a:srgbClr val="ffffff"/>
+                </a:solidFill>
+                <a:latin typeface="Century Gothic"/>
+              </a:rPr>
+              <a:t>Game 1 – Flappy bird style</a:t>
+            </a:r>
+            <a:endParaRPr b="0" lang="en-GB" sz="6000" spc="-1" strike="noStrike">
+              <a:latin typeface="Arial"/>
             </a:endParaRPr>
           </a:p>
         </p:txBody>
@@ -6352,204 +7781,14 @@
       </p:grpSpPr>
       <p:sp>
         <p:nvSpPr>
-          <p:cNvPr id="105" name="TextShape 1"/>
-          <p:cNvSpPr txBox="1"/>
-          <p:nvPr/>
-        </p:nvSpPr>
-        <p:spPr>
-          <a:xfrm>
-            <a:off x="2895480" y="764280"/>
-            <a:ext cx="8610120" cy="1292760"/>
-          </a:xfrm>
-          <a:prstGeom prst="rect">
-            <a:avLst/>
-          </a:prstGeom>
-          <a:noFill/>
-          <a:ln>
-            <a:noFill/>
-          </a:ln>
-        </p:spPr>
-        <p:txBody>
-          <a:bodyPr anchor="ctr"/>
-          <a:p>
-            <a:pPr algn="r">
-              <a:lnSpc>
-                <a:spcPct val="90000"/>
-              </a:lnSpc>
-            </a:pPr>
-            <a:r>
-              <a:rPr b="0" lang="en-US" sz="4000" spc="-1" strike="noStrike" cap="all">
-                <a:solidFill>
-                  <a:srgbClr val="ffffff"/>
-                </a:solidFill>
-                <a:latin typeface="Century Gothic"/>
-              </a:rPr>
-              <a:t>Neural Network</a:t>
-            </a:r>
-            <a:endParaRPr b="0" lang="en-US" sz="4000" spc="-1" strike="noStrike">
-              <a:solidFill>
-                <a:srgbClr val="ffffff"/>
-              </a:solidFill>
-              <a:latin typeface="Century Gothic"/>
-            </a:endParaRPr>
-          </a:p>
-        </p:txBody>
-      </p:sp>
-      <p:sp>
-        <p:nvSpPr>
-          <p:cNvPr id="106" name="TextShape 2"/>
-          <p:cNvSpPr txBox="1"/>
-          <p:nvPr/>
-        </p:nvSpPr>
-        <p:spPr>
-          <a:xfrm>
-            <a:off x="685800" y="2194560"/>
-            <a:ext cx="4853520" cy="1493280"/>
-          </a:xfrm>
-          <a:prstGeom prst="rect">
-            <a:avLst/>
-          </a:prstGeom>
-          <a:noFill/>
-          <a:ln>
-            <a:noFill/>
-          </a:ln>
-        </p:spPr>
-        <p:txBody>
-          <a:bodyPr>
-            <a:normAutofit/>
-          </a:bodyPr>
-          <a:p>
-            <a:pPr marL="228600" indent="-228240">
-              <a:lnSpc>
-                <a:spcPct val="90000"/>
-              </a:lnSpc>
-              <a:spcBef>
-                <a:spcPts val="1001"/>
-              </a:spcBef>
-              <a:buClr>
-                <a:srgbClr val="ffffff"/>
-              </a:buClr>
-              <a:buFont typeface="Arial"/>
-              <a:buChar char="•"/>
-            </a:pPr>
-            <a:r>
-              <a:rPr b="0" lang="en-US" sz="2200" spc="-1" strike="noStrike">
-                <a:solidFill>
-                  <a:srgbClr val="ffffff"/>
-                </a:solidFill>
-                <a:latin typeface="Century Gothic"/>
-              </a:rPr>
-              <a:t>Convolutional Neural Networks</a:t>
-            </a:r>
-            <a:endParaRPr b="0" lang="en-US" sz="2200" spc="-1" strike="noStrike">
-              <a:solidFill>
-                <a:srgbClr val="ffffff"/>
-              </a:solidFill>
-              <a:latin typeface="Century Gothic"/>
-            </a:endParaRPr>
-          </a:p>
-          <a:p>
-            <a:pPr lvl="1" marL="685800" indent="-228240">
-              <a:lnSpc>
-                <a:spcPct val="90000"/>
-              </a:lnSpc>
-              <a:spcBef>
-                <a:spcPts val="499"/>
-              </a:spcBef>
-              <a:buClr>
-                <a:srgbClr val="ffffff"/>
-              </a:buClr>
-              <a:buFont typeface="Arial"/>
-              <a:buChar char="•"/>
-            </a:pPr>
-            <a:r>
-              <a:rPr b="0" lang="en-US" sz="2000" spc="-1" strike="noStrike">
-                <a:solidFill>
-                  <a:srgbClr val="ffffff"/>
-                </a:solidFill>
-                <a:latin typeface="Century Gothic"/>
-              </a:rPr>
-              <a:t>Python3 </a:t>
-            </a:r>
-            <a:endParaRPr b="0" lang="en-US" sz="2000" spc="-1" strike="noStrike">
-              <a:solidFill>
-                <a:srgbClr val="ffffff"/>
-              </a:solidFill>
-              <a:latin typeface="Century Gothic"/>
-            </a:endParaRPr>
-          </a:p>
-          <a:p>
-            <a:pPr lvl="1" marL="685800" indent="-228240">
-              <a:lnSpc>
-                <a:spcPct val="90000"/>
-              </a:lnSpc>
-              <a:spcBef>
-                <a:spcPts val="499"/>
-              </a:spcBef>
-              <a:buClr>
-                <a:srgbClr val="ffffff"/>
-              </a:buClr>
-              <a:buFont typeface="Arial"/>
-              <a:buChar char="•"/>
-            </a:pPr>
-            <a:r>
-              <a:rPr b="0" lang="en-US" sz="2000" spc="-1" strike="noStrike">
-                <a:solidFill>
-                  <a:srgbClr val="ffffff"/>
-                </a:solidFill>
-                <a:latin typeface="Century Gothic"/>
-              </a:rPr>
-              <a:t>Keras </a:t>
-            </a:r>
-            <a:endParaRPr b="0" lang="en-US" sz="2000" spc="-1" strike="noStrike">
-              <a:solidFill>
-                <a:srgbClr val="ffffff"/>
-              </a:solidFill>
-              <a:latin typeface="Century Gothic"/>
-            </a:endParaRPr>
-          </a:p>
-          <a:p>
-            <a:pPr lvl="1" marL="685800" indent="-228240">
-              <a:lnSpc>
-                <a:spcPct val="90000"/>
-              </a:lnSpc>
-              <a:spcBef>
-                <a:spcPts val="499"/>
-              </a:spcBef>
-              <a:buClr>
-                <a:srgbClr val="ffffff"/>
-              </a:buClr>
-              <a:buFont typeface="Arial"/>
-              <a:buChar char="•"/>
-            </a:pPr>
-            <a:r>
-              <a:rPr b="0" lang="en-US" sz="2000" spc="-1" strike="noStrike">
-                <a:solidFill>
-                  <a:srgbClr val="ffffff"/>
-                </a:solidFill>
-                <a:latin typeface="Century Gothic"/>
-              </a:rPr>
-              <a:t>TensorFlow</a:t>
-            </a:r>
-            <a:endParaRPr b="0" lang="en-US" sz="2000" spc="-1" strike="noStrike">
-              <a:solidFill>
-                <a:srgbClr val="ffffff"/>
-              </a:solidFill>
-              <a:latin typeface="Century Gothic"/>
-            </a:endParaRPr>
-          </a:p>
-        </p:txBody>
-      </p:sp>
-      <p:sp>
-        <p:nvSpPr>
-          <p:cNvPr id="107" name="CustomShape 3"/>
+          <p:cNvPr id="118" name="CustomShape 1"/>
           <p:cNvSpPr/>
           <p:nvPr/>
         </p:nvSpPr>
         <p:spPr>
           <a:xfrm>
-            <a:off x="684360" y="3883320"/>
-            <a:ext cx="4453920" cy="975600"/>
+            <a:off x="1371600" y="1803240"/>
+            <a:ext cx="9448200" cy="1824480"/>
           </a:xfrm>
           <a:prstGeom prst="rect">
             <a:avLst/>
@@ -6566,201 +7805,28 @@
           <a:fontRef idx="minor"/>
         </p:style>
         <p:txBody>
-          <a:bodyPr/>
-          <a:p>
-            <a:pPr marL="285840" indent="-285480">
-              <a:lnSpc>
-                <a:spcPct val="100000"/>
-              </a:lnSpc>
-              <a:buClr>
-                <a:srgbClr val="ffffff"/>
-              </a:buClr>
-              <a:buFont typeface="Arial"/>
-              <a:buChar char="•"/>
-            </a:pPr>
-            <a:r>
-              <a:rPr b="0" lang="en-GB" sz="2200" spc="-1" strike="noStrike">
-                <a:solidFill>
-                  <a:srgbClr val="ffffff"/>
-                </a:solidFill>
-                <a:latin typeface="Century Gothic"/>
-              </a:rPr>
-              <a:t>Diabetes predictor</a:t>
-            </a:r>
-            <a:endParaRPr b="0" lang="en-GB" sz="2200" spc="-1" strike="noStrike">
-              <a:latin typeface="Arial"/>
-            </a:endParaRPr>
-          </a:p>
-          <a:p>
-            <a:pPr lvl="1" marL="457200" indent="-285480">
-              <a:lnSpc>
-                <a:spcPct val="100000"/>
-              </a:lnSpc>
-              <a:buClr>
-                <a:srgbClr val="ffffff"/>
-              </a:buClr>
-              <a:buFont typeface="Arial"/>
-              <a:buChar char="•"/>
-            </a:pPr>
-            <a:r>
-              <a:rPr b="0" lang="en-GB" sz="1800" spc="-1" strike="noStrike">
-                <a:solidFill>
-                  <a:srgbClr val="ffffff"/>
-                </a:solidFill>
-                <a:latin typeface="Century Gothic"/>
-              </a:rPr>
-              <a:t>Accuracy 80.21%</a:t>
-            </a:r>
-            <a:endParaRPr b="0" lang="en-GB" sz="1800" spc="-1" strike="noStrike">
-              <a:latin typeface="Arial"/>
-            </a:endParaRPr>
-          </a:p>
-          <a:p>
-            <a:pPr>
-              <a:lnSpc>
-                <a:spcPct val="100000"/>
-              </a:lnSpc>
-            </a:pPr>
-            <a:endParaRPr b="0" lang="en-GB" sz="1800" spc="-1" strike="noStrike">
-              <a:latin typeface="Arial"/>
-            </a:endParaRPr>
-          </a:p>
-        </p:txBody>
-      </p:sp>
-      <p:sp>
-        <p:nvSpPr>
-          <p:cNvPr id="108" name="CustomShape 4"/>
-          <p:cNvSpPr/>
-          <p:nvPr/>
-        </p:nvSpPr>
-        <p:spPr>
-          <a:xfrm>
-            <a:off x="684360" y="5162760"/>
-            <a:ext cx="3893040" cy="1310760"/>
-          </a:xfrm>
-          <a:prstGeom prst="rect">
-            <a:avLst/>
-          </a:prstGeom>
-          <a:noFill/>
-          <a:ln>
-            <a:noFill/>
-          </a:ln>
-        </p:spPr>
-        <p:style>
-          <a:lnRef idx="0"/>
-          <a:fillRef idx="0"/>
-          <a:effectRef idx="0"/>
-          <a:fontRef idx="minor"/>
-        </p:style>
-        <p:txBody>
-          <a:bodyPr/>
-          <a:p>
-            <a:pPr marL="343080" indent="-342720">
-              <a:lnSpc>
-                <a:spcPct val="100000"/>
-              </a:lnSpc>
-              <a:buClr>
-                <a:srgbClr val="ffffff"/>
-              </a:buClr>
-              <a:buFont typeface="Arial"/>
-              <a:buChar char="•"/>
-            </a:pPr>
-            <a:r>
-              <a:rPr b="0" lang="en-GB" sz="2200" spc="-1" strike="noStrike">
-                <a:solidFill>
-                  <a:srgbClr val="ffffff"/>
-                </a:solidFill>
-                <a:latin typeface="Century Gothic"/>
-              </a:rPr>
-              <a:t>Image recognition</a:t>
-            </a:r>
-            <a:endParaRPr b="0" lang="en-GB" sz="2200" spc="-1" strike="noStrike">
-              <a:latin typeface="Arial"/>
-            </a:endParaRPr>
-          </a:p>
-          <a:p>
-            <a:pPr lvl="1" marL="457200" indent="-342720">
-              <a:lnSpc>
-                <a:spcPct val="100000"/>
-              </a:lnSpc>
-              <a:buClr>
-                <a:srgbClr val="ffffff"/>
-              </a:buClr>
-              <a:buFont typeface="Arial"/>
-              <a:buChar char="•"/>
-            </a:pPr>
-            <a:r>
-              <a:rPr b="0" lang="en-GB" sz="1800" spc="-1" strike="noStrike">
-                <a:solidFill>
-                  <a:srgbClr val="ffffff"/>
-                </a:solidFill>
-                <a:latin typeface="Century Gothic"/>
-              </a:rPr>
-              <a:t>Cats and Dogs</a:t>
-            </a:r>
-            <a:endParaRPr b="0" lang="en-GB" sz="1800" spc="-1" strike="noStrike">
-              <a:latin typeface="Arial"/>
-            </a:endParaRPr>
-          </a:p>
-          <a:p>
-            <a:pPr lvl="1" marL="457200" indent="-342720">
-              <a:lnSpc>
-                <a:spcPct val="100000"/>
-              </a:lnSpc>
-              <a:buClr>
-                <a:srgbClr val="ffffff"/>
-              </a:buClr>
-              <a:buFont typeface="Arial"/>
-              <a:buChar char="•"/>
-            </a:pPr>
-            <a:r>
-              <a:rPr b="0" lang="en-GB" sz="1800" spc="-1" strike="noStrike">
-                <a:solidFill>
-                  <a:srgbClr val="ffffff"/>
-                </a:solidFill>
-                <a:latin typeface="Century Gothic"/>
-              </a:rPr>
-              <a:t>Colour recognition </a:t>
-            </a:r>
-            <a:endParaRPr b="0" lang="en-GB" sz="1800" spc="-1" strike="noStrike">
-              <a:latin typeface="Arial"/>
-            </a:endParaRPr>
-          </a:p>
-          <a:p>
-            <a:pPr>
-              <a:lnSpc>
-                <a:spcPct val="100000"/>
-              </a:lnSpc>
-            </a:pPr>
-            <a:endParaRPr b="0" lang="en-GB" sz="1800" spc="-1" strike="noStrike">
-              <a:latin typeface="Arial"/>
-            </a:endParaRPr>
-          </a:p>
-        </p:txBody>
-      </p:sp>
-      <p:pic>
-        <p:nvPicPr>
-          <p:cNvPr id="109" name="Picture 6" descr=""/>
-          <p:cNvPicPr/>
-          <p:nvPr/>
-        </p:nvPicPr>
-        <p:blipFill>
-          <a:blip r:embed="rId1"/>
-          <a:stretch/>
-        </p:blipFill>
-        <p:spPr>
-          <a:xfrm>
-            <a:off x="7082280" y="2936880"/>
-            <a:ext cx="4065480" cy="2436480"/>
-          </a:xfrm>
-          <a:prstGeom prst="rect">
-            <a:avLst/>
-          </a:prstGeom>
-          <a:ln>
-            <a:noFill/>
-          </a:ln>
-        </p:spPr>
-      </p:pic>
+          <a:bodyPr lIns="90000" rIns="90000" tIns="45000" bIns="45000" anchor="b"/>
+          <a:p>
+            <a:pPr>
+              <a:lnSpc>
+                <a:spcPct val="90000"/>
+              </a:lnSpc>
+            </a:pPr>
+            <a:r>
+              <a:rPr b="0" lang="en-GB" sz="6000" spc="-1" strike="noStrike" cap="all">
+                <a:solidFill>
+                  <a:srgbClr val="ffffff"/>
+                </a:solidFill>
+                <a:latin typeface="Century Gothic"/>
+              </a:rPr>
+              <a:t>Game 2 – snake style</a:t>
+            </a:r>
+            <a:endParaRPr b="0" lang="en-GB" sz="6000" spc="-1" strike="noStrike">
+              <a:latin typeface="Arial"/>
+            </a:endParaRPr>
+          </a:p>
+        </p:txBody>
+      </p:sp>
     </p:spTree>
   </p:cSld>
   <p:timing>
@@ -6770,6 +7836,468 @@
           <p:childTnLst>
             <p:seq>
               <p:cTn id="16" dur="indefinite" nodeType="mainSeq"/>
+              <p:prevCondLst>
+                <p:cond delay="0" evt="onPrev">
+                  <p:tgtEl>
+                    <p:sldTgt/>
+                  </p:tgtEl>
+                </p:cond>
+              </p:prevCondLst>
+              <p:nextCondLst>
+                <p:cond delay="0" evt="onNext">
+                  <p:tgtEl>
+                    <p:sldTgt/>
+                  </p:tgtEl>
+                </p:cond>
+              </p:nextCondLst>
+            </p:seq>
+          </p:childTnLst>
+        </p:cTn>
+      </p:par>
+    </p:tnLst>
+  </p:timing>
+</p:sld>
+</file>
+
+<file path=ppt/slides/slide9.xml><?xml version="1.0" encoding="utf-8"?>
+<p:sld xmlns:a="http://schemas.openxmlformats.org/drawingml/2006/main" xmlns:p="http://schemas.openxmlformats.org/presentationml/2006/main" xmlns:r="http://schemas.openxmlformats.org/officeDocument/2006/relationships" xmlns:p14="http://schemas.microsoft.com/office/powerpoint/2010/main" xmlns:p15="http://schemas.microsoft.com/office/powerpoint/2012/main" xmlns:mc="http://schemas.openxmlformats.org/markup-compatibility/2006">
+  <p:cSld>
+    <p:spTree>
+      <p:nvGrpSpPr>
+        <p:cNvPr id="1" name=""/>
+        <p:cNvGrpSpPr/>
+        <p:nvPr/>
+      </p:nvGrpSpPr>
+      <p:grpSpPr>
+        <a:xfrm>
+          <a:off x="0" y="0"/>
+          <a:ext cx="0" cy="0"/>
+          <a:chOff x="0" y="0"/>
+          <a:chExt cx="0" cy="0"/>
+        </a:xfrm>
+      </p:grpSpPr>
+      <p:sp>
+        <p:nvSpPr>
+          <p:cNvPr id="119" name="CustomShape 1"/>
+          <p:cNvSpPr/>
+          <p:nvPr/>
+        </p:nvSpPr>
+        <p:spPr>
+          <a:xfrm>
+            <a:off x="2895480" y="764280"/>
+            <a:ext cx="8609760" cy="1292400"/>
+          </a:xfrm>
+          <a:prstGeom prst="rect">
+            <a:avLst/>
+          </a:prstGeom>
+          <a:noFill/>
+          <a:ln>
+            <a:noFill/>
+          </a:ln>
+        </p:spPr>
+        <p:style>
+          <a:lnRef idx="0"/>
+          <a:fillRef idx="0"/>
+          <a:effectRef idx="0"/>
+          <a:fontRef idx="minor"/>
+        </p:style>
+        <p:txBody>
+          <a:bodyPr lIns="90000" rIns="90000" tIns="45000" bIns="45000" anchor="ctr"/>
+          <a:p>
+            <a:pPr algn="r">
+              <a:lnSpc>
+                <a:spcPct val="90000"/>
+              </a:lnSpc>
+            </a:pPr>
+            <a:r>
+              <a:rPr b="0" lang="en-GB" sz="4000" spc="-1" strike="noStrike" cap="all">
+                <a:solidFill>
+                  <a:srgbClr val="ffffff"/>
+                </a:solidFill>
+                <a:latin typeface="Century Gothic"/>
+              </a:rPr>
+              <a:t>Neural Network</a:t>
+            </a:r>
+            <a:endParaRPr b="0" lang="en-GB" sz="4000" spc="-1" strike="noStrike">
+              <a:latin typeface="Arial"/>
+            </a:endParaRPr>
+          </a:p>
+        </p:txBody>
+      </p:sp>
+      <p:sp>
+        <p:nvSpPr>
+          <p:cNvPr id="120" name="CustomShape 2"/>
+          <p:cNvSpPr/>
+          <p:nvPr/>
+        </p:nvSpPr>
+        <p:spPr>
+          <a:xfrm>
+            <a:off x="685800" y="2194560"/>
+            <a:ext cx="4853160" cy="1492920"/>
+          </a:xfrm>
+          <a:prstGeom prst="rect">
+            <a:avLst/>
+          </a:prstGeom>
+          <a:noFill/>
+          <a:ln>
+            <a:noFill/>
+          </a:ln>
+        </p:spPr>
+        <p:style>
+          <a:lnRef idx="0"/>
+          <a:fillRef idx="0"/>
+          <a:effectRef idx="0"/>
+          <a:fontRef idx="minor"/>
+        </p:style>
+        <p:txBody>
+          <a:bodyPr lIns="90000" rIns="90000" tIns="45000" bIns="45000">
+            <a:normAutofit/>
+          </a:bodyPr>
+          <a:p>
+            <a:pPr marL="228600" indent="-227880">
+              <a:lnSpc>
+                <a:spcPct val="90000"/>
+              </a:lnSpc>
+              <a:spcBef>
+                <a:spcPts val="1001"/>
+              </a:spcBef>
+              <a:buClr>
+                <a:srgbClr val="ffffff"/>
+              </a:buClr>
+              <a:buFont typeface="Arial"/>
+              <a:buChar char="•"/>
+            </a:pPr>
+            <a:r>
+              <a:rPr b="0" lang="en-GB" sz="2200" spc="-1" strike="noStrike">
+                <a:solidFill>
+                  <a:srgbClr val="ffffff"/>
+                </a:solidFill>
+                <a:latin typeface="Century Gothic"/>
+              </a:rPr>
+              <a:t>Convolutional Neural Networks</a:t>
+            </a:r>
+            <a:endParaRPr b="0" lang="en-GB" sz="2200" spc="-1" strike="noStrike">
+              <a:latin typeface="Arial"/>
+            </a:endParaRPr>
+          </a:p>
+          <a:p>
+            <a:pPr lvl="1" marL="685800" indent="-227880">
+              <a:lnSpc>
+                <a:spcPct val="90000"/>
+              </a:lnSpc>
+              <a:spcBef>
+                <a:spcPts val="499"/>
+              </a:spcBef>
+              <a:buClr>
+                <a:srgbClr val="ffffff"/>
+              </a:buClr>
+              <a:buFont typeface="Arial"/>
+              <a:buChar char="•"/>
+            </a:pPr>
+            <a:r>
+              <a:rPr b="0" lang="en-GB" sz="2000" spc="-1" strike="noStrike">
+                <a:solidFill>
+                  <a:srgbClr val="ffffff"/>
+                </a:solidFill>
+                <a:latin typeface="Century Gothic"/>
+              </a:rPr>
+              <a:t>Python3 </a:t>
+            </a:r>
+            <a:endParaRPr b="0" lang="en-GB" sz="2000" spc="-1" strike="noStrike">
+              <a:latin typeface="Arial"/>
+            </a:endParaRPr>
+          </a:p>
+          <a:p>
+            <a:pPr lvl="1" marL="685800" indent="-227880">
+              <a:lnSpc>
+                <a:spcPct val="90000"/>
+              </a:lnSpc>
+              <a:spcBef>
+                <a:spcPts val="499"/>
+              </a:spcBef>
+              <a:buClr>
+                <a:srgbClr val="ffffff"/>
+              </a:buClr>
+              <a:buFont typeface="Arial"/>
+              <a:buChar char="•"/>
+            </a:pPr>
+            <a:r>
+              <a:rPr b="0" lang="en-GB" sz="2000" spc="-1" strike="noStrike">
+                <a:solidFill>
+                  <a:srgbClr val="ffffff"/>
+                </a:solidFill>
+                <a:latin typeface="Century Gothic"/>
+              </a:rPr>
+              <a:t>Keras </a:t>
+            </a:r>
+            <a:endParaRPr b="0" lang="en-GB" sz="2000" spc="-1" strike="noStrike">
+              <a:latin typeface="Arial"/>
+            </a:endParaRPr>
+          </a:p>
+          <a:p>
+            <a:pPr lvl="1" marL="685800" indent="-227880">
+              <a:lnSpc>
+                <a:spcPct val="90000"/>
+              </a:lnSpc>
+              <a:spcBef>
+                <a:spcPts val="499"/>
+              </a:spcBef>
+              <a:buClr>
+                <a:srgbClr val="ffffff"/>
+              </a:buClr>
+              <a:buFont typeface="Arial"/>
+              <a:buChar char="•"/>
+            </a:pPr>
+            <a:r>
+              <a:rPr b="0" lang="en-GB" sz="2000" spc="-1" strike="noStrike">
+                <a:solidFill>
+                  <a:srgbClr val="ffffff"/>
+                </a:solidFill>
+                <a:latin typeface="Century Gothic"/>
+              </a:rPr>
+              <a:t>TensorFlow</a:t>
+            </a:r>
+            <a:endParaRPr b="0" lang="en-GB" sz="2000" spc="-1" strike="noStrike">
+              <a:latin typeface="Arial"/>
+            </a:endParaRPr>
+          </a:p>
+        </p:txBody>
+      </p:sp>
+      <p:sp>
+        <p:nvSpPr>
+          <p:cNvPr id="121" name="CustomShape 3"/>
+          <p:cNvSpPr/>
+          <p:nvPr/>
+        </p:nvSpPr>
+        <p:spPr>
+          <a:xfrm>
+            <a:off x="684360" y="3883320"/>
+            <a:ext cx="4453560" cy="975240"/>
+          </a:xfrm>
+          <a:prstGeom prst="rect">
+            <a:avLst/>
+          </a:prstGeom>
+          <a:noFill/>
+          <a:ln>
+            <a:noFill/>
+          </a:ln>
+        </p:spPr>
+        <p:style>
+          <a:lnRef idx="0"/>
+          <a:fillRef idx="0"/>
+          <a:effectRef idx="0"/>
+          <a:fontRef idx="minor"/>
+        </p:style>
+        <p:txBody>
+          <a:bodyPr lIns="90000" rIns="90000" tIns="45000" bIns="45000"/>
+          <a:p>
+            <a:pPr marL="285840" indent="-285120">
+              <a:lnSpc>
+                <a:spcPct val="100000"/>
+              </a:lnSpc>
+              <a:buClr>
+                <a:srgbClr val="ffffff"/>
+              </a:buClr>
+              <a:buFont typeface="Arial"/>
+              <a:buChar char="•"/>
+            </a:pPr>
+            <a:r>
+              <a:rPr b="0" lang="en-GB" sz="2200" spc="-1" strike="noStrike">
+                <a:solidFill>
+                  <a:srgbClr val="ffffff"/>
+                </a:solidFill>
+                <a:latin typeface="Century Gothic"/>
+                <a:ea typeface="DejaVu Sans"/>
+              </a:rPr>
+              <a:t>Diabetes predictor</a:t>
+            </a:r>
+            <a:endParaRPr b="0" lang="en-GB" sz="2200" spc="-1" strike="noStrike">
+              <a:latin typeface="Arial"/>
+            </a:endParaRPr>
+          </a:p>
+          <a:p>
+            <a:pPr lvl="1" marL="457200" indent="-285120">
+              <a:lnSpc>
+                <a:spcPct val="100000"/>
+              </a:lnSpc>
+              <a:buClr>
+                <a:srgbClr val="ffffff"/>
+              </a:buClr>
+              <a:buFont typeface="Arial"/>
+              <a:buChar char="•"/>
+            </a:pPr>
+            <a:r>
+              <a:rPr b="0" lang="en-GB" sz="1800" spc="-1" strike="noStrike">
+                <a:solidFill>
+                  <a:srgbClr val="ffffff"/>
+                </a:solidFill>
+                <a:latin typeface="Century Gothic"/>
+                <a:ea typeface="DejaVu Sans"/>
+              </a:rPr>
+              <a:t>Accuracy 80.21%</a:t>
+            </a:r>
+            <a:endParaRPr b="0" lang="en-GB" sz="1800" spc="-1" strike="noStrike">
+              <a:latin typeface="Arial"/>
+            </a:endParaRPr>
+          </a:p>
+          <a:p>
+            <a:pPr>
+              <a:lnSpc>
+                <a:spcPct val="100000"/>
+              </a:lnSpc>
+            </a:pPr>
+            <a:endParaRPr b="0" lang="en-GB" sz="1800" spc="-1" strike="noStrike">
+              <a:latin typeface="Arial"/>
+            </a:endParaRPr>
+          </a:p>
+        </p:txBody>
+      </p:sp>
+      <p:sp>
+        <p:nvSpPr>
+          <p:cNvPr id="122" name="CustomShape 4"/>
+          <p:cNvSpPr/>
+          <p:nvPr/>
+        </p:nvSpPr>
+        <p:spPr>
+          <a:xfrm>
+            <a:off x="684360" y="5162760"/>
+            <a:ext cx="3892680" cy="1310400"/>
+          </a:xfrm>
+          <a:prstGeom prst="rect">
+            <a:avLst/>
+          </a:prstGeom>
+          <a:noFill/>
+          <a:ln>
+            <a:noFill/>
+          </a:ln>
+        </p:spPr>
+        <p:style>
+          <a:lnRef idx="0"/>
+          <a:fillRef idx="0"/>
+          <a:effectRef idx="0"/>
+          <a:fontRef idx="minor"/>
+        </p:style>
+        <p:txBody>
+          <a:bodyPr lIns="90000" rIns="90000" tIns="45000" bIns="45000"/>
+          <a:p>
+            <a:pPr marL="343080" indent="-342360">
+              <a:lnSpc>
+                <a:spcPct val="100000"/>
+              </a:lnSpc>
+              <a:buClr>
+                <a:srgbClr val="ffffff"/>
+              </a:buClr>
+              <a:buFont typeface="Arial"/>
+              <a:buChar char="•"/>
+            </a:pPr>
+            <a:r>
+              <a:rPr b="0" lang="en-GB" sz="2200" spc="-1" strike="noStrike">
+                <a:solidFill>
+                  <a:srgbClr val="ffffff"/>
+                </a:solidFill>
+                <a:latin typeface="Century Gothic"/>
+                <a:ea typeface="DejaVu Sans"/>
+              </a:rPr>
+              <a:t>Image recognition</a:t>
+            </a:r>
+            <a:endParaRPr b="0" lang="en-GB" sz="2200" spc="-1" strike="noStrike">
+              <a:latin typeface="Arial"/>
+            </a:endParaRPr>
+          </a:p>
+          <a:p>
+            <a:pPr lvl="1" marL="457200" indent="-342360">
+              <a:lnSpc>
+                <a:spcPct val="100000"/>
+              </a:lnSpc>
+              <a:buClr>
+                <a:srgbClr val="ffffff"/>
+              </a:buClr>
+              <a:buFont typeface="Arial"/>
+              <a:buChar char="•"/>
+            </a:pPr>
+            <a:r>
+              <a:rPr b="0" lang="en-GB" sz="1800" spc="-1" strike="noStrike">
+                <a:solidFill>
+                  <a:srgbClr val="ffffff"/>
+                </a:solidFill>
+                <a:latin typeface="Century Gothic"/>
+                <a:ea typeface="DejaVu Sans"/>
+              </a:rPr>
+              <a:t>Cats and Dogs</a:t>
+            </a:r>
+            <a:endParaRPr b="0" lang="en-GB" sz="1800" spc="-1" strike="noStrike">
+              <a:latin typeface="Arial"/>
+            </a:endParaRPr>
+          </a:p>
+          <a:p>
+            <a:pPr lvl="1" marL="457200" indent="-342360">
+              <a:lnSpc>
+                <a:spcPct val="100000"/>
+              </a:lnSpc>
+              <a:buClr>
+                <a:srgbClr val="ffffff"/>
+              </a:buClr>
+              <a:buFont typeface="Arial"/>
+              <a:buChar char="•"/>
+            </a:pPr>
+            <a:r>
+              <a:rPr b="0" lang="en-GB" sz="1800" spc="-1" strike="noStrike">
+                <a:solidFill>
+                  <a:srgbClr val="ffffff"/>
+                </a:solidFill>
+                <a:latin typeface="Century Gothic"/>
+                <a:ea typeface="DejaVu Sans"/>
+              </a:rPr>
+              <a:t>Colour recognition </a:t>
+            </a:r>
+            <a:endParaRPr b="0" lang="en-GB" sz="1800" spc="-1" strike="noStrike">
+              <a:latin typeface="Arial"/>
+            </a:endParaRPr>
+          </a:p>
+          <a:p>
+            <a:pPr>
+              <a:lnSpc>
+                <a:spcPct val="100000"/>
+              </a:lnSpc>
+            </a:pPr>
+            <a:endParaRPr b="0" lang="en-GB" sz="1800" spc="-1" strike="noStrike">
+              <a:latin typeface="Arial"/>
+            </a:endParaRPr>
+          </a:p>
+        </p:txBody>
+      </p:sp>
+      <p:pic>
+        <p:nvPicPr>
+          <p:cNvPr id="123" name="Picture 6" descr=""/>
+          <p:cNvPicPr/>
+          <p:nvPr/>
+        </p:nvPicPr>
+        <p:blipFill>
+          <a:blip r:embed="rId1"/>
+          <a:stretch/>
+        </p:blipFill>
+        <p:spPr>
+          <a:xfrm>
+            <a:off x="7082280" y="2936880"/>
+            <a:ext cx="4065120" cy="2436120"/>
+          </a:xfrm>
+          <a:prstGeom prst="rect">
+            <a:avLst/>
+          </a:prstGeom>
+          <a:ln>
+            <a:noFill/>
+          </a:ln>
+        </p:spPr>
+      </p:pic>
+    </p:spTree>
+  </p:cSld>
+  <p:timing>
+    <p:tnLst>
+      <p:par>
+        <p:cTn id="17" dur="indefinite" restart="never" nodeType="tmRoot">
+          <p:childTnLst>
+            <p:seq>
+              <p:cTn id="18" dur="indefinite" nodeType="mainSeq"/>
               <p:prevCondLst>
                 <p:cond delay="0" evt="onPrev">
                   <p:tgtEl>

--- a/CustomerFiles/Demo_Docs/demo1_test.pptx
+++ b/CustomerFiles/Demo_Docs/demo1_test.pptx
@@ -2722,7 +2722,7 @@
         <p:spPr>
           <a:xfrm>
             <a:off x="0" y="0"/>
-            <a:ext cx="12191400" cy="1440720"/>
+            <a:ext cx="12191040" cy="1440360"/>
           </a:xfrm>
           <a:prstGeom prst="rect">
             <a:avLst/>
@@ -2745,7 +2745,7 @@
         <p:spPr>
           <a:xfrm>
             <a:off x="0" y="4375080"/>
-            <a:ext cx="12191400" cy="2482200"/>
+            <a:ext cx="12191040" cy="2481840"/>
           </a:xfrm>
           <a:prstGeom prst="rect">
             <a:avLst/>
@@ -2767,8 +2767,8 @@
         </p:nvSpPr>
         <p:spPr>
           <a:xfrm>
-            <a:off x="2895480" y="764280"/>
-            <a:ext cx="8609760" cy="1292400"/>
+            <a:off x="609480" y="273600"/>
+            <a:ext cx="10972080" cy="1144440"/>
           </a:xfrm>
           <a:prstGeom prst="rect">
             <a:avLst/>
@@ -2781,7 +2781,199 @@
               <a:rPr b="0" lang="en-GB" sz="1800" spc="-1" strike="noStrike">
                 <a:latin typeface="Arial"/>
               </a:rPr>
-              <a:t>Click to edit the title text format</a:t>
+              <a:t>C</a:t>
+            </a:r>
+            <a:r>
+              <a:rPr b="0" lang="en-GB" sz="1800" spc="-1" strike="noStrike">
+                <a:latin typeface="Arial"/>
+              </a:rPr>
+              <a:t>l</a:t>
+            </a:r>
+            <a:r>
+              <a:rPr b="0" lang="en-GB" sz="1800" spc="-1" strike="noStrike">
+                <a:latin typeface="Arial"/>
+              </a:rPr>
+              <a:t>i</a:t>
+            </a:r>
+            <a:r>
+              <a:rPr b="0" lang="en-GB" sz="1800" spc="-1" strike="noStrike">
+                <a:latin typeface="Arial"/>
+              </a:rPr>
+              <a:t>c</a:t>
+            </a:r>
+            <a:r>
+              <a:rPr b="0" lang="en-GB" sz="1800" spc="-1" strike="noStrike">
+                <a:latin typeface="Arial"/>
+              </a:rPr>
+              <a:t>k</a:t>
+            </a:r>
+            <a:r>
+              <a:rPr b="0" lang="en-GB" sz="1800" spc="-1" strike="noStrike">
+                <a:latin typeface="Arial"/>
+              </a:rPr>
+              <a:t> </a:t>
+            </a:r>
+            <a:r>
+              <a:rPr b="0" lang="en-GB" sz="1800" spc="-1" strike="noStrike">
+                <a:latin typeface="Arial"/>
+              </a:rPr>
+              <a:t>t</a:t>
+            </a:r>
+            <a:r>
+              <a:rPr b="0" lang="en-GB" sz="1800" spc="-1" strike="noStrike">
+                <a:latin typeface="Arial"/>
+              </a:rPr>
+              <a:t>o</a:t>
+            </a:r>
+            <a:r>
+              <a:rPr b="0" lang="en-GB" sz="1800" spc="-1" strike="noStrike">
+                <a:latin typeface="Arial"/>
+              </a:rPr>
+              <a:t> </a:t>
+            </a:r>
+            <a:r>
+              <a:rPr b="0" lang="en-GB" sz="1800" spc="-1" strike="noStrike">
+                <a:latin typeface="Arial"/>
+              </a:rPr>
+              <a:t>e</a:t>
+            </a:r>
+            <a:r>
+              <a:rPr b="0" lang="en-GB" sz="1800" spc="-1" strike="noStrike">
+                <a:latin typeface="Arial"/>
+              </a:rPr>
+              <a:t>d</a:t>
+            </a:r>
+            <a:r>
+              <a:rPr b="0" lang="en-GB" sz="1800" spc="-1" strike="noStrike">
+                <a:latin typeface="Arial"/>
+              </a:rPr>
+              <a:t>i</a:t>
+            </a:r>
+            <a:r>
+              <a:rPr b="0" lang="en-GB" sz="1800" spc="-1" strike="noStrike">
+                <a:latin typeface="Arial"/>
+              </a:rPr>
+              <a:t>t </a:t>
+            </a:r>
+            <a:r>
+              <a:rPr b="0" lang="en-GB" sz="1800" spc="-1" strike="noStrike">
+                <a:latin typeface="Arial"/>
+              </a:rPr>
+              <a:t>t</a:t>
+            </a:r>
+            <a:r>
+              <a:rPr b="0" lang="en-GB" sz="1800" spc="-1" strike="noStrike">
+                <a:latin typeface="Arial"/>
+              </a:rPr>
+              <a:t>h</a:t>
+            </a:r>
+            <a:r>
+              <a:rPr b="0" lang="en-GB" sz="1800" spc="-1" strike="noStrike">
+                <a:latin typeface="Arial"/>
+              </a:rPr>
+              <a:t>e</a:t>
+            </a:r>
+            <a:r>
+              <a:rPr b="0" lang="en-GB" sz="1800" spc="-1" strike="noStrike">
+                <a:latin typeface="Arial"/>
+              </a:rPr>
+              <a:t> </a:t>
+            </a:r>
+            <a:r>
+              <a:rPr b="0" lang="en-GB" sz="1800" spc="-1" strike="noStrike">
+                <a:latin typeface="Arial"/>
+              </a:rPr>
+              <a:t>t</a:t>
+            </a:r>
+            <a:r>
+              <a:rPr b="0" lang="en-GB" sz="1800" spc="-1" strike="noStrike">
+                <a:latin typeface="Arial"/>
+              </a:rPr>
+              <a:t>i</a:t>
+            </a:r>
+            <a:r>
+              <a:rPr b="0" lang="en-GB" sz="1800" spc="-1" strike="noStrike">
+                <a:latin typeface="Arial"/>
+              </a:rPr>
+              <a:t>t</a:t>
+            </a:r>
+            <a:r>
+              <a:rPr b="0" lang="en-GB" sz="1800" spc="-1" strike="noStrike">
+                <a:latin typeface="Arial"/>
+              </a:rPr>
+              <a:t>l</a:t>
+            </a:r>
+            <a:r>
+              <a:rPr b="0" lang="en-GB" sz="1800" spc="-1" strike="noStrike">
+                <a:latin typeface="Arial"/>
+              </a:rPr>
+              <a:t>e</a:t>
+            </a:r>
+            <a:r>
+              <a:rPr b="0" lang="en-GB" sz="1800" spc="-1" strike="noStrike">
+                <a:latin typeface="Arial"/>
+              </a:rPr>
+              <a:t> </a:t>
+            </a:r>
+            <a:r>
+              <a:rPr b="0" lang="en-GB" sz="1800" spc="-1" strike="noStrike">
+                <a:latin typeface="Arial"/>
+              </a:rPr>
+              <a:t>t</a:t>
+            </a:r>
+            <a:r>
+              <a:rPr b="0" lang="en-GB" sz="1800" spc="-1" strike="noStrike">
+                <a:latin typeface="Arial"/>
+              </a:rPr>
+              <a:t>e</a:t>
+            </a:r>
+            <a:r>
+              <a:rPr b="0" lang="en-GB" sz="1800" spc="-1" strike="noStrike">
+                <a:latin typeface="Arial"/>
+              </a:rPr>
+              <a:t>x</a:t>
+            </a:r>
+            <a:r>
+              <a:rPr b="0" lang="en-GB" sz="1800" spc="-1" strike="noStrike">
+                <a:latin typeface="Arial"/>
+              </a:rPr>
+              <a:t>t </a:t>
+            </a:r>
+            <a:r>
+              <a:rPr b="0" lang="en-GB" sz="1800" spc="-1" strike="noStrike">
+                <a:latin typeface="Arial"/>
+              </a:rPr>
+              <a:t>f</a:t>
+            </a:r>
+            <a:r>
+              <a:rPr b="0" lang="en-GB" sz="1800" spc="-1" strike="noStrike">
+                <a:latin typeface="Arial"/>
+              </a:rPr>
+              <a:t>o</a:t>
+            </a:r>
+            <a:r>
+              <a:rPr b="0" lang="en-GB" sz="1800" spc="-1" strike="noStrike">
+                <a:latin typeface="Arial"/>
+              </a:rPr>
+              <a:t>r</a:t>
+            </a:r>
+            <a:r>
+              <a:rPr b="0" lang="en-GB" sz="1800" spc="-1" strike="noStrike">
+                <a:latin typeface="Arial"/>
+              </a:rPr>
+              <a:t>m</a:t>
+            </a:r>
+            <a:r>
+              <a:rPr b="0" lang="en-GB" sz="1800" spc="-1" strike="noStrike">
+                <a:latin typeface="Arial"/>
+              </a:rPr>
+              <a:t>a</a:t>
+            </a:r>
+            <a:r>
+              <a:rPr b="0" lang="en-GB" sz="1800" spc="-1" strike="noStrike">
+                <a:latin typeface="Arial"/>
+              </a:rPr>
+              <a:t>t</a:t>
             </a:r>
             <a:endParaRPr b="0" lang="en-GB" sz="1800" spc="-1" strike="noStrike">
               <a:latin typeface="Arial"/>
@@ -2802,7 +2994,7 @@
         <p:spPr>
           <a:xfrm>
             <a:off x="609480" y="1604520"/>
-            <a:ext cx="10972440" cy="3977280"/>
+            <a:ext cx="10972080" cy="3976920"/>
           </a:xfrm>
           <a:prstGeom prst="rect">
             <a:avLst/>
@@ -2825,12 +3017,12 @@
               <a:buChar char=""/>
             </a:pPr>
             <a:r>
-              <a:rPr b="0" lang="en-GB" sz="3200" spc="-1" strike="noStrike">
+              <a:rPr b="0" lang="en-GB" sz="1800" spc="-1" strike="noStrike">
                 <a:latin typeface="Arial"/>
               </a:rPr>
               <a:t>Click to edit the outline text format</a:t>
             </a:r>
-            <a:endParaRPr b="0" lang="en-GB" sz="3200" spc="-1" strike="noStrike">
+            <a:endParaRPr b="0" lang="en-GB" sz="1800" spc="-1" strike="noStrike">
               <a:latin typeface="Arial"/>
             </a:endParaRPr>
           </a:p>
@@ -2847,12 +3039,12 @@
               <a:buChar char=""/>
             </a:pPr>
             <a:r>
-              <a:rPr b="0" lang="en-GB" sz="2800" spc="-1" strike="noStrike">
+              <a:rPr b="0" lang="en-GB" sz="1800" spc="-1" strike="noStrike">
                 <a:latin typeface="Arial"/>
               </a:rPr>
               <a:t>Second Outline Level</a:t>
             </a:r>
-            <a:endParaRPr b="0" lang="en-GB" sz="2800" spc="-1" strike="noStrike">
+            <a:endParaRPr b="0" lang="en-GB" sz="1800" spc="-1" strike="noStrike">
               <a:latin typeface="Arial"/>
             </a:endParaRPr>
           </a:p>
@@ -2869,12 +3061,12 @@
               <a:buChar char=""/>
             </a:pPr>
             <a:r>
-              <a:rPr b="0" lang="en-GB" sz="2400" spc="-1" strike="noStrike">
+              <a:rPr b="0" lang="en-GB" sz="1800" spc="-1" strike="noStrike">
                 <a:latin typeface="Arial"/>
               </a:rPr>
               <a:t>Third Outline Level</a:t>
             </a:r>
-            <a:endParaRPr b="0" lang="en-GB" sz="2400" spc="-1" strike="noStrike">
+            <a:endParaRPr b="0" lang="en-GB" sz="1800" spc="-1" strike="noStrike">
               <a:latin typeface="Arial"/>
             </a:endParaRPr>
           </a:p>
@@ -2891,12 +3083,12 @@
               <a:buChar char=""/>
             </a:pPr>
             <a:r>
-              <a:rPr b="0" lang="en-GB" sz="2000" spc="-1" strike="noStrike">
+              <a:rPr b="0" lang="en-GB" sz="1800" spc="-1" strike="noStrike">
                 <a:latin typeface="Arial"/>
               </a:rPr>
               <a:t>Fourth Outline Level</a:t>
             </a:r>
-            <a:endParaRPr b="0" lang="en-GB" sz="2000" spc="-1" strike="noStrike">
+            <a:endParaRPr b="0" lang="en-GB" sz="1800" spc="-1" strike="noStrike">
               <a:latin typeface="Arial"/>
             </a:endParaRPr>
           </a:p>
@@ -2913,12 +3105,12 @@
               <a:buChar char=""/>
             </a:pPr>
             <a:r>
-              <a:rPr b="0" lang="en-GB" sz="2000" spc="-1" strike="noStrike">
+              <a:rPr b="0" lang="en-GB" sz="1800" spc="-1" strike="noStrike">
                 <a:latin typeface="Arial"/>
               </a:rPr>
               <a:t>Fifth Outline Level</a:t>
             </a:r>
-            <a:endParaRPr b="0" lang="en-GB" sz="2000" spc="-1" strike="noStrike">
+            <a:endParaRPr b="0" lang="en-GB" sz="1800" spc="-1" strike="noStrike">
               <a:latin typeface="Arial"/>
             </a:endParaRPr>
           </a:p>
@@ -2935,12 +3127,12 @@
               <a:buChar char=""/>
             </a:pPr>
             <a:r>
-              <a:rPr b="0" lang="en-GB" sz="2000" spc="-1" strike="noStrike">
+              <a:rPr b="0" lang="en-GB" sz="1800" spc="-1" strike="noStrike">
                 <a:latin typeface="Arial"/>
               </a:rPr>
               <a:t>Sixth Outline Level</a:t>
             </a:r>
-            <a:endParaRPr b="0" lang="en-GB" sz="2000" spc="-1" strike="noStrike">
+            <a:endParaRPr b="0" lang="en-GB" sz="1800" spc="-1" strike="noStrike">
               <a:latin typeface="Arial"/>
             </a:endParaRPr>
           </a:p>
@@ -2957,12 +3149,12 @@
               <a:buChar char=""/>
             </a:pPr>
             <a:r>
-              <a:rPr b="0" lang="en-GB" sz="2000" spc="-1" strike="noStrike">
+              <a:rPr b="0" lang="en-GB" sz="1800" spc="-1" strike="noStrike">
                 <a:latin typeface="Arial"/>
               </a:rPr>
               <a:t>Seventh Outline Level</a:t>
             </a:r>
-            <a:endParaRPr b="0" lang="en-GB" sz="2000" spc="-1" strike="noStrike">
+            <a:endParaRPr b="0" lang="en-GB" sz="1800" spc="-1" strike="noStrike">
               <a:latin typeface="Arial"/>
             </a:endParaRPr>
           </a:p>
@@ -3025,7 +3217,7 @@
         <p:spPr>
           <a:xfrm>
             <a:off x="0" y="0"/>
-            <a:ext cx="12191400" cy="1440720"/>
+            <a:ext cx="12191040" cy="1440360"/>
           </a:xfrm>
           <a:prstGeom prst="rect">
             <a:avLst/>
@@ -3062,211 +3254,7 @@
               <a:rPr b="0" lang="en-GB" sz="4400" spc="-1" strike="noStrike">
                 <a:latin typeface="Arial"/>
               </a:rPr>
-              <a:t>C</a:t>
-            </a:r>
-            <a:r>
-              <a:rPr b="0" lang="en-GB" sz="4400" spc="-1" strike="noStrike">
-                <a:latin typeface="Arial"/>
-              </a:rPr>
-              <a:t>l</a:t>
-            </a:r>
-            <a:r>
-              <a:rPr b="0" lang="en-GB" sz="4400" spc="-1" strike="noStrike">
-                <a:latin typeface="Arial"/>
-              </a:rPr>
-              <a:t>i</a:t>
-            </a:r>
-            <a:r>
-              <a:rPr b="0" lang="en-GB" sz="4400" spc="-1" strike="noStrike">
-                <a:latin typeface="Arial"/>
-              </a:rPr>
-              <a:t>c</a:t>
-            </a:r>
-            <a:r>
-              <a:rPr b="0" lang="en-GB" sz="4400" spc="-1" strike="noStrike">
-                <a:latin typeface="Arial"/>
-              </a:rPr>
-              <a:t>k</a:t>
-            </a:r>
-            <a:r>
-              <a:rPr b="0" lang="en-GB" sz="4400" spc="-1" strike="noStrike">
-                <a:latin typeface="Arial"/>
-              </a:rPr>
-              <a:t> </a:t>
-            </a:r>
-            <a:r>
-              <a:rPr b="0" lang="en-GB" sz="4400" spc="-1" strike="noStrike">
-                <a:latin typeface="Arial"/>
-              </a:rPr>
-              <a:t>t</a:t>
-            </a:r>
-            <a:r>
-              <a:rPr b="0" lang="en-GB" sz="4400" spc="-1" strike="noStrike">
-                <a:latin typeface="Arial"/>
-              </a:rPr>
-              <a:t>o</a:t>
-            </a:r>
-            <a:r>
-              <a:rPr b="0" lang="en-GB" sz="4400" spc="-1" strike="noStrike">
-                <a:latin typeface="Arial"/>
-              </a:rPr>
-              <a:t> </a:t>
-            </a:r>
-            <a:r>
-              <a:rPr b="0" lang="en-GB" sz="4400" spc="-1" strike="noStrike">
-                <a:latin typeface="Arial"/>
-              </a:rPr>
-              <a:t>e</a:t>
-            </a:r>
-            <a:r>
-              <a:rPr b="0" lang="en-GB" sz="4400" spc="-1" strike="noStrike">
-                <a:latin typeface="Arial"/>
-              </a:rPr>
-              <a:t>d</a:t>
-            </a:r>
-            <a:r>
-              <a:rPr b="0" lang="en-GB" sz="4400" spc="-1" strike="noStrike">
-                <a:latin typeface="Arial"/>
-              </a:rPr>
-              <a:t>i</a:t>
-            </a:r>
-            <a:r>
-              <a:rPr b="0" lang="en-GB" sz="4400" spc="-1" strike="noStrike">
-                <a:latin typeface="Arial"/>
-              </a:rPr>
-              <a:t>t</a:t>
-            </a:r>
-            <a:r>
-              <a:rPr b="0" lang="en-GB" sz="4400" spc="-1" strike="noStrike">
-                <a:latin typeface="Arial"/>
-              </a:rPr>
-              <a:t> </a:t>
-            </a:r>
-            <a:r>
-              <a:rPr b="0" lang="en-GB" sz="4400" spc="-1" strike="noStrike">
-                <a:latin typeface="Arial"/>
-              </a:rPr>
-              <a:t>t</a:t>
-            </a:r>
-            <a:r>
-              <a:rPr b="0" lang="en-GB" sz="4400" spc="-1" strike="noStrike">
-                <a:latin typeface="Arial"/>
-              </a:rPr>
-              <a:t>h</a:t>
-            </a:r>
-            <a:r>
-              <a:rPr b="0" lang="en-GB" sz="4400" spc="-1" strike="noStrike">
-                <a:latin typeface="Arial"/>
-              </a:rPr>
-              <a:t>e</a:t>
-            </a:r>
-            <a:r>
-              <a:rPr b="0" lang="en-GB" sz="4400" spc="-1" strike="noStrike">
-                <a:latin typeface="Arial"/>
-              </a:rPr>
-              <a:t> </a:t>
-            </a:r>
-            <a:r>
-              <a:rPr b="0" lang="en-GB" sz="4400" spc="-1" strike="noStrike">
-                <a:latin typeface="Arial"/>
-              </a:rPr>
-              <a:t>t</a:t>
-            </a:r>
-            <a:r>
-              <a:rPr b="0" lang="en-GB" sz="4400" spc="-1" strike="noStrike">
-                <a:latin typeface="Arial"/>
-              </a:rPr>
-              <a:t>i</a:t>
-            </a:r>
-            <a:r>
-              <a:rPr b="0" lang="en-GB" sz="4400" spc="-1" strike="noStrike">
-                <a:latin typeface="Arial"/>
-              </a:rPr>
-              <a:t>t</a:t>
-            </a:r>
-            <a:r>
-              <a:rPr b="0" lang="en-GB" sz="4400" spc="-1" strike="noStrike">
-                <a:latin typeface="Arial"/>
-              </a:rPr>
-              <a:t>l</a:t>
-            </a:r>
-            <a:r>
-              <a:rPr b="0" lang="en-GB" sz="4400" spc="-1" strike="noStrike">
-                <a:latin typeface="Arial"/>
-              </a:rPr>
-              <a:t>e</a:t>
-            </a:r>
-            <a:r>
-              <a:rPr b="0" lang="en-GB" sz="4400" spc="-1" strike="noStrike">
-                <a:latin typeface="Arial"/>
-              </a:rPr>
-              <a:t> </a:t>
-            </a:r>
-            <a:r>
-              <a:rPr b="0" lang="en-GB" sz="4400" spc="-1" strike="noStrike">
-                <a:latin typeface="Arial"/>
-              </a:rPr>
-              <a:t>t</a:t>
-            </a:r>
-            <a:r>
-              <a:rPr b="0" lang="en-GB" sz="4400" spc="-1" strike="noStrike">
-                <a:latin typeface="Arial"/>
-              </a:rPr>
-              <a:t>e</a:t>
-            </a:r>
-            <a:r>
-              <a:rPr b="0" lang="en-GB" sz="4400" spc="-1" strike="noStrike">
-                <a:latin typeface="Arial"/>
-              </a:rPr>
-              <a:t>x</a:t>
-            </a:r>
-            <a:r>
-              <a:rPr b="0" lang="en-GB" sz="4400" spc="-1" strike="noStrike">
-                <a:latin typeface="Arial"/>
-              </a:rPr>
-              <a:t>t</a:t>
-            </a:r>
-            <a:r>
-              <a:rPr b="0" lang="en-GB" sz="4400" spc="-1" strike="noStrike">
-                <a:latin typeface="Arial"/>
-              </a:rPr>
-              <a:t> </a:t>
-            </a:r>
-            <a:r>
-              <a:rPr b="0" lang="en-GB" sz="4400" spc="-1" strike="noStrike">
-                <a:latin typeface="Arial"/>
-              </a:rPr>
-              <a:t>f</a:t>
-            </a:r>
-            <a:r>
-              <a:rPr b="0" lang="en-GB" sz="4400" spc="-1" strike="noStrike">
-                <a:latin typeface="Arial"/>
-              </a:rPr>
-              <a:t>o</a:t>
-            </a:r>
-            <a:r>
-              <a:rPr b="0" lang="en-GB" sz="4400" spc="-1" strike="noStrike">
-                <a:latin typeface="Arial"/>
-              </a:rPr>
-              <a:t>r</a:t>
-            </a:r>
-            <a:r>
-              <a:rPr b="0" lang="en-GB" sz="4400" spc="-1" strike="noStrike">
-                <a:latin typeface="Arial"/>
-              </a:rPr>
-              <a:t>m</a:t>
-            </a:r>
-            <a:r>
-              <a:rPr b="0" lang="en-GB" sz="4400" spc="-1" strike="noStrike">
-                <a:latin typeface="Arial"/>
-              </a:rPr>
-              <a:t>a</a:t>
-            </a:r>
-            <a:r>
-              <a:rPr b="0" lang="en-GB" sz="4400" spc="-1" strike="noStrike">
-                <a:latin typeface="Arial"/>
-              </a:rPr>
-              <a:t>t</a:t>
+              <a:t>Click to edit the title text format</a:t>
             </a:r>
             <a:endParaRPr b="0" lang="en-GB" sz="4400" spc="-1" strike="noStrike">
               <a:latin typeface="Arial"/>
@@ -3499,7 +3487,7 @@
         <p:spPr>
           <a:xfrm>
             <a:off x="1371600" y="1803240"/>
-            <a:ext cx="9448200" cy="1824480"/>
+            <a:ext cx="9447840" cy="1824120"/>
           </a:xfrm>
           <a:prstGeom prst="rect">
             <a:avLst/>
@@ -3529,6 +3517,7 @@
                   <a:srgbClr val="ffffff"/>
                 </a:solidFill>
                 <a:latin typeface="Century Gothic"/>
+                <a:ea typeface="DejaVu Sans"/>
               </a:rPr>
               <a:t>ESE3 – Arcade game</a:t>
             </a:r>
@@ -3547,7 +3536,7 @@
         <p:spPr>
           <a:xfrm>
             <a:off x="1371600" y="3632040"/>
-            <a:ext cx="9448200" cy="685080"/>
+            <a:ext cx="9447840" cy="684720"/>
           </a:xfrm>
           <a:prstGeom prst="rect">
             <a:avLst/>
@@ -3582,6 +3571,7 @@
                   <a:srgbClr val="ffffff"/>
                 </a:solidFill>
                 <a:latin typeface="Century Gothic"/>
+                <a:ea typeface="DejaVu Sans"/>
               </a:rPr>
               <a:t>Demo 1 – 14/11/2018</a:t>
             </a:r>
@@ -3649,7 +3639,7 @@
         <p:spPr>
           <a:xfrm>
             <a:off x="2895480" y="764280"/>
-            <a:ext cx="8609760" cy="1292400"/>
+            <a:ext cx="8609400" cy="1292040"/>
           </a:xfrm>
           <a:prstGeom prst="rect">
             <a:avLst/>
@@ -3679,6 +3669,7 @@
                   <a:srgbClr val="ffffff"/>
                 </a:solidFill>
                 <a:latin typeface="Century Gothic"/>
+                <a:ea typeface="DejaVu Sans"/>
               </a:rPr>
               <a:t>Original goals</a:t>
             </a:r>
@@ -3697,7 +3688,7 @@
         <p:spPr>
           <a:xfrm>
             <a:off x="412560" y="2697840"/>
-            <a:ext cx="4579920" cy="1996200"/>
+            <a:ext cx="4579560" cy="1995840"/>
           </a:xfrm>
           <a:prstGeom prst="rect">
             <a:avLst/>
@@ -3718,7 +3709,7 @@
             <a:normAutofit/>
           </a:bodyPr>
           <a:p>
-            <a:pPr marL="228600" indent="-227880">
+            <a:pPr marL="228600" indent="-227520">
               <a:lnSpc>
                 <a:spcPct val="90000"/>
               </a:lnSpc>
@@ -3737,6 +3728,7 @@
                   <a:srgbClr val="ffffff"/>
                 </a:solidFill>
                 <a:latin typeface="Century Gothic"/>
+                <a:ea typeface="DejaVu Sans"/>
               </a:rPr>
               <a:t>Requirements Gathering</a:t>
             </a:r>
@@ -3745,7 +3737,7 @@
             </a:endParaRPr>
           </a:p>
           <a:p>
-            <a:pPr lvl="1" marL="685800" indent="-227880">
+            <a:pPr lvl="1" marL="685800" indent="-227520">
               <a:lnSpc>
                 <a:spcPct val="90000"/>
               </a:lnSpc>
@@ -3764,6 +3756,7 @@
                   <a:srgbClr val="ffffff"/>
                 </a:solidFill>
                 <a:latin typeface="Century Gothic"/>
+                <a:ea typeface="DejaVu Sans"/>
               </a:rPr>
               <a:t>Functional requirements</a:t>
             </a:r>
@@ -3772,7 +3765,7 @@
             </a:endParaRPr>
           </a:p>
           <a:p>
-            <a:pPr lvl="1" marL="685800" indent="-227880">
+            <a:pPr lvl="1" marL="685800" indent="-227520">
               <a:lnSpc>
                 <a:spcPct val="90000"/>
               </a:lnSpc>
@@ -3791,6 +3784,7 @@
                   <a:srgbClr val="ffffff"/>
                 </a:solidFill>
                 <a:latin typeface="Century Gothic"/>
+                <a:ea typeface="DejaVu Sans"/>
               </a:rPr>
               <a:t>Non functional requirements</a:t>
             </a:r>
@@ -3799,7 +3793,7 @@
             </a:endParaRPr>
           </a:p>
           <a:p>
-            <a:pPr lvl="1" marL="685800" indent="-227880">
+            <a:pPr lvl="1" marL="685800" indent="-227520">
               <a:lnSpc>
                 <a:spcPct val="90000"/>
               </a:lnSpc>
@@ -3818,6 +3812,7 @@
                   <a:srgbClr val="ffffff"/>
                 </a:solidFill>
                 <a:latin typeface="Century Gothic"/>
+                <a:ea typeface="DejaVu Sans"/>
               </a:rPr>
               <a:t>User stories</a:t>
             </a:r>
@@ -3826,7 +3821,7 @@
             </a:endParaRPr>
           </a:p>
           <a:p>
-            <a:pPr lvl="1" marL="685800" indent="-227880">
+            <a:pPr lvl="1" marL="685800" indent="-227520">
               <a:lnSpc>
                 <a:spcPct val="90000"/>
               </a:lnSpc>
@@ -3845,6 +3840,7 @@
                   <a:srgbClr val="ffffff"/>
                 </a:solidFill>
                 <a:latin typeface="Century Gothic"/>
+                <a:ea typeface="DejaVu Sans"/>
               </a:rPr>
               <a:t>Software </a:t>
             </a:r>
@@ -3853,7 +3849,7 @@
             </a:endParaRPr>
           </a:p>
           <a:p>
-            <a:pPr lvl="1" marL="685800" indent="-227880">
+            <a:pPr lvl="1" marL="685800" indent="-227520">
               <a:lnSpc>
                 <a:spcPct val="90000"/>
               </a:lnSpc>
@@ -3872,6 +3868,7 @@
                   <a:srgbClr val="ffffff"/>
                 </a:solidFill>
                 <a:latin typeface="Century Gothic"/>
+                <a:ea typeface="DejaVu Sans"/>
               </a:rPr>
               <a:t>Hardware</a:t>
             </a:r>
@@ -3900,7 +3897,7 @@
         <p:spPr>
           <a:xfrm>
             <a:off x="483120" y="5062320"/>
-            <a:ext cx="4510800" cy="1248840"/>
+            <a:ext cx="4510440" cy="1248480"/>
           </a:xfrm>
           <a:prstGeom prst="rect">
             <a:avLst/>
@@ -3919,7 +3916,7 @@
         <p:txBody>
           <a:bodyPr lIns="90000" rIns="90000" tIns="45000" bIns="45000"/>
           <a:p>
-            <a:pPr marL="285840" indent="-285120">
+            <a:pPr marL="285840" indent="-284760">
               <a:lnSpc>
                 <a:spcPct val="100000"/>
               </a:lnSpc>
@@ -3944,7 +3941,7 @@
             </a:endParaRPr>
           </a:p>
           <a:p>
-            <a:pPr lvl="1" marL="743040" indent="-285120">
+            <a:pPr lvl="1" marL="743040" indent="-284760">
               <a:lnSpc>
                 <a:spcPct val="100000"/>
               </a:lnSpc>
@@ -3989,7 +3986,7 @@
         <p:spPr>
           <a:xfrm>
             <a:off x="6809040" y="2646720"/>
-            <a:ext cx="4280760" cy="975240"/>
+            <a:ext cx="4280400" cy="974880"/>
           </a:xfrm>
           <a:prstGeom prst="rect">
             <a:avLst/>
@@ -4008,7 +4005,7 @@
         <p:txBody>
           <a:bodyPr lIns="90000" rIns="90000" tIns="45000" bIns="45000"/>
           <a:p>
-            <a:pPr marL="285840" indent="-285120">
+            <a:pPr marL="285840" indent="-284760">
               <a:lnSpc>
                 <a:spcPct val="100000"/>
               </a:lnSpc>
@@ -4033,7 +4030,7 @@
             </a:endParaRPr>
           </a:p>
           <a:p>
-            <a:pPr lvl="1" marL="743040" indent="-285120">
+            <a:pPr lvl="1" marL="743040" indent="-284760">
               <a:lnSpc>
                 <a:spcPct val="100000"/>
               </a:lnSpc>
@@ -4058,7 +4055,7 @@
             </a:endParaRPr>
           </a:p>
           <a:p>
-            <a:pPr lvl="1" marL="743040" indent="-285120">
+            <a:pPr lvl="1" marL="743040" indent="-284760">
               <a:lnSpc>
                 <a:spcPct val="100000"/>
               </a:lnSpc>
@@ -4093,7 +4090,7 @@
         <p:spPr>
           <a:xfrm>
             <a:off x="6809040" y="5062320"/>
-            <a:ext cx="4395960" cy="975240"/>
+            <a:ext cx="4395600" cy="974880"/>
           </a:xfrm>
           <a:prstGeom prst="rect">
             <a:avLst/>
@@ -4112,7 +4109,7 @@
         <p:txBody>
           <a:bodyPr lIns="90000" rIns="90000" tIns="45000" bIns="45000"/>
           <a:p>
-            <a:pPr marL="285840" indent="-285120">
+            <a:pPr marL="285840" indent="-284760">
               <a:lnSpc>
                 <a:spcPct val="100000"/>
               </a:lnSpc>
@@ -4137,7 +4134,7 @@
             </a:endParaRPr>
           </a:p>
           <a:p>
-            <a:pPr lvl="1" marL="743040" indent="-285120">
+            <a:pPr lvl="1" marL="743040" indent="-284760">
               <a:lnSpc>
                 <a:spcPct val="100000"/>
               </a:lnSpc>
@@ -4221,7 +4218,7 @@
         <p:spPr>
           <a:xfrm>
             <a:off x="2895480" y="764280"/>
-            <a:ext cx="8609760" cy="1292400"/>
+            <a:ext cx="8609400" cy="1292040"/>
           </a:xfrm>
           <a:prstGeom prst="rect">
             <a:avLst/>
@@ -4251,6 +4248,7 @@
                   <a:srgbClr val="ffffff"/>
                 </a:solidFill>
                 <a:latin typeface="Century Gothic"/>
+                <a:ea typeface="DejaVu Sans"/>
               </a:rPr>
               <a:t>Overview</a:t>
             </a:r>
@@ -4269,7 +4267,7 @@
         <p:spPr>
           <a:xfrm>
             <a:off x="3114000" y="2057400"/>
-            <a:ext cx="4151520" cy="2346120"/>
+            <a:ext cx="4151160" cy="2345760"/>
           </a:xfrm>
           <a:prstGeom prst="rect">
             <a:avLst/>
@@ -4419,7 +4417,7 @@
         <p:spPr>
           <a:xfrm>
             <a:off x="224280" y="2057400"/>
-            <a:ext cx="2742480" cy="1798200"/>
+            <a:ext cx="2742120" cy="1797840"/>
           </a:xfrm>
           <a:prstGeom prst="rect">
             <a:avLst/>
@@ -4549,7 +4547,7 @@
         <p:spPr>
           <a:xfrm>
             <a:off x="224280" y="4530240"/>
-            <a:ext cx="3389400" cy="2346120"/>
+            <a:ext cx="3389040" cy="2345760"/>
           </a:xfrm>
           <a:prstGeom prst="rect">
             <a:avLst/>
@@ -4699,7 +4697,7 @@
         <p:spPr>
           <a:xfrm>
             <a:off x="8203680" y="2057400"/>
-            <a:ext cx="3993480" cy="3992040"/>
+            <a:ext cx="3993120" cy="3991680"/>
           </a:xfrm>
           <a:prstGeom prst="rect">
             <a:avLst/>
@@ -5018,7 +5016,7 @@
         <p:spPr>
           <a:xfrm>
             <a:off x="2895480" y="764280"/>
-            <a:ext cx="8609760" cy="1292400"/>
+            <a:ext cx="8609400" cy="1292040"/>
           </a:xfrm>
           <a:prstGeom prst="rect">
             <a:avLst/>
@@ -5048,6 +5046,7 @@
                   <a:srgbClr val="ffffff"/>
                 </a:solidFill>
                 <a:latin typeface="Century Gothic"/>
+                <a:ea typeface="DejaVu Sans"/>
               </a:rPr>
               <a:t>Overview-</a:t>
             </a:r>
@@ -5057,6 +5056,7 @@
                   <a:srgbClr val="ffffff"/>
                 </a:solidFill>
                 <a:latin typeface="Century Gothic"/>
+                <a:ea typeface="DejaVu Sans"/>
               </a:rPr>
               <a:t>Alternate</a:t>
             </a:r>
@@ -5066,6 +5066,7 @@
                   <a:srgbClr val="ffffff"/>
                 </a:solidFill>
                 <a:latin typeface="Century Gothic"/>
+                <a:ea typeface="DejaVu Sans"/>
               </a:rPr>
               <a:t> proposal</a:t>
             </a:r>
@@ -5084,7 +5085,7 @@
         <p:spPr>
           <a:xfrm>
             <a:off x="3696480" y="1757880"/>
-            <a:ext cx="4151520" cy="2346120"/>
+            <a:ext cx="4151160" cy="2345760"/>
           </a:xfrm>
           <a:prstGeom prst="rect">
             <a:avLst/>
@@ -5356,7 +5357,7 @@
         <p:spPr>
           <a:xfrm>
             <a:off x="216000" y="1800000"/>
-            <a:ext cx="2742480" cy="1798200"/>
+            <a:ext cx="2742120" cy="1797840"/>
           </a:xfrm>
           <a:prstGeom prst="rect">
             <a:avLst/>
@@ -5718,7 +5719,7 @@
         <p:spPr>
           <a:xfrm>
             <a:off x="8352000" y="2016000"/>
-            <a:ext cx="3389400" cy="2346120"/>
+            <a:ext cx="3389040" cy="2345760"/>
           </a:xfrm>
           <a:prstGeom prst="rect">
             <a:avLst/>
@@ -5969,7 +5970,7 @@
         <p:spPr>
           <a:xfrm>
             <a:off x="144000" y="4322880"/>
-            <a:ext cx="3024000" cy="1798200"/>
+            <a:ext cx="3023640" cy="1797840"/>
           </a:xfrm>
           <a:prstGeom prst="rect">
             <a:avLst/>
@@ -6011,14 +6012,14 @@
       </p:sp>
       <p:sp>
         <p:nvSpPr>
-          <p:cNvPr id="96" name="TextShape 6"/>
-          <p:cNvSpPr txBox="1"/>
+          <p:cNvPr id="96" name="CustomShape 6"/>
+          <p:cNvSpPr/>
           <p:nvPr/>
         </p:nvSpPr>
         <p:spPr>
           <a:xfrm>
             <a:off x="6009480" y="3308760"/>
-            <a:ext cx="180720" cy="232560"/>
+            <a:ext cx="180360" cy="232200"/>
           </a:xfrm>
           <a:prstGeom prst="rect">
             <a:avLst/>
@@ -6028,6 +6029,12 @@
             <a:noFill/>
           </a:ln>
         </p:spPr>
+        <p:style>
+          <a:lnRef idx="0"/>
+          <a:fillRef idx="0"/>
+          <a:effectRef idx="0"/>
+          <a:fontRef idx="minor"/>
+        </p:style>
       </p:sp>
       <p:pic>
         <p:nvPicPr>
@@ -6042,7 +6049,7 @@
         <p:spPr>
           <a:xfrm>
             <a:off x="2232000" y="5217120"/>
-            <a:ext cx="259920" cy="254880"/>
+            <a:ext cx="259560" cy="254520"/>
           </a:xfrm>
           <a:prstGeom prst="rect">
             <a:avLst/>
@@ -6054,14 +6061,14 @@
       </p:pic>
       <p:sp>
         <p:nvSpPr>
-          <p:cNvPr id="98" name="TextShape 7"/>
-          <p:cNvSpPr txBox="1"/>
+          <p:cNvPr id="98" name="CustomShape 7"/>
+          <p:cNvSpPr/>
           <p:nvPr/>
         </p:nvSpPr>
         <p:spPr>
           <a:xfrm>
             <a:off x="6009480" y="3308760"/>
-            <a:ext cx="180720" cy="232560"/>
+            <a:ext cx="180360" cy="232200"/>
           </a:xfrm>
           <a:prstGeom prst="rect">
             <a:avLst/>
@@ -6071,6 +6078,12 @@
             <a:noFill/>
           </a:ln>
         </p:spPr>
+        <p:style>
+          <a:lnRef idx="0"/>
+          <a:fillRef idx="0"/>
+          <a:effectRef idx="0"/>
+          <a:fontRef idx="minor"/>
+        </p:style>
       </p:sp>
       <p:pic>
         <p:nvPicPr>
@@ -6085,7 +6098,7 @@
         <p:spPr>
           <a:xfrm>
             <a:off x="2808000" y="5505120"/>
-            <a:ext cx="259920" cy="254880"/>
+            <a:ext cx="259560" cy="254520"/>
           </a:xfrm>
           <a:prstGeom prst="rect">
             <a:avLst/>
@@ -6108,7 +6121,7 @@
         <p:spPr>
           <a:xfrm>
             <a:off x="2548080" y="5760000"/>
-            <a:ext cx="259920" cy="254880"/>
+            <a:ext cx="259560" cy="254520"/>
           </a:xfrm>
           <a:prstGeom prst="rect">
             <a:avLst/>
@@ -6131,7 +6144,7 @@
         <p:spPr>
           <a:xfrm>
             <a:off x="2836080" y="6014880"/>
-            <a:ext cx="259920" cy="254880"/>
+            <a:ext cx="259560" cy="254520"/>
           </a:xfrm>
           <a:prstGeom prst="rect">
             <a:avLst/>
@@ -6154,7 +6167,7 @@
         <p:spPr>
           <a:xfrm>
             <a:off x="2116080" y="6336000"/>
-            <a:ext cx="259920" cy="254880"/>
+            <a:ext cx="259560" cy="254520"/>
           </a:xfrm>
           <a:prstGeom prst="rect">
             <a:avLst/>
@@ -6177,7 +6190,7 @@
         <p:spPr>
           <a:xfrm>
             <a:off x="6120000" y="5145120"/>
-            <a:ext cx="259920" cy="254880"/>
+            <a:ext cx="259560" cy="254520"/>
           </a:xfrm>
           <a:prstGeom prst="rect">
             <a:avLst/>
@@ -6200,7 +6213,7 @@
         <p:spPr>
           <a:xfrm>
             <a:off x="5284080" y="5688000"/>
-            <a:ext cx="259920" cy="254880"/>
+            <a:ext cx="259560" cy="254520"/>
           </a:xfrm>
           <a:prstGeom prst="rect">
             <a:avLst/>
@@ -6223,7 +6236,7 @@
         <p:spPr>
           <a:xfrm>
             <a:off x="9532080" y="5832000"/>
-            <a:ext cx="259920" cy="254880"/>
+            <a:ext cx="259560" cy="254520"/>
           </a:xfrm>
           <a:prstGeom prst="rect">
             <a:avLst/>
@@ -6246,7 +6259,7 @@
         <p:spPr>
           <a:xfrm>
             <a:off x="2016000" y="4929120"/>
-            <a:ext cx="259920" cy="254880"/>
+            <a:ext cx="259560" cy="254520"/>
           </a:xfrm>
           <a:prstGeom prst="rect">
             <a:avLst/>
@@ -6314,7 +6327,7 @@
         <p:spPr>
           <a:xfrm>
             <a:off x="2895480" y="764280"/>
-            <a:ext cx="8609760" cy="1292400"/>
+            <a:ext cx="8609400" cy="1292040"/>
           </a:xfrm>
           <a:prstGeom prst="rect">
             <a:avLst/>
@@ -6344,6 +6357,7 @@
                   <a:srgbClr val="ffffff"/>
                 </a:solidFill>
                 <a:latin typeface="Century Gothic"/>
+                <a:ea typeface="DejaVu Sans"/>
               </a:rPr>
               <a:t>Progress – software</a:t>
             </a:r>
@@ -6362,7 +6376,7 @@
         <p:spPr>
           <a:xfrm>
             <a:off x="4663800" y="2520000"/>
-            <a:ext cx="3976200" cy="3074400"/>
+            <a:ext cx="3975840" cy="3074040"/>
           </a:xfrm>
           <a:prstGeom prst="rect">
             <a:avLst/>
@@ -6383,7 +6397,7 @@
             <a:normAutofit/>
           </a:bodyPr>
           <a:p>
-            <a:pPr marL="228600" indent="-227880">
+            <a:pPr marL="228600" indent="-227520">
               <a:lnSpc>
                 <a:spcPct val="90000"/>
               </a:lnSpc>
@@ -6402,6 +6416,7 @@
                   <a:srgbClr val="ffffff"/>
                 </a:solidFill>
                 <a:latin typeface="Century Gothic"/>
+                <a:ea typeface="DejaVu Sans"/>
               </a:rPr>
               <a:t>Original five proposals</a:t>
             </a:r>
@@ -6410,7 +6425,7 @@
             </a:endParaRPr>
           </a:p>
           <a:p>
-            <a:pPr lvl="1" marL="685800" indent="-227880">
+            <a:pPr lvl="1" marL="685800" indent="-227520">
               <a:lnSpc>
                 <a:spcPct val="90000"/>
               </a:lnSpc>
@@ -6429,6 +6444,7 @@
                   <a:srgbClr val="ffffff"/>
                 </a:solidFill>
                 <a:latin typeface="Century Gothic"/>
+                <a:ea typeface="DejaVu Sans"/>
               </a:rPr>
               <a:t>Snake Satellite Proposal </a:t>
             </a:r>
@@ -6437,7 +6453,7 @@
             </a:endParaRPr>
           </a:p>
           <a:p>
-            <a:pPr lvl="1" marL="685800" indent="-227880">
+            <a:pPr lvl="1" marL="685800" indent="-227520">
               <a:lnSpc>
                 <a:spcPct val="90000"/>
               </a:lnSpc>
@@ -6456,6 +6472,7 @@
                   <a:srgbClr val="ffffff"/>
                 </a:solidFill>
                 <a:latin typeface="Century Gothic"/>
+                <a:ea typeface="DejaVu Sans"/>
               </a:rPr>
               <a:t>PAC-Man Proposal</a:t>
             </a:r>
@@ -6464,7 +6481,7 @@
             </a:endParaRPr>
           </a:p>
           <a:p>
-            <a:pPr lvl="1" marL="685800" indent="-227880">
+            <a:pPr lvl="1" marL="685800" indent="-227520">
               <a:lnSpc>
                 <a:spcPct val="90000"/>
               </a:lnSpc>
@@ -6483,6 +6500,7 @@
                   <a:srgbClr val="ffffff"/>
                 </a:solidFill>
                 <a:latin typeface="Century Gothic"/>
+                <a:ea typeface="DejaVu Sans"/>
               </a:rPr>
               <a:t>Cloud – Jump Proposal</a:t>
             </a:r>
@@ -6491,7 +6509,7 @@
             </a:endParaRPr>
           </a:p>
           <a:p>
-            <a:pPr lvl="1" marL="685800" indent="-227880">
+            <a:pPr lvl="1" marL="685800" indent="-227520">
               <a:lnSpc>
                 <a:spcPct val="90000"/>
               </a:lnSpc>
@@ -6510,6 +6528,7 @@
                   <a:srgbClr val="ffffff"/>
                 </a:solidFill>
                 <a:latin typeface="Century Gothic"/>
+                <a:ea typeface="DejaVu Sans"/>
               </a:rPr>
               <a:t>Flappy-Bird Style Game</a:t>
             </a:r>
@@ -6518,7 +6537,7 @@
             </a:endParaRPr>
           </a:p>
           <a:p>
-            <a:pPr lvl="1" marL="685800" indent="-227880">
+            <a:pPr lvl="1" marL="685800" indent="-227520">
               <a:lnSpc>
                 <a:spcPct val="90000"/>
               </a:lnSpc>
@@ -6537,6 +6556,7 @@
                   <a:srgbClr val="ffffff"/>
                 </a:solidFill>
                 <a:latin typeface="Century Gothic"/>
+                <a:ea typeface="DejaVu Sans"/>
               </a:rPr>
               <a:t>Satellite wars Proposal </a:t>
             </a:r>
@@ -6555,7 +6575,7 @@
         <p:spPr>
           <a:xfrm>
             <a:off x="4896000" y="5539320"/>
-            <a:ext cx="3878280" cy="1012680"/>
+            <a:ext cx="3877920" cy="1012320"/>
           </a:xfrm>
           <a:prstGeom prst="rect">
             <a:avLst/>
@@ -6574,7 +6594,7 @@
         <p:txBody>
           <a:bodyPr lIns="90000" rIns="90000" tIns="45000" bIns="45000"/>
           <a:p>
-            <a:pPr marL="228600" indent="-227880">
+            <a:pPr marL="228600" indent="-227520">
               <a:lnSpc>
                 <a:spcPct val="90000"/>
               </a:lnSpc>
@@ -6602,7 +6622,7 @@
             </a:endParaRPr>
           </a:p>
           <a:p>
-            <a:pPr lvl="1" marL="685800" indent="-227880">
+            <a:pPr lvl="1" marL="685800" indent="-227520">
               <a:lnSpc>
                 <a:spcPct val="90000"/>
               </a:lnSpc>
@@ -6630,7 +6650,7 @@
             </a:endParaRPr>
           </a:p>
           <a:p>
-            <a:pPr lvl="1" marL="685800" indent="-227880">
+            <a:pPr lvl="1" marL="685800" indent="-227520">
               <a:lnSpc>
                 <a:spcPct val="90000"/>
               </a:lnSpc>
@@ -6668,7 +6688,7 @@
         <p:spPr>
           <a:xfrm>
             <a:off x="8496000" y="2487240"/>
-            <a:ext cx="4165920" cy="3992760"/>
+            <a:ext cx="4165560" cy="3992400"/>
           </a:xfrm>
           <a:prstGeom prst="rect">
             <a:avLst/>
@@ -6687,7 +6707,7 @@
         <p:txBody>
           <a:bodyPr lIns="90000" rIns="90000" tIns="45000" bIns="45000"/>
           <a:p>
-            <a:pPr marL="285840" indent="-285120">
+            <a:pPr marL="285840" indent="-284760">
               <a:lnSpc>
                 <a:spcPct val="100000"/>
               </a:lnSpc>
@@ -6712,7 +6732,7 @@
             </a:endParaRPr>
           </a:p>
           <a:p>
-            <a:pPr lvl="1" marL="971640" indent="-285120">
+            <a:pPr lvl="1" marL="971640" indent="-284760">
               <a:lnSpc>
                 <a:spcPct val="100000"/>
               </a:lnSpc>
@@ -6737,7 +6757,7 @@
             </a:endParaRPr>
           </a:p>
           <a:p>
-            <a:pPr lvl="1" marL="971640" indent="-285120">
+            <a:pPr lvl="1" marL="971640" indent="-284760">
               <a:lnSpc>
                 <a:spcPct val="100000"/>
               </a:lnSpc>
@@ -6772,7 +6792,7 @@
             </a:endParaRPr>
           </a:p>
           <a:p>
-            <a:pPr lvl="1" marL="971640" indent="-285120">
+            <a:pPr lvl="1" marL="971640" indent="-284760">
               <a:lnSpc>
                 <a:spcPct val="100000"/>
               </a:lnSpc>
@@ -6807,7 +6827,7 @@
             </a:endParaRPr>
           </a:p>
           <a:p>
-            <a:pPr lvl="1" marL="971640" indent="-285120">
+            <a:pPr lvl="1" marL="971640" indent="-284760">
               <a:lnSpc>
                 <a:spcPct val="100000"/>
               </a:lnSpc>
@@ -6842,7 +6862,7 @@
             </a:endParaRPr>
           </a:p>
           <a:p>
-            <a:pPr lvl="1" marL="971640" indent="-285120">
+            <a:pPr lvl="1" marL="971640" indent="-284760">
               <a:lnSpc>
                 <a:spcPct val="100000"/>
               </a:lnSpc>
@@ -6877,7 +6897,7 @@
             </a:endParaRPr>
           </a:p>
           <a:p>
-            <a:pPr lvl="1" marL="971640" indent="-285120">
+            <a:pPr lvl="1" marL="971640" indent="-284760">
               <a:lnSpc>
                 <a:spcPct val="100000"/>
               </a:lnSpc>
@@ -6912,7 +6932,7 @@
             </a:endParaRPr>
           </a:p>
           <a:p>
-            <a:pPr lvl="1" marL="971640" indent="-285120">
+            <a:pPr lvl="1" marL="971640" indent="-284760">
               <a:lnSpc>
                 <a:spcPct val="100000"/>
               </a:lnSpc>
@@ -6947,7 +6967,7 @@
             </a:endParaRPr>
           </a:p>
           <a:p>
-            <a:pPr lvl="1" marL="971640" indent="-285120">
+            <a:pPr lvl="1" marL="971640" indent="-284760">
               <a:lnSpc>
                 <a:spcPct val="100000"/>
               </a:lnSpc>
@@ -6982,7 +7002,7 @@
             </a:endParaRPr>
           </a:p>
           <a:p>
-            <a:pPr lvl="1" marL="971640" indent="-285120">
+            <a:pPr lvl="1" marL="971640" indent="-284760">
               <a:lnSpc>
                 <a:spcPct val="100000"/>
               </a:lnSpc>
@@ -7017,7 +7037,7 @@
             </a:endParaRPr>
           </a:p>
           <a:p>
-            <a:pPr lvl="1" marL="971640" indent="-285120">
+            <a:pPr lvl="1" marL="971640" indent="-284760">
               <a:lnSpc>
                 <a:spcPct val="100000"/>
               </a:lnSpc>
@@ -7075,14 +7095,14 @@
       </p:sp>
       <p:sp>
         <p:nvSpPr>
-          <p:cNvPr id="111" name="TextShape 5"/>
-          <p:cNvSpPr txBox="1"/>
+          <p:cNvPr id="111" name="CustomShape 5"/>
+          <p:cNvSpPr/>
           <p:nvPr/>
         </p:nvSpPr>
         <p:spPr>
           <a:xfrm>
             <a:off x="144000" y="2426760"/>
-            <a:ext cx="4320000" cy="2217600"/>
+            <a:ext cx="4319640" cy="2217240"/>
           </a:xfrm>
           <a:prstGeom prst="rect">
             <a:avLst/>
@@ -7092,10 +7112,19 @@
             <a:noFill/>
           </a:ln>
         </p:spPr>
+        <p:style>
+          <a:lnRef idx="0"/>
+          <a:fillRef idx="0"/>
+          <a:effectRef idx="0"/>
+          <a:fontRef idx="minor"/>
+        </p:style>
         <p:txBody>
           <a:bodyPr lIns="90000" rIns="90000" tIns="45000" bIns="45000"/>
           <a:p>
-            <a:pPr marL="216000" indent="-216000">
+            <a:pPr marL="216000" indent="-215640">
+              <a:lnSpc>
+                <a:spcPct val="100000"/>
+              </a:lnSpc>
               <a:buClr>
                 <a:srgbClr val="ffffff"/>
               </a:buClr>
@@ -7117,7 +7146,10 @@
             </a:endParaRPr>
           </a:p>
           <a:p>
-            <a:pPr lvl="1" marL="432000" indent="-216000">
+            <a:pPr lvl="1" marL="432000" indent="-215640">
+              <a:lnSpc>
+                <a:spcPct val="100000"/>
+              </a:lnSpc>
               <a:buClr>
                 <a:srgbClr val="ffffff"/>
               </a:buClr>
@@ -7139,7 +7171,10 @@
             </a:endParaRPr>
           </a:p>
           <a:p>
-            <a:pPr lvl="1" marL="432000" indent="-216000">
+            <a:pPr lvl="1" marL="432000" indent="-215640">
+              <a:lnSpc>
+                <a:spcPct val="100000"/>
+              </a:lnSpc>
               <a:buClr>
                 <a:srgbClr val="ffffff"/>
               </a:buClr>
@@ -7161,7 +7196,10 @@
             </a:endParaRPr>
           </a:p>
           <a:p>
-            <a:pPr lvl="1" marL="432000" indent="-216000">
+            <a:pPr lvl="1" marL="432000" indent="-215640">
+              <a:lnSpc>
+                <a:spcPct val="100000"/>
+              </a:lnSpc>
               <a:buClr>
                 <a:srgbClr val="ffffff"/>
               </a:buClr>
@@ -7183,7 +7221,10 @@
             </a:endParaRPr>
           </a:p>
           <a:p>
-            <a:pPr lvl="1" marL="432000" indent="-216000">
+            <a:pPr lvl="1" marL="432000" indent="-215640">
+              <a:lnSpc>
+                <a:spcPct val="100000"/>
+              </a:lnSpc>
               <a:buClr>
                 <a:srgbClr val="ffffff"/>
               </a:buClr>
@@ -7205,7 +7246,10 @@
             </a:endParaRPr>
           </a:p>
           <a:p>
-            <a:pPr lvl="1" marL="432000" indent="-216000">
+            <a:pPr lvl="1" marL="432000" indent="-215640">
+              <a:lnSpc>
+                <a:spcPct val="100000"/>
+              </a:lnSpc>
               <a:buClr>
                 <a:srgbClr val="ffffff"/>
               </a:buClr>
@@ -7227,7 +7271,10 @@
             </a:endParaRPr>
           </a:p>
           <a:p>
-            <a:pPr lvl="1" marL="432000" indent="-216000">
+            <a:pPr lvl="1" marL="432000" indent="-215640">
+              <a:lnSpc>
+                <a:spcPct val="100000"/>
+              </a:lnSpc>
               <a:buClr>
                 <a:srgbClr val="ffffff"/>
               </a:buClr>
@@ -7308,7 +7355,7 @@
         <p:spPr>
           <a:xfrm>
             <a:off x="2895480" y="764280"/>
-            <a:ext cx="8609760" cy="1292400"/>
+            <a:ext cx="8609400" cy="1292040"/>
           </a:xfrm>
           <a:prstGeom prst="rect">
             <a:avLst/>
@@ -7338,6 +7385,7 @@
                   <a:srgbClr val="ffffff"/>
                 </a:solidFill>
                 <a:latin typeface="Century Gothic"/>
+                <a:ea typeface="DejaVu Sans"/>
               </a:rPr>
               <a:t>Progress – Hardware</a:t>
             </a:r>
@@ -7356,7 +7404,7 @@
         <p:spPr>
           <a:xfrm>
             <a:off x="685800" y="2194560"/>
-            <a:ext cx="10819800" cy="4023360"/>
+            <a:ext cx="10819440" cy="4023000"/>
           </a:xfrm>
           <a:prstGeom prst="rect">
             <a:avLst/>
@@ -7375,14 +7423,14 @@
       </p:sp>
       <p:sp>
         <p:nvSpPr>
-          <p:cNvPr id="114" name="TextShape 3"/>
-          <p:cNvSpPr txBox="1"/>
+          <p:cNvPr id="114" name="CustomShape 3"/>
+          <p:cNvSpPr/>
           <p:nvPr/>
         </p:nvSpPr>
         <p:spPr>
           <a:xfrm>
             <a:off x="432000" y="2261880"/>
-            <a:ext cx="4392000" cy="1370160"/>
+            <a:ext cx="4391640" cy="1369800"/>
           </a:xfrm>
           <a:prstGeom prst="rect">
             <a:avLst/>
@@ -7392,24 +7440,46 @@
             <a:noFill/>
           </a:ln>
         </p:spPr>
+        <p:style>
+          <a:lnRef idx="0"/>
+          <a:fillRef idx="0"/>
+          <a:effectRef idx="0"/>
+          <a:fontRef idx="minor"/>
+        </p:style>
         <p:txBody>
           <a:bodyPr lIns="90000" rIns="90000" tIns="45000" bIns="45000"/>
           <a:p>
-            <a:r>
-              <a:rPr b="0" lang="en-GB" sz="1800" spc="-1" strike="noStrike">
+            <a:pPr>
+              <a:lnSpc>
+                <a:spcPct val="100000"/>
+              </a:lnSpc>
+            </a:pPr>
+            <a:r>
+              <a:rPr b="0" lang="en-GB" sz="2200" spc="-1" strike="noStrike">
                 <a:latin typeface="Arial"/>
               </a:rPr>
-              <a:t>Requirements:</a:t>
-            </a:r>
-            <a:endParaRPr b="0" lang="en-GB" sz="1800" spc="-1" strike="noStrike">
-              <a:latin typeface="Arial"/>
-            </a:endParaRPr>
-          </a:p>
-          <a:p>
+              <a:t>Requirements</a:t>
+            </a:r>
             <a:r>
               <a:rPr b="0" lang="en-GB" sz="1800" spc="-1" strike="noStrike">
                 <a:latin typeface="Arial"/>
               </a:rPr>
+              <a:t>:</a:t>
+            </a:r>
+            <a:endParaRPr b="0" lang="en-GB" sz="1800" spc="-1" strike="noStrike">
+              <a:latin typeface="Arial"/>
+            </a:endParaRPr>
+          </a:p>
+          <a:p>
+            <a:pPr>
+              <a:lnSpc>
+                <a:spcPct val="100000"/>
+              </a:lnSpc>
+            </a:pPr>
+            <a:r>
+              <a:rPr b="0" lang="en-GB" sz="1800" spc="-1" strike="noStrike">
+                <a:latin typeface="Arial"/>
+              </a:rPr>
               <a:t>– </a:t>
             </a:r>
             <a:r>
@@ -7423,6 +7493,11 @@
             </a:endParaRPr>
           </a:p>
           <a:p>
+            <a:pPr>
+              <a:lnSpc>
+                <a:spcPct val="100000"/>
+              </a:lnSpc>
+            </a:pPr>
             <a:r>
               <a:rPr b="0" lang="en-GB" sz="1800" spc="-1" strike="noStrike">
                 <a:latin typeface="Arial"/>
@@ -7440,6 +7515,11 @@
             </a:endParaRPr>
           </a:p>
           <a:p>
+            <a:pPr>
+              <a:lnSpc>
+                <a:spcPct val="100000"/>
+              </a:lnSpc>
+            </a:pPr>
             <a:r>
               <a:rPr b="0" lang="en-GB" sz="1800" spc="-1" strike="noStrike">
                 <a:latin typeface="Arial"/>
@@ -7457,6 +7537,11 @@
             </a:endParaRPr>
           </a:p>
           <a:p>
+            <a:pPr>
+              <a:lnSpc>
+                <a:spcPct val="100000"/>
+              </a:lnSpc>
+            </a:pPr>
             <a:r>
               <a:rPr b="0" lang="en-GB" sz="1800" spc="-1" strike="noStrike">
                 <a:latin typeface="Arial"/>
@@ -7477,14 +7562,14 @@
       </p:sp>
       <p:sp>
         <p:nvSpPr>
-          <p:cNvPr id="115" name="TextShape 4"/>
-          <p:cNvSpPr txBox="1"/>
+          <p:cNvPr id="115" name="CustomShape 4"/>
+          <p:cNvSpPr/>
           <p:nvPr/>
         </p:nvSpPr>
         <p:spPr>
           <a:xfrm>
             <a:off x="4392000" y="2261880"/>
-            <a:ext cx="3312000" cy="1626120"/>
+            <a:ext cx="3311640" cy="1625760"/>
           </a:xfrm>
           <a:prstGeom prst="rect">
             <a:avLst/>
@@ -7494,20 +7579,36 @@
             <a:noFill/>
           </a:ln>
         </p:spPr>
+        <p:style>
+          <a:lnRef idx="0"/>
+          <a:fillRef idx="0"/>
+          <a:effectRef idx="0"/>
+          <a:fontRef idx="minor"/>
+        </p:style>
         <p:txBody>
           <a:bodyPr lIns="90000" rIns="90000" tIns="45000" bIns="45000"/>
           <a:p>
-            <a:r>
-              <a:rPr b="0" lang="en-GB" sz="1800" spc="-1" strike="noStrike">
+            <a:pPr>
+              <a:lnSpc>
+                <a:spcPct val="100000"/>
+              </a:lnSpc>
+            </a:pPr>
+            <a:r>
+              <a:rPr b="0" lang="en-GB" sz="2200" spc="-1" strike="noStrike">
                 <a:latin typeface="Arial"/>
               </a:rPr>
               <a:t>Decisions made:</a:t>
             </a:r>
-            <a:endParaRPr b="0" lang="en-GB" sz="1800" spc="-1" strike="noStrike">
-              <a:latin typeface="Arial"/>
-            </a:endParaRPr>
-          </a:p>
-          <a:p>
+            <a:endParaRPr b="0" lang="en-GB" sz="2200" spc="-1" strike="noStrike">
+              <a:latin typeface="Arial"/>
+            </a:endParaRPr>
+          </a:p>
+          <a:p>
+            <a:pPr>
+              <a:lnSpc>
+                <a:spcPct val="100000"/>
+              </a:lnSpc>
+            </a:pPr>
             <a:r>
               <a:rPr b="0" lang="en-GB" sz="1800" spc="-1" strike="noStrike">
                 <a:latin typeface="Arial"/>
@@ -7525,11 +7626,21 @@
             </a:endParaRPr>
           </a:p>
           <a:p>
-            <a:endParaRPr b="0" lang="en-GB" sz="1800" spc="-1" strike="noStrike">
-              <a:latin typeface="Arial"/>
-            </a:endParaRPr>
-          </a:p>
-          <a:p>
+            <a:pPr>
+              <a:lnSpc>
+                <a:spcPct val="100000"/>
+              </a:lnSpc>
+            </a:pPr>
+            <a:endParaRPr b="0" lang="en-GB" sz="1800" spc="-1" strike="noStrike">
+              <a:latin typeface="Arial"/>
+            </a:endParaRPr>
+          </a:p>
+          <a:p>
+            <a:pPr>
+              <a:lnSpc>
+                <a:spcPct val="100000"/>
+              </a:lnSpc>
+            </a:pPr>
             <a:r>
               <a:rPr b="0" lang="en-GB" sz="1800" spc="-1" strike="noStrike">
                 <a:latin typeface="Arial"/>
@@ -7550,14 +7661,14 @@
       </p:sp>
       <p:sp>
         <p:nvSpPr>
-          <p:cNvPr id="116" name="TextShape 5"/>
-          <p:cNvSpPr txBox="1"/>
+          <p:cNvPr id="116" name="CustomShape 5"/>
+          <p:cNvSpPr/>
           <p:nvPr/>
         </p:nvSpPr>
         <p:spPr>
           <a:xfrm>
             <a:off x="8640000" y="2232000"/>
-            <a:ext cx="3456000" cy="1114200"/>
+            <a:ext cx="3455640" cy="1113840"/>
           </a:xfrm>
           <a:prstGeom prst="rect">
             <a:avLst/>
@@ -7567,20 +7678,36 @@
             <a:noFill/>
           </a:ln>
         </p:spPr>
+        <p:style>
+          <a:lnRef idx="0"/>
+          <a:fillRef idx="0"/>
+          <a:effectRef idx="0"/>
+          <a:fontRef idx="minor"/>
+        </p:style>
         <p:txBody>
           <a:bodyPr lIns="90000" rIns="90000" tIns="45000" bIns="45000"/>
           <a:p>
-            <a:r>
-              <a:rPr b="0" lang="en-GB" sz="1800" spc="-1" strike="noStrike">
+            <a:pPr>
+              <a:lnSpc>
+                <a:spcPct val="100000"/>
+              </a:lnSpc>
+            </a:pPr>
+            <a:r>
+              <a:rPr b="0" lang="en-GB" sz="2200" spc="-1" strike="noStrike">
                 <a:latin typeface="Arial"/>
               </a:rPr>
               <a:t>Purchases:</a:t>
             </a:r>
-            <a:endParaRPr b="0" lang="en-GB" sz="1800" spc="-1" strike="noStrike">
-              <a:latin typeface="Arial"/>
-            </a:endParaRPr>
-          </a:p>
-          <a:p>
+            <a:endParaRPr b="0" lang="en-GB" sz="2200" spc="-1" strike="noStrike">
+              <a:latin typeface="Arial"/>
+            </a:endParaRPr>
+          </a:p>
+          <a:p>
+            <a:pPr>
+              <a:lnSpc>
+                <a:spcPct val="100000"/>
+              </a:lnSpc>
+            </a:pPr>
             <a:r>
               <a:rPr b="0" lang="en-GB" sz="1800" spc="-1" strike="noStrike">
                 <a:latin typeface="Arial"/>
@@ -7598,6 +7725,11 @@
             </a:endParaRPr>
           </a:p>
           <a:p>
+            <a:pPr>
+              <a:lnSpc>
+                <a:spcPct val="100000"/>
+              </a:lnSpc>
+            </a:pPr>
             <a:r>
               <a:rPr b="0" lang="en-GB" sz="1800" spc="-1" strike="noStrike">
                 <a:latin typeface="Arial"/>
@@ -7615,6 +7747,11 @@
             </a:endParaRPr>
           </a:p>
           <a:p>
+            <a:pPr>
+              <a:lnSpc>
+                <a:spcPct val="100000"/>
+              </a:lnSpc>
+            </a:pPr>
             <a:r>
               <a:rPr b="0" lang="en-GB" sz="1800" spc="-1" strike="noStrike">
                 <a:latin typeface="Arial"/>
@@ -7691,7 +7828,7 @@
         <p:spPr>
           <a:xfrm>
             <a:off x="595080" y="1760400"/>
-            <a:ext cx="10943280" cy="1824480"/>
+            <a:ext cx="10942920" cy="1824120"/>
           </a:xfrm>
           <a:prstGeom prst="rect">
             <a:avLst/>
@@ -7721,6 +7858,7 @@
                   <a:srgbClr val="ffffff"/>
                 </a:solidFill>
                 <a:latin typeface="Century Gothic"/>
+                <a:ea typeface="DejaVu Sans"/>
               </a:rPr>
               <a:t>Game 1 – Flappy bird style</a:t>
             </a:r>
@@ -7788,7 +7926,7 @@
         <p:spPr>
           <a:xfrm>
             <a:off x="1371600" y="1803240"/>
-            <a:ext cx="9448200" cy="1824480"/>
+            <a:ext cx="9447840" cy="1824120"/>
           </a:xfrm>
           <a:prstGeom prst="rect">
             <a:avLst/>
@@ -7818,6 +7956,7 @@
                   <a:srgbClr val="ffffff"/>
                 </a:solidFill>
                 <a:latin typeface="Century Gothic"/>
+                <a:ea typeface="DejaVu Sans"/>
               </a:rPr>
               <a:t>Game 2 – snake style</a:t>
             </a:r>
@@ -7885,7 +8024,7 @@
         <p:spPr>
           <a:xfrm>
             <a:off x="2895480" y="764280"/>
-            <a:ext cx="8609760" cy="1292400"/>
+            <a:ext cx="8609400" cy="1292040"/>
           </a:xfrm>
           <a:prstGeom prst="rect">
             <a:avLst/>
@@ -7915,6 +8054,7 @@
                   <a:srgbClr val="ffffff"/>
                 </a:solidFill>
                 <a:latin typeface="Century Gothic"/>
+                <a:ea typeface="DejaVu Sans"/>
               </a:rPr>
               <a:t>Neural Network</a:t>
             </a:r>
@@ -7933,7 +8073,7 @@
         <p:spPr>
           <a:xfrm>
             <a:off x="685800" y="2194560"/>
-            <a:ext cx="4853160" cy="1492920"/>
+            <a:ext cx="4852800" cy="1492560"/>
           </a:xfrm>
           <a:prstGeom prst="rect">
             <a:avLst/>
@@ -7954,7 +8094,7 @@
             <a:normAutofit/>
           </a:bodyPr>
           <a:p>
-            <a:pPr marL="228600" indent="-227880">
+            <a:pPr marL="228600" indent="-227520">
               <a:lnSpc>
                 <a:spcPct val="90000"/>
               </a:lnSpc>
@@ -7973,6 +8113,7 @@
                   <a:srgbClr val="ffffff"/>
                 </a:solidFill>
                 <a:latin typeface="Century Gothic"/>
+                <a:ea typeface="DejaVu Sans"/>
               </a:rPr>
               <a:t>Convolutional Neural Networks</a:t>
             </a:r>
@@ -7981,7 +8122,7 @@
             </a:endParaRPr>
           </a:p>
           <a:p>
-            <a:pPr lvl="1" marL="685800" indent="-227880">
+            <a:pPr lvl="1" marL="685800" indent="-227520">
               <a:lnSpc>
                 <a:spcPct val="90000"/>
               </a:lnSpc>
@@ -8000,6 +8141,7 @@
                   <a:srgbClr val="ffffff"/>
                 </a:solidFill>
                 <a:latin typeface="Century Gothic"/>
+                <a:ea typeface="DejaVu Sans"/>
               </a:rPr>
               <a:t>Python3 </a:t>
             </a:r>
@@ -8008,7 +8150,7 @@
             </a:endParaRPr>
           </a:p>
           <a:p>
-            <a:pPr lvl="1" marL="685800" indent="-227880">
+            <a:pPr lvl="1" marL="685800" indent="-227520">
               <a:lnSpc>
                 <a:spcPct val="90000"/>
               </a:lnSpc>
@@ -8027,6 +8169,7 @@
                   <a:srgbClr val="ffffff"/>
                 </a:solidFill>
                 <a:latin typeface="Century Gothic"/>
+                <a:ea typeface="DejaVu Sans"/>
               </a:rPr>
               <a:t>Keras </a:t>
             </a:r>
@@ -8035,7 +8178,7 @@
             </a:endParaRPr>
           </a:p>
           <a:p>
-            <a:pPr lvl="1" marL="685800" indent="-227880">
+            <a:pPr lvl="1" marL="685800" indent="-227520">
               <a:lnSpc>
                 <a:spcPct val="90000"/>
               </a:lnSpc>
@@ -8054,6 +8197,7 @@
                   <a:srgbClr val="ffffff"/>
                 </a:solidFill>
                 <a:latin typeface="Century Gothic"/>
+                <a:ea typeface="DejaVu Sans"/>
               </a:rPr>
               <a:t>TensorFlow</a:t>
             </a:r>
@@ -8072,7 +8216,7 @@
         <p:spPr>
           <a:xfrm>
             <a:off x="684360" y="3883320"/>
-            <a:ext cx="4453560" cy="975240"/>
+            <a:ext cx="4453200" cy="974880"/>
           </a:xfrm>
           <a:prstGeom prst="rect">
             <a:avLst/>
@@ -8091,7 +8235,7 @@
         <p:txBody>
           <a:bodyPr lIns="90000" rIns="90000" tIns="45000" bIns="45000"/>
           <a:p>
-            <a:pPr marL="285840" indent="-285120">
+            <a:pPr marL="285840" indent="-284760">
               <a:lnSpc>
                 <a:spcPct val="100000"/>
               </a:lnSpc>
@@ -8116,7 +8260,7 @@
             </a:endParaRPr>
           </a:p>
           <a:p>
-            <a:pPr lvl="1" marL="457200" indent="-285120">
+            <a:pPr lvl="1" marL="457200" indent="-284760">
               <a:lnSpc>
                 <a:spcPct val="100000"/>
               </a:lnSpc>
@@ -8161,7 +8305,7 @@
         <p:spPr>
           <a:xfrm>
             <a:off x="684360" y="5162760"/>
-            <a:ext cx="3892680" cy="1310400"/>
+            <a:ext cx="3892320" cy="1310040"/>
           </a:xfrm>
           <a:prstGeom prst="rect">
             <a:avLst/>
@@ -8180,7 +8324,7 @@
         <p:txBody>
           <a:bodyPr lIns="90000" rIns="90000" tIns="45000" bIns="45000"/>
           <a:p>
-            <a:pPr marL="343080" indent="-342360">
+            <a:pPr marL="343080" indent="-342000">
               <a:lnSpc>
                 <a:spcPct val="100000"/>
               </a:lnSpc>
@@ -8205,7 +8349,7 @@
             </a:endParaRPr>
           </a:p>
           <a:p>
-            <a:pPr lvl="1" marL="457200" indent="-342360">
+            <a:pPr lvl="1" marL="457200" indent="-342000">
               <a:lnSpc>
                 <a:spcPct val="100000"/>
               </a:lnSpc>
@@ -8230,7 +8374,7 @@
             </a:endParaRPr>
           </a:p>
           <a:p>
-            <a:pPr lvl="1" marL="457200" indent="-342360">
+            <a:pPr lvl="1" marL="457200" indent="-342000">
               <a:lnSpc>
                 <a:spcPct val="100000"/>
               </a:lnSpc>
@@ -8279,7 +8423,7 @@
         <p:spPr>
           <a:xfrm>
             <a:off x="7082280" y="2936880"/>
-            <a:ext cx="4065120" cy="2436120"/>
+            <a:ext cx="4064760" cy="2435760"/>
           </a:xfrm>
           <a:prstGeom prst="rect">
             <a:avLst/>

--- a/CustomerFiles/Demo_Docs/demo1_test.pptx
+++ b/CustomerFiles/Demo_Docs/demo1_test.pptx
@@ -14,7 +14,6 @@
     <p:sldId id="261" r:id="rId9"/>
     <p:sldId id="262" r:id="rId10"/>
     <p:sldId id="263" r:id="rId11"/>
-    <p:sldId id="264" r:id="rId12"/>
   </p:sldIdLst>
   <p:sldSz cx="12192000" cy="6858000"/>
   <p:notesSz cx="7559675" cy="10691812"/>
@@ -2781,199 +2780,7 @@
               <a:rPr b="0" lang="en-GB" sz="1800" spc="-1" strike="noStrike">
                 <a:latin typeface="Arial"/>
               </a:rPr>
-              <a:t>C</a:t>
-            </a:r>
-            <a:r>
-              <a:rPr b="0" lang="en-GB" sz="1800" spc="-1" strike="noStrike">
-                <a:latin typeface="Arial"/>
-              </a:rPr>
-              <a:t>l</a:t>
-            </a:r>
-            <a:r>
-              <a:rPr b="0" lang="en-GB" sz="1800" spc="-1" strike="noStrike">
-                <a:latin typeface="Arial"/>
-              </a:rPr>
-              <a:t>i</a:t>
-            </a:r>
-            <a:r>
-              <a:rPr b="0" lang="en-GB" sz="1800" spc="-1" strike="noStrike">
-                <a:latin typeface="Arial"/>
-              </a:rPr>
-              <a:t>c</a:t>
-            </a:r>
-            <a:r>
-              <a:rPr b="0" lang="en-GB" sz="1800" spc="-1" strike="noStrike">
-                <a:latin typeface="Arial"/>
-              </a:rPr>
-              <a:t>k</a:t>
-            </a:r>
-            <a:r>
-              <a:rPr b="0" lang="en-GB" sz="1800" spc="-1" strike="noStrike">
-                <a:latin typeface="Arial"/>
-              </a:rPr>
-              <a:t> </a:t>
-            </a:r>
-            <a:r>
-              <a:rPr b="0" lang="en-GB" sz="1800" spc="-1" strike="noStrike">
-                <a:latin typeface="Arial"/>
-              </a:rPr>
-              <a:t>t</a:t>
-            </a:r>
-            <a:r>
-              <a:rPr b="0" lang="en-GB" sz="1800" spc="-1" strike="noStrike">
-                <a:latin typeface="Arial"/>
-              </a:rPr>
-              <a:t>o</a:t>
-            </a:r>
-            <a:r>
-              <a:rPr b="0" lang="en-GB" sz="1800" spc="-1" strike="noStrike">
-                <a:latin typeface="Arial"/>
-              </a:rPr>
-              <a:t> </a:t>
-            </a:r>
-            <a:r>
-              <a:rPr b="0" lang="en-GB" sz="1800" spc="-1" strike="noStrike">
-                <a:latin typeface="Arial"/>
-              </a:rPr>
-              <a:t>e</a:t>
-            </a:r>
-            <a:r>
-              <a:rPr b="0" lang="en-GB" sz="1800" spc="-1" strike="noStrike">
-                <a:latin typeface="Arial"/>
-              </a:rPr>
-              <a:t>d</a:t>
-            </a:r>
-            <a:r>
-              <a:rPr b="0" lang="en-GB" sz="1800" spc="-1" strike="noStrike">
-                <a:latin typeface="Arial"/>
-              </a:rPr>
-              <a:t>i</a:t>
-            </a:r>
-            <a:r>
-              <a:rPr b="0" lang="en-GB" sz="1800" spc="-1" strike="noStrike">
-                <a:latin typeface="Arial"/>
-              </a:rPr>
-              <a:t>t </a:t>
-            </a:r>
-            <a:r>
-              <a:rPr b="0" lang="en-GB" sz="1800" spc="-1" strike="noStrike">
-                <a:latin typeface="Arial"/>
-              </a:rPr>
-              <a:t>t</a:t>
-            </a:r>
-            <a:r>
-              <a:rPr b="0" lang="en-GB" sz="1800" spc="-1" strike="noStrike">
-                <a:latin typeface="Arial"/>
-              </a:rPr>
-              <a:t>h</a:t>
-            </a:r>
-            <a:r>
-              <a:rPr b="0" lang="en-GB" sz="1800" spc="-1" strike="noStrike">
-                <a:latin typeface="Arial"/>
-              </a:rPr>
-              <a:t>e</a:t>
-            </a:r>
-            <a:r>
-              <a:rPr b="0" lang="en-GB" sz="1800" spc="-1" strike="noStrike">
-                <a:latin typeface="Arial"/>
-              </a:rPr>
-              <a:t> </a:t>
-            </a:r>
-            <a:r>
-              <a:rPr b="0" lang="en-GB" sz="1800" spc="-1" strike="noStrike">
-                <a:latin typeface="Arial"/>
-              </a:rPr>
-              <a:t>t</a:t>
-            </a:r>
-            <a:r>
-              <a:rPr b="0" lang="en-GB" sz="1800" spc="-1" strike="noStrike">
-                <a:latin typeface="Arial"/>
-              </a:rPr>
-              <a:t>i</a:t>
-            </a:r>
-            <a:r>
-              <a:rPr b="0" lang="en-GB" sz="1800" spc="-1" strike="noStrike">
-                <a:latin typeface="Arial"/>
-              </a:rPr>
-              <a:t>t</a:t>
-            </a:r>
-            <a:r>
-              <a:rPr b="0" lang="en-GB" sz="1800" spc="-1" strike="noStrike">
-                <a:latin typeface="Arial"/>
-              </a:rPr>
-              <a:t>l</a:t>
-            </a:r>
-            <a:r>
-              <a:rPr b="0" lang="en-GB" sz="1800" spc="-1" strike="noStrike">
-                <a:latin typeface="Arial"/>
-              </a:rPr>
-              <a:t>e</a:t>
-            </a:r>
-            <a:r>
-              <a:rPr b="0" lang="en-GB" sz="1800" spc="-1" strike="noStrike">
-                <a:latin typeface="Arial"/>
-              </a:rPr>
-              <a:t> </a:t>
-            </a:r>
-            <a:r>
-              <a:rPr b="0" lang="en-GB" sz="1800" spc="-1" strike="noStrike">
-                <a:latin typeface="Arial"/>
-              </a:rPr>
-              <a:t>t</a:t>
-            </a:r>
-            <a:r>
-              <a:rPr b="0" lang="en-GB" sz="1800" spc="-1" strike="noStrike">
-                <a:latin typeface="Arial"/>
-              </a:rPr>
-              <a:t>e</a:t>
-            </a:r>
-            <a:r>
-              <a:rPr b="0" lang="en-GB" sz="1800" spc="-1" strike="noStrike">
-                <a:latin typeface="Arial"/>
-              </a:rPr>
-              <a:t>x</a:t>
-            </a:r>
-            <a:r>
-              <a:rPr b="0" lang="en-GB" sz="1800" spc="-1" strike="noStrike">
-                <a:latin typeface="Arial"/>
-              </a:rPr>
-              <a:t>t </a:t>
-            </a:r>
-            <a:r>
-              <a:rPr b="0" lang="en-GB" sz="1800" spc="-1" strike="noStrike">
-                <a:latin typeface="Arial"/>
-              </a:rPr>
-              <a:t>f</a:t>
-            </a:r>
-            <a:r>
-              <a:rPr b="0" lang="en-GB" sz="1800" spc="-1" strike="noStrike">
-                <a:latin typeface="Arial"/>
-              </a:rPr>
-              <a:t>o</a:t>
-            </a:r>
-            <a:r>
-              <a:rPr b="0" lang="en-GB" sz="1800" spc="-1" strike="noStrike">
-                <a:latin typeface="Arial"/>
-              </a:rPr>
-              <a:t>r</a:t>
-            </a:r>
-            <a:r>
-              <a:rPr b="0" lang="en-GB" sz="1800" spc="-1" strike="noStrike">
-                <a:latin typeface="Arial"/>
-              </a:rPr>
-              <a:t>m</a:t>
-            </a:r>
-            <a:r>
-              <a:rPr b="0" lang="en-GB" sz="1800" spc="-1" strike="noStrike">
-                <a:latin typeface="Arial"/>
-              </a:rPr>
-              <a:t>a</a:t>
-            </a:r>
-            <a:r>
-              <a:rPr b="0" lang="en-GB" sz="1800" spc="-1" strike="noStrike">
-                <a:latin typeface="Arial"/>
-              </a:rPr>
-              <a:t>t</a:t>
+              <a:t>Click to edit the title text format</a:t>
             </a:r>
             <a:endParaRPr b="0" lang="en-GB" sz="1800" spc="-1" strike="noStrike">
               <a:latin typeface="Arial"/>
@@ -4250,7 +4057,27 @@
                 <a:latin typeface="Century Gothic"/>
                 <a:ea typeface="DejaVu Sans"/>
               </a:rPr>
-              <a:t>Overview</a:t>
+              <a:t>Overview-</a:t>
+            </a:r>
+            <a:r>
+              <a:rPr b="0" i="1" lang="en-GB" sz="4000" spc="-1" strike="noStrike" cap="all">
+                <a:solidFill>
+                  <a:srgbClr val="ffffff"/>
+                </a:solidFill>
+                <a:latin typeface="Century Gothic"/>
+                <a:ea typeface="DejaVu Sans"/>
+              </a:rPr>
+              <a:t>Alternate</a:t>
+            </a:r>
+            <a:r>
+              <a:rPr b="0" lang="en-GB" sz="4000" spc="-1" strike="noStrike" cap="all">
+                <a:solidFill>
+                  <a:srgbClr val="ffffff"/>
+                </a:solidFill>
+                <a:latin typeface="Century Gothic"/>
+                <a:ea typeface="DejaVu Sans"/>
+              </a:rPr>
+              <a:t> proposal</a:t>
             </a:r>
             <a:endParaRPr b="0" lang="en-GB" sz="4000" spc="-1" strike="noStrike">
               <a:latin typeface="Arial"/>
@@ -4266,7 +4093,7 @@
         </p:nvSpPr>
         <p:spPr>
           <a:xfrm>
-            <a:off x="3114000" y="2057400"/>
+            <a:off x="3696480" y="1757880"/>
             <a:ext cx="4151160" cy="2345760"/>
           </a:xfrm>
           <a:prstGeom prst="rect">
@@ -4292,6 +4119,37 @@
               </a:lnSpc>
             </a:pPr>
             <a:r>
+              <a:rPr b="1" lang="en-GB" sz="2200" spc="-1" strike="noStrike" u="sng">
+                <a:solidFill>
+                  <a:srgbClr val="ffffff"/>
+                </a:solidFill>
+                <a:uFillTx/>
+                <a:latin typeface="Century Gothic"/>
+                <a:ea typeface="DejaVu Sans"/>
+              </a:rPr>
+              <a:t>Meeting – 1</a:t>
+            </a:r>
+            <a:endParaRPr b="0" lang="en-GB" sz="2200" spc="-1" strike="noStrike">
+              <a:latin typeface="Arial"/>
+            </a:endParaRPr>
+          </a:p>
+          <a:p>
+            <a:pPr>
+              <a:lnSpc>
+                <a:spcPct val="100000"/>
+              </a:lnSpc>
+            </a:pPr>
+            <a:endParaRPr b="0" lang="en-GB" sz="2200" spc="-1" strike="noStrike">
+              <a:latin typeface="Arial"/>
+            </a:endParaRPr>
+          </a:p>
+          <a:p>
+            <a:pPr>
+              <a:lnSpc>
+                <a:spcPct val="100000"/>
+              </a:lnSpc>
+            </a:pPr>
+            <a:r>
               <a:rPr b="0" lang="en-GB" sz="2200" spc="-1" strike="noStrike" u="sng">
                 <a:solidFill>
                   <a:srgbClr val="ffffff"/>
@@ -4300,7 +4158,7 @@
                 <a:latin typeface="Century Gothic"/>
                 <a:ea typeface="DejaVu Sans"/>
               </a:rPr>
-              <a:t>Meeting – 2</a:t>
+              <a:t>Discussed</a:t>
             </a:r>
             <a:endParaRPr b="0" lang="en-GB" sz="2200" spc="-1" strike="noStrike">
               <a:latin typeface="Arial"/>
@@ -4382,6 +4240,47 @@
                 <a:spcPct val="100000"/>
               </a:lnSpc>
             </a:pPr>
+            <a:endParaRPr b="0" lang="en-GB" sz="1800" spc="-1" strike="noStrike">
+              <a:latin typeface="Arial"/>
+            </a:endParaRPr>
+          </a:p>
+          <a:p>
+            <a:pPr>
+              <a:lnSpc>
+                <a:spcPct val="100000"/>
+              </a:lnSpc>
+            </a:pPr>
+            <a:r>
+              <a:rPr b="0" lang="en-GB" sz="2200" spc="-1" strike="noStrike" u="sng">
+                <a:solidFill>
+                  <a:srgbClr val="ffffff"/>
+                </a:solidFill>
+                <a:uFillTx/>
+                <a:latin typeface="Century Gothic"/>
+                <a:ea typeface="DejaVu Sans"/>
+              </a:rPr>
+              <a:t>Deliverables</a:t>
+            </a:r>
+            <a:endParaRPr b="0" lang="en-GB" sz="2200" spc="-1" strike="noStrike">
+              <a:latin typeface="Arial"/>
+            </a:endParaRPr>
+          </a:p>
+          <a:p>
+            <a:pPr>
+              <a:lnSpc>
+                <a:spcPct val="100000"/>
+              </a:lnSpc>
+            </a:pPr>
+            <a:endParaRPr b="0" lang="en-GB" sz="2200" spc="-1" strike="noStrike">
+              <a:latin typeface="Arial"/>
+            </a:endParaRPr>
+          </a:p>
+          <a:p>
+            <a:pPr>
+              <a:lnSpc>
+                <a:spcPct val="100000"/>
+              </a:lnSpc>
+            </a:pPr>
             <a:r>
               <a:rPr b="0" lang="en-GB" sz="1800" spc="-1" strike="noStrike">
                 <a:solidFill>
@@ -4390,7 +4289,57 @@
                 <a:latin typeface="Century Gothic"/>
                 <a:ea typeface="DejaVu Sans"/>
               </a:rPr>
-              <a:t>-- 6 Games </a:t>
+              <a:t>-- Games proposals</a:t>
+            </a:r>
+            <a:endParaRPr b="0" lang="en-GB" sz="1800" spc="-1" strike="noStrike">
+              <a:latin typeface="Arial"/>
+            </a:endParaRPr>
+          </a:p>
+          <a:p>
+            <a:pPr>
+              <a:lnSpc>
+                <a:spcPct val="100000"/>
+              </a:lnSpc>
+            </a:pPr>
+            <a:r>
+              <a:rPr b="0" lang="en-GB" sz="1800" spc="-1" strike="noStrike">
+                <a:solidFill>
+                  <a:srgbClr val="ffffff"/>
+                </a:solidFill>
+                <a:latin typeface="Century Gothic"/>
+                <a:ea typeface="DejaVu Sans"/>
+              </a:rPr>
+              <a:t>–</a:t>
+            </a:r>
+            <a:r>
+              <a:rPr b="0" lang="en-GB" sz="1800" spc="-1" strike="noStrike">
+                <a:solidFill>
+                  <a:srgbClr val="ffffff"/>
+                </a:solidFill>
+                <a:latin typeface="Century Gothic"/>
+                <a:ea typeface="DejaVu Sans"/>
+              </a:rPr>
+              <a:t>- Hardware proposal </a:t>
+            </a:r>
+            <a:endParaRPr b="0" lang="en-GB" sz="1800" spc="-1" strike="noStrike">
+              <a:latin typeface="Arial"/>
+            </a:endParaRPr>
+          </a:p>
+          <a:p>
+            <a:pPr>
+              <a:lnSpc>
+                <a:spcPct val="100000"/>
+              </a:lnSpc>
+            </a:pPr>
+            <a:r>
+              <a:rPr b="0" lang="en-GB" sz="1800" spc="-1" strike="noStrike">
+                <a:solidFill>
+                  <a:srgbClr val="ffffff"/>
+                </a:solidFill>
+                <a:latin typeface="Century Gothic"/>
+                <a:ea typeface="DejaVu Sans"/>
+              </a:rPr>
+              <a:t>with pricing  </a:t>
             </a:r>
             <a:endParaRPr b="0" lang="en-GB" sz="1800" spc="-1" strike="noStrike">
               <a:latin typeface="Arial"/>
@@ -4416,7 +4365,7 @@
         </p:nvSpPr>
         <p:spPr>
           <a:xfrm>
-            <a:off x="224280" y="2057400"/>
+            <a:off x="216000" y="1800000"/>
             <a:ext cx="2742120" cy="1797840"/>
           </a:xfrm>
           <a:prstGeom prst="rect">
@@ -4442,6 +4391,37 @@
               </a:lnSpc>
             </a:pPr>
             <a:r>
+              <a:rPr b="1" lang="en-GB" sz="2200" spc="-1" strike="noStrike" u="sng">
+                <a:solidFill>
+                  <a:srgbClr val="ffffff"/>
+                </a:solidFill>
+                <a:uFillTx/>
+                <a:latin typeface="Century Gothic"/>
+                <a:ea typeface="DejaVu Sans"/>
+              </a:rPr>
+              <a:t>Meeting – 0</a:t>
+            </a:r>
+            <a:endParaRPr b="0" lang="en-GB" sz="2200" spc="-1" strike="noStrike">
+              <a:latin typeface="Arial"/>
+            </a:endParaRPr>
+          </a:p>
+          <a:p>
+            <a:pPr>
+              <a:lnSpc>
+                <a:spcPct val="100000"/>
+              </a:lnSpc>
+            </a:pPr>
+            <a:endParaRPr b="0" lang="en-GB" sz="2200" spc="-1" strike="noStrike">
+              <a:latin typeface="Arial"/>
+            </a:endParaRPr>
+          </a:p>
+          <a:p>
+            <a:pPr>
+              <a:lnSpc>
+                <a:spcPct val="100000"/>
+              </a:lnSpc>
+            </a:pPr>
+            <a:r>
               <a:rPr b="0" lang="en-GB" sz="2200" spc="-1" strike="noStrike" u="sng">
                 <a:solidFill>
                   <a:srgbClr val="ffffff"/>
@@ -4450,7 +4430,7 @@
                 <a:latin typeface="Century Gothic"/>
                 <a:ea typeface="DejaVu Sans"/>
               </a:rPr>
-              <a:t>Meeting – 1</a:t>
+              <a:t>Discussed</a:t>
             </a:r>
             <a:endParaRPr b="0" lang="en-GB" sz="2200" spc="-1" strike="noStrike">
               <a:latin typeface="Arial"/>
@@ -4521,6 +4501,207 @@
                 <a:ea typeface="DejaVu Sans"/>
               </a:rPr>
               <a:t>-- Resources</a:t>
+            </a:r>
+            <a:endParaRPr b="0" lang="en-GB" sz="1800" spc="-1" strike="noStrike">
+              <a:latin typeface="Arial"/>
+            </a:endParaRPr>
+          </a:p>
+          <a:p>
+            <a:pPr>
+              <a:lnSpc>
+                <a:spcPct val="100000"/>
+              </a:lnSpc>
+            </a:pPr>
+            <a:endParaRPr b="0" lang="en-GB" sz="1800" spc="-1" strike="noStrike">
+              <a:latin typeface="Arial"/>
+            </a:endParaRPr>
+          </a:p>
+          <a:p>
+            <a:pPr>
+              <a:lnSpc>
+                <a:spcPct val="100000"/>
+              </a:lnSpc>
+            </a:pPr>
+            <a:r>
+              <a:rPr b="0" lang="en-GB" sz="2200" spc="-1" strike="noStrike" u="sng">
+                <a:solidFill>
+                  <a:srgbClr val="ffffff"/>
+                </a:solidFill>
+                <a:uFillTx/>
+                <a:latin typeface="Century Gothic"/>
+                <a:ea typeface="DejaVu Sans"/>
+              </a:rPr>
+              <a:t>Deliverables</a:t>
+            </a:r>
+            <a:endParaRPr b="0" lang="en-GB" sz="2200" spc="-1" strike="noStrike">
+              <a:latin typeface="Arial"/>
+            </a:endParaRPr>
+          </a:p>
+          <a:p>
+            <a:pPr>
+              <a:lnSpc>
+                <a:spcPct val="100000"/>
+              </a:lnSpc>
+            </a:pPr>
+            <a:endParaRPr b="0" lang="en-GB" sz="2200" spc="-1" strike="noStrike">
+              <a:latin typeface="Arial"/>
+            </a:endParaRPr>
+          </a:p>
+          <a:p>
+            <a:pPr>
+              <a:lnSpc>
+                <a:spcPct val="100000"/>
+              </a:lnSpc>
+            </a:pPr>
+            <a:r>
+              <a:rPr b="0" lang="en-GB" sz="1800" spc="-1" strike="noStrike">
+                <a:solidFill>
+                  <a:srgbClr val="ffffff"/>
+                </a:solidFill>
+                <a:latin typeface="Century Gothic"/>
+                <a:ea typeface="DejaVu Sans"/>
+              </a:rPr>
+              <a:t>-- User stories</a:t>
+            </a:r>
+            <a:endParaRPr b="0" lang="en-GB" sz="1800" spc="-1" strike="noStrike">
+              <a:latin typeface="Arial"/>
+            </a:endParaRPr>
+          </a:p>
+          <a:p>
+            <a:pPr>
+              <a:lnSpc>
+                <a:spcPct val="100000"/>
+              </a:lnSpc>
+            </a:pPr>
+            <a:r>
+              <a:rPr b="0" lang="en-GB" sz="1800" spc="-1" strike="noStrike">
+                <a:solidFill>
+                  <a:srgbClr val="ffffff"/>
+                </a:solidFill>
+                <a:latin typeface="Century Gothic"/>
+                <a:ea typeface="DejaVu Sans"/>
+              </a:rPr>
+              <a:t>–</a:t>
+            </a:r>
+            <a:r>
+              <a:rPr b="0" lang="en-GB" sz="1800" spc="-1" strike="noStrike">
+                <a:solidFill>
+                  <a:srgbClr val="ffffff"/>
+                </a:solidFill>
+                <a:latin typeface="Century Gothic"/>
+                <a:ea typeface="DejaVu Sans"/>
+              </a:rPr>
+              <a:t>- Requirements</a:t>
+            </a:r>
+            <a:endParaRPr b="0" lang="en-GB" sz="1800" spc="-1" strike="noStrike">
+              <a:latin typeface="Arial"/>
+            </a:endParaRPr>
+          </a:p>
+          <a:p>
+            <a:pPr>
+              <a:lnSpc>
+                <a:spcPct val="100000"/>
+              </a:lnSpc>
+            </a:pPr>
+            <a:r>
+              <a:rPr b="0" lang="en-GB" sz="1800" spc="-1" strike="noStrike">
+                <a:solidFill>
+                  <a:srgbClr val="ffffff"/>
+                </a:solidFill>
+                <a:latin typeface="Century Gothic"/>
+                <a:ea typeface="DejaVu Sans"/>
+              </a:rPr>
+              <a:t>–</a:t>
+            </a:r>
+            <a:r>
+              <a:rPr b="0" lang="en-GB" sz="1800" spc="-1" strike="noStrike">
+                <a:solidFill>
+                  <a:srgbClr val="ffffff"/>
+                </a:solidFill>
+                <a:latin typeface="Century Gothic"/>
+                <a:ea typeface="DejaVu Sans"/>
+              </a:rPr>
+              <a:t>- Hardware research</a:t>
+            </a:r>
+            <a:endParaRPr b="0" lang="en-GB" sz="1800" spc="-1" strike="noStrike">
+              <a:latin typeface="Arial"/>
+            </a:endParaRPr>
+          </a:p>
+          <a:p>
+            <a:pPr>
+              <a:lnSpc>
+                <a:spcPct val="100000"/>
+              </a:lnSpc>
+            </a:pPr>
+            <a:r>
+              <a:rPr b="0" lang="en-GB" sz="1800" spc="-1" strike="noStrike">
+                <a:solidFill>
+                  <a:srgbClr val="ffffff"/>
+                </a:solidFill>
+                <a:latin typeface="Century Gothic"/>
+                <a:ea typeface="DejaVu Sans"/>
+              </a:rPr>
+              <a:t>–</a:t>
+            </a:r>
+            <a:r>
+              <a:rPr b="0" lang="en-GB" sz="1800" spc="-1" strike="noStrike">
+                <a:solidFill>
+                  <a:srgbClr val="ffffff"/>
+                </a:solidFill>
+                <a:latin typeface="Century Gothic"/>
+                <a:ea typeface="DejaVu Sans"/>
+              </a:rPr>
+              <a:t>- Cabinet research </a:t>
+            </a:r>
+            <a:endParaRPr b="0" lang="en-GB" sz="1800" spc="-1" strike="noStrike">
+              <a:latin typeface="Arial"/>
+            </a:endParaRPr>
+          </a:p>
+          <a:p>
+            <a:pPr>
+              <a:lnSpc>
+                <a:spcPct val="100000"/>
+              </a:lnSpc>
+            </a:pPr>
+            <a:r>
+              <a:rPr b="0" lang="en-GB" sz="1800" spc="-1" strike="noStrike">
+                <a:solidFill>
+                  <a:srgbClr val="ffffff"/>
+                </a:solidFill>
+                <a:latin typeface="Century Gothic"/>
+                <a:ea typeface="DejaVu Sans"/>
+              </a:rPr>
+              <a:t>-- Game suggestions</a:t>
+            </a:r>
+            <a:endParaRPr b="0" lang="en-GB" sz="1800" spc="-1" strike="noStrike">
+              <a:latin typeface="Arial"/>
+            </a:endParaRPr>
+          </a:p>
+          <a:p>
+            <a:pPr>
+              <a:lnSpc>
+                <a:spcPct val="100000"/>
+              </a:lnSpc>
+            </a:pPr>
+            <a:r>
+              <a:rPr b="0" lang="en-GB" sz="1800" spc="-1" strike="noStrike">
+                <a:solidFill>
+                  <a:srgbClr val="ffffff"/>
+                </a:solidFill>
+                <a:latin typeface="Century Gothic"/>
+                <a:ea typeface="DejaVu Sans"/>
+              </a:rPr>
+              <a:t>–</a:t>
+            </a:r>
+            <a:r>
+              <a:rPr b="0" lang="en-GB" sz="1800" spc="-1" strike="noStrike">
+                <a:solidFill>
+                  <a:srgbClr val="ffffff"/>
+                </a:solidFill>
+                <a:latin typeface="Century Gothic"/>
+                <a:ea typeface="DejaVu Sans"/>
+              </a:rPr>
+              <a:t>- NN research</a:t>
             </a:r>
             <a:endParaRPr b="0" lang="en-GB" sz="1800" spc="-1" strike="noStrike">
               <a:latin typeface="Arial"/>
@@ -4546,7 +4727,7 @@
         </p:nvSpPr>
         <p:spPr>
           <a:xfrm>
-            <a:off x="224280" y="4530240"/>
+            <a:off x="8352000" y="2016000"/>
             <a:ext cx="3389040" cy="2345760"/>
           </a:xfrm>
           <a:prstGeom prst="rect">
@@ -4572,6 +4753,117 @@
               </a:lnSpc>
             </a:pPr>
             <a:r>
+              <a:rPr b="1" lang="en-GB" sz="2200" spc="-1" strike="noStrike" u="sng">
+                <a:solidFill>
+                  <a:srgbClr val="ffffff"/>
+                </a:solidFill>
+                <a:uFillTx/>
+                <a:latin typeface="Century Gothic"/>
+                <a:ea typeface="DejaVu Sans"/>
+              </a:rPr>
+              <a:t>Meeting - 2</a:t>
+            </a:r>
+            <a:endParaRPr b="0" lang="en-GB" sz="2200" spc="-1" strike="noStrike">
+              <a:latin typeface="Arial"/>
+            </a:endParaRPr>
+          </a:p>
+          <a:p>
+            <a:pPr>
+              <a:lnSpc>
+                <a:spcPct val="100000"/>
+              </a:lnSpc>
+            </a:pPr>
+            <a:endParaRPr b="0" lang="en-GB" sz="2200" spc="-1" strike="noStrike">
+              <a:latin typeface="Arial"/>
+            </a:endParaRPr>
+          </a:p>
+          <a:p>
+            <a:pPr>
+              <a:lnSpc>
+                <a:spcPct val="100000"/>
+              </a:lnSpc>
+            </a:pPr>
+            <a:r>
+              <a:rPr b="0" lang="en-GB" sz="1800" spc="-1" strike="noStrike">
+                <a:solidFill>
+                  <a:srgbClr val="ffffff"/>
+                </a:solidFill>
+                <a:latin typeface="Century Gothic"/>
+                <a:ea typeface="DejaVu Sans"/>
+              </a:rPr>
+              <a:t>-- 2 Games </a:t>
+            </a:r>
+            <a:endParaRPr b="0" lang="en-GB" sz="1800" spc="-1" strike="noStrike">
+              <a:latin typeface="Arial"/>
+            </a:endParaRPr>
+          </a:p>
+          <a:p>
+            <a:pPr>
+              <a:lnSpc>
+                <a:spcPct val="100000"/>
+              </a:lnSpc>
+            </a:pPr>
+            <a:r>
+              <a:rPr b="0" lang="en-GB" sz="1800" spc="-1" strike="noStrike">
+                <a:solidFill>
+                  <a:srgbClr val="ffffff"/>
+                </a:solidFill>
+                <a:latin typeface="Century Gothic"/>
+                <a:ea typeface="DejaVu Sans"/>
+              </a:rPr>
+              <a:t>-- Initial hardware</a:t>
+            </a:r>
+            <a:endParaRPr b="0" lang="en-GB" sz="1800" spc="-1" strike="noStrike">
+              <a:latin typeface="Arial"/>
+            </a:endParaRPr>
+          </a:p>
+          <a:p>
+            <a:pPr>
+              <a:lnSpc>
+                <a:spcPct val="100000"/>
+              </a:lnSpc>
+            </a:pPr>
+            <a:r>
+              <a:rPr b="0" lang="en-GB" sz="1800" spc="-1" strike="noStrike">
+                <a:solidFill>
+                  <a:srgbClr val="ffffff"/>
+                </a:solidFill>
+                <a:latin typeface="Century Gothic"/>
+                <a:ea typeface="DejaVu Sans"/>
+              </a:rPr>
+              <a:t>-- Emphasis on requirements</a:t>
+            </a:r>
+            <a:endParaRPr b="0" lang="en-GB" sz="1800" spc="-1" strike="noStrike">
+              <a:latin typeface="Arial"/>
+            </a:endParaRPr>
+          </a:p>
+          <a:p>
+            <a:pPr>
+              <a:lnSpc>
+                <a:spcPct val="100000"/>
+              </a:lnSpc>
+            </a:pPr>
+            <a:endParaRPr b="0" lang="en-GB" sz="1800" spc="-1" strike="noStrike">
+              <a:latin typeface="Arial"/>
+            </a:endParaRPr>
+          </a:p>
+          <a:p>
+            <a:pPr>
+              <a:lnSpc>
+                <a:spcPct val="100000"/>
+              </a:lnSpc>
+            </a:pPr>
+            <a:endParaRPr b="0" lang="en-GB" sz="1800" spc="-1" strike="noStrike">
+              <a:latin typeface="Arial"/>
+            </a:endParaRPr>
+          </a:p>
+          <a:p>
+            <a:pPr>
+              <a:lnSpc>
+                <a:spcPct val="100000"/>
+              </a:lnSpc>
+            </a:pPr>
+            <a:r>
               <a:rPr b="0" lang="en-GB" sz="2200" spc="-1" strike="noStrike" u="sng">
                 <a:solidFill>
                   <a:srgbClr val="ffffff"/>
@@ -4580,7 +4872,7 @@
                 <a:latin typeface="Century Gothic"/>
                 <a:ea typeface="DejaVu Sans"/>
               </a:rPr>
-              <a:t>Meeting 3</a:t>
+              <a:t>Deliverables</a:t>
             </a:r>
             <a:endParaRPr b="0" lang="en-GB" sz="2200" spc="-1" strike="noStrike">
               <a:latin typeface="Arial"/>
@@ -4610,7 +4902,7 @@
                 <a:latin typeface="Century Gothic"/>
                 <a:ea typeface="DejaVu Sans"/>
               </a:rPr>
-              <a:t>-- 2 Games </a:t>
+              <a:t>-- 2 detailed game proposals</a:t>
             </a:r>
             <a:endParaRPr b="0" lang="en-GB" sz="1800" spc="-1" strike="noStrike">
               <a:latin typeface="Arial"/>
@@ -4630,7 +4922,17 @@
                 <a:latin typeface="Century Gothic"/>
                 <a:ea typeface="DejaVu Sans"/>
               </a:rPr>
-              <a:t>-- Confirmed hardware</a:t>
+              <a:t>– </a:t>
+            </a:r>
+            <a:r>
+              <a:rPr b="0" lang="en-GB" sz="1800" spc="-1" strike="noStrike">
+                <a:solidFill>
+                  <a:srgbClr val="ffffff"/>
+                </a:solidFill>
+                <a:latin typeface="Century Gothic"/>
+                <a:ea typeface="DejaVu Sans"/>
+              </a:rPr>
+              <a:t>Hardware purchase proposal</a:t>
             </a:r>
             <a:endParaRPr b="0" lang="en-GB" sz="1800" spc="-1" strike="noStrike">
               <a:latin typeface="Arial"/>
@@ -4642,16 +4944,6 @@
                 <a:spcPct val="100000"/>
               </a:lnSpc>
             </a:pPr>
-            <a:r>
-              <a:rPr b="0" lang="en-GB" sz="1800" spc="-1" strike="noStrike">
-                <a:solidFill>
-                  <a:srgbClr val="ffffff"/>
-                </a:solidFill>
-                <a:latin typeface="Century Gothic"/>
-                <a:ea typeface="DejaVu Sans"/>
-              </a:rPr>
-              <a:t>-- Confirmed purchase list </a:t>
-            </a:r>
             <a:endParaRPr b="0" lang="en-GB" sz="1800" spc="-1" strike="noStrike">
               <a:latin typeface="Arial"/>
             </a:endParaRPr>
@@ -4662,16 +4954,6 @@
                 <a:spcPct val="100000"/>
               </a:lnSpc>
             </a:pPr>
-            <a:r>
-              <a:rPr b="0" lang="en-GB" sz="1800" spc="-1" strike="noStrike">
-                <a:solidFill>
-                  <a:srgbClr val="ffffff"/>
-                </a:solidFill>
-                <a:latin typeface="Century Gothic"/>
-                <a:ea typeface="DejaVu Sans"/>
-              </a:rPr>
-              <a:t>--  Emphasis on requirements</a:t>
-            </a:r>
             <a:endParaRPr b="0" lang="en-GB" sz="1800" spc="-1" strike="noStrike">
               <a:latin typeface="Arial"/>
             </a:endParaRPr>
@@ -4696,8 +4978,8 @@
         </p:nvSpPr>
         <p:spPr>
           <a:xfrm>
-            <a:off x="8203680" y="2057400"/>
-            <a:ext cx="3993120" cy="3991680"/>
+            <a:off x="144000" y="4322880"/>
+            <a:ext cx="3023640" cy="1797840"/>
           </a:xfrm>
           <a:prstGeom prst="rect">
             <a:avLst/>
@@ -4721,18 +5003,7 @@
                 <a:spcPct val="100000"/>
               </a:lnSpc>
             </a:pPr>
-            <a:r>
-              <a:rPr b="0" lang="en-GB" sz="2200" spc="-1" strike="noStrike" u="sng">
-                <a:solidFill>
-                  <a:srgbClr val="ffffff"/>
-                </a:solidFill>
-                <a:uFillTx/>
-                <a:latin typeface="Century Gothic"/>
-                <a:ea typeface="DejaVu Sans"/>
-              </a:rPr>
-              <a:t>Deliverables so Far</a:t>
-            </a:r>
-            <a:endParaRPr b="0" lang="en-GB" sz="2200" spc="-1" strike="noStrike">
+            <a:endParaRPr b="0" lang="en-GB" sz="1800" spc="-1" strike="noStrike">
               <a:latin typeface="Arial"/>
             </a:endParaRPr>
           </a:p>
@@ -4742,222 +5013,271 @@
                 <a:spcPct val="100000"/>
               </a:lnSpc>
             </a:pPr>
-            <a:endParaRPr b="0" lang="en-GB" sz="2200" spc="-1" strike="noStrike">
-              <a:latin typeface="Arial"/>
-            </a:endParaRPr>
-          </a:p>
-          <a:p>
-            <a:pPr>
-              <a:lnSpc>
-                <a:spcPct val="100000"/>
-              </a:lnSpc>
-            </a:pPr>
-            <a:r>
-              <a:rPr b="0" lang="en-GB" sz="1800" spc="-1" strike="noStrike">
-                <a:solidFill>
-                  <a:srgbClr val="ffffff"/>
-                </a:solidFill>
-                <a:latin typeface="Century Gothic"/>
-                <a:ea typeface="DejaVu Sans"/>
-              </a:rPr>
-              <a:t>-- Requirements </a:t>
-            </a:r>
             <a:endParaRPr b="0" lang="en-GB" sz="1800" spc="-1" strike="noStrike">
               <a:latin typeface="Arial"/>
             </a:endParaRPr>
           </a:p>
-          <a:p>
-            <a:pPr>
-              <a:lnSpc>
-                <a:spcPct val="100000"/>
-              </a:lnSpc>
-            </a:pPr>
-            <a:r>
-              <a:rPr b="0" lang="en-GB" sz="1800" spc="-1" strike="noStrike">
-                <a:solidFill>
-                  <a:srgbClr val="ffffff"/>
-                </a:solidFill>
-                <a:latin typeface="Century Gothic"/>
-                <a:ea typeface="DejaVu Sans"/>
-              </a:rPr>
-              <a:t>-- Game proposals</a:t>
-            </a:r>
-            <a:endParaRPr b="0" lang="en-GB" sz="1800" spc="-1" strike="noStrike">
-              <a:latin typeface="Arial"/>
-            </a:endParaRPr>
-          </a:p>
-          <a:p>
-            <a:pPr>
-              <a:lnSpc>
-                <a:spcPct val="100000"/>
-              </a:lnSpc>
-            </a:pPr>
-            <a:r>
-              <a:rPr b="0" lang="en-GB" sz="1800" spc="-1" strike="noStrike">
-                <a:solidFill>
-                  <a:srgbClr val="ffffff"/>
-                </a:solidFill>
-                <a:latin typeface="Century Gothic"/>
-                <a:ea typeface="DejaVu Sans"/>
-              </a:rPr>
-              <a:t>-- Hardware proposals</a:t>
-            </a:r>
-            <a:endParaRPr b="0" lang="en-GB" sz="1800" spc="-1" strike="noStrike">
-              <a:latin typeface="Arial"/>
-            </a:endParaRPr>
-          </a:p>
-          <a:p>
-            <a:pPr>
-              <a:lnSpc>
-                <a:spcPct val="100000"/>
-              </a:lnSpc>
-            </a:pPr>
-            <a:r>
-              <a:rPr b="0" lang="en-GB" sz="1800" spc="-1" strike="noStrike">
-                <a:solidFill>
-                  <a:srgbClr val="ffffff"/>
-                </a:solidFill>
-                <a:latin typeface="Century Gothic"/>
-                <a:ea typeface="DejaVu Sans"/>
-              </a:rPr>
-              <a:t>-- Cabinet proposals</a:t>
-            </a:r>
-            <a:endParaRPr b="0" lang="en-GB" sz="1800" spc="-1" strike="noStrike">
-              <a:latin typeface="Arial"/>
-            </a:endParaRPr>
-          </a:p>
-          <a:p>
-            <a:pPr>
-              <a:lnSpc>
-                <a:spcPct val="100000"/>
-              </a:lnSpc>
-            </a:pPr>
-            <a:r>
-              <a:rPr b="0" lang="en-GB" sz="1800" spc="-1" strike="noStrike">
-                <a:solidFill>
-                  <a:srgbClr val="ffffff"/>
-                </a:solidFill>
-                <a:latin typeface="Century Gothic"/>
-                <a:ea typeface="DejaVu Sans"/>
-              </a:rPr>
-              <a:t>-- User Stories</a:t>
-            </a:r>
-            <a:endParaRPr b="0" lang="en-GB" sz="1800" spc="-1" strike="noStrike">
-              <a:latin typeface="Arial"/>
-            </a:endParaRPr>
-          </a:p>
-          <a:p>
-            <a:pPr>
-              <a:lnSpc>
-                <a:spcPct val="100000"/>
-              </a:lnSpc>
-            </a:pPr>
-            <a:r>
-              <a:rPr b="0" lang="en-GB" sz="1800" spc="-1" strike="noStrike">
-                <a:solidFill>
-                  <a:srgbClr val="ffffff"/>
-                </a:solidFill>
-                <a:latin typeface="Century Gothic"/>
-                <a:ea typeface="DejaVu Sans"/>
-              </a:rPr>
-              <a:t>-- Wireframes</a:t>
-            </a:r>
-            <a:endParaRPr b="0" lang="en-GB" sz="1800" spc="-1" strike="noStrike">
-              <a:latin typeface="Arial"/>
-            </a:endParaRPr>
-          </a:p>
-          <a:p>
-            <a:pPr>
-              <a:lnSpc>
-                <a:spcPct val="100000"/>
-              </a:lnSpc>
-            </a:pPr>
-            <a:r>
-              <a:rPr b="0" lang="en-GB" sz="1800" spc="-1" strike="noStrike">
-                <a:solidFill>
-                  <a:srgbClr val="ffffff"/>
-                </a:solidFill>
-                <a:latin typeface="Century Gothic"/>
-                <a:ea typeface="DejaVu Sans"/>
-              </a:rPr>
-              <a:t>-- Prototype 1 (Game 1)</a:t>
-            </a:r>
-            <a:endParaRPr b="0" lang="en-GB" sz="1800" spc="-1" strike="noStrike">
-              <a:latin typeface="Arial"/>
-            </a:endParaRPr>
-          </a:p>
-          <a:p>
-            <a:pPr>
-              <a:lnSpc>
-                <a:spcPct val="100000"/>
-              </a:lnSpc>
-            </a:pPr>
-            <a:r>
-              <a:rPr b="0" lang="en-GB" sz="1800" spc="-1" strike="noStrike">
-                <a:solidFill>
-                  <a:srgbClr val="ffffff"/>
-                </a:solidFill>
-                <a:latin typeface="Century Gothic"/>
-                <a:ea typeface="DejaVu Sans"/>
-              </a:rPr>
-              <a:t>-- Prototype 2 (Game 2)</a:t>
-            </a:r>
-            <a:endParaRPr b="0" lang="en-GB" sz="1800" spc="-1" strike="noStrike">
-              <a:latin typeface="Arial"/>
-            </a:endParaRPr>
-          </a:p>
-          <a:p>
-            <a:pPr>
-              <a:lnSpc>
-                <a:spcPct val="100000"/>
-              </a:lnSpc>
-            </a:pPr>
-            <a:r>
-              <a:rPr b="0" lang="en-GB" sz="1800" spc="-1" strike="noStrike">
-                <a:solidFill>
-                  <a:srgbClr val="ffffff"/>
-                </a:solidFill>
-                <a:latin typeface="Century Gothic"/>
-                <a:ea typeface="DejaVu Sans"/>
-              </a:rPr>
-              <a:t>-- NN Prototype/research</a:t>
-            </a:r>
-            <a:endParaRPr b="0" lang="en-GB" sz="1800" spc="-1" strike="noStrike">
-              <a:latin typeface="Arial"/>
-            </a:endParaRPr>
-          </a:p>
-          <a:p>
-            <a:pPr>
-              <a:lnSpc>
-                <a:spcPct val="100000"/>
-              </a:lnSpc>
-            </a:pPr>
-            <a:r>
-              <a:rPr b="0" lang="en-GB" sz="1800" spc="-1" strike="noStrike">
-                <a:solidFill>
-                  <a:srgbClr val="ffffff"/>
-                </a:solidFill>
-                <a:latin typeface="Century Gothic"/>
-                <a:ea typeface="DejaVu Sans"/>
-              </a:rPr>
-              <a:t>-- Interfacing with the Raspberry Pi</a:t>
-            </a:r>
-            <a:endParaRPr b="0" lang="en-GB" sz="1800" spc="-1" strike="noStrike">
-              <a:latin typeface="Arial"/>
-            </a:endParaRPr>
-          </a:p>
-          <a:p>
-            <a:pPr>
-              <a:lnSpc>
-                <a:spcPct val="100000"/>
-              </a:lnSpc>
-            </a:pPr>
-            <a:endParaRPr b="0" lang="en-GB" sz="1800" spc="-1" strike="noStrike">
-              <a:latin typeface="Arial"/>
-            </a:endParaRPr>
-          </a:p>
-        </p:txBody>
-      </p:sp>
+        </p:txBody>
+      </p:sp>
+      <p:sp>
+        <p:nvSpPr>
+          <p:cNvPr id="91" name="CustomShape 6"/>
+          <p:cNvSpPr/>
+          <p:nvPr/>
+        </p:nvSpPr>
+        <p:spPr>
+          <a:xfrm>
+            <a:off x="6009480" y="3308760"/>
+            <a:ext cx="180360" cy="232200"/>
+          </a:xfrm>
+          <a:prstGeom prst="rect">
+            <a:avLst/>
+          </a:prstGeom>
+          <a:noFill/>
+          <a:ln>
+            <a:noFill/>
+          </a:ln>
+        </p:spPr>
+        <p:style>
+          <a:lnRef idx="0"/>
+          <a:fillRef idx="0"/>
+          <a:effectRef idx="0"/>
+          <a:fontRef idx="minor"/>
+        </p:style>
+      </p:sp>
+      <p:pic>
+        <p:nvPicPr>
+          <p:cNvPr id="92" name="" descr=""/>
+          <p:cNvPicPr/>
+          <p:nvPr/>
+        </p:nvPicPr>
+        <p:blipFill>
+          <a:blip r:embed="rId1"/>
+          <a:stretch/>
+        </p:blipFill>
+        <p:spPr>
+          <a:xfrm>
+            <a:off x="2232000" y="5217120"/>
+            <a:ext cx="259560" cy="254520"/>
+          </a:xfrm>
+          <a:prstGeom prst="rect">
+            <a:avLst/>
+          </a:prstGeom>
+          <a:ln>
+            <a:noFill/>
+          </a:ln>
+        </p:spPr>
+      </p:pic>
+      <p:sp>
+        <p:nvSpPr>
+          <p:cNvPr id="93" name="CustomShape 7"/>
+          <p:cNvSpPr/>
+          <p:nvPr/>
+        </p:nvSpPr>
+        <p:spPr>
+          <a:xfrm>
+            <a:off x="6009480" y="3308760"/>
+            <a:ext cx="180360" cy="232200"/>
+          </a:xfrm>
+          <a:prstGeom prst="rect">
+            <a:avLst/>
+          </a:prstGeom>
+          <a:noFill/>
+          <a:ln>
+            <a:noFill/>
+          </a:ln>
+        </p:spPr>
+        <p:style>
+          <a:lnRef idx="0"/>
+          <a:fillRef idx="0"/>
+          <a:effectRef idx="0"/>
+          <a:fontRef idx="minor"/>
+        </p:style>
+      </p:sp>
+      <p:pic>
+        <p:nvPicPr>
+          <p:cNvPr id="94" name="" descr=""/>
+          <p:cNvPicPr/>
+          <p:nvPr/>
+        </p:nvPicPr>
+        <p:blipFill>
+          <a:blip r:embed="rId2"/>
+          <a:stretch/>
+        </p:blipFill>
+        <p:spPr>
+          <a:xfrm>
+            <a:off x="2808000" y="5505120"/>
+            <a:ext cx="259560" cy="254520"/>
+          </a:xfrm>
+          <a:prstGeom prst="rect">
+            <a:avLst/>
+          </a:prstGeom>
+          <a:ln>
+            <a:noFill/>
+          </a:ln>
+        </p:spPr>
+      </p:pic>
+      <p:pic>
+        <p:nvPicPr>
+          <p:cNvPr id="95" name="" descr=""/>
+          <p:cNvPicPr/>
+          <p:nvPr/>
+        </p:nvPicPr>
+        <p:blipFill>
+          <a:blip r:embed="rId3"/>
+          <a:stretch/>
+        </p:blipFill>
+        <p:spPr>
+          <a:xfrm>
+            <a:off x="2548080" y="5760000"/>
+            <a:ext cx="259560" cy="254520"/>
+          </a:xfrm>
+          <a:prstGeom prst="rect">
+            <a:avLst/>
+          </a:prstGeom>
+          <a:ln>
+            <a:noFill/>
+          </a:ln>
+        </p:spPr>
+      </p:pic>
+      <p:pic>
+        <p:nvPicPr>
+          <p:cNvPr id="96" name="" descr=""/>
+          <p:cNvPicPr/>
+          <p:nvPr/>
+        </p:nvPicPr>
+        <p:blipFill>
+          <a:blip r:embed="rId4"/>
+          <a:stretch/>
+        </p:blipFill>
+        <p:spPr>
+          <a:xfrm>
+            <a:off x="2836080" y="6014880"/>
+            <a:ext cx="259560" cy="254520"/>
+          </a:xfrm>
+          <a:prstGeom prst="rect">
+            <a:avLst/>
+          </a:prstGeom>
+          <a:ln>
+            <a:noFill/>
+          </a:ln>
+        </p:spPr>
+      </p:pic>
+      <p:pic>
+        <p:nvPicPr>
+          <p:cNvPr id="97" name="" descr=""/>
+          <p:cNvPicPr/>
+          <p:nvPr/>
+        </p:nvPicPr>
+        <p:blipFill>
+          <a:blip r:embed="rId5"/>
+          <a:stretch/>
+        </p:blipFill>
+        <p:spPr>
+          <a:xfrm>
+            <a:off x="2116080" y="6336000"/>
+            <a:ext cx="259560" cy="254520"/>
+          </a:xfrm>
+          <a:prstGeom prst="rect">
+            <a:avLst/>
+          </a:prstGeom>
+          <a:ln>
+            <a:noFill/>
+          </a:ln>
+        </p:spPr>
+      </p:pic>
+      <p:pic>
+        <p:nvPicPr>
+          <p:cNvPr id="98" name="" descr=""/>
+          <p:cNvPicPr/>
+          <p:nvPr/>
+        </p:nvPicPr>
+        <p:blipFill>
+          <a:blip r:embed="rId6"/>
+          <a:stretch/>
+        </p:blipFill>
+        <p:spPr>
+          <a:xfrm>
+            <a:off x="6120000" y="5145120"/>
+            <a:ext cx="259560" cy="254520"/>
+          </a:xfrm>
+          <a:prstGeom prst="rect">
+            <a:avLst/>
+          </a:prstGeom>
+          <a:ln>
+            <a:noFill/>
+          </a:ln>
+        </p:spPr>
+      </p:pic>
+      <p:pic>
+        <p:nvPicPr>
+          <p:cNvPr id="99" name="" descr=""/>
+          <p:cNvPicPr/>
+          <p:nvPr/>
+        </p:nvPicPr>
+        <p:blipFill>
+          <a:blip r:embed="rId7"/>
+          <a:stretch/>
+        </p:blipFill>
+        <p:spPr>
+          <a:xfrm>
+            <a:off x="5284080" y="5688000"/>
+            <a:ext cx="259560" cy="254520"/>
+          </a:xfrm>
+          <a:prstGeom prst="rect">
+            <a:avLst/>
+          </a:prstGeom>
+          <a:ln>
+            <a:noFill/>
+          </a:ln>
+        </p:spPr>
+      </p:pic>
+      <p:pic>
+        <p:nvPicPr>
+          <p:cNvPr id="100" name="" descr=""/>
+          <p:cNvPicPr/>
+          <p:nvPr/>
+        </p:nvPicPr>
+        <p:blipFill>
+          <a:blip r:embed="rId8"/>
+          <a:stretch/>
+        </p:blipFill>
+        <p:spPr>
+          <a:xfrm>
+            <a:off x="9532080" y="5832000"/>
+            <a:ext cx="259560" cy="254520"/>
+          </a:xfrm>
+          <a:prstGeom prst="rect">
+            <a:avLst/>
+          </a:prstGeom>
+          <a:ln>
+            <a:noFill/>
+          </a:ln>
+        </p:spPr>
+      </p:pic>
+      <p:pic>
+        <p:nvPicPr>
+          <p:cNvPr id="101" name="" descr=""/>
+          <p:cNvPicPr/>
+          <p:nvPr/>
+        </p:nvPicPr>
+        <p:blipFill>
+          <a:blip r:embed="rId9"/>
+          <a:stretch/>
+        </p:blipFill>
+        <p:spPr>
+          <a:xfrm>
+            <a:off x="2016000" y="4929120"/>
+            <a:ext cx="259560" cy="254520"/>
+          </a:xfrm>
+          <a:prstGeom prst="rect">
+            <a:avLst/>
+          </a:prstGeom>
+          <a:ln>
+            <a:noFill/>
+          </a:ln>
+        </p:spPr>
+      </p:pic>
     </p:spTree>
   </p:cSld>
   <p:timing>
@@ -5009,7 +5329,7 @@
       </p:grpSpPr>
       <p:sp>
         <p:nvSpPr>
-          <p:cNvPr id="91" name="CustomShape 1"/>
+          <p:cNvPr id="102" name="CustomShape 1"/>
           <p:cNvSpPr/>
           <p:nvPr/>
         </p:nvSpPr>
@@ -5048,27 +5368,7 @@
                 <a:latin typeface="Century Gothic"/>
                 <a:ea typeface="DejaVu Sans"/>
               </a:rPr>
-              <a:t>Overview-</a:t>
-            </a:r>
-            <a:r>
-              <a:rPr b="0" i="1" lang="en-GB" sz="4000" spc="-1" strike="noStrike" cap="all">
-                <a:solidFill>
-                  <a:srgbClr val="ffffff"/>
-                </a:solidFill>
-                <a:latin typeface="Century Gothic"/>
-                <a:ea typeface="DejaVu Sans"/>
-              </a:rPr>
-              <a:t>Alternate</a:t>
-            </a:r>
-            <a:r>
-              <a:rPr b="0" lang="en-GB" sz="4000" spc="-1" strike="noStrike" cap="all">
-                <a:solidFill>
-                  <a:srgbClr val="ffffff"/>
-                </a:solidFill>
-                <a:latin typeface="Century Gothic"/>
-                <a:ea typeface="DejaVu Sans"/>
-              </a:rPr>
-              <a:t> proposal</a:t>
+              <a:t>Progress – software</a:t>
             </a:r>
             <a:endParaRPr b="0" lang="en-GB" sz="4000" spc="-1" strike="noStrike">
               <a:latin typeface="Arial"/>
@@ -5078,14 +5378,14 @@
       </p:sp>
       <p:sp>
         <p:nvSpPr>
-          <p:cNvPr id="92" name="CustomShape 2"/>
+          <p:cNvPr id="103" name="CustomShape 2"/>
           <p:cNvSpPr/>
           <p:nvPr/>
         </p:nvSpPr>
         <p:spPr>
           <a:xfrm>
-            <a:off x="3696480" y="1757880"/>
-            <a:ext cx="4151160" cy="2345760"/>
+            <a:off x="4663800" y="2520000"/>
+            <a:ext cx="3975840" cy="3074040"/>
           </a:xfrm>
           <a:prstGeom prst="rect">
             <a:avLst/>
@@ -5102,262 +5402,189 @@
           <a:fontRef idx="minor"/>
         </p:style>
         <p:txBody>
-          <a:bodyPr lIns="90000" rIns="90000" tIns="45000" bIns="45000"/>
-          <a:p>
-            <a:pPr>
-              <a:lnSpc>
-                <a:spcPct val="100000"/>
-              </a:lnSpc>
-            </a:pPr>
-            <a:r>
-              <a:rPr b="1" lang="en-GB" sz="2200" spc="-1" strike="noStrike" u="sng">
-                <a:solidFill>
-                  <a:srgbClr val="ffffff"/>
-                </a:solidFill>
-                <a:uFillTx/>
-                <a:latin typeface="Century Gothic"/>
-                <a:ea typeface="DejaVu Sans"/>
-              </a:rPr>
-              <a:t>Meeting – 1</a:t>
+          <a:bodyPr lIns="90000" rIns="90000" tIns="45000" bIns="45000">
+            <a:normAutofit/>
+          </a:bodyPr>
+          <a:p>
+            <a:pPr marL="228600" indent="-227520">
+              <a:lnSpc>
+                <a:spcPct val="90000"/>
+              </a:lnSpc>
+              <a:spcBef>
+                <a:spcPts val="1001"/>
+              </a:spcBef>
+              <a:buClr>
+                <a:srgbClr val="ffffff"/>
+              </a:buClr>
+              <a:buFont typeface="Arial"/>
+              <a:buChar char="•"/>
+            </a:pPr>
+            <a:r>
+              <a:rPr b="0" lang="en-GB" sz="2200" spc="-1" strike="noStrike">
+                <a:solidFill>
+                  <a:srgbClr val="ffffff"/>
+                </a:solidFill>
+                <a:latin typeface="Century Gothic"/>
+                <a:ea typeface="DejaVu Sans"/>
+              </a:rPr>
+              <a:t>Original five proposals</a:t>
             </a:r>
             <a:endParaRPr b="0" lang="en-GB" sz="2200" spc="-1" strike="noStrike">
               <a:latin typeface="Arial"/>
             </a:endParaRPr>
           </a:p>
           <a:p>
-            <a:pPr>
-              <a:lnSpc>
-                <a:spcPct val="100000"/>
-              </a:lnSpc>
-            </a:pPr>
-            <a:endParaRPr b="0" lang="en-GB" sz="2200" spc="-1" strike="noStrike">
-              <a:latin typeface="Arial"/>
-            </a:endParaRPr>
-          </a:p>
-          <a:p>
-            <a:pPr>
-              <a:lnSpc>
-                <a:spcPct val="100000"/>
-              </a:lnSpc>
-            </a:pPr>
-            <a:r>
-              <a:rPr b="0" lang="en-GB" sz="2200" spc="-1" strike="noStrike" u="sng">
-                <a:solidFill>
-                  <a:srgbClr val="ffffff"/>
-                </a:solidFill>
-                <a:uFillTx/>
-                <a:latin typeface="Century Gothic"/>
-                <a:ea typeface="DejaVu Sans"/>
-              </a:rPr>
-              <a:t>Discussed</a:t>
-            </a:r>
-            <a:endParaRPr b="0" lang="en-GB" sz="2200" spc="-1" strike="noStrike">
-              <a:latin typeface="Arial"/>
-            </a:endParaRPr>
-          </a:p>
-          <a:p>
-            <a:pPr>
-              <a:lnSpc>
-                <a:spcPct val="100000"/>
-              </a:lnSpc>
-            </a:pPr>
-            <a:endParaRPr b="0" lang="en-GB" sz="2200" spc="-1" strike="noStrike">
-              <a:latin typeface="Arial"/>
-            </a:endParaRPr>
-          </a:p>
-          <a:p>
-            <a:pPr>
-              <a:lnSpc>
-                <a:spcPct val="100000"/>
-              </a:lnSpc>
-            </a:pPr>
-            <a:r>
-              <a:rPr b="0" lang="en-GB" sz="1800" spc="-1" strike="noStrike">
-                <a:solidFill>
-                  <a:srgbClr val="ffffff"/>
-                </a:solidFill>
-                <a:latin typeface="Century Gothic"/>
-                <a:ea typeface="DejaVu Sans"/>
-              </a:rPr>
-              <a:t>-- Cabinet Details</a:t>
-            </a:r>
-            <a:endParaRPr b="0" lang="en-GB" sz="1800" spc="-1" strike="noStrike">
-              <a:latin typeface="Arial"/>
-            </a:endParaRPr>
-          </a:p>
-          <a:p>
-            <a:pPr>
-              <a:lnSpc>
-                <a:spcPct val="100000"/>
-              </a:lnSpc>
-            </a:pPr>
-            <a:r>
-              <a:rPr b="0" lang="en-GB" sz="1800" spc="-1" strike="noStrike">
-                <a:solidFill>
-                  <a:srgbClr val="ffffff"/>
-                </a:solidFill>
-                <a:latin typeface="Century Gothic"/>
-                <a:ea typeface="DejaVu Sans"/>
-              </a:rPr>
-              <a:t>-- Hardware </a:t>
-            </a:r>
-            <a:endParaRPr b="0" lang="en-GB" sz="1800" spc="-1" strike="noStrike">
-              <a:latin typeface="Arial"/>
-            </a:endParaRPr>
-          </a:p>
-          <a:p>
-            <a:pPr>
-              <a:lnSpc>
-                <a:spcPct val="100000"/>
-              </a:lnSpc>
-            </a:pPr>
-            <a:r>
-              <a:rPr b="0" lang="en-GB" sz="1800" spc="-1" strike="noStrike">
-                <a:solidFill>
-                  <a:srgbClr val="ffffff"/>
-                </a:solidFill>
-                <a:latin typeface="Century Gothic"/>
-                <a:ea typeface="DejaVu Sans"/>
-              </a:rPr>
-              <a:t>-- High level requirements of game</a:t>
-            </a:r>
-            <a:endParaRPr b="0" lang="en-GB" sz="1800" spc="-1" strike="noStrike">
-              <a:latin typeface="Arial"/>
-            </a:endParaRPr>
-          </a:p>
-          <a:p>
-            <a:pPr>
-              <a:lnSpc>
-                <a:spcPct val="100000"/>
-              </a:lnSpc>
-            </a:pPr>
-            <a:endParaRPr b="0" lang="en-GB" sz="1800" spc="-1" strike="noStrike">
-              <a:latin typeface="Arial"/>
-            </a:endParaRPr>
-          </a:p>
-          <a:p>
-            <a:pPr>
-              <a:lnSpc>
-                <a:spcPct val="100000"/>
-              </a:lnSpc>
-            </a:pPr>
-            <a:r>
-              <a:rPr b="0" lang="en-GB" sz="2200" spc="-1" strike="noStrike" u="sng">
-                <a:solidFill>
-                  <a:srgbClr val="ffffff"/>
-                </a:solidFill>
-                <a:uFillTx/>
-                <a:latin typeface="Century Gothic"/>
-                <a:ea typeface="DejaVu Sans"/>
-              </a:rPr>
-              <a:t>Deliverables</a:t>
-            </a:r>
-            <a:endParaRPr b="0" lang="en-GB" sz="2200" spc="-1" strike="noStrike">
-              <a:latin typeface="Arial"/>
-            </a:endParaRPr>
-          </a:p>
-          <a:p>
-            <a:pPr>
-              <a:lnSpc>
-                <a:spcPct val="100000"/>
-              </a:lnSpc>
-            </a:pPr>
-            <a:endParaRPr b="0" lang="en-GB" sz="2200" spc="-1" strike="noStrike">
-              <a:latin typeface="Arial"/>
-            </a:endParaRPr>
-          </a:p>
-          <a:p>
-            <a:pPr>
-              <a:lnSpc>
-                <a:spcPct val="100000"/>
-              </a:lnSpc>
-            </a:pPr>
-            <a:r>
-              <a:rPr b="0" lang="en-GB" sz="1800" spc="-1" strike="noStrike">
-                <a:solidFill>
-                  <a:srgbClr val="ffffff"/>
-                </a:solidFill>
-                <a:latin typeface="Century Gothic"/>
-                <a:ea typeface="DejaVu Sans"/>
-              </a:rPr>
-              <a:t>-- Games proposals</a:t>
-            </a:r>
-            <a:endParaRPr b="0" lang="en-GB" sz="1800" spc="-1" strike="noStrike">
-              <a:latin typeface="Arial"/>
-            </a:endParaRPr>
-          </a:p>
-          <a:p>
-            <a:pPr>
-              <a:lnSpc>
-                <a:spcPct val="100000"/>
-              </a:lnSpc>
-            </a:pPr>
-            <a:r>
-              <a:rPr b="0" lang="en-GB" sz="1800" spc="-1" strike="noStrike">
-                <a:solidFill>
-                  <a:srgbClr val="ffffff"/>
-                </a:solidFill>
-                <a:latin typeface="Century Gothic"/>
-                <a:ea typeface="DejaVu Sans"/>
-              </a:rPr>
-              <a:t>–</a:t>
-            </a:r>
-            <a:r>
-              <a:rPr b="0" lang="en-GB" sz="1800" spc="-1" strike="noStrike">
-                <a:solidFill>
-                  <a:srgbClr val="ffffff"/>
-                </a:solidFill>
-                <a:latin typeface="Century Gothic"/>
-                <a:ea typeface="DejaVu Sans"/>
-              </a:rPr>
-              <a:t>- Hardware proposal </a:t>
-            </a:r>
-            <a:endParaRPr b="0" lang="en-GB" sz="1800" spc="-1" strike="noStrike">
-              <a:latin typeface="Arial"/>
-            </a:endParaRPr>
-          </a:p>
-          <a:p>
-            <a:pPr>
-              <a:lnSpc>
-                <a:spcPct val="100000"/>
-              </a:lnSpc>
-            </a:pPr>
-            <a:r>
-              <a:rPr b="0" lang="en-GB" sz="1800" spc="-1" strike="noStrike">
-                <a:solidFill>
-                  <a:srgbClr val="ffffff"/>
-                </a:solidFill>
-                <a:latin typeface="Century Gothic"/>
-                <a:ea typeface="DejaVu Sans"/>
-              </a:rPr>
-              <a:t>with pricing  </a:t>
-            </a:r>
-            <a:endParaRPr b="0" lang="en-GB" sz="1800" spc="-1" strike="noStrike">
-              <a:latin typeface="Arial"/>
-            </a:endParaRPr>
-          </a:p>
-          <a:p>
-            <a:pPr>
-              <a:lnSpc>
-                <a:spcPct val="100000"/>
-              </a:lnSpc>
-            </a:pPr>
-            <a:endParaRPr b="0" lang="en-GB" sz="1800" spc="-1" strike="noStrike">
-              <a:latin typeface="Arial"/>
-            </a:endParaRPr>
-          </a:p>
-        </p:txBody>
-      </p:sp>
-      <p:sp>
-        <p:nvSpPr>
-          <p:cNvPr id="93" name="CustomShape 3"/>
+            <a:pPr lvl="1" marL="685800" indent="-227520">
+              <a:lnSpc>
+                <a:spcPct val="90000"/>
+              </a:lnSpc>
+              <a:spcBef>
+                <a:spcPts val="499"/>
+              </a:spcBef>
+              <a:buClr>
+                <a:srgbClr val="ffffff"/>
+              </a:buClr>
+              <a:buFont typeface="Arial"/>
+              <a:buChar char="•"/>
+            </a:pPr>
+            <a:r>
+              <a:rPr b="0" lang="en-GB" sz="2000" spc="-1" strike="noStrike">
+                <a:solidFill>
+                  <a:srgbClr val="ffffff"/>
+                </a:solidFill>
+                <a:latin typeface="Century Gothic"/>
+                <a:ea typeface="DejaVu Sans"/>
+              </a:rPr>
+              <a:t>Snake Satellite Proposal </a:t>
+            </a:r>
+            <a:endParaRPr b="0" lang="en-GB" sz="2000" spc="-1" strike="noStrike">
+              <a:latin typeface="Arial"/>
+            </a:endParaRPr>
+          </a:p>
+          <a:p>
+            <a:pPr lvl="1" marL="685800" indent="-227520">
+              <a:lnSpc>
+                <a:spcPct val="90000"/>
+              </a:lnSpc>
+              <a:spcBef>
+                <a:spcPts val="499"/>
+              </a:spcBef>
+              <a:buClr>
+                <a:srgbClr val="ffffff"/>
+              </a:buClr>
+              <a:buFont typeface="Arial"/>
+              <a:buChar char="•"/>
+            </a:pPr>
+            <a:r>
+              <a:rPr b="0" lang="en-GB" sz="2000" spc="-1" strike="noStrike">
+                <a:solidFill>
+                  <a:srgbClr val="ffffff"/>
+                </a:solidFill>
+                <a:latin typeface="Century Gothic"/>
+                <a:ea typeface="DejaVu Sans"/>
+              </a:rPr>
+              <a:t>PAC-Man Proposal</a:t>
+            </a:r>
+            <a:endParaRPr b="0" lang="en-GB" sz="2000" spc="-1" strike="noStrike">
+              <a:latin typeface="Arial"/>
+            </a:endParaRPr>
+          </a:p>
+          <a:p>
+            <a:pPr lvl="1" marL="685800" indent="-227520">
+              <a:lnSpc>
+                <a:spcPct val="90000"/>
+              </a:lnSpc>
+              <a:spcBef>
+                <a:spcPts val="499"/>
+              </a:spcBef>
+              <a:buClr>
+                <a:srgbClr val="ffffff"/>
+              </a:buClr>
+              <a:buFont typeface="Arial"/>
+              <a:buChar char="•"/>
+            </a:pPr>
+            <a:r>
+              <a:rPr b="0" lang="en-GB" sz="2000" spc="-1" strike="noStrike">
+                <a:solidFill>
+                  <a:srgbClr val="ffffff"/>
+                </a:solidFill>
+                <a:latin typeface="Century Gothic"/>
+                <a:ea typeface="DejaVu Sans"/>
+              </a:rPr>
+              <a:t>Cloud – Jump Proposal</a:t>
+            </a:r>
+            <a:endParaRPr b="0" lang="en-GB" sz="2000" spc="-1" strike="noStrike">
+              <a:latin typeface="Arial"/>
+            </a:endParaRPr>
+          </a:p>
+          <a:p>
+            <a:pPr lvl="1" marL="685800" indent="-227520">
+              <a:lnSpc>
+                <a:spcPct val="90000"/>
+              </a:lnSpc>
+              <a:spcBef>
+                <a:spcPts val="499"/>
+              </a:spcBef>
+              <a:buClr>
+                <a:srgbClr val="ffffff"/>
+              </a:buClr>
+              <a:buFont typeface="Arial"/>
+              <a:buChar char="•"/>
+            </a:pPr>
+            <a:r>
+              <a:rPr b="0" lang="en-GB" sz="2000" spc="-1" strike="noStrike">
+                <a:solidFill>
+                  <a:srgbClr val="ffffff"/>
+                </a:solidFill>
+                <a:latin typeface="Century Gothic"/>
+                <a:ea typeface="DejaVu Sans"/>
+              </a:rPr>
+              <a:t>Flappy-Bird Style Game</a:t>
+            </a:r>
+            <a:endParaRPr b="0" lang="en-GB" sz="2000" spc="-1" strike="noStrike">
+              <a:latin typeface="Arial"/>
+            </a:endParaRPr>
+          </a:p>
+          <a:p>
+            <a:pPr lvl="1" marL="685800" indent="-227520">
+              <a:lnSpc>
+                <a:spcPct val="90000"/>
+              </a:lnSpc>
+              <a:spcBef>
+                <a:spcPts val="499"/>
+              </a:spcBef>
+              <a:buClr>
+                <a:srgbClr val="ffffff"/>
+              </a:buClr>
+              <a:buFont typeface="Arial"/>
+              <a:buChar char="•"/>
+            </a:pPr>
+            <a:r>
+              <a:rPr b="0" lang="en-GB" sz="2000" spc="-1" strike="noStrike">
+                <a:solidFill>
+                  <a:srgbClr val="ffffff"/>
+                </a:solidFill>
+                <a:latin typeface="Century Gothic"/>
+                <a:ea typeface="DejaVu Sans"/>
+              </a:rPr>
+              <a:t>Satellite wars Proposal </a:t>
+            </a:r>
+            <a:endParaRPr b="0" lang="en-GB" sz="2000" spc="-1" strike="noStrike">
+              <a:latin typeface="Arial"/>
+            </a:endParaRPr>
+          </a:p>
+        </p:txBody>
+      </p:sp>
+      <p:sp>
+        <p:nvSpPr>
+          <p:cNvPr id="104" name="CustomShape 3"/>
           <p:cNvSpPr/>
           <p:nvPr/>
         </p:nvSpPr>
         <p:spPr>
           <a:xfrm>
-            <a:off x="216000" y="1800000"/>
-            <a:ext cx="2742120" cy="1797840"/>
+            <a:off x="4896000" y="5539320"/>
+            <a:ext cx="3877920" cy="1012320"/>
           </a:xfrm>
           <a:prstGeom prst="rect">
             <a:avLst/>
@@ -5376,72 +5603,46 @@
         <p:txBody>
           <a:bodyPr lIns="90000" rIns="90000" tIns="45000" bIns="45000"/>
           <a:p>
-            <a:pPr>
-              <a:lnSpc>
-                <a:spcPct val="100000"/>
-              </a:lnSpc>
-            </a:pPr>
-            <a:r>
-              <a:rPr b="1" lang="en-GB" sz="2200" spc="-1" strike="noStrike" u="sng">
-                <a:solidFill>
-                  <a:srgbClr val="ffffff"/>
-                </a:solidFill>
-                <a:uFillTx/>
-                <a:latin typeface="Century Gothic"/>
-                <a:ea typeface="DejaVu Sans"/>
-              </a:rPr>
-              <a:t>Meeting – 0</a:t>
+            <a:pPr marL="228600" indent="-227520">
+              <a:lnSpc>
+                <a:spcPct val="90000"/>
+              </a:lnSpc>
+              <a:spcBef>
+                <a:spcPts val="1001"/>
+              </a:spcBef>
+              <a:buClr>
+                <a:srgbClr val="ffffff"/>
+              </a:buClr>
+              <a:buFont typeface="Symbol"/>
+              <a:buChar char=""/>
+            </a:pPr>
+            <a:r>
+              <a:rPr b="0" lang="en-GB" sz="2200" spc="-1" strike="noStrike">
+                <a:solidFill>
+                  <a:srgbClr val="ffffff"/>
+                </a:solidFill>
+                <a:latin typeface="Century Gothic"/>
+                <a:ea typeface="DejaVu Sans"/>
+              </a:rPr>
+              <a:t>Final two proposals</a:t>
             </a:r>
             <a:endParaRPr b="0" lang="en-GB" sz="2200" spc="-1" strike="noStrike">
               <a:latin typeface="Arial"/>
             </a:endParaRPr>
           </a:p>
           <a:p>
-            <a:pPr>
-              <a:lnSpc>
-                <a:spcPct val="100000"/>
-              </a:lnSpc>
-            </a:pPr>
-            <a:endParaRPr b="0" lang="en-GB" sz="2200" spc="-1" strike="noStrike">
-              <a:latin typeface="Arial"/>
-            </a:endParaRPr>
-          </a:p>
-          <a:p>
-            <a:pPr>
-              <a:lnSpc>
-                <a:spcPct val="100000"/>
-              </a:lnSpc>
-            </a:pPr>
-            <a:r>
-              <a:rPr b="0" lang="en-GB" sz="2200" spc="-1" strike="noStrike" u="sng">
-                <a:solidFill>
-                  <a:srgbClr val="ffffff"/>
-                </a:solidFill>
-                <a:uFillTx/>
-                <a:latin typeface="Century Gothic"/>
-                <a:ea typeface="DejaVu Sans"/>
-              </a:rPr>
-              <a:t>Discussed</a:t>
-            </a:r>
-            <a:endParaRPr b="0" lang="en-GB" sz="2200" spc="-1" strike="noStrike">
-              <a:latin typeface="Arial"/>
-            </a:endParaRPr>
-          </a:p>
-          <a:p>
-            <a:pPr>
-              <a:lnSpc>
-                <a:spcPct val="100000"/>
-              </a:lnSpc>
-            </a:pPr>
-            <a:endParaRPr b="0" lang="en-GB" sz="2200" spc="-1" strike="noStrike">
-              <a:latin typeface="Arial"/>
-            </a:endParaRPr>
-          </a:p>
-          <a:p>
-            <a:pPr>
-              <a:lnSpc>
-                <a:spcPct val="100000"/>
-              </a:lnSpc>
+            <a:pPr lvl="1" marL="685800" indent="-227520">
+              <a:lnSpc>
+                <a:spcPct val="90000"/>
+              </a:lnSpc>
+              <a:spcBef>
+                <a:spcPts val="499"/>
+              </a:spcBef>
+              <a:buClr>
+                <a:srgbClr val="ffffff"/>
+              </a:buClr>
+              <a:buFont typeface="Symbol"/>
+              <a:buChar char=""/>
             </a:pPr>
             <a:r>
               <a:rPr b="0" lang="en-GB" sz="1800" spc="-1" strike="noStrike">
@@ -5451,17 +5652,25 @@
                 <a:latin typeface="Century Gothic"/>
                 <a:ea typeface="DejaVu Sans"/>
               </a:rPr>
-              <a:t>-- Communications</a:t>
+              <a:t>Flappy-Bird Style Game</a:t>
             </a:r>
             <a:endParaRPr b="0" lang="en-GB" sz="1800" spc="-1" strike="noStrike">
               <a:latin typeface="Arial"/>
             </a:endParaRPr>
           </a:p>
           <a:p>
-            <a:pPr>
-              <a:lnSpc>
-                <a:spcPct val="100000"/>
-              </a:lnSpc>
+            <a:pPr lvl="1" marL="685800" indent="-227520">
+              <a:lnSpc>
+                <a:spcPct val="90000"/>
+              </a:lnSpc>
+              <a:spcBef>
+                <a:spcPts val="499"/>
+              </a:spcBef>
+              <a:buClr>
+                <a:srgbClr val="ffffff"/>
+              </a:buClr>
+              <a:buFont typeface="Symbol"/>
+              <a:buChar char=""/>
             </a:pPr>
             <a:r>
               <a:rPr b="0" lang="en-GB" sz="1800" spc="-1" strike="noStrike">
@@ -5471,255 +5680,24 @@
                 <a:latin typeface="Century Gothic"/>
                 <a:ea typeface="DejaVu Sans"/>
               </a:rPr>
-              <a:t>-- High level overview</a:t>
+              <a:t>Snake Satellite Proposal</a:t>
             </a:r>
             <a:endParaRPr b="0" lang="en-GB" sz="1800" spc="-1" strike="noStrike">
               <a:latin typeface="Arial"/>
             </a:endParaRPr>
           </a:p>
-          <a:p>
-            <a:pPr>
-              <a:lnSpc>
-                <a:spcPct val="100000"/>
-              </a:lnSpc>
-            </a:pPr>
-            <a:r>
-              <a:rPr b="0" lang="en-GB" sz="1800" spc="-1" strike="noStrike">
-                <a:solidFill>
-                  <a:srgbClr val="ffffff"/>
-                </a:solidFill>
-                <a:latin typeface="Century Gothic"/>
-                <a:ea typeface="DejaVu Sans"/>
-              </a:rPr>
-              <a:t>-- Resources</a:t>
-            </a:r>
-            <a:endParaRPr b="0" lang="en-GB" sz="1800" spc="-1" strike="noStrike">
-              <a:latin typeface="Arial"/>
-            </a:endParaRPr>
-          </a:p>
-          <a:p>
-            <a:pPr>
-              <a:lnSpc>
-                <a:spcPct val="100000"/>
-              </a:lnSpc>
-            </a:pPr>
-            <a:endParaRPr b="0" lang="en-GB" sz="1800" spc="-1" strike="noStrike">
-              <a:latin typeface="Arial"/>
-            </a:endParaRPr>
-          </a:p>
-          <a:p>
-            <a:pPr>
-              <a:lnSpc>
-                <a:spcPct val="100000"/>
-              </a:lnSpc>
-            </a:pPr>
-            <a:r>
-              <a:rPr b="0" lang="en-GB" sz="2200" spc="-1" strike="noStrike" u="sng">
-                <a:solidFill>
-                  <a:srgbClr val="ffffff"/>
-                </a:solidFill>
-                <a:uFillTx/>
-                <a:latin typeface="Century Gothic"/>
-                <a:ea typeface="DejaVu Sans"/>
-              </a:rPr>
-              <a:t>Deliverables</a:t>
-            </a:r>
-            <a:endParaRPr b="0" lang="en-GB" sz="2200" spc="-1" strike="noStrike">
-              <a:latin typeface="Arial"/>
-            </a:endParaRPr>
-          </a:p>
-          <a:p>
-            <a:pPr>
-              <a:lnSpc>
-                <a:spcPct val="100000"/>
-              </a:lnSpc>
-            </a:pPr>
-            <a:endParaRPr b="0" lang="en-GB" sz="2200" spc="-1" strike="noStrike">
-              <a:latin typeface="Arial"/>
-            </a:endParaRPr>
-          </a:p>
-          <a:p>
-            <a:pPr>
-              <a:lnSpc>
-                <a:spcPct val="100000"/>
-              </a:lnSpc>
-            </a:pPr>
-            <a:r>
-              <a:rPr b="0" lang="en-GB" sz="1800" spc="-1" strike="noStrike">
-                <a:solidFill>
-                  <a:srgbClr val="ffffff"/>
-                </a:solidFill>
-                <a:latin typeface="Century Gothic"/>
-                <a:ea typeface="DejaVu Sans"/>
-              </a:rPr>
-              <a:t>-- User stories</a:t>
-            </a:r>
-            <a:endParaRPr b="0" lang="en-GB" sz="1800" spc="-1" strike="noStrike">
-              <a:latin typeface="Arial"/>
-            </a:endParaRPr>
-          </a:p>
-          <a:p>
-            <a:pPr>
-              <a:lnSpc>
-                <a:spcPct val="100000"/>
-              </a:lnSpc>
-            </a:pPr>
-            <a:r>
-              <a:rPr b="0" lang="en-GB" sz="1800" spc="-1" strike="noStrike">
-                <a:solidFill>
-                  <a:srgbClr val="ffffff"/>
-                </a:solidFill>
-                <a:latin typeface="Century Gothic"/>
-                <a:ea typeface="DejaVu Sans"/>
-              </a:rPr>
-              <a:t>–</a:t>
-            </a:r>
-            <a:r>
-              <a:rPr b="0" lang="en-GB" sz="1800" spc="-1" strike="noStrike">
-                <a:solidFill>
-                  <a:srgbClr val="ffffff"/>
-                </a:solidFill>
-                <a:latin typeface="Century Gothic"/>
-                <a:ea typeface="DejaVu Sans"/>
-              </a:rPr>
-              <a:t>- Requirements</a:t>
-            </a:r>
-            <a:endParaRPr b="0" lang="en-GB" sz="1800" spc="-1" strike="noStrike">
-              <a:latin typeface="Arial"/>
-            </a:endParaRPr>
-          </a:p>
-          <a:p>
-            <a:pPr>
-              <a:lnSpc>
-                <a:spcPct val="100000"/>
-              </a:lnSpc>
-            </a:pPr>
-            <a:r>
-              <a:rPr b="0" lang="en-GB" sz="1800" spc="-1" strike="noStrike">
-                <a:solidFill>
-                  <a:srgbClr val="ffffff"/>
-                </a:solidFill>
-                <a:latin typeface="Century Gothic"/>
-                <a:ea typeface="DejaVu Sans"/>
-              </a:rPr>
-              <a:t>–</a:t>
-            </a:r>
-            <a:r>
-              <a:rPr b="0" lang="en-GB" sz="1800" spc="-1" strike="noStrike">
-                <a:solidFill>
-                  <a:srgbClr val="ffffff"/>
-                </a:solidFill>
-                <a:latin typeface="Century Gothic"/>
-                <a:ea typeface="DejaVu Sans"/>
-              </a:rPr>
-              <a:t>- Hardware research</a:t>
-            </a:r>
-            <a:endParaRPr b="0" lang="en-GB" sz="1800" spc="-1" strike="noStrike">
-              <a:latin typeface="Arial"/>
-            </a:endParaRPr>
-          </a:p>
-          <a:p>
-            <a:pPr>
-              <a:lnSpc>
-                <a:spcPct val="100000"/>
-              </a:lnSpc>
-            </a:pPr>
-            <a:r>
-              <a:rPr b="0" lang="en-GB" sz="1800" spc="-1" strike="noStrike">
-                <a:solidFill>
-                  <a:srgbClr val="ffffff"/>
-                </a:solidFill>
-                <a:latin typeface="Century Gothic"/>
-                <a:ea typeface="DejaVu Sans"/>
-              </a:rPr>
-              <a:t>–</a:t>
-            </a:r>
-            <a:r>
-              <a:rPr b="0" lang="en-GB" sz="1800" spc="-1" strike="noStrike">
-                <a:solidFill>
-                  <a:srgbClr val="ffffff"/>
-                </a:solidFill>
-                <a:latin typeface="Century Gothic"/>
-                <a:ea typeface="DejaVu Sans"/>
-              </a:rPr>
-              <a:t>- Cabinet research </a:t>
-            </a:r>
-            <a:endParaRPr b="0" lang="en-GB" sz="1800" spc="-1" strike="noStrike">
-              <a:latin typeface="Arial"/>
-            </a:endParaRPr>
-          </a:p>
-          <a:p>
-            <a:pPr>
-              <a:lnSpc>
-                <a:spcPct val="100000"/>
-              </a:lnSpc>
-            </a:pPr>
-            <a:r>
-              <a:rPr b="0" lang="en-GB" sz="1800" spc="-1" strike="noStrike">
-                <a:solidFill>
-                  <a:srgbClr val="ffffff"/>
-                </a:solidFill>
-                <a:latin typeface="Century Gothic"/>
-                <a:ea typeface="DejaVu Sans"/>
-              </a:rPr>
-              <a:t>-- Game suggestions</a:t>
-            </a:r>
-            <a:endParaRPr b="0" lang="en-GB" sz="1800" spc="-1" strike="noStrike">
-              <a:latin typeface="Arial"/>
-            </a:endParaRPr>
-          </a:p>
-          <a:p>
-            <a:pPr>
-              <a:lnSpc>
-                <a:spcPct val="100000"/>
-              </a:lnSpc>
-            </a:pPr>
-            <a:r>
-              <a:rPr b="0" lang="en-GB" sz="1800" spc="-1" strike="noStrike">
-                <a:solidFill>
-                  <a:srgbClr val="ffffff"/>
-                </a:solidFill>
-                <a:latin typeface="Century Gothic"/>
-                <a:ea typeface="DejaVu Sans"/>
-              </a:rPr>
-              <a:t>–</a:t>
-            </a:r>
-            <a:r>
-              <a:rPr b="0" lang="en-GB" sz="1800" spc="-1" strike="noStrike">
-                <a:solidFill>
-                  <a:srgbClr val="ffffff"/>
-                </a:solidFill>
-                <a:latin typeface="Century Gothic"/>
-                <a:ea typeface="DejaVu Sans"/>
-              </a:rPr>
-              <a:t>- NN research</a:t>
-            </a:r>
-            <a:endParaRPr b="0" lang="en-GB" sz="1800" spc="-1" strike="noStrike">
-              <a:latin typeface="Arial"/>
-            </a:endParaRPr>
-          </a:p>
-          <a:p>
-            <a:pPr>
-              <a:lnSpc>
-                <a:spcPct val="100000"/>
-              </a:lnSpc>
-            </a:pPr>
-            <a:endParaRPr b="0" lang="en-GB" sz="1800" spc="-1" strike="noStrike">
-              <a:latin typeface="Arial"/>
-            </a:endParaRPr>
-          </a:p>
-        </p:txBody>
-      </p:sp>
-      <p:sp>
-        <p:nvSpPr>
-          <p:cNvPr id="94" name="CustomShape 4"/>
+        </p:txBody>
+      </p:sp>
+      <p:sp>
+        <p:nvSpPr>
+          <p:cNvPr id="105" name="CustomShape 4"/>
           <p:cNvSpPr/>
           <p:nvPr/>
         </p:nvSpPr>
         <p:spPr>
           <a:xfrm>
-            <a:off x="8352000" y="2016000"/>
-            <a:ext cx="3389040" cy="2345760"/>
+            <a:off x="8496000" y="2487240"/>
+            <a:ext cx="4165560" cy="3992400"/>
           </a:xfrm>
           <a:prstGeom prst="rect">
             <a:avLst/>
@@ -5738,23 +5716,377 @@
         <p:txBody>
           <a:bodyPr lIns="90000" rIns="90000" tIns="45000" bIns="45000"/>
           <a:p>
+            <a:pPr marL="285840" indent="-284760">
+              <a:lnSpc>
+                <a:spcPct val="100000"/>
+              </a:lnSpc>
+              <a:buClr>
+                <a:srgbClr val="ffffff"/>
+              </a:buClr>
+              <a:buFont typeface="Arial"/>
+              <a:buChar char="•"/>
+            </a:pPr>
+            <a:r>
+              <a:rPr b="0" lang="en-GB" sz="2200" spc="-1" strike="noStrike">
+                <a:solidFill>
+                  <a:srgbClr val="ffffff"/>
+                </a:solidFill>
+                <a:latin typeface="Century Gothic"/>
+                <a:ea typeface="DejaVu Sans"/>
+              </a:rPr>
+              <a:t>Full proposals Include</a:t>
+            </a:r>
+            <a:endParaRPr b="0" lang="en-GB" sz="2200" spc="-1" strike="noStrike">
+              <a:latin typeface="Arial"/>
+            </a:endParaRPr>
+          </a:p>
+          <a:p>
+            <a:pPr lvl="1" marL="971640" indent="-284760">
+              <a:lnSpc>
+                <a:spcPct val="100000"/>
+              </a:lnSpc>
+              <a:buClr>
+                <a:srgbClr val="ffffff"/>
+              </a:buClr>
+              <a:buFont typeface="Arial"/>
+              <a:buChar char="•"/>
+            </a:pPr>
+            <a:r>
+              <a:rPr b="0" lang="en-GB" sz="1800" spc="-1" strike="noStrike">
+                <a:solidFill>
+                  <a:srgbClr val="ffffff"/>
+                </a:solidFill>
+                <a:latin typeface="Century Gothic"/>
+                <a:ea typeface="DejaVu Sans"/>
+              </a:rPr>
+              <a:t>Brief Description</a:t>
+            </a:r>
+            <a:endParaRPr b="0" lang="en-GB" sz="1800" spc="-1" strike="noStrike">
+              <a:latin typeface="Arial"/>
+            </a:endParaRPr>
+          </a:p>
+          <a:p>
+            <a:pPr lvl="1" marL="971640" indent="-284760">
+              <a:lnSpc>
+                <a:spcPct val="100000"/>
+              </a:lnSpc>
+              <a:buClr>
+                <a:srgbClr val="ffffff"/>
+              </a:buClr>
+              <a:buFont typeface="Arial"/>
+              <a:buChar char="•"/>
+            </a:pPr>
+            <a:r>
+              <a:rPr b="0" lang="en-GB" sz="1800" spc="-1" strike="noStrike">
+                <a:solidFill>
+                  <a:srgbClr val="ffffff"/>
+                </a:solidFill>
+                <a:latin typeface="Century Gothic"/>
+                <a:ea typeface="DejaVu Sans"/>
+              </a:rPr>
+              <a:t> </a:t>
+            </a:r>
+            <a:r>
+              <a:rPr b="0" lang="en-GB" sz="1800" spc="-1" strike="noStrike">
+                <a:solidFill>
+                  <a:srgbClr val="ffffff"/>
+                </a:solidFill>
+                <a:latin typeface="Century Gothic"/>
+                <a:ea typeface="DejaVu Sans"/>
+              </a:rPr>
+              <a:t>Neural Network Involvement</a:t>
+            </a:r>
+            <a:endParaRPr b="0" lang="en-GB" sz="1800" spc="-1" strike="noStrike">
+              <a:latin typeface="Arial"/>
+            </a:endParaRPr>
+          </a:p>
+          <a:p>
+            <a:pPr lvl="1" marL="971640" indent="-284760">
+              <a:lnSpc>
+                <a:spcPct val="100000"/>
+              </a:lnSpc>
+              <a:buClr>
+                <a:srgbClr val="ffffff"/>
+              </a:buClr>
+              <a:buFont typeface="Arial"/>
+              <a:buChar char="•"/>
+            </a:pPr>
+            <a:r>
+              <a:rPr b="0" lang="en-GB" sz="1800" spc="-1" strike="noStrike">
+                <a:solidFill>
+                  <a:srgbClr val="ffffff"/>
+                </a:solidFill>
+                <a:latin typeface="Century Gothic"/>
+                <a:ea typeface="DejaVu Sans"/>
+              </a:rPr>
+              <a:t> </a:t>
+            </a:r>
+            <a:r>
+              <a:rPr b="0" lang="en-GB" sz="1800" spc="-1" strike="noStrike">
+                <a:solidFill>
+                  <a:srgbClr val="ffffff"/>
+                </a:solidFill>
+                <a:latin typeface="Century Gothic"/>
+                <a:ea typeface="DejaVu Sans"/>
+              </a:rPr>
+              <a:t>Difficulty level</a:t>
+            </a:r>
+            <a:endParaRPr b="0" lang="en-GB" sz="1800" spc="-1" strike="noStrike">
+              <a:latin typeface="Arial"/>
+            </a:endParaRPr>
+          </a:p>
+          <a:p>
+            <a:pPr lvl="1" marL="971640" indent="-284760">
+              <a:lnSpc>
+                <a:spcPct val="100000"/>
+              </a:lnSpc>
+              <a:buClr>
+                <a:srgbClr val="ffffff"/>
+              </a:buClr>
+              <a:buFont typeface="Arial"/>
+              <a:buChar char="•"/>
+            </a:pPr>
+            <a:r>
+              <a:rPr b="0" lang="en-GB" sz="1800" spc="-1" strike="noStrike">
+                <a:solidFill>
+                  <a:srgbClr val="ffffff"/>
+                </a:solidFill>
+                <a:latin typeface="Century Gothic"/>
+                <a:ea typeface="DejaVu Sans"/>
+              </a:rPr>
+              <a:t> </a:t>
+            </a:r>
+            <a:r>
+              <a:rPr b="0" lang="en-GB" sz="1800" spc="-1" strike="noStrike">
+                <a:solidFill>
+                  <a:srgbClr val="ffffff"/>
+                </a:solidFill>
+                <a:latin typeface="Century Gothic"/>
+                <a:ea typeface="DejaVu Sans"/>
+              </a:rPr>
+              <a:t>Controls</a:t>
+            </a:r>
+            <a:endParaRPr b="0" lang="en-GB" sz="1800" spc="-1" strike="noStrike">
+              <a:latin typeface="Arial"/>
+            </a:endParaRPr>
+          </a:p>
+          <a:p>
+            <a:pPr lvl="1" marL="971640" indent="-284760">
+              <a:lnSpc>
+                <a:spcPct val="100000"/>
+              </a:lnSpc>
+              <a:buClr>
+                <a:srgbClr val="ffffff"/>
+              </a:buClr>
+              <a:buFont typeface="Arial"/>
+              <a:buChar char="•"/>
+            </a:pPr>
+            <a:r>
+              <a:rPr b="0" lang="en-GB" sz="1800" spc="-1" strike="noStrike">
+                <a:solidFill>
+                  <a:srgbClr val="ffffff"/>
+                </a:solidFill>
+                <a:latin typeface="Century Gothic"/>
+                <a:ea typeface="DejaVu Sans"/>
+              </a:rPr>
+              <a:t> </a:t>
+            </a:r>
+            <a:r>
+              <a:rPr b="0" lang="en-GB" sz="1800" spc="-1" strike="noStrike">
+                <a:solidFill>
+                  <a:srgbClr val="ffffff"/>
+                </a:solidFill>
+                <a:latin typeface="Century Gothic"/>
+                <a:ea typeface="DejaVu Sans"/>
+              </a:rPr>
+              <a:t>Scoring</a:t>
+            </a:r>
+            <a:endParaRPr b="0" lang="en-GB" sz="1800" spc="-1" strike="noStrike">
+              <a:latin typeface="Arial"/>
+            </a:endParaRPr>
+          </a:p>
+          <a:p>
+            <a:pPr lvl="1" marL="971640" indent="-284760">
+              <a:lnSpc>
+                <a:spcPct val="100000"/>
+              </a:lnSpc>
+              <a:buClr>
+                <a:srgbClr val="ffffff"/>
+              </a:buClr>
+              <a:buFont typeface="Arial"/>
+              <a:buChar char="•"/>
+            </a:pPr>
+            <a:r>
+              <a:rPr b="0" lang="en-GB" sz="1800" spc="-1" strike="noStrike">
+                <a:solidFill>
+                  <a:srgbClr val="ffffff"/>
+                </a:solidFill>
+                <a:latin typeface="Century Gothic"/>
+                <a:ea typeface="DejaVu Sans"/>
+              </a:rPr>
+              <a:t> </a:t>
+            </a:r>
+            <a:r>
+              <a:rPr b="0" lang="en-GB" sz="1800" spc="-1" strike="noStrike">
+                <a:solidFill>
+                  <a:srgbClr val="ffffff"/>
+                </a:solidFill>
+                <a:latin typeface="Century Gothic"/>
+                <a:ea typeface="DejaVu Sans"/>
+              </a:rPr>
+              <a:t>End Game</a:t>
+            </a:r>
+            <a:endParaRPr b="0" lang="en-GB" sz="1800" spc="-1" strike="noStrike">
+              <a:latin typeface="Arial"/>
+            </a:endParaRPr>
+          </a:p>
+          <a:p>
+            <a:pPr lvl="1" marL="971640" indent="-284760">
+              <a:lnSpc>
+                <a:spcPct val="100000"/>
+              </a:lnSpc>
+              <a:buClr>
+                <a:srgbClr val="ffffff"/>
+              </a:buClr>
+              <a:buFont typeface="Arial"/>
+              <a:buChar char="•"/>
+            </a:pPr>
+            <a:r>
+              <a:rPr b="0" lang="en-GB" sz="1800" spc="-1" strike="noStrike">
+                <a:solidFill>
+                  <a:srgbClr val="ffffff"/>
+                </a:solidFill>
+                <a:latin typeface="Century Gothic"/>
+                <a:ea typeface="DejaVu Sans"/>
+              </a:rPr>
+              <a:t> </a:t>
+            </a:r>
+            <a:r>
+              <a:rPr b="0" lang="en-GB" sz="1800" spc="-1" strike="noStrike">
+                <a:solidFill>
+                  <a:srgbClr val="ffffff"/>
+                </a:solidFill>
+                <a:latin typeface="Century Gothic"/>
+                <a:ea typeface="DejaVu Sans"/>
+              </a:rPr>
+              <a:t>Resources</a:t>
+            </a:r>
+            <a:endParaRPr b="0" lang="en-GB" sz="1800" spc="-1" strike="noStrike">
+              <a:latin typeface="Arial"/>
+            </a:endParaRPr>
+          </a:p>
+          <a:p>
+            <a:pPr lvl="1" marL="971640" indent="-284760">
+              <a:lnSpc>
+                <a:spcPct val="100000"/>
+              </a:lnSpc>
+              <a:buClr>
+                <a:srgbClr val="ffffff"/>
+              </a:buClr>
+              <a:buFont typeface="Arial"/>
+              <a:buChar char="•"/>
+            </a:pPr>
+            <a:r>
+              <a:rPr b="0" lang="en-GB" sz="1800" spc="-1" strike="noStrike">
+                <a:solidFill>
+                  <a:srgbClr val="ffffff"/>
+                </a:solidFill>
+                <a:latin typeface="Century Gothic"/>
+                <a:ea typeface="DejaVu Sans"/>
+              </a:rPr>
+              <a:t> </a:t>
+            </a:r>
+            <a:r>
+              <a:rPr b="0" lang="en-GB" sz="1800" spc="-1" strike="noStrike">
+                <a:solidFill>
+                  <a:srgbClr val="ffffff"/>
+                </a:solidFill>
+                <a:latin typeface="Century Gothic"/>
+                <a:ea typeface="DejaVu Sans"/>
+              </a:rPr>
+              <a:t>Potential Issues</a:t>
+            </a:r>
+            <a:endParaRPr b="0" lang="en-GB" sz="1800" spc="-1" strike="noStrike">
+              <a:latin typeface="Arial"/>
+            </a:endParaRPr>
+          </a:p>
+          <a:p>
+            <a:pPr lvl="1" marL="971640" indent="-284760">
+              <a:lnSpc>
+                <a:spcPct val="100000"/>
+              </a:lnSpc>
+              <a:buClr>
+                <a:srgbClr val="ffffff"/>
+              </a:buClr>
+              <a:buFont typeface="Arial"/>
+              <a:buChar char="•"/>
+            </a:pPr>
+            <a:r>
+              <a:rPr b="0" lang="en-GB" sz="1800" spc="-1" strike="noStrike">
+                <a:solidFill>
+                  <a:srgbClr val="ffffff"/>
+                </a:solidFill>
+                <a:latin typeface="Century Gothic"/>
+                <a:ea typeface="DejaVu Sans"/>
+              </a:rPr>
+              <a:t> </a:t>
+            </a:r>
+            <a:r>
+              <a:rPr b="0" lang="en-GB" sz="1800" spc="-1" strike="noStrike">
+                <a:solidFill>
+                  <a:srgbClr val="ffffff"/>
+                </a:solidFill>
+                <a:latin typeface="Century Gothic"/>
+                <a:ea typeface="DejaVu Sans"/>
+              </a:rPr>
+              <a:t>Education value</a:t>
+            </a:r>
+            <a:endParaRPr b="0" lang="en-GB" sz="1800" spc="-1" strike="noStrike">
+              <a:latin typeface="Arial"/>
+            </a:endParaRPr>
+          </a:p>
+          <a:p>
+            <a:pPr lvl="1" marL="971640" indent="-284760">
+              <a:lnSpc>
+                <a:spcPct val="100000"/>
+              </a:lnSpc>
+              <a:buClr>
+                <a:srgbClr val="ffffff"/>
+              </a:buClr>
+              <a:buFont typeface="Arial"/>
+              <a:buChar char="•"/>
+            </a:pPr>
+            <a:r>
+              <a:rPr b="0" lang="en-GB" sz="1800" spc="-1" strike="noStrike">
+                <a:solidFill>
+                  <a:srgbClr val="ffffff"/>
+                </a:solidFill>
+                <a:latin typeface="Century Gothic"/>
+                <a:ea typeface="DejaVu Sans"/>
+              </a:rPr>
+              <a:t> </a:t>
+            </a:r>
+            <a:r>
+              <a:rPr b="0" lang="en-GB" sz="1800" spc="-1" strike="noStrike">
+                <a:solidFill>
+                  <a:srgbClr val="ffffff"/>
+                </a:solidFill>
+                <a:latin typeface="Century Gothic"/>
+                <a:ea typeface="DejaVu Sans"/>
+              </a:rPr>
+              <a:t>Wireframes</a:t>
+            </a:r>
+            <a:endParaRPr b="0" lang="en-GB" sz="1800" spc="-1" strike="noStrike">
+              <a:latin typeface="Arial"/>
+            </a:endParaRPr>
+          </a:p>
+          <a:p>
             <a:pPr>
               <a:lnSpc>
                 <a:spcPct val="100000"/>
               </a:lnSpc>
             </a:pPr>
-            <a:r>
-              <a:rPr b="1" lang="en-GB" sz="2200" spc="-1" strike="noStrike" u="sng">
-                <a:solidFill>
-                  <a:srgbClr val="ffffff"/>
-                </a:solidFill>
-                <a:uFillTx/>
-                <a:latin typeface="Century Gothic"/>
-                <a:ea typeface="DejaVu Sans"/>
-              </a:rPr>
-              <a:t>Meeting - 2</a:t>
-            </a:r>
-            <a:endParaRPr b="0" lang="en-GB" sz="2200" spc="-1" strike="noStrike">
+            <a:endParaRPr b="0" lang="en-GB" sz="1800" spc="-1" strike="noStrike">
               <a:latin typeface="Arial"/>
             </a:endParaRPr>
           </a:p>
@@ -5764,213 +6096,22 @@
                 <a:spcPct val="100000"/>
               </a:lnSpc>
             </a:pPr>
-            <a:endParaRPr b="0" lang="en-GB" sz="2200" spc="-1" strike="noStrike">
-              <a:latin typeface="Arial"/>
-            </a:endParaRPr>
-          </a:p>
-          <a:p>
-            <a:pPr>
-              <a:lnSpc>
-                <a:spcPct val="100000"/>
-              </a:lnSpc>
-            </a:pPr>
-            <a:r>
-              <a:rPr b="0" lang="en-GB" sz="1800" spc="-1" strike="noStrike">
-                <a:solidFill>
-                  <a:srgbClr val="ffffff"/>
-                </a:solidFill>
-                <a:latin typeface="Century Gothic"/>
-                <a:ea typeface="DejaVu Sans"/>
-              </a:rPr>
-              <a:t>-- 2 Games </a:t>
-            </a:r>
             <a:endParaRPr b="0" lang="en-GB" sz="1800" spc="-1" strike="noStrike">
               <a:latin typeface="Arial"/>
             </a:endParaRPr>
           </a:p>
-          <a:p>
-            <a:pPr>
-              <a:lnSpc>
-                <a:spcPct val="100000"/>
-              </a:lnSpc>
-            </a:pPr>
-            <a:r>
-              <a:rPr b="0" lang="en-GB" sz="1800" spc="-1" strike="noStrike">
-                <a:solidFill>
-                  <a:srgbClr val="ffffff"/>
-                </a:solidFill>
-                <a:latin typeface="Century Gothic"/>
-                <a:ea typeface="DejaVu Sans"/>
-              </a:rPr>
-              <a:t>-- Initial hardware</a:t>
-            </a:r>
-            <a:endParaRPr b="0" lang="en-GB" sz="1800" spc="-1" strike="noStrike">
-              <a:latin typeface="Arial"/>
-            </a:endParaRPr>
-          </a:p>
-          <a:p>
-            <a:pPr>
-              <a:lnSpc>
-                <a:spcPct val="100000"/>
-              </a:lnSpc>
-            </a:pPr>
-            <a:r>
-              <a:rPr b="0" lang="en-GB" sz="1800" spc="-1" strike="noStrike">
-                <a:solidFill>
-                  <a:srgbClr val="ffffff"/>
-                </a:solidFill>
-                <a:latin typeface="Century Gothic"/>
-                <a:ea typeface="DejaVu Sans"/>
-              </a:rPr>
-              <a:t>-- Emphasis on requirements</a:t>
-            </a:r>
-            <a:endParaRPr b="0" lang="en-GB" sz="1800" spc="-1" strike="noStrike">
-              <a:latin typeface="Arial"/>
-            </a:endParaRPr>
-          </a:p>
-          <a:p>
-            <a:pPr>
-              <a:lnSpc>
-                <a:spcPct val="100000"/>
-              </a:lnSpc>
-            </a:pPr>
-            <a:endParaRPr b="0" lang="en-GB" sz="1800" spc="-1" strike="noStrike">
-              <a:latin typeface="Arial"/>
-            </a:endParaRPr>
-          </a:p>
-          <a:p>
-            <a:pPr>
-              <a:lnSpc>
-                <a:spcPct val="100000"/>
-              </a:lnSpc>
-            </a:pPr>
-            <a:endParaRPr b="0" lang="en-GB" sz="1800" spc="-1" strike="noStrike">
-              <a:latin typeface="Arial"/>
-            </a:endParaRPr>
-          </a:p>
-          <a:p>
-            <a:pPr>
-              <a:lnSpc>
-                <a:spcPct val="100000"/>
-              </a:lnSpc>
-            </a:pPr>
-            <a:r>
-              <a:rPr b="0" lang="en-GB" sz="2200" spc="-1" strike="noStrike" u="sng">
-                <a:solidFill>
-                  <a:srgbClr val="ffffff"/>
-                </a:solidFill>
-                <a:uFillTx/>
-                <a:latin typeface="Century Gothic"/>
-                <a:ea typeface="DejaVu Sans"/>
-              </a:rPr>
-              <a:t>Deliverables</a:t>
-            </a:r>
-            <a:endParaRPr b="0" lang="en-GB" sz="2200" spc="-1" strike="noStrike">
-              <a:latin typeface="Arial"/>
-            </a:endParaRPr>
-          </a:p>
-          <a:p>
-            <a:pPr>
-              <a:lnSpc>
-                <a:spcPct val="100000"/>
-              </a:lnSpc>
-            </a:pPr>
-            <a:endParaRPr b="0" lang="en-GB" sz="2200" spc="-1" strike="noStrike">
-              <a:latin typeface="Arial"/>
-            </a:endParaRPr>
-          </a:p>
-          <a:p>
-            <a:pPr>
-              <a:lnSpc>
-                <a:spcPct val="100000"/>
-              </a:lnSpc>
-            </a:pPr>
-            <a:r>
-              <a:rPr b="0" lang="en-GB" sz="1800" spc="-1" strike="noStrike">
-                <a:solidFill>
-                  <a:srgbClr val="ffffff"/>
-                </a:solidFill>
-                <a:latin typeface="Century Gothic"/>
-                <a:ea typeface="DejaVu Sans"/>
-              </a:rPr>
-              <a:t>-- 2 detailed game proposals</a:t>
-            </a:r>
-            <a:endParaRPr b="0" lang="en-GB" sz="1800" spc="-1" strike="noStrike">
-              <a:latin typeface="Arial"/>
-            </a:endParaRPr>
-          </a:p>
-          <a:p>
-            <a:pPr>
-              <a:lnSpc>
-                <a:spcPct val="100000"/>
-              </a:lnSpc>
-            </a:pPr>
-            <a:r>
-              <a:rPr b="0" lang="en-GB" sz="1800" spc="-1" strike="noStrike">
-                <a:solidFill>
-                  <a:srgbClr val="ffffff"/>
-                </a:solidFill>
-                <a:latin typeface="Century Gothic"/>
-                <a:ea typeface="DejaVu Sans"/>
-              </a:rPr>
-              <a:t>– </a:t>
-            </a:r>
-            <a:r>
-              <a:rPr b="0" lang="en-GB" sz="1800" spc="-1" strike="noStrike">
-                <a:solidFill>
-                  <a:srgbClr val="ffffff"/>
-                </a:solidFill>
-                <a:latin typeface="Century Gothic"/>
-                <a:ea typeface="DejaVu Sans"/>
-              </a:rPr>
-              <a:t>Hardware purchase proposal</a:t>
-            </a:r>
-            <a:endParaRPr b="0" lang="en-GB" sz="1800" spc="-1" strike="noStrike">
-              <a:latin typeface="Arial"/>
-            </a:endParaRPr>
-          </a:p>
-          <a:p>
-            <a:pPr>
-              <a:lnSpc>
-                <a:spcPct val="100000"/>
-              </a:lnSpc>
-            </a:pPr>
-            <a:endParaRPr b="0" lang="en-GB" sz="1800" spc="-1" strike="noStrike">
-              <a:latin typeface="Arial"/>
-            </a:endParaRPr>
-          </a:p>
-          <a:p>
-            <a:pPr>
-              <a:lnSpc>
-                <a:spcPct val="100000"/>
-              </a:lnSpc>
-            </a:pPr>
-            <a:endParaRPr b="0" lang="en-GB" sz="1800" spc="-1" strike="noStrike">
-              <a:latin typeface="Arial"/>
-            </a:endParaRPr>
-          </a:p>
-          <a:p>
-            <a:pPr>
-              <a:lnSpc>
-                <a:spcPct val="100000"/>
-              </a:lnSpc>
-            </a:pPr>
-            <a:endParaRPr b="0" lang="en-GB" sz="1800" spc="-1" strike="noStrike">
-              <a:latin typeface="Arial"/>
-            </a:endParaRPr>
-          </a:p>
-        </p:txBody>
-      </p:sp>
-      <p:sp>
-        <p:nvSpPr>
-          <p:cNvPr id="95" name="CustomShape 5"/>
+        </p:txBody>
+      </p:sp>
+      <p:sp>
+        <p:nvSpPr>
+          <p:cNvPr id="106" name="CustomShape 5"/>
           <p:cNvSpPr/>
           <p:nvPr/>
         </p:nvSpPr>
         <p:spPr>
           <a:xfrm>
-            <a:off x="144000" y="4322880"/>
-            <a:ext cx="3023640" cy="1797840"/>
+            <a:off x="144000" y="2426760"/>
+            <a:ext cx="4319640" cy="2217240"/>
           </a:xfrm>
           <a:prstGeom prst="rect">
             <a:avLst/>
@@ -5989,286 +6130,182 @@
         <p:txBody>
           <a:bodyPr lIns="90000" rIns="90000" tIns="45000" bIns="45000"/>
           <a:p>
-            <a:pPr>
-              <a:lnSpc>
-                <a:spcPct val="100000"/>
-              </a:lnSpc>
-            </a:pPr>
-            <a:endParaRPr b="0" lang="en-GB" sz="1800" spc="-1" strike="noStrike">
-              <a:latin typeface="Arial"/>
-            </a:endParaRPr>
-          </a:p>
-          <a:p>
-            <a:pPr>
-              <a:lnSpc>
-                <a:spcPct val="100000"/>
-              </a:lnSpc>
-            </a:pPr>
-            <a:endParaRPr b="0" lang="en-GB" sz="1800" spc="-1" strike="noStrike">
-              <a:latin typeface="Arial"/>
-            </a:endParaRPr>
-          </a:p>
-        </p:txBody>
-      </p:sp>
-      <p:sp>
-        <p:nvSpPr>
-          <p:cNvPr id="96" name="CustomShape 6"/>
-          <p:cNvSpPr/>
-          <p:nvPr/>
-        </p:nvSpPr>
-        <p:spPr>
-          <a:xfrm>
-            <a:off x="6009480" y="3308760"/>
-            <a:ext cx="180360" cy="232200"/>
-          </a:xfrm>
-          <a:prstGeom prst="rect">
-            <a:avLst/>
-          </a:prstGeom>
-          <a:noFill/>
-          <a:ln>
-            <a:noFill/>
-          </a:ln>
-        </p:spPr>
-        <p:style>
-          <a:lnRef idx="0"/>
-          <a:fillRef idx="0"/>
-          <a:effectRef idx="0"/>
-          <a:fontRef idx="minor"/>
-        </p:style>
-      </p:sp>
-      <p:pic>
-        <p:nvPicPr>
-          <p:cNvPr id="97" name="" descr=""/>
-          <p:cNvPicPr/>
-          <p:nvPr/>
-        </p:nvPicPr>
-        <p:blipFill>
-          <a:blip r:embed="rId1"/>
-          <a:stretch/>
-        </p:blipFill>
-        <p:spPr>
-          <a:xfrm>
-            <a:off x="2232000" y="5217120"/>
-            <a:ext cx="259560" cy="254520"/>
-          </a:xfrm>
-          <a:prstGeom prst="rect">
-            <a:avLst/>
-          </a:prstGeom>
-          <a:ln>
-            <a:noFill/>
-          </a:ln>
-        </p:spPr>
-      </p:pic>
-      <p:sp>
-        <p:nvSpPr>
-          <p:cNvPr id="98" name="CustomShape 7"/>
-          <p:cNvSpPr/>
-          <p:nvPr/>
-        </p:nvSpPr>
-        <p:spPr>
-          <a:xfrm>
-            <a:off x="6009480" y="3308760"/>
-            <a:ext cx="180360" cy="232200"/>
-          </a:xfrm>
-          <a:prstGeom prst="rect">
-            <a:avLst/>
-          </a:prstGeom>
-          <a:noFill/>
-          <a:ln>
-            <a:noFill/>
-          </a:ln>
-        </p:spPr>
-        <p:style>
-          <a:lnRef idx="0"/>
-          <a:fillRef idx="0"/>
-          <a:effectRef idx="0"/>
-          <a:fontRef idx="minor"/>
-        </p:style>
-      </p:sp>
-      <p:pic>
-        <p:nvPicPr>
-          <p:cNvPr id="99" name="" descr=""/>
-          <p:cNvPicPr/>
-          <p:nvPr/>
-        </p:nvPicPr>
-        <p:blipFill>
-          <a:blip r:embed="rId2"/>
-          <a:stretch/>
-        </p:blipFill>
-        <p:spPr>
-          <a:xfrm>
-            <a:off x="2808000" y="5505120"/>
-            <a:ext cx="259560" cy="254520"/>
-          </a:xfrm>
-          <a:prstGeom prst="rect">
-            <a:avLst/>
-          </a:prstGeom>
-          <a:ln>
-            <a:noFill/>
-          </a:ln>
-        </p:spPr>
-      </p:pic>
-      <p:pic>
-        <p:nvPicPr>
-          <p:cNvPr id="100" name="" descr=""/>
-          <p:cNvPicPr/>
-          <p:nvPr/>
-        </p:nvPicPr>
-        <p:blipFill>
-          <a:blip r:embed="rId3"/>
-          <a:stretch/>
-        </p:blipFill>
-        <p:spPr>
-          <a:xfrm>
-            <a:off x="2548080" y="5760000"/>
-            <a:ext cx="259560" cy="254520"/>
-          </a:xfrm>
-          <a:prstGeom prst="rect">
-            <a:avLst/>
-          </a:prstGeom>
-          <a:ln>
-            <a:noFill/>
-          </a:ln>
-        </p:spPr>
-      </p:pic>
-      <p:pic>
-        <p:nvPicPr>
-          <p:cNvPr id="101" name="" descr=""/>
-          <p:cNvPicPr/>
-          <p:nvPr/>
-        </p:nvPicPr>
-        <p:blipFill>
-          <a:blip r:embed="rId4"/>
-          <a:stretch/>
-        </p:blipFill>
-        <p:spPr>
-          <a:xfrm>
-            <a:off x="2836080" y="6014880"/>
-            <a:ext cx="259560" cy="254520"/>
-          </a:xfrm>
-          <a:prstGeom prst="rect">
-            <a:avLst/>
-          </a:prstGeom>
-          <a:ln>
-            <a:noFill/>
-          </a:ln>
-        </p:spPr>
-      </p:pic>
-      <p:pic>
-        <p:nvPicPr>
-          <p:cNvPr id="102" name="" descr=""/>
-          <p:cNvPicPr/>
-          <p:nvPr/>
-        </p:nvPicPr>
-        <p:blipFill>
-          <a:blip r:embed="rId5"/>
-          <a:stretch/>
-        </p:blipFill>
-        <p:spPr>
-          <a:xfrm>
-            <a:off x="2116080" y="6336000"/>
-            <a:ext cx="259560" cy="254520"/>
-          </a:xfrm>
-          <a:prstGeom prst="rect">
-            <a:avLst/>
-          </a:prstGeom>
-          <a:ln>
-            <a:noFill/>
-          </a:ln>
-        </p:spPr>
-      </p:pic>
-      <p:pic>
-        <p:nvPicPr>
-          <p:cNvPr id="103" name="" descr=""/>
-          <p:cNvPicPr/>
-          <p:nvPr/>
-        </p:nvPicPr>
-        <p:blipFill>
-          <a:blip r:embed="rId6"/>
-          <a:stretch/>
-        </p:blipFill>
-        <p:spPr>
-          <a:xfrm>
-            <a:off x="6120000" y="5145120"/>
-            <a:ext cx="259560" cy="254520"/>
-          </a:xfrm>
-          <a:prstGeom prst="rect">
-            <a:avLst/>
-          </a:prstGeom>
-          <a:ln>
-            <a:noFill/>
-          </a:ln>
-        </p:spPr>
-      </p:pic>
-      <p:pic>
-        <p:nvPicPr>
-          <p:cNvPr id="104" name="" descr=""/>
-          <p:cNvPicPr/>
-          <p:nvPr/>
-        </p:nvPicPr>
-        <p:blipFill>
-          <a:blip r:embed="rId7"/>
-          <a:stretch/>
-        </p:blipFill>
-        <p:spPr>
-          <a:xfrm>
-            <a:off x="5284080" y="5688000"/>
-            <a:ext cx="259560" cy="254520"/>
-          </a:xfrm>
-          <a:prstGeom prst="rect">
-            <a:avLst/>
-          </a:prstGeom>
-          <a:ln>
-            <a:noFill/>
-          </a:ln>
-        </p:spPr>
-      </p:pic>
-      <p:pic>
-        <p:nvPicPr>
-          <p:cNvPr id="105" name="" descr=""/>
-          <p:cNvPicPr/>
-          <p:nvPr/>
-        </p:nvPicPr>
-        <p:blipFill>
-          <a:blip r:embed="rId8"/>
-          <a:stretch/>
-        </p:blipFill>
-        <p:spPr>
-          <a:xfrm>
-            <a:off x="9532080" y="5832000"/>
-            <a:ext cx="259560" cy="254520"/>
-          </a:xfrm>
-          <a:prstGeom prst="rect">
-            <a:avLst/>
-          </a:prstGeom>
-          <a:ln>
-            <a:noFill/>
-          </a:ln>
-        </p:spPr>
-      </p:pic>
-      <p:pic>
-        <p:nvPicPr>
-          <p:cNvPr id="106" name="" descr=""/>
-          <p:cNvPicPr/>
-          <p:nvPr/>
-        </p:nvPicPr>
-        <p:blipFill>
-          <a:blip r:embed="rId9"/>
-          <a:stretch/>
-        </p:blipFill>
-        <p:spPr>
-          <a:xfrm>
-            <a:off x="2016000" y="4929120"/>
-            <a:ext cx="259560" cy="254520"/>
-          </a:xfrm>
-          <a:prstGeom prst="rect">
-            <a:avLst/>
-          </a:prstGeom>
-          <a:ln>
-            <a:noFill/>
-          </a:ln>
-        </p:spPr>
-      </p:pic>
+            <a:pPr marL="216000" indent="-215640">
+              <a:lnSpc>
+                <a:spcPct val="100000"/>
+              </a:lnSpc>
+              <a:buClr>
+                <a:srgbClr val="ffffff"/>
+              </a:buClr>
+              <a:buSzPct val="45000"/>
+              <a:buFont typeface="Wingdings" charset="2"/>
+              <a:buChar char=""/>
+            </a:pPr>
+            <a:r>
+              <a:rPr b="0" lang="en-GB" sz="2200" spc="-1" strike="noStrike">
+                <a:solidFill>
+                  <a:srgbClr val="ffffff"/>
+                </a:solidFill>
+                <a:latin typeface="Century Gothic"/>
+              </a:rPr>
+              <a:t>Design Requirements</a:t>
+            </a:r>
+            <a:endParaRPr b="0" lang="en-GB" sz="2200" spc="-1" strike="noStrike">
+              <a:latin typeface="Arial"/>
+            </a:endParaRPr>
+          </a:p>
+          <a:p>
+            <a:pPr lvl="1" marL="432000" indent="-215640">
+              <a:lnSpc>
+                <a:spcPct val="100000"/>
+              </a:lnSpc>
+              <a:buClr>
+                <a:srgbClr val="ffffff"/>
+              </a:buClr>
+              <a:buSzPct val="45000"/>
+              <a:buFont typeface="Wingdings" charset="2"/>
+              <a:buChar char=""/>
+            </a:pPr>
+            <a:r>
+              <a:rPr b="0" lang="en-GB" sz="2200" spc="-1" strike="noStrike">
+                <a:solidFill>
+                  <a:srgbClr val="ffffff"/>
+                </a:solidFill>
+                <a:latin typeface="Century Gothic"/>
+              </a:rPr>
+              <a:t>Satellite based</a:t>
+            </a:r>
+            <a:endParaRPr b="0" lang="en-GB" sz="2200" spc="-1" strike="noStrike">
+              <a:latin typeface="Arial"/>
+            </a:endParaRPr>
+          </a:p>
+          <a:p>
+            <a:pPr lvl="1" marL="432000" indent="-215640">
+              <a:lnSpc>
+                <a:spcPct val="100000"/>
+              </a:lnSpc>
+              <a:buClr>
+                <a:srgbClr val="ffffff"/>
+              </a:buClr>
+              <a:buSzPct val="45000"/>
+              <a:buFont typeface="Wingdings" charset="2"/>
+              <a:buChar char=""/>
+            </a:pPr>
+            <a:r>
+              <a:rPr b="0" lang="en-GB" sz="2000" spc="-1" strike="noStrike">
+                <a:solidFill>
+                  <a:srgbClr val="ffffff"/>
+                </a:solidFill>
+                <a:latin typeface="Century Gothic"/>
+              </a:rPr>
+              <a:t>Competitor CPU</a:t>
+            </a:r>
+            <a:endParaRPr b="0" lang="en-GB" sz="2000" spc="-1" strike="noStrike">
+              <a:latin typeface="Arial"/>
+            </a:endParaRPr>
+          </a:p>
+          <a:p>
+            <a:pPr lvl="1" marL="432000" indent="-215640">
+              <a:lnSpc>
+                <a:spcPct val="100000"/>
+              </a:lnSpc>
+              <a:buClr>
+                <a:srgbClr val="ffffff"/>
+              </a:buClr>
+              <a:buSzPct val="45000"/>
+              <a:buFont typeface="Wingdings" charset="2"/>
+              <a:buChar char=""/>
+            </a:pPr>
+            <a:r>
+              <a:rPr b="0" lang="en-GB" sz="2000" spc="-1" strike="noStrike">
+                <a:solidFill>
+                  <a:srgbClr val="ffffff"/>
+                </a:solidFill>
+                <a:latin typeface="Century Gothic"/>
+              </a:rPr>
+              <a:t>NN powered CPU </a:t>
+            </a:r>
+            <a:endParaRPr b="0" lang="en-GB" sz="2000" spc="-1" strike="noStrike">
+              <a:latin typeface="Arial"/>
+            </a:endParaRPr>
+          </a:p>
+          <a:p>
+            <a:pPr lvl="1" marL="432000" indent="-215640">
+              <a:lnSpc>
+                <a:spcPct val="100000"/>
+              </a:lnSpc>
+              <a:buClr>
+                <a:srgbClr val="ffffff"/>
+              </a:buClr>
+              <a:buSzPct val="45000"/>
+              <a:buFont typeface="Wingdings" charset="2"/>
+              <a:buChar char=""/>
+            </a:pPr>
+            <a:r>
+              <a:rPr b="0" lang="en-GB" sz="2000" spc="-1" strike="noStrike">
+                <a:solidFill>
+                  <a:srgbClr val="ffffff"/>
+                </a:solidFill>
+                <a:latin typeface="Century Gothic"/>
+              </a:rPr>
+              <a:t>Different difficulties</a:t>
+            </a:r>
+            <a:endParaRPr b="0" lang="en-GB" sz="2000" spc="-1" strike="noStrike">
+              <a:latin typeface="Arial"/>
+            </a:endParaRPr>
+          </a:p>
+          <a:p>
+            <a:pPr lvl="1" marL="432000" indent="-215640">
+              <a:lnSpc>
+                <a:spcPct val="100000"/>
+              </a:lnSpc>
+              <a:buClr>
+                <a:srgbClr val="ffffff"/>
+              </a:buClr>
+              <a:buSzPct val="45000"/>
+              <a:buFont typeface="Wingdings" charset="2"/>
+              <a:buChar char=""/>
+            </a:pPr>
+            <a:r>
+              <a:rPr b="0" lang="en-GB" sz="2000" spc="-1" strike="noStrike">
+                <a:solidFill>
+                  <a:srgbClr val="ffffff"/>
+                </a:solidFill>
+                <a:latin typeface="Century Gothic"/>
+              </a:rPr>
+              <a:t>Side-scrolling</a:t>
+            </a:r>
+            <a:endParaRPr b="0" lang="en-GB" sz="2000" spc="-1" strike="noStrike">
+              <a:latin typeface="Arial"/>
+            </a:endParaRPr>
+          </a:p>
+          <a:p>
+            <a:pPr lvl="1" marL="432000" indent="-215640">
+              <a:lnSpc>
+                <a:spcPct val="100000"/>
+              </a:lnSpc>
+              <a:buClr>
+                <a:srgbClr val="ffffff"/>
+              </a:buClr>
+              <a:buSzPct val="45000"/>
+              <a:buFont typeface="Wingdings" charset="2"/>
+              <a:buChar char=""/>
+            </a:pPr>
+            <a:r>
+              <a:rPr b="0" lang="en-GB" sz="2000" spc="-1" strike="noStrike">
+                <a:solidFill>
+                  <a:srgbClr val="ffffff"/>
+                </a:solidFill>
+                <a:latin typeface="Century Gothic"/>
+              </a:rPr>
+              <a:t>Score</a:t>
+            </a:r>
+            <a:endParaRPr b="0" lang="en-GB" sz="2000" spc="-1" strike="noStrike">
+              <a:latin typeface="Arial"/>
+            </a:endParaRPr>
+          </a:p>
+        </p:txBody>
+      </p:sp>
     </p:spTree>
   </p:cSld>
   <p:timing>
@@ -6359,7 +6396,7 @@
                 <a:latin typeface="Century Gothic"/>
                 <a:ea typeface="DejaVu Sans"/>
               </a:rPr>
-              <a:t>Progress – software</a:t>
+              <a:t>Progress – Hardware</a:t>
             </a:r>
             <a:endParaRPr b="0" lang="en-GB" sz="4000" spc="-1" strike="noStrike">
               <a:latin typeface="Arial"/>
@@ -6375,8 +6412,8 @@
         </p:nvSpPr>
         <p:spPr>
           <a:xfrm>
-            <a:off x="4663800" y="2520000"/>
-            <a:ext cx="3975840" cy="3074040"/>
+            <a:off x="685800" y="2194560"/>
+            <a:ext cx="10819440" cy="4023000"/>
           </a:xfrm>
           <a:prstGeom prst="rect">
             <a:avLst/>
@@ -6392,179 +6429,6 @@
           <a:effectRef idx="0"/>
           <a:fontRef idx="minor"/>
         </p:style>
-        <p:txBody>
-          <a:bodyPr lIns="90000" rIns="90000" tIns="45000" bIns="45000">
-            <a:normAutofit/>
-          </a:bodyPr>
-          <a:p>
-            <a:pPr marL="228600" indent="-227520">
-              <a:lnSpc>
-                <a:spcPct val="90000"/>
-              </a:lnSpc>
-              <a:spcBef>
-                <a:spcPts val="1001"/>
-              </a:spcBef>
-              <a:buClr>
-                <a:srgbClr val="ffffff"/>
-              </a:buClr>
-              <a:buFont typeface="Arial"/>
-              <a:buChar char="•"/>
-            </a:pPr>
-            <a:r>
-              <a:rPr b="0" lang="en-GB" sz="2200" spc="-1" strike="noStrike">
-                <a:solidFill>
-                  <a:srgbClr val="ffffff"/>
-                </a:solidFill>
-                <a:latin typeface="Century Gothic"/>
-                <a:ea typeface="DejaVu Sans"/>
-              </a:rPr>
-              <a:t>Original five proposals</a:t>
-            </a:r>
-            <a:endParaRPr b="0" lang="en-GB" sz="2200" spc="-1" strike="noStrike">
-              <a:latin typeface="Arial"/>
-            </a:endParaRPr>
-          </a:p>
-          <a:p>
-            <a:pPr lvl="1" marL="685800" indent="-227520">
-              <a:lnSpc>
-                <a:spcPct val="90000"/>
-              </a:lnSpc>
-              <a:spcBef>
-                <a:spcPts val="499"/>
-              </a:spcBef>
-              <a:buClr>
-                <a:srgbClr val="ffffff"/>
-              </a:buClr>
-              <a:buFont typeface="Arial"/>
-              <a:buChar char="•"/>
-            </a:pPr>
-            <a:r>
-              <a:rPr b="0" lang="en-GB" sz="2000" spc="-1" strike="noStrike">
-                <a:solidFill>
-                  <a:srgbClr val="ffffff"/>
-                </a:solidFill>
-                <a:latin typeface="Century Gothic"/>
-                <a:ea typeface="DejaVu Sans"/>
-              </a:rPr>
-              <a:t>Snake Satellite Proposal </a:t>
-            </a:r>
-            <a:endParaRPr b="0" lang="en-GB" sz="2000" spc="-1" strike="noStrike">
-              <a:latin typeface="Arial"/>
-            </a:endParaRPr>
-          </a:p>
-          <a:p>
-            <a:pPr lvl="1" marL="685800" indent="-227520">
-              <a:lnSpc>
-                <a:spcPct val="90000"/>
-              </a:lnSpc>
-              <a:spcBef>
-                <a:spcPts val="499"/>
-              </a:spcBef>
-              <a:buClr>
-                <a:srgbClr val="ffffff"/>
-              </a:buClr>
-              <a:buFont typeface="Arial"/>
-              <a:buChar char="•"/>
-            </a:pPr>
-            <a:r>
-              <a:rPr b="0" lang="en-GB" sz="2000" spc="-1" strike="noStrike">
-                <a:solidFill>
-                  <a:srgbClr val="ffffff"/>
-                </a:solidFill>
-                <a:latin typeface="Century Gothic"/>
-                <a:ea typeface="DejaVu Sans"/>
-              </a:rPr>
-              <a:t>PAC-Man Proposal</a:t>
-            </a:r>
-            <a:endParaRPr b="0" lang="en-GB" sz="2000" spc="-1" strike="noStrike">
-              <a:latin typeface="Arial"/>
-            </a:endParaRPr>
-          </a:p>
-          <a:p>
-            <a:pPr lvl="1" marL="685800" indent="-227520">
-              <a:lnSpc>
-                <a:spcPct val="90000"/>
-              </a:lnSpc>
-              <a:spcBef>
-                <a:spcPts val="499"/>
-              </a:spcBef>
-              <a:buClr>
-                <a:srgbClr val="ffffff"/>
-              </a:buClr>
-              <a:buFont typeface="Arial"/>
-              <a:buChar char="•"/>
-            </a:pPr>
-            <a:r>
-              <a:rPr b="0" lang="en-GB" sz="2000" spc="-1" strike="noStrike">
-                <a:solidFill>
-                  <a:srgbClr val="ffffff"/>
-                </a:solidFill>
-                <a:latin typeface="Century Gothic"/>
-                <a:ea typeface="DejaVu Sans"/>
-              </a:rPr>
-              <a:t>Cloud – Jump Proposal</a:t>
-            </a:r>
-            <a:endParaRPr b="0" lang="en-GB" sz="2000" spc="-1" strike="noStrike">
-              <a:latin typeface="Arial"/>
-            </a:endParaRPr>
-          </a:p>
-          <a:p>
-            <a:pPr lvl="1" marL="685800" indent="-227520">
-              <a:lnSpc>
-                <a:spcPct val="90000"/>
-              </a:lnSpc>
-              <a:spcBef>
-                <a:spcPts val="499"/>
-              </a:spcBef>
-              <a:buClr>
-                <a:srgbClr val="ffffff"/>
-              </a:buClr>
-              <a:buFont typeface="Arial"/>
-              <a:buChar char="•"/>
-            </a:pPr>
-            <a:r>
-              <a:rPr b="0" lang="en-GB" sz="2000" spc="-1" strike="noStrike">
-                <a:solidFill>
-                  <a:srgbClr val="ffffff"/>
-                </a:solidFill>
-                <a:latin typeface="Century Gothic"/>
-                <a:ea typeface="DejaVu Sans"/>
-              </a:rPr>
-              <a:t>Flappy-Bird Style Game</a:t>
-            </a:r>
-            <a:endParaRPr b="0" lang="en-GB" sz="2000" spc="-1" strike="noStrike">
-              <a:latin typeface="Arial"/>
-            </a:endParaRPr>
-          </a:p>
-          <a:p>
-            <a:pPr lvl="1" marL="685800" indent="-227520">
-              <a:lnSpc>
-                <a:spcPct val="90000"/>
-              </a:lnSpc>
-              <a:spcBef>
-                <a:spcPts val="499"/>
-              </a:spcBef>
-              <a:buClr>
-                <a:srgbClr val="ffffff"/>
-              </a:buClr>
-              <a:buFont typeface="Arial"/>
-              <a:buChar char="•"/>
-            </a:pPr>
-            <a:r>
-              <a:rPr b="0" lang="en-GB" sz="2000" spc="-1" strike="noStrike">
-                <a:solidFill>
-                  <a:srgbClr val="ffffff"/>
-                </a:solidFill>
-                <a:latin typeface="Century Gothic"/>
-                <a:ea typeface="DejaVu Sans"/>
-              </a:rPr>
-              <a:t>Satellite wars Proposal </a:t>
-            </a:r>
-            <a:endParaRPr b="0" lang="en-GB" sz="2000" spc="-1" strike="noStrike">
-              <a:latin typeface="Arial"/>
-            </a:endParaRPr>
-          </a:p>
-        </p:txBody>
       </p:sp>
       <p:sp>
         <p:nvSpPr>
@@ -6574,8 +6438,8 @@
         </p:nvSpPr>
         <p:spPr>
           <a:xfrm>
-            <a:off x="4896000" y="5539320"/>
-            <a:ext cx="3877920" cy="1012320"/>
+            <a:off x="648360" y="4318200"/>
+            <a:ext cx="4391640" cy="1369800"/>
           </a:xfrm>
           <a:prstGeom prst="rect">
             <a:avLst/>
@@ -6591,104 +6455,17 @@
           <a:effectRef idx="0"/>
           <a:fontRef idx="minor"/>
         </p:style>
-        <p:txBody>
-          <a:bodyPr lIns="90000" rIns="90000" tIns="45000" bIns="45000"/>
-          <a:p>
-            <a:pPr marL="228600" indent="-227520">
-              <a:lnSpc>
-                <a:spcPct val="90000"/>
-              </a:lnSpc>
-              <a:spcBef>
-                <a:spcPts val="1001"/>
-              </a:spcBef>
-              <a:buClr>
-                <a:srgbClr val="ffffff"/>
-              </a:buClr>
-              <a:buFont typeface="Symbol"/>
-              <a:buChar char=""/>
-            </a:pPr>
-            <a:r>
-              <a:rPr b="0" lang="en-GB" sz="2200" spc="-1" strike="noStrike">
-                <a:solidFill>
-                  <a:srgbClr val="ffffff"/>
-                </a:solidFill>
-                <a:latin typeface="Century Gothic"/>
-                <a:ea typeface="DejaVu Sans"/>
-              </a:rPr>
-              <a:t>Final two proposals</a:t>
-            </a:r>
-            <a:endParaRPr b="0" lang="en-GB" sz="2200" spc="-1" strike="noStrike">
-              <a:latin typeface="Arial"/>
-            </a:endParaRPr>
-          </a:p>
-          <a:p>
-            <a:pPr lvl="1" marL="685800" indent="-227520">
-              <a:lnSpc>
-                <a:spcPct val="90000"/>
-              </a:lnSpc>
-              <a:spcBef>
-                <a:spcPts val="499"/>
-              </a:spcBef>
-              <a:buClr>
-                <a:srgbClr val="ffffff"/>
-              </a:buClr>
-              <a:buFont typeface="Symbol"/>
-              <a:buChar char=""/>
-            </a:pPr>
-            <a:r>
-              <a:rPr b="0" lang="en-GB" sz="1800" spc="-1" strike="noStrike">
-                <a:solidFill>
-                  <a:srgbClr val="ffffff"/>
-                </a:solidFill>
-                <a:latin typeface="Century Gothic"/>
-                <a:ea typeface="DejaVu Sans"/>
-              </a:rPr>
-              <a:t>Flappy-Bird Style Game</a:t>
-            </a:r>
-            <a:endParaRPr b="0" lang="en-GB" sz="1800" spc="-1" strike="noStrike">
-              <a:latin typeface="Arial"/>
-            </a:endParaRPr>
-          </a:p>
-          <a:p>
-            <a:pPr lvl="1" marL="685800" indent="-227520">
-              <a:lnSpc>
-                <a:spcPct val="90000"/>
-              </a:lnSpc>
-              <a:spcBef>
-                <a:spcPts val="499"/>
-              </a:spcBef>
-              <a:buClr>
-                <a:srgbClr val="ffffff"/>
-              </a:buClr>
-              <a:buFont typeface="Symbol"/>
-              <a:buChar char=""/>
-            </a:pPr>
-            <a:r>
-              <a:rPr b="0" lang="en-GB" sz="1800" spc="-1" strike="noStrike">
-                <a:solidFill>
-                  <a:srgbClr val="ffffff"/>
-                </a:solidFill>
-                <a:latin typeface="Century Gothic"/>
-                <a:ea typeface="DejaVu Sans"/>
-              </a:rPr>
-              <a:t>Snake Satellite Proposal</a:t>
-            </a:r>
-            <a:endParaRPr b="0" lang="en-GB" sz="1800" spc="-1" strike="noStrike">
-              <a:latin typeface="Arial"/>
-            </a:endParaRPr>
-          </a:p>
-        </p:txBody>
-      </p:sp>
-      <p:sp>
-        <p:nvSpPr>
-          <p:cNvPr id="110" name="CustomShape 4"/>
-          <p:cNvSpPr/>
+      </p:sp>
+      <p:sp>
+        <p:nvSpPr>
+          <p:cNvPr id="110" name="TextShape 4"/>
+          <p:cNvSpPr txBox="1"/>
           <p:nvPr/>
         </p:nvSpPr>
         <p:spPr>
           <a:xfrm>
-            <a:off x="8496000" y="2487240"/>
-            <a:ext cx="4165560" cy="3992400"/>
+            <a:off x="499680" y="2446920"/>
+            <a:ext cx="3172320" cy="1801080"/>
           </a:xfrm>
           <a:prstGeom prst="rect">
             <a:avLst/>
@@ -6698,411 +6475,108 @@
             <a:noFill/>
           </a:ln>
         </p:spPr>
-        <p:style>
-          <a:lnRef idx="0"/>
-          <a:fillRef idx="0"/>
-          <a:effectRef idx="0"/>
-          <a:fontRef idx="minor"/>
-        </p:style>
         <p:txBody>
           <a:bodyPr lIns="90000" rIns="90000" tIns="45000" bIns="45000"/>
           <a:p>
-            <a:pPr marL="285840" indent="-284760">
-              <a:lnSpc>
-                <a:spcPct val="100000"/>
-              </a:lnSpc>
-              <a:buClr>
-                <a:srgbClr val="ffffff"/>
-              </a:buClr>
-              <a:buFont typeface="Arial"/>
-              <a:buChar char="•"/>
-            </a:pPr>
             <a:r>
               <a:rPr b="0" lang="en-GB" sz="2200" spc="-1" strike="noStrike">
                 <a:solidFill>
                   <a:srgbClr val="ffffff"/>
                 </a:solidFill>
                 <a:latin typeface="Century Gothic"/>
-                <a:ea typeface="DejaVu Sans"/>
-              </a:rPr>
-              <a:t>Full proposals Include</a:t>
+              </a:rPr>
+              <a:t>Requirements</a:t>
             </a:r>
             <a:endParaRPr b="0" lang="en-GB" sz="2200" spc="-1" strike="noStrike">
               <a:latin typeface="Arial"/>
             </a:endParaRPr>
           </a:p>
           <a:p>
-            <a:pPr lvl="1" marL="971640" indent="-284760">
-              <a:lnSpc>
-                <a:spcPct val="100000"/>
-              </a:lnSpc>
-              <a:buClr>
-                <a:srgbClr val="ffffff"/>
-              </a:buClr>
-              <a:buFont typeface="Arial"/>
-              <a:buChar char="•"/>
-            </a:pPr>
+            <a:r>
+              <a:rPr b="0" lang="en-GB" sz="2200" spc="-1" strike="noStrike">
+                <a:solidFill>
+                  <a:srgbClr val="ffffff"/>
+                </a:solidFill>
+                <a:latin typeface="Century Gothic"/>
+              </a:rPr>
+              <a:t>- </a:t>
+            </a:r>
             <a:r>
               <a:rPr b="0" lang="en-GB" sz="1800" spc="-1" strike="noStrike">
                 <a:solidFill>
                   <a:srgbClr val="ffffff"/>
                 </a:solidFill>
                 <a:latin typeface="Century Gothic"/>
-                <a:ea typeface="DejaVu Sans"/>
-              </a:rPr>
-              <a:t>Brief Description</a:t>
+              </a:rPr>
+              <a:t>Stand alone arcade </a:t>
+            </a:r>
+            <a:r>
+              <a:rPr b="0" lang="en-GB" sz="1800" spc="-1" strike="noStrike">
+                <a:solidFill>
+                  <a:srgbClr val="ffffff"/>
+                </a:solidFill>
+                <a:latin typeface="Century Gothic"/>
+              </a:rPr>
+              <a:t>Game</a:t>
             </a:r>
             <a:endParaRPr b="0" lang="en-GB" sz="1800" spc="-1" strike="noStrike">
               <a:latin typeface="Arial"/>
             </a:endParaRPr>
           </a:p>
           <a:p>
-            <a:pPr lvl="1" marL="971640" indent="-284760">
-              <a:lnSpc>
-                <a:spcPct val="100000"/>
-              </a:lnSpc>
-              <a:buClr>
-                <a:srgbClr val="ffffff"/>
-              </a:buClr>
-              <a:buFont typeface="Arial"/>
-              <a:buChar char="•"/>
-            </a:pPr>
             <a:r>
               <a:rPr b="0" lang="en-GB" sz="1800" spc="-1" strike="noStrike">
                 <a:solidFill>
                   <a:srgbClr val="ffffff"/>
                 </a:solidFill>
                 <a:latin typeface="Century Gothic"/>
-                <a:ea typeface="DejaVu Sans"/>
-              </a:rPr>
-              <a:t> </a:t>
-            </a:r>
+              </a:rPr>
+              <a:t>- Small, fit on desk</a:t>
+            </a:r>
+            <a:endParaRPr b="0" lang="en-GB" sz="1800" spc="-1" strike="noStrike">
+              <a:latin typeface="Arial"/>
+            </a:endParaRPr>
+          </a:p>
+          <a:p>
             <a:r>
               <a:rPr b="0" lang="en-GB" sz="1800" spc="-1" strike="noStrike">
                 <a:solidFill>
                   <a:srgbClr val="ffffff"/>
                 </a:solidFill>
                 <a:latin typeface="Century Gothic"/>
-                <a:ea typeface="DejaVu Sans"/>
-              </a:rPr>
-              <a:t>Neural Network Involvement</a:t>
+              </a:rPr>
+              <a:t>-Economical </a:t>
             </a:r>
             <a:endParaRPr b="0" lang="en-GB" sz="1800" spc="-1" strike="noStrike">
               <a:latin typeface="Arial"/>
             </a:endParaRPr>
           </a:p>
           <a:p>
-            <a:pPr lvl="1" marL="971640" indent="-284760">
-              <a:lnSpc>
-                <a:spcPct val="100000"/>
-              </a:lnSpc>
-              <a:buClr>
-                <a:srgbClr val="ffffff"/>
-              </a:buClr>
-              <a:buFont typeface="Arial"/>
-              <a:buChar char="•"/>
-            </a:pPr>
             <a:r>
               <a:rPr b="0" lang="en-GB" sz="1800" spc="-1" strike="noStrike">
                 <a:solidFill>
                   <a:srgbClr val="ffffff"/>
                 </a:solidFill>
                 <a:latin typeface="Century Gothic"/>
-                <a:ea typeface="DejaVu Sans"/>
-              </a:rPr>
-              <a:t> </a:t>
-            </a:r>
-            <a:r>
-              <a:rPr b="0" lang="en-GB" sz="1800" spc="-1" strike="noStrike">
-                <a:solidFill>
-                  <a:srgbClr val="ffffff"/>
-                </a:solidFill>
-                <a:latin typeface="Century Gothic"/>
-                <a:ea typeface="DejaVu Sans"/>
-              </a:rPr>
-              <a:t>Difficulty level</a:t>
+              </a:rPr>
+              <a:t>- Retro, like old arcades</a:t>
             </a:r>
             <a:endParaRPr b="0" lang="en-GB" sz="1800" spc="-1" strike="noStrike">
               <a:latin typeface="Arial"/>
             </a:endParaRPr>
           </a:p>
-          <a:p>
-            <a:pPr lvl="1" marL="971640" indent="-284760">
-              <a:lnSpc>
-                <a:spcPct val="100000"/>
-              </a:lnSpc>
-              <a:buClr>
-                <a:srgbClr val="ffffff"/>
-              </a:buClr>
-              <a:buFont typeface="Arial"/>
-              <a:buChar char="•"/>
-            </a:pPr>
-            <a:r>
-              <a:rPr b="0" lang="en-GB" sz="1800" spc="-1" strike="noStrike">
-                <a:solidFill>
-                  <a:srgbClr val="ffffff"/>
-                </a:solidFill>
-                <a:latin typeface="Century Gothic"/>
-                <a:ea typeface="DejaVu Sans"/>
-              </a:rPr>
-              <a:t> </a:t>
-            </a:r>
-            <a:r>
-              <a:rPr b="0" lang="en-GB" sz="1800" spc="-1" strike="noStrike">
-                <a:solidFill>
-                  <a:srgbClr val="ffffff"/>
-                </a:solidFill>
-                <a:latin typeface="Century Gothic"/>
-                <a:ea typeface="DejaVu Sans"/>
-              </a:rPr>
-              <a:t>Controls</a:t>
-            </a:r>
-            <a:endParaRPr b="0" lang="en-GB" sz="1800" spc="-1" strike="noStrike">
-              <a:latin typeface="Arial"/>
-            </a:endParaRPr>
-          </a:p>
-          <a:p>
-            <a:pPr lvl="1" marL="971640" indent="-284760">
-              <a:lnSpc>
-                <a:spcPct val="100000"/>
-              </a:lnSpc>
-              <a:buClr>
-                <a:srgbClr val="ffffff"/>
-              </a:buClr>
-              <a:buFont typeface="Arial"/>
-              <a:buChar char="•"/>
-            </a:pPr>
-            <a:r>
-              <a:rPr b="0" lang="en-GB" sz="1800" spc="-1" strike="noStrike">
-                <a:solidFill>
-                  <a:srgbClr val="ffffff"/>
-                </a:solidFill>
-                <a:latin typeface="Century Gothic"/>
-                <a:ea typeface="DejaVu Sans"/>
-              </a:rPr>
-              <a:t> </a:t>
-            </a:r>
-            <a:r>
-              <a:rPr b="0" lang="en-GB" sz="1800" spc="-1" strike="noStrike">
-                <a:solidFill>
-                  <a:srgbClr val="ffffff"/>
-                </a:solidFill>
-                <a:latin typeface="Century Gothic"/>
-                <a:ea typeface="DejaVu Sans"/>
-              </a:rPr>
-              <a:t>Scoring</a:t>
-            </a:r>
-            <a:endParaRPr b="0" lang="en-GB" sz="1800" spc="-1" strike="noStrike">
-              <a:latin typeface="Arial"/>
-            </a:endParaRPr>
-          </a:p>
-          <a:p>
-            <a:pPr lvl="1" marL="971640" indent="-284760">
-              <a:lnSpc>
-                <a:spcPct val="100000"/>
-              </a:lnSpc>
-              <a:buClr>
-                <a:srgbClr val="ffffff"/>
-              </a:buClr>
-              <a:buFont typeface="Arial"/>
-              <a:buChar char="•"/>
-            </a:pPr>
-            <a:r>
-              <a:rPr b="0" lang="en-GB" sz="1800" spc="-1" strike="noStrike">
-                <a:solidFill>
-                  <a:srgbClr val="ffffff"/>
-                </a:solidFill>
-                <a:latin typeface="Century Gothic"/>
-                <a:ea typeface="DejaVu Sans"/>
-              </a:rPr>
-              <a:t> </a:t>
-            </a:r>
-            <a:r>
-              <a:rPr b="0" lang="en-GB" sz="1800" spc="-1" strike="noStrike">
-                <a:solidFill>
-                  <a:srgbClr val="ffffff"/>
-                </a:solidFill>
-                <a:latin typeface="Century Gothic"/>
-                <a:ea typeface="DejaVu Sans"/>
-              </a:rPr>
-              <a:t>End Game</a:t>
-            </a:r>
-            <a:endParaRPr b="0" lang="en-GB" sz="1800" spc="-1" strike="noStrike">
-              <a:latin typeface="Arial"/>
-            </a:endParaRPr>
-          </a:p>
-          <a:p>
-            <a:pPr lvl="1" marL="971640" indent="-284760">
-              <a:lnSpc>
-                <a:spcPct val="100000"/>
-              </a:lnSpc>
-              <a:buClr>
-                <a:srgbClr val="ffffff"/>
-              </a:buClr>
-              <a:buFont typeface="Arial"/>
-              <a:buChar char="•"/>
-            </a:pPr>
-            <a:r>
-              <a:rPr b="0" lang="en-GB" sz="1800" spc="-1" strike="noStrike">
-                <a:solidFill>
-                  <a:srgbClr val="ffffff"/>
-                </a:solidFill>
-                <a:latin typeface="Century Gothic"/>
-                <a:ea typeface="DejaVu Sans"/>
-              </a:rPr>
-              <a:t> </a:t>
-            </a:r>
-            <a:r>
-              <a:rPr b="0" lang="en-GB" sz="1800" spc="-1" strike="noStrike">
-                <a:solidFill>
-                  <a:srgbClr val="ffffff"/>
-                </a:solidFill>
-                <a:latin typeface="Century Gothic"/>
-                <a:ea typeface="DejaVu Sans"/>
-              </a:rPr>
-              <a:t>Resources</a:t>
-            </a:r>
-            <a:endParaRPr b="0" lang="en-GB" sz="1800" spc="-1" strike="noStrike">
-              <a:latin typeface="Arial"/>
-            </a:endParaRPr>
-          </a:p>
-          <a:p>
-            <a:pPr lvl="1" marL="971640" indent="-284760">
-              <a:lnSpc>
-                <a:spcPct val="100000"/>
-              </a:lnSpc>
-              <a:buClr>
-                <a:srgbClr val="ffffff"/>
-              </a:buClr>
-              <a:buFont typeface="Arial"/>
-              <a:buChar char="•"/>
-            </a:pPr>
-            <a:r>
-              <a:rPr b="0" lang="en-GB" sz="1800" spc="-1" strike="noStrike">
-                <a:solidFill>
-                  <a:srgbClr val="ffffff"/>
-                </a:solidFill>
-                <a:latin typeface="Century Gothic"/>
-                <a:ea typeface="DejaVu Sans"/>
-              </a:rPr>
-              <a:t> </a:t>
-            </a:r>
-            <a:r>
-              <a:rPr b="0" lang="en-GB" sz="1800" spc="-1" strike="noStrike">
-                <a:solidFill>
-                  <a:srgbClr val="ffffff"/>
-                </a:solidFill>
-                <a:latin typeface="Century Gothic"/>
-                <a:ea typeface="DejaVu Sans"/>
-              </a:rPr>
-              <a:t>Potential Issues</a:t>
-            </a:r>
-            <a:endParaRPr b="0" lang="en-GB" sz="1800" spc="-1" strike="noStrike">
-              <a:latin typeface="Arial"/>
-            </a:endParaRPr>
-          </a:p>
-          <a:p>
-            <a:pPr lvl="1" marL="971640" indent="-284760">
-              <a:lnSpc>
-                <a:spcPct val="100000"/>
-              </a:lnSpc>
-              <a:buClr>
-                <a:srgbClr val="ffffff"/>
-              </a:buClr>
-              <a:buFont typeface="Arial"/>
-              <a:buChar char="•"/>
-            </a:pPr>
-            <a:r>
-              <a:rPr b="0" lang="en-GB" sz="1800" spc="-1" strike="noStrike">
-                <a:solidFill>
-                  <a:srgbClr val="ffffff"/>
-                </a:solidFill>
-                <a:latin typeface="Century Gothic"/>
-                <a:ea typeface="DejaVu Sans"/>
-              </a:rPr>
-              <a:t> </a:t>
-            </a:r>
-            <a:r>
-              <a:rPr b="0" lang="en-GB" sz="1800" spc="-1" strike="noStrike">
-                <a:solidFill>
-                  <a:srgbClr val="ffffff"/>
-                </a:solidFill>
-                <a:latin typeface="Century Gothic"/>
-                <a:ea typeface="DejaVu Sans"/>
-              </a:rPr>
-              <a:t>Education value</a:t>
-            </a:r>
-            <a:endParaRPr b="0" lang="en-GB" sz="1800" spc="-1" strike="noStrike">
-              <a:latin typeface="Arial"/>
-            </a:endParaRPr>
-          </a:p>
-          <a:p>
-            <a:pPr lvl="1" marL="971640" indent="-284760">
-              <a:lnSpc>
-                <a:spcPct val="100000"/>
-              </a:lnSpc>
-              <a:buClr>
-                <a:srgbClr val="ffffff"/>
-              </a:buClr>
-              <a:buFont typeface="Arial"/>
-              <a:buChar char="•"/>
-            </a:pPr>
-            <a:r>
-              <a:rPr b="0" lang="en-GB" sz="1800" spc="-1" strike="noStrike">
-                <a:solidFill>
-                  <a:srgbClr val="ffffff"/>
-                </a:solidFill>
-                <a:latin typeface="Century Gothic"/>
-                <a:ea typeface="DejaVu Sans"/>
-              </a:rPr>
-              <a:t> </a:t>
-            </a:r>
-            <a:r>
-              <a:rPr b="0" lang="en-GB" sz="1800" spc="-1" strike="noStrike">
-                <a:solidFill>
-                  <a:srgbClr val="ffffff"/>
-                </a:solidFill>
-                <a:latin typeface="Century Gothic"/>
-                <a:ea typeface="DejaVu Sans"/>
-              </a:rPr>
-              <a:t>Wireframes</a:t>
-            </a:r>
-            <a:endParaRPr b="0" lang="en-GB" sz="1800" spc="-1" strike="noStrike">
-              <a:latin typeface="Arial"/>
-            </a:endParaRPr>
-          </a:p>
-          <a:p>
-            <a:pPr>
-              <a:lnSpc>
-                <a:spcPct val="100000"/>
-              </a:lnSpc>
-            </a:pPr>
-            <a:endParaRPr b="0" lang="en-GB" sz="1800" spc="-1" strike="noStrike">
-              <a:latin typeface="Arial"/>
-            </a:endParaRPr>
-          </a:p>
-          <a:p>
-            <a:pPr>
-              <a:lnSpc>
-                <a:spcPct val="100000"/>
-              </a:lnSpc>
-            </a:pPr>
-            <a:endParaRPr b="0" lang="en-GB" sz="1800" spc="-1" strike="noStrike">
-              <a:latin typeface="Arial"/>
-            </a:endParaRPr>
-          </a:p>
-        </p:txBody>
-      </p:sp>
-      <p:sp>
-        <p:nvSpPr>
-          <p:cNvPr id="111" name="CustomShape 5"/>
-          <p:cNvSpPr/>
+        </p:txBody>
+      </p:sp>
+      <p:sp>
+        <p:nvSpPr>
+          <p:cNvPr id="111" name="TextShape 5"/>
+          <p:cNvSpPr txBox="1"/>
           <p:nvPr/>
         </p:nvSpPr>
         <p:spPr>
           <a:xfrm>
-            <a:off x="144000" y="2426760"/>
-            <a:ext cx="4319640" cy="2217240"/>
+            <a:off x="4464000" y="2448000"/>
+            <a:ext cx="3604320" cy="1801080"/>
           </a:xfrm>
           <a:prstGeom prst="rect">
             <a:avLst/>
@@ -7112,26 +6586,9 @@
             <a:noFill/>
           </a:ln>
         </p:spPr>
-        <p:style>
-          <a:lnRef idx="0"/>
-          <a:fillRef idx="0"/>
-          <a:effectRef idx="0"/>
-          <a:fontRef idx="minor"/>
-        </p:style>
         <p:txBody>
           <a:bodyPr lIns="90000" rIns="90000" tIns="45000" bIns="45000"/>
           <a:p>
-            <a:pPr marL="216000" indent="-215640">
-              <a:lnSpc>
-                <a:spcPct val="100000"/>
-              </a:lnSpc>
-              <a:buClr>
-                <a:srgbClr val="ffffff"/>
-              </a:buClr>
-              <a:buSzPct val="45000"/>
-              <a:buFont typeface="Wingdings" charset="2"/>
-              <a:buChar char=""/>
-            </a:pPr>
             <a:r>
               <a:rPr b="0" lang="en-GB" sz="2200" spc="-1" strike="noStrike">
                 <a:solidFill>
@@ -7139,24 +6596,13 @@
                 </a:solidFill>
                 <a:latin typeface="Century Gothic"/>
               </a:rPr>
-              <a:t>Design Requirements</a:t>
+              <a:t>Decisions made</a:t>
             </a:r>
             <a:endParaRPr b="0" lang="en-GB" sz="2200" spc="-1" strike="noStrike">
               <a:latin typeface="Arial"/>
             </a:endParaRPr>
           </a:p>
           <a:p>
-            <a:pPr lvl="1" marL="432000" indent="-215640">
-              <a:lnSpc>
-                <a:spcPct val="100000"/>
-              </a:lnSpc>
-              <a:buClr>
-                <a:srgbClr val="ffffff"/>
-              </a:buClr>
-              <a:buSzPct val="45000"/>
-              <a:buFont typeface="Wingdings" charset="2"/>
-              <a:buChar char=""/>
-            </a:pPr>
             <a:r>
               <a:rPr b="0" lang="en-GB" sz="2200" spc="-1" strike="noStrike">
                 <a:solidFill>
@@ -7164,134 +6610,125 @@
                 </a:solidFill>
                 <a:latin typeface="Century Gothic"/>
               </a:rPr>
-              <a:t>Satellite based</a:t>
+              <a:t>- </a:t>
+            </a:r>
+            <a:r>
+              <a:rPr b="0" lang="en-GB" sz="1800" spc="-1" strike="noStrike">
+                <a:solidFill>
+                  <a:srgbClr val="ffffff"/>
+                </a:solidFill>
+                <a:latin typeface="Century Gothic"/>
+              </a:rPr>
+              <a:t>£60 initial investment</a:t>
+            </a:r>
+            <a:endParaRPr b="0" lang="en-GB" sz="1800" spc="-1" strike="noStrike">
+              <a:latin typeface="Arial"/>
+            </a:endParaRPr>
+          </a:p>
+          <a:p>
+            <a:r>
+              <a:rPr b="0" lang="en-GB" sz="1800" spc="-1" strike="noStrike">
+                <a:solidFill>
+                  <a:srgbClr val="ffffff"/>
+                </a:solidFill>
+                <a:latin typeface="Century Gothic"/>
+              </a:rPr>
+              <a:t>- Will consider cabient if the rest of the project is to a standard you are happy with</a:t>
+            </a:r>
+            <a:endParaRPr b="0" lang="en-GB" sz="1800" spc="-1" strike="noStrike">
+              <a:latin typeface="Arial"/>
+            </a:endParaRPr>
+          </a:p>
+          <a:p>
+            <a:endParaRPr b="0" lang="en-GB" sz="1800" spc="-1" strike="noStrike">
+              <a:latin typeface="Arial"/>
+            </a:endParaRPr>
+          </a:p>
+        </p:txBody>
+      </p:sp>
+      <p:sp>
+        <p:nvSpPr>
+          <p:cNvPr id="112" name="TextShape 6"/>
+          <p:cNvSpPr txBox="1"/>
+          <p:nvPr/>
+        </p:nvSpPr>
+        <p:spPr>
+          <a:xfrm>
+            <a:off x="8707680" y="2448000"/>
+            <a:ext cx="3172320" cy="1270440"/>
+          </a:xfrm>
+          <a:prstGeom prst="rect">
+            <a:avLst/>
+          </a:prstGeom>
+          <a:noFill/>
+          <a:ln>
+            <a:noFill/>
+          </a:ln>
+        </p:spPr>
+        <p:txBody>
+          <a:bodyPr lIns="90000" rIns="90000" tIns="45000" bIns="45000"/>
+          <a:p>
+            <a:r>
+              <a:rPr b="0" lang="en-GB" sz="2200" spc="-1" strike="noStrike">
+                <a:solidFill>
+                  <a:srgbClr val="ffffff"/>
+                </a:solidFill>
+                <a:latin typeface="Century Gothic"/>
+              </a:rPr>
+              <a:t>Purchases</a:t>
             </a:r>
             <a:endParaRPr b="0" lang="en-GB" sz="2200" spc="-1" strike="noStrike">
               <a:latin typeface="Arial"/>
             </a:endParaRPr>
           </a:p>
           <a:p>
-            <a:pPr lvl="1" marL="432000" indent="-215640">
-              <a:lnSpc>
-                <a:spcPct val="100000"/>
-              </a:lnSpc>
-              <a:buClr>
-                <a:srgbClr val="ffffff"/>
-              </a:buClr>
-              <a:buSzPct val="45000"/>
-              <a:buFont typeface="Wingdings" charset="2"/>
-              <a:buChar char=""/>
-            </a:pPr>
-            <a:r>
-              <a:rPr b="0" lang="en-GB" sz="2000" spc="-1" strike="noStrike">
-                <a:solidFill>
-                  <a:srgbClr val="ffffff"/>
-                </a:solidFill>
-                <a:latin typeface="Century Gothic"/>
-              </a:rPr>
-              <a:t>Competitor CPU</a:t>
-            </a:r>
-            <a:endParaRPr b="0" lang="en-GB" sz="2000" spc="-1" strike="noStrike">
-              <a:latin typeface="Arial"/>
-            </a:endParaRPr>
-          </a:p>
-          <a:p>
-            <a:pPr lvl="1" marL="432000" indent="-215640">
-              <a:lnSpc>
-                <a:spcPct val="100000"/>
-              </a:lnSpc>
-              <a:buClr>
-                <a:srgbClr val="ffffff"/>
-              </a:buClr>
-              <a:buSzPct val="45000"/>
-              <a:buFont typeface="Wingdings" charset="2"/>
-              <a:buChar char=""/>
-            </a:pPr>
-            <a:r>
-              <a:rPr b="0" lang="en-GB" sz="2000" spc="-1" strike="noStrike">
-                <a:solidFill>
-                  <a:srgbClr val="ffffff"/>
-                </a:solidFill>
-                <a:latin typeface="Century Gothic"/>
-              </a:rPr>
-              <a:t>NN powered CPU </a:t>
-            </a:r>
-            <a:endParaRPr b="0" lang="en-GB" sz="2000" spc="-1" strike="noStrike">
-              <a:latin typeface="Arial"/>
-            </a:endParaRPr>
-          </a:p>
-          <a:p>
-            <a:pPr lvl="1" marL="432000" indent="-215640">
-              <a:lnSpc>
-                <a:spcPct val="100000"/>
-              </a:lnSpc>
-              <a:buClr>
-                <a:srgbClr val="ffffff"/>
-              </a:buClr>
-              <a:buSzPct val="45000"/>
-              <a:buFont typeface="Wingdings" charset="2"/>
-              <a:buChar char=""/>
-            </a:pPr>
-            <a:r>
-              <a:rPr b="0" lang="en-GB" sz="2000" spc="-1" strike="noStrike">
-                <a:solidFill>
-                  <a:srgbClr val="ffffff"/>
-                </a:solidFill>
-                <a:latin typeface="Century Gothic"/>
-              </a:rPr>
-              <a:t>Different difficulties</a:t>
-            </a:r>
-            <a:endParaRPr b="0" lang="en-GB" sz="2000" spc="-1" strike="noStrike">
-              <a:latin typeface="Arial"/>
-            </a:endParaRPr>
-          </a:p>
-          <a:p>
-            <a:pPr lvl="1" marL="432000" indent="-215640">
-              <a:lnSpc>
-                <a:spcPct val="100000"/>
-              </a:lnSpc>
-              <a:buClr>
-                <a:srgbClr val="ffffff"/>
-              </a:buClr>
-              <a:buSzPct val="45000"/>
-              <a:buFont typeface="Wingdings" charset="2"/>
-              <a:buChar char=""/>
-            </a:pPr>
-            <a:r>
-              <a:rPr b="0" lang="en-GB" sz="2000" spc="-1" strike="noStrike">
-                <a:solidFill>
-                  <a:srgbClr val="ffffff"/>
-                </a:solidFill>
-                <a:latin typeface="Century Gothic"/>
-              </a:rPr>
-              <a:t>Side-scrolling</a:t>
-            </a:r>
-            <a:endParaRPr b="0" lang="en-GB" sz="2000" spc="-1" strike="noStrike">
-              <a:latin typeface="Arial"/>
-            </a:endParaRPr>
-          </a:p>
-          <a:p>
-            <a:pPr lvl="1" marL="432000" indent="-215640">
-              <a:lnSpc>
-                <a:spcPct val="100000"/>
-              </a:lnSpc>
-              <a:buClr>
-                <a:srgbClr val="ffffff"/>
-              </a:buClr>
-              <a:buSzPct val="45000"/>
-              <a:buFont typeface="Wingdings" charset="2"/>
-              <a:buChar char=""/>
-            </a:pPr>
-            <a:r>
-              <a:rPr b="0" lang="en-GB" sz="2000" spc="-1" strike="noStrike">
-                <a:solidFill>
-                  <a:srgbClr val="ffffff"/>
-                </a:solidFill>
-                <a:latin typeface="Century Gothic"/>
-              </a:rPr>
-              <a:t>Score</a:t>
-            </a:r>
-            <a:endParaRPr b="0" lang="en-GB" sz="2000" spc="-1" strike="noStrike">
+            <a:r>
+              <a:rPr b="0" lang="en-GB" sz="2200" spc="-1" strike="noStrike">
+                <a:solidFill>
+                  <a:srgbClr val="ffffff"/>
+                </a:solidFill>
+                <a:latin typeface="Century Gothic"/>
+              </a:rPr>
+              <a:t>- </a:t>
+            </a:r>
+            <a:r>
+              <a:rPr b="0" lang="en-GB" sz="1800" spc="-1" strike="noStrike">
+                <a:solidFill>
+                  <a:srgbClr val="ffffff"/>
+                </a:solidFill>
+                <a:latin typeface="Century Gothic"/>
+              </a:rPr>
+              <a:t>Raspberry Pi 3</a:t>
+            </a:r>
+            <a:endParaRPr b="0" lang="en-GB" sz="1800" spc="-1" strike="noStrike">
+              <a:latin typeface="Arial"/>
+            </a:endParaRPr>
+          </a:p>
+          <a:p>
+            <a:r>
+              <a:rPr b="0" lang="en-GB" sz="1800" spc="-1" strike="noStrike">
+                <a:solidFill>
+                  <a:srgbClr val="ffffff"/>
+                </a:solidFill>
+                <a:latin typeface="Century Gothic"/>
+              </a:rPr>
+              <a:t>- Power supply</a:t>
+            </a:r>
+            <a:endParaRPr b="0" lang="en-GB" sz="1800" spc="-1" strike="noStrike">
+              <a:latin typeface="Arial"/>
+            </a:endParaRPr>
+          </a:p>
+          <a:p>
+            <a:r>
+              <a:rPr b="0" lang="en-GB" sz="1800" spc="-1" strike="noStrike">
+                <a:solidFill>
+                  <a:srgbClr val="ffffff"/>
+                </a:solidFill>
+                <a:latin typeface="Century Gothic"/>
+              </a:rPr>
+              <a:t>- Arcade controls</a:t>
+            </a:r>
+            <a:endParaRPr b="0" lang="en-GB" sz="1800" spc="-1" strike="noStrike">
               <a:latin typeface="Arial"/>
             </a:endParaRPr>
           </a:p>
@@ -7348,14 +6785,14 @@
       </p:grpSpPr>
       <p:sp>
         <p:nvSpPr>
-          <p:cNvPr id="112" name="CustomShape 1"/>
+          <p:cNvPr id="113" name="CustomShape 1"/>
           <p:cNvSpPr/>
           <p:nvPr/>
         </p:nvSpPr>
         <p:spPr>
           <a:xfrm>
-            <a:off x="2895480" y="764280"/>
-            <a:ext cx="8609400" cy="1292040"/>
+            <a:off x="595080" y="1760400"/>
+            <a:ext cx="10942920" cy="1824120"/>
           </a:xfrm>
           <a:prstGeom prst="rect">
             <a:avLst/>
@@ -7372,399 +6809,24 @@
           <a:fontRef idx="minor"/>
         </p:style>
         <p:txBody>
-          <a:bodyPr lIns="90000" rIns="90000" tIns="45000" bIns="45000" anchor="ctr"/>
-          <a:p>
-            <a:pPr algn="r">
+          <a:bodyPr lIns="90000" rIns="90000" tIns="45000" bIns="45000" anchor="b"/>
+          <a:p>
+            <a:pPr>
               <a:lnSpc>
                 <a:spcPct val="90000"/>
               </a:lnSpc>
             </a:pPr>
             <a:r>
-              <a:rPr b="0" lang="en-GB" sz="4000" spc="-1" strike="noStrike" cap="all">
-                <a:solidFill>
-                  <a:srgbClr val="ffffff"/>
-                </a:solidFill>
-                <a:latin typeface="Century Gothic"/>
-                <a:ea typeface="DejaVu Sans"/>
-              </a:rPr>
-              <a:t>Progress – Hardware</a:t>
-            </a:r>
-            <a:endParaRPr b="0" lang="en-GB" sz="4000" spc="-1" strike="noStrike">
-              <a:latin typeface="Arial"/>
-            </a:endParaRPr>
-          </a:p>
-        </p:txBody>
-      </p:sp>
-      <p:sp>
-        <p:nvSpPr>
-          <p:cNvPr id="113" name="CustomShape 2"/>
-          <p:cNvSpPr/>
-          <p:nvPr/>
-        </p:nvSpPr>
-        <p:spPr>
-          <a:xfrm>
-            <a:off x="685800" y="2194560"/>
-            <a:ext cx="10819440" cy="4023000"/>
-          </a:xfrm>
-          <a:prstGeom prst="rect">
-            <a:avLst/>
-          </a:prstGeom>
-          <a:noFill/>
-          <a:ln>
-            <a:noFill/>
-          </a:ln>
-        </p:spPr>
-        <p:style>
-          <a:lnRef idx="0"/>
-          <a:fillRef idx="0"/>
-          <a:effectRef idx="0"/>
-          <a:fontRef idx="minor"/>
-        </p:style>
-      </p:sp>
-      <p:sp>
-        <p:nvSpPr>
-          <p:cNvPr id="114" name="CustomShape 3"/>
-          <p:cNvSpPr/>
-          <p:nvPr/>
-        </p:nvSpPr>
-        <p:spPr>
-          <a:xfrm>
-            <a:off x="432000" y="2261880"/>
-            <a:ext cx="4391640" cy="1369800"/>
-          </a:xfrm>
-          <a:prstGeom prst="rect">
-            <a:avLst/>
-          </a:prstGeom>
-          <a:noFill/>
-          <a:ln>
-            <a:noFill/>
-          </a:ln>
-        </p:spPr>
-        <p:style>
-          <a:lnRef idx="0"/>
-          <a:fillRef idx="0"/>
-          <a:effectRef idx="0"/>
-          <a:fontRef idx="minor"/>
-        </p:style>
-        <p:txBody>
-          <a:bodyPr lIns="90000" rIns="90000" tIns="45000" bIns="45000"/>
-          <a:p>
-            <a:pPr>
-              <a:lnSpc>
-                <a:spcPct val="100000"/>
-              </a:lnSpc>
-            </a:pPr>
-            <a:r>
-              <a:rPr b="0" lang="en-GB" sz="2200" spc="-1" strike="noStrike">
-                <a:latin typeface="Arial"/>
-              </a:rPr>
-              <a:t>Requirements</a:t>
-            </a:r>
-            <a:r>
-              <a:rPr b="0" lang="en-GB" sz="1800" spc="-1" strike="noStrike">
-                <a:latin typeface="Arial"/>
-              </a:rPr>
-              <a:t>:</a:t>
-            </a:r>
-            <a:endParaRPr b="0" lang="en-GB" sz="1800" spc="-1" strike="noStrike">
-              <a:latin typeface="Arial"/>
-            </a:endParaRPr>
-          </a:p>
-          <a:p>
-            <a:pPr>
-              <a:lnSpc>
-                <a:spcPct val="100000"/>
-              </a:lnSpc>
-            </a:pPr>
-            <a:r>
-              <a:rPr b="0" lang="en-GB" sz="1800" spc="-1" strike="noStrike">
-                <a:latin typeface="Arial"/>
-              </a:rPr>
-              <a:t>– </a:t>
-            </a:r>
-            <a:r>
-              <a:rPr b="0" lang="en-GB" sz="1800" spc="-1" strike="noStrike">
-                <a:latin typeface="Arial"/>
-              </a:rPr>
-              <a:t>Stand alone arcade game</a:t>
-            </a:r>
-            <a:endParaRPr b="0" lang="en-GB" sz="1800" spc="-1" strike="noStrike">
-              <a:latin typeface="Arial"/>
-            </a:endParaRPr>
-          </a:p>
-          <a:p>
-            <a:pPr>
-              <a:lnSpc>
-                <a:spcPct val="100000"/>
-              </a:lnSpc>
-            </a:pPr>
-            <a:r>
-              <a:rPr b="0" lang="en-GB" sz="1800" spc="-1" strike="noStrike">
-                <a:latin typeface="Arial"/>
-              </a:rPr>
-              <a:t>– </a:t>
-            </a:r>
-            <a:r>
-              <a:rPr b="0" lang="en-GB" sz="1800" spc="-1" strike="noStrike">
-                <a:latin typeface="Arial"/>
-              </a:rPr>
-              <a:t>Small, fit on desk</a:t>
-            </a:r>
-            <a:endParaRPr b="0" lang="en-GB" sz="1800" spc="-1" strike="noStrike">
-              <a:latin typeface="Arial"/>
-            </a:endParaRPr>
-          </a:p>
-          <a:p>
-            <a:pPr>
-              <a:lnSpc>
-                <a:spcPct val="100000"/>
-              </a:lnSpc>
-            </a:pPr>
-            <a:r>
-              <a:rPr b="0" lang="en-GB" sz="1800" spc="-1" strike="noStrike">
-                <a:latin typeface="Arial"/>
-              </a:rPr>
-              <a:t>– </a:t>
-            </a:r>
-            <a:r>
-              <a:rPr b="0" lang="en-GB" sz="1800" spc="-1" strike="noStrike">
-                <a:latin typeface="Arial"/>
-              </a:rPr>
-              <a:t>Economical</a:t>
-            </a:r>
-            <a:endParaRPr b="0" lang="en-GB" sz="1800" spc="-1" strike="noStrike">
-              <a:latin typeface="Arial"/>
-            </a:endParaRPr>
-          </a:p>
-          <a:p>
-            <a:pPr>
-              <a:lnSpc>
-                <a:spcPct val="100000"/>
-              </a:lnSpc>
-            </a:pPr>
-            <a:r>
-              <a:rPr b="0" lang="en-GB" sz="1800" spc="-1" strike="noStrike">
-                <a:latin typeface="Arial"/>
-              </a:rPr>
-              <a:t>– </a:t>
-            </a:r>
-            <a:r>
-              <a:rPr b="0" lang="en-GB" sz="1800" spc="-1" strike="noStrike">
-                <a:latin typeface="Arial"/>
-              </a:rPr>
-              <a:t>Retro, like old arcades</a:t>
-            </a:r>
-            <a:endParaRPr b="0" lang="en-GB" sz="1800" spc="-1" strike="noStrike">
-              <a:latin typeface="Arial"/>
-            </a:endParaRPr>
-          </a:p>
-        </p:txBody>
-      </p:sp>
-      <p:sp>
-        <p:nvSpPr>
-          <p:cNvPr id="115" name="CustomShape 4"/>
-          <p:cNvSpPr/>
-          <p:nvPr/>
-        </p:nvSpPr>
-        <p:spPr>
-          <a:xfrm>
-            <a:off x="4392000" y="2261880"/>
-            <a:ext cx="3311640" cy="1625760"/>
-          </a:xfrm>
-          <a:prstGeom prst="rect">
-            <a:avLst/>
-          </a:prstGeom>
-          <a:noFill/>
-          <a:ln>
-            <a:noFill/>
-          </a:ln>
-        </p:spPr>
-        <p:style>
-          <a:lnRef idx="0"/>
-          <a:fillRef idx="0"/>
-          <a:effectRef idx="0"/>
-          <a:fontRef idx="minor"/>
-        </p:style>
-        <p:txBody>
-          <a:bodyPr lIns="90000" rIns="90000" tIns="45000" bIns="45000"/>
-          <a:p>
-            <a:pPr>
-              <a:lnSpc>
-                <a:spcPct val="100000"/>
-              </a:lnSpc>
-            </a:pPr>
-            <a:r>
-              <a:rPr b="0" lang="en-GB" sz="2200" spc="-1" strike="noStrike">
-                <a:latin typeface="Arial"/>
-              </a:rPr>
-              <a:t>Decisions made:</a:t>
-            </a:r>
-            <a:endParaRPr b="0" lang="en-GB" sz="2200" spc="-1" strike="noStrike">
-              <a:latin typeface="Arial"/>
-            </a:endParaRPr>
-          </a:p>
-          <a:p>
-            <a:pPr>
-              <a:lnSpc>
-                <a:spcPct val="100000"/>
-              </a:lnSpc>
-            </a:pPr>
-            <a:r>
-              <a:rPr b="0" lang="en-GB" sz="1800" spc="-1" strike="noStrike">
-                <a:latin typeface="Arial"/>
-              </a:rPr>
-              <a:t>– </a:t>
-            </a:r>
-            <a:r>
-              <a:rPr b="0" lang="en-GB" sz="1800" spc="-1" strike="noStrike">
-                <a:latin typeface="Arial"/>
-              </a:rPr>
-              <a:t>£60 initial investment</a:t>
-            </a:r>
-            <a:endParaRPr b="0" lang="en-GB" sz="1800" spc="-1" strike="noStrike">
-              <a:latin typeface="Arial"/>
-            </a:endParaRPr>
-          </a:p>
-          <a:p>
-            <a:pPr>
-              <a:lnSpc>
-                <a:spcPct val="100000"/>
-              </a:lnSpc>
-            </a:pPr>
-            <a:endParaRPr b="0" lang="en-GB" sz="1800" spc="-1" strike="noStrike">
-              <a:latin typeface="Arial"/>
-            </a:endParaRPr>
-          </a:p>
-          <a:p>
-            <a:pPr>
-              <a:lnSpc>
-                <a:spcPct val="100000"/>
-              </a:lnSpc>
-            </a:pPr>
-            <a:r>
-              <a:rPr b="0" lang="en-GB" sz="1800" spc="-1" strike="noStrike">
-                <a:latin typeface="Arial"/>
-              </a:rPr>
-              <a:t>– </a:t>
-            </a:r>
-            <a:r>
-              <a:rPr b="0" lang="en-GB" sz="1800" spc="-1" strike="noStrike">
-                <a:latin typeface="Arial"/>
-              </a:rPr>
-              <a:t>Will consider cabinet if the rest of the project is to a standard you are happy with</a:t>
-            </a:r>
-            <a:endParaRPr b="0" lang="en-GB" sz="1800" spc="-1" strike="noStrike">
-              <a:latin typeface="Arial"/>
-            </a:endParaRPr>
-          </a:p>
-        </p:txBody>
-      </p:sp>
-      <p:sp>
-        <p:nvSpPr>
-          <p:cNvPr id="116" name="CustomShape 5"/>
-          <p:cNvSpPr/>
-          <p:nvPr/>
-        </p:nvSpPr>
-        <p:spPr>
-          <a:xfrm>
-            <a:off x="8640000" y="2232000"/>
-            <a:ext cx="3455640" cy="1113840"/>
-          </a:xfrm>
-          <a:prstGeom prst="rect">
-            <a:avLst/>
-          </a:prstGeom>
-          <a:noFill/>
-          <a:ln>
-            <a:noFill/>
-          </a:ln>
-        </p:spPr>
-        <p:style>
-          <a:lnRef idx="0"/>
-          <a:fillRef idx="0"/>
-          <a:effectRef idx="0"/>
-          <a:fontRef idx="minor"/>
-        </p:style>
-        <p:txBody>
-          <a:bodyPr lIns="90000" rIns="90000" tIns="45000" bIns="45000"/>
-          <a:p>
-            <a:pPr>
-              <a:lnSpc>
-                <a:spcPct val="100000"/>
-              </a:lnSpc>
-            </a:pPr>
-            <a:r>
-              <a:rPr b="0" lang="en-GB" sz="2200" spc="-1" strike="noStrike">
-                <a:latin typeface="Arial"/>
-              </a:rPr>
-              <a:t>Purchases:</a:t>
-            </a:r>
-            <a:endParaRPr b="0" lang="en-GB" sz="2200" spc="-1" strike="noStrike">
-              <a:latin typeface="Arial"/>
-            </a:endParaRPr>
-          </a:p>
-          <a:p>
-            <a:pPr>
-              <a:lnSpc>
-                <a:spcPct val="100000"/>
-              </a:lnSpc>
-            </a:pPr>
-            <a:r>
-              <a:rPr b="0" lang="en-GB" sz="1800" spc="-1" strike="noStrike">
-                <a:latin typeface="Arial"/>
-              </a:rPr>
-              <a:t>– </a:t>
-            </a:r>
-            <a:r>
-              <a:rPr b="0" lang="en-GB" sz="1800" spc="-1" strike="noStrike">
-                <a:latin typeface="Arial"/>
-              </a:rPr>
-              <a:t>Raspberry Pi 3</a:t>
-            </a:r>
-            <a:endParaRPr b="0" lang="en-GB" sz="1800" spc="-1" strike="noStrike">
-              <a:latin typeface="Arial"/>
-            </a:endParaRPr>
-          </a:p>
-          <a:p>
-            <a:pPr>
-              <a:lnSpc>
-                <a:spcPct val="100000"/>
-              </a:lnSpc>
-            </a:pPr>
-            <a:r>
-              <a:rPr b="0" lang="en-GB" sz="1800" spc="-1" strike="noStrike">
-                <a:latin typeface="Arial"/>
-              </a:rPr>
-              <a:t>– </a:t>
-            </a:r>
-            <a:r>
-              <a:rPr b="0" lang="en-GB" sz="1800" spc="-1" strike="noStrike">
-                <a:latin typeface="Arial"/>
-              </a:rPr>
-              <a:t>Power supply</a:t>
-            </a:r>
-            <a:endParaRPr b="0" lang="en-GB" sz="1800" spc="-1" strike="noStrike">
-              <a:latin typeface="Arial"/>
-            </a:endParaRPr>
-          </a:p>
-          <a:p>
-            <a:pPr>
-              <a:lnSpc>
-                <a:spcPct val="100000"/>
-              </a:lnSpc>
-            </a:pPr>
-            <a:r>
-              <a:rPr b="0" lang="en-GB" sz="1800" spc="-1" strike="noStrike">
-                <a:latin typeface="Arial"/>
-              </a:rPr>
-              <a:t>– </a:t>
-            </a:r>
-            <a:r>
-              <a:rPr b="0" lang="en-GB" sz="1800" spc="-1" strike="noStrike">
-                <a:latin typeface="Arial"/>
-              </a:rPr>
-              <a:t>Arcade controls</a:t>
-            </a:r>
-            <a:endParaRPr b="0" lang="en-GB" sz="1800" spc="-1" strike="noStrike">
+              <a:rPr b="0" lang="en-GB" sz="6000" spc="-1" strike="noStrike" cap="all">
+                <a:solidFill>
+                  <a:srgbClr val="ffffff"/>
+                </a:solidFill>
+                <a:latin typeface="Century Gothic"/>
+                <a:ea typeface="DejaVu Sans"/>
+              </a:rPr>
+              <a:t>Game 1 – Flappy bird style</a:t>
+            </a:r>
+            <a:endParaRPr b="0" lang="en-GB" sz="6000" spc="-1" strike="noStrike">
               <a:latin typeface="Arial"/>
             </a:endParaRPr>
           </a:p>
@@ -7821,14 +6883,14 @@
       </p:grpSpPr>
       <p:sp>
         <p:nvSpPr>
-          <p:cNvPr id="117" name="CustomShape 1"/>
+          <p:cNvPr id="114" name="CustomShape 1"/>
           <p:cNvSpPr/>
           <p:nvPr/>
         </p:nvSpPr>
         <p:spPr>
           <a:xfrm>
-            <a:off x="595080" y="1760400"/>
-            <a:ext cx="10942920" cy="1824120"/>
+            <a:off x="1371600" y="1803240"/>
+            <a:ext cx="9447840" cy="1824120"/>
           </a:xfrm>
           <a:prstGeom prst="rect">
             <a:avLst/>
@@ -7860,7 +6922,7 @@
                 <a:latin typeface="Century Gothic"/>
                 <a:ea typeface="DejaVu Sans"/>
               </a:rPr>
-              <a:t>Game 1 – Flappy bird style</a:t>
+              <a:t>Game 2 – snake style</a:t>
             </a:r>
             <a:endParaRPr b="0" lang="en-GB" sz="6000" spc="-1" strike="noStrike">
               <a:latin typeface="Arial"/>
@@ -7919,14 +6981,14 @@
       </p:grpSpPr>
       <p:sp>
         <p:nvSpPr>
-          <p:cNvPr id="118" name="CustomShape 1"/>
+          <p:cNvPr id="115" name="CustomShape 1"/>
           <p:cNvSpPr/>
           <p:nvPr/>
         </p:nvSpPr>
         <p:spPr>
           <a:xfrm>
-            <a:off x="1371600" y="1803240"/>
-            <a:ext cx="9447840" cy="1824120"/>
+            <a:off x="2895480" y="764280"/>
+            <a:ext cx="8609400" cy="1292040"/>
           </a:xfrm>
           <a:prstGeom prst="rect">
             <a:avLst/>
@@ -7943,29 +7005,398 @@
           <a:fontRef idx="minor"/>
         </p:style>
         <p:txBody>
-          <a:bodyPr lIns="90000" rIns="90000" tIns="45000" bIns="45000" anchor="b"/>
+          <a:bodyPr lIns="90000" rIns="90000" tIns="45000" bIns="45000" anchor="ctr"/>
+          <a:p>
+            <a:pPr algn="r">
+              <a:lnSpc>
+                <a:spcPct val="90000"/>
+              </a:lnSpc>
+            </a:pPr>
+            <a:r>
+              <a:rPr b="0" lang="en-GB" sz="4000" spc="-1" strike="noStrike" cap="all">
+                <a:solidFill>
+                  <a:srgbClr val="ffffff"/>
+                </a:solidFill>
+                <a:latin typeface="Century Gothic"/>
+                <a:ea typeface="DejaVu Sans"/>
+              </a:rPr>
+              <a:t>Neural Network</a:t>
+            </a:r>
+            <a:endParaRPr b="0" lang="en-GB" sz="4000" spc="-1" strike="noStrike">
+              <a:latin typeface="Arial"/>
+            </a:endParaRPr>
+          </a:p>
+        </p:txBody>
+      </p:sp>
+      <p:sp>
+        <p:nvSpPr>
+          <p:cNvPr id="116" name="CustomShape 2"/>
+          <p:cNvSpPr/>
+          <p:nvPr/>
+        </p:nvSpPr>
+        <p:spPr>
+          <a:xfrm>
+            <a:off x="685800" y="2194560"/>
+            <a:ext cx="4852800" cy="1492560"/>
+          </a:xfrm>
+          <a:prstGeom prst="rect">
+            <a:avLst/>
+          </a:prstGeom>
+          <a:noFill/>
+          <a:ln>
+            <a:noFill/>
+          </a:ln>
+        </p:spPr>
+        <p:style>
+          <a:lnRef idx="0"/>
+          <a:fillRef idx="0"/>
+          <a:effectRef idx="0"/>
+          <a:fontRef idx="minor"/>
+        </p:style>
+        <p:txBody>
+          <a:bodyPr lIns="90000" rIns="90000" tIns="45000" bIns="45000">
+            <a:normAutofit/>
+          </a:bodyPr>
+          <a:p>
+            <a:pPr marL="228600" indent="-227520">
+              <a:lnSpc>
+                <a:spcPct val="90000"/>
+              </a:lnSpc>
+              <a:spcBef>
+                <a:spcPts val="1001"/>
+              </a:spcBef>
+              <a:buClr>
+                <a:srgbClr val="ffffff"/>
+              </a:buClr>
+              <a:buFont typeface="Arial"/>
+              <a:buChar char="•"/>
+            </a:pPr>
+            <a:r>
+              <a:rPr b="0" lang="en-GB" sz="2200" spc="-1" strike="noStrike">
+                <a:solidFill>
+                  <a:srgbClr val="ffffff"/>
+                </a:solidFill>
+                <a:latin typeface="Century Gothic"/>
+                <a:ea typeface="DejaVu Sans"/>
+              </a:rPr>
+              <a:t>Convolutional Neural Networks</a:t>
+            </a:r>
+            <a:endParaRPr b="0" lang="en-GB" sz="2200" spc="-1" strike="noStrike">
+              <a:latin typeface="Arial"/>
+            </a:endParaRPr>
+          </a:p>
+          <a:p>
+            <a:pPr lvl="1" marL="685800" indent="-227520">
+              <a:lnSpc>
+                <a:spcPct val="90000"/>
+              </a:lnSpc>
+              <a:spcBef>
+                <a:spcPts val="499"/>
+              </a:spcBef>
+              <a:buClr>
+                <a:srgbClr val="ffffff"/>
+              </a:buClr>
+              <a:buFont typeface="Arial"/>
+              <a:buChar char="•"/>
+            </a:pPr>
+            <a:r>
+              <a:rPr b="0" lang="en-GB" sz="2000" spc="-1" strike="noStrike">
+                <a:solidFill>
+                  <a:srgbClr val="ffffff"/>
+                </a:solidFill>
+                <a:latin typeface="Century Gothic"/>
+                <a:ea typeface="DejaVu Sans"/>
+              </a:rPr>
+              <a:t>Python3 </a:t>
+            </a:r>
+            <a:endParaRPr b="0" lang="en-GB" sz="2000" spc="-1" strike="noStrike">
+              <a:latin typeface="Arial"/>
+            </a:endParaRPr>
+          </a:p>
+          <a:p>
+            <a:pPr lvl="1" marL="685800" indent="-227520">
+              <a:lnSpc>
+                <a:spcPct val="90000"/>
+              </a:lnSpc>
+              <a:spcBef>
+                <a:spcPts val="499"/>
+              </a:spcBef>
+              <a:buClr>
+                <a:srgbClr val="ffffff"/>
+              </a:buClr>
+              <a:buFont typeface="Arial"/>
+              <a:buChar char="•"/>
+            </a:pPr>
+            <a:r>
+              <a:rPr b="0" lang="en-GB" sz="2000" spc="-1" strike="noStrike">
+                <a:solidFill>
+                  <a:srgbClr val="ffffff"/>
+                </a:solidFill>
+                <a:latin typeface="Century Gothic"/>
+                <a:ea typeface="DejaVu Sans"/>
+              </a:rPr>
+              <a:t>Keras </a:t>
+            </a:r>
+            <a:endParaRPr b="0" lang="en-GB" sz="2000" spc="-1" strike="noStrike">
+              <a:latin typeface="Arial"/>
+            </a:endParaRPr>
+          </a:p>
+          <a:p>
+            <a:pPr lvl="1" marL="685800" indent="-227520">
+              <a:lnSpc>
+                <a:spcPct val="90000"/>
+              </a:lnSpc>
+              <a:spcBef>
+                <a:spcPts val="499"/>
+              </a:spcBef>
+              <a:buClr>
+                <a:srgbClr val="ffffff"/>
+              </a:buClr>
+              <a:buFont typeface="Arial"/>
+              <a:buChar char="•"/>
+            </a:pPr>
+            <a:r>
+              <a:rPr b="0" lang="en-GB" sz="2000" spc="-1" strike="noStrike">
+                <a:solidFill>
+                  <a:srgbClr val="ffffff"/>
+                </a:solidFill>
+                <a:latin typeface="Century Gothic"/>
+                <a:ea typeface="DejaVu Sans"/>
+              </a:rPr>
+              <a:t>TensorFlow</a:t>
+            </a:r>
+            <a:endParaRPr b="0" lang="en-GB" sz="2000" spc="-1" strike="noStrike">
+              <a:latin typeface="Arial"/>
+            </a:endParaRPr>
+          </a:p>
+        </p:txBody>
+      </p:sp>
+      <p:sp>
+        <p:nvSpPr>
+          <p:cNvPr id="117" name="CustomShape 3"/>
+          <p:cNvSpPr/>
+          <p:nvPr/>
+        </p:nvSpPr>
+        <p:spPr>
+          <a:xfrm>
+            <a:off x="684360" y="3883320"/>
+            <a:ext cx="4453200" cy="974880"/>
+          </a:xfrm>
+          <a:prstGeom prst="rect">
+            <a:avLst/>
+          </a:prstGeom>
+          <a:noFill/>
+          <a:ln>
+            <a:noFill/>
+          </a:ln>
+        </p:spPr>
+        <p:style>
+          <a:lnRef idx="0"/>
+          <a:fillRef idx="0"/>
+          <a:effectRef idx="0"/>
+          <a:fontRef idx="minor"/>
+        </p:style>
+        <p:txBody>
+          <a:bodyPr lIns="90000" rIns="90000" tIns="45000" bIns="45000"/>
+          <a:p>
+            <a:pPr marL="285840" indent="-284760">
+              <a:lnSpc>
+                <a:spcPct val="100000"/>
+              </a:lnSpc>
+              <a:buClr>
+                <a:srgbClr val="ffffff"/>
+              </a:buClr>
+              <a:buFont typeface="Arial"/>
+              <a:buChar char="•"/>
+            </a:pPr>
+            <a:r>
+              <a:rPr b="0" lang="en-GB" sz="2200" spc="-1" strike="noStrike">
+                <a:solidFill>
+                  <a:srgbClr val="ffffff"/>
+                </a:solidFill>
+                <a:latin typeface="Century Gothic"/>
+                <a:ea typeface="DejaVu Sans"/>
+              </a:rPr>
+              <a:t>Diabetes predictor</a:t>
+            </a:r>
+            <a:endParaRPr b="0" lang="en-GB" sz="2200" spc="-1" strike="noStrike">
+              <a:latin typeface="Arial"/>
+            </a:endParaRPr>
+          </a:p>
+          <a:p>
+            <a:pPr lvl="1" marL="457200" indent="-284760">
+              <a:lnSpc>
+                <a:spcPct val="100000"/>
+              </a:lnSpc>
+              <a:buClr>
+                <a:srgbClr val="ffffff"/>
+              </a:buClr>
+              <a:buFont typeface="Arial"/>
+              <a:buChar char="•"/>
+            </a:pPr>
+            <a:r>
+              <a:rPr b="0" lang="en-GB" sz="1800" spc="-1" strike="noStrike">
+                <a:solidFill>
+                  <a:srgbClr val="ffffff"/>
+                </a:solidFill>
+                <a:latin typeface="Century Gothic"/>
+                <a:ea typeface="DejaVu Sans"/>
+              </a:rPr>
+              <a:t>Accuracy 80.21%</a:t>
+            </a:r>
+            <a:endParaRPr b="0" lang="en-GB" sz="1800" spc="-1" strike="noStrike">
+              <a:latin typeface="Arial"/>
+            </a:endParaRPr>
+          </a:p>
           <a:p>
             <a:pPr>
               <a:lnSpc>
-                <a:spcPct val="90000"/>
-              </a:lnSpc>
-            </a:pPr>
-            <a:r>
-              <a:rPr b="0" lang="en-GB" sz="6000" spc="-1" strike="noStrike" cap="all">
-                <a:solidFill>
-                  <a:srgbClr val="ffffff"/>
-                </a:solidFill>
-                <a:latin typeface="Century Gothic"/>
-                <a:ea typeface="DejaVu Sans"/>
-              </a:rPr>
-              <a:t>Game 2 – snake style</a:t>
-            </a:r>
-            <a:endParaRPr b="0" lang="en-GB" sz="6000" spc="-1" strike="noStrike">
-              <a:latin typeface="Arial"/>
-            </a:endParaRPr>
-          </a:p>
-        </p:txBody>
-      </p:sp>
+                <a:spcPct val="100000"/>
+              </a:lnSpc>
+            </a:pPr>
+            <a:endParaRPr b="0" lang="en-GB" sz="1800" spc="-1" strike="noStrike">
+              <a:latin typeface="Arial"/>
+            </a:endParaRPr>
+          </a:p>
+        </p:txBody>
+      </p:sp>
+      <p:sp>
+        <p:nvSpPr>
+          <p:cNvPr id="118" name="CustomShape 4"/>
+          <p:cNvSpPr/>
+          <p:nvPr/>
+        </p:nvSpPr>
+        <p:spPr>
+          <a:xfrm>
+            <a:off x="684360" y="5162760"/>
+            <a:ext cx="3892320" cy="1310040"/>
+          </a:xfrm>
+          <a:prstGeom prst="rect">
+            <a:avLst/>
+          </a:prstGeom>
+          <a:noFill/>
+          <a:ln>
+            <a:noFill/>
+          </a:ln>
+        </p:spPr>
+        <p:style>
+          <a:lnRef idx="0"/>
+          <a:fillRef idx="0"/>
+          <a:effectRef idx="0"/>
+          <a:fontRef idx="minor"/>
+        </p:style>
+        <p:txBody>
+          <a:bodyPr lIns="90000" rIns="90000" tIns="45000" bIns="45000"/>
+          <a:p>
+            <a:pPr marL="343080" indent="-342000">
+              <a:lnSpc>
+                <a:spcPct val="100000"/>
+              </a:lnSpc>
+              <a:buClr>
+                <a:srgbClr val="ffffff"/>
+              </a:buClr>
+              <a:buFont typeface="Arial"/>
+              <a:buChar char="•"/>
+            </a:pPr>
+            <a:r>
+              <a:rPr b="0" lang="en-GB" sz="2200" spc="-1" strike="noStrike">
+                <a:solidFill>
+                  <a:srgbClr val="ffffff"/>
+                </a:solidFill>
+                <a:latin typeface="Century Gothic"/>
+                <a:ea typeface="DejaVu Sans"/>
+              </a:rPr>
+              <a:t>Image recognition</a:t>
+            </a:r>
+            <a:endParaRPr b="0" lang="en-GB" sz="2200" spc="-1" strike="noStrike">
+              <a:latin typeface="Arial"/>
+            </a:endParaRPr>
+          </a:p>
+          <a:p>
+            <a:pPr lvl="1" marL="457200" indent="-342000">
+              <a:lnSpc>
+                <a:spcPct val="100000"/>
+              </a:lnSpc>
+              <a:buClr>
+                <a:srgbClr val="ffffff"/>
+              </a:buClr>
+              <a:buFont typeface="Arial"/>
+              <a:buChar char="•"/>
+            </a:pPr>
+            <a:r>
+              <a:rPr b="0" lang="en-GB" sz="1800" spc="-1" strike="noStrike">
+                <a:solidFill>
+                  <a:srgbClr val="ffffff"/>
+                </a:solidFill>
+                <a:latin typeface="Century Gothic"/>
+                <a:ea typeface="DejaVu Sans"/>
+              </a:rPr>
+              <a:t>Cats and Dogs</a:t>
+            </a:r>
+            <a:endParaRPr b="0" lang="en-GB" sz="1800" spc="-1" strike="noStrike">
+              <a:latin typeface="Arial"/>
+            </a:endParaRPr>
+          </a:p>
+          <a:p>
+            <a:pPr lvl="1" marL="457200" indent="-342000">
+              <a:lnSpc>
+                <a:spcPct val="100000"/>
+              </a:lnSpc>
+              <a:buClr>
+                <a:srgbClr val="ffffff"/>
+              </a:buClr>
+              <a:buFont typeface="Arial"/>
+              <a:buChar char="•"/>
+            </a:pPr>
+            <a:r>
+              <a:rPr b="0" lang="en-GB" sz="1800" spc="-1" strike="noStrike">
+                <a:solidFill>
+                  <a:srgbClr val="ffffff"/>
+                </a:solidFill>
+                <a:latin typeface="Century Gothic"/>
+                <a:ea typeface="DejaVu Sans"/>
+              </a:rPr>
+              <a:t>Colour recognition </a:t>
+            </a:r>
+            <a:endParaRPr b="0" lang="en-GB" sz="1800" spc="-1" strike="noStrike">
+              <a:latin typeface="Arial"/>
+            </a:endParaRPr>
+          </a:p>
+          <a:p>
+            <a:pPr>
+              <a:lnSpc>
+                <a:spcPct val="100000"/>
+              </a:lnSpc>
+            </a:pPr>
+            <a:endParaRPr b="0" lang="en-GB" sz="1800" spc="-1" strike="noStrike">
+              <a:latin typeface="Arial"/>
+            </a:endParaRPr>
+          </a:p>
+        </p:txBody>
+      </p:sp>
+      <p:pic>
+        <p:nvPicPr>
+          <p:cNvPr id="119" name="Picture 6" descr=""/>
+          <p:cNvPicPr/>
+          <p:nvPr/>
+        </p:nvPicPr>
+        <p:blipFill>
+          <a:blip r:embed="rId1"/>
+          <a:stretch/>
+        </p:blipFill>
+        <p:spPr>
+          <a:xfrm>
+            <a:off x="7082280" y="2936880"/>
+            <a:ext cx="4064760" cy="2435760"/>
+          </a:xfrm>
+          <a:prstGeom prst="rect">
+            <a:avLst/>
+          </a:prstGeom>
+          <a:ln>
+            <a:noFill/>
+          </a:ln>
+        </p:spPr>
+      </p:pic>
     </p:spTree>
   </p:cSld>
   <p:timing>
@@ -7975,473 +7406,6 @@
           <p:childTnLst>
             <p:seq>
               <p:cTn id="16" dur="indefinite" nodeType="mainSeq"/>
-              <p:prevCondLst>
-                <p:cond delay="0" evt="onPrev">
-                  <p:tgtEl>
-                    <p:sldTgt/>
-                  </p:tgtEl>
-                </p:cond>
-              </p:prevCondLst>
-              <p:nextCondLst>
-                <p:cond delay="0" evt="onNext">
-                  <p:tgtEl>
-                    <p:sldTgt/>
-                  </p:tgtEl>
-                </p:cond>
-              </p:nextCondLst>
-            </p:seq>
-          </p:childTnLst>
-        </p:cTn>
-      </p:par>
-    </p:tnLst>
-  </p:timing>
-</p:sld>
-</file>
-
-<file path=ppt/slides/slide9.xml><?xml version="1.0" encoding="utf-8"?>
-<p:sld xmlns:a="http://schemas.openxmlformats.org/drawingml/2006/main" xmlns:p="http://schemas.openxmlformats.org/presentationml/2006/main" xmlns:r="http://schemas.openxmlformats.org/officeDocument/2006/relationships" xmlns:p14="http://schemas.microsoft.com/office/powerpoint/2010/main" xmlns:p15="http://schemas.microsoft.com/office/powerpoint/2012/main" xmlns:mc="http://schemas.openxmlformats.org/markup-compatibility/2006">
-  <p:cSld>
-    <p:spTree>
-      <p:nvGrpSpPr>
-        <p:cNvPr id="1" name=""/>
-        <p:cNvGrpSpPr/>
-        <p:nvPr/>
-      </p:nvGrpSpPr>
-      <p:grpSpPr>
-        <a:xfrm>
-          <a:off x="0" y="0"/>
-          <a:ext cx="0" cy="0"/>
-          <a:chOff x="0" y="0"/>
-          <a:chExt cx="0" cy="0"/>
-        </a:xfrm>
-      </p:grpSpPr>
-      <p:sp>
-        <p:nvSpPr>
-          <p:cNvPr id="119" name="CustomShape 1"/>
-          <p:cNvSpPr/>
-          <p:nvPr/>
-        </p:nvSpPr>
-        <p:spPr>
-          <a:xfrm>
-            <a:off x="2895480" y="764280"/>
-            <a:ext cx="8609400" cy="1292040"/>
-          </a:xfrm>
-          <a:prstGeom prst="rect">
-            <a:avLst/>
-          </a:prstGeom>
-          <a:noFill/>
-          <a:ln>
-            <a:noFill/>
-          </a:ln>
-        </p:spPr>
-        <p:style>
-          <a:lnRef idx="0"/>
-          <a:fillRef idx="0"/>
-          <a:effectRef idx="0"/>
-          <a:fontRef idx="minor"/>
-        </p:style>
-        <p:txBody>
-          <a:bodyPr lIns="90000" rIns="90000" tIns="45000" bIns="45000" anchor="ctr"/>
-          <a:p>
-            <a:pPr algn="r">
-              <a:lnSpc>
-                <a:spcPct val="90000"/>
-              </a:lnSpc>
-            </a:pPr>
-            <a:r>
-              <a:rPr b="0" lang="en-GB" sz="4000" spc="-1" strike="noStrike" cap="all">
-                <a:solidFill>
-                  <a:srgbClr val="ffffff"/>
-                </a:solidFill>
-                <a:latin typeface="Century Gothic"/>
-                <a:ea typeface="DejaVu Sans"/>
-              </a:rPr>
-              <a:t>Neural Network</a:t>
-            </a:r>
-            <a:endParaRPr b="0" lang="en-GB" sz="4000" spc="-1" strike="noStrike">
-              <a:latin typeface="Arial"/>
-            </a:endParaRPr>
-          </a:p>
-        </p:txBody>
-      </p:sp>
-      <p:sp>
-        <p:nvSpPr>
-          <p:cNvPr id="120" name="CustomShape 2"/>
-          <p:cNvSpPr/>
-          <p:nvPr/>
-        </p:nvSpPr>
-        <p:spPr>
-          <a:xfrm>
-            <a:off x="685800" y="2194560"/>
-            <a:ext cx="4852800" cy="1492560"/>
-          </a:xfrm>
-          <a:prstGeom prst="rect">
-            <a:avLst/>
-          </a:prstGeom>
-          <a:noFill/>
-          <a:ln>
-            <a:noFill/>
-          </a:ln>
-        </p:spPr>
-        <p:style>
-          <a:lnRef idx="0"/>
-          <a:fillRef idx="0"/>
-          <a:effectRef idx="0"/>
-          <a:fontRef idx="minor"/>
-        </p:style>
-        <p:txBody>
-          <a:bodyPr lIns="90000" rIns="90000" tIns="45000" bIns="45000">
-            <a:normAutofit/>
-          </a:bodyPr>
-          <a:p>
-            <a:pPr marL="228600" indent="-227520">
-              <a:lnSpc>
-                <a:spcPct val="90000"/>
-              </a:lnSpc>
-              <a:spcBef>
-                <a:spcPts val="1001"/>
-              </a:spcBef>
-              <a:buClr>
-                <a:srgbClr val="ffffff"/>
-              </a:buClr>
-              <a:buFont typeface="Arial"/>
-              <a:buChar char="•"/>
-            </a:pPr>
-            <a:r>
-              <a:rPr b="0" lang="en-GB" sz="2200" spc="-1" strike="noStrike">
-                <a:solidFill>
-                  <a:srgbClr val="ffffff"/>
-                </a:solidFill>
-                <a:latin typeface="Century Gothic"/>
-                <a:ea typeface="DejaVu Sans"/>
-              </a:rPr>
-              <a:t>Convolutional Neural Networks</a:t>
-            </a:r>
-            <a:endParaRPr b="0" lang="en-GB" sz="2200" spc="-1" strike="noStrike">
-              <a:latin typeface="Arial"/>
-            </a:endParaRPr>
-          </a:p>
-          <a:p>
-            <a:pPr lvl="1" marL="685800" indent="-227520">
-              <a:lnSpc>
-                <a:spcPct val="90000"/>
-              </a:lnSpc>
-              <a:spcBef>
-                <a:spcPts val="499"/>
-              </a:spcBef>
-              <a:buClr>
-                <a:srgbClr val="ffffff"/>
-              </a:buClr>
-              <a:buFont typeface="Arial"/>
-              <a:buChar char="•"/>
-            </a:pPr>
-            <a:r>
-              <a:rPr b="0" lang="en-GB" sz="2000" spc="-1" strike="noStrike">
-                <a:solidFill>
-                  <a:srgbClr val="ffffff"/>
-                </a:solidFill>
-                <a:latin typeface="Century Gothic"/>
-                <a:ea typeface="DejaVu Sans"/>
-              </a:rPr>
-              <a:t>Python3 </a:t>
-            </a:r>
-            <a:endParaRPr b="0" lang="en-GB" sz="2000" spc="-1" strike="noStrike">
-              <a:latin typeface="Arial"/>
-            </a:endParaRPr>
-          </a:p>
-          <a:p>
-            <a:pPr lvl="1" marL="685800" indent="-227520">
-              <a:lnSpc>
-                <a:spcPct val="90000"/>
-              </a:lnSpc>
-              <a:spcBef>
-                <a:spcPts val="499"/>
-              </a:spcBef>
-              <a:buClr>
-                <a:srgbClr val="ffffff"/>
-              </a:buClr>
-              <a:buFont typeface="Arial"/>
-              <a:buChar char="•"/>
-            </a:pPr>
-            <a:r>
-              <a:rPr b="0" lang="en-GB" sz="2000" spc="-1" strike="noStrike">
-                <a:solidFill>
-                  <a:srgbClr val="ffffff"/>
-                </a:solidFill>
-                <a:latin typeface="Century Gothic"/>
-                <a:ea typeface="DejaVu Sans"/>
-              </a:rPr>
-              <a:t>Keras </a:t>
-            </a:r>
-            <a:endParaRPr b="0" lang="en-GB" sz="2000" spc="-1" strike="noStrike">
-              <a:latin typeface="Arial"/>
-            </a:endParaRPr>
-          </a:p>
-          <a:p>
-            <a:pPr lvl="1" marL="685800" indent="-227520">
-              <a:lnSpc>
-                <a:spcPct val="90000"/>
-              </a:lnSpc>
-              <a:spcBef>
-                <a:spcPts val="499"/>
-              </a:spcBef>
-              <a:buClr>
-                <a:srgbClr val="ffffff"/>
-              </a:buClr>
-              <a:buFont typeface="Arial"/>
-              <a:buChar char="•"/>
-            </a:pPr>
-            <a:r>
-              <a:rPr b="0" lang="en-GB" sz="2000" spc="-1" strike="noStrike">
-                <a:solidFill>
-                  <a:srgbClr val="ffffff"/>
-                </a:solidFill>
-                <a:latin typeface="Century Gothic"/>
-                <a:ea typeface="DejaVu Sans"/>
-              </a:rPr>
-              <a:t>TensorFlow</a:t>
-            </a:r>
-            <a:endParaRPr b="0" lang="en-GB" sz="2000" spc="-1" strike="noStrike">
-              <a:latin typeface="Arial"/>
-            </a:endParaRPr>
-          </a:p>
-        </p:txBody>
-      </p:sp>
-      <p:sp>
-        <p:nvSpPr>
-          <p:cNvPr id="121" name="CustomShape 3"/>
-          <p:cNvSpPr/>
-          <p:nvPr/>
-        </p:nvSpPr>
-        <p:spPr>
-          <a:xfrm>
-            <a:off x="684360" y="3883320"/>
-            <a:ext cx="4453200" cy="974880"/>
-          </a:xfrm>
-          <a:prstGeom prst="rect">
-            <a:avLst/>
-          </a:prstGeom>
-          <a:noFill/>
-          <a:ln>
-            <a:noFill/>
-          </a:ln>
-        </p:spPr>
-        <p:style>
-          <a:lnRef idx="0"/>
-          <a:fillRef idx="0"/>
-          <a:effectRef idx="0"/>
-          <a:fontRef idx="minor"/>
-        </p:style>
-        <p:txBody>
-          <a:bodyPr lIns="90000" rIns="90000" tIns="45000" bIns="45000"/>
-          <a:p>
-            <a:pPr marL="285840" indent="-284760">
-              <a:lnSpc>
-                <a:spcPct val="100000"/>
-              </a:lnSpc>
-              <a:buClr>
-                <a:srgbClr val="ffffff"/>
-              </a:buClr>
-              <a:buFont typeface="Arial"/>
-              <a:buChar char="•"/>
-            </a:pPr>
-            <a:r>
-              <a:rPr b="0" lang="en-GB" sz="2200" spc="-1" strike="noStrike">
-                <a:solidFill>
-                  <a:srgbClr val="ffffff"/>
-                </a:solidFill>
-                <a:latin typeface="Century Gothic"/>
-                <a:ea typeface="DejaVu Sans"/>
-              </a:rPr>
-              <a:t>Diabetes predictor</a:t>
-            </a:r>
-            <a:endParaRPr b="0" lang="en-GB" sz="2200" spc="-1" strike="noStrike">
-              <a:latin typeface="Arial"/>
-            </a:endParaRPr>
-          </a:p>
-          <a:p>
-            <a:pPr lvl="1" marL="457200" indent="-284760">
-              <a:lnSpc>
-                <a:spcPct val="100000"/>
-              </a:lnSpc>
-              <a:buClr>
-                <a:srgbClr val="ffffff"/>
-              </a:buClr>
-              <a:buFont typeface="Arial"/>
-              <a:buChar char="•"/>
-            </a:pPr>
-            <a:r>
-              <a:rPr b="0" lang="en-GB" sz="1800" spc="-1" strike="noStrike">
-                <a:solidFill>
-                  <a:srgbClr val="ffffff"/>
-                </a:solidFill>
-                <a:latin typeface="Century Gothic"/>
-                <a:ea typeface="DejaVu Sans"/>
-              </a:rPr>
-              <a:t>Accuracy 80.21%</a:t>
-            </a:r>
-            <a:endParaRPr b="0" lang="en-GB" sz="1800" spc="-1" strike="noStrike">
-              <a:latin typeface="Arial"/>
-            </a:endParaRPr>
-          </a:p>
-          <a:p>
-            <a:pPr>
-              <a:lnSpc>
-                <a:spcPct val="100000"/>
-              </a:lnSpc>
-            </a:pPr>
-            <a:endParaRPr b="0" lang="en-GB" sz="1800" spc="-1" strike="noStrike">
-              <a:latin typeface="Arial"/>
-            </a:endParaRPr>
-          </a:p>
-        </p:txBody>
-      </p:sp>
-      <p:sp>
-        <p:nvSpPr>
-          <p:cNvPr id="122" name="CustomShape 4"/>
-          <p:cNvSpPr/>
-          <p:nvPr/>
-        </p:nvSpPr>
-        <p:spPr>
-          <a:xfrm>
-            <a:off x="684360" y="5162760"/>
-            <a:ext cx="3892320" cy="1310040"/>
-          </a:xfrm>
-          <a:prstGeom prst="rect">
-            <a:avLst/>
-          </a:prstGeom>
-          <a:noFill/>
-          <a:ln>
-            <a:noFill/>
-          </a:ln>
-        </p:spPr>
-        <p:style>
-          <a:lnRef idx="0"/>
-          <a:fillRef idx="0"/>
-          <a:effectRef idx="0"/>
-          <a:fontRef idx="minor"/>
-        </p:style>
-        <p:txBody>
-          <a:bodyPr lIns="90000" rIns="90000" tIns="45000" bIns="45000"/>
-          <a:p>
-            <a:pPr marL="343080" indent="-342000">
-              <a:lnSpc>
-                <a:spcPct val="100000"/>
-              </a:lnSpc>
-              <a:buClr>
-                <a:srgbClr val="ffffff"/>
-              </a:buClr>
-              <a:buFont typeface="Arial"/>
-              <a:buChar char="•"/>
-            </a:pPr>
-            <a:r>
-              <a:rPr b="0" lang="en-GB" sz="2200" spc="-1" strike="noStrike">
-                <a:solidFill>
-                  <a:srgbClr val="ffffff"/>
-                </a:solidFill>
-                <a:latin typeface="Century Gothic"/>
-                <a:ea typeface="DejaVu Sans"/>
-              </a:rPr>
-              <a:t>Image recognition</a:t>
-            </a:r>
-            <a:endParaRPr b="0" lang="en-GB" sz="2200" spc="-1" strike="noStrike">
-              <a:latin typeface="Arial"/>
-            </a:endParaRPr>
-          </a:p>
-          <a:p>
-            <a:pPr lvl="1" marL="457200" indent="-342000">
-              <a:lnSpc>
-                <a:spcPct val="100000"/>
-              </a:lnSpc>
-              <a:buClr>
-                <a:srgbClr val="ffffff"/>
-              </a:buClr>
-              <a:buFont typeface="Arial"/>
-              <a:buChar char="•"/>
-            </a:pPr>
-            <a:r>
-              <a:rPr b="0" lang="en-GB" sz="1800" spc="-1" strike="noStrike">
-                <a:solidFill>
-                  <a:srgbClr val="ffffff"/>
-                </a:solidFill>
-                <a:latin typeface="Century Gothic"/>
-                <a:ea typeface="DejaVu Sans"/>
-              </a:rPr>
-              <a:t>Cats and Dogs</a:t>
-            </a:r>
-            <a:endParaRPr b="0" lang="en-GB" sz="1800" spc="-1" strike="noStrike">
-              <a:latin typeface="Arial"/>
-            </a:endParaRPr>
-          </a:p>
-          <a:p>
-            <a:pPr lvl="1" marL="457200" indent="-342000">
-              <a:lnSpc>
-                <a:spcPct val="100000"/>
-              </a:lnSpc>
-              <a:buClr>
-                <a:srgbClr val="ffffff"/>
-              </a:buClr>
-              <a:buFont typeface="Arial"/>
-              <a:buChar char="•"/>
-            </a:pPr>
-            <a:r>
-              <a:rPr b="0" lang="en-GB" sz="1800" spc="-1" strike="noStrike">
-                <a:solidFill>
-                  <a:srgbClr val="ffffff"/>
-                </a:solidFill>
-                <a:latin typeface="Century Gothic"/>
-                <a:ea typeface="DejaVu Sans"/>
-              </a:rPr>
-              <a:t>Colour recognition </a:t>
-            </a:r>
-            <a:endParaRPr b="0" lang="en-GB" sz="1800" spc="-1" strike="noStrike">
-              <a:latin typeface="Arial"/>
-            </a:endParaRPr>
-          </a:p>
-          <a:p>
-            <a:pPr>
-              <a:lnSpc>
-                <a:spcPct val="100000"/>
-              </a:lnSpc>
-            </a:pPr>
-            <a:endParaRPr b="0" lang="en-GB" sz="1800" spc="-1" strike="noStrike">
-              <a:latin typeface="Arial"/>
-            </a:endParaRPr>
-          </a:p>
-        </p:txBody>
-      </p:sp>
-      <p:pic>
-        <p:nvPicPr>
-          <p:cNvPr id="123" name="Picture 6" descr=""/>
-          <p:cNvPicPr/>
-          <p:nvPr/>
-        </p:nvPicPr>
-        <p:blipFill>
-          <a:blip r:embed="rId1"/>
-          <a:stretch/>
-        </p:blipFill>
-        <p:spPr>
-          <a:xfrm>
-            <a:off x="7082280" y="2936880"/>
-            <a:ext cx="4064760" cy="2435760"/>
-          </a:xfrm>
-          <a:prstGeom prst="rect">
-            <a:avLst/>
-          </a:prstGeom>
-          <a:ln>
-            <a:noFill/>
-          </a:ln>
-        </p:spPr>
-      </p:pic>
-    </p:spTree>
-  </p:cSld>
-  <p:timing>
-    <p:tnLst>
-      <p:par>
-        <p:cTn id="17" dur="indefinite" restart="never" nodeType="tmRoot">
-          <p:childTnLst>
-            <p:seq>
-              <p:cTn id="18" dur="indefinite" nodeType="mainSeq"/>
               <p:prevCondLst>
                 <p:cond delay="0" evt="onPrev">
                   <p:tgtEl>

--- a/CustomerFiles/Demo_Docs/demo1_test.pptx
+++ b/CustomerFiles/Demo_Docs/demo1_test.pptx
@@ -2780,7 +2780,199 @@
               <a:rPr b="0" lang="en-GB" sz="1800" spc="-1" strike="noStrike">
                 <a:latin typeface="Arial"/>
               </a:rPr>
-              <a:t>Click to edit the title text format</a:t>
+              <a:t>C</a:t>
+            </a:r>
+            <a:r>
+              <a:rPr b="0" lang="en-GB" sz="1800" spc="-1" strike="noStrike">
+                <a:latin typeface="Arial"/>
+              </a:rPr>
+              <a:t>l</a:t>
+            </a:r>
+            <a:r>
+              <a:rPr b="0" lang="en-GB" sz="1800" spc="-1" strike="noStrike">
+                <a:latin typeface="Arial"/>
+              </a:rPr>
+              <a:t>i</a:t>
+            </a:r>
+            <a:r>
+              <a:rPr b="0" lang="en-GB" sz="1800" spc="-1" strike="noStrike">
+                <a:latin typeface="Arial"/>
+              </a:rPr>
+              <a:t>c</a:t>
+            </a:r>
+            <a:r>
+              <a:rPr b="0" lang="en-GB" sz="1800" spc="-1" strike="noStrike">
+                <a:latin typeface="Arial"/>
+              </a:rPr>
+              <a:t>k</a:t>
+            </a:r>
+            <a:r>
+              <a:rPr b="0" lang="en-GB" sz="1800" spc="-1" strike="noStrike">
+                <a:latin typeface="Arial"/>
+              </a:rPr>
+              <a:t> </a:t>
+            </a:r>
+            <a:r>
+              <a:rPr b="0" lang="en-GB" sz="1800" spc="-1" strike="noStrike">
+                <a:latin typeface="Arial"/>
+              </a:rPr>
+              <a:t>t</a:t>
+            </a:r>
+            <a:r>
+              <a:rPr b="0" lang="en-GB" sz="1800" spc="-1" strike="noStrike">
+                <a:latin typeface="Arial"/>
+              </a:rPr>
+              <a:t>o</a:t>
+            </a:r>
+            <a:r>
+              <a:rPr b="0" lang="en-GB" sz="1800" spc="-1" strike="noStrike">
+                <a:latin typeface="Arial"/>
+              </a:rPr>
+              <a:t> </a:t>
+            </a:r>
+            <a:r>
+              <a:rPr b="0" lang="en-GB" sz="1800" spc="-1" strike="noStrike">
+                <a:latin typeface="Arial"/>
+              </a:rPr>
+              <a:t>e</a:t>
+            </a:r>
+            <a:r>
+              <a:rPr b="0" lang="en-GB" sz="1800" spc="-1" strike="noStrike">
+                <a:latin typeface="Arial"/>
+              </a:rPr>
+              <a:t>d</a:t>
+            </a:r>
+            <a:r>
+              <a:rPr b="0" lang="en-GB" sz="1800" spc="-1" strike="noStrike">
+                <a:latin typeface="Arial"/>
+              </a:rPr>
+              <a:t>i</a:t>
+            </a:r>
+            <a:r>
+              <a:rPr b="0" lang="en-GB" sz="1800" spc="-1" strike="noStrike">
+                <a:latin typeface="Arial"/>
+              </a:rPr>
+              <a:t>t </a:t>
+            </a:r>
+            <a:r>
+              <a:rPr b="0" lang="en-GB" sz="1800" spc="-1" strike="noStrike">
+                <a:latin typeface="Arial"/>
+              </a:rPr>
+              <a:t>t</a:t>
+            </a:r>
+            <a:r>
+              <a:rPr b="0" lang="en-GB" sz="1800" spc="-1" strike="noStrike">
+                <a:latin typeface="Arial"/>
+              </a:rPr>
+              <a:t>h</a:t>
+            </a:r>
+            <a:r>
+              <a:rPr b="0" lang="en-GB" sz="1800" spc="-1" strike="noStrike">
+                <a:latin typeface="Arial"/>
+              </a:rPr>
+              <a:t>e</a:t>
+            </a:r>
+            <a:r>
+              <a:rPr b="0" lang="en-GB" sz="1800" spc="-1" strike="noStrike">
+                <a:latin typeface="Arial"/>
+              </a:rPr>
+              <a:t> </a:t>
+            </a:r>
+            <a:r>
+              <a:rPr b="0" lang="en-GB" sz="1800" spc="-1" strike="noStrike">
+                <a:latin typeface="Arial"/>
+              </a:rPr>
+              <a:t>t</a:t>
+            </a:r>
+            <a:r>
+              <a:rPr b="0" lang="en-GB" sz="1800" spc="-1" strike="noStrike">
+                <a:latin typeface="Arial"/>
+              </a:rPr>
+              <a:t>i</a:t>
+            </a:r>
+            <a:r>
+              <a:rPr b="0" lang="en-GB" sz="1800" spc="-1" strike="noStrike">
+                <a:latin typeface="Arial"/>
+              </a:rPr>
+              <a:t>t</a:t>
+            </a:r>
+            <a:r>
+              <a:rPr b="0" lang="en-GB" sz="1800" spc="-1" strike="noStrike">
+                <a:latin typeface="Arial"/>
+              </a:rPr>
+              <a:t>l</a:t>
+            </a:r>
+            <a:r>
+              <a:rPr b="0" lang="en-GB" sz="1800" spc="-1" strike="noStrike">
+                <a:latin typeface="Arial"/>
+              </a:rPr>
+              <a:t>e</a:t>
+            </a:r>
+            <a:r>
+              <a:rPr b="0" lang="en-GB" sz="1800" spc="-1" strike="noStrike">
+                <a:latin typeface="Arial"/>
+              </a:rPr>
+              <a:t> </a:t>
+            </a:r>
+            <a:r>
+              <a:rPr b="0" lang="en-GB" sz="1800" spc="-1" strike="noStrike">
+                <a:latin typeface="Arial"/>
+              </a:rPr>
+              <a:t>t</a:t>
+            </a:r>
+            <a:r>
+              <a:rPr b="0" lang="en-GB" sz="1800" spc="-1" strike="noStrike">
+                <a:latin typeface="Arial"/>
+              </a:rPr>
+              <a:t>e</a:t>
+            </a:r>
+            <a:r>
+              <a:rPr b="0" lang="en-GB" sz="1800" spc="-1" strike="noStrike">
+                <a:latin typeface="Arial"/>
+              </a:rPr>
+              <a:t>x</a:t>
+            </a:r>
+            <a:r>
+              <a:rPr b="0" lang="en-GB" sz="1800" spc="-1" strike="noStrike">
+                <a:latin typeface="Arial"/>
+              </a:rPr>
+              <a:t>t </a:t>
+            </a:r>
+            <a:r>
+              <a:rPr b="0" lang="en-GB" sz="1800" spc="-1" strike="noStrike">
+                <a:latin typeface="Arial"/>
+              </a:rPr>
+              <a:t>f</a:t>
+            </a:r>
+            <a:r>
+              <a:rPr b="0" lang="en-GB" sz="1800" spc="-1" strike="noStrike">
+                <a:latin typeface="Arial"/>
+              </a:rPr>
+              <a:t>o</a:t>
+            </a:r>
+            <a:r>
+              <a:rPr b="0" lang="en-GB" sz="1800" spc="-1" strike="noStrike">
+                <a:latin typeface="Arial"/>
+              </a:rPr>
+              <a:t>r</a:t>
+            </a:r>
+            <a:r>
+              <a:rPr b="0" lang="en-GB" sz="1800" spc="-1" strike="noStrike">
+                <a:latin typeface="Arial"/>
+              </a:rPr>
+              <a:t>m</a:t>
+            </a:r>
+            <a:r>
+              <a:rPr b="0" lang="en-GB" sz="1800" spc="-1" strike="noStrike">
+                <a:latin typeface="Arial"/>
+              </a:rPr>
+              <a:t>a</a:t>
+            </a:r>
+            <a:r>
+              <a:rPr b="0" lang="en-GB" sz="1800" spc="-1" strike="noStrike">
+                <a:latin typeface="Arial"/>
+              </a:rPr>
+              <a:t>t</a:t>
             </a:r>
             <a:endParaRPr b="0" lang="en-GB" sz="1800" spc="-1" strike="noStrike">
               <a:latin typeface="Arial"/>
@@ -3061,7 +3253,211 @@
               <a:rPr b="0" lang="en-GB" sz="4400" spc="-1" strike="noStrike">
                 <a:latin typeface="Arial"/>
               </a:rPr>
-              <a:t>Click to edit the title text format</a:t>
+              <a:t>C</a:t>
+            </a:r>
+            <a:r>
+              <a:rPr b="0" lang="en-GB" sz="4400" spc="-1" strike="noStrike">
+                <a:latin typeface="Arial"/>
+              </a:rPr>
+              <a:t>l</a:t>
+            </a:r>
+            <a:r>
+              <a:rPr b="0" lang="en-GB" sz="4400" spc="-1" strike="noStrike">
+                <a:latin typeface="Arial"/>
+              </a:rPr>
+              <a:t>i</a:t>
+            </a:r>
+            <a:r>
+              <a:rPr b="0" lang="en-GB" sz="4400" spc="-1" strike="noStrike">
+                <a:latin typeface="Arial"/>
+              </a:rPr>
+              <a:t>c</a:t>
+            </a:r>
+            <a:r>
+              <a:rPr b="0" lang="en-GB" sz="4400" spc="-1" strike="noStrike">
+                <a:latin typeface="Arial"/>
+              </a:rPr>
+              <a:t>k</a:t>
+            </a:r>
+            <a:r>
+              <a:rPr b="0" lang="en-GB" sz="4400" spc="-1" strike="noStrike">
+                <a:latin typeface="Arial"/>
+              </a:rPr>
+              <a:t> </a:t>
+            </a:r>
+            <a:r>
+              <a:rPr b="0" lang="en-GB" sz="4400" spc="-1" strike="noStrike">
+                <a:latin typeface="Arial"/>
+              </a:rPr>
+              <a:t>t</a:t>
+            </a:r>
+            <a:r>
+              <a:rPr b="0" lang="en-GB" sz="4400" spc="-1" strike="noStrike">
+                <a:latin typeface="Arial"/>
+              </a:rPr>
+              <a:t>o</a:t>
+            </a:r>
+            <a:r>
+              <a:rPr b="0" lang="en-GB" sz="4400" spc="-1" strike="noStrike">
+                <a:latin typeface="Arial"/>
+              </a:rPr>
+              <a:t> </a:t>
+            </a:r>
+            <a:r>
+              <a:rPr b="0" lang="en-GB" sz="4400" spc="-1" strike="noStrike">
+                <a:latin typeface="Arial"/>
+              </a:rPr>
+              <a:t>e</a:t>
+            </a:r>
+            <a:r>
+              <a:rPr b="0" lang="en-GB" sz="4400" spc="-1" strike="noStrike">
+                <a:latin typeface="Arial"/>
+              </a:rPr>
+              <a:t>d</a:t>
+            </a:r>
+            <a:r>
+              <a:rPr b="0" lang="en-GB" sz="4400" spc="-1" strike="noStrike">
+                <a:latin typeface="Arial"/>
+              </a:rPr>
+              <a:t>i</a:t>
+            </a:r>
+            <a:r>
+              <a:rPr b="0" lang="en-GB" sz="4400" spc="-1" strike="noStrike">
+                <a:latin typeface="Arial"/>
+              </a:rPr>
+              <a:t>t</a:t>
+            </a:r>
+            <a:r>
+              <a:rPr b="0" lang="en-GB" sz="4400" spc="-1" strike="noStrike">
+                <a:latin typeface="Arial"/>
+              </a:rPr>
+              <a:t> </a:t>
+            </a:r>
+            <a:r>
+              <a:rPr b="0" lang="en-GB" sz="4400" spc="-1" strike="noStrike">
+                <a:latin typeface="Arial"/>
+              </a:rPr>
+              <a:t>t</a:t>
+            </a:r>
+            <a:r>
+              <a:rPr b="0" lang="en-GB" sz="4400" spc="-1" strike="noStrike">
+                <a:latin typeface="Arial"/>
+              </a:rPr>
+              <a:t>h</a:t>
+            </a:r>
+            <a:r>
+              <a:rPr b="0" lang="en-GB" sz="4400" spc="-1" strike="noStrike">
+                <a:latin typeface="Arial"/>
+              </a:rPr>
+              <a:t>e</a:t>
+            </a:r>
+            <a:r>
+              <a:rPr b="0" lang="en-GB" sz="4400" spc="-1" strike="noStrike">
+                <a:latin typeface="Arial"/>
+              </a:rPr>
+              <a:t> </a:t>
+            </a:r>
+            <a:r>
+              <a:rPr b="0" lang="en-GB" sz="4400" spc="-1" strike="noStrike">
+                <a:latin typeface="Arial"/>
+              </a:rPr>
+              <a:t>t</a:t>
+            </a:r>
+            <a:r>
+              <a:rPr b="0" lang="en-GB" sz="4400" spc="-1" strike="noStrike">
+                <a:latin typeface="Arial"/>
+              </a:rPr>
+              <a:t>i</a:t>
+            </a:r>
+            <a:r>
+              <a:rPr b="0" lang="en-GB" sz="4400" spc="-1" strike="noStrike">
+                <a:latin typeface="Arial"/>
+              </a:rPr>
+              <a:t>t</a:t>
+            </a:r>
+            <a:r>
+              <a:rPr b="0" lang="en-GB" sz="4400" spc="-1" strike="noStrike">
+                <a:latin typeface="Arial"/>
+              </a:rPr>
+              <a:t>l</a:t>
+            </a:r>
+            <a:r>
+              <a:rPr b="0" lang="en-GB" sz="4400" spc="-1" strike="noStrike">
+                <a:latin typeface="Arial"/>
+              </a:rPr>
+              <a:t>e</a:t>
+            </a:r>
+            <a:r>
+              <a:rPr b="0" lang="en-GB" sz="4400" spc="-1" strike="noStrike">
+                <a:latin typeface="Arial"/>
+              </a:rPr>
+              <a:t> </a:t>
+            </a:r>
+            <a:r>
+              <a:rPr b="0" lang="en-GB" sz="4400" spc="-1" strike="noStrike">
+                <a:latin typeface="Arial"/>
+              </a:rPr>
+              <a:t>t</a:t>
+            </a:r>
+            <a:r>
+              <a:rPr b="0" lang="en-GB" sz="4400" spc="-1" strike="noStrike">
+                <a:latin typeface="Arial"/>
+              </a:rPr>
+              <a:t>e</a:t>
+            </a:r>
+            <a:r>
+              <a:rPr b="0" lang="en-GB" sz="4400" spc="-1" strike="noStrike">
+                <a:latin typeface="Arial"/>
+              </a:rPr>
+              <a:t>x</a:t>
+            </a:r>
+            <a:r>
+              <a:rPr b="0" lang="en-GB" sz="4400" spc="-1" strike="noStrike">
+                <a:latin typeface="Arial"/>
+              </a:rPr>
+              <a:t>t</a:t>
+            </a:r>
+            <a:r>
+              <a:rPr b="0" lang="en-GB" sz="4400" spc="-1" strike="noStrike">
+                <a:latin typeface="Arial"/>
+              </a:rPr>
+              <a:t> </a:t>
+            </a:r>
+            <a:r>
+              <a:rPr b="0" lang="en-GB" sz="4400" spc="-1" strike="noStrike">
+                <a:latin typeface="Arial"/>
+              </a:rPr>
+              <a:t>f</a:t>
+            </a:r>
+            <a:r>
+              <a:rPr b="0" lang="en-GB" sz="4400" spc="-1" strike="noStrike">
+                <a:latin typeface="Arial"/>
+              </a:rPr>
+              <a:t>o</a:t>
+            </a:r>
+            <a:r>
+              <a:rPr b="0" lang="en-GB" sz="4400" spc="-1" strike="noStrike">
+                <a:latin typeface="Arial"/>
+              </a:rPr>
+              <a:t>r</a:t>
+            </a:r>
+            <a:r>
+              <a:rPr b="0" lang="en-GB" sz="4400" spc="-1" strike="noStrike">
+                <a:latin typeface="Arial"/>
+              </a:rPr>
+              <a:t>m</a:t>
+            </a:r>
+            <a:r>
+              <a:rPr b="0" lang="en-GB" sz="4400" spc="-1" strike="noStrike">
+                <a:latin typeface="Arial"/>
+              </a:rPr>
+              <a:t>a</a:t>
+            </a:r>
+            <a:r>
+              <a:rPr b="0" lang="en-GB" sz="4400" spc="-1" strike="noStrike">
+                <a:latin typeface="Arial"/>
+              </a:rPr>
+              <a:t>t</a:t>
             </a:r>
             <a:endParaRPr b="0" lang="en-GB" sz="4400" spc="-1" strike="noStrike">
               <a:latin typeface="Arial"/>
@@ -4057,17 +4453,7 @@
                 <a:latin typeface="Century Gothic"/>
                 <a:ea typeface="DejaVu Sans"/>
               </a:rPr>
-              <a:t>Overview-</a:t>
-            </a:r>
-            <a:r>
-              <a:rPr b="0" i="1" lang="en-GB" sz="4000" spc="-1" strike="noStrike" cap="all">
-                <a:solidFill>
-                  <a:srgbClr val="ffffff"/>
-                </a:solidFill>
-                <a:latin typeface="Century Gothic"/>
-                <a:ea typeface="DejaVu Sans"/>
-              </a:rPr>
-              <a:t>Alternate</a:t>
+              <a:t>Overview -</a:t>
             </a:r>
             <a:r>
               <a:rPr b="0" lang="en-GB" sz="4000" spc="-1" strike="noStrike" cap="all">
@@ -6485,7 +6871,106 @@
                 </a:solidFill>
                 <a:latin typeface="Century Gothic"/>
               </a:rPr>
-              <a:t>Requirements</a:t>
+              <a:t>R</a:t>
+            </a:r>
+            <a:r>
+              <a:rPr b="0" lang="en-GB" sz="2200" spc="-1" strike="noStrike">
+                <a:solidFill>
+                  <a:srgbClr val="ffffff"/>
+                </a:solidFill>
+                <a:latin typeface="Century Gothic"/>
+              </a:rPr>
+              <a:t>e</a:t>
+            </a:r>
+            <a:r>
+              <a:rPr b="0" lang="en-GB" sz="2200" spc="-1" strike="noStrike">
+                <a:solidFill>
+                  <a:srgbClr val="ffffff"/>
+                </a:solidFill>
+                <a:latin typeface="Century Gothic"/>
+              </a:rPr>
+              <a:t>q</a:t>
+            </a:r>
+            <a:r>
+              <a:rPr b="0" lang="en-GB" sz="2200" spc="-1" strike="noStrike">
+                <a:solidFill>
+                  <a:srgbClr val="ffffff"/>
+                </a:solidFill>
+                <a:latin typeface="Century Gothic"/>
+              </a:rPr>
+              <a:t>u</a:t>
+            </a:r>
+            <a:r>
+              <a:rPr b="0" lang="en-GB" sz="2200" spc="-1" strike="noStrike">
+                <a:solidFill>
+                  <a:srgbClr val="ffffff"/>
+                </a:solidFill>
+                <a:latin typeface="Century Gothic"/>
+              </a:rPr>
+              <a:t>i</a:t>
+            </a:r>
+            <a:r>
+              <a:rPr b="0" lang="en-GB" sz="2200" spc="-1" strike="noStrike">
+                <a:solidFill>
+                  <a:srgbClr val="ffffff"/>
+                </a:solidFill>
+                <a:latin typeface="Century Gothic"/>
+              </a:rPr>
+              <a:t>r</a:t>
+            </a:r>
+            <a:r>
+              <a:rPr b="0" lang="en-GB" sz="2200" spc="-1" strike="noStrike">
+                <a:solidFill>
+                  <a:srgbClr val="ffffff"/>
+                </a:solidFill>
+                <a:latin typeface="Century Gothic"/>
+              </a:rPr>
+              <a:t>e</a:t>
+            </a:r>
+            <a:r>
+              <a:rPr b="0" lang="en-GB" sz="2200" spc="-1" strike="noStrike">
+                <a:solidFill>
+                  <a:srgbClr val="ffffff"/>
+                </a:solidFill>
+                <a:latin typeface="Century Gothic"/>
+              </a:rPr>
+              <a:t>m</a:t>
+            </a:r>
+            <a:r>
+              <a:rPr b="0" lang="en-GB" sz="2200" spc="-1" strike="noStrike">
+                <a:solidFill>
+                  <a:srgbClr val="ffffff"/>
+                </a:solidFill>
+                <a:latin typeface="Century Gothic"/>
+              </a:rPr>
+              <a:t>e</a:t>
+            </a:r>
+            <a:r>
+              <a:rPr b="0" lang="en-GB" sz="2200" spc="-1" strike="noStrike">
+                <a:solidFill>
+                  <a:srgbClr val="ffffff"/>
+                </a:solidFill>
+                <a:latin typeface="Century Gothic"/>
+              </a:rPr>
+              <a:t>n</a:t>
+            </a:r>
+            <a:r>
+              <a:rPr b="0" lang="en-GB" sz="2200" spc="-1" strike="noStrike">
+                <a:solidFill>
+                  <a:srgbClr val="ffffff"/>
+                </a:solidFill>
+                <a:latin typeface="Century Gothic"/>
+              </a:rPr>
+              <a:t>t</a:t>
+            </a:r>
+            <a:r>
+              <a:rPr b="0" lang="en-GB" sz="2200" spc="-1" strike="noStrike">
+                <a:solidFill>
+                  <a:srgbClr val="ffffff"/>
+                </a:solidFill>
+                <a:latin typeface="Century Gothic"/>
+              </a:rPr>
+              <a:t>s</a:t>
             </a:r>
             <a:endParaRPr b="0" lang="en-GB" sz="2200" spc="-1" strike="noStrike">
               <a:latin typeface="Arial"/>
@@ -6499,25 +6984,223 @@
                 </a:solidFill>
                 <a:latin typeface="Century Gothic"/>
               </a:rPr>
-              <a:t>- </a:t>
-            </a:r>
-            <a:r>
-              <a:rPr b="0" lang="en-GB" sz="1800" spc="-1" strike="noStrike">
-                <a:solidFill>
-                  <a:srgbClr val="ffffff"/>
-                </a:solidFill>
-                <a:latin typeface="Century Gothic"/>
-              </a:rPr>
-              <a:t>Stand alone arcade </a:t>
-            </a:r>
-            <a:r>
-              <a:rPr b="0" lang="en-GB" sz="1800" spc="-1" strike="noStrike">
-                <a:solidFill>
-                  <a:srgbClr val="ffffff"/>
-                </a:solidFill>
-                <a:latin typeface="Century Gothic"/>
-              </a:rPr>
-              <a:t>Game</a:t>
+              <a:t>-</a:t>
+            </a:r>
+            <a:r>
+              <a:rPr b="0" lang="en-GB" sz="2200" spc="-1" strike="noStrike">
+                <a:solidFill>
+                  <a:srgbClr val="ffffff"/>
+                </a:solidFill>
+                <a:latin typeface="Century Gothic"/>
+              </a:rPr>
+              <a:t> </a:t>
+            </a:r>
+            <a:r>
+              <a:rPr b="0" lang="en-GB" sz="1800" spc="-1" strike="noStrike">
+                <a:solidFill>
+                  <a:srgbClr val="ffffff"/>
+                </a:solidFill>
+                <a:latin typeface="Century Gothic"/>
+              </a:rPr>
+              <a:t>S</a:t>
+            </a:r>
+            <a:r>
+              <a:rPr b="0" lang="en-GB" sz="1800" spc="-1" strike="noStrike">
+                <a:solidFill>
+                  <a:srgbClr val="ffffff"/>
+                </a:solidFill>
+                <a:latin typeface="Century Gothic"/>
+              </a:rPr>
+              <a:t>t</a:t>
+            </a:r>
+            <a:r>
+              <a:rPr b="0" lang="en-GB" sz="1800" spc="-1" strike="noStrike">
+                <a:solidFill>
+                  <a:srgbClr val="ffffff"/>
+                </a:solidFill>
+                <a:latin typeface="Century Gothic"/>
+              </a:rPr>
+              <a:t>a</a:t>
+            </a:r>
+            <a:r>
+              <a:rPr b="0" lang="en-GB" sz="1800" spc="-1" strike="noStrike">
+                <a:solidFill>
+                  <a:srgbClr val="ffffff"/>
+                </a:solidFill>
+                <a:latin typeface="Century Gothic"/>
+              </a:rPr>
+              <a:t>n</a:t>
+            </a:r>
+            <a:r>
+              <a:rPr b="0" lang="en-GB" sz="1800" spc="-1" strike="noStrike">
+                <a:solidFill>
+                  <a:srgbClr val="ffffff"/>
+                </a:solidFill>
+                <a:latin typeface="Century Gothic"/>
+              </a:rPr>
+              <a:t>d</a:t>
+            </a:r>
+            <a:r>
+              <a:rPr b="0" lang="en-GB" sz="1800" spc="-1" strike="noStrike">
+                <a:solidFill>
+                  <a:srgbClr val="ffffff"/>
+                </a:solidFill>
+                <a:latin typeface="Century Gothic"/>
+              </a:rPr>
+              <a:t> </a:t>
+            </a:r>
+            <a:r>
+              <a:rPr b="0" lang="en-GB" sz="1800" spc="-1" strike="noStrike">
+                <a:solidFill>
+                  <a:srgbClr val="ffffff"/>
+                </a:solidFill>
+                <a:latin typeface="Century Gothic"/>
+              </a:rPr>
+              <a:t>a</a:t>
+            </a:r>
+            <a:r>
+              <a:rPr b="0" lang="en-GB" sz="1800" spc="-1" strike="noStrike">
+                <a:solidFill>
+                  <a:srgbClr val="ffffff"/>
+                </a:solidFill>
+                <a:latin typeface="Century Gothic"/>
+              </a:rPr>
+              <a:t>l</a:t>
+            </a:r>
+            <a:r>
+              <a:rPr b="0" lang="en-GB" sz="1800" spc="-1" strike="noStrike">
+                <a:solidFill>
+                  <a:srgbClr val="ffffff"/>
+                </a:solidFill>
+                <a:latin typeface="Century Gothic"/>
+              </a:rPr>
+              <a:t>o</a:t>
+            </a:r>
+            <a:r>
+              <a:rPr b="0" lang="en-GB" sz="1800" spc="-1" strike="noStrike">
+                <a:solidFill>
+                  <a:srgbClr val="ffffff"/>
+                </a:solidFill>
+                <a:latin typeface="Century Gothic"/>
+              </a:rPr>
+              <a:t>n</a:t>
+            </a:r>
+            <a:r>
+              <a:rPr b="0" lang="en-GB" sz="1800" spc="-1" strike="noStrike">
+                <a:solidFill>
+                  <a:srgbClr val="ffffff"/>
+                </a:solidFill>
+                <a:latin typeface="Century Gothic"/>
+              </a:rPr>
+              <a:t>e</a:t>
+            </a:r>
+            <a:r>
+              <a:rPr b="0" lang="en-GB" sz="1800" spc="-1" strike="noStrike">
+                <a:solidFill>
+                  <a:srgbClr val="ffffff"/>
+                </a:solidFill>
+                <a:latin typeface="Century Gothic"/>
+              </a:rPr>
+              <a:t> </a:t>
+            </a:r>
+            <a:r>
+              <a:rPr b="0" lang="en-GB" sz="1800" spc="-1" strike="noStrike">
+                <a:solidFill>
+                  <a:srgbClr val="ffffff"/>
+                </a:solidFill>
+                <a:latin typeface="Century Gothic"/>
+              </a:rPr>
+              <a:t>a</a:t>
+            </a:r>
+            <a:r>
+              <a:rPr b="0" lang="en-GB" sz="1800" spc="-1" strike="noStrike">
+                <a:solidFill>
+                  <a:srgbClr val="ffffff"/>
+                </a:solidFill>
+                <a:latin typeface="Century Gothic"/>
+              </a:rPr>
+              <a:t>r</a:t>
+            </a:r>
+            <a:r>
+              <a:rPr b="0" lang="en-GB" sz="1800" spc="-1" strike="noStrike">
+                <a:solidFill>
+                  <a:srgbClr val="ffffff"/>
+                </a:solidFill>
+                <a:latin typeface="Century Gothic"/>
+              </a:rPr>
+              <a:t>c</a:t>
+            </a:r>
+            <a:r>
+              <a:rPr b="0" lang="en-GB" sz="1800" spc="-1" strike="noStrike">
+                <a:solidFill>
+                  <a:srgbClr val="ffffff"/>
+                </a:solidFill>
+                <a:latin typeface="Century Gothic"/>
+              </a:rPr>
+              <a:t>a</a:t>
+            </a:r>
+            <a:r>
+              <a:rPr b="0" lang="en-GB" sz="1800" spc="-1" strike="noStrike">
+                <a:solidFill>
+                  <a:srgbClr val="ffffff"/>
+                </a:solidFill>
+                <a:latin typeface="Century Gothic"/>
+              </a:rPr>
+              <a:t>d</a:t>
+            </a:r>
+            <a:r>
+              <a:rPr b="0" lang="en-GB" sz="1800" spc="-1" strike="noStrike">
+                <a:solidFill>
+                  <a:srgbClr val="ffffff"/>
+                </a:solidFill>
+                <a:latin typeface="Century Gothic"/>
+              </a:rPr>
+              <a:t>e</a:t>
+            </a:r>
+            <a:r>
+              <a:rPr b="0" lang="en-GB" sz="1800" spc="-1" strike="noStrike">
+                <a:solidFill>
+                  <a:srgbClr val="ffffff"/>
+                </a:solidFill>
+                <a:latin typeface="Century Gothic"/>
+              </a:rPr>
+              <a:t> </a:t>
+            </a:r>
+            <a:r>
+              <a:rPr b="0" lang="en-GB" sz="1800" spc="-1" strike="noStrike">
+                <a:solidFill>
+                  <a:srgbClr val="ffffff"/>
+                </a:solidFill>
+                <a:latin typeface="Century Gothic"/>
+              </a:rPr>
+              <a:t>G</a:t>
+            </a:r>
+            <a:r>
+              <a:rPr b="0" lang="en-GB" sz="1800" spc="-1" strike="noStrike">
+                <a:solidFill>
+                  <a:srgbClr val="ffffff"/>
+                </a:solidFill>
+                <a:latin typeface="Century Gothic"/>
+              </a:rPr>
+              <a:t>a</a:t>
+            </a:r>
+            <a:r>
+              <a:rPr b="0" lang="en-GB" sz="1800" spc="-1" strike="noStrike">
+                <a:solidFill>
+                  <a:srgbClr val="ffffff"/>
+                </a:solidFill>
+                <a:latin typeface="Century Gothic"/>
+              </a:rPr>
+              <a:t>m</a:t>
+            </a:r>
+            <a:r>
+              <a:rPr b="0" lang="en-GB" sz="1800" spc="-1" strike="noStrike">
+                <a:solidFill>
+                  <a:srgbClr val="ffffff"/>
+                </a:solidFill>
+                <a:latin typeface="Century Gothic"/>
+              </a:rPr>
+              <a:t>e</a:t>
             </a:r>
             <a:endParaRPr b="0" lang="en-GB" sz="1800" spc="-1" strike="noStrike">
               <a:latin typeface="Arial"/>
@@ -6531,7 +7214,178 @@
                 </a:solidFill>
                 <a:latin typeface="Century Gothic"/>
               </a:rPr>
-              <a:t>- Small, fit on desk</a:t>
+              <a:t>-</a:t>
+            </a:r>
+            <a:r>
+              <a:rPr b="0" lang="en-GB" sz="1800" spc="-1" strike="noStrike">
+                <a:solidFill>
+                  <a:srgbClr val="ffffff"/>
+                </a:solidFill>
+                <a:latin typeface="Century Gothic"/>
+              </a:rPr>
+              <a:t> </a:t>
+            </a:r>
+            <a:r>
+              <a:rPr b="0" lang="en-GB" sz="1800" spc="-1" strike="noStrike">
+                <a:solidFill>
+                  <a:srgbClr val="ffffff"/>
+                </a:solidFill>
+                <a:latin typeface="Century Gothic"/>
+              </a:rPr>
+              <a:t>S</a:t>
+            </a:r>
+            <a:r>
+              <a:rPr b="0" lang="en-GB" sz="1800" spc="-1" strike="noStrike">
+                <a:solidFill>
+                  <a:srgbClr val="ffffff"/>
+                </a:solidFill>
+                <a:latin typeface="Century Gothic"/>
+              </a:rPr>
+              <a:t>m</a:t>
+            </a:r>
+            <a:r>
+              <a:rPr b="0" lang="en-GB" sz="1800" spc="-1" strike="noStrike">
+                <a:solidFill>
+                  <a:srgbClr val="ffffff"/>
+                </a:solidFill>
+                <a:latin typeface="Century Gothic"/>
+              </a:rPr>
+              <a:t>a</a:t>
+            </a:r>
+            <a:r>
+              <a:rPr b="0" lang="en-GB" sz="1800" spc="-1" strike="noStrike">
+                <a:solidFill>
+                  <a:srgbClr val="ffffff"/>
+                </a:solidFill>
+                <a:latin typeface="Century Gothic"/>
+              </a:rPr>
+              <a:t>l</a:t>
+            </a:r>
+            <a:r>
+              <a:rPr b="0" lang="en-GB" sz="1800" spc="-1" strike="noStrike">
+                <a:solidFill>
+                  <a:srgbClr val="ffffff"/>
+                </a:solidFill>
+                <a:latin typeface="Century Gothic"/>
+              </a:rPr>
+              <a:t>l</a:t>
+            </a:r>
+            <a:r>
+              <a:rPr b="0" lang="en-GB" sz="1800" spc="-1" strike="noStrike">
+                <a:solidFill>
+                  <a:srgbClr val="ffffff"/>
+                </a:solidFill>
+                <a:latin typeface="Century Gothic"/>
+              </a:rPr>
+              <a:t>,</a:t>
+            </a:r>
+            <a:r>
+              <a:rPr b="0" lang="en-GB" sz="1800" spc="-1" strike="noStrike">
+                <a:solidFill>
+                  <a:srgbClr val="ffffff"/>
+                </a:solidFill>
+                <a:latin typeface="Century Gothic"/>
+              </a:rPr>
+              <a:t> </a:t>
+            </a:r>
+            <a:r>
+              <a:rPr b="0" lang="en-GB" sz="1800" spc="-1" strike="noStrike">
+                <a:solidFill>
+                  <a:srgbClr val="ffffff"/>
+                </a:solidFill>
+                <a:latin typeface="Century Gothic"/>
+              </a:rPr>
+              <a:t>f</a:t>
+            </a:r>
+            <a:r>
+              <a:rPr b="0" lang="en-GB" sz="1800" spc="-1" strike="noStrike">
+                <a:solidFill>
+                  <a:srgbClr val="ffffff"/>
+                </a:solidFill>
+                <a:latin typeface="Century Gothic"/>
+              </a:rPr>
+              <a:t>i</a:t>
+            </a:r>
+            <a:r>
+              <a:rPr b="0" lang="en-GB" sz="1800" spc="-1" strike="noStrike">
+                <a:solidFill>
+                  <a:srgbClr val="ffffff"/>
+                </a:solidFill>
+                <a:latin typeface="Century Gothic"/>
+              </a:rPr>
+              <a:t>t</a:t>
+            </a:r>
+            <a:r>
+              <a:rPr b="0" lang="en-GB" sz="1800" spc="-1" strike="noStrike">
+                <a:solidFill>
+                  <a:srgbClr val="ffffff"/>
+                </a:solidFill>
+                <a:latin typeface="Century Gothic"/>
+              </a:rPr>
+              <a:t> </a:t>
+            </a:r>
+            <a:r>
+              <a:rPr b="0" lang="en-GB" sz="1800" spc="-1" strike="noStrike">
+                <a:solidFill>
+                  <a:srgbClr val="ffffff"/>
+                </a:solidFill>
+                <a:latin typeface="Century Gothic"/>
+              </a:rPr>
+              <a:t>o</a:t>
+            </a:r>
+            <a:r>
+              <a:rPr b="0" lang="en-GB" sz="1800" spc="-1" strike="noStrike">
+                <a:solidFill>
+                  <a:srgbClr val="ffffff"/>
+                </a:solidFill>
+                <a:latin typeface="Century Gothic"/>
+              </a:rPr>
+              <a:t>n</a:t>
+            </a:r>
+            <a:r>
+              <a:rPr b="0" lang="en-GB" sz="1800" spc="-1" strike="noStrike">
+                <a:solidFill>
+                  <a:srgbClr val="ffffff"/>
+                </a:solidFill>
+                <a:latin typeface="Century Gothic"/>
+              </a:rPr>
+              <a:t> </a:t>
+            </a:r>
+            <a:r>
+              <a:rPr b="0" lang="en-GB" sz="1800" spc="-1" strike="noStrike">
+                <a:solidFill>
+                  <a:srgbClr val="ffffff"/>
+                </a:solidFill>
+                <a:latin typeface="Century Gothic"/>
+              </a:rPr>
+              <a:t>d</a:t>
+            </a:r>
+            <a:r>
+              <a:rPr b="0" lang="en-GB" sz="1800" spc="-1" strike="noStrike">
+                <a:solidFill>
+                  <a:srgbClr val="ffffff"/>
+                </a:solidFill>
+                <a:latin typeface="Century Gothic"/>
+              </a:rPr>
+              <a:t>e</a:t>
+            </a:r>
+            <a:r>
+              <a:rPr b="0" lang="en-GB" sz="1800" spc="-1" strike="noStrike">
+                <a:solidFill>
+                  <a:srgbClr val="ffffff"/>
+                </a:solidFill>
+                <a:latin typeface="Century Gothic"/>
+              </a:rPr>
+              <a:t>s</a:t>
+            </a:r>
+            <a:r>
+              <a:rPr b="0" lang="en-GB" sz="1800" spc="-1" strike="noStrike">
+                <a:solidFill>
+                  <a:srgbClr val="ffffff"/>
+                </a:solidFill>
+                <a:latin typeface="Century Gothic"/>
+              </a:rPr>
+              <a:t>k</a:t>
             </a:r>
             <a:endParaRPr b="0" lang="en-GB" sz="1800" spc="-1" strike="noStrike">
               <a:latin typeface="Arial"/>
@@ -6545,7 +7399,106 @@
                 </a:solidFill>
                 <a:latin typeface="Century Gothic"/>
               </a:rPr>
-              <a:t>-Economical </a:t>
+              <a:t>-</a:t>
+            </a:r>
+            <a:r>
+              <a:rPr b="0" lang="en-GB" sz="1800" spc="-1" strike="noStrike">
+                <a:solidFill>
+                  <a:srgbClr val="ffffff"/>
+                </a:solidFill>
+                <a:latin typeface="Century Gothic"/>
+              </a:rPr>
+              <a:t>E</a:t>
+            </a:r>
+            <a:r>
+              <a:rPr b="0" lang="en-GB" sz="1800" spc="-1" strike="noStrike">
+                <a:solidFill>
+                  <a:srgbClr val="ffffff"/>
+                </a:solidFill>
+                <a:latin typeface="Century Gothic"/>
+              </a:rPr>
+              <a:t>c</a:t>
+            </a:r>
+            <a:r>
+              <a:rPr b="0" lang="en-GB" sz="1800" spc="-1" strike="noStrike">
+                <a:solidFill>
+                  <a:srgbClr val="ffffff"/>
+                </a:solidFill>
+                <a:latin typeface="Century Gothic"/>
+              </a:rPr>
+              <a:t>o</a:t>
+            </a:r>
+            <a:r>
+              <a:rPr b="0" lang="en-GB" sz="1800" spc="-1" strike="noStrike">
+                <a:solidFill>
+                  <a:srgbClr val="ffffff"/>
+                </a:solidFill>
+                <a:latin typeface="Century Gothic"/>
+              </a:rPr>
+              <a:t>n</a:t>
+            </a:r>
+            <a:r>
+              <a:rPr b="0" lang="en-GB" sz="1800" spc="-1" strike="noStrike">
+                <a:solidFill>
+                  <a:srgbClr val="ffffff"/>
+                </a:solidFill>
+                <a:latin typeface="Century Gothic"/>
+              </a:rPr>
+              <a:t>o</a:t>
+            </a:r>
+            <a:r>
+              <a:rPr b="0" lang="en-GB" sz="1800" spc="-1" strike="noStrike">
+                <a:solidFill>
+                  <a:srgbClr val="ffffff"/>
+                </a:solidFill>
+                <a:latin typeface="Century Gothic"/>
+              </a:rPr>
+              <a:t>m</a:t>
+            </a:r>
+            <a:r>
+              <a:rPr b="0" lang="en-GB" sz="1800" spc="-1" strike="noStrike">
+                <a:solidFill>
+                  <a:srgbClr val="ffffff"/>
+                </a:solidFill>
+                <a:latin typeface="Century Gothic"/>
+              </a:rPr>
+              <a:t>i</a:t>
+            </a:r>
+            <a:r>
+              <a:rPr b="0" lang="en-GB" sz="1800" spc="-1" strike="noStrike">
+                <a:solidFill>
+                  <a:srgbClr val="ffffff"/>
+                </a:solidFill>
+                <a:latin typeface="Century Gothic"/>
+              </a:rPr>
+              <a:t>c</a:t>
+            </a:r>
+            <a:r>
+              <a:rPr b="0" lang="en-GB" sz="1800" spc="-1" strike="noStrike">
+                <a:solidFill>
+                  <a:srgbClr val="ffffff"/>
+                </a:solidFill>
+                <a:latin typeface="Century Gothic"/>
+              </a:rPr>
+              <a:t>a</a:t>
+            </a:r>
+            <a:r>
+              <a:rPr b="0" lang="en-GB" sz="1800" spc="-1" strike="noStrike">
+                <a:solidFill>
+                  <a:srgbClr val="ffffff"/>
+                </a:solidFill>
+                <a:latin typeface="Century Gothic"/>
+              </a:rPr>
+              <a:t>l</a:t>
+            </a:r>
+            <a:r>
+              <a:rPr b="0" lang="en-GB" sz="1800" spc="-1" strike="noStrike">
+                <a:solidFill>
+                  <a:srgbClr val="ffffff"/>
+                </a:solidFill>
+                <a:latin typeface="Century Gothic"/>
+              </a:rPr>
+              <a:t> </a:t>
             </a:r>
             <a:endParaRPr b="0" lang="en-GB" sz="1800" spc="-1" strike="noStrike">
               <a:latin typeface="Arial"/>
@@ -6559,7 +7512,223 @@
                 </a:solidFill>
                 <a:latin typeface="Century Gothic"/>
               </a:rPr>
-              <a:t>- Retro, like old arcades</a:t>
+              <a:t>-</a:t>
+            </a:r>
+            <a:r>
+              <a:rPr b="0" lang="en-GB" sz="1800" spc="-1" strike="noStrike">
+                <a:solidFill>
+                  <a:srgbClr val="ffffff"/>
+                </a:solidFill>
+                <a:latin typeface="Century Gothic"/>
+              </a:rPr>
+              <a:t> </a:t>
+            </a:r>
+            <a:r>
+              <a:rPr b="0" lang="en-GB" sz="1800" spc="-1" strike="noStrike">
+                <a:solidFill>
+                  <a:srgbClr val="ffffff"/>
+                </a:solidFill>
+                <a:latin typeface="Century Gothic"/>
+              </a:rPr>
+              <a:t>R</a:t>
+            </a:r>
+            <a:r>
+              <a:rPr b="0" lang="en-GB" sz="1800" spc="-1" strike="noStrike">
+                <a:solidFill>
+                  <a:srgbClr val="ffffff"/>
+                </a:solidFill>
+                <a:latin typeface="Century Gothic"/>
+              </a:rPr>
+              <a:t>e</a:t>
+            </a:r>
+            <a:r>
+              <a:rPr b="0" lang="en-GB" sz="1800" spc="-1" strike="noStrike">
+                <a:solidFill>
+                  <a:srgbClr val="ffffff"/>
+                </a:solidFill>
+                <a:latin typeface="Century Gothic"/>
+              </a:rPr>
+              <a:t>t</a:t>
+            </a:r>
+            <a:r>
+              <a:rPr b="0" lang="en-GB" sz="1800" spc="-1" strike="noStrike">
+                <a:solidFill>
+                  <a:srgbClr val="ffffff"/>
+                </a:solidFill>
+                <a:latin typeface="Century Gothic"/>
+              </a:rPr>
+              <a:t>r</a:t>
+            </a:r>
+            <a:r>
+              <a:rPr b="0" lang="en-GB" sz="1800" spc="-1" strike="noStrike">
+                <a:solidFill>
+                  <a:srgbClr val="ffffff"/>
+                </a:solidFill>
+                <a:latin typeface="Century Gothic"/>
+              </a:rPr>
+              <a:t>o</a:t>
+            </a:r>
+            <a:r>
+              <a:rPr b="0" lang="en-GB" sz="1800" spc="-1" strike="noStrike">
+                <a:solidFill>
+                  <a:srgbClr val="ffffff"/>
+                </a:solidFill>
+                <a:latin typeface="Century Gothic"/>
+              </a:rPr>
+              <a:t>,</a:t>
+            </a:r>
+            <a:r>
+              <a:rPr b="0" lang="en-GB" sz="1800" spc="-1" strike="noStrike">
+                <a:solidFill>
+                  <a:srgbClr val="ffffff"/>
+                </a:solidFill>
+                <a:latin typeface="Century Gothic"/>
+              </a:rPr>
+              <a:t> </a:t>
+            </a:r>
+            <a:r>
+              <a:rPr b="0" lang="en-GB" sz="1800" spc="-1" strike="noStrike">
+                <a:solidFill>
+                  <a:srgbClr val="ffffff"/>
+                </a:solidFill>
+                <a:latin typeface="Century Gothic"/>
+              </a:rPr>
+              <a:t>l</a:t>
+            </a:r>
+            <a:r>
+              <a:rPr b="0" lang="en-GB" sz="1800" spc="-1" strike="noStrike">
+                <a:solidFill>
+                  <a:srgbClr val="ffffff"/>
+                </a:solidFill>
+                <a:latin typeface="Century Gothic"/>
+              </a:rPr>
+              <a:t>i</a:t>
+            </a:r>
+            <a:r>
+              <a:rPr b="0" lang="en-GB" sz="1800" spc="-1" strike="noStrike">
+                <a:solidFill>
+                  <a:srgbClr val="ffffff"/>
+                </a:solidFill>
+                <a:latin typeface="Century Gothic"/>
+              </a:rPr>
+              <a:t>k</a:t>
+            </a:r>
+            <a:r>
+              <a:rPr b="0" lang="en-GB" sz="1800" spc="-1" strike="noStrike">
+                <a:solidFill>
+                  <a:srgbClr val="ffffff"/>
+                </a:solidFill>
+                <a:latin typeface="Century Gothic"/>
+              </a:rPr>
+              <a:t>e</a:t>
+            </a:r>
+            <a:r>
+              <a:rPr b="0" lang="en-GB" sz="1800" spc="-1" strike="noStrike">
+                <a:solidFill>
+                  <a:srgbClr val="ffffff"/>
+                </a:solidFill>
+                <a:latin typeface="Century Gothic"/>
+              </a:rPr>
+              <a:t> </a:t>
+            </a:r>
+            <a:r>
+              <a:rPr b="0" lang="en-GB" sz="1800" spc="-1" strike="noStrike">
+                <a:solidFill>
+                  <a:srgbClr val="ffffff"/>
+                </a:solidFill>
+                <a:latin typeface="Century Gothic"/>
+              </a:rPr>
+              <a:t>o</a:t>
+            </a:r>
+            <a:r>
+              <a:rPr b="0" lang="en-GB" sz="1800" spc="-1" strike="noStrike">
+                <a:solidFill>
+                  <a:srgbClr val="ffffff"/>
+                </a:solidFill>
+                <a:latin typeface="Century Gothic"/>
+              </a:rPr>
+              <a:t>l</a:t>
+            </a:r>
+            <a:r>
+              <a:rPr b="0" lang="en-GB" sz="1800" spc="-1" strike="noStrike">
+                <a:solidFill>
+                  <a:srgbClr val="ffffff"/>
+                </a:solidFill>
+                <a:latin typeface="Century Gothic"/>
+              </a:rPr>
+              <a:t>d</a:t>
+            </a:r>
+            <a:r>
+              <a:rPr b="0" lang="en-GB" sz="1800" spc="-1" strike="noStrike">
+                <a:solidFill>
+                  <a:srgbClr val="ffffff"/>
+                </a:solidFill>
+                <a:latin typeface="Century Gothic"/>
+              </a:rPr>
+              <a:t> </a:t>
+            </a:r>
+            <a:r>
+              <a:rPr b="0" lang="en-GB" sz="1800" spc="-1" strike="noStrike">
+                <a:solidFill>
+                  <a:srgbClr val="ffffff"/>
+                </a:solidFill>
+                <a:latin typeface="Century Gothic"/>
+              </a:rPr>
+              <a:t>a</a:t>
+            </a:r>
+            <a:r>
+              <a:rPr b="0" lang="en-GB" sz="1800" spc="-1" strike="noStrike">
+                <a:solidFill>
+                  <a:srgbClr val="ffffff"/>
+                </a:solidFill>
+                <a:latin typeface="Century Gothic"/>
+              </a:rPr>
+              <a:t>r</a:t>
+            </a:r>
+            <a:r>
+              <a:rPr b="0" lang="en-GB" sz="1800" spc="-1" strike="noStrike">
+                <a:solidFill>
+                  <a:srgbClr val="ffffff"/>
+                </a:solidFill>
+                <a:latin typeface="Century Gothic"/>
+              </a:rPr>
+              <a:t>c</a:t>
+            </a:r>
+            <a:r>
+              <a:rPr b="0" lang="en-GB" sz="1800" spc="-1" strike="noStrike">
+                <a:solidFill>
+                  <a:srgbClr val="ffffff"/>
+                </a:solidFill>
+                <a:latin typeface="Century Gothic"/>
+              </a:rPr>
+              <a:t>a</a:t>
+            </a:r>
+            <a:r>
+              <a:rPr b="0" lang="en-GB" sz="1800" spc="-1" strike="noStrike">
+                <a:solidFill>
+                  <a:srgbClr val="ffffff"/>
+                </a:solidFill>
+                <a:latin typeface="Century Gothic"/>
+              </a:rPr>
+              <a:t>d</a:t>
+            </a:r>
+            <a:r>
+              <a:rPr b="0" lang="en-GB" sz="1800" spc="-1" strike="noStrike">
+                <a:solidFill>
+                  <a:srgbClr val="ffffff"/>
+                </a:solidFill>
+                <a:latin typeface="Century Gothic"/>
+              </a:rPr>
+              <a:t>e</a:t>
+            </a:r>
+            <a:r>
+              <a:rPr b="0" lang="en-GB" sz="1800" spc="-1" strike="noStrike">
+                <a:solidFill>
+                  <a:srgbClr val="ffffff"/>
+                </a:solidFill>
+                <a:latin typeface="Century Gothic"/>
+              </a:rPr>
+              <a:t>s</a:t>
             </a:r>
             <a:endParaRPr b="0" lang="en-GB" sz="1800" spc="-1" strike="noStrike">
               <a:latin typeface="Arial"/>

--- a/CustomerFiles/Demo_Docs/demo1_test.pptx
+++ b/CustomerFiles/Demo_Docs/demo1_test.pptx
@@ -2780,199 +2780,7 @@
               <a:rPr b="0" lang="en-GB" sz="1800" spc="-1" strike="noStrike">
                 <a:latin typeface="Arial"/>
               </a:rPr>
-              <a:t>C</a:t>
-            </a:r>
-            <a:r>
-              <a:rPr b="0" lang="en-GB" sz="1800" spc="-1" strike="noStrike">
-                <a:latin typeface="Arial"/>
-              </a:rPr>
-              <a:t>l</a:t>
-            </a:r>
-            <a:r>
-              <a:rPr b="0" lang="en-GB" sz="1800" spc="-1" strike="noStrike">
-                <a:latin typeface="Arial"/>
-              </a:rPr>
-              <a:t>i</a:t>
-            </a:r>
-            <a:r>
-              <a:rPr b="0" lang="en-GB" sz="1800" spc="-1" strike="noStrike">
-                <a:latin typeface="Arial"/>
-              </a:rPr>
-              <a:t>c</a:t>
-            </a:r>
-            <a:r>
-              <a:rPr b="0" lang="en-GB" sz="1800" spc="-1" strike="noStrike">
-                <a:latin typeface="Arial"/>
-              </a:rPr>
-              <a:t>k</a:t>
-            </a:r>
-            <a:r>
-              <a:rPr b="0" lang="en-GB" sz="1800" spc="-1" strike="noStrike">
-                <a:latin typeface="Arial"/>
-              </a:rPr>
-              <a:t> </a:t>
-            </a:r>
-            <a:r>
-              <a:rPr b="0" lang="en-GB" sz="1800" spc="-1" strike="noStrike">
-                <a:latin typeface="Arial"/>
-              </a:rPr>
-              <a:t>t</a:t>
-            </a:r>
-            <a:r>
-              <a:rPr b="0" lang="en-GB" sz="1800" spc="-1" strike="noStrike">
-                <a:latin typeface="Arial"/>
-              </a:rPr>
-              <a:t>o</a:t>
-            </a:r>
-            <a:r>
-              <a:rPr b="0" lang="en-GB" sz="1800" spc="-1" strike="noStrike">
-                <a:latin typeface="Arial"/>
-              </a:rPr>
-              <a:t> </a:t>
-            </a:r>
-            <a:r>
-              <a:rPr b="0" lang="en-GB" sz="1800" spc="-1" strike="noStrike">
-                <a:latin typeface="Arial"/>
-              </a:rPr>
-              <a:t>e</a:t>
-            </a:r>
-            <a:r>
-              <a:rPr b="0" lang="en-GB" sz="1800" spc="-1" strike="noStrike">
-                <a:latin typeface="Arial"/>
-              </a:rPr>
-              <a:t>d</a:t>
-            </a:r>
-            <a:r>
-              <a:rPr b="0" lang="en-GB" sz="1800" spc="-1" strike="noStrike">
-                <a:latin typeface="Arial"/>
-              </a:rPr>
-              <a:t>i</a:t>
-            </a:r>
-            <a:r>
-              <a:rPr b="0" lang="en-GB" sz="1800" spc="-1" strike="noStrike">
-                <a:latin typeface="Arial"/>
-              </a:rPr>
-              <a:t>t </a:t>
-            </a:r>
-            <a:r>
-              <a:rPr b="0" lang="en-GB" sz="1800" spc="-1" strike="noStrike">
-                <a:latin typeface="Arial"/>
-              </a:rPr>
-              <a:t>t</a:t>
-            </a:r>
-            <a:r>
-              <a:rPr b="0" lang="en-GB" sz="1800" spc="-1" strike="noStrike">
-                <a:latin typeface="Arial"/>
-              </a:rPr>
-              <a:t>h</a:t>
-            </a:r>
-            <a:r>
-              <a:rPr b="0" lang="en-GB" sz="1800" spc="-1" strike="noStrike">
-                <a:latin typeface="Arial"/>
-              </a:rPr>
-              <a:t>e</a:t>
-            </a:r>
-            <a:r>
-              <a:rPr b="0" lang="en-GB" sz="1800" spc="-1" strike="noStrike">
-                <a:latin typeface="Arial"/>
-              </a:rPr>
-              <a:t> </a:t>
-            </a:r>
-            <a:r>
-              <a:rPr b="0" lang="en-GB" sz="1800" spc="-1" strike="noStrike">
-                <a:latin typeface="Arial"/>
-              </a:rPr>
-              <a:t>t</a:t>
-            </a:r>
-            <a:r>
-              <a:rPr b="0" lang="en-GB" sz="1800" spc="-1" strike="noStrike">
-                <a:latin typeface="Arial"/>
-              </a:rPr>
-              <a:t>i</a:t>
-            </a:r>
-            <a:r>
-              <a:rPr b="0" lang="en-GB" sz="1800" spc="-1" strike="noStrike">
-                <a:latin typeface="Arial"/>
-              </a:rPr>
-              <a:t>t</a:t>
-            </a:r>
-            <a:r>
-              <a:rPr b="0" lang="en-GB" sz="1800" spc="-1" strike="noStrike">
-                <a:latin typeface="Arial"/>
-              </a:rPr>
-              <a:t>l</a:t>
-            </a:r>
-            <a:r>
-              <a:rPr b="0" lang="en-GB" sz="1800" spc="-1" strike="noStrike">
-                <a:latin typeface="Arial"/>
-              </a:rPr>
-              <a:t>e</a:t>
-            </a:r>
-            <a:r>
-              <a:rPr b="0" lang="en-GB" sz="1800" spc="-1" strike="noStrike">
-                <a:latin typeface="Arial"/>
-              </a:rPr>
-              <a:t> </a:t>
-            </a:r>
-            <a:r>
-              <a:rPr b="0" lang="en-GB" sz="1800" spc="-1" strike="noStrike">
-                <a:latin typeface="Arial"/>
-              </a:rPr>
-              <a:t>t</a:t>
-            </a:r>
-            <a:r>
-              <a:rPr b="0" lang="en-GB" sz="1800" spc="-1" strike="noStrike">
-                <a:latin typeface="Arial"/>
-              </a:rPr>
-              <a:t>e</a:t>
-            </a:r>
-            <a:r>
-              <a:rPr b="0" lang="en-GB" sz="1800" spc="-1" strike="noStrike">
-                <a:latin typeface="Arial"/>
-              </a:rPr>
-              <a:t>x</a:t>
-            </a:r>
-            <a:r>
-              <a:rPr b="0" lang="en-GB" sz="1800" spc="-1" strike="noStrike">
-                <a:latin typeface="Arial"/>
-              </a:rPr>
-              <a:t>t </a:t>
-            </a:r>
-            <a:r>
-              <a:rPr b="0" lang="en-GB" sz="1800" spc="-1" strike="noStrike">
-                <a:latin typeface="Arial"/>
-              </a:rPr>
-              <a:t>f</a:t>
-            </a:r>
-            <a:r>
-              <a:rPr b="0" lang="en-GB" sz="1800" spc="-1" strike="noStrike">
-                <a:latin typeface="Arial"/>
-              </a:rPr>
-              <a:t>o</a:t>
-            </a:r>
-            <a:r>
-              <a:rPr b="0" lang="en-GB" sz="1800" spc="-1" strike="noStrike">
-                <a:latin typeface="Arial"/>
-              </a:rPr>
-              <a:t>r</a:t>
-            </a:r>
-            <a:r>
-              <a:rPr b="0" lang="en-GB" sz="1800" spc="-1" strike="noStrike">
-                <a:latin typeface="Arial"/>
-              </a:rPr>
-              <a:t>m</a:t>
-            </a:r>
-            <a:r>
-              <a:rPr b="0" lang="en-GB" sz="1800" spc="-1" strike="noStrike">
-                <a:latin typeface="Arial"/>
-              </a:rPr>
-              <a:t>a</a:t>
-            </a:r>
-            <a:r>
-              <a:rPr b="0" lang="en-GB" sz="1800" spc="-1" strike="noStrike">
-                <a:latin typeface="Arial"/>
-              </a:rPr>
-              <a:t>t</a:t>
+              <a:t>Click to edit the title text format</a:t>
             </a:r>
             <a:endParaRPr b="0" lang="en-GB" sz="1800" spc="-1" strike="noStrike">
               <a:latin typeface="Arial"/>
@@ -6871,8 +6679,13 @@
                 </a:solidFill>
                 <a:latin typeface="Century Gothic"/>
               </a:rPr>
-              <a:t>R</a:t>
-            </a:r>
+              <a:t>Requirements</a:t>
+            </a:r>
+            <a:endParaRPr b="0" lang="en-GB" sz="2200" spc="-1" strike="noStrike">
+              <a:latin typeface="Arial"/>
+            </a:endParaRPr>
+          </a:p>
+          <a:p>
             <a:r>
               <a:rPr b="0" lang="en-GB" sz="2200" spc="-1" strike="noStrike">
                 <a:solidFill>
@@ -6880,327 +6693,25 @@
                 </a:solidFill>
                 <a:latin typeface="Century Gothic"/>
               </a:rPr>
-              <a:t>e</a:t>
-            </a:r>
-            <a:r>
-              <a:rPr b="0" lang="en-GB" sz="2200" spc="-1" strike="noStrike">
-                <a:solidFill>
-                  <a:srgbClr val="ffffff"/>
-                </a:solidFill>
-                <a:latin typeface="Century Gothic"/>
-              </a:rPr>
-              <a:t>q</a:t>
-            </a:r>
-            <a:r>
-              <a:rPr b="0" lang="en-GB" sz="2200" spc="-1" strike="noStrike">
-                <a:solidFill>
-                  <a:srgbClr val="ffffff"/>
-                </a:solidFill>
-                <a:latin typeface="Century Gothic"/>
-              </a:rPr>
-              <a:t>u</a:t>
-            </a:r>
-            <a:r>
-              <a:rPr b="0" lang="en-GB" sz="2200" spc="-1" strike="noStrike">
-                <a:solidFill>
-                  <a:srgbClr val="ffffff"/>
-                </a:solidFill>
-                <a:latin typeface="Century Gothic"/>
-              </a:rPr>
-              <a:t>i</a:t>
-            </a:r>
-            <a:r>
-              <a:rPr b="0" lang="en-GB" sz="2200" spc="-1" strike="noStrike">
-                <a:solidFill>
-                  <a:srgbClr val="ffffff"/>
-                </a:solidFill>
-                <a:latin typeface="Century Gothic"/>
-              </a:rPr>
-              <a:t>r</a:t>
-            </a:r>
-            <a:r>
-              <a:rPr b="0" lang="en-GB" sz="2200" spc="-1" strike="noStrike">
-                <a:solidFill>
-                  <a:srgbClr val="ffffff"/>
-                </a:solidFill>
-                <a:latin typeface="Century Gothic"/>
-              </a:rPr>
-              <a:t>e</a:t>
-            </a:r>
-            <a:r>
-              <a:rPr b="0" lang="en-GB" sz="2200" spc="-1" strike="noStrike">
-                <a:solidFill>
-                  <a:srgbClr val="ffffff"/>
-                </a:solidFill>
-                <a:latin typeface="Century Gothic"/>
-              </a:rPr>
-              <a:t>m</a:t>
-            </a:r>
-            <a:r>
-              <a:rPr b="0" lang="en-GB" sz="2200" spc="-1" strike="noStrike">
-                <a:solidFill>
-                  <a:srgbClr val="ffffff"/>
-                </a:solidFill>
-                <a:latin typeface="Century Gothic"/>
-              </a:rPr>
-              <a:t>e</a:t>
-            </a:r>
-            <a:r>
-              <a:rPr b="0" lang="en-GB" sz="2200" spc="-1" strike="noStrike">
-                <a:solidFill>
-                  <a:srgbClr val="ffffff"/>
-                </a:solidFill>
-                <a:latin typeface="Century Gothic"/>
-              </a:rPr>
-              <a:t>n</a:t>
-            </a:r>
-            <a:r>
-              <a:rPr b="0" lang="en-GB" sz="2200" spc="-1" strike="noStrike">
-                <a:solidFill>
-                  <a:srgbClr val="ffffff"/>
-                </a:solidFill>
-                <a:latin typeface="Century Gothic"/>
-              </a:rPr>
-              <a:t>t</a:t>
-            </a:r>
-            <a:r>
-              <a:rPr b="0" lang="en-GB" sz="2200" spc="-1" strike="noStrike">
-                <a:solidFill>
-                  <a:srgbClr val="ffffff"/>
-                </a:solidFill>
-                <a:latin typeface="Century Gothic"/>
-              </a:rPr>
-              <a:t>s</a:t>
-            </a:r>
-            <a:endParaRPr b="0" lang="en-GB" sz="2200" spc="-1" strike="noStrike">
-              <a:latin typeface="Arial"/>
-            </a:endParaRPr>
-          </a:p>
-          <a:p>
-            <a:r>
-              <a:rPr b="0" lang="en-GB" sz="2200" spc="-1" strike="noStrike">
-                <a:solidFill>
-                  <a:srgbClr val="ffffff"/>
-                </a:solidFill>
-                <a:latin typeface="Century Gothic"/>
-              </a:rPr>
-              <a:t>-</a:t>
-            </a:r>
-            <a:r>
-              <a:rPr b="0" lang="en-GB" sz="2200" spc="-1" strike="noStrike">
-                <a:solidFill>
-                  <a:srgbClr val="ffffff"/>
-                </a:solidFill>
-                <a:latin typeface="Century Gothic"/>
-              </a:rPr>
-              <a:t> </a:t>
-            </a:r>
-            <a:r>
-              <a:rPr b="0" lang="en-GB" sz="1800" spc="-1" strike="noStrike">
-                <a:solidFill>
-                  <a:srgbClr val="ffffff"/>
-                </a:solidFill>
-                <a:latin typeface="Century Gothic"/>
-              </a:rPr>
-              <a:t>S</a:t>
-            </a:r>
-            <a:r>
-              <a:rPr b="0" lang="en-GB" sz="1800" spc="-1" strike="noStrike">
-                <a:solidFill>
-                  <a:srgbClr val="ffffff"/>
-                </a:solidFill>
-                <a:latin typeface="Century Gothic"/>
-              </a:rPr>
-              <a:t>t</a:t>
-            </a:r>
-            <a:r>
-              <a:rPr b="0" lang="en-GB" sz="1800" spc="-1" strike="noStrike">
-                <a:solidFill>
-                  <a:srgbClr val="ffffff"/>
-                </a:solidFill>
-                <a:latin typeface="Century Gothic"/>
-              </a:rPr>
-              <a:t>a</a:t>
-            </a:r>
-            <a:r>
-              <a:rPr b="0" lang="en-GB" sz="1800" spc="-1" strike="noStrike">
-                <a:solidFill>
-                  <a:srgbClr val="ffffff"/>
-                </a:solidFill>
-                <a:latin typeface="Century Gothic"/>
-              </a:rPr>
-              <a:t>n</a:t>
-            </a:r>
-            <a:r>
-              <a:rPr b="0" lang="en-GB" sz="1800" spc="-1" strike="noStrike">
-                <a:solidFill>
-                  <a:srgbClr val="ffffff"/>
-                </a:solidFill>
-                <a:latin typeface="Century Gothic"/>
-              </a:rPr>
-              <a:t>d</a:t>
-            </a:r>
-            <a:r>
-              <a:rPr b="0" lang="en-GB" sz="1800" spc="-1" strike="noStrike">
-                <a:solidFill>
-                  <a:srgbClr val="ffffff"/>
-                </a:solidFill>
-                <a:latin typeface="Century Gothic"/>
-              </a:rPr>
-              <a:t> </a:t>
-            </a:r>
-            <a:r>
-              <a:rPr b="0" lang="en-GB" sz="1800" spc="-1" strike="noStrike">
-                <a:solidFill>
-                  <a:srgbClr val="ffffff"/>
-                </a:solidFill>
-                <a:latin typeface="Century Gothic"/>
-              </a:rPr>
-              <a:t>a</a:t>
-            </a:r>
-            <a:r>
-              <a:rPr b="0" lang="en-GB" sz="1800" spc="-1" strike="noStrike">
-                <a:solidFill>
-                  <a:srgbClr val="ffffff"/>
-                </a:solidFill>
-                <a:latin typeface="Century Gothic"/>
-              </a:rPr>
-              <a:t>l</a:t>
-            </a:r>
-            <a:r>
-              <a:rPr b="0" lang="en-GB" sz="1800" spc="-1" strike="noStrike">
-                <a:solidFill>
-                  <a:srgbClr val="ffffff"/>
-                </a:solidFill>
-                <a:latin typeface="Century Gothic"/>
-              </a:rPr>
-              <a:t>o</a:t>
-            </a:r>
-            <a:r>
-              <a:rPr b="0" lang="en-GB" sz="1800" spc="-1" strike="noStrike">
-                <a:solidFill>
-                  <a:srgbClr val="ffffff"/>
-                </a:solidFill>
-                <a:latin typeface="Century Gothic"/>
-              </a:rPr>
-              <a:t>n</a:t>
-            </a:r>
-            <a:r>
-              <a:rPr b="0" lang="en-GB" sz="1800" spc="-1" strike="noStrike">
-                <a:solidFill>
-                  <a:srgbClr val="ffffff"/>
-                </a:solidFill>
-                <a:latin typeface="Century Gothic"/>
-              </a:rPr>
-              <a:t>e</a:t>
-            </a:r>
-            <a:r>
-              <a:rPr b="0" lang="en-GB" sz="1800" spc="-1" strike="noStrike">
-                <a:solidFill>
-                  <a:srgbClr val="ffffff"/>
-                </a:solidFill>
-                <a:latin typeface="Century Gothic"/>
-              </a:rPr>
-              <a:t> </a:t>
-            </a:r>
-            <a:r>
-              <a:rPr b="0" lang="en-GB" sz="1800" spc="-1" strike="noStrike">
-                <a:solidFill>
-                  <a:srgbClr val="ffffff"/>
-                </a:solidFill>
-                <a:latin typeface="Century Gothic"/>
-              </a:rPr>
-              <a:t>a</a:t>
-            </a:r>
-            <a:r>
-              <a:rPr b="0" lang="en-GB" sz="1800" spc="-1" strike="noStrike">
-                <a:solidFill>
-                  <a:srgbClr val="ffffff"/>
-                </a:solidFill>
-                <a:latin typeface="Century Gothic"/>
-              </a:rPr>
-              <a:t>r</a:t>
-            </a:r>
-            <a:r>
-              <a:rPr b="0" lang="en-GB" sz="1800" spc="-1" strike="noStrike">
-                <a:solidFill>
-                  <a:srgbClr val="ffffff"/>
-                </a:solidFill>
-                <a:latin typeface="Century Gothic"/>
-              </a:rPr>
-              <a:t>c</a:t>
-            </a:r>
-            <a:r>
-              <a:rPr b="0" lang="en-GB" sz="1800" spc="-1" strike="noStrike">
-                <a:solidFill>
-                  <a:srgbClr val="ffffff"/>
-                </a:solidFill>
-                <a:latin typeface="Century Gothic"/>
-              </a:rPr>
-              <a:t>a</a:t>
-            </a:r>
-            <a:r>
-              <a:rPr b="0" lang="en-GB" sz="1800" spc="-1" strike="noStrike">
-                <a:solidFill>
-                  <a:srgbClr val="ffffff"/>
-                </a:solidFill>
-                <a:latin typeface="Century Gothic"/>
-              </a:rPr>
-              <a:t>d</a:t>
-            </a:r>
-            <a:r>
-              <a:rPr b="0" lang="en-GB" sz="1800" spc="-1" strike="noStrike">
-                <a:solidFill>
-                  <a:srgbClr val="ffffff"/>
-                </a:solidFill>
-                <a:latin typeface="Century Gothic"/>
-              </a:rPr>
-              <a:t>e</a:t>
-            </a:r>
-            <a:r>
-              <a:rPr b="0" lang="en-GB" sz="1800" spc="-1" strike="noStrike">
-                <a:solidFill>
-                  <a:srgbClr val="ffffff"/>
-                </a:solidFill>
-                <a:latin typeface="Century Gothic"/>
-              </a:rPr>
-              <a:t> </a:t>
-            </a:r>
-            <a:r>
-              <a:rPr b="0" lang="en-GB" sz="1800" spc="-1" strike="noStrike">
-                <a:solidFill>
-                  <a:srgbClr val="ffffff"/>
-                </a:solidFill>
-                <a:latin typeface="Century Gothic"/>
-              </a:rPr>
-              <a:t>G</a:t>
-            </a:r>
-            <a:r>
-              <a:rPr b="0" lang="en-GB" sz="1800" spc="-1" strike="noStrike">
-                <a:solidFill>
-                  <a:srgbClr val="ffffff"/>
-                </a:solidFill>
-                <a:latin typeface="Century Gothic"/>
-              </a:rPr>
-              <a:t>a</a:t>
-            </a:r>
-            <a:r>
-              <a:rPr b="0" lang="en-GB" sz="1800" spc="-1" strike="noStrike">
-                <a:solidFill>
-                  <a:srgbClr val="ffffff"/>
-                </a:solidFill>
-                <a:latin typeface="Century Gothic"/>
-              </a:rPr>
-              <a:t>m</a:t>
-            </a:r>
-            <a:r>
-              <a:rPr b="0" lang="en-GB" sz="1800" spc="-1" strike="noStrike">
-                <a:solidFill>
-                  <a:srgbClr val="ffffff"/>
-                </a:solidFill>
-                <a:latin typeface="Century Gothic"/>
-              </a:rPr>
-              <a:t>e</a:t>
+              <a:t>- </a:t>
+            </a:r>
+            <a:r>
+              <a:rPr b="0" lang="en-GB" sz="1800" spc="-1" strike="noStrike">
+                <a:solidFill>
+                  <a:srgbClr val="ffffff"/>
+                </a:solidFill>
+                <a:latin typeface="Century Gothic"/>
+              </a:rPr>
+              <a:t>Stand alone arcade </a:t>
+            </a:r>
+            <a:r>
+              <a:rPr b="0" lang="en-GB" sz="1800" spc="-1" strike="noStrike">
+                <a:solidFill>
+                  <a:srgbClr val="ffffff"/>
+                </a:solidFill>
+                <a:latin typeface="Century Gothic"/>
+              </a:rPr>
+              <a:t>Game</a:t>
             </a:r>
             <a:endParaRPr b="0" lang="en-GB" sz="1800" spc="-1" strike="noStrike">
               <a:latin typeface="Arial"/>
@@ -7214,178 +6725,7 @@
                 </a:solidFill>
                 <a:latin typeface="Century Gothic"/>
               </a:rPr>
-              <a:t>-</a:t>
-            </a:r>
-            <a:r>
-              <a:rPr b="0" lang="en-GB" sz="1800" spc="-1" strike="noStrike">
-                <a:solidFill>
-                  <a:srgbClr val="ffffff"/>
-                </a:solidFill>
-                <a:latin typeface="Century Gothic"/>
-              </a:rPr>
-              <a:t> </a:t>
-            </a:r>
-            <a:r>
-              <a:rPr b="0" lang="en-GB" sz="1800" spc="-1" strike="noStrike">
-                <a:solidFill>
-                  <a:srgbClr val="ffffff"/>
-                </a:solidFill>
-                <a:latin typeface="Century Gothic"/>
-              </a:rPr>
-              <a:t>S</a:t>
-            </a:r>
-            <a:r>
-              <a:rPr b="0" lang="en-GB" sz="1800" spc="-1" strike="noStrike">
-                <a:solidFill>
-                  <a:srgbClr val="ffffff"/>
-                </a:solidFill>
-                <a:latin typeface="Century Gothic"/>
-              </a:rPr>
-              <a:t>m</a:t>
-            </a:r>
-            <a:r>
-              <a:rPr b="0" lang="en-GB" sz="1800" spc="-1" strike="noStrike">
-                <a:solidFill>
-                  <a:srgbClr val="ffffff"/>
-                </a:solidFill>
-                <a:latin typeface="Century Gothic"/>
-              </a:rPr>
-              <a:t>a</a:t>
-            </a:r>
-            <a:r>
-              <a:rPr b="0" lang="en-GB" sz="1800" spc="-1" strike="noStrike">
-                <a:solidFill>
-                  <a:srgbClr val="ffffff"/>
-                </a:solidFill>
-                <a:latin typeface="Century Gothic"/>
-              </a:rPr>
-              <a:t>l</a:t>
-            </a:r>
-            <a:r>
-              <a:rPr b="0" lang="en-GB" sz="1800" spc="-1" strike="noStrike">
-                <a:solidFill>
-                  <a:srgbClr val="ffffff"/>
-                </a:solidFill>
-                <a:latin typeface="Century Gothic"/>
-              </a:rPr>
-              <a:t>l</a:t>
-            </a:r>
-            <a:r>
-              <a:rPr b="0" lang="en-GB" sz="1800" spc="-1" strike="noStrike">
-                <a:solidFill>
-                  <a:srgbClr val="ffffff"/>
-                </a:solidFill>
-                <a:latin typeface="Century Gothic"/>
-              </a:rPr>
-              <a:t>,</a:t>
-            </a:r>
-            <a:r>
-              <a:rPr b="0" lang="en-GB" sz="1800" spc="-1" strike="noStrike">
-                <a:solidFill>
-                  <a:srgbClr val="ffffff"/>
-                </a:solidFill>
-                <a:latin typeface="Century Gothic"/>
-              </a:rPr>
-              <a:t> </a:t>
-            </a:r>
-            <a:r>
-              <a:rPr b="0" lang="en-GB" sz="1800" spc="-1" strike="noStrike">
-                <a:solidFill>
-                  <a:srgbClr val="ffffff"/>
-                </a:solidFill>
-                <a:latin typeface="Century Gothic"/>
-              </a:rPr>
-              <a:t>f</a:t>
-            </a:r>
-            <a:r>
-              <a:rPr b="0" lang="en-GB" sz="1800" spc="-1" strike="noStrike">
-                <a:solidFill>
-                  <a:srgbClr val="ffffff"/>
-                </a:solidFill>
-                <a:latin typeface="Century Gothic"/>
-              </a:rPr>
-              <a:t>i</a:t>
-            </a:r>
-            <a:r>
-              <a:rPr b="0" lang="en-GB" sz="1800" spc="-1" strike="noStrike">
-                <a:solidFill>
-                  <a:srgbClr val="ffffff"/>
-                </a:solidFill>
-                <a:latin typeface="Century Gothic"/>
-              </a:rPr>
-              <a:t>t</a:t>
-            </a:r>
-            <a:r>
-              <a:rPr b="0" lang="en-GB" sz="1800" spc="-1" strike="noStrike">
-                <a:solidFill>
-                  <a:srgbClr val="ffffff"/>
-                </a:solidFill>
-                <a:latin typeface="Century Gothic"/>
-              </a:rPr>
-              <a:t> </a:t>
-            </a:r>
-            <a:r>
-              <a:rPr b="0" lang="en-GB" sz="1800" spc="-1" strike="noStrike">
-                <a:solidFill>
-                  <a:srgbClr val="ffffff"/>
-                </a:solidFill>
-                <a:latin typeface="Century Gothic"/>
-              </a:rPr>
-              <a:t>o</a:t>
-            </a:r>
-            <a:r>
-              <a:rPr b="0" lang="en-GB" sz="1800" spc="-1" strike="noStrike">
-                <a:solidFill>
-                  <a:srgbClr val="ffffff"/>
-                </a:solidFill>
-                <a:latin typeface="Century Gothic"/>
-              </a:rPr>
-              <a:t>n</a:t>
-            </a:r>
-            <a:r>
-              <a:rPr b="0" lang="en-GB" sz="1800" spc="-1" strike="noStrike">
-                <a:solidFill>
-                  <a:srgbClr val="ffffff"/>
-                </a:solidFill>
-                <a:latin typeface="Century Gothic"/>
-              </a:rPr>
-              <a:t> </a:t>
-            </a:r>
-            <a:r>
-              <a:rPr b="0" lang="en-GB" sz="1800" spc="-1" strike="noStrike">
-                <a:solidFill>
-                  <a:srgbClr val="ffffff"/>
-                </a:solidFill>
-                <a:latin typeface="Century Gothic"/>
-              </a:rPr>
-              <a:t>d</a:t>
-            </a:r>
-            <a:r>
-              <a:rPr b="0" lang="en-GB" sz="1800" spc="-1" strike="noStrike">
-                <a:solidFill>
-                  <a:srgbClr val="ffffff"/>
-                </a:solidFill>
-                <a:latin typeface="Century Gothic"/>
-              </a:rPr>
-              <a:t>e</a:t>
-            </a:r>
-            <a:r>
-              <a:rPr b="0" lang="en-GB" sz="1800" spc="-1" strike="noStrike">
-                <a:solidFill>
-                  <a:srgbClr val="ffffff"/>
-                </a:solidFill>
-                <a:latin typeface="Century Gothic"/>
-              </a:rPr>
-              <a:t>s</a:t>
-            </a:r>
-            <a:r>
-              <a:rPr b="0" lang="en-GB" sz="1800" spc="-1" strike="noStrike">
-                <a:solidFill>
-                  <a:srgbClr val="ffffff"/>
-                </a:solidFill>
-                <a:latin typeface="Century Gothic"/>
-              </a:rPr>
-              <a:t>k</a:t>
+              <a:t>- Small, fit on desk</a:t>
             </a:r>
             <a:endParaRPr b="0" lang="en-GB" sz="1800" spc="-1" strike="noStrike">
               <a:latin typeface="Arial"/>
@@ -7399,106 +6739,7 @@
                 </a:solidFill>
                 <a:latin typeface="Century Gothic"/>
               </a:rPr>
-              <a:t>-</a:t>
-            </a:r>
-            <a:r>
-              <a:rPr b="0" lang="en-GB" sz="1800" spc="-1" strike="noStrike">
-                <a:solidFill>
-                  <a:srgbClr val="ffffff"/>
-                </a:solidFill>
-                <a:latin typeface="Century Gothic"/>
-              </a:rPr>
-              <a:t>E</a:t>
-            </a:r>
-            <a:r>
-              <a:rPr b="0" lang="en-GB" sz="1800" spc="-1" strike="noStrike">
-                <a:solidFill>
-                  <a:srgbClr val="ffffff"/>
-                </a:solidFill>
-                <a:latin typeface="Century Gothic"/>
-              </a:rPr>
-              <a:t>c</a:t>
-            </a:r>
-            <a:r>
-              <a:rPr b="0" lang="en-GB" sz="1800" spc="-1" strike="noStrike">
-                <a:solidFill>
-                  <a:srgbClr val="ffffff"/>
-                </a:solidFill>
-                <a:latin typeface="Century Gothic"/>
-              </a:rPr>
-              <a:t>o</a:t>
-            </a:r>
-            <a:r>
-              <a:rPr b="0" lang="en-GB" sz="1800" spc="-1" strike="noStrike">
-                <a:solidFill>
-                  <a:srgbClr val="ffffff"/>
-                </a:solidFill>
-                <a:latin typeface="Century Gothic"/>
-              </a:rPr>
-              <a:t>n</a:t>
-            </a:r>
-            <a:r>
-              <a:rPr b="0" lang="en-GB" sz="1800" spc="-1" strike="noStrike">
-                <a:solidFill>
-                  <a:srgbClr val="ffffff"/>
-                </a:solidFill>
-                <a:latin typeface="Century Gothic"/>
-              </a:rPr>
-              <a:t>o</a:t>
-            </a:r>
-            <a:r>
-              <a:rPr b="0" lang="en-GB" sz="1800" spc="-1" strike="noStrike">
-                <a:solidFill>
-                  <a:srgbClr val="ffffff"/>
-                </a:solidFill>
-                <a:latin typeface="Century Gothic"/>
-              </a:rPr>
-              <a:t>m</a:t>
-            </a:r>
-            <a:r>
-              <a:rPr b="0" lang="en-GB" sz="1800" spc="-1" strike="noStrike">
-                <a:solidFill>
-                  <a:srgbClr val="ffffff"/>
-                </a:solidFill>
-                <a:latin typeface="Century Gothic"/>
-              </a:rPr>
-              <a:t>i</a:t>
-            </a:r>
-            <a:r>
-              <a:rPr b="0" lang="en-GB" sz="1800" spc="-1" strike="noStrike">
-                <a:solidFill>
-                  <a:srgbClr val="ffffff"/>
-                </a:solidFill>
-                <a:latin typeface="Century Gothic"/>
-              </a:rPr>
-              <a:t>c</a:t>
-            </a:r>
-            <a:r>
-              <a:rPr b="0" lang="en-GB" sz="1800" spc="-1" strike="noStrike">
-                <a:solidFill>
-                  <a:srgbClr val="ffffff"/>
-                </a:solidFill>
-                <a:latin typeface="Century Gothic"/>
-              </a:rPr>
-              <a:t>a</a:t>
-            </a:r>
-            <a:r>
-              <a:rPr b="0" lang="en-GB" sz="1800" spc="-1" strike="noStrike">
-                <a:solidFill>
-                  <a:srgbClr val="ffffff"/>
-                </a:solidFill>
-                <a:latin typeface="Century Gothic"/>
-              </a:rPr>
-              <a:t>l</a:t>
-            </a:r>
-            <a:r>
-              <a:rPr b="0" lang="en-GB" sz="1800" spc="-1" strike="noStrike">
-                <a:solidFill>
-                  <a:srgbClr val="ffffff"/>
-                </a:solidFill>
-                <a:latin typeface="Century Gothic"/>
-              </a:rPr>
-              <a:t> </a:t>
+              <a:t>-Economical </a:t>
             </a:r>
             <a:endParaRPr b="0" lang="en-GB" sz="1800" spc="-1" strike="noStrike">
               <a:latin typeface="Arial"/>
@@ -7512,223 +6753,16 @@
                 </a:solidFill>
                 <a:latin typeface="Century Gothic"/>
               </a:rPr>
-              <a:t>-</a:t>
-            </a:r>
-            <a:r>
-              <a:rPr b="0" lang="en-GB" sz="1800" spc="-1" strike="noStrike">
-                <a:solidFill>
-                  <a:srgbClr val="ffffff"/>
-                </a:solidFill>
-                <a:latin typeface="Century Gothic"/>
-              </a:rPr>
-              <a:t> </a:t>
-            </a:r>
-            <a:r>
-              <a:rPr b="0" lang="en-GB" sz="1800" spc="-1" strike="noStrike">
-                <a:solidFill>
-                  <a:srgbClr val="ffffff"/>
-                </a:solidFill>
-                <a:latin typeface="Century Gothic"/>
-              </a:rPr>
-              <a:t>R</a:t>
-            </a:r>
-            <a:r>
-              <a:rPr b="0" lang="en-GB" sz="1800" spc="-1" strike="noStrike">
-                <a:solidFill>
-                  <a:srgbClr val="ffffff"/>
-                </a:solidFill>
-                <a:latin typeface="Century Gothic"/>
-              </a:rPr>
-              <a:t>e</a:t>
-            </a:r>
-            <a:r>
-              <a:rPr b="0" lang="en-GB" sz="1800" spc="-1" strike="noStrike">
-                <a:solidFill>
-                  <a:srgbClr val="ffffff"/>
-                </a:solidFill>
-                <a:latin typeface="Century Gothic"/>
-              </a:rPr>
-              <a:t>t</a:t>
-            </a:r>
-            <a:r>
-              <a:rPr b="0" lang="en-GB" sz="1800" spc="-1" strike="noStrike">
-                <a:solidFill>
-                  <a:srgbClr val="ffffff"/>
-                </a:solidFill>
-                <a:latin typeface="Century Gothic"/>
-              </a:rPr>
-              <a:t>r</a:t>
-            </a:r>
-            <a:r>
-              <a:rPr b="0" lang="en-GB" sz="1800" spc="-1" strike="noStrike">
-                <a:solidFill>
-                  <a:srgbClr val="ffffff"/>
-                </a:solidFill>
-                <a:latin typeface="Century Gothic"/>
-              </a:rPr>
-              <a:t>o</a:t>
-            </a:r>
-            <a:r>
-              <a:rPr b="0" lang="en-GB" sz="1800" spc="-1" strike="noStrike">
-                <a:solidFill>
-                  <a:srgbClr val="ffffff"/>
-                </a:solidFill>
-                <a:latin typeface="Century Gothic"/>
-              </a:rPr>
-              <a:t>,</a:t>
-            </a:r>
-            <a:r>
-              <a:rPr b="0" lang="en-GB" sz="1800" spc="-1" strike="noStrike">
-                <a:solidFill>
-                  <a:srgbClr val="ffffff"/>
-                </a:solidFill>
-                <a:latin typeface="Century Gothic"/>
-              </a:rPr>
-              <a:t> </a:t>
-            </a:r>
-            <a:r>
-              <a:rPr b="0" lang="en-GB" sz="1800" spc="-1" strike="noStrike">
-                <a:solidFill>
-                  <a:srgbClr val="ffffff"/>
-                </a:solidFill>
-                <a:latin typeface="Century Gothic"/>
-              </a:rPr>
-              <a:t>l</a:t>
-            </a:r>
-            <a:r>
-              <a:rPr b="0" lang="en-GB" sz="1800" spc="-1" strike="noStrike">
-                <a:solidFill>
-                  <a:srgbClr val="ffffff"/>
-                </a:solidFill>
-                <a:latin typeface="Century Gothic"/>
-              </a:rPr>
-              <a:t>i</a:t>
-            </a:r>
-            <a:r>
-              <a:rPr b="0" lang="en-GB" sz="1800" spc="-1" strike="noStrike">
-                <a:solidFill>
-                  <a:srgbClr val="ffffff"/>
-                </a:solidFill>
-                <a:latin typeface="Century Gothic"/>
-              </a:rPr>
-              <a:t>k</a:t>
-            </a:r>
-            <a:r>
-              <a:rPr b="0" lang="en-GB" sz="1800" spc="-1" strike="noStrike">
-                <a:solidFill>
-                  <a:srgbClr val="ffffff"/>
-                </a:solidFill>
-                <a:latin typeface="Century Gothic"/>
-              </a:rPr>
-              <a:t>e</a:t>
-            </a:r>
-            <a:r>
-              <a:rPr b="0" lang="en-GB" sz="1800" spc="-1" strike="noStrike">
-                <a:solidFill>
-                  <a:srgbClr val="ffffff"/>
-                </a:solidFill>
-                <a:latin typeface="Century Gothic"/>
-              </a:rPr>
-              <a:t> </a:t>
-            </a:r>
-            <a:r>
-              <a:rPr b="0" lang="en-GB" sz="1800" spc="-1" strike="noStrike">
-                <a:solidFill>
-                  <a:srgbClr val="ffffff"/>
-                </a:solidFill>
-                <a:latin typeface="Century Gothic"/>
-              </a:rPr>
-              <a:t>o</a:t>
-            </a:r>
-            <a:r>
-              <a:rPr b="0" lang="en-GB" sz="1800" spc="-1" strike="noStrike">
-                <a:solidFill>
-                  <a:srgbClr val="ffffff"/>
-                </a:solidFill>
-                <a:latin typeface="Century Gothic"/>
-              </a:rPr>
-              <a:t>l</a:t>
-            </a:r>
-            <a:r>
-              <a:rPr b="0" lang="en-GB" sz="1800" spc="-1" strike="noStrike">
-                <a:solidFill>
-                  <a:srgbClr val="ffffff"/>
-                </a:solidFill>
-                <a:latin typeface="Century Gothic"/>
-              </a:rPr>
-              <a:t>d</a:t>
-            </a:r>
-            <a:r>
-              <a:rPr b="0" lang="en-GB" sz="1800" spc="-1" strike="noStrike">
-                <a:solidFill>
-                  <a:srgbClr val="ffffff"/>
-                </a:solidFill>
-                <a:latin typeface="Century Gothic"/>
-              </a:rPr>
-              <a:t> </a:t>
-            </a:r>
-            <a:r>
-              <a:rPr b="0" lang="en-GB" sz="1800" spc="-1" strike="noStrike">
-                <a:solidFill>
-                  <a:srgbClr val="ffffff"/>
-                </a:solidFill>
-                <a:latin typeface="Century Gothic"/>
-              </a:rPr>
-              <a:t>a</a:t>
-            </a:r>
-            <a:r>
-              <a:rPr b="0" lang="en-GB" sz="1800" spc="-1" strike="noStrike">
-                <a:solidFill>
-                  <a:srgbClr val="ffffff"/>
-                </a:solidFill>
-                <a:latin typeface="Century Gothic"/>
-              </a:rPr>
-              <a:t>r</a:t>
-            </a:r>
-            <a:r>
-              <a:rPr b="0" lang="en-GB" sz="1800" spc="-1" strike="noStrike">
-                <a:solidFill>
-                  <a:srgbClr val="ffffff"/>
-                </a:solidFill>
-                <a:latin typeface="Century Gothic"/>
-              </a:rPr>
-              <a:t>c</a:t>
-            </a:r>
-            <a:r>
-              <a:rPr b="0" lang="en-GB" sz="1800" spc="-1" strike="noStrike">
-                <a:solidFill>
-                  <a:srgbClr val="ffffff"/>
-                </a:solidFill>
-                <a:latin typeface="Century Gothic"/>
-              </a:rPr>
-              <a:t>a</a:t>
-            </a:r>
-            <a:r>
-              <a:rPr b="0" lang="en-GB" sz="1800" spc="-1" strike="noStrike">
-                <a:solidFill>
-                  <a:srgbClr val="ffffff"/>
-                </a:solidFill>
-                <a:latin typeface="Century Gothic"/>
-              </a:rPr>
-              <a:t>d</a:t>
-            </a:r>
-            <a:r>
-              <a:rPr b="0" lang="en-GB" sz="1800" spc="-1" strike="noStrike">
-                <a:solidFill>
-                  <a:srgbClr val="ffffff"/>
-                </a:solidFill>
-                <a:latin typeface="Century Gothic"/>
-              </a:rPr>
-              <a:t>e</a:t>
-            </a:r>
-            <a:r>
-              <a:rPr b="0" lang="en-GB" sz="1800" spc="-1" strike="noStrike">
-                <a:solidFill>
-                  <a:srgbClr val="ffffff"/>
-                </a:solidFill>
-                <a:latin typeface="Century Gothic"/>
-              </a:rPr>
-              <a:t>s</a:t>
+              <a:t>- Retro, like old </a:t>
+            </a:r>
+            <a:r>
+              <a:rPr b="0" lang="en-GB" sz="1800" spc="-1" strike="noStrike">
+                <a:solidFill>
+                  <a:srgbClr val="ffffff"/>
+                </a:solidFill>
+                <a:latin typeface="Century Gothic"/>
+              </a:rPr>
+              <a:t>arcades</a:t>
             </a:r>
             <a:endParaRPr b="0" lang="en-GB" sz="1800" spc="-1" strike="noStrike">
               <a:latin typeface="Arial"/>
@@ -7765,7 +6799,124 @@
                 </a:solidFill>
                 <a:latin typeface="Century Gothic"/>
               </a:rPr>
-              <a:t>Decisions made</a:t>
+              <a:t>D</a:t>
+            </a:r>
+            <a:r>
+              <a:rPr b="0" lang="en-GB" sz="2200" spc="-1" strike="noStrike">
+                <a:solidFill>
+                  <a:srgbClr val="ffffff"/>
+                </a:solidFill>
+                <a:latin typeface="Century Gothic"/>
+              </a:rPr>
+              <a:t>e</a:t>
+            </a:r>
+            <a:r>
+              <a:rPr b="0" lang="en-GB" sz="2200" spc="-1" strike="noStrike">
+                <a:solidFill>
+                  <a:srgbClr val="ffffff"/>
+                </a:solidFill>
+                <a:latin typeface="Century Gothic"/>
+              </a:rPr>
+              <a:t>c</a:t>
+            </a:r>
+            <a:r>
+              <a:rPr b="0" lang="en-GB" sz="2200" spc="-1" strike="noStrike">
+                <a:solidFill>
+                  <a:srgbClr val="ffffff"/>
+                </a:solidFill>
+                <a:latin typeface="Century Gothic"/>
+              </a:rPr>
+              <a:t>i</a:t>
+            </a:r>
+            <a:r>
+              <a:rPr b="0" lang="en-GB" sz="2200" spc="-1" strike="noStrike">
+                <a:solidFill>
+                  <a:srgbClr val="ffffff"/>
+                </a:solidFill>
+                <a:latin typeface="Century Gothic"/>
+              </a:rPr>
+              <a:t>s</a:t>
+            </a:r>
+            <a:r>
+              <a:rPr b="0" lang="en-GB" sz="2200" spc="-1" strike="noStrike">
+                <a:solidFill>
+                  <a:srgbClr val="ffffff"/>
+                </a:solidFill>
+                <a:latin typeface="Century Gothic"/>
+              </a:rPr>
+              <a:t>i</a:t>
+            </a:r>
+            <a:r>
+              <a:rPr b="0" lang="en-GB" sz="2200" spc="-1" strike="noStrike">
+                <a:solidFill>
+                  <a:srgbClr val="ffffff"/>
+                </a:solidFill>
+                <a:latin typeface="Century Gothic"/>
+              </a:rPr>
+              <a:t>o</a:t>
+            </a:r>
+            <a:r>
+              <a:rPr b="0" lang="en-GB" sz="2200" spc="-1" strike="noStrike">
+                <a:solidFill>
+                  <a:srgbClr val="ffffff"/>
+                </a:solidFill>
+                <a:latin typeface="Century Gothic"/>
+              </a:rPr>
+              <a:t>n</a:t>
+            </a:r>
+            <a:r>
+              <a:rPr b="0" lang="en-GB" sz="2200" spc="-1" strike="noStrike">
+                <a:solidFill>
+                  <a:srgbClr val="ffffff"/>
+                </a:solidFill>
+                <a:latin typeface="Century Gothic"/>
+              </a:rPr>
+              <a:t>s</a:t>
+            </a:r>
+            <a:r>
+              <a:rPr b="0" lang="en-GB" sz="2200" spc="-1" strike="noStrike">
+                <a:solidFill>
+                  <a:srgbClr val="ffffff"/>
+                </a:solidFill>
+                <a:latin typeface="Century Gothic"/>
+              </a:rPr>
+              <a:t> </a:t>
+            </a:r>
+            <a:r>
+              <a:rPr b="0" lang="en-GB" sz="2200" spc="-1" strike="noStrike">
+                <a:solidFill>
+                  <a:srgbClr val="ffffff"/>
+                </a:solidFill>
+                <a:latin typeface="Century Gothic"/>
+              </a:rPr>
+              <a:t>m</a:t>
+            </a:r>
+            <a:r>
+              <a:rPr b="0" lang="en-GB" sz="2200" spc="-1" strike="noStrike">
+                <a:solidFill>
+                  <a:srgbClr val="ffffff"/>
+                </a:solidFill>
+                <a:latin typeface="Century Gothic"/>
+              </a:rPr>
+              <a:t>a</a:t>
+            </a:r>
+            <a:r>
+              <a:rPr b="0" lang="en-GB" sz="2200" spc="-1" strike="noStrike">
+                <a:solidFill>
+                  <a:srgbClr val="ffffff"/>
+                </a:solidFill>
+                <a:latin typeface="Century Gothic"/>
+              </a:rPr>
+              <a:t>d</a:t>
+            </a:r>
+            <a:r>
+              <a:rPr b="0" lang="en-GB" sz="2200" spc="-1" strike="noStrike">
+                <a:solidFill>
+                  <a:srgbClr val="ffffff"/>
+                </a:solidFill>
+                <a:latin typeface="Century Gothic"/>
+              </a:rPr>
+              <a:t>e</a:t>
             </a:r>
             <a:endParaRPr b="0" lang="en-GB" sz="2200" spc="-1" strike="noStrike">
               <a:latin typeface="Arial"/>
@@ -7779,16 +6930,214 @@
                 </a:solidFill>
                 <a:latin typeface="Century Gothic"/>
               </a:rPr>
-              <a:t>- </a:t>
-            </a:r>
-            <a:r>
-              <a:rPr b="0" lang="en-GB" sz="1800" spc="-1" strike="noStrike">
-                <a:solidFill>
-                  <a:srgbClr val="ffffff"/>
-                </a:solidFill>
-                <a:latin typeface="Century Gothic"/>
-              </a:rPr>
-              <a:t>£60 initial investment</a:t>
+              <a:t>-</a:t>
+            </a:r>
+            <a:r>
+              <a:rPr b="0" lang="en-GB" sz="2200" spc="-1" strike="noStrike">
+                <a:solidFill>
+                  <a:srgbClr val="ffffff"/>
+                </a:solidFill>
+                <a:latin typeface="Century Gothic"/>
+              </a:rPr>
+              <a:t> </a:t>
+            </a:r>
+            <a:r>
+              <a:rPr b="0" lang="en-GB" sz="1800" spc="-1" strike="noStrike">
+                <a:solidFill>
+                  <a:srgbClr val="ffffff"/>
+                </a:solidFill>
+                <a:latin typeface="Century Gothic"/>
+              </a:rPr>
+              <a:t>£</a:t>
+            </a:r>
+            <a:r>
+              <a:rPr b="0" lang="en-GB" sz="1800" spc="-1" strike="noStrike">
+                <a:solidFill>
+                  <a:srgbClr val="ffffff"/>
+                </a:solidFill>
+                <a:latin typeface="Century Gothic"/>
+              </a:rPr>
+              <a:t>6</a:t>
+            </a:r>
+            <a:r>
+              <a:rPr b="0" lang="en-GB" sz="1800" spc="-1" strike="noStrike">
+                <a:solidFill>
+                  <a:srgbClr val="ffffff"/>
+                </a:solidFill>
+                <a:latin typeface="Century Gothic"/>
+              </a:rPr>
+              <a:t>0</a:t>
+            </a:r>
+            <a:r>
+              <a:rPr b="0" lang="en-GB" sz="1800" spc="-1" strike="noStrike">
+                <a:solidFill>
+                  <a:srgbClr val="ffffff"/>
+                </a:solidFill>
+                <a:latin typeface="Century Gothic"/>
+              </a:rPr>
+              <a:t> </a:t>
+            </a:r>
+            <a:r>
+              <a:rPr b="0" lang="en-GB" sz="1800" spc="-1" strike="noStrike">
+                <a:solidFill>
+                  <a:srgbClr val="ffffff"/>
+                </a:solidFill>
+                <a:latin typeface="Century Gothic"/>
+              </a:rPr>
+              <a:t>i</a:t>
+            </a:r>
+            <a:r>
+              <a:rPr b="0" lang="en-GB" sz="1800" spc="-1" strike="noStrike">
+                <a:solidFill>
+                  <a:srgbClr val="ffffff"/>
+                </a:solidFill>
+                <a:latin typeface="Century Gothic"/>
+              </a:rPr>
+              <a:t>n</a:t>
+            </a:r>
+            <a:r>
+              <a:rPr b="0" lang="en-GB" sz="1800" spc="-1" strike="noStrike">
+                <a:solidFill>
+                  <a:srgbClr val="ffffff"/>
+                </a:solidFill>
+                <a:latin typeface="Century Gothic"/>
+              </a:rPr>
+              <a:t>i</a:t>
+            </a:r>
+            <a:r>
+              <a:rPr b="0" lang="en-GB" sz="1800" spc="-1" strike="noStrike">
+                <a:solidFill>
+                  <a:srgbClr val="ffffff"/>
+                </a:solidFill>
+                <a:latin typeface="Century Gothic"/>
+              </a:rPr>
+              <a:t>t</a:t>
+            </a:r>
+            <a:r>
+              <a:rPr b="0" lang="en-GB" sz="1800" spc="-1" strike="noStrike">
+                <a:solidFill>
+                  <a:srgbClr val="ffffff"/>
+                </a:solidFill>
+                <a:latin typeface="Century Gothic"/>
+              </a:rPr>
+              <a:t>i</a:t>
+            </a:r>
+            <a:r>
+              <a:rPr b="0" lang="en-GB" sz="1800" spc="-1" strike="noStrike">
+                <a:solidFill>
+                  <a:srgbClr val="ffffff"/>
+                </a:solidFill>
+                <a:latin typeface="Century Gothic"/>
+              </a:rPr>
+              <a:t>a</a:t>
+            </a:r>
+            <a:r>
+              <a:rPr b="0" lang="en-GB" sz="1800" spc="-1" strike="noStrike">
+                <a:solidFill>
+                  <a:srgbClr val="ffffff"/>
+                </a:solidFill>
+                <a:latin typeface="Century Gothic"/>
+              </a:rPr>
+              <a:t>l</a:t>
+            </a:r>
+            <a:r>
+              <a:rPr b="0" lang="en-GB" sz="1800" spc="-1" strike="noStrike">
+                <a:solidFill>
+                  <a:srgbClr val="ffffff"/>
+                </a:solidFill>
+                <a:latin typeface="Century Gothic"/>
+              </a:rPr>
+              <a:t> </a:t>
+            </a:r>
+            <a:r>
+              <a:rPr b="0" lang="en-GB" sz="1800" spc="-1" strike="noStrike">
+                <a:solidFill>
+                  <a:srgbClr val="ffffff"/>
+                </a:solidFill>
+                <a:latin typeface="Century Gothic"/>
+              </a:rPr>
+              <a:t>i</a:t>
+            </a:r>
+            <a:r>
+              <a:rPr b="0" lang="en-GB" sz="1800" spc="-1" strike="noStrike">
+                <a:solidFill>
+                  <a:srgbClr val="ffffff"/>
+                </a:solidFill>
+                <a:latin typeface="Century Gothic"/>
+              </a:rPr>
+              <a:t>n</a:t>
+            </a:r>
+            <a:r>
+              <a:rPr b="0" lang="en-GB" sz="1800" spc="-1" strike="noStrike">
+                <a:solidFill>
+                  <a:srgbClr val="ffffff"/>
+                </a:solidFill>
+                <a:latin typeface="Century Gothic"/>
+              </a:rPr>
+              <a:t>v</a:t>
+            </a:r>
+            <a:r>
+              <a:rPr b="0" lang="en-GB" sz="1800" spc="-1" strike="noStrike">
+                <a:solidFill>
+                  <a:srgbClr val="ffffff"/>
+                </a:solidFill>
+                <a:latin typeface="Century Gothic"/>
+              </a:rPr>
+              <a:t>e</a:t>
+            </a:r>
+            <a:r>
+              <a:rPr b="0" lang="en-GB" sz="1800" spc="-1" strike="noStrike">
+                <a:solidFill>
+                  <a:srgbClr val="ffffff"/>
+                </a:solidFill>
+                <a:latin typeface="Century Gothic"/>
+              </a:rPr>
+              <a:t>s</a:t>
+            </a:r>
+            <a:r>
+              <a:rPr b="0" lang="en-GB" sz="1800" spc="-1" strike="noStrike">
+                <a:solidFill>
+                  <a:srgbClr val="ffffff"/>
+                </a:solidFill>
+                <a:latin typeface="Century Gothic"/>
+              </a:rPr>
+              <a:t>t</a:t>
+            </a:r>
+            <a:r>
+              <a:rPr b="0" lang="en-GB" sz="1800" spc="-1" strike="noStrike">
+                <a:solidFill>
+                  <a:srgbClr val="ffffff"/>
+                </a:solidFill>
+                <a:latin typeface="Century Gothic"/>
+              </a:rPr>
+              <a:t>m</a:t>
+            </a:r>
+            <a:r>
+              <a:rPr b="0" lang="en-GB" sz="1800" spc="-1" strike="noStrike">
+                <a:solidFill>
+                  <a:srgbClr val="ffffff"/>
+                </a:solidFill>
+                <a:latin typeface="Century Gothic"/>
+              </a:rPr>
+              <a:t>e</a:t>
+            </a:r>
+            <a:r>
+              <a:rPr b="0" lang="en-GB" sz="1800" spc="-1" strike="noStrike">
+                <a:solidFill>
+                  <a:srgbClr val="ffffff"/>
+                </a:solidFill>
+                <a:latin typeface="Century Gothic"/>
+              </a:rPr>
+              <a:t>n</a:t>
+            </a:r>
+            <a:r>
+              <a:rPr b="0" lang="en-GB" sz="1800" spc="-1" strike="noStrike">
+                <a:solidFill>
+                  <a:srgbClr val="ffffff"/>
+                </a:solidFill>
+                <a:latin typeface="Century Gothic"/>
+              </a:rPr>
+              <a:t>t</a:t>
             </a:r>
             <a:endParaRPr b="0" lang="en-GB" sz="1800" spc="-1" strike="noStrike">
               <a:latin typeface="Arial"/>
@@ -7802,7 +7151,772 @@
                 </a:solidFill>
                 <a:latin typeface="Century Gothic"/>
               </a:rPr>
-              <a:t>- Will consider cabient if the rest of the project is to a standard you are happy with</a:t>
+              <a:t>-</a:t>
+            </a:r>
+            <a:r>
+              <a:rPr b="0" lang="en-GB" sz="1800" spc="-1" strike="noStrike">
+                <a:solidFill>
+                  <a:srgbClr val="ffffff"/>
+                </a:solidFill>
+                <a:latin typeface="Century Gothic"/>
+              </a:rPr>
+              <a:t> </a:t>
+            </a:r>
+            <a:r>
+              <a:rPr b="0" lang="en-GB" sz="1800" spc="-1" strike="noStrike">
+                <a:solidFill>
+                  <a:srgbClr val="ffffff"/>
+                </a:solidFill>
+                <a:latin typeface="Century Gothic"/>
+              </a:rPr>
+              <a:t>W</a:t>
+            </a:r>
+            <a:r>
+              <a:rPr b="0" lang="en-GB" sz="1800" spc="-1" strike="noStrike">
+                <a:solidFill>
+                  <a:srgbClr val="ffffff"/>
+                </a:solidFill>
+                <a:latin typeface="Century Gothic"/>
+              </a:rPr>
+              <a:t>i</a:t>
+            </a:r>
+            <a:r>
+              <a:rPr b="0" lang="en-GB" sz="1800" spc="-1" strike="noStrike">
+                <a:solidFill>
+                  <a:srgbClr val="ffffff"/>
+                </a:solidFill>
+                <a:latin typeface="Century Gothic"/>
+              </a:rPr>
+              <a:t>l</a:t>
+            </a:r>
+            <a:r>
+              <a:rPr b="0" lang="en-GB" sz="1800" spc="-1" strike="noStrike">
+                <a:solidFill>
+                  <a:srgbClr val="ffffff"/>
+                </a:solidFill>
+                <a:latin typeface="Century Gothic"/>
+              </a:rPr>
+              <a:t>l</a:t>
+            </a:r>
+            <a:r>
+              <a:rPr b="0" lang="en-GB" sz="1800" spc="-1" strike="noStrike">
+                <a:solidFill>
+                  <a:srgbClr val="ffffff"/>
+                </a:solidFill>
+                <a:latin typeface="Century Gothic"/>
+              </a:rPr>
+              <a:t> </a:t>
+            </a:r>
+            <a:r>
+              <a:rPr b="0" lang="en-GB" sz="1800" spc="-1" strike="noStrike">
+                <a:solidFill>
+                  <a:srgbClr val="ffffff"/>
+                </a:solidFill>
+                <a:latin typeface="Century Gothic"/>
+              </a:rPr>
+              <a:t>c</a:t>
+            </a:r>
+            <a:r>
+              <a:rPr b="0" lang="en-GB" sz="1800" spc="-1" strike="noStrike">
+                <a:solidFill>
+                  <a:srgbClr val="ffffff"/>
+                </a:solidFill>
+                <a:latin typeface="Century Gothic"/>
+              </a:rPr>
+              <a:t>o</a:t>
+            </a:r>
+            <a:r>
+              <a:rPr b="0" lang="en-GB" sz="1800" spc="-1" strike="noStrike">
+                <a:solidFill>
+                  <a:srgbClr val="ffffff"/>
+                </a:solidFill>
+                <a:latin typeface="Century Gothic"/>
+              </a:rPr>
+              <a:t>n</a:t>
+            </a:r>
+            <a:r>
+              <a:rPr b="0" lang="en-GB" sz="1800" spc="-1" strike="noStrike">
+                <a:solidFill>
+                  <a:srgbClr val="ffffff"/>
+                </a:solidFill>
+                <a:latin typeface="Century Gothic"/>
+              </a:rPr>
+              <a:t>s</a:t>
+            </a:r>
+            <a:r>
+              <a:rPr b="0" lang="en-GB" sz="1800" spc="-1" strike="noStrike">
+                <a:solidFill>
+                  <a:srgbClr val="ffffff"/>
+                </a:solidFill>
+                <a:latin typeface="Century Gothic"/>
+              </a:rPr>
+              <a:t>i</a:t>
+            </a:r>
+            <a:r>
+              <a:rPr b="0" lang="en-GB" sz="1800" spc="-1" strike="noStrike">
+                <a:solidFill>
+                  <a:srgbClr val="ffffff"/>
+                </a:solidFill>
+                <a:latin typeface="Century Gothic"/>
+              </a:rPr>
+              <a:t>d</a:t>
+            </a:r>
+            <a:r>
+              <a:rPr b="0" lang="en-GB" sz="1800" spc="-1" strike="noStrike">
+                <a:solidFill>
+                  <a:srgbClr val="ffffff"/>
+                </a:solidFill>
+                <a:latin typeface="Century Gothic"/>
+              </a:rPr>
+              <a:t>e</a:t>
+            </a:r>
+            <a:r>
+              <a:rPr b="0" lang="en-GB" sz="1800" spc="-1" strike="noStrike">
+                <a:solidFill>
+                  <a:srgbClr val="ffffff"/>
+                </a:solidFill>
+                <a:latin typeface="Century Gothic"/>
+              </a:rPr>
+              <a:t>r</a:t>
+            </a:r>
+            <a:r>
+              <a:rPr b="0" lang="en-GB" sz="1800" spc="-1" strike="noStrike">
+                <a:solidFill>
+                  <a:srgbClr val="ffffff"/>
+                </a:solidFill>
+                <a:latin typeface="Century Gothic"/>
+              </a:rPr>
+              <a:t> </a:t>
+            </a:r>
+            <a:r>
+              <a:rPr b="0" lang="en-GB" sz="1800" spc="-1" strike="noStrike">
+                <a:solidFill>
+                  <a:srgbClr val="ffffff"/>
+                </a:solidFill>
+                <a:latin typeface="Century Gothic"/>
+              </a:rPr>
+              <a:t>c</a:t>
+            </a:r>
+            <a:r>
+              <a:rPr b="0" lang="en-GB" sz="1800" spc="-1" strike="noStrike">
+                <a:solidFill>
+                  <a:srgbClr val="ffffff"/>
+                </a:solidFill>
+                <a:latin typeface="Century Gothic"/>
+              </a:rPr>
+              <a:t>a</a:t>
+            </a:r>
+            <a:r>
+              <a:rPr b="0" lang="en-GB" sz="1800" spc="-1" strike="noStrike">
+                <a:solidFill>
+                  <a:srgbClr val="ffffff"/>
+                </a:solidFill>
+                <a:latin typeface="Century Gothic"/>
+              </a:rPr>
+              <a:t>b</a:t>
+            </a:r>
+            <a:r>
+              <a:rPr b="0" lang="en-GB" sz="1800" spc="-1" strike="noStrike">
+                <a:solidFill>
+                  <a:srgbClr val="ffffff"/>
+                </a:solidFill>
+                <a:latin typeface="Century Gothic"/>
+              </a:rPr>
+              <a:t>i</a:t>
+            </a:r>
+            <a:r>
+              <a:rPr b="0" lang="en-GB" sz="1800" spc="-1" strike="noStrike">
+                <a:solidFill>
+                  <a:srgbClr val="ffffff"/>
+                </a:solidFill>
+                <a:latin typeface="Century Gothic"/>
+              </a:rPr>
+              <a:t>e</a:t>
+            </a:r>
+            <a:r>
+              <a:rPr b="0" lang="en-GB" sz="1800" spc="-1" strike="noStrike">
+                <a:solidFill>
+                  <a:srgbClr val="ffffff"/>
+                </a:solidFill>
+                <a:latin typeface="Century Gothic"/>
+              </a:rPr>
+              <a:t>n</a:t>
+            </a:r>
+            <a:r>
+              <a:rPr b="0" lang="en-GB" sz="1800" spc="-1" strike="noStrike">
+                <a:solidFill>
+                  <a:srgbClr val="ffffff"/>
+                </a:solidFill>
+                <a:latin typeface="Century Gothic"/>
+              </a:rPr>
+              <a:t>t</a:t>
+            </a:r>
+            <a:r>
+              <a:rPr b="0" lang="en-GB" sz="1800" spc="-1" strike="noStrike">
+                <a:solidFill>
+                  <a:srgbClr val="ffffff"/>
+                </a:solidFill>
+                <a:latin typeface="Century Gothic"/>
+              </a:rPr>
+              <a:t> </a:t>
+            </a:r>
+            <a:r>
+              <a:rPr b="0" lang="en-GB" sz="1800" spc="-1" strike="noStrike">
+                <a:solidFill>
+                  <a:srgbClr val="ffffff"/>
+                </a:solidFill>
+                <a:latin typeface="Century Gothic"/>
+              </a:rPr>
+              <a:t>i</a:t>
+            </a:r>
+            <a:r>
+              <a:rPr b="0" lang="en-GB" sz="1800" spc="-1" strike="noStrike">
+                <a:solidFill>
+                  <a:srgbClr val="ffffff"/>
+                </a:solidFill>
+                <a:latin typeface="Century Gothic"/>
+              </a:rPr>
+              <a:t>f</a:t>
+            </a:r>
+            <a:r>
+              <a:rPr b="0" lang="en-GB" sz="1800" spc="-1" strike="noStrike">
+                <a:solidFill>
+                  <a:srgbClr val="ffffff"/>
+                </a:solidFill>
+                <a:latin typeface="Century Gothic"/>
+              </a:rPr>
+              <a:t> </a:t>
+            </a:r>
+            <a:r>
+              <a:rPr b="0" lang="en-GB" sz="1800" spc="-1" strike="noStrike">
+                <a:solidFill>
+                  <a:srgbClr val="ffffff"/>
+                </a:solidFill>
+                <a:latin typeface="Century Gothic"/>
+              </a:rPr>
+              <a:t>t</a:t>
+            </a:r>
+            <a:r>
+              <a:rPr b="0" lang="en-GB" sz="1800" spc="-1" strike="noStrike">
+                <a:solidFill>
+                  <a:srgbClr val="ffffff"/>
+                </a:solidFill>
+                <a:latin typeface="Century Gothic"/>
+              </a:rPr>
+              <a:t>h</a:t>
+            </a:r>
+            <a:r>
+              <a:rPr b="0" lang="en-GB" sz="1800" spc="-1" strike="noStrike">
+                <a:solidFill>
+                  <a:srgbClr val="ffffff"/>
+                </a:solidFill>
+                <a:latin typeface="Century Gothic"/>
+              </a:rPr>
+              <a:t>e</a:t>
+            </a:r>
+            <a:r>
+              <a:rPr b="0" lang="en-GB" sz="1800" spc="-1" strike="noStrike">
+                <a:solidFill>
+                  <a:srgbClr val="ffffff"/>
+                </a:solidFill>
+                <a:latin typeface="Century Gothic"/>
+              </a:rPr>
+              <a:t> </a:t>
+            </a:r>
+            <a:r>
+              <a:rPr b="0" lang="en-GB" sz="1800" spc="-1" strike="noStrike">
+                <a:solidFill>
+                  <a:srgbClr val="ffffff"/>
+                </a:solidFill>
+                <a:latin typeface="Century Gothic"/>
+              </a:rPr>
+              <a:t>r</a:t>
+            </a:r>
+            <a:r>
+              <a:rPr b="0" lang="en-GB" sz="1800" spc="-1" strike="noStrike">
+                <a:solidFill>
+                  <a:srgbClr val="ffffff"/>
+                </a:solidFill>
+                <a:latin typeface="Century Gothic"/>
+              </a:rPr>
+              <a:t>e</a:t>
+            </a:r>
+            <a:r>
+              <a:rPr b="0" lang="en-GB" sz="1800" spc="-1" strike="noStrike">
+                <a:solidFill>
+                  <a:srgbClr val="ffffff"/>
+                </a:solidFill>
+                <a:latin typeface="Century Gothic"/>
+              </a:rPr>
+              <a:t>s</a:t>
+            </a:r>
+            <a:r>
+              <a:rPr b="0" lang="en-GB" sz="1800" spc="-1" strike="noStrike">
+                <a:solidFill>
+                  <a:srgbClr val="ffffff"/>
+                </a:solidFill>
+                <a:latin typeface="Century Gothic"/>
+              </a:rPr>
+              <a:t>t</a:t>
+            </a:r>
+            <a:r>
+              <a:rPr b="0" lang="en-GB" sz="1800" spc="-1" strike="noStrike">
+                <a:solidFill>
+                  <a:srgbClr val="ffffff"/>
+                </a:solidFill>
+                <a:latin typeface="Century Gothic"/>
+              </a:rPr>
+              <a:t> </a:t>
+            </a:r>
+            <a:r>
+              <a:rPr b="0" lang="en-GB" sz="1800" spc="-1" strike="noStrike">
+                <a:solidFill>
+                  <a:srgbClr val="ffffff"/>
+                </a:solidFill>
+                <a:latin typeface="Century Gothic"/>
+              </a:rPr>
+              <a:t>o</a:t>
+            </a:r>
+            <a:r>
+              <a:rPr b="0" lang="en-GB" sz="1800" spc="-1" strike="noStrike">
+                <a:solidFill>
+                  <a:srgbClr val="ffffff"/>
+                </a:solidFill>
+                <a:latin typeface="Century Gothic"/>
+              </a:rPr>
+              <a:t>f</a:t>
+            </a:r>
+            <a:r>
+              <a:rPr b="0" lang="en-GB" sz="1800" spc="-1" strike="noStrike">
+                <a:solidFill>
+                  <a:srgbClr val="ffffff"/>
+                </a:solidFill>
+                <a:latin typeface="Century Gothic"/>
+              </a:rPr>
+              <a:t> </a:t>
+            </a:r>
+            <a:r>
+              <a:rPr b="0" lang="en-GB" sz="1800" spc="-1" strike="noStrike">
+                <a:solidFill>
+                  <a:srgbClr val="ffffff"/>
+                </a:solidFill>
+                <a:latin typeface="Century Gothic"/>
+              </a:rPr>
+              <a:t>t</a:t>
+            </a:r>
+            <a:r>
+              <a:rPr b="0" lang="en-GB" sz="1800" spc="-1" strike="noStrike">
+                <a:solidFill>
+                  <a:srgbClr val="ffffff"/>
+                </a:solidFill>
+                <a:latin typeface="Century Gothic"/>
+              </a:rPr>
+              <a:t>h</a:t>
+            </a:r>
+            <a:r>
+              <a:rPr b="0" lang="en-GB" sz="1800" spc="-1" strike="noStrike">
+                <a:solidFill>
+                  <a:srgbClr val="ffffff"/>
+                </a:solidFill>
+                <a:latin typeface="Century Gothic"/>
+              </a:rPr>
+              <a:t>e</a:t>
+            </a:r>
+            <a:r>
+              <a:rPr b="0" lang="en-GB" sz="1800" spc="-1" strike="noStrike">
+                <a:solidFill>
+                  <a:srgbClr val="ffffff"/>
+                </a:solidFill>
+                <a:latin typeface="Century Gothic"/>
+              </a:rPr>
+              <a:t> </a:t>
+            </a:r>
+            <a:r>
+              <a:rPr b="0" lang="en-GB" sz="1800" spc="-1" strike="noStrike">
+                <a:solidFill>
+                  <a:srgbClr val="ffffff"/>
+                </a:solidFill>
+                <a:latin typeface="Century Gothic"/>
+              </a:rPr>
+              <a:t>p</a:t>
+            </a:r>
+            <a:r>
+              <a:rPr b="0" lang="en-GB" sz="1800" spc="-1" strike="noStrike">
+                <a:solidFill>
+                  <a:srgbClr val="ffffff"/>
+                </a:solidFill>
+                <a:latin typeface="Century Gothic"/>
+              </a:rPr>
+              <a:t>r</a:t>
+            </a:r>
+            <a:r>
+              <a:rPr b="0" lang="en-GB" sz="1800" spc="-1" strike="noStrike">
+                <a:solidFill>
+                  <a:srgbClr val="ffffff"/>
+                </a:solidFill>
+                <a:latin typeface="Century Gothic"/>
+              </a:rPr>
+              <a:t>o</a:t>
+            </a:r>
+            <a:r>
+              <a:rPr b="0" lang="en-GB" sz="1800" spc="-1" strike="noStrike">
+                <a:solidFill>
+                  <a:srgbClr val="ffffff"/>
+                </a:solidFill>
+                <a:latin typeface="Century Gothic"/>
+              </a:rPr>
+              <a:t>j</a:t>
+            </a:r>
+            <a:r>
+              <a:rPr b="0" lang="en-GB" sz="1800" spc="-1" strike="noStrike">
+                <a:solidFill>
+                  <a:srgbClr val="ffffff"/>
+                </a:solidFill>
+                <a:latin typeface="Century Gothic"/>
+              </a:rPr>
+              <a:t>e</a:t>
+            </a:r>
+            <a:r>
+              <a:rPr b="0" lang="en-GB" sz="1800" spc="-1" strike="noStrike">
+                <a:solidFill>
+                  <a:srgbClr val="ffffff"/>
+                </a:solidFill>
+                <a:latin typeface="Century Gothic"/>
+              </a:rPr>
+              <a:t>c</a:t>
+            </a:r>
+            <a:r>
+              <a:rPr b="0" lang="en-GB" sz="1800" spc="-1" strike="noStrike">
+                <a:solidFill>
+                  <a:srgbClr val="ffffff"/>
+                </a:solidFill>
+                <a:latin typeface="Century Gothic"/>
+              </a:rPr>
+              <a:t>t</a:t>
+            </a:r>
+            <a:r>
+              <a:rPr b="0" lang="en-GB" sz="1800" spc="-1" strike="noStrike">
+                <a:solidFill>
+                  <a:srgbClr val="ffffff"/>
+                </a:solidFill>
+                <a:latin typeface="Century Gothic"/>
+              </a:rPr>
+              <a:t> </a:t>
+            </a:r>
+            <a:r>
+              <a:rPr b="0" lang="en-GB" sz="1800" spc="-1" strike="noStrike">
+                <a:solidFill>
+                  <a:srgbClr val="ffffff"/>
+                </a:solidFill>
+                <a:latin typeface="Century Gothic"/>
+              </a:rPr>
+              <a:t>i</a:t>
+            </a:r>
+            <a:r>
+              <a:rPr b="0" lang="en-GB" sz="1800" spc="-1" strike="noStrike">
+                <a:solidFill>
+                  <a:srgbClr val="ffffff"/>
+                </a:solidFill>
+                <a:latin typeface="Century Gothic"/>
+              </a:rPr>
+              <a:t>s</a:t>
+            </a:r>
+            <a:r>
+              <a:rPr b="0" lang="en-GB" sz="1800" spc="-1" strike="noStrike">
+                <a:solidFill>
+                  <a:srgbClr val="ffffff"/>
+                </a:solidFill>
+                <a:latin typeface="Century Gothic"/>
+              </a:rPr>
+              <a:t> </a:t>
+            </a:r>
+            <a:r>
+              <a:rPr b="0" lang="en-GB" sz="1800" spc="-1" strike="noStrike">
+                <a:solidFill>
+                  <a:srgbClr val="ffffff"/>
+                </a:solidFill>
+                <a:latin typeface="Century Gothic"/>
+              </a:rPr>
+              <a:t>t</a:t>
+            </a:r>
+            <a:r>
+              <a:rPr b="0" lang="en-GB" sz="1800" spc="-1" strike="noStrike">
+                <a:solidFill>
+                  <a:srgbClr val="ffffff"/>
+                </a:solidFill>
+                <a:latin typeface="Century Gothic"/>
+              </a:rPr>
+              <a:t>o</a:t>
+            </a:r>
+            <a:r>
+              <a:rPr b="0" lang="en-GB" sz="1800" spc="-1" strike="noStrike">
+                <a:solidFill>
+                  <a:srgbClr val="ffffff"/>
+                </a:solidFill>
+                <a:latin typeface="Century Gothic"/>
+              </a:rPr>
+              <a:t> </a:t>
+            </a:r>
+            <a:r>
+              <a:rPr b="0" lang="en-GB" sz="1800" spc="-1" strike="noStrike">
+                <a:solidFill>
+                  <a:srgbClr val="ffffff"/>
+                </a:solidFill>
+                <a:latin typeface="Century Gothic"/>
+              </a:rPr>
+              <a:t>a</a:t>
+            </a:r>
+            <a:r>
+              <a:rPr b="0" lang="en-GB" sz="1800" spc="-1" strike="noStrike">
+                <a:solidFill>
+                  <a:srgbClr val="ffffff"/>
+                </a:solidFill>
+                <a:latin typeface="Century Gothic"/>
+              </a:rPr>
+              <a:t> </a:t>
+            </a:r>
+            <a:r>
+              <a:rPr b="0" lang="en-GB" sz="1800" spc="-1" strike="noStrike">
+                <a:solidFill>
+                  <a:srgbClr val="ffffff"/>
+                </a:solidFill>
+                <a:latin typeface="Century Gothic"/>
+              </a:rPr>
+              <a:t>s</a:t>
+            </a:r>
+            <a:r>
+              <a:rPr b="0" lang="en-GB" sz="1800" spc="-1" strike="noStrike">
+                <a:solidFill>
+                  <a:srgbClr val="ffffff"/>
+                </a:solidFill>
+                <a:latin typeface="Century Gothic"/>
+              </a:rPr>
+              <a:t>t</a:t>
+            </a:r>
+            <a:r>
+              <a:rPr b="0" lang="en-GB" sz="1800" spc="-1" strike="noStrike">
+                <a:solidFill>
+                  <a:srgbClr val="ffffff"/>
+                </a:solidFill>
+                <a:latin typeface="Century Gothic"/>
+              </a:rPr>
+              <a:t>a</a:t>
+            </a:r>
+            <a:r>
+              <a:rPr b="0" lang="en-GB" sz="1800" spc="-1" strike="noStrike">
+                <a:solidFill>
+                  <a:srgbClr val="ffffff"/>
+                </a:solidFill>
+                <a:latin typeface="Century Gothic"/>
+              </a:rPr>
+              <a:t>n</a:t>
+            </a:r>
+            <a:r>
+              <a:rPr b="0" lang="en-GB" sz="1800" spc="-1" strike="noStrike">
+                <a:solidFill>
+                  <a:srgbClr val="ffffff"/>
+                </a:solidFill>
+                <a:latin typeface="Century Gothic"/>
+              </a:rPr>
+              <a:t>d</a:t>
+            </a:r>
+            <a:r>
+              <a:rPr b="0" lang="en-GB" sz="1800" spc="-1" strike="noStrike">
+                <a:solidFill>
+                  <a:srgbClr val="ffffff"/>
+                </a:solidFill>
+                <a:latin typeface="Century Gothic"/>
+              </a:rPr>
+              <a:t>a</a:t>
+            </a:r>
+            <a:r>
+              <a:rPr b="0" lang="en-GB" sz="1800" spc="-1" strike="noStrike">
+                <a:solidFill>
+                  <a:srgbClr val="ffffff"/>
+                </a:solidFill>
+                <a:latin typeface="Century Gothic"/>
+              </a:rPr>
+              <a:t>r</a:t>
+            </a:r>
+            <a:r>
+              <a:rPr b="0" lang="en-GB" sz="1800" spc="-1" strike="noStrike">
+                <a:solidFill>
+                  <a:srgbClr val="ffffff"/>
+                </a:solidFill>
+                <a:latin typeface="Century Gothic"/>
+              </a:rPr>
+              <a:t>d</a:t>
+            </a:r>
+            <a:r>
+              <a:rPr b="0" lang="en-GB" sz="1800" spc="-1" strike="noStrike">
+                <a:solidFill>
+                  <a:srgbClr val="ffffff"/>
+                </a:solidFill>
+                <a:latin typeface="Century Gothic"/>
+              </a:rPr>
+              <a:t> </a:t>
+            </a:r>
+            <a:r>
+              <a:rPr b="0" lang="en-GB" sz="1800" spc="-1" strike="noStrike">
+                <a:solidFill>
+                  <a:srgbClr val="ffffff"/>
+                </a:solidFill>
+                <a:latin typeface="Century Gothic"/>
+              </a:rPr>
+              <a:t>y</a:t>
+            </a:r>
+            <a:r>
+              <a:rPr b="0" lang="en-GB" sz="1800" spc="-1" strike="noStrike">
+                <a:solidFill>
+                  <a:srgbClr val="ffffff"/>
+                </a:solidFill>
+                <a:latin typeface="Century Gothic"/>
+              </a:rPr>
+              <a:t>o</a:t>
+            </a:r>
+            <a:r>
+              <a:rPr b="0" lang="en-GB" sz="1800" spc="-1" strike="noStrike">
+                <a:solidFill>
+                  <a:srgbClr val="ffffff"/>
+                </a:solidFill>
+                <a:latin typeface="Century Gothic"/>
+              </a:rPr>
+              <a:t>u</a:t>
+            </a:r>
+            <a:r>
+              <a:rPr b="0" lang="en-GB" sz="1800" spc="-1" strike="noStrike">
+                <a:solidFill>
+                  <a:srgbClr val="ffffff"/>
+                </a:solidFill>
+                <a:latin typeface="Century Gothic"/>
+              </a:rPr>
+              <a:t> </a:t>
+            </a:r>
+            <a:r>
+              <a:rPr b="0" lang="en-GB" sz="1800" spc="-1" strike="noStrike">
+                <a:solidFill>
+                  <a:srgbClr val="ffffff"/>
+                </a:solidFill>
+                <a:latin typeface="Century Gothic"/>
+              </a:rPr>
+              <a:t>a</a:t>
+            </a:r>
+            <a:r>
+              <a:rPr b="0" lang="en-GB" sz="1800" spc="-1" strike="noStrike">
+                <a:solidFill>
+                  <a:srgbClr val="ffffff"/>
+                </a:solidFill>
+                <a:latin typeface="Century Gothic"/>
+              </a:rPr>
+              <a:t>r</a:t>
+            </a:r>
+            <a:r>
+              <a:rPr b="0" lang="en-GB" sz="1800" spc="-1" strike="noStrike">
+                <a:solidFill>
+                  <a:srgbClr val="ffffff"/>
+                </a:solidFill>
+                <a:latin typeface="Century Gothic"/>
+              </a:rPr>
+              <a:t>e</a:t>
+            </a:r>
+            <a:r>
+              <a:rPr b="0" lang="en-GB" sz="1800" spc="-1" strike="noStrike">
+                <a:solidFill>
+                  <a:srgbClr val="ffffff"/>
+                </a:solidFill>
+                <a:latin typeface="Century Gothic"/>
+              </a:rPr>
+              <a:t> </a:t>
+            </a:r>
+            <a:r>
+              <a:rPr b="0" lang="en-GB" sz="1800" spc="-1" strike="noStrike">
+                <a:solidFill>
+                  <a:srgbClr val="ffffff"/>
+                </a:solidFill>
+                <a:latin typeface="Century Gothic"/>
+              </a:rPr>
+              <a:t>h</a:t>
+            </a:r>
+            <a:r>
+              <a:rPr b="0" lang="en-GB" sz="1800" spc="-1" strike="noStrike">
+                <a:solidFill>
+                  <a:srgbClr val="ffffff"/>
+                </a:solidFill>
+                <a:latin typeface="Century Gothic"/>
+              </a:rPr>
+              <a:t>a</a:t>
+            </a:r>
+            <a:r>
+              <a:rPr b="0" lang="en-GB" sz="1800" spc="-1" strike="noStrike">
+                <a:solidFill>
+                  <a:srgbClr val="ffffff"/>
+                </a:solidFill>
+                <a:latin typeface="Century Gothic"/>
+              </a:rPr>
+              <a:t>p</a:t>
+            </a:r>
+            <a:r>
+              <a:rPr b="0" lang="en-GB" sz="1800" spc="-1" strike="noStrike">
+                <a:solidFill>
+                  <a:srgbClr val="ffffff"/>
+                </a:solidFill>
+                <a:latin typeface="Century Gothic"/>
+              </a:rPr>
+              <a:t>p</a:t>
+            </a:r>
+            <a:r>
+              <a:rPr b="0" lang="en-GB" sz="1800" spc="-1" strike="noStrike">
+                <a:solidFill>
+                  <a:srgbClr val="ffffff"/>
+                </a:solidFill>
+                <a:latin typeface="Century Gothic"/>
+              </a:rPr>
+              <a:t>y</a:t>
+            </a:r>
+            <a:r>
+              <a:rPr b="0" lang="en-GB" sz="1800" spc="-1" strike="noStrike">
+                <a:solidFill>
+                  <a:srgbClr val="ffffff"/>
+                </a:solidFill>
+                <a:latin typeface="Century Gothic"/>
+              </a:rPr>
+              <a:t> </a:t>
+            </a:r>
+            <a:r>
+              <a:rPr b="0" lang="en-GB" sz="1800" spc="-1" strike="noStrike">
+                <a:solidFill>
+                  <a:srgbClr val="ffffff"/>
+                </a:solidFill>
+                <a:latin typeface="Century Gothic"/>
+              </a:rPr>
+              <a:t>w</a:t>
+            </a:r>
+            <a:r>
+              <a:rPr b="0" lang="en-GB" sz="1800" spc="-1" strike="noStrike">
+                <a:solidFill>
+                  <a:srgbClr val="ffffff"/>
+                </a:solidFill>
+                <a:latin typeface="Century Gothic"/>
+              </a:rPr>
+              <a:t>i</a:t>
+            </a:r>
+            <a:r>
+              <a:rPr b="0" lang="en-GB" sz="1800" spc="-1" strike="noStrike">
+                <a:solidFill>
+                  <a:srgbClr val="ffffff"/>
+                </a:solidFill>
+                <a:latin typeface="Century Gothic"/>
+              </a:rPr>
+              <a:t>t</a:t>
+            </a:r>
+            <a:r>
+              <a:rPr b="0" lang="en-GB" sz="1800" spc="-1" strike="noStrike">
+                <a:solidFill>
+                  <a:srgbClr val="ffffff"/>
+                </a:solidFill>
+                <a:latin typeface="Century Gothic"/>
+              </a:rPr>
+              <a:t>h</a:t>
             </a:r>
             <a:endParaRPr b="0" lang="en-GB" sz="1800" spc="-1" strike="noStrike">
               <a:latin typeface="Arial"/>
@@ -7844,7 +7958,79 @@
                 </a:solidFill>
                 <a:latin typeface="Century Gothic"/>
               </a:rPr>
-              <a:t>Purchases</a:t>
+              <a:t>P</a:t>
+            </a:r>
+            <a:r>
+              <a:rPr b="0" lang="en-GB" sz="2200" spc="-1" strike="noStrike">
+                <a:solidFill>
+                  <a:srgbClr val="ffffff"/>
+                </a:solidFill>
+                <a:latin typeface="Century Gothic"/>
+              </a:rPr>
+              <a:t>u</a:t>
+            </a:r>
+            <a:r>
+              <a:rPr b="0" lang="en-GB" sz="2200" spc="-1" strike="noStrike">
+                <a:solidFill>
+                  <a:srgbClr val="ffffff"/>
+                </a:solidFill>
+                <a:latin typeface="Century Gothic"/>
+              </a:rPr>
+              <a:t>r</a:t>
+            </a:r>
+            <a:r>
+              <a:rPr b="0" lang="en-GB" sz="2200" spc="-1" strike="noStrike">
+                <a:solidFill>
+                  <a:srgbClr val="ffffff"/>
+                </a:solidFill>
+                <a:latin typeface="Century Gothic"/>
+              </a:rPr>
+              <a:t>c</a:t>
+            </a:r>
+            <a:r>
+              <a:rPr b="0" lang="en-GB" sz="2200" spc="-1" strike="noStrike">
+                <a:solidFill>
+                  <a:srgbClr val="ffffff"/>
+                </a:solidFill>
+                <a:latin typeface="Century Gothic"/>
+              </a:rPr>
+              <a:t>h</a:t>
+            </a:r>
+            <a:r>
+              <a:rPr b="0" lang="en-GB" sz="2200" spc="-1" strike="noStrike">
+                <a:solidFill>
+                  <a:srgbClr val="ffffff"/>
+                </a:solidFill>
+                <a:latin typeface="Century Gothic"/>
+              </a:rPr>
+              <a:t>a</a:t>
+            </a:r>
+            <a:r>
+              <a:rPr b="0" lang="en-GB" sz="2200" spc="-1" strike="noStrike">
+                <a:solidFill>
+                  <a:srgbClr val="ffffff"/>
+                </a:solidFill>
+                <a:latin typeface="Century Gothic"/>
+              </a:rPr>
+              <a:t>s</a:t>
+            </a:r>
+            <a:r>
+              <a:rPr b="0" lang="en-GB" sz="2200" spc="-1" strike="noStrike">
+                <a:solidFill>
+                  <a:srgbClr val="ffffff"/>
+                </a:solidFill>
+                <a:latin typeface="Century Gothic"/>
+              </a:rPr>
+              <a:t>e</a:t>
+            </a:r>
+            <a:r>
+              <a:rPr b="0" lang="en-GB" sz="2200" spc="-1" strike="noStrike">
+                <a:solidFill>
+                  <a:srgbClr val="ffffff"/>
+                </a:solidFill>
+                <a:latin typeface="Century Gothic"/>
+              </a:rPr>
+              <a:t>s</a:t>
             </a:r>
             <a:endParaRPr b="0" lang="en-GB" sz="2200" spc="-1" strike="noStrike">
               <a:latin typeface="Arial"/>
@@ -7858,16 +8044,142 @@
                 </a:solidFill>
                 <a:latin typeface="Century Gothic"/>
               </a:rPr>
-              <a:t>- </a:t>
-            </a:r>
-            <a:r>
-              <a:rPr b="0" lang="en-GB" sz="1800" spc="-1" strike="noStrike">
-                <a:solidFill>
-                  <a:srgbClr val="ffffff"/>
-                </a:solidFill>
-                <a:latin typeface="Century Gothic"/>
-              </a:rPr>
-              <a:t>Raspberry Pi 3</a:t>
+              <a:t>-</a:t>
+            </a:r>
+            <a:r>
+              <a:rPr b="0" lang="en-GB" sz="2200" spc="-1" strike="noStrike">
+                <a:solidFill>
+                  <a:srgbClr val="ffffff"/>
+                </a:solidFill>
+                <a:latin typeface="Century Gothic"/>
+              </a:rPr>
+              <a:t> </a:t>
+            </a:r>
+            <a:r>
+              <a:rPr b="0" lang="en-GB" sz="1800" spc="-1" strike="noStrike">
+                <a:solidFill>
+                  <a:srgbClr val="ffffff"/>
+                </a:solidFill>
+                <a:latin typeface="Century Gothic"/>
+              </a:rPr>
+              <a:t>R</a:t>
+            </a:r>
+            <a:r>
+              <a:rPr b="0" lang="en-GB" sz="1800" spc="-1" strike="noStrike">
+                <a:solidFill>
+                  <a:srgbClr val="ffffff"/>
+                </a:solidFill>
+                <a:latin typeface="Century Gothic"/>
+              </a:rPr>
+              <a:t>a</a:t>
+            </a:r>
+            <a:r>
+              <a:rPr b="0" lang="en-GB" sz="1800" spc="-1" strike="noStrike">
+                <a:solidFill>
+                  <a:srgbClr val="ffffff"/>
+                </a:solidFill>
+                <a:latin typeface="Century Gothic"/>
+              </a:rPr>
+              <a:t>s</a:t>
+            </a:r>
+            <a:r>
+              <a:rPr b="0" lang="en-GB" sz="1800" spc="-1" strike="noStrike">
+                <a:solidFill>
+                  <a:srgbClr val="ffffff"/>
+                </a:solidFill>
+                <a:latin typeface="Century Gothic"/>
+              </a:rPr>
+              <a:t>p</a:t>
+            </a:r>
+            <a:r>
+              <a:rPr b="0" lang="en-GB" sz="1800" spc="-1" strike="noStrike">
+                <a:solidFill>
+                  <a:srgbClr val="ffffff"/>
+                </a:solidFill>
+                <a:latin typeface="Century Gothic"/>
+              </a:rPr>
+              <a:t>b</a:t>
+            </a:r>
+            <a:r>
+              <a:rPr b="0" lang="en-GB" sz="1800" spc="-1" strike="noStrike">
+                <a:solidFill>
+                  <a:srgbClr val="ffffff"/>
+                </a:solidFill>
+                <a:latin typeface="Century Gothic"/>
+              </a:rPr>
+              <a:t>e</a:t>
+            </a:r>
+            <a:r>
+              <a:rPr b="0" lang="en-GB" sz="1800" spc="-1" strike="noStrike">
+                <a:solidFill>
+                  <a:srgbClr val="ffffff"/>
+                </a:solidFill>
+                <a:latin typeface="Century Gothic"/>
+              </a:rPr>
+              <a:t>r</a:t>
+            </a:r>
+            <a:r>
+              <a:rPr b="0" lang="en-GB" sz="1800" spc="-1" strike="noStrike">
+                <a:solidFill>
+                  <a:srgbClr val="ffffff"/>
+                </a:solidFill>
+                <a:latin typeface="Century Gothic"/>
+              </a:rPr>
+              <a:t>r</a:t>
+            </a:r>
+            <a:r>
+              <a:rPr b="0" lang="en-GB" sz="1800" spc="-1" strike="noStrike">
+                <a:solidFill>
+                  <a:srgbClr val="ffffff"/>
+                </a:solidFill>
+                <a:latin typeface="Century Gothic"/>
+              </a:rPr>
+              <a:t>y</a:t>
+            </a:r>
+            <a:r>
+              <a:rPr b="0" lang="en-GB" sz="1800" spc="-1" strike="noStrike">
+                <a:solidFill>
+                  <a:srgbClr val="ffffff"/>
+                </a:solidFill>
+                <a:latin typeface="Century Gothic"/>
+              </a:rPr>
+              <a:t> </a:t>
+            </a:r>
+            <a:r>
+              <a:rPr b="0" lang="en-GB" sz="1800" spc="-1" strike="noStrike">
+                <a:solidFill>
+                  <a:srgbClr val="ffffff"/>
+                </a:solidFill>
+                <a:latin typeface="Century Gothic"/>
+              </a:rPr>
+              <a:t>P</a:t>
+            </a:r>
+            <a:r>
+              <a:rPr b="0" lang="en-GB" sz="1800" spc="-1" strike="noStrike">
+                <a:solidFill>
+                  <a:srgbClr val="ffffff"/>
+                </a:solidFill>
+                <a:latin typeface="Century Gothic"/>
+              </a:rPr>
+              <a:t>i</a:t>
+            </a:r>
+            <a:r>
+              <a:rPr b="0" lang="en-GB" sz="1800" spc="-1" strike="noStrike">
+                <a:solidFill>
+                  <a:srgbClr val="ffffff"/>
+                </a:solidFill>
+                <a:latin typeface="Century Gothic"/>
+              </a:rPr>
+              <a:t> </a:t>
+            </a:r>
+            <a:r>
+              <a:rPr b="0" lang="en-GB" sz="1800" spc="-1" strike="noStrike">
+                <a:solidFill>
+                  <a:srgbClr val="ffffff"/>
+                </a:solidFill>
+                <a:latin typeface="Century Gothic"/>
+              </a:rPr>
+              <a:t>3</a:t>
             </a:r>
             <a:endParaRPr b="0" lang="en-GB" sz="1800" spc="-1" strike="noStrike">
               <a:latin typeface="Arial"/>
@@ -7881,7 +8193,124 @@
                 </a:solidFill>
                 <a:latin typeface="Century Gothic"/>
               </a:rPr>
-              <a:t>- Power supply</a:t>
+              <a:t>-</a:t>
+            </a:r>
+            <a:r>
+              <a:rPr b="0" lang="en-GB" sz="1800" spc="-1" strike="noStrike">
+                <a:solidFill>
+                  <a:srgbClr val="ffffff"/>
+                </a:solidFill>
+                <a:latin typeface="Century Gothic"/>
+              </a:rPr>
+              <a:t> </a:t>
+            </a:r>
+            <a:r>
+              <a:rPr b="0" lang="en-GB" sz="1800" spc="-1" strike="noStrike">
+                <a:solidFill>
+                  <a:srgbClr val="ffffff"/>
+                </a:solidFill>
+                <a:latin typeface="Century Gothic"/>
+              </a:rPr>
+              <a:t>P</a:t>
+            </a:r>
+            <a:r>
+              <a:rPr b="0" lang="en-GB" sz="1800" spc="-1" strike="noStrike">
+                <a:solidFill>
+                  <a:srgbClr val="ffffff"/>
+                </a:solidFill>
+                <a:latin typeface="Century Gothic"/>
+              </a:rPr>
+              <a:t>o</a:t>
+            </a:r>
+            <a:r>
+              <a:rPr b="0" lang="en-GB" sz="1800" spc="-1" strike="noStrike">
+                <a:solidFill>
+                  <a:srgbClr val="ffffff"/>
+                </a:solidFill>
+                <a:latin typeface="Century Gothic"/>
+              </a:rPr>
+              <a:t>w</a:t>
+            </a:r>
+            <a:r>
+              <a:rPr b="0" lang="en-GB" sz="1800" spc="-1" strike="noStrike">
+                <a:solidFill>
+                  <a:srgbClr val="ffffff"/>
+                </a:solidFill>
+                <a:latin typeface="Century Gothic"/>
+              </a:rPr>
+              <a:t>e</a:t>
+            </a:r>
+            <a:r>
+              <a:rPr b="0" lang="en-GB" sz="1800" spc="-1" strike="noStrike">
+                <a:solidFill>
+                  <a:srgbClr val="ffffff"/>
+                </a:solidFill>
+                <a:latin typeface="Century Gothic"/>
+              </a:rPr>
+              <a:t>r</a:t>
+            </a:r>
+            <a:r>
+              <a:rPr b="0" lang="en-GB" sz="1800" spc="-1" strike="noStrike">
+                <a:solidFill>
+                  <a:srgbClr val="ffffff"/>
+                </a:solidFill>
+                <a:latin typeface="Century Gothic"/>
+              </a:rPr>
+              <a:t> </a:t>
+            </a:r>
+            <a:r>
+              <a:rPr b="0" lang="en-GB" sz="1800" spc="-1" strike="noStrike">
+                <a:solidFill>
+                  <a:srgbClr val="ffffff"/>
+                </a:solidFill>
+                <a:latin typeface="Century Gothic"/>
+              </a:rPr>
+              <a:t>s</a:t>
+            </a:r>
+            <a:r>
+              <a:rPr b="0" lang="en-GB" sz="1800" spc="-1" strike="noStrike">
+                <a:solidFill>
+                  <a:srgbClr val="ffffff"/>
+                </a:solidFill>
+                <a:latin typeface="Century Gothic"/>
+              </a:rPr>
+              <a:t>u</a:t>
+            </a:r>
+            <a:r>
+              <a:rPr b="0" lang="en-GB" sz="1800" spc="-1" strike="noStrike">
+                <a:solidFill>
+                  <a:srgbClr val="ffffff"/>
+                </a:solidFill>
+                <a:latin typeface="Century Gothic"/>
+              </a:rPr>
+              <a:t>p</a:t>
+            </a:r>
+            <a:r>
+              <a:rPr b="0" lang="en-GB" sz="1800" spc="-1" strike="noStrike">
+                <a:solidFill>
+                  <a:srgbClr val="ffffff"/>
+                </a:solidFill>
+                <a:latin typeface="Century Gothic"/>
+              </a:rPr>
+              <a:t>p</a:t>
+            </a:r>
+            <a:r>
+              <a:rPr b="0" lang="en-GB" sz="1800" spc="-1" strike="noStrike">
+                <a:solidFill>
+                  <a:srgbClr val="ffffff"/>
+                </a:solidFill>
+                <a:latin typeface="Century Gothic"/>
+              </a:rPr>
+              <a:t>l</a:t>
+            </a:r>
+            <a:r>
+              <a:rPr b="0" lang="en-GB" sz="1800" spc="-1" strike="noStrike">
+                <a:solidFill>
+                  <a:srgbClr val="ffffff"/>
+                </a:solidFill>
+                <a:latin typeface="Century Gothic"/>
+              </a:rPr>
+              <a:t>y</a:t>
             </a:r>
             <a:endParaRPr b="0" lang="en-GB" sz="1800" spc="-1" strike="noStrike">
               <a:latin typeface="Arial"/>
@@ -7895,7 +8324,151 @@
                 </a:solidFill>
                 <a:latin typeface="Century Gothic"/>
               </a:rPr>
-              <a:t>- Arcade controls</a:t>
+              <a:t>-</a:t>
+            </a:r>
+            <a:r>
+              <a:rPr b="0" lang="en-GB" sz="1800" spc="-1" strike="noStrike">
+                <a:solidFill>
+                  <a:srgbClr val="ffffff"/>
+                </a:solidFill>
+                <a:latin typeface="Century Gothic"/>
+              </a:rPr>
+              <a:t> </a:t>
+            </a:r>
+            <a:r>
+              <a:rPr b="0" lang="en-GB" sz="1800" spc="-1" strike="noStrike">
+                <a:solidFill>
+                  <a:srgbClr val="ffffff"/>
+                </a:solidFill>
+                <a:latin typeface="Century Gothic"/>
+              </a:rPr>
+              <a:t>A</a:t>
+            </a:r>
+            <a:r>
+              <a:rPr b="0" lang="en-GB" sz="1800" spc="-1" strike="noStrike">
+                <a:solidFill>
+                  <a:srgbClr val="ffffff"/>
+                </a:solidFill>
+                <a:latin typeface="Century Gothic"/>
+              </a:rPr>
+              <a:t>r</a:t>
+            </a:r>
+            <a:r>
+              <a:rPr b="0" lang="en-GB" sz="1800" spc="-1" strike="noStrike">
+                <a:solidFill>
+                  <a:srgbClr val="ffffff"/>
+                </a:solidFill>
+                <a:latin typeface="Century Gothic"/>
+              </a:rPr>
+              <a:t>c</a:t>
+            </a:r>
+            <a:r>
+              <a:rPr b="0" lang="en-GB" sz="1800" spc="-1" strike="noStrike">
+                <a:solidFill>
+                  <a:srgbClr val="ffffff"/>
+                </a:solidFill>
+                <a:latin typeface="Century Gothic"/>
+              </a:rPr>
+              <a:t>a</a:t>
+            </a:r>
+            <a:r>
+              <a:rPr b="0" lang="en-GB" sz="1800" spc="-1" strike="noStrike">
+                <a:solidFill>
+                  <a:srgbClr val="ffffff"/>
+                </a:solidFill>
+                <a:latin typeface="Century Gothic"/>
+              </a:rPr>
+              <a:t>d</a:t>
+            </a:r>
+            <a:r>
+              <a:rPr b="0" lang="en-GB" sz="1800" spc="-1" strike="noStrike">
+                <a:solidFill>
+                  <a:srgbClr val="ffffff"/>
+                </a:solidFill>
+                <a:latin typeface="Century Gothic"/>
+              </a:rPr>
+              <a:t>e</a:t>
+            </a:r>
+            <a:r>
+              <a:rPr b="0" lang="en-GB" sz="1800" spc="-1" strike="noStrike">
+                <a:solidFill>
+                  <a:srgbClr val="ffffff"/>
+                </a:solidFill>
+                <a:latin typeface="Century Gothic"/>
+              </a:rPr>
+              <a:t> </a:t>
+            </a:r>
+            <a:r>
+              <a:rPr b="0" lang="en-GB" sz="1800" spc="-1" strike="noStrike">
+                <a:solidFill>
+                  <a:srgbClr val="ffffff"/>
+                </a:solidFill>
+                <a:latin typeface="Century Gothic"/>
+              </a:rPr>
+              <a:t>c</a:t>
+            </a:r>
+            <a:r>
+              <a:rPr b="0" lang="en-GB" sz="1800" spc="-1" strike="noStrike">
+                <a:solidFill>
+                  <a:srgbClr val="ffffff"/>
+                </a:solidFill>
+                <a:latin typeface="Century Gothic"/>
+              </a:rPr>
+              <a:t>o</a:t>
+            </a:r>
+            <a:r>
+              <a:rPr b="0" lang="en-GB" sz="1800" spc="-1" strike="noStrike">
+                <a:solidFill>
+                  <a:srgbClr val="ffffff"/>
+                </a:solidFill>
+                <a:latin typeface="Century Gothic"/>
+              </a:rPr>
+              <a:t>n</a:t>
+            </a:r>
+            <a:r>
+              <a:rPr b="0" lang="en-GB" sz="1800" spc="-1" strike="noStrike">
+                <a:solidFill>
+                  <a:srgbClr val="ffffff"/>
+                </a:solidFill>
+                <a:latin typeface="Century Gothic"/>
+              </a:rPr>
+              <a:t>t</a:t>
+            </a:r>
+            <a:r>
+              <a:rPr b="0" lang="en-GB" sz="1800" spc="-1" strike="noStrike">
+                <a:solidFill>
+                  <a:srgbClr val="ffffff"/>
+                </a:solidFill>
+                <a:latin typeface="Century Gothic"/>
+              </a:rPr>
+              <a:t>r</a:t>
+            </a:r>
+            <a:r>
+              <a:rPr b="0" lang="en-GB" sz="1800" spc="-1" strike="noStrike">
+                <a:solidFill>
+                  <a:srgbClr val="ffffff"/>
+                </a:solidFill>
+                <a:latin typeface="Century Gothic"/>
+              </a:rPr>
+              <a:t>o</a:t>
+            </a:r>
+            <a:r>
+              <a:rPr b="0" lang="en-GB" sz="1800" spc="-1" strike="noStrike">
+                <a:solidFill>
+                  <a:srgbClr val="ffffff"/>
+                </a:solidFill>
+                <a:latin typeface="Century Gothic"/>
+              </a:rPr>
+              <a:t>l</a:t>
+            </a:r>
+            <a:r>
+              <a:rPr b="0" lang="en-GB" sz="1800" spc="-1" strike="noStrike">
+                <a:solidFill>
+                  <a:srgbClr val="ffffff"/>
+                </a:solidFill>
+                <a:latin typeface="Century Gothic"/>
+              </a:rPr>
+              <a:t>s</a:t>
             </a:r>
             <a:endParaRPr b="0" lang="en-GB" sz="1800" spc="-1" strike="noStrike">
               <a:latin typeface="Arial"/>
